--- a/LectureSlides/01_PreceptionForScientificVisualization.pptx
+++ b/LectureSlides/01_PreceptionForScientificVisualization.pptx
@@ -3901,21 +3901,15 @@
             <a:pPr lvl="1"/>
             <a:r>
               <a:rPr dirty="0"/>
-              <a:t>More </a:t>
-            </a:r>
-            <a:r>
-              <a:t>than </a:t>
-            </a:r>
-            <a:r>
-              <a:rPr lang="en-US"/>
+              <a:t>More than </a:t>
+            </a:r>
+            <a:r>
+              <a:rPr lang="en-US" dirty="0"/>
               <a:t>5</a:t>
             </a:r>
             <a:r>
-              <a:t> </a:t>
-            </a:r>
-            <a:r>
-              <a:rPr dirty="0"/>
-              <a:t>days late - no credit</a:t>
+              <a:rPr dirty="0"/>
+              <a:t> days late - no credit</a:t>
             </a:r>
           </a:p>
           <a:p>
@@ -9683,7 +9677,12 @@
             <p:ph idx="1"/>
           </p:nvPr>
         </p:nvSpPr>
-        <p:spPr/>
+        <p:spPr>
+          <a:xfrm>
+            <a:off x="457200" y="1094820"/>
+            <a:ext cx="8229600" cy="3661700"/>
+          </a:xfrm>
+        </p:spPr>
         <p:txBody>
           <a:bodyPr>
             <a:normAutofit fontScale="85000" lnSpcReduction="20000"/>
@@ -9822,7 +9821,12 @@
             <p:ph idx="1"/>
           </p:nvPr>
         </p:nvSpPr>
-        <p:spPr/>
+        <p:spPr>
+          <a:xfrm>
+            <a:off x="457200" y="1200151"/>
+            <a:ext cx="8229600" cy="3433356"/>
+          </a:xfrm>
+        </p:spPr>
         <p:txBody>
           <a:bodyPr>
             <a:normAutofit fontScale="85000" lnSpcReduction="10000"/>
@@ -9831,48 +9835,64 @@
           <a:p>
             <a:pPr lvl="0"/>
             <a:r>
+              <a:rPr dirty="0"/>
               <a:t>Data science consultant with several decades of experience</a:t>
             </a:r>
           </a:p>
           <a:p>
             <a:pPr lvl="0"/>
             <a:r>
+              <a:rPr dirty="0"/>
               <a:t>Instructor for Harvard since 2016</a:t>
             </a:r>
           </a:p>
           <a:p>
             <a:pPr lvl="0"/>
             <a:r>
+              <a:rPr dirty="0"/>
               <a:t>Lead team that commercialized Bell Labs S, now open source R</a:t>
             </a:r>
           </a:p>
           <a:p>
             <a:pPr lvl="0"/>
             <a:r>
+              <a:rPr dirty="0"/>
               <a:t>Company co-founder and held executive positions in several industries</a:t>
             </a:r>
           </a:p>
           <a:p>
             <a:pPr lvl="0"/>
             <a:r>
-              <a:t>Creator of multiple edX courses, author of O’Reily books and articles</a:t>
+              <a:rPr dirty="0"/>
+              <a:t>Creator of multiple edX courses, author of </a:t>
+            </a:r>
+            <a:r>
+              <a:rPr dirty="0" err="1"/>
+              <a:t>O’Reily</a:t>
+            </a:r>
+            <a:r>
+              <a:rPr dirty="0"/>
+              <a:t> books and articles</a:t>
             </a:r>
           </a:p>
           <a:p>
             <a:pPr lvl="0"/>
             <a:r>
+              <a:rPr dirty="0"/>
               <a:t>Holder of 5 issued patents</a:t>
             </a:r>
           </a:p>
           <a:p>
             <a:pPr lvl="0"/>
             <a:r>
+              <a:rPr dirty="0"/>
               <a:t>BS, physics and math (minor), University of New Mexico</a:t>
             </a:r>
           </a:p>
           <a:p>
             <a:pPr lvl="0"/>
             <a:r>
+              <a:rPr dirty="0"/>
               <a:t>MS and PhD, geophysics, Princeton University – NSF, John von Neuman Supercomputing Fellow</a:t>
             </a:r>
           </a:p>

--- a/LectureSlides/01_PreceptionForScientificVisualization.pptx
+++ b/LectureSlides/01_PreceptionForScientificVisualization.pptx
@@ -348,7 +348,7 @@
           <a:p>
             <a:fld id="{241EB5C9-1307-BA42-ABA2-0BC069CD8E7F}" type="datetimeFigureOut">
               <a:rPr lang="en-US" smtClean="0"/>
-              <a:t>8/3/2024</a:t>
+              <a:t>8/15/2024</a:t>
             </a:fld>
             <a:endParaRPr lang="en-US"/>
           </a:p>
@@ -516,7 +516,7 @@
           <a:p>
             <a:fld id="{241EB5C9-1307-BA42-ABA2-0BC069CD8E7F}" type="datetimeFigureOut">
               <a:rPr lang="en-US" smtClean="0"/>
-              <a:t>8/3/2024</a:t>
+              <a:t>8/15/2024</a:t>
             </a:fld>
             <a:endParaRPr lang="en-US"/>
           </a:p>
@@ -694,7 +694,7 @@
           <a:p>
             <a:fld id="{241EB5C9-1307-BA42-ABA2-0BC069CD8E7F}" type="datetimeFigureOut">
               <a:rPr lang="en-US" smtClean="0"/>
-              <a:t>8/3/2024</a:t>
+              <a:t>8/15/2024</a:t>
             </a:fld>
             <a:endParaRPr lang="en-US"/>
           </a:p>
@@ -862,7 +862,7 @@
           <a:p>
             <a:fld id="{241EB5C9-1307-BA42-ABA2-0BC069CD8E7F}" type="datetimeFigureOut">
               <a:rPr lang="en-US" smtClean="0"/>
-              <a:t>8/3/2024</a:t>
+              <a:t>8/15/2024</a:t>
             </a:fld>
             <a:endParaRPr lang="en-US"/>
           </a:p>
@@ -1107,7 +1107,7 @@
           <a:p>
             <a:fld id="{241EB5C9-1307-BA42-ABA2-0BC069CD8E7F}" type="datetimeFigureOut">
               <a:rPr lang="en-US" smtClean="0"/>
-              <a:t>8/3/2024</a:t>
+              <a:t>8/15/2024</a:t>
             </a:fld>
             <a:endParaRPr lang="en-US"/>
           </a:p>
@@ -1392,7 +1392,7 @@
           <a:p>
             <a:fld id="{241EB5C9-1307-BA42-ABA2-0BC069CD8E7F}" type="datetimeFigureOut">
               <a:rPr lang="en-US" smtClean="0"/>
-              <a:t>8/3/2024</a:t>
+              <a:t>8/15/2024</a:t>
             </a:fld>
             <a:endParaRPr lang="en-US"/>
           </a:p>
@@ -1811,7 +1811,7 @@
           <a:p>
             <a:fld id="{241EB5C9-1307-BA42-ABA2-0BC069CD8E7F}" type="datetimeFigureOut">
               <a:rPr lang="en-US" smtClean="0"/>
-              <a:t>8/3/2024</a:t>
+              <a:t>8/15/2024</a:t>
             </a:fld>
             <a:endParaRPr lang="en-US"/>
           </a:p>
@@ -1928,7 +1928,7 @@
           <a:p>
             <a:fld id="{241EB5C9-1307-BA42-ABA2-0BC069CD8E7F}" type="datetimeFigureOut">
               <a:rPr lang="en-US" smtClean="0"/>
-              <a:t>8/3/2024</a:t>
+              <a:t>8/15/2024</a:t>
             </a:fld>
             <a:endParaRPr lang="en-US"/>
           </a:p>
@@ -2023,7 +2023,7 @@
           <a:p>
             <a:fld id="{241EB5C9-1307-BA42-ABA2-0BC069CD8E7F}" type="datetimeFigureOut">
               <a:rPr lang="en-US" smtClean="0"/>
-              <a:t>8/3/2024</a:t>
+              <a:t>8/15/2024</a:t>
             </a:fld>
             <a:endParaRPr lang="en-US"/>
           </a:p>
@@ -2298,7 +2298,7 @@
           <a:p>
             <a:fld id="{241EB5C9-1307-BA42-ABA2-0BC069CD8E7F}" type="datetimeFigureOut">
               <a:rPr lang="en-US" smtClean="0"/>
-              <a:t>8/3/2024</a:t>
+              <a:t>8/15/2024</a:t>
             </a:fld>
             <a:endParaRPr lang="en-US"/>
           </a:p>
@@ -2550,7 +2550,7 @@
           <a:p>
             <a:fld id="{241EB5C9-1307-BA42-ABA2-0BC069CD8E7F}" type="datetimeFigureOut">
               <a:rPr lang="en-US" smtClean="0"/>
-              <a:t>8/3/2024</a:t>
+              <a:t>8/15/2024</a:t>
             </a:fld>
             <a:endParaRPr lang="en-US"/>
           </a:p>
@@ -2761,7 +2761,7 @@
           <a:p>
             <a:fld id="{241EB5C9-1307-BA42-ABA2-0BC069CD8E7F}" type="datetimeFigureOut">
               <a:rPr lang="en-US" smtClean="0"/>
-              <a:t>8/3/2024</a:t>
+              <a:t>8/15/2024</a:t>
             </a:fld>
             <a:endParaRPr lang="en-US"/>
           </a:p>

--- a/LectureSlides/01_PreceptionForScientificVisualization.pptx
+++ b/LectureSlides/01_PreceptionForScientificVisualization.pptx
@@ -8,11 +8,11 @@
     <p:sldId id="256" r:id="rId2"/>
     <p:sldId id="257" r:id="rId3"/>
     <p:sldId id="258" r:id="rId4"/>
-    <p:sldId id="259" r:id="rId5"/>
-    <p:sldId id="260" r:id="rId6"/>
-    <p:sldId id="261" r:id="rId7"/>
-    <p:sldId id="262" r:id="rId8"/>
-    <p:sldId id="263" r:id="rId9"/>
+    <p:sldId id="310" r:id="rId5"/>
+    <p:sldId id="259" r:id="rId6"/>
+    <p:sldId id="260" r:id="rId7"/>
+    <p:sldId id="261" r:id="rId8"/>
+    <p:sldId id="262" r:id="rId9"/>
     <p:sldId id="264" r:id="rId10"/>
     <p:sldId id="266" r:id="rId11"/>
     <p:sldId id="265" r:id="rId12"/>
@@ -26,32 +26,34 @@
     <p:sldId id="275" r:id="rId20"/>
     <p:sldId id="276" r:id="rId21"/>
     <p:sldId id="277" r:id="rId22"/>
-    <p:sldId id="278" r:id="rId23"/>
-    <p:sldId id="279" r:id="rId24"/>
-    <p:sldId id="280" r:id="rId25"/>
-    <p:sldId id="281" r:id="rId26"/>
-    <p:sldId id="282" r:id="rId27"/>
-    <p:sldId id="283" r:id="rId28"/>
-    <p:sldId id="284" r:id="rId29"/>
-    <p:sldId id="286" r:id="rId30"/>
-    <p:sldId id="287" r:id="rId31"/>
-    <p:sldId id="288" r:id="rId32"/>
-    <p:sldId id="290" r:id="rId33"/>
-    <p:sldId id="291" r:id="rId34"/>
-    <p:sldId id="292" r:id="rId35"/>
-    <p:sldId id="293" r:id="rId36"/>
-    <p:sldId id="294" r:id="rId37"/>
-    <p:sldId id="295" r:id="rId38"/>
-    <p:sldId id="296" r:id="rId39"/>
-    <p:sldId id="298" r:id="rId40"/>
-    <p:sldId id="300" r:id="rId41"/>
-    <p:sldId id="301" r:id="rId42"/>
-    <p:sldId id="303" r:id="rId43"/>
-    <p:sldId id="308" r:id="rId44"/>
-    <p:sldId id="304" r:id="rId45"/>
-    <p:sldId id="305" r:id="rId46"/>
-    <p:sldId id="307" r:id="rId47"/>
-    <p:sldId id="309" r:id="rId48"/>
+    <p:sldId id="311" r:id="rId23"/>
+    <p:sldId id="278" r:id="rId24"/>
+    <p:sldId id="279" r:id="rId25"/>
+    <p:sldId id="280" r:id="rId26"/>
+    <p:sldId id="281" r:id="rId27"/>
+    <p:sldId id="282" r:id="rId28"/>
+    <p:sldId id="283" r:id="rId29"/>
+    <p:sldId id="284" r:id="rId30"/>
+    <p:sldId id="286" r:id="rId31"/>
+    <p:sldId id="287" r:id="rId32"/>
+    <p:sldId id="312" r:id="rId33"/>
+    <p:sldId id="313" r:id="rId34"/>
+    <p:sldId id="288" r:id="rId35"/>
+    <p:sldId id="290" r:id="rId36"/>
+    <p:sldId id="291" r:id="rId37"/>
+    <p:sldId id="292" r:id="rId38"/>
+    <p:sldId id="293" r:id="rId39"/>
+    <p:sldId id="294" r:id="rId40"/>
+    <p:sldId id="295" r:id="rId41"/>
+    <p:sldId id="296" r:id="rId42"/>
+    <p:sldId id="298" r:id="rId43"/>
+    <p:sldId id="300" r:id="rId44"/>
+    <p:sldId id="301" r:id="rId45"/>
+    <p:sldId id="303" r:id="rId46"/>
+    <p:sldId id="308" r:id="rId47"/>
+    <p:sldId id="304" r:id="rId48"/>
+    <p:sldId id="305" r:id="rId49"/>
+    <p:sldId id="307" r:id="rId50"/>
   </p:sldIdLst>
   <p:sldSz cx="9144000" cy="5143500" type="screen16x9"/>
   <p:notesSz cx="6858000" cy="9144000"/>
@@ -348,7 +350,7 @@
           <a:p>
             <a:fld id="{241EB5C9-1307-BA42-ABA2-0BC069CD8E7F}" type="datetimeFigureOut">
               <a:rPr lang="en-US" smtClean="0"/>
-              <a:t>8/15/2024</a:t>
+              <a:t>8/26/2024</a:t>
             </a:fld>
             <a:endParaRPr lang="en-US"/>
           </a:p>
@@ -516,7 +518,7 @@
           <a:p>
             <a:fld id="{241EB5C9-1307-BA42-ABA2-0BC069CD8E7F}" type="datetimeFigureOut">
               <a:rPr lang="en-US" smtClean="0"/>
-              <a:t>8/15/2024</a:t>
+              <a:t>8/26/2024</a:t>
             </a:fld>
             <a:endParaRPr lang="en-US"/>
           </a:p>
@@ -694,7 +696,7 @@
           <a:p>
             <a:fld id="{241EB5C9-1307-BA42-ABA2-0BC069CD8E7F}" type="datetimeFigureOut">
               <a:rPr lang="en-US" smtClean="0"/>
-              <a:t>8/15/2024</a:t>
+              <a:t>8/26/2024</a:t>
             </a:fld>
             <a:endParaRPr lang="en-US"/>
           </a:p>
@@ -862,7 +864,7 @@
           <a:p>
             <a:fld id="{241EB5C9-1307-BA42-ABA2-0BC069CD8E7F}" type="datetimeFigureOut">
               <a:rPr lang="en-US" smtClean="0"/>
-              <a:t>8/15/2024</a:t>
+              <a:t>8/26/2024</a:t>
             </a:fld>
             <a:endParaRPr lang="en-US"/>
           </a:p>
@@ -1107,7 +1109,7 @@
           <a:p>
             <a:fld id="{241EB5C9-1307-BA42-ABA2-0BC069CD8E7F}" type="datetimeFigureOut">
               <a:rPr lang="en-US" smtClean="0"/>
-              <a:t>8/15/2024</a:t>
+              <a:t>8/26/2024</a:t>
             </a:fld>
             <a:endParaRPr lang="en-US"/>
           </a:p>
@@ -1392,7 +1394,7 @@
           <a:p>
             <a:fld id="{241EB5C9-1307-BA42-ABA2-0BC069CD8E7F}" type="datetimeFigureOut">
               <a:rPr lang="en-US" smtClean="0"/>
-              <a:t>8/15/2024</a:t>
+              <a:t>8/26/2024</a:t>
             </a:fld>
             <a:endParaRPr lang="en-US"/>
           </a:p>
@@ -1811,7 +1813,7 @@
           <a:p>
             <a:fld id="{241EB5C9-1307-BA42-ABA2-0BC069CD8E7F}" type="datetimeFigureOut">
               <a:rPr lang="en-US" smtClean="0"/>
-              <a:t>8/15/2024</a:t>
+              <a:t>8/26/2024</a:t>
             </a:fld>
             <a:endParaRPr lang="en-US"/>
           </a:p>
@@ -1928,7 +1930,7 @@
           <a:p>
             <a:fld id="{241EB5C9-1307-BA42-ABA2-0BC069CD8E7F}" type="datetimeFigureOut">
               <a:rPr lang="en-US" smtClean="0"/>
-              <a:t>8/15/2024</a:t>
+              <a:t>8/26/2024</a:t>
             </a:fld>
             <a:endParaRPr lang="en-US"/>
           </a:p>
@@ -2023,7 +2025,7 @@
           <a:p>
             <a:fld id="{241EB5C9-1307-BA42-ABA2-0BC069CD8E7F}" type="datetimeFigureOut">
               <a:rPr lang="en-US" smtClean="0"/>
-              <a:t>8/15/2024</a:t>
+              <a:t>8/26/2024</a:t>
             </a:fld>
             <a:endParaRPr lang="en-US"/>
           </a:p>
@@ -2298,7 +2300,7 @@
           <a:p>
             <a:fld id="{241EB5C9-1307-BA42-ABA2-0BC069CD8E7F}" type="datetimeFigureOut">
               <a:rPr lang="en-US" smtClean="0"/>
-              <a:t>8/15/2024</a:t>
+              <a:t>8/26/2024</a:t>
             </a:fld>
             <a:endParaRPr lang="en-US"/>
           </a:p>
@@ -2550,7 +2552,7 @@
           <a:p>
             <a:fld id="{241EB5C9-1307-BA42-ABA2-0BC069CD8E7F}" type="datetimeFigureOut">
               <a:rPr lang="en-US" smtClean="0"/>
-              <a:t>8/15/2024</a:t>
+              <a:t>8/26/2024</a:t>
             </a:fld>
             <a:endParaRPr lang="en-US"/>
           </a:p>
@@ -2761,7 +2763,7 @@
           <a:p>
             <a:fld id="{241EB5C9-1307-BA42-ABA2-0BC069CD8E7F}" type="datetimeFigureOut">
               <a:rPr lang="en-US" smtClean="0"/>
-              <a:t>8/15/2024</a:t>
+              <a:t>8/26/2024</a:t>
             </a:fld>
             <a:endParaRPr lang="en-US"/>
           </a:p>
@@ -3148,8 +3150,8 @@
         </p:nvSpPr>
         <p:spPr>
           <a:xfrm>
-            <a:off x="685800" y="1597819"/>
-            <a:ext cx="7772400" cy="1102519"/>
+            <a:off x="685800" y="517003"/>
+            <a:ext cx="7772400" cy="1515861"/>
           </a:xfrm>
         </p:spPr>
         <p:txBody>
@@ -3160,6 +3162,7 @@
               <a:buNone/>
             </a:pPr>
             <a:r>
+              <a:rPr b="1" dirty="0"/>
               <a:t>Perception for Scientific Visualization</a:t>
             </a:r>
           </a:p>
@@ -3177,45 +3180,139 @@
         </p:nvSpPr>
         <p:spPr>
           <a:xfrm>
-            <a:off x="1371600" y="2914650"/>
-            <a:ext cx="6400800" cy="1314450"/>
+            <a:off x="1371600" y="1878957"/>
+            <a:ext cx="6400800" cy="563301"/>
           </a:xfrm>
         </p:spPr>
         <p:txBody>
+          <a:bodyPr>
+            <a:normAutofit fontScale="32500" lnSpcReduction="20000"/>
+          </a:bodyPr>
+          <a:lstStyle/>
+          <a:p>
+            <a:pPr marL="0" lvl="0" indent="0">
+              <a:buNone/>
+            </a:pPr>
+            <a:br>
+              <a:rPr dirty="0"/>
+            </a:br>
+            <a:br>
+              <a:rPr dirty="0"/>
+            </a:br>
+            <a:r>
+              <a:rPr sz="5900" b="1" dirty="0"/>
+              <a:t>Steve Elston</a:t>
+            </a:r>
+          </a:p>
+        </p:txBody>
+      </p:sp>
+      <p:sp>
+        <p:nvSpPr>
+          <p:cNvPr id="4" name="Date Placeholder 3"/>
+          <p:cNvSpPr>
+            <a:spLocks noGrp="1"/>
+          </p:cNvSpPr>
+          <p:nvPr>
+            <p:ph type="dt" sz="half" idx="10"/>
+          </p:nvPr>
+        </p:nvSpPr>
+        <p:spPr/>
+        <p:txBody>
           <a:bodyPr/>
           <a:lstStyle/>
           <a:p>
             <a:pPr marL="0" lvl="0" indent="0">
               <a:buNone/>
             </a:pPr>
-            <a:br/>
-            <a:br/>
-            <a:r>
-              <a:t>Steve Elston</a:t>
-            </a:r>
-          </a:p>
-        </p:txBody>
-      </p:sp>
-      <p:sp>
-        <p:nvSpPr>
-          <p:cNvPr id="4" name="Date Placeholder 3"/>
-          <p:cNvSpPr>
-            <a:spLocks noGrp="1"/>
-          </p:cNvSpPr>
-          <p:nvPr>
-            <p:ph type="dt" sz="half" idx="10"/>
-          </p:nvPr>
-        </p:nvSpPr>
-        <p:spPr/>
-        <p:txBody>
-          <a:bodyPr/>
-          <a:lstStyle/>
-          <a:p>
-            <a:pPr marL="0" lvl="0" indent="0">
-              <a:buNone/>
-            </a:pPr>
             <a:r>
               <a:t>09/04/2023</a:t>
+            </a:r>
+          </a:p>
+        </p:txBody>
+      </p:sp>
+      <p:pic>
+        <p:nvPicPr>
+          <p:cNvPr id="5" name="Picture 2" descr="Image result for harvard extension school logo">
+            <a:extLst>
+              <a:ext uri="{FF2B5EF4-FFF2-40B4-BE49-F238E27FC236}">
+                <a16:creationId xmlns:a16="http://schemas.microsoft.com/office/drawing/2014/main" id="{4589CD93-89FF-3DF6-420D-DE6D671B6DD7}"/>
+              </a:ext>
+            </a:extLst>
+          </p:cNvPr>
+          <p:cNvPicPr>
+            <a:picLocks noChangeAspect="1" noChangeArrowheads="1"/>
+          </p:cNvPicPr>
+          <p:nvPr/>
+        </p:nvPicPr>
+        <p:blipFill>
+          <a:blip r:embed="rId2">
+            <a:extLst>
+              <a:ext uri="{28A0092B-C50C-407E-A947-70E740481C1C}">
+                <a14:useLocalDpi xmlns:a14="http://schemas.microsoft.com/office/drawing/2010/main" val="0"/>
+              </a:ext>
+            </a:extLst>
+          </a:blip>
+          <a:srcRect/>
+          <a:stretch>
+            <a:fillRect/>
+          </a:stretch>
+        </p:blipFill>
+        <p:spPr bwMode="auto">
+          <a:xfrm>
+            <a:off x="3291067" y="3659436"/>
+            <a:ext cx="2345803" cy="965131"/>
+          </a:xfrm>
+          <a:prstGeom prst="rect">
+            <a:avLst/>
+          </a:prstGeom>
+          <a:noFill/>
+          <a:extLst>
+            <a:ext uri="{909E8E84-426E-40DD-AFC4-6F175D3DCCD1}">
+              <a14:hiddenFill xmlns:a14="http://schemas.microsoft.com/office/drawing/2010/main">
+                <a:solidFill>
+                  <a:srgbClr val="FFFFFF"/>
+                </a:solidFill>
+              </a14:hiddenFill>
+            </a:ext>
+          </a:extLst>
+        </p:spPr>
+      </p:pic>
+      <p:sp>
+        <p:nvSpPr>
+          <p:cNvPr id="6" name="TextBox 5">
+            <a:extLst>
+              <a:ext uri="{FF2B5EF4-FFF2-40B4-BE49-F238E27FC236}">
+                <a16:creationId xmlns:a16="http://schemas.microsoft.com/office/drawing/2014/main" id="{E74191BF-5D24-EFDF-F46A-91EA7CBF856B}"/>
+              </a:ext>
+            </a:extLst>
+          </p:cNvPr>
+          <p:cNvSpPr txBox="1"/>
+          <p:nvPr/>
+        </p:nvSpPr>
+        <p:spPr>
+          <a:xfrm>
+            <a:off x="1805276" y="4705706"/>
+            <a:ext cx="5744633" cy="369332"/>
+          </a:xfrm>
+          <a:prstGeom prst="rect">
+            <a:avLst/>
+          </a:prstGeom>
+          <a:noFill/>
+        </p:spPr>
+        <p:txBody>
+          <a:bodyPr wrap="square" rtlCol="0">
+            <a:spAutoFit/>
+          </a:bodyPr>
+          <a:lstStyle/>
+          <a:p>
+            <a:pPr algn="ctr"/>
+            <a:r>
+              <a:rPr lang="en-US" sz="1100" dirty="0"/>
+              <a:t>Copyright 2020, 2021, 2022, 2023 2024, Stephen F Elston. All rights reserved</a:t>
+            </a:r>
+            <a:r>
+              <a:rPr lang="en-US" dirty="0"/>
+              <a:t>.</a:t>
             </a:r>
           </a:p>
         </p:txBody>
@@ -3279,14 +3376,14 @@
             <p:ph idx="1"/>
             <p:extLst>
               <p:ext uri="{D42A27DB-BD31-4B8C-83A1-F6EECF244321}">
-                <p14:modId xmlns:p14="http://schemas.microsoft.com/office/powerpoint/2010/main" val="2590781843"/>
+                <p14:modId xmlns:p14="http://schemas.microsoft.com/office/powerpoint/2010/main" val="4241673745"/>
               </p:ext>
             </p:extLst>
           </p:nvPr>
         </p:nvGraphicFramePr>
         <p:xfrm>
           <a:off x="457200" y="1193800"/>
-          <a:ext cx="8229600" cy="2651760"/>
+          <a:ext cx="8229600" cy="2286000"/>
         </p:xfrm>
         <a:graphic>
           <a:graphicData uri="http://schemas.openxmlformats.org/drawingml/2006/table">
@@ -3295,14 +3392,14 @@
                 <a:tableStyleId>{5C22544A-7EE6-4342-B048-85BDC9FD1C3A}</a:tableStyleId>
               </a:tblPr>
               <a:tblGrid>
-                <a:gridCol w="4114800">
+                <a:gridCol w="5723681">
                   <a:extLst>
                     <a:ext uri="{9D8B030D-6E8A-4147-A177-3AD203B41FA5}">
                       <a16:colId xmlns:a16="http://schemas.microsoft.com/office/drawing/2014/main" val="20000"/>
                     </a:ext>
                   </a:extLst>
                 </a:gridCol>
-                <a:gridCol w="4114800">
+                <a:gridCol w="2505919">
                   <a:extLst>
                     <a:ext uri="{9D8B030D-6E8A-4147-A177-3AD203B41FA5}">
                       <a16:colId xmlns:a16="http://schemas.microsoft.com/office/drawing/2014/main" val="20001"/>
@@ -3578,7 +3675,15 @@
           <a:p>
             <a:r>
               <a:rPr dirty="0"/>
-              <a:t>Do not hesitate to ask for help on concepts or coding!!</a:t>
+              <a:t>Do not hesitate to </a:t>
+            </a:r>
+            <a:r>
+              <a:rPr b="1" dirty="0"/>
+              <a:t>ask for he</a:t>
+            </a:r>
+            <a:r>
+              <a:rPr dirty="0"/>
+              <a:t>lp on concepts or coding!!</a:t>
             </a:r>
           </a:p>
         </p:txBody>
@@ -3749,7 +3854,15 @@
             </a:r>
             <a:r>
               <a:rPr dirty="0"/>
-              <a:t> - e.g. no advanced ML or deep learning</a:t>
+              <a:t> - e.g. </a:t>
+            </a:r>
+            <a:r>
+              <a:rPr lang="en-US" dirty="0"/>
+              <a:t>focus in EDA and inference, </a:t>
+            </a:r>
+            <a:r>
+              <a:rPr dirty="0"/>
+              <a:t>no advanced ML or deep learning</a:t>
             </a:r>
           </a:p>
           <a:p>
@@ -3998,14 +4111,22 @@
         <p:spPr/>
         <p:txBody>
           <a:bodyPr>
-            <a:normAutofit fontScale="77500" lnSpcReduction="20000"/>
+            <a:normAutofit lnSpcReduction="10000"/>
           </a:bodyPr>
           <a:lstStyle/>
           <a:p>
             <a:pPr lvl="0"/>
             <a:r>
               <a:rPr dirty="0"/>
-              <a:t>Class meeting Tuesdays, 6:00 pm US Eastern Time:</a:t>
+              <a:t>Class meeting </a:t>
+            </a:r>
+            <a:r>
+              <a:rPr lang="en-US" dirty="0"/>
+              <a:t>Wednesdays</a:t>
+            </a:r>
+            <a:r>
+              <a:rPr dirty="0"/>
+              <a:t>, 6:00 pm US Eastern Time:</a:t>
             </a:r>
           </a:p>
           <a:p>
@@ -4014,10 +4135,6 @@
               <a:rPr dirty="0"/>
               <a:t>Focus on theory to understand concepts</a:t>
             </a:r>
-            <a:br>
-              <a:rPr dirty="0"/>
-            </a:br>
-            <a:endParaRPr dirty="0"/>
           </a:p>
           <a:p>
             <a:pPr lvl="1"/>
@@ -4033,8 +4150,8 @@
               <a:t>Section meetings </a:t>
             </a:r>
             <a:r>
-              <a:rPr b="1" dirty="0"/>
-              <a:t>day TBD</a:t>
+              <a:rPr lang="en-US" b="1" dirty="0"/>
+              <a:t>Thursdays</a:t>
             </a:r>
             <a:r>
               <a:rPr dirty="0"/>
@@ -4047,38 +4164,26 @@
               <a:rPr dirty="0"/>
               <a:t>Focus on answer student questions - your questions!</a:t>
             </a:r>
-            <a:br>
-              <a:rPr dirty="0"/>
-            </a:br>
-            <a:endParaRPr dirty="0"/>
           </a:p>
           <a:p>
             <a:pPr lvl="1"/>
             <a:r>
+              <a:rPr lang="en-US" dirty="0"/>
+              <a:t>Course concepts </a:t>
+            </a:r>
+          </a:p>
+          <a:p>
+            <a:pPr lvl="1"/>
+            <a:r>
               <a:rPr dirty="0"/>
               <a:t>Discus code and coding problems</a:t>
             </a:r>
-            <a:br>
-              <a:rPr dirty="0"/>
-            </a:br>
-            <a:endParaRPr dirty="0"/>
           </a:p>
           <a:p>
             <a:pPr lvl="1"/>
             <a:r>
               <a:rPr dirty="0"/>
               <a:t>Background and supplementary material as needed</a:t>
-            </a:r>
-            <a:br>
-              <a:rPr dirty="0"/>
-            </a:br>
-            <a:endParaRPr dirty="0"/>
-          </a:p>
-          <a:p>
-            <a:pPr lvl="1"/>
-            <a:r>
-              <a:rPr dirty="0"/>
-              <a:t>Poll to find best day for class</a:t>
             </a:r>
           </a:p>
           <a:p>
@@ -4151,8 +4256,8 @@
         </p:nvSpPr>
         <p:spPr>
           <a:xfrm>
-            <a:off x="457200" y="1200151"/>
-            <a:ext cx="8229600" cy="3737370"/>
+            <a:off x="457200" y="1063229"/>
+            <a:ext cx="8229600" cy="3874292"/>
           </a:xfrm>
         </p:spPr>
         <p:txBody>
@@ -4232,8 +4337,17 @@
           <a:p>
             <a:r>
               <a:rPr dirty="0"/>
-              <a:t>Any communications by Canvas will likely be delayed</a:t>
-            </a:r>
+              <a:t>Any </a:t>
+            </a:r>
+            <a:r>
+              <a:rPr b="1" dirty="0"/>
+              <a:t>communications by Canvas will likely be delayed</a:t>
+            </a:r>
+            <a:r>
+              <a:rPr lang="en-US" b="1" dirty="0"/>
+              <a:t>!!</a:t>
+            </a:r>
+            <a:endParaRPr b="1" dirty="0"/>
           </a:p>
         </p:txBody>
       </p:sp>
@@ -4299,7 +4413,7 @@
         <p:spPr/>
         <p:txBody>
           <a:bodyPr>
-            <a:normAutofit fontScale="92500" lnSpcReduction="20000"/>
+            <a:normAutofit fontScale="92500"/>
           </a:bodyPr>
           <a:lstStyle/>
           <a:p>
@@ -4339,59 +4453,26 @@
               <a:t>Steve Elston, Instructor, </a:t>
             </a:r>
             <a:r>
+              <a:rPr lang="en-US" dirty="0" err="1"/>
+              <a:t>stephen_elston</a:t>
+            </a:r>
+            <a:r>
               <a:rPr lang="en-US" dirty="0"/>
-              <a:t>S</a:t>
-            </a:r>
-            <a:r>
-              <a:rPr dirty="0"/>
-              <a:t>tephen</a:t>
+              <a:t> at g dot </a:t>
+            </a:r>
+            <a:r>
+              <a:rPr lang="en-US" dirty="0" err="1"/>
+              <a:t>harvard</a:t>
             </a:r>
             <a:r>
               <a:rPr lang="en-US" dirty="0"/>
               <a:t> dot </a:t>
             </a:r>
             <a:r>
-              <a:rPr dirty="0" err="1"/>
-              <a:t>elston</a:t>
-            </a:r>
-            <a:r>
-              <a:rPr dirty="0"/>
-              <a:t> </a:t>
-            </a:r>
-            <a:r>
-              <a:rPr lang="en-US" dirty="0"/>
-              <a:t>at </a:t>
-            </a:r>
-            <a:r>
-              <a:rPr dirty="0" err="1"/>
-              <a:t>gmail</a:t>
-            </a:r>
-            <a:r>
-              <a:rPr lang="en-US" dirty="0"/>
-              <a:t> dot </a:t>
-            </a:r>
-            <a:r>
-              <a:rPr dirty="0"/>
-              <a:t>com</a:t>
-            </a:r>
-            <a:br>
-              <a:rPr dirty="0"/>
-            </a:br>
-            <a:r>
-              <a:rPr dirty="0" err="1"/>
-              <a:t>Moustafa</a:t>
-            </a:r>
-            <a:r>
-              <a:rPr dirty="0"/>
-              <a:t> Saleh, TA, </a:t>
+              <a:rPr lang="en-US" dirty="0" err="1"/>
+              <a:t>edu</a:t>
             </a:r>
             <a:endParaRPr lang="en-US" dirty="0"/>
-          </a:p>
-          <a:p>
-            <a:r>
-              <a:rPr dirty="0"/>
-              <a:t>Tatyana Boland, TA, </a:t>
-            </a:r>
           </a:p>
           <a:p>
             <a:r>
@@ -4400,7 +4481,15 @@
             </a:r>
             <a:r>
               <a:rPr dirty="0"/>
-              <a:t> If you need individual assistance, please ask to schedule office hours. Don’t be shy!</a:t>
+              <a:t> If you need individual assistance,</a:t>
+            </a:r>
+            <a:r>
+              <a:rPr lang="en-US" dirty="0"/>
+              <a:t> </a:t>
+            </a:r>
+            <a:r>
+              <a:rPr dirty="0"/>
+              <a:t>please ask to schedule office hours. Don’t be shy!</a:t>
             </a:r>
           </a:p>
           <a:p>
@@ -4706,7 +4795,7 @@
             <a:pPr lvl="0"/>
             <a:r>
               <a:rPr dirty="0"/>
-              <a:t>Why not just start building machine learning models?</a:t>
+              <a:t>Why not just start building models?</a:t>
             </a:r>
           </a:p>
           <a:p>
@@ -5060,30 +5149,32 @@
           </a:bodyPr>
           <a:lstStyle/>
           <a:p>
+            <a:pPr marL="0" lvl="0" indent="0">
+              <a:buNone/>
+            </a:pPr>
+            <a:r>
+              <a:rPr dirty="0"/>
+              <a:t>Use aesthetics to improve perception</a:t>
+            </a:r>
+          </a:p>
+          <a:p>
             <a:pPr lvl="0"/>
             <a:r>
               <a:rPr dirty="0"/>
-              <a:t>Use aesthetics to improve perception</a:t>
+              <a:t>We take a very broad view of the term ‘aesthetic’ here</a:t>
             </a:r>
           </a:p>
           <a:p>
             <a:pPr lvl="0"/>
             <a:r>
               <a:rPr dirty="0"/>
-              <a:t>We take a very broad view of the term ‘aesthetic’ here</a:t>
+              <a:t>A plot aesthetics is any property of a visualization which highlight aspects of the data relationships</a:t>
             </a:r>
           </a:p>
           <a:p>
             <a:pPr lvl="0"/>
             <a:r>
               <a:rPr dirty="0"/>
-              <a:t>A plot aesthetics is any property of a visualization which highlight aspects of the data relationships</a:t>
-            </a:r>
-          </a:p>
-          <a:p>
-            <a:pPr lvl="0"/>
-            <a:r>
-              <a:rPr dirty="0"/>
               <a:t>Aesthetics are used to project additional dimensions of complex data</a:t>
             </a:r>
           </a:p>
@@ -5098,15 +5189,7 @@
             <a:pPr lvl="1"/>
             <a:r>
               <a:rPr dirty="0"/>
-              <a:t>Must </a:t>
-            </a:r>
-            <a:r>
-              <a:rPr dirty="0" err="1"/>
-              <a:t>projet</a:t>
-            </a:r>
-            <a:r>
-              <a:rPr dirty="0"/>
-              <a:t> multiple dimensions of complex data on 2-d surface</a:t>
+              <a:t>Must project multiple dimensions of complex data on 2-d surface</a:t>
             </a:r>
           </a:p>
         </p:txBody>
@@ -5155,7 +5238,7 @@
               <a:buNone/>
             </a:pPr>
             <a:r>
-              <a:t>Organization of Plot Aesthetics</a:t>
+              <a:t>Use Aesthetics to Improve Perception</a:t>
             </a:r>
           </a:p>
         </p:txBody>
@@ -5172,55 +5255,51 @@
         </p:nvSpPr>
         <p:spPr/>
         <p:txBody>
-          <a:bodyPr/>
+          <a:bodyPr>
+            <a:normAutofit/>
+          </a:bodyPr>
           <a:lstStyle/>
           <a:p>
             <a:pPr marL="0" lvl="0" indent="0">
               <a:buNone/>
             </a:pPr>
             <a:r>
-              <a:t>We can organize aesthetics by their effectiveness:</a:t>
-            </a:r>
-          </a:p>
-          <a:p>
-            <a:pPr marL="342900" lvl="0" indent="-342900">
-              <a:buAutoNum type="arabicPeriod"/>
-            </a:pPr>
-            <a:r>
-              <a:rPr b="1"/>
-              <a:t>Easy to perceive plot aesthetics:</a:t>
-            </a:r>
-            <a:r>
-              <a:t> help most people gain understanding of data relationships</a:t>
-            </a:r>
-          </a:p>
-          <a:p>
-            <a:pPr marL="342900" lvl="0" indent="-342900">
-              <a:buAutoNum type="arabicPeriod"/>
-            </a:pPr>
-            <a:r>
-              <a:rPr b="1"/>
-              <a:t>Aesthetics with moderate perceptive power:</a:t>
-            </a:r>
-            <a:r>
-              <a:t> useful properties to project data relationships when used sparingly</a:t>
-            </a:r>
-          </a:p>
-          <a:p>
-            <a:pPr marL="342900" lvl="0" indent="-342900">
-              <a:buAutoNum type="arabicPeriod"/>
-            </a:pPr>
-            <a:r>
-              <a:rPr b="1"/>
-              <a:t>Aesthetics with limited perceptive power:</a:t>
-            </a:r>
-            <a:r>
-              <a:t> useful within strict limits</a:t>
-            </a:r>
+              <a:rPr lang="en-US" b="1" dirty="0"/>
+              <a:t>Important note!!  </a:t>
+            </a:r>
+          </a:p>
+          <a:p>
+            <a:pPr marL="0" lvl="0" indent="0">
+              <a:buNone/>
+            </a:pPr>
+            <a:endParaRPr lang="en-US" dirty="0"/>
+          </a:p>
+          <a:p>
+            <a:pPr marL="0" lvl="0" indent="0">
+              <a:buNone/>
+            </a:pPr>
+            <a:r>
+              <a:rPr lang="en-US" b="1" dirty="0">
+                <a:solidFill>
+                  <a:srgbClr val="C00000"/>
+                </a:solidFill>
+              </a:rPr>
+              <a:t>I expect you to use perceptually useful plotting methods for your project!!</a:t>
+            </a:r>
+            <a:endParaRPr b="1" dirty="0">
+              <a:solidFill>
+                <a:srgbClr val="C00000"/>
+              </a:solidFill>
+            </a:endParaRPr>
           </a:p>
         </p:txBody>
       </p:sp>
     </p:spTree>
+    <p:extLst>
+      <p:ext uri="{BB962C8B-B14F-4D97-AF65-F5344CB8AC3E}">
+        <p14:creationId xmlns:p14="http://schemas.microsoft.com/office/powerpoint/2010/main" val="2438337757"/>
+      </p:ext>
+    </p:extLst>
   </p:cSld>
   <p:clrMapOvr>
     <a:masterClrMapping/>
@@ -5255,6 +5334,115 @@
             <p:ph type="title"/>
           </p:nvPr>
         </p:nvSpPr>
+        <p:spPr/>
+        <p:txBody>
+          <a:bodyPr/>
+          <a:lstStyle/>
+          <a:p>
+            <a:pPr marL="0" lvl="0" indent="0">
+              <a:buNone/>
+            </a:pPr>
+            <a:r>
+              <a:t>Organization of Plot Aesthetics</a:t>
+            </a:r>
+          </a:p>
+        </p:txBody>
+      </p:sp>
+      <p:sp>
+        <p:nvSpPr>
+          <p:cNvPr id="3" name="Content Placeholder 2"/>
+          <p:cNvSpPr>
+            <a:spLocks noGrp="1"/>
+          </p:cNvSpPr>
+          <p:nvPr>
+            <p:ph idx="1"/>
+          </p:nvPr>
+        </p:nvSpPr>
+        <p:spPr/>
+        <p:txBody>
+          <a:bodyPr/>
+          <a:lstStyle/>
+          <a:p>
+            <a:pPr marL="0" lvl="0" indent="0">
+              <a:buNone/>
+            </a:pPr>
+            <a:r>
+              <a:t>We can organize aesthetics by their effectiveness:</a:t>
+            </a:r>
+          </a:p>
+          <a:p>
+            <a:pPr marL="342900" lvl="0" indent="-342900">
+              <a:buAutoNum type="arabicPeriod"/>
+            </a:pPr>
+            <a:r>
+              <a:rPr b="1"/>
+              <a:t>Easy to perceive plot aesthetics:</a:t>
+            </a:r>
+            <a:r>
+              <a:t> help most people gain understanding of data relationships</a:t>
+            </a:r>
+          </a:p>
+          <a:p>
+            <a:pPr marL="342900" lvl="0" indent="-342900">
+              <a:buAutoNum type="arabicPeriod"/>
+            </a:pPr>
+            <a:r>
+              <a:rPr b="1"/>
+              <a:t>Aesthetics with moderate perceptive power:</a:t>
+            </a:r>
+            <a:r>
+              <a:t> useful properties to project data relationships when used sparingly</a:t>
+            </a:r>
+          </a:p>
+          <a:p>
+            <a:pPr marL="342900" lvl="0" indent="-342900">
+              <a:buAutoNum type="arabicPeriod"/>
+            </a:pPr>
+            <a:r>
+              <a:rPr b="1"/>
+              <a:t>Aesthetics with limited perceptive power:</a:t>
+            </a:r>
+            <a:r>
+              <a:t> useful within strict limits</a:t>
+            </a:r>
+          </a:p>
+        </p:txBody>
+      </p:sp>
+    </p:spTree>
+  </p:cSld>
+  <p:clrMapOvr>
+    <a:masterClrMapping/>
+  </p:clrMapOvr>
+</p:sld>
+</file>
+
+<file path=ppt/slides/slide24.xml><?xml version="1.0" encoding="utf-8"?>
+<p:sld xmlns:a="http://schemas.openxmlformats.org/drawingml/2006/main" xmlns:r="http://schemas.openxmlformats.org/officeDocument/2006/relationships" xmlns:p="http://schemas.openxmlformats.org/presentationml/2006/main">
+  <p:cSld>
+    <p:spTree>
+      <p:nvGrpSpPr>
+        <p:cNvPr id="1" name=""/>
+        <p:cNvGrpSpPr/>
+        <p:nvPr/>
+      </p:nvGrpSpPr>
+      <p:grpSpPr>
+        <a:xfrm>
+          <a:off x="0" y="0"/>
+          <a:ext cx="0" cy="0"/>
+          <a:chOff x="0" y="0"/>
+          <a:chExt cx="0" cy="0"/>
+        </a:xfrm>
+      </p:grpSpPr>
+      <p:sp>
+        <p:nvSpPr>
+          <p:cNvPr id="2" name="Title 1"/>
+          <p:cNvSpPr>
+            <a:spLocks noGrp="1"/>
+          </p:cNvSpPr>
+          <p:nvPr>
+            <p:ph type="title"/>
+          </p:nvPr>
+        </p:nvSpPr>
         <p:spPr>
           <a:xfrm>
             <a:off x="457200" y="205979"/>
@@ -5287,13 +5475,13 @@
             <p:ph idx="1"/>
             <p:extLst>
               <p:ext uri="{D42A27DB-BD31-4B8C-83A1-F6EECF244321}">
-                <p14:modId xmlns:p14="http://schemas.microsoft.com/office/powerpoint/2010/main" val="1627288027"/>
+                <p14:modId xmlns:p14="http://schemas.microsoft.com/office/powerpoint/2010/main" val="4132571391"/>
               </p:ext>
             </p:extLst>
           </p:nvPr>
         </p:nvGraphicFramePr>
         <p:xfrm>
-          <a:off x="337595" y="748880"/>
+          <a:off x="337595" y="710298"/>
           <a:ext cx="8613495" cy="4389120"/>
         </p:xfrm>
         <a:graphic>
@@ -5367,7 +5555,7 @@
                         <a:buNone/>
                       </a:pPr>
                       <a:r>
-                        <a:rPr sz="1800"/>
+                        <a:rPr sz="1800" dirty="0"/>
                         <a:t>Data Types</a:t>
                       </a:r>
                     </a:p>
@@ -5997,7 +6185,7 @@
 </p:sld>
 </file>
 
-<file path=ppt/slides/slide24.xml><?xml version="1.0" encoding="utf-8"?>
+<file path=ppt/slides/slide25.xml><?xml version="1.0" encoding="utf-8"?>
 <p:sld xmlns:a="http://schemas.openxmlformats.org/drawingml/2006/main" xmlns:r="http://schemas.openxmlformats.org/officeDocument/2006/relationships" xmlns:p="http://schemas.openxmlformats.org/presentationml/2006/main">
   <p:cSld>
     <p:spTree>
@@ -6038,8 +6226,8 @@
           </a:p>
         </p:txBody>
       </p:sp>
-      <mc:AlternateContent xmlns:mc="http://schemas.openxmlformats.org/markup-compatibility/2006" xmlns:a14="http://schemas.microsoft.com/office/drawing/2010/main">
-        <mc:Choice Requires="a14">
+      <mc:AlternateContent xmlns:mc="http://schemas.openxmlformats.org/markup-compatibility/2006">
+        <mc:Choice xmlns:a14="http://schemas.microsoft.com/office/drawing/2010/main" Requires="a14">
           <p:sp>
             <p:nvSpPr>
               <p:cNvPr id="3" name="Content Placeholder 2"/>
@@ -6147,7 +6335,15 @@
                 <a:pPr lvl="1"/>
                 <a:r>
                   <a:rPr dirty="0"/>
-                  <a:t>Humans are most sensitive to changes about 45 degrees</a:t>
+                  <a:t>Humans are most sensitive to changes</a:t>
+                </a:r>
+                <a:r>
+                  <a:rPr lang="en-US" dirty="0"/>
+                  <a:t> in slope near</a:t>
+                </a:r>
+                <a:r>
+                  <a:rPr dirty="0"/>
+                  <a:t> 45 degrees</a:t>
                 </a:r>
               </a:p>
               <a:p>
@@ -6160,7 +6356,7 @@
             </p:txBody>
           </p:sp>
         </mc:Choice>
-        <mc:Fallback xmlns="">
+        <mc:Fallback>
           <p:sp>
             <p:nvSpPr>
               <p:cNvPr id="3" name="Content Placeholder 2"/>
@@ -6202,96 +6398,6 @@
 </p:sld>
 </file>
 
-<file path=ppt/slides/slide25.xml><?xml version="1.0" encoding="utf-8"?>
-<p:sld xmlns:a="http://schemas.openxmlformats.org/drawingml/2006/main" xmlns:r="http://schemas.openxmlformats.org/officeDocument/2006/relationships" xmlns:p="http://schemas.openxmlformats.org/presentationml/2006/main">
-  <p:cSld>
-    <p:spTree>
-      <p:nvGrpSpPr>
-        <p:cNvPr id="1" name=""/>
-        <p:cNvGrpSpPr/>
-        <p:nvPr/>
-      </p:nvGrpSpPr>
-      <p:grpSpPr>
-        <a:xfrm>
-          <a:off x="0" y="0"/>
-          <a:ext cx="0" cy="0"/>
-          <a:chOff x="0" y="0"/>
-          <a:chExt cx="0" cy="0"/>
-        </a:xfrm>
-      </p:grpSpPr>
-      <p:sp>
-        <p:nvSpPr>
-          <p:cNvPr id="2" name="Title 1"/>
-          <p:cNvSpPr>
-            <a:spLocks noGrp="1"/>
-          </p:cNvSpPr>
-          <p:nvPr>
-            <p:ph type="title"/>
-          </p:nvPr>
-        </p:nvSpPr>
-        <p:spPr/>
-        <p:txBody>
-          <a:bodyPr/>
-          <a:lstStyle/>
-          <a:p>
-            <a:pPr marL="0" lvl="0" indent="0">
-              <a:buNone/>
-            </a:pPr>
-            <a:r>
-              <a:t>Example of Changing Aspect Ratio</a:t>
-            </a:r>
-          </a:p>
-        </p:txBody>
-      </p:sp>
-      <p:sp>
-        <p:nvSpPr>
-          <p:cNvPr id="3" name="Content Placeholder 2"/>
-          <p:cNvSpPr>
-            <a:spLocks noGrp="1"/>
-          </p:cNvSpPr>
-          <p:nvPr>
-            <p:ph idx="1"/>
-          </p:nvPr>
-        </p:nvSpPr>
-        <p:spPr/>
-        <p:txBody>
-          <a:bodyPr/>
-          <a:lstStyle/>
-          <a:p>
-            <a:pPr marL="0" lvl="0" indent="0">
-              <a:buNone/>
-            </a:pPr>
-            <a:r>
-              <a:rPr dirty="0"/>
-              <a:t>Longest scientific time series is the sunspot count:</a:t>
-            </a:r>
-          </a:p>
-          <a:p>
-            <a:pPr lvl="0" indent="0">
-              <a:buNone/>
-            </a:pPr>
-            <a:r>
-              <a:rPr sz="2000" dirty="0">
-                <a:latin typeface="Courier"/>
-              </a:rPr>
-              <a:t>##      YEAR  SUNACTIVITY
-## 0  1700.0          5.0
-## 1  1701.0         11.0
-## 2  1702.0         16.0
-## 3  1703.0         23.0
-## 4  1704.0         36.0</a:t>
-            </a:r>
-          </a:p>
-        </p:txBody>
-      </p:sp>
-    </p:spTree>
-  </p:cSld>
-  <p:clrMapOvr>
-    <a:masterClrMapping/>
-  </p:clrMapOvr>
-</p:sld>
-</file>
-
 <file path=ppt/slides/slide26.xml><?xml version="1.0" encoding="utf-8"?>
 <p:sld xmlns:a="http://schemas.openxmlformats.org/drawingml/2006/main" xmlns:r="http://schemas.openxmlformats.org/officeDocument/2006/relationships" xmlns:p="http://schemas.openxmlformats.org/presentationml/2006/main">
   <p:cSld>
@@ -6319,6 +6425,108 @@
             <p:ph type="title"/>
           </p:nvPr>
         </p:nvSpPr>
+        <p:spPr/>
+        <p:txBody>
+          <a:bodyPr/>
+          <a:lstStyle/>
+          <a:p>
+            <a:pPr marL="0" lvl="0" indent="0">
+              <a:buNone/>
+            </a:pPr>
+            <a:r>
+              <a:t>Example of Changing Aspect Ratio</a:t>
+            </a:r>
+          </a:p>
+        </p:txBody>
+      </p:sp>
+      <p:sp>
+        <p:nvSpPr>
+          <p:cNvPr id="3" name="Content Placeholder 2"/>
+          <p:cNvSpPr>
+            <a:spLocks noGrp="1"/>
+          </p:cNvSpPr>
+          <p:nvPr>
+            <p:ph idx="1"/>
+          </p:nvPr>
+        </p:nvSpPr>
+        <p:spPr/>
+        <p:txBody>
+          <a:bodyPr/>
+          <a:lstStyle/>
+          <a:p>
+            <a:pPr marL="0" lvl="0" indent="0">
+              <a:buNone/>
+            </a:pPr>
+            <a:r>
+              <a:rPr dirty="0"/>
+              <a:t>Longest scientific time series</a:t>
+            </a:r>
+            <a:r>
+              <a:rPr lang="en-US" dirty="0"/>
+              <a:t> in </a:t>
+            </a:r>
+            <a:r>
+              <a:rPr lang="en-US" dirty="0" err="1"/>
+              <a:t>existance</a:t>
+            </a:r>
+            <a:r>
+              <a:rPr dirty="0"/>
+              <a:t> is the sunspot count:</a:t>
+            </a:r>
+          </a:p>
+          <a:p>
+            <a:pPr lvl="0" indent="0">
+              <a:buNone/>
+            </a:pPr>
+            <a:r>
+              <a:rPr sz="2000" dirty="0">
+                <a:latin typeface="Courier"/>
+              </a:rPr>
+              <a:t>##      YEAR  SUNACTIVITY
+## 0  1700.0          5.0
+## 1  1701.0         11.0
+## 2  1702.0         16.0
+## 3  1703.0         23.0
+## 4  1704.0         36.0</a:t>
+            </a:r>
+          </a:p>
+        </p:txBody>
+      </p:sp>
+    </p:spTree>
+  </p:cSld>
+  <p:clrMapOvr>
+    <a:masterClrMapping/>
+  </p:clrMapOvr>
+</p:sld>
+</file>
+
+<file path=ppt/slides/slide27.xml><?xml version="1.0" encoding="utf-8"?>
+<p:sld xmlns:a="http://schemas.openxmlformats.org/drawingml/2006/main" xmlns:r="http://schemas.openxmlformats.org/officeDocument/2006/relationships" xmlns:p="http://schemas.openxmlformats.org/presentationml/2006/main">
+  <p:cSld>
+    <p:spTree>
+      <p:nvGrpSpPr>
+        <p:cNvPr id="1" name=""/>
+        <p:cNvGrpSpPr/>
+        <p:nvPr/>
+      </p:nvGrpSpPr>
+      <p:grpSpPr>
+        <a:xfrm>
+          <a:off x="0" y="0"/>
+          <a:ext cx="0" cy="0"/>
+          <a:chOff x="0" y="0"/>
+          <a:chExt cx="0" cy="0"/>
+        </a:xfrm>
+      </p:grpSpPr>
+      <p:sp>
+        <p:nvSpPr>
+          <p:cNvPr id="2" name="Title 1"/>
+          <p:cNvSpPr>
+            <a:spLocks noGrp="1"/>
+          </p:cNvSpPr>
+          <p:nvPr>
+            <p:ph type="title"/>
+          </p:nvPr>
+        </p:nvSpPr>
         <p:spPr>
           <a:xfrm>
             <a:off x="457201" y="204787"/>
@@ -6359,7 +6567,7 @@
         </p:spPr>
         <p:txBody>
           <a:bodyPr>
-            <a:normAutofit/>
+            <a:normAutofit lnSpcReduction="10000"/>
           </a:bodyPr>
           <a:lstStyle/>
           <a:p>
@@ -6370,7 +6578,30 @@
             </a:r>
           </a:p>
           <a:p>
-            <a:pPr lvl="0"/>
+            <a:pPr marL="342900" lvl="0" indent="-342900">
+              <a:buFont typeface="Arial" panose="020B0604020202020204" pitchFamily="34" charset="0"/>
+              <a:buChar char="•"/>
+            </a:pPr>
+            <a:r>
+              <a:rPr lang="en-US" sz="2400" dirty="0"/>
+              <a:t>Aspect ratio is 1:1</a:t>
+            </a:r>
+          </a:p>
+          <a:p>
+            <a:pPr marL="342900" lvl="0" indent="-342900">
+              <a:buFont typeface="Arial" panose="020B0604020202020204" pitchFamily="34" charset="0"/>
+              <a:buChar char="•"/>
+            </a:pPr>
+            <a:r>
+              <a:rPr lang="en-US" sz="2400" dirty="0"/>
+              <a:t>Banking angle is near vertical</a:t>
+            </a:r>
+          </a:p>
+          <a:p>
+            <a:pPr marL="342900" lvl="0" indent="-342900">
+              <a:buFont typeface="Arial" panose="020B0604020202020204" pitchFamily="34" charset="0"/>
+              <a:buChar char="•"/>
+            </a:pPr>
             <a:r>
               <a:rPr sz="2400" dirty="0"/>
               <a:t>Can you perceive the asymmetry in these sunspot cycles?</a:t>
@@ -6416,7 +6647,7 @@
 </p:sld>
 </file>
 
-<file path=ppt/slides/slide27.xml><?xml version="1.0" encoding="utf-8"?>
+<file path=ppt/slides/slide28.xml><?xml version="1.0" encoding="utf-8"?>
 <p:sld xmlns:a="http://schemas.openxmlformats.org/drawingml/2006/main" xmlns:r="http://schemas.openxmlformats.org/officeDocument/2006/relationships" xmlns:p="http://schemas.openxmlformats.org/presentationml/2006/main">
   <p:cSld>
     <p:spTree>
@@ -6477,8 +6708,8 @@
         </p:nvSpPr>
         <p:spPr>
           <a:xfrm>
-            <a:off x="598026" y="1564993"/>
-            <a:ext cx="8133143" cy="1192193"/>
+            <a:off x="598026" y="1122745"/>
+            <a:ext cx="8133143" cy="1634442"/>
           </a:xfrm>
         </p:spPr>
         <p:txBody>
@@ -6492,13 +6723,39 @@
               <a:rPr sz="2400" dirty="0"/>
               <a:t>Notice how changing aspect ratio change perception of the asymmetry?</a:t>
             </a:r>
-          </a:p>
-          <a:p>
-            <a:pPr lvl="0"/>
-            <a:r>
-              <a:rPr sz="2400" dirty="0"/>
-              <a:t>Banking angle is near optimal</a:t>
-            </a:r>
+            <a:endParaRPr lang="en-US" sz="2400" dirty="0"/>
+          </a:p>
+          <a:p>
+            <a:pPr marL="342900" lvl="0" indent="-342900">
+              <a:buFont typeface="Arial" panose="020B0604020202020204" pitchFamily="34" charset="0"/>
+              <a:buChar char="•"/>
+            </a:pPr>
+            <a:r>
+              <a:rPr lang="en-US" sz="2400" dirty="0"/>
+              <a:t>Aspect ratio is now 20:1</a:t>
+            </a:r>
+          </a:p>
+          <a:p>
+            <a:pPr marL="342900" lvl="0" indent="-342900">
+              <a:buFont typeface="Arial" panose="020B0604020202020204" pitchFamily="34" charset="0"/>
+              <a:buChar char="•"/>
+            </a:pPr>
+            <a:r>
+              <a:rPr lang="en-US" sz="2400" dirty="0"/>
+              <a:t>Banking angle is about 45 degrees for most of the cycles</a:t>
+            </a:r>
+            <a:endParaRPr sz="2400" dirty="0"/>
+          </a:p>
+          <a:p>
+            <a:pPr marL="342900" lvl="0" indent="-342900">
+              <a:buFont typeface="Arial" panose="020B0604020202020204" pitchFamily="34" charset="0"/>
+              <a:buChar char="•"/>
+            </a:pPr>
+            <a:r>
+              <a:rPr lang="en-US" sz="2400" dirty="0"/>
+              <a:t>Can you see the asymmetry in these cycles now? </a:t>
+            </a:r>
+            <a:endParaRPr sz="2400" dirty="0"/>
           </a:p>
         </p:txBody>
       </p:sp>
@@ -6524,7 +6781,7 @@
         </p:blipFill>
         <p:spPr>
           <a:xfrm>
-            <a:off x="111544" y="3003898"/>
+            <a:off x="111544" y="4020755"/>
             <a:ext cx="8785775" cy="823464"/>
           </a:xfrm>
           <a:prstGeom prst="rect">
@@ -6532,136 +6789,6 @@
           </a:prstGeom>
         </p:spPr>
       </p:pic>
-    </p:spTree>
-  </p:cSld>
-  <p:clrMapOvr>
-    <a:masterClrMapping/>
-  </p:clrMapOvr>
-</p:sld>
-</file>
-
-<file path=ppt/slides/slide28.xml><?xml version="1.0" encoding="utf-8"?>
-<p:sld xmlns:a="http://schemas.openxmlformats.org/drawingml/2006/main" xmlns:r="http://schemas.openxmlformats.org/officeDocument/2006/relationships" xmlns:p="http://schemas.openxmlformats.org/presentationml/2006/main">
-  <p:cSld>
-    <p:spTree>
-      <p:nvGrpSpPr>
-        <p:cNvPr id="1" name=""/>
-        <p:cNvGrpSpPr/>
-        <p:nvPr/>
-      </p:nvGrpSpPr>
-      <p:grpSpPr>
-        <a:xfrm>
-          <a:off x="0" y="0"/>
-          <a:ext cx="0" cy="0"/>
-          <a:chOff x="0" y="0"/>
-          <a:chExt cx="0" cy="0"/>
-        </a:xfrm>
-      </p:grpSpPr>
-      <p:sp>
-        <p:nvSpPr>
-          <p:cNvPr id="2" name="Title 1"/>
-          <p:cNvSpPr>
-            <a:spLocks noGrp="1"/>
-          </p:cNvSpPr>
-          <p:nvPr>
-            <p:ph type="title"/>
-          </p:nvPr>
-        </p:nvSpPr>
-        <p:spPr/>
-        <p:txBody>
-          <a:bodyPr/>
-          <a:lstStyle/>
-          <a:p>
-            <a:pPr marL="0" lvl="0" indent="0">
-              <a:buNone/>
-            </a:pPr>
-            <a:r>
-              <a:t>Sequential and Divergent Color Palettes</a:t>
-            </a:r>
-          </a:p>
-        </p:txBody>
-      </p:sp>
-      <p:sp>
-        <p:nvSpPr>
-          <p:cNvPr id="3" name="Content Placeholder 2"/>
-          <p:cNvSpPr>
-            <a:spLocks noGrp="1"/>
-          </p:cNvSpPr>
-          <p:nvPr>
-            <p:ph idx="1"/>
-          </p:nvPr>
-        </p:nvSpPr>
-        <p:spPr/>
-        <p:txBody>
-          <a:bodyPr>
-            <a:normAutofit lnSpcReduction="10000"/>
-          </a:bodyPr>
-          <a:lstStyle/>
-          <a:p>
-            <a:pPr marL="0" lvl="0" indent="0">
-              <a:buNone/>
-            </a:pPr>
-            <a:r>
-              <a:t>Use of </a:t>
-            </a:r>
-            <a:r>
-              <a:rPr b="1"/>
-              <a:t>color</a:t>
-            </a:r>
-            <a:r>
-              <a:t> as an aesthetic in visualization is a complicated subject.</a:t>
-            </a:r>
-          </a:p>
-          <a:p>
-            <a:pPr lvl="0"/>
-            <a:r>
-              <a:t>color is often used, also often abused</a:t>
-            </a:r>
-          </a:p>
-          <a:p>
-            <a:pPr lvl="0"/>
-            <a:r>
-              <a:t>A </a:t>
-            </a:r>
-            <a:r>
-              <a:rPr b="1"/>
-              <a:t>qualitative palette</a:t>
-            </a:r>
-            <a:r>
-              <a:t> is a palette of individual colors for categorical values</a:t>
-            </a:r>
-          </a:p>
-          <a:p>
-            <a:pPr lvl="0"/>
-            <a:r>
-              <a:rPr b="1"/>
-              <a:t>Sequential palettes</a:t>
-            </a:r>
-            <a:r>
-              <a:t> and </a:t>
-            </a:r>
-            <a:r>
-              <a:rPr b="1"/>
-              <a:t>divergent palettes</a:t>
-            </a:r>
-            <a:r>
-              <a:t> are a sequence of colors</a:t>
-            </a:r>
-          </a:p>
-          <a:p>
-            <a:pPr lvl="1"/>
-            <a:r>
-              <a:t>Numeric variables</a:t>
-            </a:r>
-          </a:p>
-          <a:p>
-            <a:pPr lvl="1"/>
-            <a:r>
-              <a:t>Ordered categorical variable</a:t>
-            </a:r>
-          </a:p>
-        </p:txBody>
-      </p:sp>
     </p:spTree>
   </p:cSld>
   <p:clrMapOvr>
@@ -6706,41 +6833,123 @@
               <a:buNone/>
             </a:pPr>
             <a:r>
-              <a:t>Auto Weight by Sequential Color Palette</a:t>
-            </a:r>
-          </a:p>
-        </p:txBody>
-      </p:sp>
-      <p:pic>
-        <p:nvPicPr>
-          <p:cNvPr id="5" name="Picture 4">
-            <a:extLst>
-              <a:ext uri="{FF2B5EF4-FFF2-40B4-BE49-F238E27FC236}">
-                <a16:creationId xmlns:a16="http://schemas.microsoft.com/office/drawing/2014/main" id="{2263867E-4F60-5C5E-702B-A8ED6D298D84}"/>
-              </a:ext>
-            </a:extLst>
-          </p:cNvPr>
-          <p:cNvPicPr>
-            <a:picLocks noChangeAspect="1"/>
-          </p:cNvPicPr>
-          <p:nvPr/>
-        </p:nvPicPr>
-        <p:blipFill>
-          <a:blip r:embed="rId2"/>
-          <a:stretch>
-            <a:fillRect/>
-          </a:stretch>
-        </p:blipFill>
-        <p:spPr>
-          <a:xfrm>
-            <a:off x="2091160" y="963126"/>
-            <a:ext cx="4062713" cy="4131417"/>
-          </a:xfrm>
-          <a:prstGeom prst="rect">
-            <a:avLst/>
-          </a:prstGeom>
-        </p:spPr>
-      </p:pic>
+              <a:t>Sequential and Divergent Color Palettes</a:t>
+            </a:r>
+          </a:p>
+        </p:txBody>
+      </p:sp>
+      <p:sp>
+        <p:nvSpPr>
+          <p:cNvPr id="3" name="Content Placeholder 2"/>
+          <p:cNvSpPr>
+            <a:spLocks noGrp="1"/>
+          </p:cNvSpPr>
+          <p:nvPr>
+            <p:ph idx="1"/>
+          </p:nvPr>
+        </p:nvSpPr>
+        <p:spPr/>
+        <p:txBody>
+          <a:bodyPr>
+            <a:normAutofit lnSpcReduction="10000"/>
+          </a:bodyPr>
+          <a:lstStyle/>
+          <a:p>
+            <a:pPr marL="0" lvl="0" indent="0">
+              <a:buNone/>
+            </a:pPr>
+            <a:r>
+              <a:rPr dirty="0"/>
+              <a:t>Use of </a:t>
+            </a:r>
+            <a:r>
+              <a:rPr b="1" dirty="0"/>
+              <a:t>color</a:t>
+            </a:r>
+            <a:r>
+              <a:rPr dirty="0"/>
+              <a:t> as an aesthetic in visualization is a complicated subject.</a:t>
+            </a:r>
+          </a:p>
+          <a:p>
+            <a:pPr lvl="0"/>
+            <a:r>
+              <a:rPr dirty="0"/>
+              <a:t>color is often used, also </a:t>
+            </a:r>
+            <a:r>
+              <a:rPr b="1" dirty="0"/>
+              <a:t>often abused</a:t>
+            </a:r>
+            <a:r>
+              <a:rPr lang="en-US" b="1" dirty="0"/>
+              <a:t>!</a:t>
+            </a:r>
+            <a:endParaRPr b="1" dirty="0"/>
+          </a:p>
+          <a:p>
+            <a:pPr lvl="0"/>
+            <a:r>
+              <a:rPr dirty="0"/>
+              <a:t>A </a:t>
+            </a:r>
+            <a:r>
+              <a:rPr b="1" dirty="0"/>
+              <a:t>qualitative palette</a:t>
+            </a:r>
+            <a:r>
+              <a:rPr dirty="0"/>
+              <a:t> is a palette of individual colors for categorical values</a:t>
+            </a:r>
+          </a:p>
+          <a:p>
+            <a:pPr lvl="0"/>
+            <a:r>
+              <a:rPr b="1" dirty="0"/>
+              <a:t>Sequential palettes</a:t>
+            </a:r>
+            <a:r>
+              <a:rPr dirty="0"/>
+              <a:t> and </a:t>
+            </a:r>
+            <a:r>
+              <a:rPr b="1" dirty="0"/>
+              <a:t>divergent palettes</a:t>
+            </a:r>
+            <a:r>
+              <a:rPr dirty="0"/>
+              <a:t> are a sequence of colors</a:t>
+            </a:r>
+          </a:p>
+          <a:p>
+            <a:pPr lvl="1"/>
+            <a:r>
+              <a:rPr dirty="0"/>
+              <a:t>Numeric variables</a:t>
+            </a:r>
+          </a:p>
+          <a:p>
+            <a:pPr lvl="1"/>
+            <a:r>
+              <a:rPr dirty="0"/>
+              <a:t>Ord</a:t>
+            </a:r>
+            <a:r>
+              <a:rPr lang="en-US" dirty="0"/>
+              <a:t>inal or ord</a:t>
+            </a:r>
+            <a:r>
+              <a:rPr dirty="0"/>
+              <a:t>ered categorical variable</a:t>
+            </a:r>
+            <a:r>
+              <a:rPr lang="en-US" dirty="0"/>
+              <a:t>s</a:t>
+            </a:r>
+            <a:endParaRPr dirty="0"/>
+          </a:p>
+        </p:txBody>
+      </p:sp>
     </p:spTree>
   </p:cSld>
   <p:clrMapOvr>
@@ -6926,62 +7135,250 @@
               <a:buNone/>
             </a:pPr>
             <a:r>
-              <a:t>Limits of color</a:t>
-            </a:r>
-          </a:p>
-        </p:txBody>
-      </p:sp>
-      <p:sp>
-        <p:nvSpPr>
-          <p:cNvPr id="3" name="Content Placeholder 2"/>
-          <p:cNvSpPr>
-            <a:spLocks noGrp="1"/>
-          </p:cNvSpPr>
-          <p:nvPr>
-            <p:ph idx="1"/>
-          </p:nvPr>
-        </p:nvSpPr>
-        <p:spPr/>
+              <a:t>Auto Weight by Sequential Color Palette</a:t>
+            </a:r>
+          </a:p>
+        </p:txBody>
+      </p:sp>
+      <p:pic>
+        <p:nvPicPr>
+          <p:cNvPr id="5" name="Picture 4">
+            <a:extLst>
+              <a:ext uri="{FF2B5EF4-FFF2-40B4-BE49-F238E27FC236}">
+                <a16:creationId xmlns:a16="http://schemas.microsoft.com/office/drawing/2014/main" id="{2263867E-4F60-5C5E-702B-A8ED6D298D84}"/>
+              </a:ext>
+            </a:extLst>
+          </p:cNvPr>
+          <p:cNvPicPr>
+            <a:picLocks noChangeAspect="1"/>
+          </p:cNvPicPr>
+          <p:nvPr/>
+        </p:nvPicPr>
+        <p:blipFill>
+          <a:blip r:embed="rId2"/>
+          <a:stretch>
+            <a:fillRect/>
+          </a:stretch>
+        </p:blipFill>
+        <p:spPr>
+          <a:xfrm>
+            <a:off x="4764912" y="963126"/>
+            <a:ext cx="4062713" cy="4131417"/>
+          </a:xfrm>
+          <a:prstGeom prst="rect">
+            <a:avLst/>
+          </a:prstGeom>
+        </p:spPr>
+      </p:pic>
+      <p:sp>
+        <p:nvSpPr>
+          <p:cNvPr id="3" name="Text Placeholder 3">
+            <a:extLst>
+              <a:ext uri="{FF2B5EF4-FFF2-40B4-BE49-F238E27FC236}">
+                <a16:creationId xmlns:a16="http://schemas.microsoft.com/office/drawing/2014/main" id="{BBC4F043-E962-4014-CE75-99D8E08E0C5B}"/>
+              </a:ext>
+            </a:extLst>
+          </p:cNvPr>
+          <p:cNvSpPr txBox="1">
+            <a:spLocks/>
+          </p:cNvSpPr>
+          <p:nvPr/>
+        </p:nvSpPr>
+        <p:spPr>
+          <a:xfrm>
+            <a:off x="457202" y="1358096"/>
+            <a:ext cx="4114798" cy="3236527"/>
+          </a:xfrm>
+          <a:prstGeom prst="rect">
+            <a:avLst/>
+          </a:prstGeom>
+        </p:spPr>
         <p:txBody>
           <a:bodyPr>
-            <a:normAutofit/>
+            <a:normAutofit lnSpcReduction="10000"/>
           </a:bodyPr>
-          <a:lstStyle/>
-          <a:p>
-            <a:pPr marL="0" lvl="0" indent="0">
-              <a:buNone/>
-            </a:pPr>
-            <a:r>
-              <a:rPr dirty="0"/>
-              <a:t>Regardless of the approach there are some significant limitations</a:t>
-            </a:r>
-          </a:p>
-          <a:p>
-            <a:pPr lvl="0"/>
-            <a:r>
-              <a:rPr dirty="0"/>
-              <a:t>A significant number of people are color blind. Red-green color blindness is most common</a:t>
-            </a:r>
-          </a:p>
-          <a:p>
-            <a:pPr lvl="0"/>
-            <a:r>
-              <a:rPr dirty="0"/>
-              <a:t>Even the best sequential or divergent palettes show only relative value of numeric variables</a:t>
-            </a:r>
-          </a:p>
-          <a:p>
-            <a:pPr lvl="0"/>
-            <a:r>
-              <a:rPr dirty="0"/>
-              <a:t>Perception of exact numeric values is difficult, except in special cases</a:t>
-            </a:r>
-          </a:p>
-          <a:p>
-            <a:pPr lvl="0"/>
-            <a:r>
-              <a:rPr dirty="0"/>
-              <a:t>Cannot perceive large number of colors for categories</a:t>
+          <a:lstStyle>
+            <a:lvl1pPr marL="342900" indent="-342900" algn="l" defTabSz="342900" rtl="0" eaLnBrk="1" latinLnBrk="0" hangingPunct="1">
+              <a:spcBef>
+                <a:spcPct val="20000"/>
+              </a:spcBef>
+              <a:buFont typeface="Arial"/>
+              <a:buChar char="•"/>
+              <a:defRPr sz="2400" kern="1200">
+                <a:solidFill>
+                  <a:schemeClr val="tx1"/>
+                </a:solidFill>
+                <a:latin typeface="+mn-lt"/>
+                <a:ea typeface="+mn-ea"/>
+                <a:cs typeface="+mn-cs"/>
+              </a:defRPr>
+            </a:lvl1pPr>
+            <a:lvl2pPr marL="685800" indent="-342900" algn="l" defTabSz="342900" rtl="0" eaLnBrk="1" latinLnBrk="0" hangingPunct="1">
+              <a:spcBef>
+                <a:spcPct val="20000"/>
+              </a:spcBef>
+              <a:buFont typeface="Arial"/>
+              <a:buChar char="–"/>
+              <a:defRPr sz="2100" kern="1200">
+                <a:solidFill>
+                  <a:schemeClr val="tx1"/>
+                </a:solidFill>
+                <a:latin typeface="+mn-lt"/>
+                <a:ea typeface="+mn-ea"/>
+                <a:cs typeface="+mn-cs"/>
+              </a:defRPr>
+            </a:lvl2pPr>
+            <a:lvl3pPr marL="1028700" indent="-342900" algn="l" defTabSz="342900" rtl="0" eaLnBrk="1" latinLnBrk="0" hangingPunct="1">
+              <a:spcBef>
+                <a:spcPct val="20000"/>
+              </a:spcBef>
+              <a:buFont typeface="Arial"/>
+              <a:buChar char="•"/>
+              <a:defRPr sz="1800" kern="1200">
+                <a:solidFill>
+                  <a:schemeClr val="tx1"/>
+                </a:solidFill>
+                <a:latin typeface="+mn-lt"/>
+                <a:ea typeface="+mn-ea"/>
+                <a:cs typeface="+mn-cs"/>
+              </a:defRPr>
+            </a:lvl3pPr>
+            <a:lvl4pPr marL="1371600" indent="-342900" algn="l" defTabSz="342900" rtl="0" eaLnBrk="1" latinLnBrk="0" hangingPunct="1">
+              <a:spcBef>
+                <a:spcPct val="20000"/>
+              </a:spcBef>
+              <a:buFont typeface="Arial"/>
+              <a:buChar char="–"/>
+              <a:defRPr sz="1500" kern="1200">
+                <a:solidFill>
+                  <a:schemeClr val="tx1"/>
+                </a:solidFill>
+                <a:latin typeface="+mn-lt"/>
+                <a:ea typeface="+mn-ea"/>
+                <a:cs typeface="+mn-cs"/>
+              </a:defRPr>
+            </a:lvl4pPr>
+            <a:lvl5pPr marL="1714500" indent="-342900" algn="l" defTabSz="342900" rtl="0" eaLnBrk="1" latinLnBrk="0" hangingPunct="1">
+              <a:spcBef>
+                <a:spcPct val="20000"/>
+              </a:spcBef>
+              <a:buFont typeface="Arial"/>
+              <a:buChar char="»"/>
+              <a:defRPr sz="1500" kern="1200">
+                <a:solidFill>
+                  <a:schemeClr val="tx1"/>
+                </a:solidFill>
+                <a:latin typeface="+mn-lt"/>
+                <a:ea typeface="+mn-ea"/>
+                <a:cs typeface="+mn-cs"/>
+              </a:defRPr>
+            </a:lvl5pPr>
+            <a:lvl6pPr marL="2057400" indent="-342900" algn="l" defTabSz="342900" rtl="0" eaLnBrk="1" latinLnBrk="0" hangingPunct="1">
+              <a:spcBef>
+                <a:spcPct val="20000"/>
+              </a:spcBef>
+              <a:buFont typeface="Arial"/>
+              <a:buChar char="•"/>
+              <a:defRPr sz="1500" kern="1200">
+                <a:solidFill>
+                  <a:schemeClr val="tx1"/>
+                </a:solidFill>
+                <a:latin typeface="+mn-lt"/>
+                <a:ea typeface="+mn-ea"/>
+                <a:cs typeface="+mn-cs"/>
+              </a:defRPr>
+            </a:lvl6pPr>
+            <a:lvl7pPr marL="2400300" indent="-342900" algn="l" defTabSz="342900" rtl="0" eaLnBrk="1" latinLnBrk="0" hangingPunct="1">
+              <a:spcBef>
+                <a:spcPct val="20000"/>
+              </a:spcBef>
+              <a:buFont typeface="Arial"/>
+              <a:buChar char="•"/>
+              <a:defRPr sz="1500" kern="1200">
+                <a:solidFill>
+                  <a:schemeClr val="tx1"/>
+                </a:solidFill>
+                <a:latin typeface="+mn-lt"/>
+                <a:ea typeface="+mn-ea"/>
+                <a:cs typeface="+mn-cs"/>
+              </a:defRPr>
+            </a:lvl7pPr>
+            <a:lvl8pPr marL="2743200" indent="-342900" algn="l" defTabSz="342900" rtl="0" eaLnBrk="1" latinLnBrk="0" hangingPunct="1">
+              <a:spcBef>
+                <a:spcPct val="20000"/>
+              </a:spcBef>
+              <a:buFont typeface="Arial"/>
+              <a:buChar char="•"/>
+              <a:defRPr sz="1500" kern="1200">
+                <a:solidFill>
+                  <a:schemeClr val="tx1"/>
+                </a:solidFill>
+                <a:latin typeface="+mn-lt"/>
+                <a:ea typeface="+mn-ea"/>
+                <a:cs typeface="+mn-cs"/>
+              </a:defRPr>
+            </a:lvl8pPr>
+            <a:lvl9pPr marL="3086100" indent="-342900" algn="l" defTabSz="342900" rtl="0" eaLnBrk="1" latinLnBrk="0" hangingPunct="1">
+              <a:spcBef>
+                <a:spcPct val="20000"/>
+              </a:spcBef>
+              <a:buFont typeface="Arial"/>
+              <a:buChar char="•"/>
+              <a:defRPr sz="1500" kern="1200">
+                <a:solidFill>
+                  <a:schemeClr val="tx1"/>
+                </a:solidFill>
+                <a:latin typeface="+mn-lt"/>
+                <a:ea typeface="+mn-ea"/>
+                <a:cs typeface="+mn-cs"/>
+              </a:defRPr>
+            </a:lvl9pPr>
+          </a:lstStyle>
+          <a:p>
+            <a:pPr marL="0" indent="0">
+              <a:buNone/>
+            </a:pPr>
+            <a:r>
+              <a:rPr lang="en-US" dirty="0"/>
+              <a:t>Sequential pallet shows relative auto price</a:t>
+            </a:r>
+          </a:p>
+          <a:p>
+            <a:pPr>
+              <a:buFont typeface="Arial" panose="020B0604020202020204" pitchFamily="34" charset="0"/>
+              <a:buChar char="•"/>
+            </a:pPr>
+            <a:r>
+              <a:rPr lang="en-US" dirty="0"/>
+              <a:t>Darker colors indicate higher price</a:t>
+            </a:r>
+          </a:p>
+          <a:p>
+            <a:pPr>
+              <a:buFont typeface="Arial" panose="020B0604020202020204" pitchFamily="34" charset="0"/>
+              <a:buChar char="•"/>
+            </a:pPr>
+            <a:r>
+              <a:rPr lang="en-US" dirty="0"/>
+              <a:t>Lighter colors indicate lower price</a:t>
+            </a:r>
+          </a:p>
+          <a:p>
+            <a:pPr>
+              <a:buFont typeface="Arial" panose="020B0604020202020204" pitchFamily="34" charset="0"/>
+              <a:buChar char="•"/>
+            </a:pPr>
+            <a:r>
+              <a:rPr lang="en-US" dirty="0"/>
+              <a:t>Can you see the pattern that </a:t>
+            </a:r>
+            <a:r>
+              <a:rPr lang="en-US" dirty="0" err="1"/>
+              <a:t>emmerges</a:t>
+            </a:r>
+            <a:r>
+              <a:rPr lang="en-US" dirty="0"/>
+              <a:t>? </a:t>
             </a:r>
           </a:p>
         </p:txBody>
@@ -7030,7 +7427,16 @@
               <a:buNone/>
             </a:pPr>
             <a:r>
-              <a:t>Marker Size</a:t>
+              <a:rPr dirty="0"/>
+              <a:t>Limits of </a:t>
+            </a:r>
+            <a:r>
+              <a:rPr lang="en-US" dirty="0"/>
+              <a:t>C</a:t>
+            </a:r>
+            <a:r>
+              <a:rPr dirty="0"/>
+              <a:t>olor</a:t>
             </a:r>
           </a:p>
         </p:txBody>
@@ -7048,7 +7454,7 @@
         <p:spPr/>
         <p:txBody>
           <a:bodyPr>
-            <a:normAutofit fontScale="92500" lnSpcReduction="10000"/>
+            <a:normAutofit/>
           </a:bodyPr>
           <a:lstStyle/>
           <a:p>
@@ -7056,78 +7462,61 @@
               <a:buNone/>
             </a:pPr>
             <a:r>
+              <a:rPr dirty="0"/>
+              <a:t>Regardless of the approach there are some significant limitations</a:t>
+            </a:r>
+          </a:p>
+          <a:p>
+            <a:pPr lvl="0"/>
+            <a:r>
+              <a:rPr dirty="0"/>
+              <a:t>A significant number of people are color blind </a:t>
+            </a:r>
+            <a:endParaRPr lang="en-US" dirty="0"/>
+          </a:p>
+          <a:p>
+            <a:pPr lvl="1"/>
+            <a:r>
+              <a:rPr dirty="0"/>
+              <a:t>Red-green color blindness is most common</a:t>
+            </a:r>
+            <a:r>
+              <a:rPr lang="en-US" dirty="0"/>
+              <a:t>, primarily affecting men</a:t>
+            </a:r>
+            <a:endParaRPr dirty="0"/>
+          </a:p>
+          <a:p>
+            <a:pPr lvl="0"/>
+            <a:r>
+              <a:rPr dirty="0"/>
+              <a:t>Even the best sequential or divergent palettes show only relative value of numeric variables</a:t>
+            </a:r>
+          </a:p>
+          <a:p>
+            <a:pPr lvl="1"/>
+            <a:r>
+              <a:rPr dirty="0"/>
+              <a:t>Perception of exact numeric values is difficult, except in special cases</a:t>
+            </a:r>
+          </a:p>
+          <a:p>
+            <a:pPr lvl="0"/>
+            <a:r>
+              <a:rPr lang="en-US" dirty="0"/>
+              <a:t>People </a:t>
+            </a:r>
+            <a:r>
+              <a:rPr lang="en-US" b="1" dirty="0"/>
+              <a:t>c</a:t>
+            </a:r>
+            <a:r>
               <a:rPr b="1" dirty="0"/>
-              <a:t>Marker size</a:t>
-            </a:r>
-            <a:r>
-              <a:rPr dirty="0"/>
-              <a:t> is moderately effective aesthetic</a:t>
-            </a:r>
-          </a:p>
-          <a:p>
-            <a:pPr lvl="0"/>
-            <a:r>
-              <a:rPr dirty="0"/>
-              <a:t>Used properly, marker size can highlight important </a:t>
-            </a:r>
-            <a:r>
-              <a:rPr dirty="0" err="1"/>
-              <a:t>realationships</a:t>
-            </a:r>
-            <a:r>
-              <a:rPr dirty="0"/>
-              <a:t> in complex data sets</a:t>
-            </a:r>
-          </a:p>
-          <a:p>
-            <a:pPr lvl="1"/>
-            <a:r>
-              <a:rPr dirty="0"/>
-              <a:t>Numeric values</a:t>
-            </a:r>
-          </a:p>
-          <a:p>
-            <a:pPr lvl="1"/>
-            <a:r>
-              <a:rPr dirty="0"/>
-              <a:t>Ordinal variables</a:t>
-            </a:r>
-          </a:p>
-          <a:p>
-            <a:pPr lvl="0"/>
-            <a:r>
-              <a:rPr dirty="0"/>
-              <a:t>Viewers can generally perceive relative differences, but not actual values</a:t>
-            </a:r>
-          </a:p>
-          <a:p>
-            <a:pPr lvl="0"/>
-            <a:r>
-              <a:rPr dirty="0"/>
-              <a:t>Small size differences are not </a:t>
-            </a:r>
-            <a:r>
-              <a:rPr dirty="0" err="1"/>
-              <a:t>preceptable</a:t>
-            </a:r>
-            <a:endParaRPr dirty="0"/>
-          </a:p>
-          <a:p>
-            <a:pPr lvl="1"/>
-            <a:r>
-              <a:rPr dirty="0"/>
-              <a:t>Only relative relationship in </a:t>
-            </a:r>
-            <a:r>
-              <a:t>numeric variables</a:t>
-            </a:r>
-            <a:endParaRPr dirty="0"/>
-          </a:p>
-          <a:p>
-            <a:pPr lvl="1"/>
-            <a:r>
-              <a:rPr dirty="0"/>
-              <a:t>Limited steps of categorical variables</a:t>
+              <a:t>annot perceive large number of colors </a:t>
+            </a:r>
+            <a:r>
+              <a:rPr dirty="0"/>
+              <a:t>for categories</a:t>
             </a:r>
           </a:p>
         </p:txBody>
@@ -7169,26 +7558,221 @@
         </p:nvSpPr>
         <p:spPr/>
         <p:txBody>
+          <a:bodyPr/>
+          <a:lstStyle/>
+          <a:p>
+            <a:pPr marL="0" lvl="0" indent="0">
+              <a:buNone/>
+            </a:pPr>
+            <a:r>
+              <a:rPr lang="en-US" dirty="0"/>
+              <a:t>Limits of Color</a:t>
+            </a:r>
+            <a:endParaRPr dirty="0"/>
+          </a:p>
+        </p:txBody>
+      </p:sp>
+      <p:sp>
+        <p:nvSpPr>
+          <p:cNvPr id="3" name="Text Placeholder 3">
+            <a:extLst>
+              <a:ext uri="{FF2B5EF4-FFF2-40B4-BE49-F238E27FC236}">
+                <a16:creationId xmlns:a16="http://schemas.microsoft.com/office/drawing/2014/main" id="{BBC4F043-E962-4014-CE75-99D8E08E0C5B}"/>
+              </a:ext>
+            </a:extLst>
+          </p:cNvPr>
+          <p:cNvSpPr txBox="1">
+            <a:spLocks/>
+          </p:cNvSpPr>
+          <p:nvPr/>
+        </p:nvSpPr>
+        <p:spPr>
+          <a:xfrm>
+            <a:off x="457202" y="1358096"/>
+            <a:ext cx="3663385" cy="3236527"/>
+          </a:xfrm>
+          <a:prstGeom prst="rect">
+            <a:avLst/>
+          </a:prstGeom>
+        </p:spPr>
+        <p:txBody>
           <a:bodyPr>
-            <a:normAutofit fontScale="90000"/>
+            <a:normAutofit/>
           </a:bodyPr>
-          <a:lstStyle/>
-          <a:p>
-            <a:pPr marL="0" lvl="0" indent="0">
-              <a:buNone/>
-            </a:pPr>
-            <a:r>
-              <a:t>Engine Size by Marker Size and Price by Sequential Color Palette</a:t>
+          <a:lstStyle>
+            <a:lvl1pPr marL="342900" indent="-342900" algn="l" defTabSz="342900" rtl="0" eaLnBrk="1" latinLnBrk="0" hangingPunct="1">
+              <a:spcBef>
+                <a:spcPct val="20000"/>
+              </a:spcBef>
+              <a:buFont typeface="Arial"/>
+              <a:buChar char="•"/>
+              <a:defRPr sz="2400" kern="1200">
+                <a:solidFill>
+                  <a:schemeClr val="tx1"/>
+                </a:solidFill>
+                <a:latin typeface="+mn-lt"/>
+                <a:ea typeface="+mn-ea"/>
+                <a:cs typeface="+mn-cs"/>
+              </a:defRPr>
+            </a:lvl1pPr>
+            <a:lvl2pPr marL="685800" indent="-342900" algn="l" defTabSz="342900" rtl="0" eaLnBrk="1" latinLnBrk="0" hangingPunct="1">
+              <a:spcBef>
+                <a:spcPct val="20000"/>
+              </a:spcBef>
+              <a:buFont typeface="Arial"/>
+              <a:buChar char="–"/>
+              <a:defRPr sz="2100" kern="1200">
+                <a:solidFill>
+                  <a:schemeClr val="tx1"/>
+                </a:solidFill>
+                <a:latin typeface="+mn-lt"/>
+                <a:ea typeface="+mn-ea"/>
+                <a:cs typeface="+mn-cs"/>
+              </a:defRPr>
+            </a:lvl2pPr>
+            <a:lvl3pPr marL="1028700" indent="-342900" algn="l" defTabSz="342900" rtl="0" eaLnBrk="1" latinLnBrk="0" hangingPunct="1">
+              <a:spcBef>
+                <a:spcPct val="20000"/>
+              </a:spcBef>
+              <a:buFont typeface="Arial"/>
+              <a:buChar char="•"/>
+              <a:defRPr sz="1800" kern="1200">
+                <a:solidFill>
+                  <a:schemeClr val="tx1"/>
+                </a:solidFill>
+                <a:latin typeface="+mn-lt"/>
+                <a:ea typeface="+mn-ea"/>
+                <a:cs typeface="+mn-cs"/>
+              </a:defRPr>
+            </a:lvl3pPr>
+            <a:lvl4pPr marL="1371600" indent="-342900" algn="l" defTabSz="342900" rtl="0" eaLnBrk="1" latinLnBrk="0" hangingPunct="1">
+              <a:spcBef>
+                <a:spcPct val="20000"/>
+              </a:spcBef>
+              <a:buFont typeface="Arial"/>
+              <a:buChar char="–"/>
+              <a:defRPr sz="1500" kern="1200">
+                <a:solidFill>
+                  <a:schemeClr val="tx1"/>
+                </a:solidFill>
+                <a:latin typeface="+mn-lt"/>
+                <a:ea typeface="+mn-ea"/>
+                <a:cs typeface="+mn-cs"/>
+              </a:defRPr>
+            </a:lvl4pPr>
+            <a:lvl5pPr marL="1714500" indent="-342900" algn="l" defTabSz="342900" rtl="0" eaLnBrk="1" latinLnBrk="0" hangingPunct="1">
+              <a:spcBef>
+                <a:spcPct val="20000"/>
+              </a:spcBef>
+              <a:buFont typeface="Arial"/>
+              <a:buChar char="»"/>
+              <a:defRPr sz="1500" kern="1200">
+                <a:solidFill>
+                  <a:schemeClr val="tx1"/>
+                </a:solidFill>
+                <a:latin typeface="+mn-lt"/>
+                <a:ea typeface="+mn-ea"/>
+                <a:cs typeface="+mn-cs"/>
+              </a:defRPr>
+            </a:lvl5pPr>
+            <a:lvl6pPr marL="2057400" indent="-342900" algn="l" defTabSz="342900" rtl="0" eaLnBrk="1" latinLnBrk="0" hangingPunct="1">
+              <a:spcBef>
+                <a:spcPct val="20000"/>
+              </a:spcBef>
+              <a:buFont typeface="Arial"/>
+              <a:buChar char="•"/>
+              <a:defRPr sz="1500" kern="1200">
+                <a:solidFill>
+                  <a:schemeClr val="tx1"/>
+                </a:solidFill>
+                <a:latin typeface="+mn-lt"/>
+                <a:ea typeface="+mn-ea"/>
+                <a:cs typeface="+mn-cs"/>
+              </a:defRPr>
+            </a:lvl6pPr>
+            <a:lvl7pPr marL="2400300" indent="-342900" algn="l" defTabSz="342900" rtl="0" eaLnBrk="1" latinLnBrk="0" hangingPunct="1">
+              <a:spcBef>
+                <a:spcPct val="20000"/>
+              </a:spcBef>
+              <a:buFont typeface="Arial"/>
+              <a:buChar char="•"/>
+              <a:defRPr sz="1500" kern="1200">
+                <a:solidFill>
+                  <a:schemeClr val="tx1"/>
+                </a:solidFill>
+                <a:latin typeface="+mn-lt"/>
+                <a:ea typeface="+mn-ea"/>
+                <a:cs typeface="+mn-cs"/>
+              </a:defRPr>
+            </a:lvl7pPr>
+            <a:lvl8pPr marL="2743200" indent="-342900" algn="l" defTabSz="342900" rtl="0" eaLnBrk="1" latinLnBrk="0" hangingPunct="1">
+              <a:spcBef>
+                <a:spcPct val="20000"/>
+              </a:spcBef>
+              <a:buFont typeface="Arial"/>
+              <a:buChar char="•"/>
+              <a:defRPr sz="1500" kern="1200">
+                <a:solidFill>
+                  <a:schemeClr val="tx1"/>
+                </a:solidFill>
+                <a:latin typeface="+mn-lt"/>
+                <a:ea typeface="+mn-ea"/>
+                <a:cs typeface="+mn-cs"/>
+              </a:defRPr>
+            </a:lvl8pPr>
+            <a:lvl9pPr marL="3086100" indent="-342900" algn="l" defTabSz="342900" rtl="0" eaLnBrk="1" latinLnBrk="0" hangingPunct="1">
+              <a:spcBef>
+                <a:spcPct val="20000"/>
+              </a:spcBef>
+              <a:buFont typeface="Arial"/>
+              <a:buChar char="•"/>
+              <a:defRPr sz="1500" kern="1200">
+                <a:solidFill>
+                  <a:schemeClr val="tx1"/>
+                </a:solidFill>
+                <a:latin typeface="+mn-lt"/>
+                <a:ea typeface="+mn-ea"/>
+                <a:cs typeface="+mn-cs"/>
+              </a:defRPr>
+            </a:lvl9pPr>
+          </a:lstStyle>
+          <a:p>
+            <a:pPr marL="0" indent="0">
+              <a:buNone/>
+            </a:pPr>
+            <a:r>
+              <a:rPr lang="en-US" dirty="0"/>
+              <a:t>Large color pallet reduces perception</a:t>
+            </a:r>
+          </a:p>
+          <a:p>
+            <a:pPr>
+              <a:buFont typeface="Arial" panose="020B0604020202020204" pitchFamily="34" charset="0"/>
+              <a:buChar char="•"/>
+            </a:pPr>
+            <a:r>
+              <a:rPr lang="en-US" dirty="0"/>
+              <a:t>This plot includes too many similar colors</a:t>
+            </a:r>
+          </a:p>
+          <a:p>
+            <a:pPr>
+              <a:buFont typeface="Arial" panose="020B0604020202020204" pitchFamily="34" charset="0"/>
+              <a:buChar char="•"/>
+            </a:pPr>
+            <a:r>
+              <a:rPr lang="en-US" dirty="0"/>
+              <a:t>Virtually impossible to determine where autos from each make fall on the plot </a:t>
             </a:r>
           </a:p>
         </p:txBody>
       </p:sp>
       <p:pic>
         <p:nvPicPr>
-          <p:cNvPr id="5" name="Picture 4">
+          <p:cNvPr id="6" name="Picture 5">
             <a:extLst>
               <a:ext uri="{FF2B5EF4-FFF2-40B4-BE49-F238E27FC236}">
-                <a16:creationId xmlns:a16="http://schemas.microsoft.com/office/drawing/2014/main" id="{1B234609-BBC2-A19D-880C-BADCFEAC28D2}"/>
+                <a16:creationId xmlns:a16="http://schemas.microsoft.com/office/drawing/2014/main" id="{06B7D722-712E-6BDF-09E4-1BA64EF0454B}"/>
               </a:ext>
             </a:extLst>
           </p:cNvPr>
@@ -7205,8 +7789,8 @@
         </p:blipFill>
         <p:spPr>
           <a:xfrm>
-            <a:off x="2662438" y="1019626"/>
-            <a:ext cx="3933785" cy="4034652"/>
+            <a:off x="4265108" y="860385"/>
+            <a:ext cx="4878892" cy="4109012"/>
           </a:xfrm>
           <a:prstGeom prst="rect">
             <a:avLst/>
@@ -7214,6 +7798,11 @@
         </p:spPr>
       </p:pic>
     </p:spTree>
+    <p:extLst>
+      <p:ext uri="{BB962C8B-B14F-4D97-AF65-F5344CB8AC3E}">
+        <p14:creationId xmlns:p14="http://schemas.microsoft.com/office/powerpoint/2010/main" val="929278502"/>
+      </p:ext>
+    </p:extLst>
   </p:cSld>
   <p:clrMapOvr>
     <a:masterClrMapping/>
@@ -7257,60 +7846,260 @@
               <a:buNone/>
             </a:pPr>
             <a:r>
-              <a:t>Line Plots and Line Type</a:t>
-            </a:r>
-          </a:p>
-        </p:txBody>
-      </p:sp>
-      <p:sp>
-        <p:nvSpPr>
-          <p:cNvPr id="3" name="Content Placeholder 2"/>
-          <p:cNvSpPr>
-            <a:spLocks noGrp="1"/>
-          </p:cNvSpPr>
-          <p:nvPr>
-            <p:ph idx="1"/>
-          </p:nvPr>
-        </p:nvSpPr>
-        <p:spPr/>
-        <p:txBody>
-          <a:bodyPr/>
-          <a:lstStyle/>
-          <a:p>
-            <a:pPr marL="0" lvl="0" indent="0">
-              <a:buNone/>
-            </a:pPr>
-            <a:r>
-              <a:rPr b="1"/>
-              <a:t>Line plots</a:t>
-            </a:r>
-            <a:r>
-              <a:t> connect discrete, ordered, data points by a line</a:t>
-            </a:r>
-          </a:p>
-          <a:p>
-            <a:pPr lvl="0"/>
-            <a:r>
-              <a:t>Can use different colors and line pattern types to differentiate categories</a:t>
-            </a:r>
-            <a:br/>
-            <a:endParaRPr/>
-          </a:p>
-          <a:p>
-            <a:pPr lvl="0"/>
-            <a:r>
-              <a:t>Only useful for a limited number of lines on one graph</a:t>
-            </a:r>
-          </a:p>
-          <a:p>
-            <a:pPr lvl="0"/>
-            <a:r>
-              <a:t>Too many similar colors and line patterns on one plot leads to viewer confusion and poor perception</a:t>
-            </a:r>
-          </a:p>
-        </p:txBody>
-      </p:sp>
+              <a:rPr lang="en-US" dirty="0"/>
+              <a:t>Limits of Color</a:t>
+            </a:r>
+            <a:endParaRPr dirty="0"/>
+          </a:p>
+        </p:txBody>
+      </p:sp>
+      <p:sp>
+        <p:nvSpPr>
+          <p:cNvPr id="3" name="Text Placeholder 3">
+            <a:extLst>
+              <a:ext uri="{FF2B5EF4-FFF2-40B4-BE49-F238E27FC236}">
+                <a16:creationId xmlns:a16="http://schemas.microsoft.com/office/drawing/2014/main" id="{BBC4F043-E962-4014-CE75-99D8E08E0C5B}"/>
+              </a:ext>
+            </a:extLst>
+          </p:cNvPr>
+          <p:cNvSpPr txBox="1">
+            <a:spLocks/>
+          </p:cNvSpPr>
+          <p:nvPr/>
+        </p:nvSpPr>
+        <p:spPr>
+          <a:xfrm>
+            <a:off x="387754" y="910542"/>
+            <a:ext cx="8513178" cy="1207625"/>
+          </a:xfrm>
+          <a:prstGeom prst="rect">
+            <a:avLst/>
+          </a:prstGeom>
+        </p:spPr>
+        <p:txBody>
+          <a:bodyPr>
+            <a:normAutofit lnSpcReduction="10000"/>
+          </a:bodyPr>
+          <a:lstStyle>
+            <a:lvl1pPr marL="342900" indent="-342900" algn="l" defTabSz="342900" rtl="0" eaLnBrk="1" latinLnBrk="0" hangingPunct="1">
+              <a:spcBef>
+                <a:spcPct val="20000"/>
+              </a:spcBef>
+              <a:buFont typeface="Arial"/>
+              <a:buChar char="•"/>
+              <a:defRPr sz="2400" kern="1200">
+                <a:solidFill>
+                  <a:schemeClr val="tx1"/>
+                </a:solidFill>
+                <a:latin typeface="+mn-lt"/>
+                <a:ea typeface="+mn-ea"/>
+                <a:cs typeface="+mn-cs"/>
+              </a:defRPr>
+            </a:lvl1pPr>
+            <a:lvl2pPr marL="685800" indent="-342900" algn="l" defTabSz="342900" rtl="0" eaLnBrk="1" latinLnBrk="0" hangingPunct="1">
+              <a:spcBef>
+                <a:spcPct val="20000"/>
+              </a:spcBef>
+              <a:buFont typeface="Arial"/>
+              <a:buChar char="–"/>
+              <a:defRPr sz="2100" kern="1200">
+                <a:solidFill>
+                  <a:schemeClr val="tx1"/>
+                </a:solidFill>
+                <a:latin typeface="+mn-lt"/>
+                <a:ea typeface="+mn-ea"/>
+                <a:cs typeface="+mn-cs"/>
+              </a:defRPr>
+            </a:lvl2pPr>
+            <a:lvl3pPr marL="1028700" indent="-342900" algn="l" defTabSz="342900" rtl="0" eaLnBrk="1" latinLnBrk="0" hangingPunct="1">
+              <a:spcBef>
+                <a:spcPct val="20000"/>
+              </a:spcBef>
+              <a:buFont typeface="Arial"/>
+              <a:buChar char="•"/>
+              <a:defRPr sz="1800" kern="1200">
+                <a:solidFill>
+                  <a:schemeClr val="tx1"/>
+                </a:solidFill>
+                <a:latin typeface="+mn-lt"/>
+                <a:ea typeface="+mn-ea"/>
+                <a:cs typeface="+mn-cs"/>
+              </a:defRPr>
+            </a:lvl3pPr>
+            <a:lvl4pPr marL="1371600" indent="-342900" algn="l" defTabSz="342900" rtl="0" eaLnBrk="1" latinLnBrk="0" hangingPunct="1">
+              <a:spcBef>
+                <a:spcPct val="20000"/>
+              </a:spcBef>
+              <a:buFont typeface="Arial"/>
+              <a:buChar char="–"/>
+              <a:defRPr sz="1500" kern="1200">
+                <a:solidFill>
+                  <a:schemeClr val="tx1"/>
+                </a:solidFill>
+                <a:latin typeface="+mn-lt"/>
+                <a:ea typeface="+mn-ea"/>
+                <a:cs typeface="+mn-cs"/>
+              </a:defRPr>
+            </a:lvl4pPr>
+            <a:lvl5pPr marL="1714500" indent="-342900" algn="l" defTabSz="342900" rtl="0" eaLnBrk="1" latinLnBrk="0" hangingPunct="1">
+              <a:spcBef>
+                <a:spcPct val="20000"/>
+              </a:spcBef>
+              <a:buFont typeface="Arial"/>
+              <a:buChar char="»"/>
+              <a:defRPr sz="1500" kern="1200">
+                <a:solidFill>
+                  <a:schemeClr val="tx1"/>
+                </a:solidFill>
+                <a:latin typeface="+mn-lt"/>
+                <a:ea typeface="+mn-ea"/>
+                <a:cs typeface="+mn-cs"/>
+              </a:defRPr>
+            </a:lvl5pPr>
+            <a:lvl6pPr marL="2057400" indent="-342900" algn="l" defTabSz="342900" rtl="0" eaLnBrk="1" latinLnBrk="0" hangingPunct="1">
+              <a:spcBef>
+                <a:spcPct val="20000"/>
+              </a:spcBef>
+              <a:buFont typeface="Arial"/>
+              <a:buChar char="•"/>
+              <a:defRPr sz="1500" kern="1200">
+                <a:solidFill>
+                  <a:schemeClr val="tx1"/>
+                </a:solidFill>
+                <a:latin typeface="+mn-lt"/>
+                <a:ea typeface="+mn-ea"/>
+                <a:cs typeface="+mn-cs"/>
+              </a:defRPr>
+            </a:lvl6pPr>
+            <a:lvl7pPr marL="2400300" indent="-342900" algn="l" defTabSz="342900" rtl="0" eaLnBrk="1" latinLnBrk="0" hangingPunct="1">
+              <a:spcBef>
+                <a:spcPct val="20000"/>
+              </a:spcBef>
+              <a:buFont typeface="Arial"/>
+              <a:buChar char="•"/>
+              <a:defRPr sz="1500" kern="1200">
+                <a:solidFill>
+                  <a:schemeClr val="tx1"/>
+                </a:solidFill>
+                <a:latin typeface="+mn-lt"/>
+                <a:ea typeface="+mn-ea"/>
+                <a:cs typeface="+mn-cs"/>
+              </a:defRPr>
+            </a:lvl7pPr>
+            <a:lvl8pPr marL="2743200" indent="-342900" algn="l" defTabSz="342900" rtl="0" eaLnBrk="1" latinLnBrk="0" hangingPunct="1">
+              <a:spcBef>
+                <a:spcPct val="20000"/>
+              </a:spcBef>
+              <a:buFont typeface="Arial"/>
+              <a:buChar char="•"/>
+              <a:defRPr sz="1500" kern="1200">
+                <a:solidFill>
+                  <a:schemeClr val="tx1"/>
+                </a:solidFill>
+                <a:latin typeface="+mn-lt"/>
+                <a:ea typeface="+mn-ea"/>
+                <a:cs typeface="+mn-cs"/>
+              </a:defRPr>
+            </a:lvl8pPr>
+            <a:lvl9pPr marL="3086100" indent="-342900" algn="l" defTabSz="342900" rtl="0" eaLnBrk="1" latinLnBrk="0" hangingPunct="1">
+              <a:spcBef>
+                <a:spcPct val="20000"/>
+              </a:spcBef>
+              <a:buFont typeface="Arial"/>
+              <a:buChar char="•"/>
+              <a:defRPr sz="1500" kern="1200">
+                <a:solidFill>
+                  <a:schemeClr val="tx1"/>
+                </a:solidFill>
+                <a:latin typeface="+mn-lt"/>
+                <a:ea typeface="+mn-ea"/>
+                <a:cs typeface="+mn-cs"/>
+              </a:defRPr>
+            </a:lvl9pPr>
+          </a:lstStyle>
+          <a:p>
+            <a:pPr marL="0" indent="0">
+              <a:buNone/>
+            </a:pPr>
+            <a:r>
+              <a:rPr lang="en-US" dirty="0"/>
+              <a:t>Ordered box plot is an alternative to color and shape for variables with too many categories   </a:t>
+            </a:r>
+          </a:p>
+          <a:p>
+            <a:r>
+              <a:rPr lang="en-US" dirty="0"/>
+              <a:t>Ordering improves perception, similar to ordered bar chart</a:t>
+            </a:r>
+          </a:p>
+        </p:txBody>
+      </p:sp>
+      <p:pic>
+        <p:nvPicPr>
+          <p:cNvPr id="5" name="Picture 4">
+            <a:extLst>
+              <a:ext uri="{FF2B5EF4-FFF2-40B4-BE49-F238E27FC236}">
+                <a16:creationId xmlns:a16="http://schemas.microsoft.com/office/drawing/2014/main" id="{470F5102-101E-3820-1B91-98B8A85B96F4}"/>
+              </a:ext>
+            </a:extLst>
+          </p:cNvPr>
+          <p:cNvPicPr>
+            <a:picLocks noChangeAspect="1"/>
+          </p:cNvPicPr>
+          <p:nvPr/>
+        </p:nvPicPr>
+        <p:blipFill>
+          <a:blip r:embed="rId2"/>
+          <a:stretch>
+            <a:fillRect/>
+          </a:stretch>
+        </p:blipFill>
+        <p:spPr>
+          <a:xfrm>
+            <a:off x="4409954" y="1964889"/>
+            <a:ext cx="4109655" cy="3142486"/>
+          </a:xfrm>
+          <a:prstGeom prst="rect">
+            <a:avLst/>
+          </a:prstGeom>
+        </p:spPr>
+      </p:pic>
+      <p:pic>
+        <p:nvPicPr>
+          <p:cNvPr id="8" name="Picture 7">
+            <a:extLst>
+              <a:ext uri="{FF2B5EF4-FFF2-40B4-BE49-F238E27FC236}">
+                <a16:creationId xmlns:a16="http://schemas.microsoft.com/office/drawing/2014/main" id="{493BB364-7770-0D6E-2F56-3A68DD328653}"/>
+              </a:ext>
+            </a:extLst>
+          </p:cNvPr>
+          <p:cNvPicPr>
+            <a:picLocks noChangeAspect="1"/>
+          </p:cNvPicPr>
+          <p:nvPr/>
+        </p:nvPicPr>
+        <p:blipFill>
+          <a:blip r:embed="rId3"/>
+          <a:stretch>
+            <a:fillRect/>
+          </a:stretch>
+        </p:blipFill>
+        <p:spPr>
+          <a:xfrm>
+            <a:off x="310589" y="2000389"/>
+            <a:ext cx="4049208" cy="3079319"/>
+          </a:xfrm>
+          <a:prstGeom prst="rect">
+            <a:avLst/>
+          </a:prstGeom>
+        </p:spPr>
+      </p:pic>
     </p:spTree>
+    <p:extLst>
+      <p:ext uri="{BB962C8B-B14F-4D97-AF65-F5344CB8AC3E}">
+        <p14:creationId xmlns:p14="http://schemas.microsoft.com/office/powerpoint/2010/main" val="3274263035"/>
+      </p:ext>
+    </p:extLst>
   </p:cSld>
   <p:clrMapOvr>
     <a:masterClrMapping/>
@@ -7354,41 +8143,99 @@
               <a:buNone/>
             </a:pPr>
             <a:r>
-              <a:t>Limits of Line Type</a:t>
-            </a:r>
-          </a:p>
-        </p:txBody>
-      </p:sp>
-      <p:pic>
-        <p:nvPicPr>
-          <p:cNvPr id="3" name="Picture 1" descr="01_PreceptionForScientificVisualization_files/figure-pptx/unnamed-chunk-9-13.png"/>
-          <p:cNvPicPr>
-            <a:picLocks noGrp="1" noChangeAspect="1"/>
-          </p:cNvPicPr>
-          <p:nvPr/>
-        </p:nvPicPr>
-        <p:blipFill>
-          <a:blip r:embed="rId2"/>
-          <a:stretch>
-            <a:fillRect/>
-          </a:stretch>
-        </p:blipFill>
-        <p:spPr bwMode="auto">
-          <a:xfrm>
-            <a:off x="1353216" y="1193799"/>
-            <a:ext cx="6124512" cy="3829613"/>
-          </a:xfrm>
-          <a:prstGeom prst="rect">
-            <a:avLst/>
-          </a:prstGeom>
-          <a:noFill/>
-          <a:ln w="9525">
-            <a:noFill/>
-            <a:headEnd/>
-            <a:tailEnd/>
-          </a:ln>
-        </p:spPr>
-      </p:pic>
+              <a:t>Marker Size</a:t>
+            </a:r>
+          </a:p>
+        </p:txBody>
+      </p:sp>
+      <p:sp>
+        <p:nvSpPr>
+          <p:cNvPr id="3" name="Content Placeholder 2"/>
+          <p:cNvSpPr>
+            <a:spLocks noGrp="1"/>
+          </p:cNvSpPr>
+          <p:nvPr>
+            <p:ph idx="1"/>
+          </p:nvPr>
+        </p:nvSpPr>
+        <p:spPr/>
+        <p:txBody>
+          <a:bodyPr>
+            <a:normAutofit fontScale="92500" lnSpcReduction="10000"/>
+          </a:bodyPr>
+          <a:lstStyle/>
+          <a:p>
+            <a:pPr marL="0" lvl="0" indent="0">
+              <a:buNone/>
+            </a:pPr>
+            <a:r>
+              <a:rPr b="1" dirty="0"/>
+              <a:t>Marker size</a:t>
+            </a:r>
+            <a:r>
+              <a:rPr dirty="0"/>
+              <a:t> is moderately effective aesthetic</a:t>
+            </a:r>
+          </a:p>
+          <a:p>
+            <a:pPr lvl="0"/>
+            <a:r>
+              <a:rPr dirty="0"/>
+              <a:t>Used properly, marker size can highlight important relationships in complex data sets</a:t>
+            </a:r>
+          </a:p>
+          <a:p>
+            <a:pPr lvl="1"/>
+            <a:r>
+              <a:rPr dirty="0"/>
+              <a:t>Numeric values</a:t>
+            </a:r>
+          </a:p>
+          <a:p>
+            <a:pPr lvl="1"/>
+            <a:r>
+              <a:rPr dirty="0"/>
+              <a:t>Ordinal variables</a:t>
+            </a:r>
+          </a:p>
+          <a:p>
+            <a:pPr lvl="0"/>
+            <a:r>
+              <a:rPr dirty="0"/>
+              <a:t>Viewers can generally perceive relative differences, but not actual values</a:t>
+            </a:r>
+          </a:p>
+          <a:p>
+            <a:pPr lvl="0"/>
+            <a:r>
+              <a:rPr dirty="0"/>
+              <a:t>Small size differences are not perceptible</a:t>
+            </a:r>
+          </a:p>
+          <a:p>
+            <a:pPr lvl="1"/>
+            <a:r>
+              <a:rPr dirty="0"/>
+              <a:t>Only relative relationship in numeric variables</a:t>
+            </a:r>
+          </a:p>
+          <a:p>
+            <a:pPr lvl="1"/>
+            <a:r>
+              <a:rPr dirty="0"/>
+              <a:t>Limited steps of </a:t>
+            </a:r>
+            <a:r>
+              <a:rPr lang="en-US" dirty="0" err="1"/>
+              <a:t>ordianal</a:t>
+            </a:r>
+            <a:r>
+              <a:rPr dirty="0"/>
+              <a:t> variables</a:t>
+            </a:r>
+          </a:p>
+        </p:txBody>
+      </p:sp>
     </p:spTree>
   </p:cSld>
   <p:clrMapOvr>
@@ -7426,75 +8273,251 @@
         </p:nvSpPr>
         <p:spPr/>
         <p:txBody>
-          <a:bodyPr/>
+          <a:bodyPr>
+            <a:normAutofit fontScale="90000"/>
+          </a:bodyPr>
           <a:lstStyle/>
           <a:p>
             <a:pPr marL="0" lvl="0" indent="0">
               <a:buNone/>
             </a:pPr>
             <a:r>
-              <a:t>Marker Shape</a:t>
-            </a:r>
-          </a:p>
-        </p:txBody>
-      </p:sp>
-      <p:sp>
-        <p:nvSpPr>
-          <p:cNvPr id="3" name="Content Placeholder 2"/>
-          <p:cNvSpPr>
-            <a:spLocks noGrp="1"/>
-          </p:cNvSpPr>
-          <p:nvPr>
-            <p:ph idx="1"/>
-          </p:nvPr>
-        </p:nvSpPr>
-        <p:spPr/>
-        <p:txBody>
-          <a:bodyPr/>
-          <a:lstStyle/>
-          <a:p>
-            <a:pPr marL="0" lvl="0" indent="0">
-              <a:buNone/>
-            </a:pPr>
-            <a:r>
-              <a:rPr b="1" dirty="0"/>
-              <a:t>Marker shape</a:t>
-            </a:r>
-            <a:r>
-              <a:rPr dirty="0"/>
-              <a:t> is useful for displaying categorical relationships</a:t>
-            </a:r>
-          </a:p>
-          <a:p>
-            <a:pPr lvl="0"/>
-            <a:r>
-              <a:rPr dirty="0"/>
-              <a:t>This aesthetic is only useful when two conditions are met:</a:t>
-            </a:r>
-          </a:p>
-          <a:p>
-            <a:pPr lvl="1">
-              <a:buAutoNum type="arabicPeriod"/>
-            </a:pPr>
-            <a:r>
-              <a:rPr dirty="0"/>
-              <a:t>The number of categories is small</a:t>
-            </a:r>
-          </a:p>
-          <a:p>
-            <a:pPr lvl="1">
-              <a:buAutoNum type="arabicPeriod"/>
-            </a:pPr>
-            <a:r>
-              <a:rPr dirty="0"/>
-              <a:t>Distinctive shape are chosen for the markers</a:t>
-            </a:r>
-          </a:p>
-          <a:p>
-            <a:pPr lvl="0"/>
-            <a:r>
-              <a:rPr dirty="0"/>
-              <a:t>Human perception limits the number of shapes humans can perceive well</a:t>
+              <a:t>Engine Size by Marker Size and Price by Sequential Color Palette</a:t>
+            </a:r>
+          </a:p>
+        </p:txBody>
+      </p:sp>
+      <p:pic>
+        <p:nvPicPr>
+          <p:cNvPr id="5" name="Picture 4">
+            <a:extLst>
+              <a:ext uri="{FF2B5EF4-FFF2-40B4-BE49-F238E27FC236}">
+                <a16:creationId xmlns:a16="http://schemas.microsoft.com/office/drawing/2014/main" id="{1B234609-BBC2-A19D-880C-BADCFEAC28D2}"/>
+              </a:ext>
+            </a:extLst>
+          </p:cNvPr>
+          <p:cNvPicPr>
+            <a:picLocks noChangeAspect="1"/>
+          </p:cNvPicPr>
+          <p:nvPr/>
+        </p:nvPicPr>
+        <p:blipFill>
+          <a:blip r:embed="rId2"/>
+          <a:stretch>
+            <a:fillRect/>
+          </a:stretch>
+        </p:blipFill>
+        <p:spPr>
+          <a:xfrm>
+            <a:off x="4915643" y="1108848"/>
+            <a:ext cx="3933785" cy="4034652"/>
+          </a:xfrm>
+          <a:prstGeom prst="rect">
+            <a:avLst/>
+          </a:prstGeom>
+        </p:spPr>
+      </p:pic>
+      <p:sp>
+        <p:nvSpPr>
+          <p:cNvPr id="3" name="Text Placeholder 3">
+            <a:extLst>
+              <a:ext uri="{FF2B5EF4-FFF2-40B4-BE49-F238E27FC236}">
+                <a16:creationId xmlns:a16="http://schemas.microsoft.com/office/drawing/2014/main" id="{97E3AB7E-43EF-6732-9DAC-40E0B6B49A48}"/>
+              </a:ext>
+            </a:extLst>
+          </p:cNvPr>
+          <p:cNvSpPr txBox="1">
+            <a:spLocks/>
+          </p:cNvSpPr>
+          <p:nvPr/>
+        </p:nvSpPr>
+        <p:spPr>
+          <a:xfrm>
+            <a:off x="457202" y="1358096"/>
+            <a:ext cx="4357866" cy="3236527"/>
+          </a:xfrm>
+          <a:prstGeom prst="rect">
+            <a:avLst/>
+          </a:prstGeom>
+        </p:spPr>
+        <p:txBody>
+          <a:bodyPr>
+            <a:normAutofit lnSpcReduction="10000"/>
+          </a:bodyPr>
+          <a:lstStyle>
+            <a:lvl1pPr marL="342900" indent="-342900" algn="l" defTabSz="342900" rtl="0" eaLnBrk="1" latinLnBrk="0" hangingPunct="1">
+              <a:spcBef>
+                <a:spcPct val="20000"/>
+              </a:spcBef>
+              <a:buFont typeface="Arial"/>
+              <a:buChar char="•"/>
+              <a:defRPr sz="2400" kern="1200">
+                <a:solidFill>
+                  <a:schemeClr val="tx1"/>
+                </a:solidFill>
+                <a:latin typeface="+mn-lt"/>
+                <a:ea typeface="+mn-ea"/>
+                <a:cs typeface="+mn-cs"/>
+              </a:defRPr>
+            </a:lvl1pPr>
+            <a:lvl2pPr marL="685800" indent="-342900" algn="l" defTabSz="342900" rtl="0" eaLnBrk="1" latinLnBrk="0" hangingPunct="1">
+              <a:spcBef>
+                <a:spcPct val="20000"/>
+              </a:spcBef>
+              <a:buFont typeface="Arial"/>
+              <a:buChar char="–"/>
+              <a:defRPr sz="2100" kern="1200">
+                <a:solidFill>
+                  <a:schemeClr val="tx1"/>
+                </a:solidFill>
+                <a:latin typeface="+mn-lt"/>
+                <a:ea typeface="+mn-ea"/>
+                <a:cs typeface="+mn-cs"/>
+              </a:defRPr>
+            </a:lvl2pPr>
+            <a:lvl3pPr marL="1028700" indent="-342900" algn="l" defTabSz="342900" rtl="0" eaLnBrk="1" latinLnBrk="0" hangingPunct="1">
+              <a:spcBef>
+                <a:spcPct val="20000"/>
+              </a:spcBef>
+              <a:buFont typeface="Arial"/>
+              <a:buChar char="•"/>
+              <a:defRPr sz="1800" kern="1200">
+                <a:solidFill>
+                  <a:schemeClr val="tx1"/>
+                </a:solidFill>
+                <a:latin typeface="+mn-lt"/>
+                <a:ea typeface="+mn-ea"/>
+                <a:cs typeface="+mn-cs"/>
+              </a:defRPr>
+            </a:lvl3pPr>
+            <a:lvl4pPr marL="1371600" indent="-342900" algn="l" defTabSz="342900" rtl="0" eaLnBrk="1" latinLnBrk="0" hangingPunct="1">
+              <a:spcBef>
+                <a:spcPct val="20000"/>
+              </a:spcBef>
+              <a:buFont typeface="Arial"/>
+              <a:buChar char="–"/>
+              <a:defRPr sz="1500" kern="1200">
+                <a:solidFill>
+                  <a:schemeClr val="tx1"/>
+                </a:solidFill>
+                <a:latin typeface="+mn-lt"/>
+                <a:ea typeface="+mn-ea"/>
+                <a:cs typeface="+mn-cs"/>
+              </a:defRPr>
+            </a:lvl4pPr>
+            <a:lvl5pPr marL="1714500" indent="-342900" algn="l" defTabSz="342900" rtl="0" eaLnBrk="1" latinLnBrk="0" hangingPunct="1">
+              <a:spcBef>
+                <a:spcPct val="20000"/>
+              </a:spcBef>
+              <a:buFont typeface="Arial"/>
+              <a:buChar char="»"/>
+              <a:defRPr sz="1500" kern="1200">
+                <a:solidFill>
+                  <a:schemeClr val="tx1"/>
+                </a:solidFill>
+                <a:latin typeface="+mn-lt"/>
+                <a:ea typeface="+mn-ea"/>
+                <a:cs typeface="+mn-cs"/>
+              </a:defRPr>
+            </a:lvl5pPr>
+            <a:lvl6pPr marL="2057400" indent="-342900" algn="l" defTabSz="342900" rtl="0" eaLnBrk="1" latinLnBrk="0" hangingPunct="1">
+              <a:spcBef>
+                <a:spcPct val="20000"/>
+              </a:spcBef>
+              <a:buFont typeface="Arial"/>
+              <a:buChar char="•"/>
+              <a:defRPr sz="1500" kern="1200">
+                <a:solidFill>
+                  <a:schemeClr val="tx1"/>
+                </a:solidFill>
+                <a:latin typeface="+mn-lt"/>
+                <a:ea typeface="+mn-ea"/>
+                <a:cs typeface="+mn-cs"/>
+              </a:defRPr>
+            </a:lvl6pPr>
+            <a:lvl7pPr marL="2400300" indent="-342900" algn="l" defTabSz="342900" rtl="0" eaLnBrk="1" latinLnBrk="0" hangingPunct="1">
+              <a:spcBef>
+                <a:spcPct val="20000"/>
+              </a:spcBef>
+              <a:buFont typeface="Arial"/>
+              <a:buChar char="•"/>
+              <a:defRPr sz="1500" kern="1200">
+                <a:solidFill>
+                  <a:schemeClr val="tx1"/>
+                </a:solidFill>
+                <a:latin typeface="+mn-lt"/>
+                <a:ea typeface="+mn-ea"/>
+                <a:cs typeface="+mn-cs"/>
+              </a:defRPr>
+            </a:lvl7pPr>
+            <a:lvl8pPr marL="2743200" indent="-342900" algn="l" defTabSz="342900" rtl="0" eaLnBrk="1" latinLnBrk="0" hangingPunct="1">
+              <a:spcBef>
+                <a:spcPct val="20000"/>
+              </a:spcBef>
+              <a:buFont typeface="Arial"/>
+              <a:buChar char="•"/>
+              <a:defRPr sz="1500" kern="1200">
+                <a:solidFill>
+                  <a:schemeClr val="tx1"/>
+                </a:solidFill>
+                <a:latin typeface="+mn-lt"/>
+                <a:ea typeface="+mn-ea"/>
+                <a:cs typeface="+mn-cs"/>
+              </a:defRPr>
+            </a:lvl8pPr>
+            <a:lvl9pPr marL="3086100" indent="-342900" algn="l" defTabSz="342900" rtl="0" eaLnBrk="1" latinLnBrk="0" hangingPunct="1">
+              <a:spcBef>
+                <a:spcPct val="20000"/>
+              </a:spcBef>
+              <a:buFont typeface="Arial"/>
+              <a:buChar char="•"/>
+              <a:defRPr sz="1500" kern="1200">
+                <a:solidFill>
+                  <a:schemeClr val="tx1"/>
+                </a:solidFill>
+                <a:latin typeface="+mn-lt"/>
+                <a:ea typeface="+mn-ea"/>
+                <a:cs typeface="+mn-cs"/>
+              </a:defRPr>
+            </a:lvl9pPr>
+          </a:lstStyle>
+          <a:p>
+            <a:pPr marL="0" indent="0">
+              <a:buNone/>
+            </a:pPr>
+            <a:r>
+              <a:rPr lang="en-US" dirty="0"/>
+              <a:t>Sequential color pallet for price, marker size for engine size</a:t>
+            </a:r>
+          </a:p>
+          <a:p>
+            <a:pPr>
+              <a:buFont typeface="Arial" panose="020B0604020202020204" pitchFamily="34" charset="0"/>
+              <a:buChar char="•"/>
+            </a:pPr>
+            <a:r>
+              <a:rPr lang="en-US" dirty="0"/>
+              <a:t>Color pallet same as previous example</a:t>
+            </a:r>
+          </a:p>
+          <a:p>
+            <a:pPr>
+              <a:buFont typeface="Arial" panose="020B0604020202020204" pitchFamily="34" charset="0"/>
+              <a:buChar char="•"/>
+            </a:pPr>
+            <a:r>
+              <a:rPr lang="en-US" dirty="0"/>
+              <a:t>Engine size by relative marker size  </a:t>
+            </a:r>
+          </a:p>
+          <a:p>
+            <a:pPr>
+              <a:buFont typeface="Arial" panose="020B0604020202020204" pitchFamily="34" charset="0"/>
+              <a:buChar char="•"/>
+            </a:pPr>
+            <a:r>
+              <a:rPr lang="en-US" dirty="0"/>
+              <a:t>Can you see the patterns in this 4-dimensional projection?  </a:t>
             </a:r>
           </a:p>
         </p:txBody>
@@ -7543,41 +8566,61 @@
               <a:buNone/>
             </a:pPr>
             <a:r>
-              <a:t>Aspiration by Marker Shape</a:t>
-            </a:r>
-          </a:p>
-        </p:txBody>
-      </p:sp>
-      <p:pic>
-        <p:nvPicPr>
-          <p:cNvPr id="5" name="Picture 4">
-            <a:extLst>
-              <a:ext uri="{FF2B5EF4-FFF2-40B4-BE49-F238E27FC236}">
-                <a16:creationId xmlns:a16="http://schemas.microsoft.com/office/drawing/2014/main" id="{71A5AA76-E836-8833-45FC-7BA8DECC9136}"/>
-              </a:ext>
-            </a:extLst>
-          </p:cNvPr>
-          <p:cNvPicPr>
-            <a:picLocks noChangeAspect="1"/>
-          </p:cNvPicPr>
-          <p:nvPr/>
-        </p:nvPicPr>
-        <p:blipFill>
-          <a:blip r:embed="rId2"/>
-          <a:stretch>
-            <a:fillRect/>
-          </a:stretch>
-        </p:blipFill>
-        <p:spPr>
-          <a:xfrm>
-            <a:off x="2041003" y="905799"/>
-            <a:ext cx="4916525" cy="4165389"/>
-          </a:xfrm>
-          <a:prstGeom prst="rect">
-            <a:avLst/>
-          </a:prstGeom>
-        </p:spPr>
-      </p:pic>
+              <a:t>Line Plots and Line Type</a:t>
+            </a:r>
+          </a:p>
+        </p:txBody>
+      </p:sp>
+      <p:sp>
+        <p:nvSpPr>
+          <p:cNvPr id="3" name="Content Placeholder 2"/>
+          <p:cNvSpPr>
+            <a:spLocks noGrp="1"/>
+          </p:cNvSpPr>
+          <p:nvPr>
+            <p:ph idx="1"/>
+          </p:nvPr>
+        </p:nvSpPr>
+        <p:spPr/>
+        <p:txBody>
+          <a:bodyPr/>
+          <a:lstStyle/>
+          <a:p>
+            <a:pPr marL="0" lvl="0" indent="0">
+              <a:buNone/>
+            </a:pPr>
+            <a:r>
+              <a:rPr b="1" dirty="0"/>
+              <a:t>Line plots</a:t>
+            </a:r>
+            <a:r>
+              <a:rPr dirty="0"/>
+              <a:t> connect discrete, ordered, data points by a line</a:t>
+            </a:r>
+          </a:p>
+          <a:p>
+            <a:pPr lvl="0"/>
+            <a:r>
+              <a:rPr dirty="0"/>
+              <a:t>Can use different colors and line pattern types to differentiate categories</a:t>
+            </a:r>
+          </a:p>
+          <a:p>
+            <a:pPr lvl="0"/>
+            <a:r>
+              <a:rPr dirty="0"/>
+              <a:t>Only useful for a limited number of lines on one graph</a:t>
+            </a:r>
+          </a:p>
+          <a:p>
+            <a:pPr lvl="0"/>
+            <a:r>
+              <a:rPr dirty="0"/>
+              <a:t>Too many similar colors and line patterns on one plot leads to viewer confusion and poor perception</a:t>
+            </a:r>
+          </a:p>
+        </p:txBody>
+      </p:sp>
     </p:spTree>
   </p:cSld>
   <p:clrMapOvr>
@@ -7622,101 +8665,236 @@
               <a:buNone/>
             </a:pPr>
             <a:r>
-              <a:t>Regression Lines</a:t>
-            </a:r>
-          </a:p>
-        </p:txBody>
-      </p:sp>
-      <p:sp>
-        <p:nvSpPr>
-          <p:cNvPr id="3" name="Content Placeholder 2"/>
-          <p:cNvSpPr>
-            <a:spLocks noGrp="1"/>
-          </p:cNvSpPr>
-          <p:nvPr>
-            <p:ph idx="1"/>
-          </p:nvPr>
-        </p:nvSpPr>
-        <p:spPr/>
+              <a:t>Limits of Line Type</a:t>
+            </a:r>
+          </a:p>
+        </p:txBody>
+      </p:sp>
+      <p:pic>
+        <p:nvPicPr>
+          <p:cNvPr id="5" name="Picture 4">
+            <a:extLst>
+              <a:ext uri="{FF2B5EF4-FFF2-40B4-BE49-F238E27FC236}">
+                <a16:creationId xmlns:a16="http://schemas.microsoft.com/office/drawing/2014/main" id="{6CA63A8C-76CE-07D1-C49D-F35A34FB73B8}"/>
+              </a:ext>
+            </a:extLst>
+          </p:cNvPr>
+          <p:cNvPicPr>
+            <a:picLocks noChangeAspect="1"/>
+          </p:cNvPicPr>
+          <p:nvPr/>
+        </p:nvPicPr>
+        <p:blipFill>
+          <a:blip r:embed="rId2"/>
+          <a:stretch>
+            <a:fillRect/>
+          </a:stretch>
+        </p:blipFill>
+        <p:spPr>
+          <a:xfrm>
+            <a:off x="3535277" y="1266181"/>
+            <a:ext cx="5608723" cy="3240230"/>
+          </a:xfrm>
+          <a:prstGeom prst="rect">
+            <a:avLst/>
+          </a:prstGeom>
+        </p:spPr>
+      </p:pic>
+      <p:sp>
+        <p:nvSpPr>
+          <p:cNvPr id="6" name="Text Placeholder 3">
+            <a:extLst>
+              <a:ext uri="{FF2B5EF4-FFF2-40B4-BE49-F238E27FC236}">
+                <a16:creationId xmlns:a16="http://schemas.microsoft.com/office/drawing/2014/main" id="{F92608D8-9052-3429-1009-E119939D1062}"/>
+              </a:ext>
+            </a:extLst>
+          </p:cNvPr>
+          <p:cNvSpPr txBox="1">
+            <a:spLocks/>
+          </p:cNvSpPr>
+          <p:nvPr/>
+        </p:nvSpPr>
+        <p:spPr>
+          <a:xfrm>
+            <a:off x="457202" y="1415970"/>
+            <a:ext cx="3078075" cy="3521550"/>
+          </a:xfrm>
+          <a:prstGeom prst="rect">
+            <a:avLst/>
+          </a:prstGeom>
+        </p:spPr>
         <p:txBody>
           <a:bodyPr>
-            <a:normAutofit fontScale="92500" lnSpcReduction="20000"/>
+            <a:normAutofit/>
           </a:bodyPr>
-          <a:lstStyle/>
-          <a:p>
-            <a:pPr marL="0" lvl="0" indent="0">
-              <a:buNone/>
-            </a:pPr>
-            <a:r>
-              <a:rPr dirty="0"/>
-              <a:t>Regression lines draw viewers attention</a:t>
-            </a:r>
-          </a:p>
-          <a:p>
-            <a:pPr lvl="0"/>
-            <a:r>
-              <a:rPr dirty="0"/>
-              <a:t>Typically use a nonlinear regression line</a:t>
-            </a:r>
-          </a:p>
-          <a:p>
-            <a:pPr lvl="1"/>
-            <a:r>
-              <a:rPr dirty="0"/>
-              <a:t>Polynomial</a:t>
-            </a:r>
-          </a:p>
-          <a:p>
-            <a:pPr lvl="1"/>
-            <a:r>
-              <a:rPr dirty="0"/>
-              <a:t>Splines - piece wise model</a:t>
-            </a:r>
-          </a:p>
-          <a:p>
-            <a:pPr lvl="1"/>
-            <a:r>
-              <a:rPr dirty="0" err="1"/>
-              <a:t>Lowess</a:t>
-            </a:r>
-            <a:r>
-              <a:rPr dirty="0"/>
-              <a:t> - local nonlinear regression</a:t>
-            </a:r>
-          </a:p>
-          <a:p>
-            <a:pPr lvl="0"/>
-            <a:r>
-              <a:rPr dirty="0"/>
-              <a:t>Bootstrap confidence intervals show range of probable trends</a:t>
-            </a:r>
-          </a:p>
-          <a:p>
-            <a:pPr lvl="1"/>
-            <a:r>
-              <a:rPr dirty="0"/>
-              <a:t>More about bootstrap resampling later</a:t>
-            </a:r>
-          </a:p>
-          <a:p>
-            <a:pPr lvl="0"/>
-            <a:r>
-              <a:rPr dirty="0"/>
-              <a:t>Ideally want strait line relationship</a:t>
-            </a:r>
-          </a:p>
-          <a:p>
-            <a:pPr lvl="1"/>
-            <a:r>
-              <a:rPr dirty="0"/>
-              <a:t>Nonlinear relationships often arise from non-Normal distributions</a:t>
-            </a:r>
-          </a:p>
-          <a:p>
-            <a:pPr lvl="1"/>
-            <a:r>
-              <a:rPr dirty="0"/>
-              <a:t>Linear relationship is more intuitive</a:t>
+          <a:lstStyle>
+            <a:lvl1pPr marL="342900" indent="-342900" algn="l" defTabSz="342900" rtl="0" eaLnBrk="1" latinLnBrk="0" hangingPunct="1">
+              <a:spcBef>
+                <a:spcPct val="20000"/>
+              </a:spcBef>
+              <a:buFont typeface="Arial"/>
+              <a:buChar char="•"/>
+              <a:defRPr sz="2400" kern="1200">
+                <a:solidFill>
+                  <a:schemeClr val="tx1"/>
+                </a:solidFill>
+                <a:latin typeface="+mn-lt"/>
+                <a:ea typeface="+mn-ea"/>
+                <a:cs typeface="+mn-cs"/>
+              </a:defRPr>
+            </a:lvl1pPr>
+            <a:lvl2pPr marL="685800" indent="-342900" algn="l" defTabSz="342900" rtl="0" eaLnBrk="1" latinLnBrk="0" hangingPunct="1">
+              <a:spcBef>
+                <a:spcPct val="20000"/>
+              </a:spcBef>
+              <a:buFont typeface="Arial"/>
+              <a:buChar char="–"/>
+              <a:defRPr sz="2100" kern="1200">
+                <a:solidFill>
+                  <a:schemeClr val="tx1"/>
+                </a:solidFill>
+                <a:latin typeface="+mn-lt"/>
+                <a:ea typeface="+mn-ea"/>
+                <a:cs typeface="+mn-cs"/>
+              </a:defRPr>
+            </a:lvl2pPr>
+            <a:lvl3pPr marL="1028700" indent="-342900" algn="l" defTabSz="342900" rtl="0" eaLnBrk="1" latinLnBrk="0" hangingPunct="1">
+              <a:spcBef>
+                <a:spcPct val="20000"/>
+              </a:spcBef>
+              <a:buFont typeface="Arial"/>
+              <a:buChar char="•"/>
+              <a:defRPr sz="1800" kern="1200">
+                <a:solidFill>
+                  <a:schemeClr val="tx1"/>
+                </a:solidFill>
+                <a:latin typeface="+mn-lt"/>
+                <a:ea typeface="+mn-ea"/>
+                <a:cs typeface="+mn-cs"/>
+              </a:defRPr>
+            </a:lvl3pPr>
+            <a:lvl4pPr marL="1371600" indent="-342900" algn="l" defTabSz="342900" rtl="0" eaLnBrk="1" latinLnBrk="0" hangingPunct="1">
+              <a:spcBef>
+                <a:spcPct val="20000"/>
+              </a:spcBef>
+              <a:buFont typeface="Arial"/>
+              <a:buChar char="–"/>
+              <a:defRPr sz="1500" kern="1200">
+                <a:solidFill>
+                  <a:schemeClr val="tx1"/>
+                </a:solidFill>
+                <a:latin typeface="+mn-lt"/>
+                <a:ea typeface="+mn-ea"/>
+                <a:cs typeface="+mn-cs"/>
+              </a:defRPr>
+            </a:lvl4pPr>
+            <a:lvl5pPr marL="1714500" indent="-342900" algn="l" defTabSz="342900" rtl="0" eaLnBrk="1" latinLnBrk="0" hangingPunct="1">
+              <a:spcBef>
+                <a:spcPct val="20000"/>
+              </a:spcBef>
+              <a:buFont typeface="Arial"/>
+              <a:buChar char="»"/>
+              <a:defRPr sz="1500" kern="1200">
+                <a:solidFill>
+                  <a:schemeClr val="tx1"/>
+                </a:solidFill>
+                <a:latin typeface="+mn-lt"/>
+                <a:ea typeface="+mn-ea"/>
+                <a:cs typeface="+mn-cs"/>
+              </a:defRPr>
+            </a:lvl5pPr>
+            <a:lvl6pPr marL="2057400" indent="-342900" algn="l" defTabSz="342900" rtl="0" eaLnBrk="1" latinLnBrk="0" hangingPunct="1">
+              <a:spcBef>
+                <a:spcPct val="20000"/>
+              </a:spcBef>
+              <a:buFont typeface="Arial"/>
+              <a:buChar char="•"/>
+              <a:defRPr sz="1500" kern="1200">
+                <a:solidFill>
+                  <a:schemeClr val="tx1"/>
+                </a:solidFill>
+                <a:latin typeface="+mn-lt"/>
+                <a:ea typeface="+mn-ea"/>
+                <a:cs typeface="+mn-cs"/>
+              </a:defRPr>
+            </a:lvl6pPr>
+            <a:lvl7pPr marL="2400300" indent="-342900" algn="l" defTabSz="342900" rtl="0" eaLnBrk="1" latinLnBrk="0" hangingPunct="1">
+              <a:spcBef>
+                <a:spcPct val="20000"/>
+              </a:spcBef>
+              <a:buFont typeface="Arial"/>
+              <a:buChar char="•"/>
+              <a:defRPr sz="1500" kern="1200">
+                <a:solidFill>
+                  <a:schemeClr val="tx1"/>
+                </a:solidFill>
+                <a:latin typeface="+mn-lt"/>
+                <a:ea typeface="+mn-ea"/>
+                <a:cs typeface="+mn-cs"/>
+              </a:defRPr>
+            </a:lvl7pPr>
+            <a:lvl8pPr marL="2743200" indent="-342900" algn="l" defTabSz="342900" rtl="0" eaLnBrk="1" latinLnBrk="0" hangingPunct="1">
+              <a:spcBef>
+                <a:spcPct val="20000"/>
+              </a:spcBef>
+              <a:buFont typeface="Arial"/>
+              <a:buChar char="•"/>
+              <a:defRPr sz="1500" kern="1200">
+                <a:solidFill>
+                  <a:schemeClr val="tx1"/>
+                </a:solidFill>
+                <a:latin typeface="+mn-lt"/>
+                <a:ea typeface="+mn-ea"/>
+                <a:cs typeface="+mn-cs"/>
+              </a:defRPr>
+            </a:lvl8pPr>
+            <a:lvl9pPr marL="3086100" indent="-342900" algn="l" defTabSz="342900" rtl="0" eaLnBrk="1" latinLnBrk="0" hangingPunct="1">
+              <a:spcBef>
+                <a:spcPct val="20000"/>
+              </a:spcBef>
+              <a:buFont typeface="Arial"/>
+              <a:buChar char="•"/>
+              <a:defRPr sz="1500" kern="1200">
+                <a:solidFill>
+                  <a:schemeClr val="tx1"/>
+                </a:solidFill>
+                <a:latin typeface="+mn-lt"/>
+                <a:ea typeface="+mn-ea"/>
+                <a:cs typeface="+mn-cs"/>
+              </a:defRPr>
+            </a:lvl9pPr>
+          </a:lstStyle>
+          <a:p>
+            <a:pPr marL="0" indent="0">
+              <a:buNone/>
+            </a:pPr>
+            <a:r>
+              <a:rPr lang="en-US" dirty="0"/>
+              <a:t>Line type indicates type of transformation </a:t>
+            </a:r>
+          </a:p>
+          <a:p>
+            <a:pPr>
+              <a:buFont typeface="Arial" panose="020B0604020202020204" pitchFamily="34" charset="0"/>
+              <a:buChar char="•"/>
+            </a:pPr>
+            <a:r>
+              <a:rPr lang="en-US" dirty="0"/>
+              <a:t>It is easy to perceive the 4 line types</a:t>
+            </a:r>
+          </a:p>
+          <a:p>
+            <a:pPr>
+              <a:buFont typeface="Arial" panose="020B0604020202020204" pitchFamily="34" charset="0"/>
+              <a:buChar char="•"/>
+            </a:pPr>
+            <a:r>
+              <a:rPr lang="en-US" dirty="0"/>
+              <a:t>Only a </a:t>
+            </a:r>
+            <a:r>
+              <a:rPr lang="en-US" b="1" dirty="0"/>
+              <a:t>limited number of line types can be perceived!</a:t>
             </a:r>
           </a:p>
         </p:txBody>
@@ -7756,6 +8934,684 @@
             <p:ph type="title"/>
           </p:nvPr>
         </p:nvSpPr>
+        <p:spPr/>
+        <p:txBody>
+          <a:bodyPr/>
+          <a:lstStyle/>
+          <a:p>
+            <a:pPr marL="0" lvl="0" indent="0">
+              <a:buNone/>
+            </a:pPr>
+            <a:r>
+              <a:t>Marker Shape</a:t>
+            </a:r>
+          </a:p>
+        </p:txBody>
+      </p:sp>
+      <p:sp>
+        <p:nvSpPr>
+          <p:cNvPr id="3" name="Content Placeholder 2"/>
+          <p:cNvSpPr>
+            <a:spLocks noGrp="1"/>
+          </p:cNvSpPr>
+          <p:nvPr>
+            <p:ph idx="1"/>
+          </p:nvPr>
+        </p:nvSpPr>
+        <p:spPr/>
+        <p:txBody>
+          <a:bodyPr/>
+          <a:lstStyle/>
+          <a:p>
+            <a:pPr marL="0" lvl="0" indent="0">
+              <a:buNone/>
+            </a:pPr>
+            <a:r>
+              <a:rPr b="1" dirty="0"/>
+              <a:t>Marker shape</a:t>
+            </a:r>
+            <a:r>
+              <a:rPr dirty="0"/>
+              <a:t> is useful for displaying categorical relationships</a:t>
+            </a:r>
+          </a:p>
+          <a:p>
+            <a:pPr lvl="0"/>
+            <a:r>
+              <a:rPr dirty="0"/>
+              <a:t>This aesthetic is only useful when two conditions are met:</a:t>
+            </a:r>
+          </a:p>
+          <a:p>
+            <a:pPr lvl="1">
+              <a:buAutoNum type="arabicPeriod"/>
+            </a:pPr>
+            <a:r>
+              <a:rPr dirty="0"/>
+              <a:t>The number of categories is small</a:t>
+            </a:r>
+          </a:p>
+          <a:p>
+            <a:pPr lvl="1">
+              <a:buAutoNum type="arabicPeriod"/>
+            </a:pPr>
+            <a:r>
+              <a:rPr dirty="0"/>
+              <a:t>Distinctive shape are chosen for the markers</a:t>
+            </a:r>
+          </a:p>
+          <a:p>
+            <a:pPr lvl="0"/>
+            <a:r>
+              <a:rPr dirty="0"/>
+              <a:t>Human perception limits the number of shapes humans can perceive well</a:t>
+            </a:r>
+          </a:p>
+        </p:txBody>
+      </p:sp>
+    </p:spTree>
+  </p:cSld>
+  <p:clrMapOvr>
+    <a:masterClrMapping/>
+  </p:clrMapOvr>
+</p:sld>
+</file>
+
+<file path=ppt/slides/slide39.xml><?xml version="1.0" encoding="utf-8"?>
+<p:sld xmlns:a="http://schemas.openxmlformats.org/drawingml/2006/main" xmlns:r="http://schemas.openxmlformats.org/officeDocument/2006/relationships" xmlns:p="http://schemas.openxmlformats.org/presentationml/2006/main">
+  <p:cSld>
+    <p:spTree>
+      <p:nvGrpSpPr>
+        <p:cNvPr id="1" name=""/>
+        <p:cNvGrpSpPr/>
+        <p:nvPr/>
+      </p:nvGrpSpPr>
+      <p:grpSpPr>
+        <a:xfrm>
+          <a:off x="0" y="0"/>
+          <a:ext cx="0" cy="0"/>
+          <a:chOff x="0" y="0"/>
+          <a:chExt cx="0" cy="0"/>
+        </a:xfrm>
+      </p:grpSpPr>
+      <p:sp>
+        <p:nvSpPr>
+          <p:cNvPr id="2" name="Title 1"/>
+          <p:cNvSpPr>
+            <a:spLocks noGrp="1"/>
+          </p:cNvSpPr>
+          <p:nvPr>
+            <p:ph type="title"/>
+          </p:nvPr>
+        </p:nvSpPr>
+        <p:spPr/>
+        <p:txBody>
+          <a:bodyPr/>
+          <a:lstStyle/>
+          <a:p>
+            <a:pPr marL="0" lvl="0" indent="0">
+              <a:buNone/>
+            </a:pPr>
+            <a:r>
+              <a:t>Aspiration by Marker Shape</a:t>
+            </a:r>
+          </a:p>
+        </p:txBody>
+      </p:sp>
+      <p:sp>
+        <p:nvSpPr>
+          <p:cNvPr id="3" name="Text Placeholder 3">
+            <a:extLst>
+              <a:ext uri="{FF2B5EF4-FFF2-40B4-BE49-F238E27FC236}">
+                <a16:creationId xmlns:a16="http://schemas.microsoft.com/office/drawing/2014/main" id="{0F154E65-A52E-2F68-7EBF-15BA314E33B6}"/>
+              </a:ext>
+            </a:extLst>
+          </p:cNvPr>
+          <p:cNvSpPr txBox="1">
+            <a:spLocks/>
+          </p:cNvSpPr>
+          <p:nvPr/>
+        </p:nvSpPr>
+        <p:spPr>
+          <a:xfrm>
+            <a:off x="457202" y="1358096"/>
+            <a:ext cx="4462039" cy="3236527"/>
+          </a:xfrm>
+          <a:prstGeom prst="rect">
+            <a:avLst/>
+          </a:prstGeom>
+        </p:spPr>
+        <p:txBody>
+          <a:bodyPr>
+            <a:normAutofit lnSpcReduction="10000"/>
+          </a:bodyPr>
+          <a:lstStyle>
+            <a:lvl1pPr marL="342900" indent="-342900" algn="l" defTabSz="342900" rtl="0" eaLnBrk="1" latinLnBrk="0" hangingPunct="1">
+              <a:spcBef>
+                <a:spcPct val="20000"/>
+              </a:spcBef>
+              <a:buFont typeface="Arial"/>
+              <a:buChar char="•"/>
+              <a:defRPr sz="2400" kern="1200">
+                <a:solidFill>
+                  <a:schemeClr val="tx1"/>
+                </a:solidFill>
+                <a:latin typeface="+mn-lt"/>
+                <a:ea typeface="+mn-ea"/>
+                <a:cs typeface="+mn-cs"/>
+              </a:defRPr>
+            </a:lvl1pPr>
+            <a:lvl2pPr marL="685800" indent="-342900" algn="l" defTabSz="342900" rtl="0" eaLnBrk="1" latinLnBrk="0" hangingPunct="1">
+              <a:spcBef>
+                <a:spcPct val="20000"/>
+              </a:spcBef>
+              <a:buFont typeface="Arial"/>
+              <a:buChar char="–"/>
+              <a:defRPr sz="2100" kern="1200">
+                <a:solidFill>
+                  <a:schemeClr val="tx1"/>
+                </a:solidFill>
+                <a:latin typeface="+mn-lt"/>
+                <a:ea typeface="+mn-ea"/>
+                <a:cs typeface="+mn-cs"/>
+              </a:defRPr>
+            </a:lvl2pPr>
+            <a:lvl3pPr marL="1028700" indent="-342900" algn="l" defTabSz="342900" rtl="0" eaLnBrk="1" latinLnBrk="0" hangingPunct="1">
+              <a:spcBef>
+                <a:spcPct val="20000"/>
+              </a:spcBef>
+              <a:buFont typeface="Arial"/>
+              <a:buChar char="•"/>
+              <a:defRPr sz="1800" kern="1200">
+                <a:solidFill>
+                  <a:schemeClr val="tx1"/>
+                </a:solidFill>
+                <a:latin typeface="+mn-lt"/>
+                <a:ea typeface="+mn-ea"/>
+                <a:cs typeface="+mn-cs"/>
+              </a:defRPr>
+            </a:lvl3pPr>
+            <a:lvl4pPr marL="1371600" indent="-342900" algn="l" defTabSz="342900" rtl="0" eaLnBrk="1" latinLnBrk="0" hangingPunct="1">
+              <a:spcBef>
+                <a:spcPct val="20000"/>
+              </a:spcBef>
+              <a:buFont typeface="Arial"/>
+              <a:buChar char="–"/>
+              <a:defRPr sz="1500" kern="1200">
+                <a:solidFill>
+                  <a:schemeClr val="tx1"/>
+                </a:solidFill>
+                <a:latin typeface="+mn-lt"/>
+                <a:ea typeface="+mn-ea"/>
+                <a:cs typeface="+mn-cs"/>
+              </a:defRPr>
+            </a:lvl4pPr>
+            <a:lvl5pPr marL="1714500" indent="-342900" algn="l" defTabSz="342900" rtl="0" eaLnBrk="1" latinLnBrk="0" hangingPunct="1">
+              <a:spcBef>
+                <a:spcPct val="20000"/>
+              </a:spcBef>
+              <a:buFont typeface="Arial"/>
+              <a:buChar char="»"/>
+              <a:defRPr sz="1500" kern="1200">
+                <a:solidFill>
+                  <a:schemeClr val="tx1"/>
+                </a:solidFill>
+                <a:latin typeface="+mn-lt"/>
+                <a:ea typeface="+mn-ea"/>
+                <a:cs typeface="+mn-cs"/>
+              </a:defRPr>
+            </a:lvl5pPr>
+            <a:lvl6pPr marL="2057400" indent="-342900" algn="l" defTabSz="342900" rtl="0" eaLnBrk="1" latinLnBrk="0" hangingPunct="1">
+              <a:spcBef>
+                <a:spcPct val="20000"/>
+              </a:spcBef>
+              <a:buFont typeface="Arial"/>
+              <a:buChar char="•"/>
+              <a:defRPr sz="1500" kern="1200">
+                <a:solidFill>
+                  <a:schemeClr val="tx1"/>
+                </a:solidFill>
+                <a:latin typeface="+mn-lt"/>
+                <a:ea typeface="+mn-ea"/>
+                <a:cs typeface="+mn-cs"/>
+              </a:defRPr>
+            </a:lvl6pPr>
+            <a:lvl7pPr marL="2400300" indent="-342900" algn="l" defTabSz="342900" rtl="0" eaLnBrk="1" latinLnBrk="0" hangingPunct="1">
+              <a:spcBef>
+                <a:spcPct val="20000"/>
+              </a:spcBef>
+              <a:buFont typeface="Arial"/>
+              <a:buChar char="•"/>
+              <a:defRPr sz="1500" kern="1200">
+                <a:solidFill>
+                  <a:schemeClr val="tx1"/>
+                </a:solidFill>
+                <a:latin typeface="+mn-lt"/>
+                <a:ea typeface="+mn-ea"/>
+                <a:cs typeface="+mn-cs"/>
+              </a:defRPr>
+            </a:lvl7pPr>
+            <a:lvl8pPr marL="2743200" indent="-342900" algn="l" defTabSz="342900" rtl="0" eaLnBrk="1" latinLnBrk="0" hangingPunct="1">
+              <a:spcBef>
+                <a:spcPct val="20000"/>
+              </a:spcBef>
+              <a:buFont typeface="Arial"/>
+              <a:buChar char="•"/>
+              <a:defRPr sz="1500" kern="1200">
+                <a:solidFill>
+                  <a:schemeClr val="tx1"/>
+                </a:solidFill>
+                <a:latin typeface="+mn-lt"/>
+                <a:ea typeface="+mn-ea"/>
+                <a:cs typeface="+mn-cs"/>
+              </a:defRPr>
+            </a:lvl8pPr>
+            <a:lvl9pPr marL="3086100" indent="-342900" algn="l" defTabSz="342900" rtl="0" eaLnBrk="1" latinLnBrk="0" hangingPunct="1">
+              <a:spcBef>
+                <a:spcPct val="20000"/>
+              </a:spcBef>
+              <a:buFont typeface="Arial"/>
+              <a:buChar char="•"/>
+              <a:defRPr sz="1500" kern="1200">
+                <a:solidFill>
+                  <a:schemeClr val="tx1"/>
+                </a:solidFill>
+                <a:latin typeface="+mn-lt"/>
+                <a:ea typeface="+mn-ea"/>
+                <a:cs typeface="+mn-cs"/>
+              </a:defRPr>
+            </a:lvl9pPr>
+          </a:lstStyle>
+          <a:p>
+            <a:pPr marL="0" indent="0">
+              <a:buNone/>
+            </a:pPr>
+            <a:r>
+              <a:rPr lang="en-US" dirty="0"/>
+              <a:t>Spare use of color and marker shape projects 4 dimensions</a:t>
+            </a:r>
+          </a:p>
+          <a:p>
+            <a:pPr>
+              <a:buFont typeface="Arial" panose="020B0604020202020204" pitchFamily="34" charset="0"/>
+              <a:buChar char="•"/>
+            </a:pPr>
+            <a:r>
+              <a:rPr lang="en-US" dirty="0"/>
+              <a:t>Limited color pallet for good perception</a:t>
+            </a:r>
+          </a:p>
+          <a:p>
+            <a:pPr>
+              <a:buFont typeface="Arial" panose="020B0604020202020204" pitchFamily="34" charset="0"/>
+              <a:buChar char="•"/>
+            </a:pPr>
+            <a:r>
+              <a:rPr lang="en-US" dirty="0"/>
+              <a:t>Limited number of marker shapes for good perception</a:t>
+            </a:r>
+          </a:p>
+          <a:p>
+            <a:pPr>
+              <a:buFont typeface="Arial" panose="020B0604020202020204" pitchFamily="34" charset="0"/>
+              <a:buChar char="•"/>
+            </a:pPr>
+            <a:r>
+              <a:rPr lang="en-US" dirty="0"/>
+              <a:t>Can you see the pattern that emerges?   </a:t>
+            </a:r>
+          </a:p>
+        </p:txBody>
+      </p:sp>
+      <p:pic>
+        <p:nvPicPr>
+          <p:cNvPr id="6" name="Picture 5">
+            <a:extLst>
+              <a:ext uri="{FF2B5EF4-FFF2-40B4-BE49-F238E27FC236}">
+                <a16:creationId xmlns:a16="http://schemas.microsoft.com/office/drawing/2014/main" id="{E5BF7385-24D1-3996-4D0C-D48CE0F1A522}"/>
+              </a:ext>
+            </a:extLst>
+          </p:cNvPr>
+          <p:cNvPicPr>
+            <a:picLocks noChangeAspect="1"/>
+          </p:cNvPicPr>
+          <p:nvPr/>
+        </p:nvPicPr>
+        <p:blipFill>
+          <a:blip r:embed="rId2"/>
+          <a:stretch>
+            <a:fillRect/>
+          </a:stretch>
+        </p:blipFill>
+        <p:spPr>
+          <a:xfrm>
+            <a:off x="5123384" y="874784"/>
+            <a:ext cx="3958884" cy="4206501"/>
+          </a:xfrm>
+          <a:prstGeom prst="rect">
+            <a:avLst/>
+          </a:prstGeom>
+        </p:spPr>
+      </p:pic>
+    </p:spTree>
+  </p:cSld>
+  <p:clrMapOvr>
+    <a:masterClrMapping/>
+  </p:clrMapOvr>
+</p:sld>
+</file>
+
+<file path=ppt/slides/slide4.xml><?xml version="1.0" encoding="utf-8"?>
+<p:sld xmlns:a="http://schemas.openxmlformats.org/drawingml/2006/main" xmlns:r="http://schemas.openxmlformats.org/officeDocument/2006/relationships" xmlns:p="http://schemas.openxmlformats.org/presentationml/2006/main">
+  <p:cSld>
+    <p:spTree>
+      <p:nvGrpSpPr>
+        <p:cNvPr id="1" name=""/>
+        <p:cNvGrpSpPr/>
+        <p:nvPr/>
+      </p:nvGrpSpPr>
+      <p:grpSpPr>
+        <a:xfrm>
+          <a:off x="0" y="0"/>
+          <a:ext cx="0" cy="0"/>
+          <a:chOff x="0" y="0"/>
+          <a:chExt cx="0" cy="0"/>
+        </a:xfrm>
+      </p:grpSpPr>
+      <p:sp>
+        <p:nvSpPr>
+          <p:cNvPr id="2" name="Title 1"/>
+          <p:cNvSpPr>
+            <a:spLocks noGrp="1"/>
+          </p:cNvSpPr>
+          <p:nvPr>
+            <p:ph type="title"/>
+          </p:nvPr>
+        </p:nvSpPr>
+        <p:spPr/>
+        <p:txBody>
+          <a:bodyPr/>
+          <a:lstStyle/>
+          <a:p>
+            <a:pPr marL="0" lvl="0" indent="0">
+              <a:buNone/>
+            </a:pPr>
+            <a:r>
+              <a:t>Why This Course?</a:t>
+            </a:r>
+          </a:p>
+        </p:txBody>
+      </p:sp>
+      <p:sp>
+        <p:nvSpPr>
+          <p:cNvPr id="3" name="Content Placeholder 2"/>
+          <p:cNvSpPr>
+            <a:spLocks noGrp="1"/>
+          </p:cNvSpPr>
+          <p:nvPr>
+            <p:ph idx="1"/>
+          </p:nvPr>
+        </p:nvSpPr>
+        <p:spPr/>
+        <p:txBody>
+          <a:bodyPr>
+            <a:normAutofit fontScale="92500" lnSpcReduction="20000"/>
+          </a:bodyPr>
+          <a:lstStyle/>
+          <a:p>
+            <a:pPr marL="0" lvl="0" indent="0">
+              <a:buNone/>
+            </a:pPr>
+            <a:r>
+              <a:rPr lang="en-US" dirty="0"/>
+              <a:t>What is the difference between </a:t>
+            </a:r>
+            <a:r>
+              <a:rPr lang="en-US" b="1" dirty="0"/>
+              <a:t>statistical inference </a:t>
+            </a:r>
+            <a:r>
+              <a:rPr lang="en-US" dirty="0"/>
+              <a:t>and </a:t>
+            </a:r>
+            <a:r>
+              <a:rPr lang="en-US" b="1" dirty="0"/>
+              <a:t>predictive analytics? </a:t>
+            </a:r>
+            <a:endParaRPr b="1" dirty="0"/>
+          </a:p>
+          <a:p>
+            <a:pPr lvl="0"/>
+            <a:r>
+              <a:rPr lang="en-US" dirty="0"/>
+              <a:t>Inference and prediction closely related   </a:t>
+            </a:r>
+          </a:p>
+          <a:p>
+            <a:pPr lvl="0"/>
+            <a:r>
+              <a:rPr lang="en-US" dirty="0"/>
+              <a:t>Prediction is the domain of machine learning   </a:t>
+            </a:r>
+          </a:p>
+          <a:p>
+            <a:pPr lvl="1"/>
+            <a:r>
+              <a:rPr lang="en-US" dirty="0"/>
+              <a:t>Goal is accurate predictions  </a:t>
+            </a:r>
+          </a:p>
+          <a:p>
+            <a:pPr lvl="0"/>
+            <a:r>
+              <a:rPr lang="en-US" dirty="0"/>
+              <a:t>Statistical inference seeks to make discoveries by applying statistical models     </a:t>
+            </a:r>
+          </a:p>
+          <a:p>
+            <a:pPr lvl="1"/>
+            <a:r>
+              <a:rPr lang="en-US" dirty="0"/>
+              <a:t>Goal is to understand changes in response given changes in independent variables    </a:t>
+            </a:r>
+          </a:p>
+          <a:p>
+            <a:r>
+              <a:rPr lang="en-US" dirty="0"/>
+              <a:t>We focus on inference in this course, not machine learning specifically </a:t>
+            </a:r>
+            <a:endParaRPr dirty="0"/>
+          </a:p>
+        </p:txBody>
+      </p:sp>
+    </p:spTree>
+    <p:extLst>
+      <p:ext uri="{BB962C8B-B14F-4D97-AF65-F5344CB8AC3E}">
+        <p14:creationId xmlns:p14="http://schemas.microsoft.com/office/powerpoint/2010/main" val="1668455024"/>
+      </p:ext>
+    </p:extLst>
+  </p:cSld>
+  <p:clrMapOvr>
+    <a:masterClrMapping/>
+  </p:clrMapOvr>
+</p:sld>
+</file>
+
+<file path=ppt/slides/slide40.xml><?xml version="1.0" encoding="utf-8"?>
+<p:sld xmlns:a="http://schemas.openxmlformats.org/drawingml/2006/main" xmlns:r="http://schemas.openxmlformats.org/officeDocument/2006/relationships" xmlns:p="http://schemas.openxmlformats.org/presentationml/2006/main">
+  <p:cSld>
+    <p:spTree>
+      <p:nvGrpSpPr>
+        <p:cNvPr id="1" name=""/>
+        <p:cNvGrpSpPr/>
+        <p:nvPr/>
+      </p:nvGrpSpPr>
+      <p:grpSpPr>
+        <a:xfrm>
+          <a:off x="0" y="0"/>
+          <a:ext cx="0" cy="0"/>
+          <a:chOff x="0" y="0"/>
+          <a:chExt cx="0" cy="0"/>
+        </a:xfrm>
+      </p:grpSpPr>
+      <p:sp>
+        <p:nvSpPr>
+          <p:cNvPr id="2" name="Title 1"/>
+          <p:cNvSpPr>
+            <a:spLocks noGrp="1"/>
+          </p:cNvSpPr>
+          <p:nvPr>
+            <p:ph type="title"/>
+          </p:nvPr>
+        </p:nvSpPr>
+        <p:spPr/>
+        <p:txBody>
+          <a:bodyPr/>
+          <a:lstStyle/>
+          <a:p>
+            <a:pPr marL="0" lvl="0" indent="0">
+              <a:buNone/>
+            </a:pPr>
+            <a:r>
+              <a:t>Regression Lines</a:t>
+            </a:r>
+          </a:p>
+        </p:txBody>
+      </p:sp>
+      <p:sp>
+        <p:nvSpPr>
+          <p:cNvPr id="3" name="Content Placeholder 2"/>
+          <p:cNvSpPr>
+            <a:spLocks noGrp="1"/>
+          </p:cNvSpPr>
+          <p:nvPr>
+            <p:ph idx="1"/>
+          </p:nvPr>
+        </p:nvSpPr>
+        <p:spPr>
+          <a:xfrm>
+            <a:off x="457200" y="1200151"/>
+            <a:ext cx="8229600" cy="3699798"/>
+          </a:xfrm>
+        </p:spPr>
+        <p:txBody>
+          <a:bodyPr>
+            <a:normAutofit fontScale="92500" lnSpcReduction="10000"/>
+          </a:bodyPr>
+          <a:lstStyle/>
+          <a:p>
+            <a:pPr marL="0" lvl="0" indent="0">
+              <a:buNone/>
+            </a:pPr>
+            <a:r>
+              <a:rPr dirty="0"/>
+              <a:t>Regression lines draw viewers attention</a:t>
+            </a:r>
+          </a:p>
+          <a:p>
+            <a:pPr lvl="0"/>
+            <a:r>
+              <a:rPr dirty="0"/>
+              <a:t>Typically use a nonlinear regression line</a:t>
+            </a:r>
+          </a:p>
+          <a:p>
+            <a:pPr lvl="1"/>
+            <a:r>
+              <a:rPr dirty="0"/>
+              <a:t>Polynomial</a:t>
+            </a:r>
+          </a:p>
+          <a:p>
+            <a:pPr lvl="1"/>
+            <a:r>
+              <a:rPr dirty="0"/>
+              <a:t>Splines - piece wise model</a:t>
+            </a:r>
+          </a:p>
+          <a:p>
+            <a:pPr lvl="1"/>
+            <a:r>
+              <a:rPr dirty="0" err="1"/>
+              <a:t>Lowess</a:t>
+            </a:r>
+            <a:r>
+              <a:rPr dirty="0"/>
+              <a:t> - local nonlinear regression</a:t>
+            </a:r>
+          </a:p>
+          <a:p>
+            <a:pPr lvl="0"/>
+            <a:r>
+              <a:rPr dirty="0"/>
+              <a:t>Bootstrap confidence intervals show range of probable trends</a:t>
+            </a:r>
+          </a:p>
+          <a:p>
+            <a:pPr lvl="1"/>
+            <a:r>
+              <a:rPr dirty="0"/>
+              <a:t>More about bootstrap resampling later</a:t>
+            </a:r>
+          </a:p>
+          <a:p>
+            <a:pPr lvl="0"/>
+            <a:r>
+              <a:rPr dirty="0"/>
+              <a:t>Ideally want strait line relationship</a:t>
+            </a:r>
+          </a:p>
+          <a:p>
+            <a:pPr lvl="1"/>
+            <a:r>
+              <a:rPr dirty="0"/>
+              <a:t>Nonlinear relationships often arise from non-Normal distributions</a:t>
+            </a:r>
+          </a:p>
+          <a:p>
+            <a:pPr lvl="1"/>
+            <a:r>
+              <a:rPr dirty="0"/>
+              <a:t>Linear relationship is more intuitive</a:t>
+            </a:r>
+          </a:p>
+        </p:txBody>
+      </p:sp>
+    </p:spTree>
+  </p:cSld>
+  <p:clrMapOvr>
+    <a:masterClrMapping/>
+  </p:clrMapOvr>
+</p:sld>
+</file>
+
+<file path=ppt/slides/slide41.xml><?xml version="1.0" encoding="utf-8"?>
+<p:sld xmlns:a="http://schemas.openxmlformats.org/drawingml/2006/main" xmlns:r="http://schemas.openxmlformats.org/officeDocument/2006/relationships" xmlns:p="http://schemas.openxmlformats.org/presentationml/2006/main">
+  <p:cSld>
+    <p:spTree>
+      <p:nvGrpSpPr>
+        <p:cNvPr id="1" name=""/>
+        <p:cNvGrpSpPr/>
+        <p:nvPr/>
+      </p:nvGrpSpPr>
+      <p:grpSpPr>
+        <a:xfrm>
+          <a:off x="0" y="0"/>
+          <a:ext cx="0" cy="0"/>
+          <a:chOff x="0" y="0"/>
+          <a:chExt cx="0" cy="0"/>
+        </a:xfrm>
+      </p:grpSpPr>
+      <p:sp>
+        <p:nvSpPr>
+          <p:cNvPr id="2" name="Title 1"/>
+          <p:cNvSpPr>
+            <a:spLocks noGrp="1"/>
+          </p:cNvSpPr>
+          <p:nvPr>
+            <p:ph type="title"/>
+          </p:nvPr>
+        </p:nvSpPr>
         <p:spPr>
           <a:xfrm>
             <a:off x="457201" y="204787"/>
@@ -7790,8 +9646,8 @@
         </p:nvSpPr>
         <p:spPr>
           <a:xfrm>
-            <a:off x="630821" y="1257782"/>
-            <a:ext cx="3008313" cy="2758107"/>
+            <a:off x="630821" y="1871241"/>
+            <a:ext cx="3420318" cy="2144648"/>
           </a:xfrm>
         </p:spPr>
         <p:txBody>
@@ -7812,7 +9668,7 @@
           <a:p>
             <a:r>
               <a:rPr lang="en-US" sz="2400" dirty="0"/>
-              <a:t>Second order polynomial fit</a:t>
+              <a:t>Second order polynomial fit produces curved lines</a:t>
             </a:r>
           </a:p>
           <a:p>
@@ -7845,7 +9701,7 @@
         </p:blipFill>
         <p:spPr>
           <a:xfrm>
-            <a:off x="3677212" y="877531"/>
+            <a:off x="4178781" y="877531"/>
             <a:ext cx="4741441" cy="4194723"/>
           </a:xfrm>
           <a:prstGeom prst="rect">
@@ -7861,7 +9717,7 @@
 </p:sld>
 </file>
 
-<file path=ppt/slides/slide39.xml><?xml version="1.0" encoding="utf-8"?>
+<file path=ppt/slides/slide42.xml><?xml version="1.0" encoding="utf-8"?>
 <p:sld xmlns:a="http://schemas.openxmlformats.org/drawingml/2006/main" xmlns:r="http://schemas.openxmlformats.org/officeDocument/2006/relationships" xmlns:p="http://schemas.openxmlformats.org/presentationml/2006/main">
   <p:cSld>
     <p:spTree>
@@ -7990,8 +9846,8 @@
         </p:nvSpPr>
         <p:spPr>
           <a:xfrm>
-            <a:off x="457201" y="4537517"/>
-            <a:ext cx="8229600" cy="536053"/>
+            <a:off x="2064152" y="4537517"/>
+            <a:ext cx="5702462" cy="536053"/>
           </a:xfrm>
         </p:spPr>
         <p:txBody>
@@ -8018,189 +9874,7 @@
 </p:sld>
 </file>
 
-<file path=ppt/slides/slide4.xml><?xml version="1.0" encoding="utf-8"?>
-<p:sld xmlns:a="http://schemas.openxmlformats.org/drawingml/2006/main" xmlns:r="http://schemas.openxmlformats.org/officeDocument/2006/relationships" xmlns:p="http://schemas.openxmlformats.org/presentationml/2006/main">
-  <p:cSld>
-    <p:spTree>
-      <p:nvGrpSpPr>
-        <p:cNvPr id="1" name=""/>
-        <p:cNvGrpSpPr/>
-        <p:nvPr/>
-      </p:nvGrpSpPr>
-      <p:grpSpPr>
-        <a:xfrm>
-          <a:off x="0" y="0"/>
-          <a:ext cx="0" cy="0"/>
-          <a:chOff x="0" y="0"/>
-          <a:chExt cx="0" cy="0"/>
-        </a:xfrm>
-      </p:grpSpPr>
-      <p:sp>
-        <p:nvSpPr>
-          <p:cNvPr id="2" name="Title 1"/>
-          <p:cNvSpPr>
-            <a:spLocks noGrp="1"/>
-          </p:cNvSpPr>
-          <p:nvPr>
-            <p:ph type="title"/>
-          </p:nvPr>
-        </p:nvSpPr>
-        <p:spPr/>
-        <p:txBody>
-          <a:bodyPr/>
-          <a:lstStyle/>
-          <a:p>
-            <a:pPr marL="0" lvl="0" indent="0">
-              <a:buNone/>
-            </a:pPr>
-            <a:r>
-              <a:t>What We’ll Cover</a:t>
-            </a:r>
-          </a:p>
-        </p:txBody>
-      </p:sp>
-      <p:sp>
-        <p:nvSpPr>
-          <p:cNvPr id="3" name="Content Placeholder 2"/>
-          <p:cNvSpPr>
-            <a:spLocks noGrp="1"/>
-          </p:cNvSpPr>
-          <p:nvPr>
-            <p:ph idx="1"/>
-          </p:nvPr>
-        </p:nvSpPr>
-        <p:spPr>
-          <a:xfrm>
-            <a:off x="457200" y="1200151"/>
-            <a:ext cx="8229600" cy="3630350"/>
-          </a:xfrm>
-        </p:spPr>
-        <p:txBody>
-          <a:bodyPr>
-            <a:normAutofit fontScale="77500" lnSpcReduction="20000"/>
-          </a:bodyPr>
-          <a:lstStyle/>
-          <a:p>
-            <a:pPr marL="0" lvl="0" indent="0">
-              <a:buNone/>
-            </a:pPr>
-            <a:r>
-              <a:rPr dirty="0"/>
-              <a:t>Our focus is on the big ideas of computer-intensive statistics and data analysis arising in the late 20th and early 21st Centuries</a:t>
-            </a:r>
-          </a:p>
-          <a:p>
-            <a:pPr lvl="0"/>
-            <a:r>
-              <a:rPr b="1" dirty="0"/>
-              <a:t>Exploratory data analysis (EDA)</a:t>
-            </a:r>
-            <a:r>
-              <a:rPr dirty="0"/>
-              <a:t> to understand relationships in big complex data sets</a:t>
-            </a:r>
-          </a:p>
-          <a:p>
-            <a:pPr lvl="0"/>
-            <a:r>
-              <a:rPr b="1" dirty="0"/>
-              <a:t>Foundations of algorithms</a:t>
-            </a:r>
-            <a:r>
-              <a:rPr dirty="0"/>
-              <a:t> used throughout statistics and machine learning such as maximum likelihood</a:t>
-            </a:r>
-          </a:p>
-          <a:p>
-            <a:pPr lvl="0"/>
-            <a:r>
-              <a:rPr b="1" dirty="0"/>
-              <a:t>Computer intensive resampling methods</a:t>
-            </a:r>
-            <a:r>
-              <a:rPr dirty="0"/>
-              <a:t> for building models and inference, </a:t>
-            </a:r>
-            <a:r>
-              <a:rPr b="1" dirty="0"/>
-              <a:t>Bootstrapping</a:t>
-            </a:r>
-            <a:r>
-              <a:rPr dirty="0"/>
-              <a:t> and </a:t>
-            </a:r>
-            <a:r>
-              <a:rPr b="1" dirty="0"/>
-              <a:t>MCMC Bayes</a:t>
-            </a:r>
-            <a:endParaRPr dirty="0"/>
-          </a:p>
-          <a:p>
-            <a:pPr lvl="0"/>
-            <a:r>
-              <a:rPr b="1" dirty="0"/>
-              <a:t>Large scale and sparse models</a:t>
-            </a:r>
-            <a:r>
-              <a:rPr dirty="0"/>
-              <a:t> for complex and high-dimensional data sets</a:t>
-            </a:r>
-          </a:p>
-          <a:p>
-            <a:pPr lvl="0"/>
-            <a:r>
-              <a:rPr b="1" dirty="0"/>
-              <a:t>Non-Normal</a:t>
-            </a:r>
-            <a:r>
-              <a:rPr dirty="0"/>
-              <a:t> response models</a:t>
-            </a:r>
-          </a:p>
-          <a:p>
-            <a:pPr lvl="0"/>
-            <a:r>
-              <a:rPr b="1" dirty="0"/>
-              <a:t>Bayesian hierarchical models</a:t>
-            </a:r>
-            <a:r>
-              <a:rPr dirty="0"/>
-              <a:t> for complex relationships</a:t>
-            </a:r>
-          </a:p>
-          <a:p>
-            <a:pPr lvl="0"/>
-            <a:r>
-              <a:rPr b="1" dirty="0"/>
-              <a:t>Modern time series and forecasting algorithms</a:t>
-            </a:r>
-            <a:r>
-              <a:rPr dirty="0"/>
-              <a:t> for data with serial correlation</a:t>
-            </a:r>
-          </a:p>
-          <a:p>
-            <a:pPr lvl="0"/>
-            <a:r>
-              <a:rPr b="1" dirty="0"/>
-              <a:t>Robust statistics</a:t>
-            </a:r>
-            <a:r>
-              <a:rPr dirty="0"/>
-              <a:t> to deal with data violating model assumptions</a:t>
-            </a:r>
-          </a:p>
-        </p:txBody>
-      </p:sp>
-    </p:spTree>
-  </p:cSld>
-  <p:clrMapOvr>
-    <a:masterClrMapping/>
-  </p:clrMapOvr>
-</p:sld>
-</file>
-
-<file path=ppt/slides/slide40.xml><?xml version="1.0" encoding="utf-8"?>
+<file path=ppt/slides/slide43.xml><?xml version="1.0" encoding="utf-8"?>
 <p:sld xmlns:a="http://schemas.openxmlformats.org/drawingml/2006/main" xmlns:r="http://schemas.openxmlformats.org/officeDocument/2006/relationships" xmlns:p="http://schemas.openxmlformats.org/presentationml/2006/main">
   <p:cSld>
     <p:spTree>
@@ -8382,7 +10056,7 @@
 </p:sld>
 </file>
 
-<file path=ppt/slides/slide41.xml><?xml version="1.0" encoding="utf-8"?>
+<file path=ppt/slides/slide44.xml><?xml version="1.0" encoding="utf-8"?>
 <p:sld xmlns:a="http://schemas.openxmlformats.org/drawingml/2006/main" xmlns:r="http://schemas.openxmlformats.org/officeDocument/2006/relationships" xmlns:p="http://schemas.openxmlformats.org/presentationml/2006/main">
   <p:cSld>
     <p:spTree>
@@ -8423,8 +10097,8 @@
           </a:p>
         </p:txBody>
       </p:sp>
-      <mc:AlternateContent xmlns:mc="http://schemas.openxmlformats.org/markup-compatibility/2006" xmlns:a14="http://schemas.microsoft.com/office/drawing/2010/main">
-        <mc:Choice Requires="a14">
+      <mc:AlternateContent xmlns:mc="http://schemas.openxmlformats.org/markup-compatibility/2006">
+        <mc:Choice xmlns:a14="http://schemas.microsoft.com/office/drawing/2010/main" Requires="a14">
           <p:sp>
             <p:nvSpPr>
               <p:cNvPr id="3" name="Content Placeholder 2"/>
@@ -8477,12 +10151,28 @@
                 <a:pPr lvl="1"/>
                 <a:r>
                   <a:rPr dirty="0"/>
-                  <a:t>Yeo-Johnson, works for values </a:t>
+                  <a:t>Yeo-Johnson,</a:t>
+                </a:r>
+                <a:r>
+                  <a:rPr lang="en-US" dirty="0"/>
+                  <a:t> can</a:t>
+                </a:r>
+                <a:r>
+                  <a:rPr dirty="0"/>
+                  <a:t> </a:t>
+                </a:r>
+                <a:r>
+                  <a:rPr lang="en-US" dirty="0"/>
+                  <a:t>apply with positive values or </a:t>
+                </a:r>
+                <a:r>
+                  <a:rPr dirty="0"/>
+                  <a:t>values </a:t>
                 </a:r>
                 <a14:m>
                   <m:oMath xmlns:m="http://schemas.openxmlformats.org/officeDocument/2006/math">
                     <m:r>
-                      <a:rPr>
+                      <a:rPr smtClean="0">
                         <a:latin typeface="Cambria Math" panose="02040503050406030204" pitchFamily="18" charset="0"/>
                       </a:rPr>
                       <m:t>≤0</m:t>
@@ -8532,7 +10222,7 @@
             </p:txBody>
           </p:sp>
         </mc:Choice>
-        <mc:Fallback xmlns="">
+        <mc:Fallback>
           <p:sp>
             <p:nvSpPr>
               <p:cNvPr id="3" name="Content Placeholder 2"/>
@@ -8574,7 +10264,7 @@
 </p:sld>
 </file>
 
-<file path=ppt/slides/slide42.xml><?xml version="1.0" encoding="utf-8"?>
+<file path=ppt/slides/slide45.xml><?xml version="1.0" encoding="utf-8"?>
 <p:sld xmlns:a="http://schemas.openxmlformats.org/drawingml/2006/main" xmlns:r="http://schemas.openxmlformats.org/officeDocument/2006/relationships" xmlns:p="http://schemas.openxmlformats.org/presentationml/2006/main">
   <p:cSld>
     <p:spTree>
@@ -8880,7 +10570,7 @@
 </p:sld>
 </file>
 
-<file path=ppt/slides/slide43.xml><?xml version="1.0" encoding="utf-8"?>
+<file path=ppt/slides/slide46.xml><?xml version="1.0" encoding="utf-8"?>
 <p:sld xmlns:a="http://schemas.openxmlformats.org/drawingml/2006/main" xmlns:r="http://schemas.openxmlformats.org/officeDocument/2006/relationships" xmlns:p="http://schemas.openxmlformats.org/presentationml/2006/main">
   <p:cSld>
     <p:spTree>
@@ -8999,7 +10689,7 @@
         </p:blipFill>
         <p:spPr>
           <a:xfrm>
-            <a:off x="2945101" y="1150220"/>
+            <a:off x="3026124" y="1150220"/>
             <a:ext cx="6079105" cy="3691856"/>
           </a:xfrm>
           <a:prstGeom prst="rect">
@@ -9020,7 +10710,7 @@
 </p:sld>
 </file>
 
-<file path=ppt/slides/slide44.xml><?xml version="1.0" encoding="utf-8"?>
+<file path=ppt/slides/slide47.xml><?xml version="1.0" encoding="utf-8"?>
 <p:sld xmlns:a="http://schemas.openxmlformats.org/drawingml/2006/main" xmlns:r="http://schemas.openxmlformats.org/officeDocument/2006/relationships" xmlns:p="http://schemas.openxmlformats.org/presentationml/2006/main">
   <p:cSld>
     <p:spTree>
@@ -9214,7 +10904,7 @@
 </p:sld>
 </file>
 
-<file path=ppt/slides/slide45.xml><?xml version="1.0" encoding="utf-8"?>
+<file path=ppt/slides/slide48.xml><?xml version="1.0" encoding="utf-8"?>
 <p:sld xmlns:a="http://schemas.openxmlformats.org/drawingml/2006/main" xmlns:r="http://schemas.openxmlformats.org/officeDocument/2006/relationships" xmlns:p="http://schemas.openxmlformats.org/presentationml/2006/main">
   <p:cSld>
     <p:spTree>
@@ -9303,8 +10993,8 @@
         </p:nvSpPr>
         <p:spPr>
           <a:xfrm>
-            <a:off x="457200" y="1455660"/>
-            <a:ext cx="2826152" cy="3132742"/>
+            <a:off x="457200" y="1851030"/>
+            <a:ext cx="3169534" cy="2737371"/>
           </a:xfrm>
         </p:spPr>
         <p:txBody>
@@ -9345,7 +11035,7 @@
 </p:sld>
 </file>
 
-<file path=ppt/slides/slide46.xml><?xml version="1.0" encoding="utf-8"?>
+<file path=ppt/slides/slide49.xml><?xml version="1.0" encoding="utf-8"?>
 <p:sld xmlns:a="http://schemas.openxmlformats.org/drawingml/2006/main" xmlns:r="http://schemas.openxmlformats.org/officeDocument/2006/relationships" xmlns:p="http://schemas.openxmlformats.org/presentationml/2006/main">
   <p:cSld>
     <p:spTree>
@@ -9404,7 +11094,7 @@
         </p:spPr>
         <p:txBody>
           <a:bodyPr>
-            <a:normAutofit fontScale="92500" lnSpcReduction="20000"/>
+            <a:normAutofit fontScale="92500" lnSpcReduction="10000"/>
           </a:bodyPr>
           <a:lstStyle/>
           <a:p>
@@ -9424,12 +11114,14 @@
             </a:r>
           </a:p>
           <a:p>
+            <a:pPr lvl="1"/>
             <a:r>
               <a:rPr lang="en-US" dirty="0"/>
               <a:t>Understand relationships in data</a:t>
             </a:r>
           </a:p>
           <a:p>
+            <a:pPr lvl="1"/>
             <a:r>
               <a:rPr lang="en-US" dirty="0"/>
               <a:t>Communicate data science insights</a:t>
@@ -9443,28 +11135,28 @@
             </a:r>
           </a:p>
           <a:p>
+            <a:pPr lvl="1"/>
+            <a:r>
+              <a:rPr dirty="0"/>
+              <a:t>All plot aesthetics have limitations which must be understood to use them effectively</a:t>
+            </a:r>
+          </a:p>
+          <a:p>
+            <a:pPr lvl="1"/>
+            <a:r>
+              <a:rPr dirty="0"/>
+              <a:t>The effectiveness of a plot aesthetic varies with the type and the application</a:t>
+            </a:r>
+          </a:p>
+          <a:p>
             <a:pPr lvl="0"/>
             <a:r>
               <a:rPr dirty="0"/>
-              <a:t>All plot aesthetics have limitations which must be understood to use them effectively</a:t>
-            </a:r>
-          </a:p>
-          <a:p>
-            <a:pPr lvl="0"/>
-            <a:r>
-              <a:rPr dirty="0"/>
-              <a:t>The effectiveness of a plot aesthetic varies with the type and the application</a:t>
-            </a:r>
-          </a:p>
-          <a:p>
-            <a:pPr lvl="0"/>
-            <a:r>
-              <a:rPr dirty="0"/>
               <a:t>Regression lines help to focus viewer on trends</a:t>
             </a:r>
           </a:p>
           <a:p>
-            <a:pPr lvl="0"/>
+            <a:pPr lvl="1"/>
             <a:r>
               <a:rPr dirty="0"/>
               <a:t>Transformations to linear relationships can be informative</a:t>
@@ -9473,152 +11165,6 @@
         </p:txBody>
       </p:sp>
     </p:spTree>
-  </p:cSld>
-  <p:clrMapOvr>
-    <a:masterClrMapping/>
-  </p:clrMapOvr>
-</p:sld>
-</file>
-
-<file path=ppt/slides/slide47.xml><?xml version="1.0" encoding="utf-8"?>
-<p:sld xmlns:a="http://schemas.openxmlformats.org/drawingml/2006/main" xmlns:r="http://schemas.openxmlformats.org/officeDocument/2006/relationships" xmlns:p="http://schemas.openxmlformats.org/presentationml/2006/main">
-  <p:cSld>
-    <p:spTree>
-      <p:nvGrpSpPr>
-        <p:cNvPr id="1" name=""/>
-        <p:cNvGrpSpPr/>
-        <p:nvPr/>
-      </p:nvGrpSpPr>
-      <p:grpSpPr>
-        <a:xfrm>
-          <a:off x="0" y="0"/>
-          <a:ext cx="0" cy="0"/>
-          <a:chOff x="0" y="0"/>
-          <a:chExt cx="0" cy="0"/>
-        </a:xfrm>
-      </p:grpSpPr>
-      <p:sp>
-        <p:nvSpPr>
-          <p:cNvPr id="2" name="Title 1"/>
-          <p:cNvSpPr>
-            <a:spLocks noGrp="1"/>
-          </p:cNvSpPr>
-          <p:nvPr>
-            <p:ph type="title"/>
-          </p:nvPr>
-        </p:nvSpPr>
-        <p:spPr/>
-        <p:txBody>
-          <a:bodyPr/>
-          <a:lstStyle/>
-          <a:p>
-            <a:pPr marL="0" lvl="0" indent="0">
-              <a:buNone/>
-            </a:pPr>
-            <a:r>
-              <a:t>Summary</a:t>
-            </a:r>
-          </a:p>
-        </p:txBody>
-      </p:sp>
-      <p:sp>
-        <p:nvSpPr>
-          <p:cNvPr id="3" name="Content Placeholder 2"/>
-          <p:cNvSpPr>
-            <a:spLocks noGrp="1"/>
-          </p:cNvSpPr>
-          <p:nvPr>
-            <p:ph idx="1"/>
-          </p:nvPr>
-        </p:nvSpPr>
-        <p:spPr>
-          <a:xfrm>
-            <a:off x="457200" y="945266"/>
-            <a:ext cx="8229600" cy="3939250"/>
-          </a:xfrm>
-        </p:spPr>
-        <p:txBody>
-          <a:bodyPr>
-            <a:normAutofit/>
-          </a:bodyPr>
-          <a:lstStyle/>
-          <a:p>
-            <a:pPr marL="0" lvl="0" indent="0">
-              <a:buNone/>
-            </a:pPr>
-            <a:r>
-              <a:rPr lang="en-US" dirty="0"/>
-              <a:t>We have explored these key points</a:t>
-            </a:r>
-          </a:p>
-          <a:p>
-            <a:pPr marL="0" indent="0">
-              <a:buNone/>
-            </a:pPr>
-            <a:endParaRPr lang="en-US" dirty="0"/>
-          </a:p>
-          <a:p>
-            <a:pPr marL="0" indent="0">
-              <a:buNone/>
-            </a:pPr>
-            <a:endParaRPr lang="en-US" dirty="0"/>
-          </a:p>
-          <a:p>
-            <a:pPr marL="0" indent="0">
-              <a:buNone/>
-            </a:pPr>
-            <a:endParaRPr lang="en-US" dirty="0"/>
-          </a:p>
-          <a:p>
-            <a:pPr marL="0" indent="0">
-              <a:buNone/>
-            </a:pPr>
-            <a:endParaRPr lang="en-US" dirty="0"/>
-          </a:p>
-          <a:p>
-            <a:pPr marL="0" indent="0">
-              <a:buNone/>
-            </a:pPr>
-            <a:endParaRPr dirty="0"/>
-          </a:p>
-        </p:txBody>
-      </p:sp>
-      <p:pic>
-        <p:nvPicPr>
-          <p:cNvPr id="4" name="Picture 3">
-            <a:extLst>
-              <a:ext uri="{FF2B5EF4-FFF2-40B4-BE49-F238E27FC236}">
-                <a16:creationId xmlns:a16="http://schemas.microsoft.com/office/drawing/2014/main" id="{15D3F078-DC3C-D583-AC59-E1F4F96CADFB}"/>
-              </a:ext>
-            </a:extLst>
-          </p:cNvPr>
-          <p:cNvPicPr>
-            <a:picLocks/>
-          </p:cNvPicPr>
-          <p:nvPr/>
-        </p:nvPicPr>
-        <p:blipFill>
-          <a:blip r:embed="rId2"/>
-          <a:stretch>
-            <a:fillRect/>
-          </a:stretch>
-        </p:blipFill>
-        <p:spPr>
-          <a:xfrm>
-            <a:off x="2675466" y="2281614"/>
-            <a:ext cx="2960914" cy="1042157"/>
-          </a:xfrm>
-          <a:prstGeom prst="rect">
-            <a:avLst/>
-          </a:prstGeom>
-        </p:spPr>
-      </p:pic>
-    </p:spTree>
-    <p:extLst>
-      <p:ext uri="{BB962C8B-B14F-4D97-AF65-F5344CB8AC3E}">
-        <p14:creationId xmlns:p14="http://schemas.microsoft.com/office/powerpoint/2010/main" val="1714250413"/>
-      </p:ext>
-    </p:extLst>
   </p:cSld>
   <p:clrMapOvr>
     <a:masterClrMapping/>
@@ -9662,7 +11208,7 @@
               <a:buNone/>
             </a:pPr>
             <a:r>
-              <a:t>Course Objectives</a:t>
+              <a:t>What We’ll Cover</a:t>
             </a:r>
           </a:p>
         </p:txBody>
@@ -9679,13 +11225,13 @@
         </p:nvSpPr>
         <p:spPr>
           <a:xfrm>
-            <a:off x="457200" y="1094820"/>
-            <a:ext cx="8229600" cy="3661700"/>
+            <a:off x="457200" y="1091878"/>
+            <a:ext cx="8229600" cy="3845643"/>
           </a:xfrm>
         </p:spPr>
         <p:txBody>
           <a:bodyPr>
-            <a:normAutofit fontScale="85000" lnSpcReduction="20000"/>
+            <a:normAutofit fontScale="77500" lnSpcReduction="20000"/>
           </a:bodyPr>
           <a:lstStyle/>
           <a:p>
@@ -9694,70 +11240,130 @@
             </a:pPr>
             <a:r>
               <a:rPr dirty="0"/>
-              <a:t>This fast-moving survey course helps build your toolbox for modeling complex data</a:t>
+              <a:t>Our focus is on the big ideas of computer-intensive statistics and data analysis arising in the late 20th and early 21st Centuries</a:t>
             </a:r>
           </a:p>
           <a:p>
             <a:pPr lvl="0"/>
             <a:r>
-              <a:rPr dirty="0"/>
-              <a:t>Broad introduction to the theoretical and methodological basis of data science</a:t>
-            </a:r>
-          </a:p>
-          <a:p>
-            <a:pPr lvl="1"/>
-            <a:r>
-              <a:rPr dirty="0"/>
-              <a:t>Conditional probability theory</a:t>
-            </a:r>
-          </a:p>
-          <a:p>
-            <a:pPr lvl="1"/>
-            <a:r>
-              <a:rPr dirty="0"/>
-              <a:t>Sampling theory</a:t>
-            </a:r>
-          </a:p>
-          <a:p>
-            <a:pPr lvl="1"/>
-            <a:r>
-              <a:rPr dirty="0"/>
-              <a:t>Statistical estimation theory - classical and resampling based</a:t>
+              <a:rPr b="1" dirty="0"/>
+              <a:t>Exploratory data analysis (EDA)</a:t>
+            </a:r>
+            <a:r>
+              <a:rPr dirty="0"/>
+              <a:t> to understand relationships in big complex data sets</a:t>
             </a:r>
           </a:p>
           <a:p>
             <a:pPr lvl="0"/>
             <a:r>
-              <a:rPr dirty="0"/>
-              <a:t>Understand models for complex datasets</a:t>
-            </a:r>
-          </a:p>
-          <a:p>
-            <a:pPr lvl="1"/>
-            <a:r>
-              <a:rPr dirty="0"/>
-              <a:t>Understanding data relationships and inference</a:t>
-            </a:r>
-          </a:p>
-          <a:p>
-            <a:pPr lvl="1"/>
-            <a:r>
-              <a:rPr dirty="0"/>
-              <a:t>How these methods work and when to used them</a:t>
-            </a:r>
-          </a:p>
-          <a:p>
-            <a:pPr lvl="1"/>
-            <a:r>
-              <a:rPr dirty="0"/>
-              <a:t>How confident should we be in our inferences?</a:t>
-            </a:r>
+              <a:rPr b="1" dirty="0"/>
+              <a:t>Foundations of algorithms</a:t>
+            </a:r>
+            <a:r>
+              <a:rPr dirty="0"/>
+              <a:t> used throughou</a:t>
+            </a:r>
+            <a:r>
+              <a:rPr lang="en-US" dirty="0"/>
+              <a:t>t</a:t>
+            </a:r>
+            <a:r>
+              <a:rPr dirty="0"/>
+              <a:t> statistics and machine learning </a:t>
+            </a:r>
+            <a:endParaRPr lang="en-US" dirty="0"/>
           </a:p>
           <a:p>
             <a:pPr lvl="0"/>
             <a:r>
-              <a:rPr dirty="0"/>
-              <a:t>Moving beyond a cookbook or blog post approach to data science</a:t>
+              <a:rPr b="1" dirty="0"/>
+              <a:t>Computer intensive resampling methods</a:t>
+            </a:r>
+            <a:r>
+              <a:rPr dirty="0"/>
+              <a:t> for building models and inference, </a:t>
+            </a:r>
+            <a:r>
+              <a:rPr b="1" dirty="0"/>
+              <a:t>Bootstrapping</a:t>
+            </a:r>
+            <a:r>
+              <a:rPr dirty="0"/>
+              <a:t> and </a:t>
+            </a:r>
+            <a:r>
+              <a:rPr b="1" dirty="0"/>
+              <a:t>MCMC Bayes</a:t>
+            </a:r>
+            <a:endParaRPr dirty="0"/>
+          </a:p>
+          <a:p>
+            <a:pPr lvl="0"/>
+            <a:r>
+              <a:rPr b="1" dirty="0"/>
+              <a:t>Large scale and sparse models</a:t>
+            </a:r>
+            <a:r>
+              <a:rPr dirty="0"/>
+              <a:t> for complex and high-dimensional data sets</a:t>
+            </a:r>
+          </a:p>
+          <a:p>
+            <a:pPr lvl="0"/>
+            <a:r>
+              <a:rPr b="1" dirty="0"/>
+              <a:t>Non-Normal</a:t>
+            </a:r>
+            <a:r>
+              <a:rPr dirty="0"/>
+              <a:t> response models</a:t>
+            </a:r>
+            <a:endParaRPr lang="en-US" dirty="0"/>
+          </a:p>
+          <a:p>
+            <a:pPr lvl="0"/>
+            <a:r>
+              <a:rPr lang="en-US" b="1" dirty="0"/>
+              <a:t>Models for messy data</a:t>
+            </a:r>
+            <a:r>
+              <a:rPr lang="en-US" dirty="0"/>
+              <a:t>, zero-inflation, over-dispersion, missing data</a:t>
+            </a:r>
+            <a:endParaRPr dirty="0"/>
+          </a:p>
+          <a:p>
+            <a:pPr lvl="0"/>
+            <a:r>
+              <a:rPr b="1" dirty="0"/>
+              <a:t>Bayesian hierarchical models</a:t>
+            </a:r>
+            <a:r>
+              <a:rPr dirty="0"/>
+              <a:t> for complex relationships</a:t>
+            </a:r>
+          </a:p>
+          <a:p>
+            <a:pPr lvl="0"/>
+            <a:r>
+              <a:rPr b="1" dirty="0"/>
+              <a:t>Modern time series and forecasting algorithms</a:t>
+            </a:r>
+            <a:r>
+              <a:rPr dirty="0"/>
+              <a:t> for data with serial correlation</a:t>
+            </a:r>
+          </a:p>
+          <a:p>
+            <a:pPr lvl="0"/>
+            <a:r>
+              <a:rPr b="1" dirty="0"/>
+              <a:t>Robust statistics</a:t>
+            </a:r>
+            <a:r>
+              <a:rPr dirty="0"/>
+              <a:t> to deal with data violating model assumptions</a:t>
             </a:r>
           </a:p>
         </p:txBody>
@@ -9806,7 +11412,7 @@
               <a:buNone/>
             </a:pPr>
             <a:r>
-              <a:t>Instructor: Steve Elston</a:t>
+              <a:t>Course Objectives</a:t>
             </a:r>
           </a:p>
         </p:txBody>
@@ -9823,77 +11429,117 @@
         </p:nvSpPr>
         <p:spPr>
           <a:xfrm>
-            <a:off x="457200" y="1200151"/>
-            <a:ext cx="8229600" cy="3433356"/>
+            <a:off x="457200" y="1094820"/>
+            <a:ext cx="8229600" cy="3661700"/>
           </a:xfrm>
         </p:spPr>
         <p:txBody>
           <a:bodyPr>
-            <a:normAutofit fontScale="85000" lnSpcReduction="10000"/>
+            <a:normAutofit fontScale="85000" lnSpcReduction="20000"/>
           </a:bodyPr>
           <a:lstStyle/>
           <a:p>
+            <a:pPr marL="0" lvl="0" indent="0">
+              <a:buNone/>
+            </a:pPr>
+            <a:r>
+              <a:rPr dirty="0"/>
+              <a:t>This fast-moving survey course helps build your toolbox for modeling complex data</a:t>
+            </a:r>
+          </a:p>
+          <a:p>
             <a:pPr lvl="0"/>
             <a:r>
               <a:rPr dirty="0"/>
-              <a:t>Data science consultant with several decades of experience</a:t>
+              <a:t>Broad introduction to the theoretical and methodological basis of data science</a:t>
+            </a:r>
+          </a:p>
+          <a:p>
+            <a:pPr lvl="1"/>
+            <a:r>
+              <a:rPr dirty="0"/>
+              <a:t>Conditional probability theory</a:t>
+            </a:r>
+          </a:p>
+          <a:p>
+            <a:pPr lvl="1"/>
+            <a:r>
+              <a:rPr dirty="0"/>
+              <a:t>Sampling theory</a:t>
+            </a:r>
+          </a:p>
+          <a:p>
+            <a:pPr lvl="1"/>
+            <a:r>
+              <a:rPr dirty="0"/>
+              <a:t>Statistical estimation theory - classical and resampling based</a:t>
             </a:r>
           </a:p>
           <a:p>
             <a:pPr lvl="0"/>
             <a:r>
               <a:rPr dirty="0"/>
-              <a:t>Instructor for Harvard since 2016</a:t>
+              <a:t>Understand models for complex datasets</a:t>
+            </a:r>
+          </a:p>
+          <a:p>
+            <a:pPr lvl="1"/>
+            <a:r>
+              <a:rPr dirty="0"/>
+              <a:t>Understanding data relationships and </a:t>
+            </a:r>
+            <a:r>
+              <a:rPr b="1" dirty="0"/>
+              <a:t>inference</a:t>
+            </a:r>
+          </a:p>
+          <a:p>
+            <a:pPr lvl="1"/>
+            <a:r>
+              <a:rPr dirty="0"/>
+              <a:t>How these methods work and when to used them</a:t>
+            </a:r>
+          </a:p>
+          <a:p>
+            <a:pPr lvl="1"/>
+            <a:r>
+              <a:rPr lang="en-US" dirty="0"/>
+              <a:t>What</a:t>
+            </a:r>
+            <a:r>
+              <a:rPr dirty="0"/>
+              <a:t> </a:t>
+            </a:r>
+            <a:r>
+              <a:rPr b="1" dirty="0"/>
+              <a:t>confide</a:t>
+            </a:r>
+            <a:r>
+              <a:rPr lang="en-US" b="1" dirty="0"/>
+              <a:t>nce</a:t>
+            </a:r>
+            <a:r>
+              <a:rPr b="1" dirty="0"/>
+              <a:t> </a:t>
+            </a:r>
+            <a:r>
+              <a:rPr dirty="0"/>
+              <a:t>should </a:t>
+            </a:r>
+            <a:r>
+              <a:rPr lang="en-US" dirty="0"/>
+              <a:t>have </a:t>
+            </a:r>
+            <a:r>
+              <a:rPr dirty="0"/>
+              <a:t>in our inferences?</a:t>
             </a:r>
           </a:p>
           <a:p>
             <a:pPr lvl="0"/>
             <a:r>
               <a:rPr dirty="0"/>
-              <a:t>Lead team that commercialized Bell Labs S, now open source R</a:t>
-            </a:r>
-          </a:p>
-          <a:p>
-            <a:pPr lvl="0"/>
-            <a:r>
-              <a:rPr dirty="0"/>
-              <a:t>Company co-founder and held executive positions in several industries</a:t>
-            </a:r>
-          </a:p>
-          <a:p>
-            <a:pPr lvl="0"/>
-            <a:r>
-              <a:rPr dirty="0"/>
-              <a:t>Creator of multiple edX courses, author of </a:t>
-            </a:r>
-            <a:r>
-              <a:rPr dirty="0" err="1"/>
-              <a:t>O’Reily</a:t>
-            </a:r>
-            <a:r>
-              <a:rPr dirty="0"/>
-              <a:t> books and articles</a:t>
-            </a:r>
-          </a:p>
-          <a:p>
-            <a:pPr lvl="0"/>
-            <a:r>
-              <a:rPr dirty="0"/>
-              <a:t>Holder of 5 issued patents</a:t>
-            </a:r>
-          </a:p>
-          <a:p>
-            <a:pPr lvl="0"/>
-            <a:r>
-              <a:rPr dirty="0"/>
-              <a:t>BS, physics and math (minor), University of New Mexico</a:t>
-            </a:r>
-          </a:p>
-          <a:p>
-            <a:pPr lvl="0"/>
-            <a:r>
-              <a:rPr dirty="0"/>
-              <a:t>MS and PhD, geophysics, Princeton University – NSF, John von Neuman Supercomputing Fellow</a:t>
+              <a:t>Moving beyond a cookbook or blog post approach to data science</a:t>
             </a:r>
           </a:p>
         </p:txBody>
@@ -9942,7 +11588,7 @@
               <a:buNone/>
             </a:pPr>
             <a:r>
-              <a:t>Teaching Assistant: Moustafa Saleh</a:t>
+              <a:t>Instructor: Steve Elston</a:t>
             </a:r>
           </a:p>
         </p:txBody>
@@ -9957,40 +11603,79 @@
             <p:ph idx="1"/>
           </p:nvPr>
         </p:nvSpPr>
-        <p:spPr/>
+        <p:spPr>
+          <a:xfrm>
+            <a:off x="457200" y="1200151"/>
+            <a:ext cx="8229600" cy="3433356"/>
+          </a:xfrm>
+        </p:spPr>
         <p:txBody>
           <a:bodyPr>
-            <a:normAutofit fontScale="92500" lnSpcReduction="10000"/>
+            <a:normAutofit fontScale="85000" lnSpcReduction="10000"/>
           </a:bodyPr>
           <a:lstStyle/>
           <a:p>
             <a:pPr lvl="0"/>
             <a:r>
-              <a:t>A principal data scientist at Oracle Cloud</a:t>
-            </a:r>
-            <a:br/>
-            <a:endParaRPr/>
+              <a:rPr dirty="0"/>
+              <a:t>Data science consultant with several decades of experience</a:t>
+            </a:r>
           </a:p>
           <a:p>
             <a:pPr lvl="0"/>
             <a:r>
-              <a:t>Received PhD in computer science from University of Texas at San Antonio</a:t>
-            </a:r>
-            <a:br/>
-            <a:endParaRPr/>
+              <a:rPr dirty="0"/>
+              <a:t>Instructor for Harvard since 2016</a:t>
+            </a:r>
           </a:p>
           <a:p>
             <a:pPr lvl="0"/>
             <a:r>
-              <a:t>Worked previously at Microsoft’s Advanced Threats Protection team developing ML solutions for malware detection</a:t>
-            </a:r>
-            <a:br/>
-            <a:endParaRPr/>
+              <a:rPr dirty="0"/>
+              <a:t>Lead team that commercialized Bell Labs S, now open source R</a:t>
+            </a:r>
           </a:p>
           <a:p>
             <a:pPr lvl="0"/>
             <a:r>
-              <a:t>Research mainly focused on applying machine learning solutions to cyber-security challenges</a:t>
+              <a:rPr dirty="0"/>
+              <a:t>Company co-founder and held executive positions in several industries</a:t>
+            </a:r>
+          </a:p>
+          <a:p>
+            <a:pPr lvl="0"/>
+            <a:r>
+              <a:rPr dirty="0"/>
+              <a:t>Creator of multiple edX courses, author of </a:t>
+            </a:r>
+            <a:r>
+              <a:rPr dirty="0" err="1"/>
+              <a:t>O’Reily</a:t>
+            </a:r>
+            <a:r>
+              <a:rPr dirty="0"/>
+              <a:t> books and articles</a:t>
+            </a:r>
+          </a:p>
+          <a:p>
+            <a:pPr lvl="0"/>
+            <a:r>
+              <a:rPr dirty="0"/>
+              <a:t>Holder of 5 issued patents</a:t>
+            </a:r>
+          </a:p>
+          <a:p>
+            <a:pPr lvl="0"/>
+            <a:r>
+              <a:rPr dirty="0"/>
+              <a:t>BS, physics and math (minor), University of New Mexico</a:t>
+            </a:r>
+          </a:p>
+          <a:p>
+            <a:pPr lvl="0"/>
+            <a:r>
+              <a:rPr dirty="0"/>
+              <a:t>MS and PhD, geophysics, Princeton University – NSF, John von Neuman Supercomputing Fellow</a:t>
             </a:r>
           </a:p>
         </p:txBody>
@@ -10004,7 +11689,7 @@
 </file>
 
 <file path=ppt/slides/slide8.xml><?xml version="1.0" encoding="utf-8"?>
-<p:sld xmlns:a="http://schemas.openxmlformats.org/drawingml/2006/main" xmlns:r="http://schemas.openxmlformats.org/officeDocument/2006/relationships" xmlns:p="http://schemas.openxmlformats.org/presentationml/2006/main">
+<p:sld xmlns:a="http://schemas.openxmlformats.org/drawingml/2006/main" xmlns:r="http://schemas.openxmlformats.org/officeDocument/2006/relationships" xmlns:p="http://schemas.openxmlformats.org/presentationml/2006/main" show="0">
   <p:cSld>
     <p:spTree>
       <p:nvGrpSpPr>
@@ -10039,8 +11724,7 @@
               <a:buNone/>
             </a:pPr>
             <a:r>
-              <a:rPr dirty="0"/>
-              <a:t>Teaching Assistant: Tatyana Boland</a:t>
+              <a:t>Teaching Assistant: Moustafa Saleh</a:t>
             </a:r>
           </a:p>
         </p:txBody>
@@ -10057,34 +11741,38 @@
         </p:nvSpPr>
         <p:spPr/>
         <p:txBody>
-          <a:bodyPr/>
+          <a:bodyPr>
+            <a:normAutofit fontScale="92500" lnSpcReduction="10000"/>
+          </a:bodyPr>
           <a:lstStyle/>
           <a:p>
             <a:pPr lvl="0"/>
             <a:r>
-              <a:rPr dirty="0"/>
-              <a:t>MBA in Finance from Texas A&amp;M</a:t>
-            </a:r>
+              <a:t>A principal data scientist at Oracle Cloud</a:t>
+            </a:r>
+            <a:br/>
+            <a:endParaRPr/>
           </a:p>
           <a:p>
             <a:pPr lvl="0"/>
             <a:r>
-              <a:rPr dirty="0"/>
-              <a:t>MLA from Harvard Extension School in Sustainability &amp; Environmental Management</a:t>
-            </a:r>
+              <a:t>Received PhD in computer science from University of Texas at San Antonio</a:t>
+            </a:r>
+            <a:br/>
+            <a:endParaRPr/>
           </a:p>
           <a:p>
             <a:pPr lvl="0"/>
             <a:r>
-              <a:rPr dirty="0"/>
-              <a:t>BA in Political Science from University of Washington</a:t>
-            </a:r>
+              <a:t>Worked previously at Microsoft’s Advanced Threats Protection team developing ML solutions for malware detection</a:t>
+            </a:r>
+            <a:br/>
+            <a:endParaRPr/>
           </a:p>
           <a:p>
             <a:pPr lvl="0"/>
             <a:r>
-              <a:rPr dirty="0"/>
-              <a:t>Worked previously at Oracle OCI as Principal Technical Program Manager in Physical Networking team</a:t>
+              <a:t>Research mainly focused on applying machine learning solutions to cyber-security challenges</a:t>
             </a:r>
           </a:p>
         </p:txBody>
@@ -10148,14 +11836,14 @@
             <p:ph idx="1"/>
             <p:extLst>
               <p:ext uri="{D42A27DB-BD31-4B8C-83A1-F6EECF244321}">
-                <p14:modId xmlns:p14="http://schemas.microsoft.com/office/powerpoint/2010/main" val="1043695408"/>
+                <p14:modId xmlns:p14="http://schemas.microsoft.com/office/powerpoint/2010/main" val="3945834226"/>
               </p:ext>
             </p:extLst>
           </p:nvPr>
         </p:nvGraphicFramePr>
         <p:xfrm>
-          <a:off x="457200" y="1193800"/>
-          <a:ext cx="8229600" cy="1577340"/>
+          <a:off x="802512" y="1243957"/>
+          <a:ext cx="7602638" cy="1371600"/>
         </p:xfrm>
         <a:graphic>
           <a:graphicData uri="http://schemas.openxmlformats.org/drawingml/2006/table">
@@ -10164,14 +11852,14 @@
                 <a:tableStyleId>{5C22544A-7EE6-4342-B048-85BDC9FD1C3A}</a:tableStyleId>
               </a:tblPr>
               <a:tblGrid>
-                <a:gridCol w="4114800">
+                <a:gridCol w="5046561">
                   <a:extLst>
                     <a:ext uri="{9D8B030D-6E8A-4147-A177-3AD203B41FA5}">
                       <a16:colId xmlns:a16="http://schemas.microsoft.com/office/drawing/2014/main" val="20000"/>
                     </a:ext>
                   </a:extLst>
                 </a:gridCol>
-                <a:gridCol w="4114800">
+                <a:gridCol w="2556077">
                   <a:extLst>
                     <a:ext uri="{9D8B030D-6E8A-4147-A177-3AD203B41FA5}">
                       <a16:colId xmlns:a16="http://schemas.microsoft.com/office/drawing/2014/main" val="20001"/>
@@ -10189,6 +11877,7 @@
                         <a:buNone/>
                       </a:pPr>
                       <a:r>
+                        <a:rPr sz="2400" dirty="0"/>
                         <a:t>Activity</a:t>
                       </a:r>
                     </a:p>
@@ -10204,6 +11893,7 @@
                         <a:buNone/>
                       </a:pPr>
                       <a:r>
+                        <a:rPr sz="2400" dirty="0"/>
                         <a:t>Grade weight</a:t>
                       </a:r>
                     </a:p>

--- a/LectureSlides/01_PreceptionForScientificVisualization.pptx
+++ b/LectureSlides/01_PreceptionForScientificVisualization.pptx
@@ -54,6 +54,7 @@
     <p:sldId id="304" r:id="rId48"/>
     <p:sldId id="305" r:id="rId49"/>
     <p:sldId id="307" r:id="rId50"/>
+    <p:sldId id="314" r:id="rId51"/>
   </p:sldIdLst>
   <p:sldSz cx="9144000" cy="5143500" type="screen16x9"/>
   <p:notesSz cx="6858000" cy="9144000"/>
@@ -350,7 +351,7 @@
           <a:p>
             <a:fld id="{241EB5C9-1307-BA42-ABA2-0BC069CD8E7F}" type="datetimeFigureOut">
               <a:rPr lang="en-US" smtClean="0"/>
-              <a:t>8/26/2024</a:t>
+              <a:t>8/30/2024</a:t>
             </a:fld>
             <a:endParaRPr lang="en-US"/>
           </a:p>
@@ -518,7 +519,7 @@
           <a:p>
             <a:fld id="{241EB5C9-1307-BA42-ABA2-0BC069CD8E7F}" type="datetimeFigureOut">
               <a:rPr lang="en-US" smtClean="0"/>
-              <a:t>8/26/2024</a:t>
+              <a:t>8/30/2024</a:t>
             </a:fld>
             <a:endParaRPr lang="en-US"/>
           </a:p>
@@ -696,7 +697,7 @@
           <a:p>
             <a:fld id="{241EB5C9-1307-BA42-ABA2-0BC069CD8E7F}" type="datetimeFigureOut">
               <a:rPr lang="en-US" smtClean="0"/>
-              <a:t>8/26/2024</a:t>
+              <a:t>8/30/2024</a:t>
             </a:fld>
             <a:endParaRPr lang="en-US"/>
           </a:p>
@@ -864,7 +865,7 @@
           <a:p>
             <a:fld id="{241EB5C9-1307-BA42-ABA2-0BC069CD8E7F}" type="datetimeFigureOut">
               <a:rPr lang="en-US" smtClean="0"/>
-              <a:t>8/26/2024</a:t>
+              <a:t>8/30/2024</a:t>
             </a:fld>
             <a:endParaRPr lang="en-US"/>
           </a:p>
@@ -1109,7 +1110,7 @@
           <a:p>
             <a:fld id="{241EB5C9-1307-BA42-ABA2-0BC069CD8E7F}" type="datetimeFigureOut">
               <a:rPr lang="en-US" smtClean="0"/>
-              <a:t>8/26/2024</a:t>
+              <a:t>8/30/2024</a:t>
             </a:fld>
             <a:endParaRPr lang="en-US"/>
           </a:p>
@@ -1394,7 +1395,7 @@
           <a:p>
             <a:fld id="{241EB5C9-1307-BA42-ABA2-0BC069CD8E7F}" type="datetimeFigureOut">
               <a:rPr lang="en-US" smtClean="0"/>
-              <a:t>8/26/2024</a:t>
+              <a:t>8/30/2024</a:t>
             </a:fld>
             <a:endParaRPr lang="en-US"/>
           </a:p>
@@ -1813,7 +1814,7 @@
           <a:p>
             <a:fld id="{241EB5C9-1307-BA42-ABA2-0BC069CD8E7F}" type="datetimeFigureOut">
               <a:rPr lang="en-US" smtClean="0"/>
-              <a:t>8/26/2024</a:t>
+              <a:t>8/30/2024</a:t>
             </a:fld>
             <a:endParaRPr lang="en-US"/>
           </a:p>
@@ -1930,7 +1931,7 @@
           <a:p>
             <a:fld id="{241EB5C9-1307-BA42-ABA2-0BC069CD8E7F}" type="datetimeFigureOut">
               <a:rPr lang="en-US" smtClean="0"/>
-              <a:t>8/26/2024</a:t>
+              <a:t>8/30/2024</a:t>
             </a:fld>
             <a:endParaRPr lang="en-US"/>
           </a:p>
@@ -2025,7 +2026,7 @@
           <a:p>
             <a:fld id="{241EB5C9-1307-BA42-ABA2-0BC069CD8E7F}" type="datetimeFigureOut">
               <a:rPr lang="en-US" smtClean="0"/>
-              <a:t>8/26/2024</a:t>
+              <a:t>8/30/2024</a:t>
             </a:fld>
             <a:endParaRPr lang="en-US"/>
           </a:p>
@@ -2300,7 +2301,7 @@
           <a:p>
             <a:fld id="{241EB5C9-1307-BA42-ABA2-0BC069CD8E7F}" type="datetimeFigureOut">
               <a:rPr lang="en-US" smtClean="0"/>
-              <a:t>8/26/2024</a:t>
+              <a:t>8/30/2024</a:t>
             </a:fld>
             <a:endParaRPr lang="en-US"/>
           </a:p>
@@ -2552,7 +2553,7 @@
           <a:p>
             <a:fld id="{241EB5C9-1307-BA42-ABA2-0BC069CD8E7F}" type="datetimeFigureOut">
               <a:rPr lang="en-US" smtClean="0"/>
-              <a:t>8/26/2024</a:t>
+              <a:t>8/30/2024</a:t>
             </a:fld>
             <a:endParaRPr lang="en-US"/>
           </a:p>
@@ -2763,7 +2764,7 @@
           <a:p>
             <a:fld id="{241EB5C9-1307-BA42-ABA2-0BC069CD8E7F}" type="datetimeFigureOut">
               <a:rPr lang="en-US" smtClean="0"/>
-              <a:t>8/26/2024</a:t>
+              <a:t>8/30/2024</a:t>
             </a:fld>
             <a:endParaRPr lang="en-US"/>
           </a:p>
@@ -3308,7 +3309,7 @@
             <a:pPr algn="ctr"/>
             <a:r>
               <a:rPr lang="en-US" sz="1100" dirty="0"/>
-              <a:t>Copyright 2020, 2021, 2022, 2023 2024, Stephen F Elston. All rights reserved</a:t>
+              <a:t>Copyright 2018, 2019, 2020, 2021, 2022, 2023 2024, Stephen F Elston. All rights reserved</a:t>
             </a:r>
             <a:r>
               <a:rPr lang="en-US" dirty="0"/>
@@ -5275,18 +5276,18 @@
             <a:endParaRPr lang="en-US" dirty="0"/>
           </a:p>
           <a:p>
-            <a:pPr marL="0" lvl="0" indent="0">
+            <a:pPr marL="0" lvl="0" indent="0" algn="ctr">
               <a:buNone/>
             </a:pPr>
             <a:r>
-              <a:rPr lang="en-US" b="1" dirty="0">
+              <a:rPr lang="en-US" sz="2800" b="1" dirty="0">
                 <a:solidFill>
                   <a:srgbClr val="C00000"/>
                 </a:solidFill>
               </a:rPr>
-              <a:t>I expect you to use perceptually useful plotting methods for your project!!</a:t>
-            </a:r>
-            <a:endParaRPr b="1" dirty="0">
+              <a:t>I expect you to use good perceptual methodology for creating plots for your project!!</a:t>
+            </a:r>
+            <a:endParaRPr sz="2800" b="1" dirty="0">
               <a:solidFill>
                 <a:srgbClr val="C00000"/>
               </a:solidFill>
@@ -6226,8 +6227,8 @@
           </a:p>
         </p:txBody>
       </p:sp>
-      <mc:AlternateContent xmlns:mc="http://schemas.openxmlformats.org/markup-compatibility/2006">
-        <mc:Choice xmlns:a14="http://schemas.microsoft.com/office/drawing/2010/main" Requires="a14">
+      <mc:AlternateContent xmlns:mc="http://schemas.openxmlformats.org/markup-compatibility/2006" xmlns:a14="http://schemas.microsoft.com/office/drawing/2010/main">
+        <mc:Choice Requires="a14">
           <p:sp>
             <p:nvSpPr>
               <p:cNvPr id="3" name="Content Placeholder 2"/>
@@ -6356,7 +6357,7 @@
             </p:txBody>
           </p:sp>
         </mc:Choice>
-        <mc:Fallback>
+        <mc:Fallback xmlns="">
           <p:sp>
             <p:nvSpPr>
               <p:cNvPr id="3" name="Content Placeholder 2"/>
@@ -7370,15 +7371,7 @@
             </a:pPr>
             <a:r>
               <a:rPr lang="en-US" dirty="0"/>
-              <a:t>Can you see the pattern that </a:t>
-            </a:r>
-            <a:r>
-              <a:rPr lang="en-US" dirty="0" err="1"/>
-              <a:t>emmerges</a:t>
-            </a:r>
-            <a:r>
-              <a:rPr lang="en-US" dirty="0"/>
-              <a:t>? </a:t>
+              <a:t>Can you see the pattern that emerges? </a:t>
             </a:r>
           </a:p>
         </p:txBody>
@@ -7590,6 +7583,1134 @@
           <a:xfrm>
             <a:off x="457202" y="1358096"/>
             <a:ext cx="3663385" cy="3236527"/>
+          </a:xfrm>
+          <a:prstGeom prst="rect">
+            <a:avLst/>
+          </a:prstGeom>
+        </p:spPr>
+        <p:txBody>
+          <a:bodyPr>
+            <a:normAutofit fontScale="92500" lnSpcReduction="10000"/>
+          </a:bodyPr>
+          <a:lstStyle>
+            <a:lvl1pPr marL="342900" indent="-342900" algn="l" defTabSz="342900" rtl="0" eaLnBrk="1" latinLnBrk="0" hangingPunct="1">
+              <a:spcBef>
+                <a:spcPct val="20000"/>
+              </a:spcBef>
+              <a:buFont typeface="Arial"/>
+              <a:buChar char="•"/>
+              <a:defRPr sz="2400" kern="1200">
+                <a:solidFill>
+                  <a:schemeClr val="tx1"/>
+                </a:solidFill>
+                <a:latin typeface="+mn-lt"/>
+                <a:ea typeface="+mn-ea"/>
+                <a:cs typeface="+mn-cs"/>
+              </a:defRPr>
+            </a:lvl1pPr>
+            <a:lvl2pPr marL="685800" indent="-342900" algn="l" defTabSz="342900" rtl="0" eaLnBrk="1" latinLnBrk="0" hangingPunct="1">
+              <a:spcBef>
+                <a:spcPct val="20000"/>
+              </a:spcBef>
+              <a:buFont typeface="Arial"/>
+              <a:buChar char="–"/>
+              <a:defRPr sz="2100" kern="1200">
+                <a:solidFill>
+                  <a:schemeClr val="tx1"/>
+                </a:solidFill>
+                <a:latin typeface="+mn-lt"/>
+                <a:ea typeface="+mn-ea"/>
+                <a:cs typeface="+mn-cs"/>
+              </a:defRPr>
+            </a:lvl2pPr>
+            <a:lvl3pPr marL="1028700" indent="-342900" algn="l" defTabSz="342900" rtl="0" eaLnBrk="1" latinLnBrk="0" hangingPunct="1">
+              <a:spcBef>
+                <a:spcPct val="20000"/>
+              </a:spcBef>
+              <a:buFont typeface="Arial"/>
+              <a:buChar char="•"/>
+              <a:defRPr sz="1800" kern="1200">
+                <a:solidFill>
+                  <a:schemeClr val="tx1"/>
+                </a:solidFill>
+                <a:latin typeface="+mn-lt"/>
+                <a:ea typeface="+mn-ea"/>
+                <a:cs typeface="+mn-cs"/>
+              </a:defRPr>
+            </a:lvl3pPr>
+            <a:lvl4pPr marL="1371600" indent="-342900" algn="l" defTabSz="342900" rtl="0" eaLnBrk="1" latinLnBrk="0" hangingPunct="1">
+              <a:spcBef>
+                <a:spcPct val="20000"/>
+              </a:spcBef>
+              <a:buFont typeface="Arial"/>
+              <a:buChar char="–"/>
+              <a:defRPr sz="1500" kern="1200">
+                <a:solidFill>
+                  <a:schemeClr val="tx1"/>
+                </a:solidFill>
+                <a:latin typeface="+mn-lt"/>
+                <a:ea typeface="+mn-ea"/>
+                <a:cs typeface="+mn-cs"/>
+              </a:defRPr>
+            </a:lvl4pPr>
+            <a:lvl5pPr marL="1714500" indent="-342900" algn="l" defTabSz="342900" rtl="0" eaLnBrk="1" latinLnBrk="0" hangingPunct="1">
+              <a:spcBef>
+                <a:spcPct val="20000"/>
+              </a:spcBef>
+              <a:buFont typeface="Arial"/>
+              <a:buChar char="»"/>
+              <a:defRPr sz="1500" kern="1200">
+                <a:solidFill>
+                  <a:schemeClr val="tx1"/>
+                </a:solidFill>
+                <a:latin typeface="+mn-lt"/>
+                <a:ea typeface="+mn-ea"/>
+                <a:cs typeface="+mn-cs"/>
+              </a:defRPr>
+            </a:lvl5pPr>
+            <a:lvl6pPr marL="2057400" indent="-342900" algn="l" defTabSz="342900" rtl="0" eaLnBrk="1" latinLnBrk="0" hangingPunct="1">
+              <a:spcBef>
+                <a:spcPct val="20000"/>
+              </a:spcBef>
+              <a:buFont typeface="Arial"/>
+              <a:buChar char="•"/>
+              <a:defRPr sz="1500" kern="1200">
+                <a:solidFill>
+                  <a:schemeClr val="tx1"/>
+                </a:solidFill>
+                <a:latin typeface="+mn-lt"/>
+                <a:ea typeface="+mn-ea"/>
+                <a:cs typeface="+mn-cs"/>
+              </a:defRPr>
+            </a:lvl6pPr>
+            <a:lvl7pPr marL="2400300" indent="-342900" algn="l" defTabSz="342900" rtl="0" eaLnBrk="1" latinLnBrk="0" hangingPunct="1">
+              <a:spcBef>
+                <a:spcPct val="20000"/>
+              </a:spcBef>
+              <a:buFont typeface="Arial"/>
+              <a:buChar char="•"/>
+              <a:defRPr sz="1500" kern="1200">
+                <a:solidFill>
+                  <a:schemeClr val="tx1"/>
+                </a:solidFill>
+                <a:latin typeface="+mn-lt"/>
+                <a:ea typeface="+mn-ea"/>
+                <a:cs typeface="+mn-cs"/>
+              </a:defRPr>
+            </a:lvl7pPr>
+            <a:lvl8pPr marL="2743200" indent="-342900" algn="l" defTabSz="342900" rtl="0" eaLnBrk="1" latinLnBrk="0" hangingPunct="1">
+              <a:spcBef>
+                <a:spcPct val="20000"/>
+              </a:spcBef>
+              <a:buFont typeface="Arial"/>
+              <a:buChar char="•"/>
+              <a:defRPr sz="1500" kern="1200">
+                <a:solidFill>
+                  <a:schemeClr val="tx1"/>
+                </a:solidFill>
+                <a:latin typeface="+mn-lt"/>
+                <a:ea typeface="+mn-ea"/>
+                <a:cs typeface="+mn-cs"/>
+              </a:defRPr>
+            </a:lvl8pPr>
+            <a:lvl9pPr marL="3086100" indent="-342900" algn="l" defTabSz="342900" rtl="0" eaLnBrk="1" latinLnBrk="0" hangingPunct="1">
+              <a:spcBef>
+                <a:spcPct val="20000"/>
+              </a:spcBef>
+              <a:buFont typeface="Arial"/>
+              <a:buChar char="•"/>
+              <a:defRPr sz="1500" kern="1200">
+                <a:solidFill>
+                  <a:schemeClr val="tx1"/>
+                </a:solidFill>
+                <a:latin typeface="+mn-lt"/>
+                <a:ea typeface="+mn-ea"/>
+                <a:cs typeface="+mn-cs"/>
+              </a:defRPr>
+            </a:lvl9pPr>
+          </a:lstStyle>
+          <a:p>
+            <a:pPr marL="0" indent="0">
+              <a:buNone/>
+            </a:pPr>
+            <a:r>
+              <a:rPr lang="en-US" dirty="0"/>
+              <a:t>Large color pallet reduces perception</a:t>
+            </a:r>
+          </a:p>
+          <a:p>
+            <a:pPr>
+              <a:buFont typeface="Arial" panose="020B0604020202020204" pitchFamily="34" charset="0"/>
+              <a:buChar char="•"/>
+            </a:pPr>
+            <a:r>
+              <a:rPr lang="en-US" dirty="0"/>
+              <a:t>This plot includes too many similar colors for large number of categories</a:t>
+            </a:r>
+          </a:p>
+          <a:p>
+            <a:pPr>
+              <a:buFont typeface="Arial" panose="020B0604020202020204" pitchFamily="34" charset="0"/>
+              <a:buChar char="•"/>
+            </a:pPr>
+            <a:r>
+              <a:rPr lang="en-US" dirty="0"/>
+              <a:t>Virtually impossible to determine where autos from each make fall on the plot </a:t>
+            </a:r>
+          </a:p>
+        </p:txBody>
+      </p:sp>
+      <p:pic>
+        <p:nvPicPr>
+          <p:cNvPr id="6" name="Picture 5">
+            <a:extLst>
+              <a:ext uri="{FF2B5EF4-FFF2-40B4-BE49-F238E27FC236}">
+                <a16:creationId xmlns:a16="http://schemas.microsoft.com/office/drawing/2014/main" id="{06B7D722-712E-6BDF-09E4-1BA64EF0454B}"/>
+              </a:ext>
+            </a:extLst>
+          </p:cNvPr>
+          <p:cNvPicPr>
+            <a:picLocks noChangeAspect="1"/>
+          </p:cNvPicPr>
+          <p:nvPr/>
+        </p:nvPicPr>
+        <p:blipFill>
+          <a:blip r:embed="rId2"/>
+          <a:stretch>
+            <a:fillRect/>
+          </a:stretch>
+        </p:blipFill>
+        <p:spPr>
+          <a:xfrm>
+            <a:off x="4265108" y="860385"/>
+            <a:ext cx="4878892" cy="4109012"/>
+          </a:xfrm>
+          <a:prstGeom prst="rect">
+            <a:avLst/>
+          </a:prstGeom>
+        </p:spPr>
+      </p:pic>
+    </p:spTree>
+    <p:extLst>
+      <p:ext uri="{BB962C8B-B14F-4D97-AF65-F5344CB8AC3E}">
+        <p14:creationId xmlns:p14="http://schemas.microsoft.com/office/powerpoint/2010/main" val="929278502"/>
+      </p:ext>
+    </p:extLst>
+  </p:cSld>
+  <p:clrMapOvr>
+    <a:masterClrMapping/>
+  </p:clrMapOvr>
+</p:sld>
+</file>
+
+<file path=ppt/slides/slide33.xml><?xml version="1.0" encoding="utf-8"?>
+<p:sld xmlns:a="http://schemas.openxmlformats.org/drawingml/2006/main" xmlns:r="http://schemas.openxmlformats.org/officeDocument/2006/relationships" xmlns:p="http://schemas.openxmlformats.org/presentationml/2006/main">
+  <p:cSld>
+    <p:spTree>
+      <p:nvGrpSpPr>
+        <p:cNvPr id="1" name=""/>
+        <p:cNvGrpSpPr/>
+        <p:nvPr/>
+      </p:nvGrpSpPr>
+      <p:grpSpPr>
+        <a:xfrm>
+          <a:off x="0" y="0"/>
+          <a:ext cx="0" cy="0"/>
+          <a:chOff x="0" y="0"/>
+          <a:chExt cx="0" cy="0"/>
+        </a:xfrm>
+      </p:grpSpPr>
+      <p:sp>
+        <p:nvSpPr>
+          <p:cNvPr id="2" name="Title 1"/>
+          <p:cNvSpPr>
+            <a:spLocks noGrp="1"/>
+          </p:cNvSpPr>
+          <p:nvPr>
+            <p:ph type="title"/>
+          </p:nvPr>
+        </p:nvSpPr>
+        <p:spPr/>
+        <p:txBody>
+          <a:bodyPr/>
+          <a:lstStyle/>
+          <a:p>
+            <a:pPr marL="0" lvl="0" indent="0">
+              <a:buNone/>
+            </a:pPr>
+            <a:r>
+              <a:rPr lang="en-US" dirty="0"/>
+              <a:t>Limits of Color</a:t>
+            </a:r>
+            <a:endParaRPr dirty="0"/>
+          </a:p>
+        </p:txBody>
+      </p:sp>
+      <p:sp>
+        <p:nvSpPr>
+          <p:cNvPr id="3" name="Text Placeholder 3">
+            <a:extLst>
+              <a:ext uri="{FF2B5EF4-FFF2-40B4-BE49-F238E27FC236}">
+                <a16:creationId xmlns:a16="http://schemas.microsoft.com/office/drawing/2014/main" id="{BBC4F043-E962-4014-CE75-99D8E08E0C5B}"/>
+              </a:ext>
+            </a:extLst>
+          </p:cNvPr>
+          <p:cNvSpPr txBox="1">
+            <a:spLocks/>
+          </p:cNvSpPr>
+          <p:nvPr/>
+        </p:nvSpPr>
+        <p:spPr>
+          <a:xfrm>
+            <a:off x="387754" y="910542"/>
+            <a:ext cx="8513178" cy="1207625"/>
+          </a:xfrm>
+          <a:prstGeom prst="rect">
+            <a:avLst/>
+          </a:prstGeom>
+        </p:spPr>
+        <p:txBody>
+          <a:bodyPr>
+            <a:normAutofit lnSpcReduction="10000"/>
+          </a:bodyPr>
+          <a:lstStyle>
+            <a:lvl1pPr marL="342900" indent="-342900" algn="l" defTabSz="342900" rtl="0" eaLnBrk="1" latinLnBrk="0" hangingPunct="1">
+              <a:spcBef>
+                <a:spcPct val="20000"/>
+              </a:spcBef>
+              <a:buFont typeface="Arial"/>
+              <a:buChar char="•"/>
+              <a:defRPr sz="2400" kern="1200">
+                <a:solidFill>
+                  <a:schemeClr val="tx1"/>
+                </a:solidFill>
+                <a:latin typeface="+mn-lt"/>
+                <a:ea typeface="+mn-ea"/>
+                <a:cs typeface="+mn-cs"/>
+              </a:defRPr>
+            </a:lvl1pPr>
+            <a:lvl2pPr marL="685800" indent="-342900" algn="l" defTabSz="342900" rtl="0" eaLnBrk="1" latinLnBrk="0" hangingPunct="1">
+              <a:spcBef>
+                <a:spcPct val="20000"/>
+              </a:spcBef>
+              <a:buFont typeface="Arial"/>
+              <a:buChar char="–"/>
+              <a:defRPr sz="2100" kern="1200">
+                <a:solidFill>
+                  <a:schemeClr val="tx1"/>
+                </a:solidFill>
+                <a:latin typeface="+mn-lt"/>
+                <a:ea typeface="+mn-ea"/>
+                <a:cs typeface="+mn-cs"/>
+              </a:defRPr>
+            </a:lvl2pPr>
+            <a:lvl3pPr marL="1028700" indent="-342900" algn="l" defTabSz="342900" rtl="0" eaLnBrk="1" latinLnBrk="0" hangingPunct="1">
+              <a:spcBef>
+                <a:spcPct val="20000"/>
+              </a:spcBef>
+              <a:buFont typeface="Arial"/>
+              <a:buChar char="•"/>
+              <a:defRPr sz="1800" kern="1200">
+                <a:solidFill>
+                  <a:schemeClr val="tx1"/>
+                </a:solidFill>
+                <a:latin typeface="+mn-lt"/>
+                <a:ea typeface="+mn-ea"/>
+                <a:cs typeface="+mn-cs"/>
+              </a:defRPr>
+            </a:lvl3pPr>
+            <a:lvl4pPr marL="1371600" indent="-342900" algn="l" defTabSz="342900" rtl="0" eaLnBrk="1" latinLnBrk="0" hangingPunct="1">
+              <a:spcBef>
+                <a:spcPct val="20000"/>
+              </a:spcBef>
+              <a:buFont typeface="Arial"/>
+              <a:buChar char="–"/>
+              <a:defRPr sz="1500" kern="1200">
+                <a:solidFill>
+                  <a:schemeClr val="tx1"/>
+                </a:solidFill>
+                <a:latin typeface="+mn-lt"/>
+                <a:ea typeface="+mn-ea"/>
+                <a:cs typeface="+mn-cs"/>
+              </a:defRPr>
+            </a:lvl4pPr>
+            <a:lvl5pPr marL="1714500" indent="-342900" algn="l" defTabSz="342900" rtl="0" eaLnBrk="1" latinLnBrk="0" hangingPunct="1">
+              <a:spcBef>
+                <a:spcPct val="20000"/>
+              </a:spcBef>
+              <a:buFont typeface="Arial"/>
+              <a:buChar char="»"/>
+              <a:defRPr sz="1500" kern="1200">
+                <a:solidFill>
+                  <a:schemeClr val="tx1"/>
+                </a:solidFill>
+                <a:latin typeface="+mn-lt"/>
+                <a:ea typeface="+mn-ea"/>
+                <a:cs typeface="+mn-cs"/>
+              </a:defRPr>
+            </a:lvl5pPr>
+            <a:lvl6pPr marL="2057400" indent="-342900" algn="l" defTabSz="342900" rtl="0" eaLnBrk="1" latinLnBrk="0" hangingPunct="1">
+              <a:spcBef>
+                <a:spcPct val="20000"/>
+              </a:spcBef>
+              <a:buFont typeface="Arial"/>
+              <a:buChar char="•"/>
+              <a:defRPr sz="1500" kern="1200">
+                <a:solidFill>
+                  <a:schemeClr val="tx1"/>
+                </a:solidFill>
+                <a:latin typeface="+mn-lt"/>
+                <a:ea typeface="+mn-ea"/>
+                <a:cs typeface="+mn-cs"/>
+              </a:defRPr>
+            </a:lvl6pPr>
+            <a:lvl7pPr marL="2400300" indent="-342900" algn="l" defTabSz="342900" rtl="0" eaLnBrk="1" latinLnBrk="0" hangingPunct="1">
+              <a:spcBef>
+                <a:spcPct val="20000"/>
+              </a:spcBef>
+              <a:buFont typeface="Arial"/>
+              <a:buChar char="•"/>
+              <a:defRPr sz="1500" kern="1200">
+                <a:solidFill>
+                  <a:schemeClr val="tx1"/>
+                </a:solidFill>
+                <a:latin typeface="+mn-lt"/>
+                <a:ea typeface="+mn-ea"/>
+                <a:cs typeface="+mn-cs"/>
+              </a:defRPr>
+            </a:lvl7pPr>
+            <a:lvl8pPr marL="2743200" indent="-342900" algn="l" defTabSz="342900" rtl="0" eaLnBrk="1" latinLnBrk="0" hangingPunct="1">
+              <a:spcBef>
+                <a:spcPct val="20000"/>
+              </a:spcBef>
+              <a:buFont typeface="Arial"/>
+              <a:buChar char="•"/>
+              <a:defRPr sz="1500" kern="1200">
+                <a:solidFill>
+                  <a:schemeClr val="tx1"/>
+                </a:solidFill>
+                <a:latin typeface="+mn-lt"/>
+                <a:ea typeface="+mn-ea"/>
+                <a:cs typeface="+mn-cs"/>
+              </a:defRPr>
+            </a:lvl8pPr>
+            <a:lvl9pPr marL="3086100" indent="-342900" algn="l" defTabSz="342900" rtl="0" eaLnBrk="1" latinLnBrk="0" hangingPunct="1">
+              <a:spcBef>
+                <a:spcPct val="20000"/>
+              </a:spcBef>
+              <a:buFont typeface="Arial"/>
+              <a:buChar char="•"/>
+              <a:defRPr sz="1500" kern="1200">
+                <a:solidFill>
+                  <a:schemeClr val="tx1"/>
+                </a:solidFill>
+                <a:latin typeface="+mn-lt"/>
+                <a:ea typeface="+mn-ea"/>
+                <a:cs typeface="+mn-cs"/>
+              </a:defRPr>
+            </a:lvl9pPr>
+          </a:lstStyle>
+          <a:p>
+            <a:pPr marL="0" indent="0">
+              <a:buNone/>
+            </a:pPr>
+            <a:r>
+              <a:rPr lang="en-US" dirty="0"/>
+              <a:t>Ordered box plot is an alternative to color and shape for variables with too many categories   </a:t>
+            </a:r>
+          </a:p>
+          <a:p>
+            <a:r>
+              <a:rPr lang="en-US" dirty="0"/>
+              <a:t>Ordering improves perception, i.e. like ordered bar chart</a:t>
+            </a:r>
+          </a:p>
+        </p:txBody>
+      </p:sp>
+      <p:pic>
+        <p:nvPicPr>
+          <p:cNvPr id="5" name="Picture 4">
+            <a:extLst>
+              <a:ext uri="{FF2B5EF4-FFF2-40B4-BE49-F238E27FC236}">
+                <a16:creationId xmlns:a16="http://schemas.microsoft.com/office/drawing/2014/main" id="{470F5102-101E-3820-1B91-98B8A85B96F4}"/>
+              </a:ext>
+            </a:extLst>
+          </p:cNvPr>
+          <p:cNvPicPr>
+            <a:picLocks noChangeAspect="1"/>
+          </p:cNvPicPr>
+          <p:nvPr/>
+        </p:nvPicPr>
+        <p:blipFill>
+          <a:blip r:embed="rId2"/>
+          <a:stretch>
+            <a:fillRect/>
+          </a:stretch>
+        </p:blipFill>
+        <p:spPr>
+          <a:xfrm>
+            <a:off x="4409954" y="1964889"/>
+            <a:ext cx="4109655" cy="3142486"/>
+          </a:xfrm>
+          <a:prstGeom prst="rect">
+            <a:avLst/>
+          </a:prstGeom>
+        </p:spPr>
+      </p:pic>
+      <p:pic>
+        <p:nvPicPr>
+          <p:cNvPr id="8" name="Picture 7">
+            <a:extLst>
+              <a:ext uri="{FF2B5EF4-FFF2-40B4-BE49-F238E27FC236}">
+                <a16:creationId xmlns:a16="http://schemas.microsoft.com/office/drawing/2014/main" id="{493BB364-7770-0D6E-2F56-3A68DD328653}"/>
+              </a:ext>
+            </a:extLst>
+          </p:cNvPr>
+          <p:cNvPicPr>
+            <a:picLocks noChangeAspect="1"/>
+          </p:cNvPicPr>
+          <p:nvPr/>
+        </p:nvPicPr>
+        <p:blipFill>
+          <a:blip r:embed="rId3"/>
+          <a:stretch>
+            <a:fillRect/>
+          </a:stretch>
+        </p:blipFill>
+        <p:spPr>
+          <a:xfrm>
+            <a:off x="310589" y="2000389"/>
+            <a:ext cx="4049208" cy="3079319"/>
+          </a:xfrm>
+          <a:prstGeom prst="rect">
+            <a:avLst/>
+          </a:prstGeom>
+        </p:spPr>
+      </p:pic>
+    </p:spTree>
+    <p:extLst>
+      <p:ext uri="{BB962C8B-B14F-4D97-AF65-F5344CB8AC3E}">
+        <p14:creationId xmlns:p14="http://schemas.microsoft.com/office/powerpoint/2010/main" val="3274263035"/>
+      </p:ext>
+    </p:extLst>
+  </p:cSld>
+  <p:clrMapOvr>
+    <a:masterClrMapping/>
+  </p:clrMapOvr>
+</p:sld>
+</file>
+
+<file path=ppt/slides/slide34.xml><?xml version="1.0" encoding="utf-8"?>
+<p:sld xmlns:a="http://schemas.openxmlformats.org/drawingml/2006/main" xmlns:r="http://schemas.openxmlformats.org/officeDocument/2006/relationships" xmlns:p="http://schemas.openxmlformats.org/presentationml/2006/main">
+  <p:cSld>
+    <p:spTree>
+      <p:nvGrpSpPr>
+        <p:cNvPr id="1" name=""/>
+        <p:cNvGrpSpPr/>
+        <p:nvPr/>
+      </p:nvGrpSpPr>
+      <p:grpSpPr>
+        <a:xfrm>
+          <a:off x="0" y="0"/>
+          <a:ext cx="0" cy="0"/>
+          <a:chOff x="0" y="0"/>
+          <a:chExt cx="0" cy="0"/>
+        </a:xfrm>
+      </p:grpSpPr>
+      <p:sp>
+        <p:nvSpPr>
+          <p:cNvPr id="2" name="Title 1"/>
+          <p:cNvSpPr>
+            <a:spLocks noGrp="1"/>
+          </p:cNvSpPr>
+          <p:nvPr>
+            <p:ph type="title"/>
+          </p:nvPr>
+        </p:nvSpPr>
+        <p:spPr/>
+        <p:txBody>
+          <a:bodyPr/>
+          <a:lstStyle/>
+          <a:p>
+            <a:pPr marL="0" lvl="0" indent="0">
+              <a:buNone/>
+            </a:pPr>
+            <a:r>
+              <a:t>Marker Size</a:t>
+            </a:r>
+          </a:p>
+        </p:txBody>
+      </p:sp>
+      <p:sp>
+        <p:nvSpPr>
+          <p:cNvPr id="3" name="Content Placeholder 2"/>
+          <p:cNvSpPr>
+            <a:spLocks noGrp="1"/>
+          </p:cNvSpPr>
+          <p:nvPr>
+            <p:ph idx="1"/>
+          </p:nvPr>
+        </p:nvSpPr>
+        <p:spPr/>
+        <p:txBody>
+          <a:bodyPr>
+            <a:normAutofit fontScale="92500" lnSpcReduction="10000"/>
+          </a:bodyPr>
+          <a:lstStyle/>
+          <a:p>
+            <a:pPr marL="0" lvl="0" indent="0">
+              <a:buNone/>
+            </a:pPr>
+            <a:r>
+              <a:rPr b="1" dirty="0"/>
+              <a:t>Marker size</a:t>
+            </a:r>
+            <a:r>
+              <a:rPr dirty="0"/>
+              <a:t> is moderately effective aesthetic</a:t>
+            </a:r>
+          </a:p>
+          <a:p>
+            <a:pPr lvl="0"/>
+            <a:r>
+              <a:rPr dirty="0"/>
+              <a:t>Used properly, marker size can highlight important relationships in complex data sets</a:t>
+            </a:r>
+          </a:p>
+          <a:p>
+            <a:pPr lvl="1"/>
+            <a:r>
+              <a:rPr dirty="0"/>
+              <a:t>Numeric values</a:t>
+            </a:r>
+          </a:p>
+          <a:p>
+            <a:pPr lvl="1"/>
+            <a:r>
+              <a:rPr dirty="0"/>
+              <a:t>Ordinal variables</a:t>
+            </a:r>
+          </a:p>
+          <a:p>
+            <a:pPr lvl="0"/>
+            <a:r>
+              <a:rPr dirty="0"/>
+              <a:t>Viewers can generally perceive relative differences, but not actual values</a:t>
+            </a:r>
+          </a:p>
+          <a:p>
+            <a:pPr lvl="0"/>
+            <a:r>
+              <a:rPr dirty="0"/>
+              <a:t>Small size differences are not perceptible</a:t>
+            </a:r>
+          </a:p>
+          <a:p>
+            <a:pPr lvl="1"/>
+            <a:r>
+              <a:rPr dirty="0"/>
+              <a:t>Only relative relationship in numeric variables</a:t>
+            </a:r>
+          </a:p>
+          <a:p>
+            <a:pPr lvl="1"/>
+            <a:r>
+              <a:rPr dirty="0"/>
+              <a:t>Limited steps of </a:t>
+            </a:r>
+            <a:r>
+              <a:rPr lang="en-US" dirty="0" err="1"/>
+              <a:t>ordianal</a:t>
+            </a:r>
+            <a:r>
+              <a:rPr dirty="0"/>
+              <a:t> variables</a:t>
+            </a:r>
+          </a:p>
+        </p:txBody>
+      </p:sp>
+    </p:spTree>
+  </p:cSld>
+  <p:clrMapOvr>
+    <a:masterClrMapping/>
+  </p:clrMapOvr>
+</p:sld>
+</file>
+
+<file path=ppt/slides/slide35.xml><?xml version="1.0" encoding="utf-8"?>
+<p:sld xmlns:a="http://schemas.openxmlformats.org/drawingml/2006/main" xmlns:r="http://schemas.openxmlformats.org/officeDocument/2006/relationships" xmlns:p="http://schemas.openxmlformats.org/presentationml/2006/main">
+  <p:cSld>
+    <p:spTree>
+      <p:nvGrpSpPr>
+        <p:cNvPr id="1" name=""/>
+        <p:cNvGrpSpPr/>
+        <p:nvPr/>
+      </p:nvGrpSpPr>
+      <p:grpSpPr>
+        <a:xfrm>
+          <a:off x="0" y="0"/>
+          <a:ext cx="0" cy="0"/>
+          <a:chOff x="0" y="0"/>
+          <a:chExt cx="0" cy="0"/>
+        </a:xfrm>
+      </p:grpSpPr>
+      <p:sp>
+        <p:nvSpPr>
+          <p:cNvPr id="2" name="Title 1"/>
+          <p:cNvSpPr>
+            <a:spLocks noGrp="1"/>
+          </p:cNvSpPr>
+          <p:nvPr>
+            <p:ph type="title"/>
+          </p:nvPr>
+        </p:nvSpPr>
+        <p:spPr/>
+        <p:txBody>
+          <a:bodyPr>
+            <a:normAutofit fontScale="90000"/>
+          </a:bodyPr>
+          <a:lstStyle/>
+          <a:p>
+            <a:pPr marL="0" lvl="0" indent="0">
+              <a:buNone/>
+            </a:pPr>
+            <a:r>
+              <a:t>Engine Size by Marker Size and Price by Sequential Color Palette</a:t>
+            </a:r>
+          </a:p>
+        </p:txBody>
+      </p:sp>
+      <p:pic>
+        <p:nvPicPr>
+          <p:cNvPr id="5" name="Picture 4">
+            <a:extLst>
+              <a:ext uri="{FF2B5EF4-FFF2-40B4-BE49-F238E27FC236}">
+                <a16:creationId xmlns:a16="http://schemas.microsoft.com/office/drawing/2014/main" id="{1B234609-BBC2-A19D-880C-BADCFEAC28D2}"/>
+              </a:ext>
+            </a:extLst>
+          </p:cNvPr>
+          <p:cNvPicPr>
+            <a:picLocks noChangeAspect="1"/>
+          </p:cNvPicPr>
+          <p:nvPr/>
+        </p:nvPicPr>
+        <p:blipFill>
+          <a:blip r:embed="rId2"/>
+          <a:stretch>
+            <a:fillRect/>
+          </a:stretch>
+        </p:blipFill>
+        <p:spPr>
+          <a:xfrm>
+            <a:off x="4915643" y="1108848"/>
+            <a:ext cx="3933785" cy="4034652"/>
+          </a:xfrm>
+          <a:prstGeom prst="rect">
+            <a:avLst/>
+          </a:prstGeom>
+        </p:spPr>
+      </p:pic>
+      <p:sp>
+        <p:nvSpPr>
+          <p:cNvPr id="3" name="Text Placeholder 3">
+            <a:extLst>
+              <a:ext uri="{FF2B5EF4-FFF2-40B4-BE49-F238E27FC236}">
+                <a16:creationId xmlns:a16="http://schemas.microsoft.com/office/drawing/2014/main" id="{97E3AB7E-43EF-6732-9DAC-40E0B6B49A48}"/>
+              </a:ext>
+            </a:extLst>
+          </p:cNvPr>
+          <p:cNvSpPr txBox="1">
+            <a:spLocks/>
+          </p:cNvSpPr>
+          <p:nvPr/>
+        </p:nvSpPr>
+        <p:spPr>
+          <a:xfrm>
+            <a:off x="457202" y="1358096"/>
+            <a:ext cx="4357866" cy="3236527"/>
+          </a:xfrm>
+          <a:prstGeom prst="rect">
+            <a:avLst/>
+          </a:prstGeom>
+        </p:spPr>
+        <p:txBody>
+          <a:bodyPr>
+            <a:normAutofit lnSpcReduction="10000"/>
+          </a:bodyPr>
+          <a:lstStyle>
+            <a:lvl1pPr marL="342900" indent="-342900" algn="l" defTabSz="342900" rtl="0" eaLnBrk="1" latinLnBrk="0" hangingPunct="1">
+              <a:spcBef>
+                <a:spcPct val="20000"/>
+              </a:spcBef>
+              <a:buFont typeface="Arial"/>
+              <a:buChar char="•"/>
+              <a:defRPr sz="2400" kern="1200">
+                <a:solidFill>
+                  <a:schemeClr val="tx1"/>
+                </a:solidFill>
+                <a:latin typeface="+mn-lt"/>
+                <a:ea typeface="+mn-ea"/>
+                <a:cs typeface="+mn-cs"/>
+              </a:defRPr>
+            </a:lvl1pPr>
+            <a:lvl2pPr marL="685800" indent="-342900" algn="l" defTabSz="342900" rtl="0" eaLnBrk="1" latinLnBrk="0" hangingPunct="1">
+              <a:spcBef>
+                <a:spcPct val="20000"/>
+              </a:spcBef>
+              <a:buFont typeface="Arial"/>
+              <a:buChar char="–"/>
+              <a:defRPr sz="2100" kern="1200">
+                <a:solidFill>
+                  <a:schemeClr val="tx1"/>
+                </a:solidFill>
+                <a:latin typeface="+mn-lt"/>
+                <a:ea typeface="+mn-ea"/>
+                <a:cs typeface="+mn-cs"/>
+              </a:defRPr>
+            </a:lvl2pPr>
+            <a:lvl3pPr marL="1028700" indent="-342900" algn="l" defTabSz="342900" rtl="0" eaLnBrk="1" latinLnBrk="0" hangingPunct="1">
+              <a:spcBef>
+                <a:spcPct val="20000"/>
+              </a:spcBef>
+              <a:buFont typeface="Arial"/>
+              <a:buChar char="•"/>
+              <a:defRPr sz="1800" kern="1200">
+                <a:solidFill>
+                  <a:schemeClr val="tx1"/>
+                </a:solidFill>
+                <a:latin typeface="+mn-lt"/>
+                <a:ea typeface="+mn-ea"/>
+                <a:cs typeface="+mn-cs"/>
+              </a:defRPr>
+            </a:lvl3pPr>
+            <a:lvl4pPr marL="1371600" indent="-342900" algn="l" defTabSz="342900" rtl="0" eaLnBrk="1" latinLnBrk="0" hangingPunct="1">
+              <a:spcBef>
+                <a:spcPct val="20000"/>
+              </a:spcBef>
+              <a:buFont typeface="Arial"/>
+              <a:buChar char="–"/>
+              <a:defRPr sz="1500" kern="1200">
+                <a:solidFill>
+                  <a:schemeClr val="tx1"/>
+                </a:solidFill>
+                <a:latin typeface="+mn-lt"/>
+                <a:ea typeface="+mn-ea"/>
+                <a:cs typeface="+mn-cs"/>
+              </a:defRPr>
+            </a:lvl4pPr>
+            <a:lvl5pPr marL="1714500" indent="-342900" algn="l" defTabSz="342900" rtl="0" eaLnBrk="1" latinLnBrk="0" hangingPunct="1">
+              <a:spcBef>
+                <a:spcPct val="20000"/>
+              </a:spcBef>
+              <a:buFont typeface="Arial"/>
+              <a:buChar char="»"/>
+              <a:defRPr sz="1500" kern="1200">
+                <a:solidFill>
+                  <a:schemeClr val="tx1"/>
+                </a:solidFill>
+                <a:latin typeface="+mn-lt"/>
+                <a:ea typeface="+mn-ea"/>
+                <a:cs typeface="+mn-cs"/>
+              </a:defRPr>
+            </a:lvl5pPr>
+            <a:lvl6pPr marL="2057400" indent="-342900" algn="l" defTabSz="342900" rtl="0" eaLnBrk="1" latinLnBrk="0" hangingPunct="1">
+              <a:spcBef>
+                <a:spcPct val="20000"/>
+              </a:spcBef>
+              <a:buFont typeface="Arial"/>
+              <a:buChar char="•"/>
+              <a:defRPr sz="1500" kern="1200">
+                <a:solidFill>
+                  <a:schemeClr val="tx1"/>
+                </a:solidFill>
+                <a:latin typeface="+mn-lt"/>
+                <a:ea typeface="+mn-ea"/>
+                <a:cs typeface="+mn-cs"/>
+              </a:defRPr>
+            </a:lvl6pPr>
+            <a:lvl7pPr marL="2400300" indent="-342900" algn="l" defTabSz="342900" rtl="0" eaLnBrk="1" latinLnBrk="0" hangingPunct="1">
+              <a:spcBef>
+                <a:spcPct val="20000"/>
+              </a:spcBef>
+              <a:buFont typeface="Arial"/>
+              <a:buChar char="•"/>
+              <a:defRPr sz="1500" kern="1200">
+                <a:solidFill>
+                  <a:schemeClr val="tx1"/>
+                </a:solidFill>
+                <a:latin typeface="+mn-lt"/>
+                <a:ea typeface="+mn-ea"/>
+                <a:cs typeface="+mn-cs"/>
+              </a:defRPr>
+            </a:lvl7pPr>
+            <a:lvl8pPr marL="2743200" indent="-342900" algn="l" defTabSz="342900" rtl="0" eaLnBrk="1" latinLnBrk="0" hangingPunct="1">
+              <a:spcBef>
+                <a:spcPct val="20000"/>
+              </a:spcBef>
+              <a:buFont typeface="Arial"/>
+              <a:buChar char="•"/>
+              <a:defRPr sz="1500" kern="1200">
+                <a:solidFill>
+                  <a:schemeClr val="tx1"/>
+                </a:solidFill>
+                <a:latin typeface="+mn-lt"/>
+                <a:ea typeface="+mn-ea"/>
+                <a:cs typeface="+mn-cs"/>
+              </a:defRPr>
+            </a:lvl8pPr>
+            <a:lvl9pPr marL="3086100" indent="-342900" algn="l" defTabSz="342900" rtl="0" eaLnBrk="1" latinLnBrk="0" hangingPunct="1">
+              <a:spcBef>
+                <a:spcPct val="20000"/>
+              </a:spcBef>
+              <a:buFont typeface="Arial"/>
+              <a:buChar char="•"/>
+              <a:defRPr sz="1500" kern="1200">
+                <a:solidFill>
+                  <a:schemeClr val="tx1"/>
+                </a:solidFill>
+                <a:latin typeface="+mn-lt"/>
+                <a:ea typeface="+mn-ea"/>
+                <a:cs typeface="+mn-cs"/>
+              </a:defRPr>
+            </a:lvl9pPr>
+          </a:lstStyle>
+          <a:p>
+            <a:pPr marL="0" indent="0">
+              <a:buNone/>
+            </a:pPr>
+            <a:r>
+              <a:rPr lang="en-US" dirty="0"/>
+              <a:t>Sequential color pallet for price, marker size for engine size</a:t>
+            </a:r>
+          </a:p>
+          <a:p>
+            <a:pPr>
+              <a:buFont typeface="Arial" panose="020B0604020202020204" pitchFamily="34" charset="0"/>
+              <a:buChar char="•"/>
+            </a:pPr>
+            <a:r>
+              <a:rPr lang="en-US" dirty="0"/>
+              <a:t>Color pallet same as previous example</a:t>
+            </a:r>
+          </a:p>
+          <a:p>
+            <a:pPr>
+              <a:buFont typeface="Arial" panose="020B0604020202020204" pitchFamily="34" charset="0"/>
+              <a:buChar char="•"/>
+            </a:pPr>
+            <a:r>
+              <a:rPr lang="en-US" dirty="0"/>
+              <a:t>Engine size by relative marker size  </a:t>
+            </a:r>
+          </a:p>
+          <a:p>
+            <a:pPr>
+              <a:buFont typeface="Arial" panose="020B0604020202020204" pitchFamily="34" charset="0"/>
+              <a:buChar char="•"/>
+            </a:pPr>
+            <a:r>
+              <a:rPr lang="en-US" dirty="0"/>
+              <a:t>Can you see the patterns in this 4-dimensional projection?  </a:t>
+            </a:r>
+          </a:p>
+        </p:txBody>
+      </p:sp>
+    </p:spTree>
+  </p:cSld>
+  <p:clrMapOvr>
+    <a:masterClrMapping/>
+  </p:clrMapOvr>
+</p:sld>
+</file>
+
+<file path=ppt/slides/slide36.xml><?xml version="1.0" encoding="utf-8"?>
+<p:sld xmlns:a="http://schemas.openxmlformats.org/drawingml/2006/main" xmlns:r="http://schemas.openxmlformats.org/officeDocument/2006/relationships" xmlns:p="http://schemas.openxmlformats.org/presentationml/2006/main">
+  <p:cSld>
+    <p:spTree>
+      <p:nvGrpSpPr>
+        <p:cNvPr id="1" name=""/>
+        <p:cNvGrpSpPr/>
+        <p:nvPr/>
+      </p:nvGrpSpPr>
+      <p:grpSpPr>
+        <a:xfrm>
+          <a:off x="0" y="0"/>
+          <a:ext cx="0" cy="0"/>
+          <a:chOff x="0" y="0"/>
+          <a:chExt cx="0" cy="0"/>
+        </a:xfrm>
+      </p:grpSpPr>
+      <p:sp>
+        <p:nvSpPr>
+          <p:cNvPr id="2" name="Title 1"/>
+          <p:cNvSpPr>
+            <a:spLocks noGrp="1"/>
+          </p:cNvSpPr>
+          <p:nvPr>
+            <p:ph type="title"/>
+          </p:nvPr>
+        </p:nvSpPr>
+        <p:spPr/>
+        <p:txBody>
+          <a:bodyPr/>
+          <a:lstStyle/>
+          <a:p>
+            <a:pPr marL="0" lvl="0" indent="0">
+              <a:buNone/>
+            </a:pPr>
+            <a:r>
+              <a:t>Line Plots and Line Type</a:t>
+            </a:r>
+          </a:p>
+        </p:txBody>
+      </p:sp>
+      <p:sp>
+        <p:nvSpPr>
+          <p:cNvPr id="3" name="Content Placeholder 2"/>
+          <p:cNvSpPr>
+            <a:spLocks noGrp="1"/>
+          </p:cNvSpPr>
+          <p:nvPr>
+            <p:ph idx="1"/>
+          </p:nvPr>
+        </p:nvSpPr>
+        <p:spPr/>
+        <p:txBody>
+          <a:bodyPr/>
+          <a:lstStyle/>
+          <a:p>
+            <a:pPr marL="0" lvl="0" indent="0">
+              <a:buNone/>
+            </a:pPr>
+            <a:r>
+              <a:rPr b="1" dirty="0"/>
+              <a:t>Line plots</a:t>
+            </a:r>
+            <a:r>
+              <a:rPr dirty="0"/>
+              <a:t> connect discrete, ordered, data points by a line</a:t>
+            </a:r>
+          </a:p>
+          <a:p>
+            <a:pPr lvl="0"/>
+            <a:r>
+              <a:rPr dirty="0"/>
+              <a:t>Can use different colors and line pattern types to differentiate categories</a:t>
+            </a:r>
+          </a:p>
+          <a:p>
+            <a:pPr lvl="0"/>
+            <a:r>
+              <a:rPr dirty="0"/>
+              <a:t>Only useful for a limited number of lines on one graph</a:t>
+            </a:r>
+          </a:p>
+          <a:p>
+            <a:pPr lvl="0"/>
+            <a:r>
+              <a:rPr dirty="0"/>
+              <a:t>Too many similar colors and line patterns on one plot leads to viewer confusion and poor perception</a:t>
+            </a:r>
+          </a:p>
+        </p:txBody>
+      </p:sp>
+    </p:spTree>
+  </p:cSld>
+  <p:clrMapOvr>
+    <a:masterClrMapping/>
+  </p:clrMapOvr>
+</p:sld>
+</file>
+
+<file path=ppt/slides/slide37.xml><?xml version="1.0" encoding="utf-8"?>
+<p:sld xmlns:a="http://schemas.openxmlformats.org/drawingml/2006/main" xmlns:r="http://schemas.openxmlformats.org/officeDocument/2006/relationships" xmlns:p="http://schemas.openxmlformats.org/presentationml/2006/main">
+  <p:cSld>
+    <p:spTree>
+      <p:nvGrpSpPr>
+        <p:cNvPr id="1" name=""/>
+        <p:cNvGrpSpPr/>
+        <p:nvPr/>
+      </p:nvGrpSpPr>
+      <p:grpSpPr>
+        <a:xfrm>
+          <a:off x="0" y="0"/>
+          <a:ext cx="0" cy="0"/>
+          <a:chOff x="0" y="0"/>
+          <a:chExt cx="0" cy="0"/>
+        </a:xfrm>
+      </p:grpSpPr>
+      <p:sp>
+        <p:nvSpPr>
+          <p:cNvPr id="2" name="Title 1"/>
+          <p:cNvSpPr>
+            <a:spLocks noGrp="1"/>
+          </p:cNvSpPr>
+          <p:nvPr>
+            <p:ph type="title"/>
+          </p:nvPr>
+        </p:nvSpPr>
+        <p:spPr/>
+        <p:txBody>
+          <a:bodyPr/>
+          <a:lstStyle/>
+          <a:p>
+            <a:pPr marL="0" lvl="0" indent="0">
+              <a:buNone/>
+            </a:pPr>
+            <a:r>
+              <a:t>Limits of Line Type</a:t>
+            </a:r>
+          </a:p>
+        </p:txBody>
+      </p:sp>
+      <p:pic>
+        <p:nvPicPr>
+          <p:cNvPr id="5" name="Picture 4">
+            <a:extLst>
+              <a:ext uri="{FF2B5EF4-FFF2-40B4-BE49-F238E27FC236}">
+                <a16:creationId xmlns:a16="http://schemas.microsoft.com/office/drawing/2014/main" id="{6CA63A8C-76CE-07D1-C49D-F35A34FB73B8}"/>
+              </a:ext>
+            </a:extLst>
+          </p:cNvPr>
+          <p:cNvPicPr>
+            <a:picLocks noChangeAspect="1"/>
+          </p:cNvPicPr>
+          <p:nvPr/>
+        </p:nvPicPr>
+        <p:blipFill>
+          <a:blip r:embed="rId2"/>
+          <a:stretch>
+            <a:fillRect/>
+          </a:stretch>
+        </p:blipFill>
+        <p:spPr>
+          <a:xfrm>
+            <a:off x="3535277" y="1266181"/>
+            <a:ext cx="5608723" cy="3240230"/>
+          </a:xfrm>
+          <a:prstGeom prst="rect">
+            <a:avLst/>
+          </a:prstGeom>
+        </p:spPr>
+      </p:pic>
+      <p:sp>
+        <p:nvSpPr>
+          <p:cNvPr id="6" name="Text Placeholder 3">
+            <a:extLst>
+              <a:ext uri="{FF2B5EF4-FFF2-40B4-BE49-F238E27FC236}">
+                <a16:creationId xmlns:a16="http://schemas.microsoft.com/office/drawing/2014/main" id="{F92608D8-9052-3429-1009-E119939D1062}"/>
+              </a:ext>
+            </a:extLst>
+          </p:cNvPr>
+          <p:cNvSpPr txBox="1">
+            <a:spLocks/>
+          </p:cNvSpPr>
+          <p:nvPr/>
+        </p:nvSpPr>
+        <p:spPr>
+          <a:xfrm>
+            <a:off x="457202" y="1415970"/>
+            <a:ext cx="3078075" cy="3521550"/>
           </a:xfrm>
           <a:prstGeom prst="rect">
             <a:avLst/>
@@ -7742,7 +8863,7 @@
             </a:pPr>
             <a:r>
               <a:rPr lang="en-US" dirty="0"/>
-              <a:t>Large color pallet reduces perception</a:t>
+              <a:t>Line type indicates type of transformation </a:t>
             </a:r>
           </a:p>
           <a:p>
@@ -7752,7 +8873,7 @@
             </a:pPr>
             <a:r>
               <a:rPr lang="en-US" dirty="0"/>
-              <a:t>This plot includes too many similar colors</a:t>
+              <a:t>It is easy to perceive the 4 line types</a:t>
             </a:r>
           </a:p>
           <a:p>
@@ -7762,47 +8883,16 @@
             </a:pPr>
             <a:r>
               <a:rPr lang="en-US" dirty="0"/>
-              <a:t>Virtually impossible to determine where autos from each make fall on the plot </a:t>
-            </a:r>
-          </a:p>
-        </p:txBody>
-      </p:sp>
-      <p:pic>
-        <p:nvPicPr>
-          <p:cNvPr id="6" name="Picture 5">
-            <a:extLst>
-              <a:ext uri="{FF2B5EF4-FFF2-40B4-BE49-F238E27FC236}">
-                <a16:creationId xmlns:a16="http://schemas.microsoft.com/office/drawing/2014/main" id="{06B7D722-712E-6BDF-09E4-1BA64EF0454B}"/>
-              </a:ext>
-            </a:extLst>
-          </p:cNvPr>
-          <p:cNvPicPr>
-            <a:picLocks noChangeAspect="1"/>
-          </p:cNvPicPr>
-          <p:nvPr/>
-        </p:nvPicPr>
-        <p:blipFill>
-          <a:blip r:embed="rId2"/>
-          <a:stretch>
-            <a:fillRect/>
-          </a:stretch>
-        </p:blipFill>
-        <p:spPr>
-          <a:xfrm>
-            <a:off x="4265108" y="860385"/>
-            <a:ext cx="4878892" cy="4109012"/>
-          </a:xfrm>
-          <a:prstGeom prst="rect">
-            <a:avLst/>
-          </a:prstGeom>
-        </p:spPr>
-      </p:pic>
+              <a:t>Only a </a:t>
+            </a:r>
+            <a:r>
+              <a:rPr lang="en-US" b="1" dirty="0"/>
+              <a:t>limited number of line types can be perceived!</a:t>
+            </a:r>
+          </a:p>
+        </p:txBody>
+      </p:sp>
     </p:spTree>
-    <p:extLst>
-      <p:ext uri="{BB962C8B-B14F-4D97-AF65-F5344CB8AC3E}">
-        <p14:creationId xmlns:p14="http://schemas.microsoft.com/office/powerpoint/2010/main" val="929278502"/>
-      </p:ext>
-    </p:extLst>
   </p:cSld>
   <p:clrMapOvr>
     <a:masterClrMapping/>
@@ -7810,7 +8900,7 @@
 </p:sld>
 </file>
 
-<file path=ppt/slides/slide33.xml><?xml version="1.0" encoding="utf-8"?>
+<file path=ppt/slides/slide38.xml><?xml version="1.0" encoding="utf-8"?>
 <p:sld xmlns:a="http://schemas.openxmlformats.org/drawingml/2006/main" xmlns:r="http://schemas.openxmlformats.org/officeDocument/2006/relationships" xmlns:p="http://schemas.openxmlformats.org/presentationml/2006/main">
   <p:cSld>
     <p:spTree>
@@ -7846,10 +8936,118 @@
               <a:buNone/>
             </a:pPr>
             <a:r>
-              <a:rPr lang="en-US" dirty="0"/>
-              <a:t>Limits of Color</a:t>
-            </a:r>
-            <a:endParaRPr dirty="0"/>
+              <a:t>Marker Shape</a:t>
+            </a:r>
+          </a:p>
+        </p:txBody>
+      </p:sp>
+      <p:sp>
+        <p:nvSpPr>
+          <p:cNvPr id="3" name="Content Placeholder 2"/>
+          <p:cNvSpPr>
+            <a:spLocks noGrp="1"/>
+          </p:cNvSpPr>
+          <p:nvPr>
+            <p:ph idx="1"/>
+          </p:nvPr>
+        </p:nvSpPr>
+        <p:spPr/>
+        <p:txBody>
+          <a:bodyPr/>
+          <a:lstStyle/>
+          <a:p>
+            <a:pPr marL="0" lvl="0" indent="0">
+              <a:buNone/>
+            </a:pPr>
+            <a:r>
+              <a:rPr b="1" dirty="0"/>
+              <a:t>Marker shape</a:t>
+            </a:r>
+            <a:r>
+              <a:rPr dirty="0"/>
+              <a:t> is useful for displaying categorical relationships</a:t>
+            </a:r>
+          </a:p>
+          <a:p>
+            <a:pPr lvl="0"/>
+            <a:r>
+              <a:rPr dirty="0"/>
+              <a:t>This aesthetic is only useful when two conditions are met:</a:t>
+            </a:r>
+          </a:p>
+          <a:p>
+            <a:pPr lvl="1">
+              <a:buAutoNum type="arabicPeriod"/>
+            </a:pPr>
+            <a:r>
+              <a:rPr dirty="0"/>
+              <a:t>The number of categories is small</a:t>
+            </a:r>
+          </a:p>
+          <a:p>
+            <a:pPr lvl="1">
+              <a:buAutoNum type="arabicPeriod"/>
+            </a:pPr>
+            <a:r>
+              <a:rPr dirty="0"/>
+              <a:t>Distinctive shape are chosen for the markers</a:t>
+            </a:r>
+          </a:p>
+          <a:p>
+            <a:pPr lvl="0"/>
+            <a:r>
+              <a:rPr dirty="0"/>
+              <a:t>Human perception limits the number of shapes humans can perceive well</a:t>
+            </a:r>
+          </a:p>
+        </p:txBody>
+      </p:sp>
+    </p:spTree>
+  </p:cSld>
+  <p:clrMapOvr>
+    <a:masterClrMapping/>
+  </p:clrMapOvr>
+</p:sld>
+</file>
+
+<file path=ppt/slides/slide39.xml><?xml version="1.0" encoding="utf-8"?>
+<p:sld xmlns:a="http://schemas.openxmlformats.org/drawingml/2006/main" xmlns:r="http://schemas.openxmlformats.org/officeDocument/2006/relationships" xmlns:p="http://schemas.openxmlformats.org/presentationml/2006/main">
+  <p:cSld>
+    <p:spTree>
+      <p:nvGrpSpPr>
+        <p:cNvPr id="1" name=""/>
+        <p:cNvGrpSpPr/>
+        <p:nvPr/>
+      </p:nvGrpSpPr>
+      <p:grpSpPr>
+        <a:xfrm>
+          <a:off x="0" y="0"/>
+          <a:ext cx="0" cy="0"/>
+          <a:chOff x="0" y="0"/>
+          <a:chExt cx="0" cy="0"/>
+        </a:xfrm>
+      </p:grpSpPr>
+      <p:sp>
+        <p:nvSpPr>
+          <p:cNvPr id="2" name="Title 1"/>
+          <p:cNvSpPr>
+            <a:spLocks noGrp="1"/>
+          </p:cNvSpPr>
+          <p:nvPr>
+            <p:ph type="title"/>
+          </p:nvPr>
+        </p:nvSpPr>
+        <p:spPr/>
+        <p:txBody>
+          <a:bodyPr/>
+          <a:lstStyle/>
+          <a:p>
+            <a:pPr marL="0" lvl="0" indent="0">
+              <a:buNone/>
+            </a:pPr>
+            <a:r>
+              <a:t>Aspiration by Marker Shape</a:t>
+            </a:r>
           </a:p>
         </p:txBody>
       </p:sp>
@@ -7858,7 +9056,7 @@
           <p:cNvPr id="3" name="Text Placeholder 3">
             <a:extLst>
               <a:ext uri="{FF2B5EF4-FFF2-40B4-BE49-F238E27FC236}">
-                <a16:creationId xmlns:a16="http://schemas.microsoft.com/office/drawing/2014/main" id="{BBC4F043-E962-4014-CE75-99D8E08E0C5B}"/>
+                <a16:creationId xmlns:a16="http://schemas.microsoft.com/office/drawing/2014/main" id="{0F154E65-A52E-2F68-7EBF-15BA314E33B6}"/>
               </a:ext>
             </a:extLst>
           </p:cNvPr>
@@ -7869,8 +9067,8 @@
         </p:nvSpPr>
         <p:spPr>
           <a:xfrm>
-            <a:off x="387754" y="910542"/>
-            <a:ext cx="8513178" cy="1207625"/>
+            <a:off x="457202" y="1358096"/>
+            <a:ext cx="4462039" cy="3236527"/>
           </a:xfrm>
           <a:prstGeom prst="rect">
             <a:avLst/>
@@ -8023,1211 +9221,6 @@
             </a:pPr>
             <a:r>
               <a:rPr lang="en-US" dirty="0"/>
-              <a:t>Ordered box plot is an alternative to color and shape for variables with too many categories   </a:t>
-            </a:r>
-          </a:p>
-          <a:p>
-            <a:r>
-              <a:rPr lang="en-US" dirty="0"/>
-              <a:t>Ordering improves perception, similar to ordered bar chart</a:t>
-            </a:r>
-          </a:p>
-        </p:txBody>
-      </p:sp>
-      <p:pic>
-        <p:nvPicPr>
-          <p:cNvPr id="5" name="Picture 4">
-            <a:extLst>
-              <a:ext uri="{FF2B5EF4-FFF2-40B4-BE49-F238E27FC236}">
-                <a16:creationId xmlns:a16="http://schemas.microsoft.com/office/drawing/2014/main" id="{470F5102-101E-3820-1B91-98B8A85B96F4}"/>
-              </a:ext>
-            </a:extLst>
-          </p:cNvPr>
-          <p:cNvPicPr>
-            <a:picLocks noChangeAspect="1"/>
-          </p:cNvPicPr>
-          <p:nvPr/>
-        </p:nvPicPr>
-        <p:blipFill>
-          <a:blip r:embed="rId2"/>
-          <a:stretch>
-            <a:fillRect/>
-          </a:stretch>
-        </p:blipFill>
-        <p:spPr>
-          <a:xfrm>
-            <a:off x="4409954" y="1964889"/>
-            <a:ext cx="4109655" cy="3142486"/>
-          </a:xfrm>
-          <a:prstGeom prst="rect">
-            <a:avLst/>
-          </a:prstGeom>
-        </p:spPr>
-      </p:pic>
-      <p:pic>
-        <p:nvPicPr>
-          <p:cNvPr id="8" name="Picture 7">
-            <a:extLst>
-              <a:ext uri="{FF2B5EF4-FFF2-40B4-BE49-F238E27FC236}">
-                <a16:creationId xmlns:a16="http://schemas.microsoft.com/office/drawing/2014/main" id="{493BB364-7770-0D6E-2F56-3A68DD328653}"/>
-              </a:ext>
-            </a:extLst>
-          </p:cNvPr>
-          <p:cNvPicPr>
-            <a:picLocks noChangeAspect="1"/>
-          </p:cNvPicPr>
-          <p:nvPr/>
-        </p:nvPicPr>
-        <p:blipFill>
-          <a:blip r:embed="rId3"/>
-          <a:stretch>
-            <a:fillRect/>
-          </a:stretch>
-        </p:blipFill>
-        <p:spPr>
-          <a:xfrm>
-            <a:off x="310589" y="2000389"/>
-            <a:ext cx="4049208" cy="3079319"/>
-          </a:xfrm>
-          <a:prstGeom prst="rect">
-            <a:avLst/>
-          </a:prstGeom>
-        </p:spPr>
-      </p:pic>
-    </p:spTree>
-    <p:extLst>
-      <p:ext uri="{BB962C8B-B14F-4D97-AF65-F5344CB8AC3E}">
-        <p14:creationId xmlns:p14="http://schemas.microsoft.com/office/powerpoint/2010/main" val="3274263035"/>
-      </p:ext>
-    </p:extLst>
-  </p:cSld>
-  <p:clrMapOvr>
-    <a:masterClrMapping/>
-  </p:clrMapOvr>
-</p:sld>
-</file>
-
-<file path=ppt/slides/slide34.xml><?xml version="1.0" encoding="utf-8"?>
-<p:sld xmlns:a="http://schemas.openxmlformats.org/drawingml/2006/main" xmlns:r="http://schemas.openxmlformats.org/officeDocument/2006/relationships" xmlns:p="http://schemas.openxmlformats.org/presentationml/2006/main">
-  <p:cSld>
-    <p:spTree>
-      <p:nvGrpSpPr>
-        <p:cNvPr id="1" name=""/>
-        <p:cNvGrpSpPr/>
-        <p:nvPr/>
-      </p:nvGrpSpPr>
-      <p:grpSpPr>
-        <a:xfrm>
-          <a:off x="0" y="0"/>
-          <a:ext cx="0" cy="0"/>
-          <a:chOff x="0" y="0"/>
-          <a:chExt cx="0" cy="0"/>
-        </a:xfrm>
-      </p:grpSpPr>
-      <p:sp>
-        <p:nvSpPr>
-          <p:cNvPr id="2" name="Title 1"/>
-          <p:cNvSpPr>
-            <a:spLocks noGrp="1"/>
-          </p:cNvSpPr>
-          <p:nvPr>
-            <p:ph type="title"/>
-          </p:nvPr>
-        </p:nvSpPr>
-        <p:spPr/>
-        <p:txBody>
-          <a:bodyPr/>
-          <a:lstStyle/>
-          <a:p>
-            <a:pPr marL="0" lvl="0" indent="0">
-              <a:buNone/>
-            </a:pPr>
-            <a:r>
-              <a:t>Marker Size</a:t>
-            </a:r>
-          </a:p>
-        </p:txBody>
-      </p:sp>
-      <p:sp>
-        <p:nvSpPr>
-          <p:cNvPr id="3" name="Content Placeholder 2"/>
-          <p:cNvSpPr>
-            <a:spLocks noGrp="1"/>
-          </p:cNvSpPr>
-          <p:nvPr>
-            <p:ph idx="1"/>
-          </p:nvPr>
-        </p:nvSpPr>
-        <p:spPr/>
-        <p:txBody>
-          <a:bodyPr>
-            <a:normAutofit fontScale="92500" lnSpcReduction="10000"/>
-          </a:bodyPr>
-          <a:lstStyle/>
-          <a:p>
-            <a:pPr marL="0" lvl="0" indent="0">
-              <a:buNone/>
-            </a:pPr>
-            <a:r>
-              <a:rPr b="1" dirty="0"/>
-              <a:t>Marker size</a:t>
-            </a:r>
-            <a:r>
-              <a:rPr dirty="0"/>
-              <a:t> is moderately effective aesthetic</a:t>
-            </a:r>
-          </a:p>
-          <a:p>
-            <a:pPr lvl="0"/>
-            <a:r>
-              <a:rPr dirty="0"/>
-              <a:t>Used properly, marker size can highlight important relationships in complex data sets</a:t>
-            </a:r>
-          </a:p>
-          <a:p>
-            <a:pPr lvl="1"/>
-            <a:r>
-              <a:rPr dirty="0"/>
-              <a:t>Numeric values</a:t>
-            </a:r>
-          </a:p>
-          <a:p>
-            <a:pPr lvl="1"/>
-            <a:r>
-              <a:rPr dirty="0"/>
-              <a:t>Ordinal variables</a:t>
-            </a:r>
-          </a:p>
-          <a:p>
-            <a:pPr lvl="0"/>
-            <a:r>
-              <a:rPr dirty="0"/>
-              <a:t>Viewers can generally perceive relative differences, but not actual values</a:t>
-            </a:r>
-          </a:p>
-          <a:p>
-            <a:pPr lvl="0"/>
-            <a:r>
-              <a:rPr dirty="0"/>
-              <a:t>Small size differences are not perceptible</a:t>
-            </a:r>
-          </a:p>
-          <a:p>
-            <a:pPr lvl="1"/>
-            <a:r>
-              <a:rPr dirty="0"/>
-              <a:t>Only relative relationship in numeric variables</a:t>
-            </a:r>
-          </a:p>
-          <a:p>
-            <a:pPr lvl="1"/>
-            <a:r>
-              <a:rPr dirty="0"/>
-              <a:t>Limited steps of </a:t>
-            </a:r>
-            <a:r>
-              <a:rPr lang="en-US" dirty="0" err="1"/>
-              <a:t>ordianal</a:t>
-            </a:r>
-            <a:r>
-              <a:rPr dirty="0"/>
-              <a:t> variables</a:t>
-            </a:r>
-          </a:p>
-        </p:txBody>
-      </p:sp>
-    </p:spTree>
-  </p:cSld>
-  <p:clrMapOvr>
-    <a:masterClrMapping/>
-  </p:clrMapOvr>
-</p:sld>
-</file>
-
-<file path=ppt/slides/slide35.xml><?xml version="1.0" encoding="utf-8"?>
-<p:sld xmlns:a="http://schemas.openxmlformats.org/drawingml/2006/main" xmlns:r="http://schemas.openxmlformats.org/officeDocument/2006/relationships" xmlns:p="http://schemas.openxmlformats.org/presentationml/2006/main">
-  <p:cSld>
-    <p:spTree>
-      <p:nvGrpSpPr>
-        <p:cNvPr id="1" name=""/>
-        <p:cNvGrpSpPr/>
-        <p:nvPr/>
-      </p:nvGrpSpPr>
-      <p:grpSpPr>
-        <a:xfrm>
-          <a:off x="0" y="0"/>
-          <a:ext cx="0" cy="0"/>
-          <a:chOff x="0" y="0"/>
-          <a:chExt cx="0" cy="0"/>
-        </a:xfrm>
-      </p:grpSpPr>
-      <p:sp>
-        <p:nvSpPr>
-          <p:cNvPr id="2" name="Title 1"/>
-          <p:cNvSpPr>
-            <a:spLocks noGrp="1"/>
-          </p:cNvSpPr>
-          <p:nvPr>
-            <p:ph type="title"/>
-          </p:nvPr>
-        </p:nvSpPr>
-        <p:spPr/>
-        <p:txBody>
-          <a:bodyPr>
-            <a:normAutofit fontScale="90000"/>
-          </a:bodyPr>
-          <a:lstStyle/>
-          <a:p>
-            <a:pPr marL="0" lvl="0" indent="0">
-              <a:buNone/>
-            </a:pPr>
-            <a:r>
-              <a:t>Engine Size by Marker Size and Price by Sequential Color Palette</a:t>
-            </a:r>
-          </a:p>
-        </p:txBody>
-      </p:sp>
-      <p:pic>
-        <p:nvPicPr>
-          <p:cNvPr id="5" name="Picture 4">
-            <a:extLst>
-              <a:ext uri="{FF2B5EF4-FFF2-40B4-BE49-F238E27FC236}">
-                <a16:creationId xmlns:a16="http://schemas.microsoft.com/office/drawing/2014/main" id="{1B234609-BBC2-A19D-880C-BADCFEAC28D2}"/>
-              </a:ext>
-            </a:extLst>
-          </p:cNvPr>
-          <p:cNvPicPr>
-            <a:picLocks noChangeAspect="1"/>
-          </p:cNvPicPr>
-          <p:nvPr/>
-        </p:nvPicPr>
-        <p:blipFill>
-          <a:blip r:embed="rId2"/>
-          <a:stretch>
-            <a:fillRect/>
-          </a:stretch>
-        </p:blipFill>
-        <p:spPr>
-          <a:xfrm>
-            <a:off x="4915643" y="1108848"/>
-            <a:ext cx="3933785" cy="4034652"/>
-          </a:xfrm>
-          <a:prstGeom prst="rect">
-            <a:avLst/>
-          </a:prstGeom>
-        </p:spPr>
-      </p:pic>
-      <p:sp>
-        <p:nvSpPr>
-          <p:cNvPr id="3" name="Text Placeholder 3">
-            <a:extLst>
-              <a:ext uri="{FF2B5EF4-FFF2-40B4-BE49-F238E27FC236}">
-                <a16:creationId xmlns:a16="http://schemas.microsoft.com/office/drawing/2014/main" id="{97E3AB7E-43EF-6732-9DAC-40E0B6B49A48}"/>
-              </a:ext>
-            </a:extLst>
-          </p:cNvPr>
-          <p:cNvSpPr txBox="1">
-            <a:spLocks/>
-          </p:cNvSpPr>
-          <p:nvPr/>
-        </p:nvSpPr>
-        <p:spPr>
-          <a:xfrm>
-            <a:off x="457202" y="1358096"/>
-            <a:ext cx="4357866" cy="3236527"/>
-          </a:xfrm>
-          <a:prstGeom prst="rect">
-            <a:avLst/>
-          </a:prstGeom>
-        </p:spPr>
-        <p:txBody>
-          <a:bodyPr>
-            <a:normAutofit lnSpcReduction="10000"/>
-          </a:bodyPr>
-          <a:lstStyle>
-            <a:lvl1pPr marL="342900" indent="-342900" algn="l" defTabSz="342900" rtl="0" eaLnBrk="1" latinLnBrk="0" hangingPunct="1">
-              <a:spcBef>
-                <a:spcPct val="20000"/>
-              </a:spcBef>
-              <a:buFont typeface="Arial"/>
-              <a:buChar char="•"/>
-              <a:defRPr sz="2400" kern="1200">
-                <a:solidFill>
-                  <a:schemeClr val="tx1"/>
-                </a:solidFill>
-                <a:latin typeface="+mn-lt"/>
-                <a:ea typeface="+mn-ea"/>
-                <a:cs typeface="+mn-cs"/>
-              </a:defRPr>
-            </a:lvl1pPr>
-            <a:lvl2pPr marL="685800" indent="-342900" algn="l" defTabSz="342900" rtl="0" eaLnBrk="1" latinLnBrk="0" hangingPunct="1">
-              <a:spcBef>
-                <a:spcPct val="20000"/>
-              </a:spcBef>
-              <a:buFont typeface="Arial"/>
-              <a:buChar char="–"/>
-              <a:defRPr sz="2100" kern="1200">
-                <a:solidFill>
-                  <a:schemeClr val="tx1"/>
-                </a:solidFill>
-                <a:latin typeface="+mn-lt"/>
-                <a:ea typeface="+mn-ea"/>
-                <a:cs typeface="+mn-cs"/>
-              </a:defRPr>
-            </a:lvl2pPr>
-            <a:lvl3pPr marL="1028700" indent="-342900" algn="l" defTabSz="342900" rtl="0" eaLnBrk="1" latinLnBrk="0" hangingPunct="1">
-              <a:spcBef>
-                <a:spcPct val="20000"/>
-              </a:spcBef>
-              <a:buFont typeface="Arial"/>
-              <a:buChar char="•"/>
-              <a:defRPr sz="1800" kern="1200">
-                <a:solidFill>
-                  <a:schemeClr val="tx1"/>
-                </a:solidFill>
-                <a:latin typeface="+mn-lt"/>
-                <a:ea typeface="+mn-ea"/>
-                <a:cs typeface="+mn-cs"/>
-              </a:defRPr>
-            </a:lvl3pPr>
-            <a:lvl4pPr marL="1371600" indent="-342900" algn="l" defTabSz="342900" rtl="0" eaLnBrk="1" latinLnBrk="0" hangingPunct="1">
-              <a:spcBef>
-                <a:spcPct val="20000"/>
-              </a:spcBef>
-              <a:buFont typeface="Arial"/>
-              <a:buChar char="–"/>
-              <a:defRPr sz="1500" kern="1200">
-                <a:solidFill>
-                  <a:schemeClr val="tx1"/>
-                </a:solidFill>
-                <a:latin typeface="+mn-lt"/>
-                <a:ea typeface="+mn-ea"/>
-                <a:cs typeface="+mn-cs"/>
-              </a:defRPr>
-            </a:lvl4pPr>
-            <a:lvl5pPr marL="1714500" indent="-342900" algn="l" defTabSz="342900" rtl="0" eaLnBrk="1" latinLnBrk="0" hangingPunct="1">
-              <a:spcBef>
-                <a:spcPct val="20000"/>
-              </a:spcBef>
-              <a:buFont typeface="Arial"/>
-              <a:buChar char="»"/>
-              <a:defRPr sz="1500" kern="1200">
-                <a:solidFill>
-                  <a:schemeClr val="tx1"/>
-                </a:solidFill>
-                <a:latin typeface="+mn-lt"/>
-                <a:ea typeface="+mn-ea"/>
-                <a:cs typeface="+mn-cs"/>
-              </a:defRPr>
-            </a:lvl5pPr>
-            <a:lvl6pPr marL="2057400" indent="-342900" algn="l" defTabSz="342900" rtl="0" eaLnBrk="1" latinLnBrk="0" hangingPunct="1">
-              <a:spcBef>
-                <a:spcPct val="20000"/>
-              </a:spcBef>
-              <a:buFont typeface="Arial"/>
-              <a:buChar char="•"/>
-              <a:defRPr sz="1500" kern="1200">
-                <a:solidFill>
-                  <a:schemeClr val="tx1"/>
-                </a:solidFill>
-                <a:latin typeface="+mn-lt"/>
-                <a:ea typeface="+mn-ea"/>
-                <a:cs typeface="+mn-cs"/>
-              </a:defRPr>
-            </a:lvl6pPr>
-            <a:lvl7pPr marL="2400300" indent="-342900" algn="l" defTabSz="342900" rtl="0" eaLnBrk="1" latinLnBrk="0" hangingPunct="1">
-              <a:spcBef>
-                <a:spcPct val="20000"/>
-              </a:spcBef>
-              <a:buFont typeface="Arial"/>
-              <a:buChar char="•"/>
-              <a:defRPr sz="1500" kern="1200">
-                <a:solidFill>
-                  <a:schemeClr val="tx1"/>
-                </a:solidFill>
-                <a:latin typeface="+mn-lt"/>
-                <a:ea typeface="+mn-ea"/>
-                <a:cs typeface="+mn-cs"/>
-              </a:defRPr>
-            </a:lvl7pPr>
-            <a:lvl8pPr marL="2743200" indent="-342900" algn="l" defTabSz="342900" rtl="0" eaLnBrk="1" latinLnBrk="0" hangingPunct="1">
-              <a:spcBef>
-                <a:spcPct val="20000"/>
-              </a:spcBef>
-              <a:buFont typeface="Arial"/>
-              <a:buChar char="•"/>
-              <a:defRPr sz="1500" kern="1200">
-                <a:solidFill>
-                  <a:schemeClr val="tx1"/>
-                </a:solidFill>
-                <a:latin typeface="+mn-lt"/>
-                <a:ea typeface="+mn-ea"/>
-                <a:cs typeface="+mn-cs"/>
-              </a:defRPr>
-            </a:lvl8pPr>
-            <a:lvl9pPr marL="3086100" indent="-342900" algn="l" defTabSz="342900" rtl="0" eaLnBrk="1" latinLnBrk="0" hangingPunct="1">
-              <a:spcBef>
-                <a:spcPct val="20000"/>
-              </a:spcBef>
-              <a:buFont typeface="Arial"/>
-              <a:buChar char="•"/>
-              <a:defRPr sz="1500" kern="1200">
-                <a:solidFill>
-                  <a:schemeClr val="tx1"/>
-                </a:solidFill>
-                <a:latin typeface="+mn-lt"/>
-                <a:ea typeface="+mn-ea"/>
-                <a:cs typeface="+mn-cs"/>
-              </a:defRPr>
-            </a:lvl9pPr>
-          </a:lstStyle>
-          <a:p>
-            <a:pPr marL="0" indent="0">
-              <a:buNone/>
-            </a:pPr>
-            <a:r>
-              <a:rPr lang="en-US" dirty="0"/>
-              <a:t>Sequential color pallet for price, marker size for engine size</a:t>
-            </a:r>
-          </a:p>
-          <a:p>
-            <a:pPr>
-              <a:buFont typeface="Arial" panose="020B0604020202020204" pitchFamily="34" charset="0"/>
-              <a:buChar char="•"/>
-            </a:pPr>
-            <a:r>
-              <a:rPr lang="en-US" dirty="0"/>
-              <a:t>Color pallet same as previous example</a:t>
-            </a:r>
-          </a:p>
-          <a:p>
-            <a:pPr>
-              <a:buFont typeface="Arial" panose="020B0604020202020204" pitchFamily="34" charset="0"/>
-              <a:buChar char="•"/>
-            </a:pPr>
-            <a:r>
-              <a:rPr lang="en-US" dirty="0"/>
-              <a:t>Engine size by relative marker size  </a:t>
-            </a:r>
-          </a:p>
-          <a:p>
-            <a:pPr>
-              <a:buFont typeface="Arial" panose="020B0604020202020204" pitchFamily="34" charset="0"/>
-              <a:buChar char="•"/>
-            </a:pPr>
-            <a:r>
-              <a:rPr lang="en-US" dirty="0"/>
-              <a:t>Can you see the patterns in this 4-dimensional projection?  </a:t>
-            </a:r>
-          </a:p>
-        </p:txBody>
-      </p:sp>
-    </p:spTree>
-  </p:cSld>
-  <p:clrMapOvr>
-    <a:masterClrMapping/>
-  </p:clrMapOvr>
-</p:sld>
-</file>
-
-<file path=ppt/slides/slide36.xml><?xml version="1.0" encoding="utf-8"?>
-<p:sld xmlns:a="http://schemas.openxmlformats.org/drawingml/2006/main" xmlns:r="http://schemas.openxmlformats.org/officeDocument/2006/relationships" xmlns:p="http://schemas.openxmlformats.org/presentationml/2006/main">
-  <p:cSld>
-    <p:spTree>
-      <p:nvGrpSpPr>
-        <p:cNvPr id="1" name=""/>
-        <p:cNvGrpSpPr/>
-        <p:nvPr/>
-      </p:nvGrpSpPr>
-      <p:grpSpPr>
-        <a:xfrm>
-          <a:off x="0" y="0"/>
-          <a:ext cx="0" cy="0"/>
-          <a:chOff x="0" y="0"/>
-          <a:chExt cx="0" cy="0"/>
-        </a:xfrm>
-      </p:grpSpPr>
-      <p:sp>
-        <p:nvSpPr>
-          <p:cNvPr id="2" name="Title 1"/>
-          <p:cNvSpPr>
-            <a:spLocks noGrp="1"/>
-          </p:cNvSpPr>
-          <p:nvPr>
-            <p:ph type="title"/>
-          </p:nvPr>
-        </p:nvSpPr>
-        <p:spPr/>
-        <p:txBody>
-          <a:bodyPr/>
-          <a:lstStyle/>
-          <a:p>
-            <a:pPr marL="0" lvl="0" indent="0">
-              <a:buNone/>
-            </a:pPr>
-            <a:r>
-              <a:t>Line Plots and Line Type</a:t>
-            </a:r>
-          </a:p>
-        </p:txBody>
-      </p:sp>
-      <p:sp>
-        <p:nvSpPr>
-          <p:cNvPr id="3" name="Content Placeholder 2"/>
-          <p:cNvSpPr>
-            <a:spLocks noGrp="1"/>
-          </p:cNvSpPr>
-          <p:nvPr>
-            <p:ph idx="1"/>
-          </p:nvPr>
-        </p:nvSpPr>
-        <p:spPr/>
-        <p:txBody>
-          <a:bodyPr/>
-          <a:lstStyle/>
-          <a:p>
-            <a:pPr marL="0" lvl="0" indent="0">
-              <a:buNone/>
-            </a:pPr>
-            <a:r>
-              <a:rPr b="1" dirty="0"/>
-              <a:t>Line plots</a:t>
-            </a:r>
-            <a:r>
-              <a:rPr dirty="0"/>
-              <a:t> connect discrete, ordered, data points by a line</a:t>
-            </a:r>
-          </a:p>
-          <a:p>
-            <a:pPr lvl="0"/>
-            <a:r>
-              <a:rPr dirty="0"/>
-              <a:t>Can use different colors and line pattern types to differentiate categories</a:t>
-            </a:r>
-          </a:p>
-          <a:p>
-            <a:pPr lvl="0"/>
-            <a:r>
-              <a:rPr dirty="0"/>
-              <a:t>Only useful for a limited number of lines on one graph</a:t>
-            </a:r>
-          </a:p>
-          <a:p>
-            <a:pPr lvl="0"/>
-            <a:r>
-              <a:rPr dirty="0"/>
-              <a:t>Too many similar colors and line patterns on one plot leads to viewer confusion and poor perception</a:t>
-            </a:r>
-          </a:p>
-        </p:txBody>
-      </p:sp>
-    </p:spTree>
-  </p:cSld>
-  <p:clrMapOvr>
-    <a:masterClrMapping/>
-  </p:clrMapOvr>
-</p:sld>
-</file>
-
-<file path=ppt/slides/slide37.xml><?xml version="1.0" encoding="utf-8"?>
-<p:sld xmlns:a="http://schemas.openxmlformats.org/drawingml/2006/main" xmlns:r="http://schemas.openxmlformats.org/officeDocument/2006/relationships" xmlns:p="http://schemas.openxmlformats.org/presentationml/2006/main">
-  <p:cSld>
-    <p:spTree>
-      <p:nvGrpSpPr>
-        <p:cNvPr id="1" name=""/>
-        <p:cNvGrpSpPr/>
-        <p:nvPr/>
-      </p:nvGrpSpPr>
-      <p:grpSpPr>
-        <a:xfrm>
-          <a:off x="0" y="0"/>
-          <a:ext cx="0" cy="0"/>
-          <a:chOff x="0" y="0"/>
-          <a:chExt cx="0" cy="0"/>
-        </a:xfrm>
-      </p:grpSpPr>
-      <p:sp>
-        <p:nvSpPr>
-          <p:cNvPr id="2" name="Title 1"/>
-          <p:cNvSpPr>
-            <a:spLocks noGrp="1"/>
-          </p:cNvSpPr>
-          <p:nvPr>
-            <p:ph type="title"/>
-          </p:nvPr>
-        </p:nvSpPr>
-        <p:spPr/>
-        <p:txBody>
-          <a:bodyPr/>
-          <a:lstStyle/>
-          <a:p>
-            <a:pPr marL="0" lvl="0" indent="0">
-              <a:buNone/>
-            </a:pPr>
-            <a:r>
-              <a:t>Limits of Line Type</a:t>
-            </a:r>
-          </a:p>
-        </p:txBody>
-      </p:sp>
-      <p:pic>
-        <p:nvPicPr>
-          <p:cNvPr id="5" name="Picture 4">
-            <a:extLst>
-              <a:ext uri="{FF2B5EF4-FFF2-40B4-BE49-F238E27FC236}">
-                <a16:creationId xmlns:a16="http://schemas.microsoft.com/office/drawing/2014/main" id="{6CA63A8C-76CE-07D1-C49D-F35A34FB73B8}"/>
-              </a:ext>
-            </a:extLst>
-          </p:cNvPr>
-          <p:cNvPicPr>
-            <a:picLocks noChangeAspect="1"/>
-          </p:cNvPicPr>
-          <p:nvPr/>
-        </p:nvPicPr>
-        <p:blipFill>
-          <a:blip r:embed="rId2"/>
-          <a:stretch>
-            <a:fillRect/>
-          </a:stretch>
-        </p:blipFill>
-        <p:spPr>
-          <a:xfrm>
-            <a:off x="3535277" y="1266181"/>
-            <a:ext cx="5608723" cy="3240230"/>
-          </a:xfrm>
-          <a:prstGeom prst="rect">
-            <a:avLst/>
-          </a:prstGeom>
-        </p:spPr>
-      </p:pic>
-      <p:sp>
-        <p:nvSpPr>
-          <p:cNvPr id="6" name="Text Placeholder 3">
-            <a:extLst>
-              <a:ext uri="{FF2B5EF4-FFF2-40B4-BE49-F238E27FC236}">
-                <a16:creationId xmlns:a16="http://schemas.microsoft.com/office/drawing/2014/main" id="{F92608D8-9052-3429-1009-E119939D1062}"/>
-              </a:ext>
-            </a:extLst>
-          </p:cNvPr>
-          <p:cNvSpPr txBox="1">
-            <a:spLocks/>
-          </p:cNvSpPr>
-          <p:nvPr/>
-        </p:nvSpPr>
-        <p:spPr>
-          <a:xfrm>
-            <a:off x="457202" y="1415970"/>
-            <a:ext cx="3078075" cy="3521550"/>
-          </a:xfrm>
-          <a:prstGeom prst="rect">
-            <a:avLst/>
-          </a:prstGeom>
-        </p:spPr>
-        <p:txBody>
-          <a:bodyPr>
-            <a:normAutofit/>
-          </a:bodyPr>
-          <a:lstStyle>
-            <a:lvl1pPr marL="342900" indent="-342900" algn="l" defTabSz="342900" rtl="0" eaLnBrk="1" latinLnBrk="0" hangingPunct="1">
-              <a:spcBef>
-                <a:spcPct val="20000"/>
-              </a:spcBef>
-              <a:buFont typeface="Arial"/>
-              <a:buChar char="•"/>
-              <a:defRPr sz="2400" kern="1200">
-                <a:solidFill>
-                  <a:schemeClr val="tx1"/>
-                </a:solidFill>
-                <a:latin typeface="+mn-lt"/>
-                <a:ea typeface="+mn-ea"/>
-                <a:cs typeface="+mn-cs"/>
-              </a:defRPr>
-            </a:lvl1pPr>
-            <a:lvl2pPr marL="685800" indent="-342900" algn="l" defTabSz="342900" rtl="0" eaLnBrk="1" latinLnBrk="0" hangingPunct="1">
-              <a:spcBef>
-                <a:spcPct val="20000"/>
-              </a:spcBef>
-              <a:buFont typeface="Arial"/>
-              <a:buChar char="–"/>
-              <a:defRPr sz="2100" kern="1200">
-                <a:solidFill>
-                  <a:schemeClr val="tx1"/>
-                </a:solidFill>
-                <a:latin typeface="+mn-lt"/>
-                <a:ea typeface="+mn-ea"/>
-                <a:cs typeface="+mn-cs"/>
-              </a:defRPr>
-            </a:lvl2pPr>
-            <a:lvl3pPr marL="1028700" indent="-342900" algn="l" defTabSz="342900" rtl="0" eaLnBrk="1" latinLnBrk="0" hangingPunct="1">
-              <a:spcBef>
-                <a:spcPct val="20000"/>
-              </a:spcBef>
-              <a:buFont typeface="Arial"/>
-              <a:buChar char="•"/>
-              <a:defRPr sz="1800" kern="1200">
-                <a:solidFill>
-                  <a:schemeClr val="tx1"/>
-                </a:solidFill>
-                <a:latin typeface="+mn-lt"/>
-                <a:ea typeface="+mn-ea"/>
-                <a:cs typeface="+mn-cs"/>
-              </a:defRPr>
-            </a:lvl3pPr>
-            <a:lvl4pPr marL="1371600" indent="-342900" algn="l" defTabSz="342900" rtl="0" eaLnBrk="1" latinLnBrk="0" hangingPunct="1">
-              <a:spcBef>
-                <a:spcPct val="20000"/>
-              </a:spcBef>
-              <a:buFont typeface="Arial"/>
-              <a:buChar char="–"/>
-              <a:defRPr sz="1500" kern="1200">
-                <a:solidFill>
-                  <a:schemeClr val="tx1"/>
-                </a:solidFill>
-                <a:latin typeface="+mn-lt"/>
-                <a:ea typeface="+mn-ea"/>
-                <a:cs typeface="+mn-cs"/>
-              </a:defRPr>
-            </a:lvl4pPr>
-            <a:lvl5pPr marL="1714500" indent="-342900" algn="l" defTabSz="342900" rtl="0" eaLnBrk="1" latinLnBrk="0" hangingPunct="1">
-              <a:spcBef>
-                <a:spcPct val="20000"/>
-              </a:spcBef>
-              <a:buFont typeface="Arial"/>
-              <a:buChar char="»"/>
-              <a:defRPr sz="1500" kern="1200">
-                <a:solidFill>
-                  <a:schemeClr val="tx1"/>
-                </a:solidFill>
-                <a:latin typeface="+mn-lt"/>
-                <a:ea typeface="+mn-ea"/>
-                <a:cs typeface="+mn-cs"/>
-              </a:defRPr>
-            </a:lvl5pPr>
-            <a:lvl6pPr marL="2057400" indent="-342900" algn="l" defTabSz="342900" rtl="0" eaLnBrk="1" latinLnBrk="0" hangingPunct="1">
-              <a:spcBef>
-                <a:spcPct val="20000"/>
-              </a:spcBef>
-              <a:buFont typeface="Arial"/>
-              <a:buChar char="•"/>
-              <a:defRPr sz="1500" kern="1200">
-                <a:solidFill>
-                  <a:schemeClr val="tx1"/>
-                </a:solidFill>
-                <a:latin typeface="+mn-lt"/>
-                <a:ea typeface="+mn-ea"/>
-                <a:cs typeface="+mn-cs"/>
-              </a:defRPr>
-            </a:lvl6pPr>
-            <a:lvl7pPr marL="2400300" indent="-342900" algn="l" defTabSz="342900" rtl="0" eaLnBrk="1" latinLnBrk="0" hangingPunct="1">
-              <a:spcBef>
-                <a:spcPct val="20000"/>
-              </a:spcBef>
-              <a:buFont typeface="Arial"/>
-              <a:buChar char="•"/>
-              <a:defRPr sz="1500" kern="1200">
-                <a:solidFill>
-                  <a:schemeClr val="tx1"/>
-                </a:solidFill>
-                <a:latin typeface="+mn-lt"/>
-                <a:ea typeface="+mn-ea"/>
-                <a:cs typeface="+mn-cs"/>
-              </a:defRPr>
-            </a:lvl7pPr>
-            <a:lvl8pPr marL="2743200" indent="-342900" algn="l" defTabSz="342900" rtl="0" eaLnBrk="1" latinLnBrk="0" hangingPunct="1">
-              <a:spcBef>
-                <a:spcPct val="20000"/>
-              </a:spcBef>
-              <a:buFont typeface="Arial"/>
-              <a:buChar char="•"/>
-              <a:defRPr sz="1500" kern="1200">
-                <a:solidFill>
-                  <a:schemeClr val="tx1"/>
-                </a:solidFill>
-                <a:latin typeface="+mn-lt"/>
-                <a:ea typeface="+mn-ea"/>
-                <a:cs typeface="+mn-cs"/>
-              </a:defRPr>
-            </a:lvl8pPr>
-            <a:lvl9pPr marL="3086100" indent="-342900" algn="l" defTabSz="342900" rtl="0" eaLnBrk="1" latinLnBrk="0" hangingPunct="1">
-              <a:spcBef>
-                <a:spcPct val="20000"/>
-              </a:spcBef>
-              <a:buFont typeface="Arial"/>
-              <a:buChar char="•"/>
-              <a:defRPr sz="1500" kern="1200">
-                <a:solidFill>
-                  <a:schemeClr val="tx1"/>
-                </a:solidFill>
-                <a:latin typeface="+mn-lt"/>
-                <a:ea typeface="+mn-ea"/>
-                <a:cs typeface="+mn-cs"/>
-              </a:defRPr>
-            </a:lvl9pPr>
-          </a:lstStyle>
-          <a:p>
-            <a:pPr marL="0" indent="0">
-              <a:buNone/>
-            </a:pPr>
-            <a:r>
-              <a:rPr lang="en-US" dirty="0"/>
-              <a:t>Line type indicates type of transformation </a:t>
-            </a:r>
-          </a:p>
-          <a:p>
-            <a:pPr>
-              <a:buFont typeface="Arial" panose="020B0604020202020204" pitchFamily="34" charset="0"/>
-              <a:buChar char="•"/>
-            </a:pPr>
-            <a:r>
-              <a:rPr lang="en-US" dirty="0"/>
-              <a:t>It is easy to perceive the 4 line types</a:t>
-            </a:r>
-          </a:p>
-          <a:p>
-            <a:pPr>
-              <a:buFont typeface="Arial" panose="020B0604020202020204" pitchFamily="34" charset="0"/>
-              <a:buChar char="•"/>
-            </a:pPr>
-            <a:r>
-              <a:rPr lang="en-US" dirty="0"/>
-              <a:t>Only a </a:t>
-            </a:r>
-            <a:r>
-              <a:rPr lang="en-US" b="1" dirty="0"/>
-              <a:t>limited number of line types can be perceived!</a:t>
-            </a:r>
-          </a:p>
-        </p:txBody>
-      </p:sp>
-    </p:spTree>
-  </p:cSld>
-  <p:clrMapOvr>
-    <a:masterClrMapping/>
-  </p:clrMapOvr>
-</p:sld>
-</file>
-
-<file path=ppt/slides/slide38.xml><?xml version="1.0" encoding="utf-8"?>
-<p:sld xmlns:a="http://schemas.openxmlformats.org/drawingml/2006/main" xmlns:r="http://schemas.openxmlformats.org/officeDocument/2006/relationships" xmlns:p="http://schemas.openxmlformats.org/presentationml/2006/main">
-  <p:cSld>
-    <p:spTree>
-      <p:nvGrpSpPr>
-        <p:cNvPr id="1" name=""/>
-        <p:cNvGrpSpPr/>
-        <p:nvPr/>
-      </p:nvGrpSpPr>
-      <p:grpSpPr>
-        <a:xfrm>
-          <a:off x="0" y="0"/>
-          <a:ext cx="0" cy="0"/>
-          <a:chOff x="0" y="0"/>
-          <a:chExt cx="0" cy="0"/>
-        </a:xfrm>
-      </p:grpSpPr>
-      <p:sp>
-        <p:nvSpPr>
-          <p:cNvPr id="2" name="Title 1"/>
-          <p:cNvSpPr>
-            <a:spLocks noGrp="1"/>
-          </p:cNvSpPr>
-          <p:nvPr>
-            <p:ph type="title"/>
-          </p:nvPr>
-        </p:nvSpPr>
-        <p:spPr/>
-        <p:txBody>
-          <a:bodyPr/>
-          <a:lstStyle/>
-          <a:p>
-            <a:pPr marL="0" lvl="0" indent="0">
-              <a:buNone/>
-            </a:pPr>
-            <a:r>
-              <a:t>Marker Shape</a:t>
-            </a:r>
-          </a:p>
-        </p:txBody>
-      </p:sp>
-      <p:sp>
-        <p:nvSpPr>
-          <p:cNvPr id="3" name="Content Placeholder 2"/>
-          <p:cNvSpPr>
-            <a:spLocks noGrp="1"/>
-          </p:cNvSpPr>
-          <p:nvPr>
-            <p:ph idx="1"/>
-          </p:nvPr>
-        </p:nvSpPr>
-        <p:spPr/>
-        <p:txBody>
-          <a:bodyPr/>
-          <a:lstStyle/>
-          <a:p>
-            <a:pPr marL="0" lvl="0" indent="0">
-              <a:buNone/>
-            </a:pPr>
-            <a:r>
-              <a:rPr b="1" dirty="0"/>
-              <a:t>Marker shape</a:t>
-            </a:r>
-            <a:r>
-              <a:rPr dirty="0"/>
-              <a:t> is useful for displaying categorical relationships</a:t>
-            </a:r>
-          </a:p>
-          <a:p>
-            <a:pPr lvl="0"/>
-            <a:r>
-              <a:rPr dirty="0"/>
-              <a:t>This aesthetic is only useful when two conditions are met:</a:t>
-            </a:r>
-          </a:p>
-          <a:p>
-            <a:pPr lvl="1">
-              <a:buAutoNum type="arabicPeriod"/>
-            </a:pPr>
-            <a:r>
-              <a:rPr dirty="0"/>
-              <a:t>The number of categories is small</a:t>
-            </a:r>
-          </a:p>
-          <a:p>
-            <a:pPr lvl="1">
-              <a:buAutoNum type="arabicPeriod"/>
-            </a:pPr>
-            <a:r>
-              <a:rPr dirty="0"/>
-              <a:t>Distinctive shape are chosen for the markers</a:t>
-            </a:r>
-          </a:p>
-          <a:p>
-            <a:pPr lvl="0"/>
-            <a:r>
-              <a:rPr dirty="0"/>
-              <a:t>Human perception limits the number of shapes humans can perceive well</a:t>
-            </a:r>
-          </a:p>
-        </p:txBody>
-      </p:sp>
-    </p:spTree>
-  </p:cSld>
-  <p:clrMapOvr>
-    <a:masterClrMapping/>
-  </p:clrMapOvr>
-</p:sld>
-</file>
-
-<file path=ppt/slides/slide39.xml><?xml version="1.0" encoding="utf-8"?>
-<p:sld xmlns:a="http://schemas.openxmlformats.org/drawingml/2006/main" xmlns:r="http://schemas.openxmlformats.org/officeDocument/2006/relationships" xmlns:p="http://schemas.openxmlformats.org/presentationml/2006/main">
-  <p:cSld>
-    <p:spTree>
-      <p:nvGrpSpPr>
-        <p:cNvPr id="1" name=""/>
-        <p:cNvGrpSpPr/>
-        <p:nvPr/>
-      </p:nvGrpSpPr>
-      <p:grpSpPr>
-        <a:xfrm>
-          <a:off x="0" y="0"/>
-          <a:ext cx="0" cy="0"/>
-          <a:chOff x="0" y="0"/>
-          <a:chExt cx="0" cy="0"/>
-        </a:xfrm>
-      </p:grpSpPr>
-      <p:sp>
-        <p:nvSpPr>
-          <p:cNvPr id="2" name="Title 1"/>
-          <p:cNvSpPr>
-            <a:spLocks noGrp="1"/>
-          </p:cNvSpPr>
-          <p:nvPr>
-            <p:ph type="title"/>
-          </p:nvPr>
-        </p:nvSpPr>
-        <p:spPr/>
-        <p:txBody>
-          <a:bodyPr/>
-          <a:lstStyle/>
-          <a:p>
-            <a:pPr marL="0" lvl="0" indent="0">
-              <a:buNone/>
-            </a:pPr>
-            <a:r>
-              <a:t>Aspiration by Marker Shape</a:t>
-            </a:r>
-          </a:p>
-        </p:txBody>
-      </p:sp>
-      <p:sp>
-        <p:nvSpPr>
-          <p:cNvPr id="3" name="Text Placeholder 3">
-            <a:extLst>
-              <a:ext uri="{FF2B5EF4-FFF2-40B4-BE49-F238E27FC236}">
-                <a16:creationId xmlns:a16="http://schemas.microsoft.com/office/drawing/2014/main" id="{0F154E65-A52E-2F68-7EBF-15BA314E33B6}"/>
-              </a:ext>
-            </a:extLst>
-          </p:cNvPr>
-          <p:cNvSpPr txBox="1">
-            <a:spLocks/>
-          </p:cNvSpPr>
-          <p:nvPr/>
-        </p:nvSpPr>
-        <p:spPr>
-          <a:xfrm>
-            <a:off x="457202" y="1358096"/>
-            <a:ext cx="4462039" cy="3236527"/>
-          </a:xfrm>
-          <a:prstGeom prst="rect">
-            <a:avLst/>
-          </a:prstGeom>
-        </p:spPr>
-        <p:txBody>
-          <a:bodyPr>
-            <a:normAutofit lnSpcReduction="10000"/>
-          </a:bodyPr>
-          <a:lstStyle>
-            <a:lvl1pPr marL="342900" indent="-342900" algn="l" defTabSz="342900" rtl="0" eaLnBrk="1" latinLnBrk="0" hangingPunct="1">
-              <a:spcBef>
-                <a:spcPct val="20000"/>
-              </a:spcBef>
-              <a:buFont typeface="Arial"/>
-              <a:buChar char="•"/>
-              <a:defRPr sz="2400" kern="1200">
-                <a:solidFill>
-                  <a:schemeClr val="tx1"/>
-                </a:solidFill>
-                <a:latin typeface="+mn-lt"/>
-                <a:ea typeface="+mn-ea"/>
-                <a:cs typeface="+mn-cs"/>
-              </a:defRPr>
-            </a:lvl1pPr>
-            <a:lvl2pPr marL="685800" indent="-342900" algn="l" defTabSz="342900" rtl="0" eaLnBrk="1" latinLnBrk="0" hangingPunct="1">
-              <a:spcBef>
-                <a:spcPct val="20000"/>
-              </a:spcBef>
-              <a:buFont typeface="Arial"/>
-              <a:buChar char="–"/>
-              <a:defRPr sz="2100" kern="1200">
-                <a:solidFill>
-                  <a:schemeClr val="tx1"/>
-                </a:solidFill>
-                <a:latin typeface="+mn-lt"/>
-                <a:ea typeface="+mn-ea"/>
-                <a:cs typeface="+mn-cs"/>
-              </a:defRPr>
-            </a:lvl2pPr>
-            <a:lvl3pPr marL="1028700" indent="-342900" algn="l" defTabSz="342900" rtl="0" eaLnBrk="1" latinLnBrk="0" hangingPunct="1">
-              <a:spcBef>
-                <a:spcPct val="20000"/>
-              </a:spcBef>
-              <a:buFont typeface="Arial"/>
-              <a:buChar char="•"/>
-              <a:defRPr sz="1800" kern="1200">
-                <a:solidFill>
-                  <a:schemeClr val="tx1"/>
-                </a:solidFill>
-                <a:latin typeface="+mn-lt"/>
-                <a:ea typeface="+mn-ea"/>
-                <a:cs typeface="+mn-cs"/>
-              </a:defRPr>
-            </a:lvl3pPr>
-            <a:lvl4pPr marL="1371600" indent="-342900" algn="l" defTabSz="342900" rtl="0" eaLnBrk="1" latinLnBrk="0" hangingPunct="1">
-              <a:spcBef>
-                <a:spcPct val="20000"/>
-              </a:spcBef>
-              <a:buFont typeface="Arial"/>
-              <a:buChar char="–"/>
-              <a:defRPr sz="1500" kern="1200">
-                <a:solidFill>
-                  <a:schemeClr val="tx1"/>
-                </a:solidFill>
-                <a:latin typeface="+mn-lt"/>
-                <a:ea typeface="+mn-ea"/>
-                <a:cs typeface="+mn-cs"/>
-              </a:defRPr>
-            </a:lvl4pPr>
-            <a:lvl5pPr marL="1714500" indent="-342900" algn="l" defTabSz="342900" rtl="0" eaLnBrk="1" latinLnBrk="0" hangingPunct="1">
-              <a:spcBef>
-                <a:spcPct val="20000"/>
-              </a:spcBef>
-              <a:buFont typeface="Arial"/>
-              <a:buChar char="»"/>
-              <a:defRPr sz="1500" kern="1200">
-                <a:solidFill>
-                  <a:schemeClr val="tx1"/>
-                </a:solidFill>
-                <a:latin typeface="+mn-lt"/>
-                <a:ea typeface="+mn-ea"/>
-                <a:cs typeface="+mn-cs"/>
-              </a:defRPr>
-            </a:lvl5pPr>
-            <a:lvl6pPr marL="2057400" indent="-342900" algn="l" defTabSz="342900" rtl="0" eaLnBrk="1" latinLnBrk="0" hangingPunct="1">
-              <a:spcBef>
-                <a:spcPct val="20000"/>
-              </a:spcBef>
-              <a:buFont typeface="Arial"/>
-              <a:buChar char="•"/>
-              <a:defRPr sz="1500" kern="1200">
-                <a:solidFill>
-                  <a:schemeClr val="tx1"/>
-                </a:solidFill>
-                <a:latin typeface="+mn-lt"/>
-                <a:ea typeface="+mn-ea"/>
-                <a:cs typeface="+mn-cs"/>
-              </a:defRPr>
-            </a:lvl6pPr>
-            <a:lvl7pPr marL="2400300" indent="-342900" algn="l" defTabSz="342900" rtl="0" eaLnBrk="1" latinLnBrk="0" hangingPunct="1">
-              <a:spcBef>
-                <a:spcPct val="20000"/>
-              </a:spcBef>
-              <a:buFont typeface="Arial"/>
-              <a:buChar char="•"/>
-              <a:defRPr sz="1500" kern="1200">
-                <a:solidFill>
-                  <a:schemeClr val="tx1"/>
-                </a:solidFill>
-                <a:latin typeface="+mn-lt"/>
-                <a:ea typeface="+mn-ea"/>
-                <a:cs typeface="+mn-cs"/>
-              </a:defRPr>
-            </a:lvl7pPr>
-            <a:lvl8pPr marL="2743200" indent="-342900" algn="l" defTabSz="342900" rtl="0" eaLnBrk="1" latinLnBrk="0" hangingPunct="1">
-              <a:spcBef>
-                <a:spcPct val="20000"/>
-              </a:spcBef>
-              <a:buFont typeface="Arial"/>
-              <a:buChar char="•"/>
-              <a:defRPr sz="1500" kern="1200">
-                <a:solidFill>
-                  <a:schemeClr val="tx1"/>
-                </a:solidFill>
-                <a:latin typeface="+mn-lt"/>
-                <a:ea typeface="+mn-ea"/>
-                <a:cs typeface="+mn-cs"/>
-              </a:defRPr>
-            </a:lvl8pPr>
-            <a:lvl9pPr marL="3086100" indent="-342900" algn="l" defTabSz="342900" rtl="0" eaLnBrk="1" latinLnBrk="0" hangingPunct="1">
-              <a:spcBef>
-                <a:spcPct val="20000"/>
-              </a:spcBef>
-              <a:buFont typeface="Arial"/>
-              <a:buChar char="•"/>
-              <a:defRPr sz="1500" kern="1200">
-                <a:solidFill>
-                  <a:schemeClr val="tx1"/>
-                </a:solidFill>
-                <a:latin typeface="+mn-lt"/>
-                <a:ea typeface="+mn-ea"/>
-                <a:cs typeface="+mn-cs"/>
-              </a:defRPr>
-            </a:lvl9pPr>
-          </a:lstStyle>
-          <a:p>
-            <a:pPr marL="0" indent="0">
-              <a:buNone/>
-            </a:pPr>
-            <a:r>
-              <a:rPr lang="en-US" dirty="0"/>
               <a:t>Spare use of color and marker shape projects 4 dimensions</a:t>
             </a:r>
           </a:p>
@@ -9681,10 +9674,10 @@
       </p:sp>
       <p:pic>
         <p:nvPicPr>
-          <p:cNvPr id="6" name="Picture 5">
+          <p:cNvPr id="5" name="Picture 4">
             <a:extLst>
               <a:ext uri="{FF2B5EF4-FFF2-40B4-BE49-F238E27FC236}">
-                <a16:creationId xmlns:a16="http://schemas.microsoft.com/office/drawing/2014/main" id="{780B116F-E19D-1516-0525-7FC9747D10A6}"/>
+                <a16:creationId xmlns:a16="http://schemas.microsoft.com/office/drawing/2014/main" id="{51194DEF-0D2F-CB09-6DE1-A081639A1E1C}"/>
               </a:ext>
             </a:extLst>
           </p:cNvPr>
@@ -9701,8 +9694,8 @@
         </p:blipFill>
         <p:spPr>
           <a:xfrm>
-            <a:off x="4178781" y="877531"/>
-            <a:ext cx="4741441" cy="4194723"/>
+            <a:off x="3987758" y="1016000"/>
+            <a:ext cx="5156242" cy="4081594"/>
           </a:xfrm>
           <a:prstGeom prst="rect">
             <a:avLst/>
@@ -10097,8 +10090,8 @@
           </a:p>
         </p:txBody>
       </p:sp>
-      <mc:AlternateContent xmlns:mc="http://schemas.openxmlformats.org/markup-compatibility/2006">
-        <mc:Choice xmlns:a14="http://schemas.microsoft.com/office/drawing/2010/main" Requires="a14">
+      <mc:AlternateContent xmlns:mc="http://schemas.openxmlformats.org/markup-compatibility/2006" xmlns:a14="http://schemas.microsoft.com/office/drawing/2010/main">
+        <mc:Choice Requires="a14">
           <p:sp>
             <p:nvSpPr>
               <p:cNvPr id="3" name="Content Placeholder 2"/>
@@ -10222,7 +10215,7 @@
             </p:txBody>
           </p:sp>
         </mc:Choice>
-        <mc:Fallback>
+        <mc:Fallback xmlns="">
           <p:sp>
             <p:nvSpPr>
               <p:cNvPr id="3" name="Content Placeholder 2"/>
@@ -10669,10 +10662,10 @@
       </p:sp>
       <p:pic>
         <p:nvPicPr>
-          <p:cNvPr id="6" name="Picture 5">
+          <p:cNvPr id="5" name="Picture 4">
             <a:extLst>
               <a:ext uri="{FF2B5EF4-FFF2-40B4-BE49-F238E27FC236}">
-                <a16:creationId xmlns:a16="http://schemas.microsoft.com/office/drawing/2014/main" id="{FFC2139F-05BC-6517-43F1-8B97D077B831}"/>
+                <a16:creationId xmlns:a16="http://schemas.microsoft.com/office/drawing/2014/main" id="{0D0D9806-A3ED-7D69-EEEC-DA0E47FB00E2}"/>
               </a:ext>
             </a:extLst>
           </p:cNvPr>
@@ -10689,8 +10682,8 @@
         </p:blipFill>
         <p:spPr>
           <a:xfrm>
-            <a:off x="3026124" y="1150220"/>
-            <a:ext cx="6079105" cy="3691856"/>
+            <a:off x="2938272" y="1194816"/>
+            <a:ext cx="6205728" cy="3714377"/>
           </a:xfrm>
           <a:prstGeom prst="rect">
             <a:avLst/>
@@ -10747,15 +10740,7 @@
             </a:pPr>
             <a:r>
               <a:rPr dirty="0"/>
-              <a:t>Regression Line and </a:t>
-            </a:r>
-            <a:r>
-              <a:rPr dirty="0" err="1"/>
-              <a:t>Tramsformation</a:t>
-            </a:r>
-            <a:r>
-              <a:rPr dirty="0"/>
-              <a:t> Example</a:t>
+              <a:t>Regression Line and Transformation Example</a:t>
             </a:r>
           </a:p>
         </p:txBody>
@@ -10868,10 +10853,10 @@
       </mc:AlternateContent>
       <p:pic>
         <p:nvPicPr>
-          <p:cNvPr id="5" name="Picture 4">
+          <p:cNvPr id="6" name="Picture 5">
             <a:extLst>
               <a:ext uri="{FF2B5EF4-FFF2-40B4-BE49-F238E27FC236}">
-                <a16:creationId xmlns:a16="http://schemas.microsoft.com/office/drawing/2014/main" id="{15261806-6831-AA73-8714-4C00EAD1F1A2}"/>
+                <a16:creationId xmlns:a16="http://schemas.microsoft.com/office/drawing/2014/main" id="{C038BBCF-18E3-AE69-F74B-05D1B8132A4B}"/>
               </a:ext>
             </a:extLst>
           </p:cNvPr>
@@ -10888,8 +10873,8 @@
         </p:blipFill>
         <p:spPr>
           <a:xfrm>
-            <a:off x="3387465" y="1435260"/>
-            <a:ext cx="5656566" cy="3339670"/>
+            <a:off x="3351349" y="1152594"/>
+            <a:ext cx="5792651" cy="3354382"/>
           </a:xfrm>
           <a:prstGeom prst="rect">
             <a:avLst/>
@@ -10945,12 +10930,64 @@
           </a:p>
         </p:txBody>
       </p:sp>
+      <p:sp>
+        <p:nvSpPr>
+          <p:cNvPr id="6" name="Content Placeholder 2">
+            <a:extLst>
+              <a:ext uri="{FF2B5EF4-FFF2-40B4-BE49-F238E27FC236}">
+                <a16:creationId xmlns:a16="http://schemas.microsoft.com/office/drawing/2014/main" id="{A3007566-6100-A41C-BAE1-CF241058118F}"/>
+              </a:ext>
+            </a:extLst>
+          </p:cNvPr>
+          <p:cNvSpPr>
+            <a:spLocks noGrp="1"/>
+          </p:cNvSpPr>
+          <p:nvPr>
+            <p:ph idx="1"/>
+          </p:nvPr>
+        </p:nvSpPr>
+        <p:spPr>
+          <a:xfrm>
+            <a:off x="457200" y="1851030"/>
+            <a:ext cx="3169534" cy="2737371"/>
+          </a:xfrm>
+        </p:spPr>
+        <p:txBody>
+          <a:bodyPr>
+            <a:normAutofit/>
+          </a:bodyPr>
+          <a:lstStyle/>
+          <a:p>
+            <a:pPr marL="0" lvl="0" indent="0">
+              <a:buNone/>
+            </a:pPr>
+            <a:r>
+              <a:rPr dirty="0"/>
+              <a:t>Second order polynomial fit</a:t>
+            </a:r>
+            <a:r>
+              <a:rPr lang="en-US" dirty="0"/>
+              <a:t> to transformed variables     </a:t>
+            </a:r>
+          </a:p>
+          <a:p>
+            <a:pPr marL="0" lvl="0" indent="0">
+              <a:buNone/>
+            </a:pPr>
+            <a:r>
+              <a:rPr lang="en-US" dirty="0"/>
+              <a:t>Regression lines are nearly strait! </a:t>
+            </a:r>
+            <a:endParaRPr dirty="0"/>
+          </a:p>
+        </p:txBody>
+      </p:sp>
       <p:pic>
         <p:nvPicPr>
-          <p:cNvPr id="5" name="Picture 4">
+          <p:cNvPr id="4" name="Picture 3">
             <a:extLst>
               <a:ext uri="{FF2B5EF4-FFF2-40B4-BE49-F238E27FC236}">
-                <a16:creationId xmlns:a16="http://schemas.microsoft.com/office/drawing/2014/main" id="{A5DCFCB4-8358-1EA4-9BC4-B2A4A51F057F}"/>
+                <a16:creationId xmlns:a16="http://schemas.microsoft.com/office/drawing/2014/main" id="{552C3B70-2ED9-A8BE-11F5-AD963708680A}"/>
               </a:ext>
             </a:extLst>
           </p:cNvPr>
@@ -10967,66 +11004,14 @@
         </p:blipFill>
         <p:spPr>
           <a:xfrm>
-            <a:off x="3343677" y="993781"/>
-            <a:ext cx="5656449" cy="3943740"/>
+            <a:off x="3702303" y="930472"/>
+            <a:ext cx="5331331" cy="4161720"/>
           </a:xfrm>
           <a:prstGeom prst="rect">
             <a:avLst/>
           </a:prstGeom>
         </p:spPr>
       </p:pic>
-      <p:sp>
-        <p:nvSpPr>
-          <p:cNvPr id="6" name="Content Placeholder 2">
-            <a:extLst>
-              <a:ext uri="{FF2B5EF4-FFF2-40B4-BE49-F238E27FC236}">
-                <a16:creationId xmlns:a16="http://schemas.microsoft.com/office/drawing/2014/main" id="{A3007566-6100-A41C-BAE1-CF241058118F}"/>
-              </a:ext>
-            </a:extLst>
-          </p:cNvPr>
-          <p:cNvSpPr>
-            <a:spLocks noGrp="1"/>
-          </p:cNvSpPr>
-          <p:nvPr>
-            <p:ph idx="1"/>
-          </p:nvPr>
-        </p:nvSpPr>
-        <p:spPr>
-          <a:xfrm>
-            <a:off x="457200" y="1851030"/>
-            <a:ext cx="3169534" cy="2737371"/>
-          </a:xfrm>
-        </p:spPr>
-        <p:txBody>
-          <a:bodyPr>
-            <a:normAutofit/>
-          </a:bodyPr>
-          <a:lstStyle/>
-          <a:p>
-            <a:pPr marL="0" lvl="0" indent="0">
-              <a:buNone/>
-            </a:pPr>
-            <a:r>
-              <a:rPr dirty="0"/>
-              <a:t>Second order polynomial fit</a:t>
-            </a:r>
-            <a:r>
-              <a:rPr lang="en-US" dirty="0"/>
-              <a:t> to transformed variables     </a:t>
-            </a:r>
-          </a:p>
-          <a:p>
-            <a:pPr marL="0" lvl="0" indent="0">
-              <a:buNone/>
-            </a:pPr>
-            <a:r>
-              <a:rPr lang="en-US" dirty="0"/>
-              <a:t>Regression lines are nearly strait! </a:t>
-            </a:r>
-            <a:endParaRPr dirty="0"/>
-          </a:p>
-        </p:txBody>
-      </p:sp>
     </p:spTree>
   </p:cSld>
   <p:clrMapOvr>
@@ -11369,6 +11354,775 @@
         </p:txBody>
       </p:sp>
     </p:spTree>
+  </p:cSld>
+  <p:clrMapOvr>
+    <a:masterClrMapping/>
+  </p:clrMapOvr>
+</p:sld>
+</file>
+
+<file path=ppt/slides/slide50.xml><?xml version="1.0" encoding="utf-8"?>
+<p:sld xmlns:a="http://schemas.openxmlformats.org/drawingml/2006/main" xmlns:r="http://schemas.openxmlformats.org/officeDocument/2006/relationships" xmlns:p="http://schemas.openxmlformats.org/presentationml/2006/main">
+  <p:cSld>
+    <p:spTree>
+      <p:nvGrpSpPr>
+        <p:cNvPr id="1" name=""/>
+        <p:cNvGrpSpPr/>
+        <p:nvPr/>
+      </p:nvGrpSpPr>
+      <p:grpSpPr>
+        <a:xfrm>
+          <a:off x="0" y="0"/>
+          <a:ext cx="0" cy="0"/>
+          <a:chOff x="0" y="0"/>
+          <a:chExt cx="0" cy="0"/>
+        </a:xfrm>
+      </p:grpSpPr>
+      <p:sp>
+        <p:nvSpPr>
+          <p:cNvPr id="2" name="Title 1"/>
+          <p:cNvSpPr>
+            <a:spLocks noGrp="1"/>
+          </p:cNvSpPr>
+          <p:nvPr>
+            <p:ph type="title"/>
+          </p:nvPr>
+        </p:nvSpPr>
+        <p:spPr>
+          <a:xfrm>
+            <a:off x="457200" y="205979"/>
+            <a:ext cx="8229600" cy="476927"/>
+          </a:xfrm>
+        </p:spPr>
+        <p:txBody>
+          <a:bodyPr>
+            <a:normAutofit fontScale="90000"/>
+          </a:bodyPr>
+          <a:lstStyle/>
+          <a:p>
+            <a:pPr marL="0" lvl="0" indent="0">
+              <a:buNone/>
+            </a:pPr>
+            <a:r>
+              <a:rPr dirty="0"/>
+              <a:t>Properties of Common Aesthetics</a:t>
+            </a:r>
+          </a:p>
+        </p:txBody>
+      </p:sp>
+      <p:graphicFrame>
+        <p:nvGraphicFramePr>
+          <p:cNvPr id="6" name="Content Placeholder 5"/>
+          <p:cNvGraphicFramePr>
+            <a:graphicFrameLocks noGrp="1"/>
+          </p:cNvGraphicFramePr>
+          <p:nvPr>
+            <p:ph idx="1"/>
+          </p:nvPr>
+        </p:nvGraphicFramePr>
+        <p:xfrm>
+          <a:off x="337595" y="710298"/>
+          <a:ext cx="8613495" cy="4389120"/>
+        </p:xfrm>
+        <a:graphic>
+          <a:graphicData uri="http://schemas.openxmlformats.org/drawingml/2006/table">
+            <a:tbl>
+              <a:tblPr firstRow="1" bandRow="1">
+                <a:tableStyleId>{5C22544A-7EE6-4342-B048-85BDC9FD1C3A}</a:tableStyleId>
+              </a:tblPr>
+              <a:tblGrid>
+                <a:gridCol w="2871165">
+                  <a:extLst>
+                    <a:ext uri="{9D8B030D-6E8A-4147-A177-3AD203B41FA5}">
+                      <a16:colId xmlns:a16="http://schemas.microsoft.com/office/drawing/2014/main" val="20000"/>
+                    </a:ext>
+                  </a:extLst>
+                </a:gridCol>
+                <a:gridCol w="1467412">
+                  <a:extLst>
+                    <a:ext uri="{9D8B030D-6E8A-4147-A177-3AD203B41FA5}">
+                      <a16:colId xmlns:a16="http://schemas.microsoft.com/office/drawing/2014/main" val="20001"/>
+                    </a:ext>
+                  </a:extLst>
+                </a:gridCol>
+                <a:gridCol w="4274918">
+                  <a:extLst>
+                    <a:ext uri="{9D8B030D-6E8A-4147-A177-3AD203B41FA5}">
+                      <a16:colId xmlns:a16="http://schemas.microsoft.com/office/drawing/2014/main" val="20002"/>
+                    </a:ext>
+                  </a:extLst>
+                </a:gridCol>
+              </a:tblGrid>
+              <a:tr h="323776">
+                <a:tc>
+                  <a:txBody>
+                    <a:bodyPr/>
+                    <a:lstStyle/>
+                    <a:p>
+                      <a:pPr marL="0" lvl="0" indent="0" algn="l">
+                        <a:buNone/>
+                      </a:pPr>
+                      <a:r>
+                        <a:rPr sz="1800"/>
+                        <a:t>Property or Aesthetic</a:t>
+                      </a:r>
+                    </a:p>
+                  </a:txBody>
+                  <a:tcPr/>
+                </a:tc>
+                <a:tc>
+                  <a:txBody>
+                    <a:bodyPr/>
+                    <a:lstStyle/>
+                    <a:p>
+                      <a:pPr marL="0" lvl="0" indent="0" algn="l">
+                        <a:buNone/>
+                      </a:pPr>
+                      <a:r>
+                        <a:rPr sz="1800"/>
+                        <a:t>Perception</a:t>
+                      </a:r>
+                    </a:p>
+                  </a:txBody>
+                  <a:tcPr/>
+                </a:tc>
+                <a:tc>
+                  <a:txBody>
+                    <a:bodyPr/>
+                    <a:lstStyle/>
+                    <a:p>
+                      <a:pPr marL="0" lvl="0" indent="0" algn="l">
+                        <a:buNone/>
+                      </a:pPr>
+                      <a:r>
+                        <a:rPr sz="1800" dirty="0"/>
+                        <a:t>Data Types</a:t>
+                      </a:r>
+                    </a:p>
+                  </a:txBody>
+                  <a:tcPr/>
+                </a:tc>
+                <a:extLst>
+                  <a:ext uri="{0D108BD9-81ED-4DB2-BD59-A6C34878D82A}">
+                    <a16:rowId xmlns:a16="http://schemas.microsoft.com/office/drawing/2014/main" val="10000"/>
+                  </a:ext>
+                </a:extLst>
+              </a:tr>
+              <a:tr h="323776">
+                <a:tc>
+                  <a:txBody>
+                    <a:bodyPr/>
+                    <a:lstStyle/>
+                    <a:p>
+                      <a:pPr marL="0" lvl="0" indent="0" algn="l">
+                        <a:buNone/>
+                      </a:pPr>
+                      <a:r>
+                        <a:rPr sz="1800"/>
+                        <a:t>Aspect ratio</a:t>
+                      </a:r>
+                    </a:p>
+                  </a:txBody>
+                  <a:tcPr/>
+                </a:tc>
+                <a:tc>
+                  <a:txBody>
+                    <a:bodyPr/>
+                    <a:lstStyle/>
+                    <a:p>
+                      <a:pPr marL="0" lvl="0" indent="0" algn="l">
+                        <a:buNone/>
+                      </a:pPr>
+                      <a:r>
+                        <a:rPr sz="1800"/>
+                        <a:t>Good</a:t>
+                      </a:r>
+                    </a:p>
+                  </a:txBody>
+                  <a:tcPr/>
+                </a:tc>
+                <a:tc>
+                  <a:txBody>
+                    <a:bodyPr/>
+                    <a:lstStyle/>
+                    <a:p>
+                      <a:pPr marL="0" lvl="0" indent="0" algn="l">
+                        <a:buNone/>
+                      </a:pPr>
+                      <a:r>
+                        <a:rPr sz="1800"/>
+                        <a:t>Numeric</a:t>
+                      </a:r>
+                    </a:p>
+                  </a:txBody>
+                  <a:tcPr/>
+                </a:tc>
+                <a:extLst>
+                  <a:ext uri="{0D108BD9-81ED-4DB2-BD59-A6C34878D82A}">
+                    <a16:rowId xmlns:a16="http://schemas.microsoft.com/office/drawing/2014/main" val="10001"/>
+                  </a:ext>
+                </a:extLst>
+              </a:tr>
+              <a:tr h="323776">
+                <a:tc>
+                  <a:txBody>
+                    <a:bodyPr/>
+                    <a:lstStyle/>
+                    <a:p>
+                      <a:pPr marL="0" lvl="0" indent="0" algn="l">
+                        <a:buNone/>
+                      </a:pPr>
+                      <a:r>
+                        <a:rPr sz="1800"/>
+                        <a:t>Regression lines</a:t>
+                      </a:r>
+                    </a:p>
+                  </a:txBody>
+                  <a:tcPr/>
+                </a:tc>
+                <a:tc>
+                  <a:txBody>
+                    <a:bodyPr/>
+                    <a:lstStyle/>
+                    <a:p>
+                      <a:pPr marL="0" lvl="0" indent="0" algn="l">
+                        <a:buNone/>
+                      </a:pPr>
+                      <a:r>
+                        <a:rPr sz="1800"/>
+                        <a:t>Good</a:t>
+                      </a:r>
+                    </a:p>
+                  </a:txBody>
+                  <a:tcPr/>
+                </a:tc>
+                <a:tc>
+                  <a:txBody>
+                    <a:bodyPr/>
+                    <a:lstStyle/>
+                    <a:p>
+                      <a:pPr marL="0" lvl="0" indent="0" algn="l">
+                        <a:buNone/>
+                      </a:pPr>
+                      <a:r>
+                        <a:rPr sz="1800"/>
+                        <a:t>Numeric plus categorical</a:t>
+                      </a:r>
+                    </a:p>
+                  </a:txBody>
+                  <a:tcPr/>
+                </a:tc>
+                <a:extLst>
+                  <a:ext uri="{0D108BD9-81ED-4DB2-BD59-A6C34878D82A}">
+                    <a16:rowId xmlns:a16="http://schemas.microsoft.com/office/drawing/2014/main" val="10002"/>
+                  </a:ext>
+                </a:extLst>
+              </a:tr>
+              <a:tr h="323776">
+                <a:tc>
+                  <a:txBody>
+                    <a:bodyPr/>
+                    <a:lstStyle/>
+                    <a:p>
+                      <a:pPr marL="0" lvl="0" indent="0" algn="l">
+                        <a:buNone/>
+                      </a:pPr>
+                      <a:r>
+                        <a:rPr sz="1800"/>
+                        <a:t>Marker position</a:t>
+                      </a:r>
+                    </a:p>
+                  </a:txBody>
+                  <a:tcPr/>
+                </a:tc>
+                <a:tc>
+                  <a:txBody>
+                    <a:bodyPr/>
+                    <a:lstStyle/>
+                    <a:p>
+                      <a:pPr marL="0" lvl="0" indent="0" algn="l">
+                        <a:buNone/>
+                      </a:pPr>
+                      <a:r>
+                        <a:rPr sz="1800"/>
+                        <a:t>Good</a:t>
+                      </a:r>
+                    </a:p>
+                  </a:txBody>
+                  <a:tcPr/>
+                </a:tc>
+                <a:tc>
+                  <a:txBody>
+                    <a:bodyPr/>
+                    <a:lstStyle/>
+                    <a:p>
+                      <a:pPr marL="0" lvl="0" indent="0" algn="l">
+                        <a:buNone/>
+                      </a:pPr>
+                      <a:r>
+                        <a:rPr sz="1800"/>
+                        <a:t>Numeric</a:t>
+                      </a:r>
+                    </a:p>
+                  </a:txBody>
+                  <a:tcPr/>
+                </a:tc>
+                <a:extLst>
+                  <a:ext uri="{0D108BD9-81ED-4DB2-BD59-A6C34878D82A}">
+                    <a16:rowId xmlns:a16="http://schemas.microsoft.com/office/drawing/2014/main" val="10003"/>
+                  </a:ext>
+                </a:extLst>
+              </a:tr>
+              <a:tr h="323776">
+                <a:tc>
+                  <a:txBody>
+                    <a:bodyPr/>
+                    <a:lstStyle/>
+                    <a:p>
+                      <a:pPr marL="0" lvl="0" indent="0" algn="l">
+                        <a:buNone/>
+                      </a:pPr>
+                      <a:r>
+                        <a:rPr sz="1800"/>
+                        <a:t>Bar length</a:t>
+                      </a:r>
+                    </a:p>
+                  </a:txBody>
+                  <a:tcPr/>
+                </a:tc>
+                <a:tc>
+                  <a:txBody>
+                    <a:bodyPr/>
+                    <a:lstStyle/>
+                    <a:p>
+                      <a:pPr marL="0" lvl="0" indent="0" algn="l">
+                        <a:buNone/>
+                      </a:pPr>
+                      <a:r>
+                        <a:rPr sz="1800"/>
+                        <a:t>Good</a:t>
+                      </a:r>
+                    </a:p>
+                  </a:txBody>
+                  <a:tcPr/>
+                </a:tc>
+                <a:tc>
+                  <a:txBody>
+                    <a:bodyPr/>
+                    <a:lstStyle/>
+                    <a:p>
+                      <a:pPr marL="0" lvl="0" indent="0" algn="l">
+                        <a:buNone/>
+                      </a:pPr>
+                      <a:r>
+                        <a:rPr sz="1800"/>
+                        <a:t>Counts, numeric</a:t>
+                      </a:r>
+                    </a:p>
+                  </a:txBody>
+                  <a:tcPr/>
+                </a:tc>
+                <a:extLst>
+                  <a:ext uri="{0D108BD9-81ED-4DB2-BD59-A6C34878D82A}">
+                    <a16:rowId xmlns:a16="http://schemas.microsoft.com/office/drawing/2014/main" val="10004"/>
+                  </a:ext>
+                </a:extLst>
+              </a:tr>
+              <a:tr h="323776">
+                <a:tc>
+                  <a:txBody>
+                    <a:bodyPr/>
+                    <a:lstStyle/>
+                    <a:p>
+                      <a:pPr marL="0" lvl="0" indent="0" algn="l">
+                        <a:buNone/>
+                      </a:pPr>
+                      <a:r>
+                        <a:rPr sz="1800"/>
+                        <a:t>Sequential color palette</a:t>
+                      </a:r>
+                    </a:p>
+                  </a:txBody>
+                  <a:tcPr/>
+                </a:tc>
+                <a:tc>
+                  <a:txBody>
+                    <a:bodyPr/>
+                    <a:lstStyle/>
+                    <a:p>
+                      <a:pPr marL="0" lvl="0" indent="0" algn="l">
+                        <a:buNone/>
+                      </a:pPr>
+                      <a:r>
+                        <a:rPr sz="1800"/>
+                        <a:t>Moderate</a:t>
+                      </a:r>
+                    </a:p>
+                  </a:txBody>
+                  <a:tcPr/>
+                </a:tc>
+                <a:tc>
+                  <a:txBody>
+                    <a:bodyPr/>
+                    <a:lstStyle/>
+                    <a:p>
+                      <a:pPr marL="0" lvl="0" indent="0" algn="l">
+                        <a:buNone/>
+                      </a:pPr>
+                      <a:r>
+                        <a:rPr sz="1800"/>
+                        <a:t>Numeric, ordered categorical</a:t>
+                      </a:r>
+                    </a:p>
+                  </a:txBody>
+                  <a:tcPr/>
+                </a:tc>
+                <a:extLst>
+                  <a:ext uri="{0D108BD9-81ED-4DB2-BD59-A6C34878D82A}">
+                    <a16:rowId xmlns:a16="http://schemas.microsoft.com/office/drawing/2014/main" val="10005"/>
+                  </a:ext>
+                </a:extLst>
+              </a:tr>
+              <a:tr h="323776">
+                <a:tc>
+                  <a:txBody>
+                    <a:bodyPr/>
+                    <a:lstStyle/>
+                    <a:p>
+                      <a:pPr marL="0" lvl="0" indent="0" algn="l">
+                        <a:buNone/>
+                      </a:pPr>
+                      <a:r>
+                        <a:rPr sz="1800"/>
+                        <a:t>Marker size</a:t>
+                      </a:r>
+                    </a:p>
+                  </a:txBody>
+                  <a:tcPr/>
+                </a:tc>
+                <a:tc>
+                  <a:txBody>
+                    <a:bodyPr/>
+                    <a:lstStyle/>
+                    <a:p>
+                      <a:pPr marL="0" lvl="0" indent="0" algn="l">
+                        <a:buNone/>
+                      </a:pPr>
+                      <a:r>
+                        <a:rPr sz="1800"/>
+                        <a:t>Moderate</a:t>
+                      </a:r>
+                    </a:p>
+                  </a:txBody>
+                  <a:tcPr/>
+                </a:tc>
+                <a:tc>
+                  <a:txBody>
+                    <a:bodyPr/>
+                    <a:lstStyle/>
+                    <a:p>
+                      <a:pPr marL="0" lvl="0" indent="0" algn="l">
+                        <a:buNone/>
+                      </a:pPr>
+                      <a:r>
+                        <a:rPr sz="1800"/>
+                        <a:t>Numeric, ordered categorical</a:t>
+                      </a:r>
+                    </a:p>
+                  </a:txBody>
+                  <a:tcPr/>
+                </a:tc>
+                <a:extLst>
+                  <a:ext uri="{0D108BD9-81ED-4DB2-BD59-A6C34878D82A}">
+                    <a16:rowId xmlns:a16="http://schemas.microsoft.com/office/drawing/2014/main" val="10006"/>
+                  </a:ext>
+                </a:extLst>
+              </a:tr>
+              <a:tr h="323776">
+                <a:tc>
+                  <a:txBody>
+                    <a:bodyPr/>
+                    <a:lstStyle/>
+                    <a:p>
+                      <a:pPr marL="0" lvl="0" indent="0" algn="l">
+                        <a:buNone/>
+                      </a:pPr>
+                      <a:r>
+                        <a:rPr sz="1800"/>
+                        <a:t>Line types</a:t>
+                      </a:r>
+                    </a:p>
+                  </a:txBody>
+                  <a:tcPr/>
+                </a:tc>
+                <a:tc>
+                  <a:txBody>
+                    <a:bodyPr/>
+                    <a:lstStyle/>
+                    <a:p>
+                      <a:pPr marL="0" lvl="0" indent="0" algn="l">
+                        <a:buNone/>
+                      </a:pPr>
+                      <a:r>
+                        <a:rPr sz="1800"/>
+                        <a:t>Limited</a:t>
+                      </a:r>
+                    </a:p>
+                  </a:txBody>
+                  <a:tcPr/>
+                </a:tc>
+                <a:tc>
+                  <a:txBody>
+                    <a:bodyPr/>
+                    <a:lstStyle/>
+                    <a:p>
+                      <a:pPr marL="0" lvl="0" indent="0" algn="l">
+                        <a:buNone/>
+                      </a:pPr>
+                      <a:r>
+                        <a:rPr sz="1800"/>
+                        <a:t>Categorical</a:t>
+                      </a:r>
+                    </a:p>
+                  </a:txBody>
+                  <a:tcPr/>
+                </a:tc>
+                <a:extLst>
+                  <a:ext uri="{0D108BD9-81ED-4DB2-BD59-A6C34878D82A}">
+                    <a16:rowId xmlns:a16="http://schemas.microsoft.com/office/drawing/2014/main" val="10007"/>
+                  </a:ext>
+                </a:extLst>
+              </a:tr>
+              <a:tr h="323776">
+                <a:tc>
+                  <a:txBody>
+                    <a:bodyPr/>
+                    <a:lstStyle/>
+                    <a:p>
+                      <a:pPr marL="0" lvl="0" indent="0" algn="l">
+                        <a:buNone/>
+                      </a:pPr>
+                      <a:r>
+                        <a:rPr sz="1800"/>
+                        <a:t>Qualitative color palette</a:t>
+                      </a:r>
+                    </a:p>
+                  </a:txBody>
+                  <a:tcPr/>
+                </a:tc>
+                <a:tc>
+                  <a:txBody>
+                    <a:bodyPr/>
+                    <a:lstStyle/>
+                    <a:p>
+                      <a:pPr marL="0" lvl="0" indent="0" algn="l">
+                        <a:buNone/>
+                      </a:pPr>
+                      <a:r>
+                        <a:rPr sz="1800"/>
+                        <a:t>Limited</a:t>
+                      </a:r>
+                    </a:p>
+                  </a:txBody>
+                  <a:tcPr/>
+                </a:tc>
+                <a:tc>
+                  <a:txBody>
+                    <a:bodyPr/>
+                    <a:lstStyle/>
+                    <a:p>
+                      <a:pPr marL="0" lvl="0" indent="0" algn="l">
+                        <a:buNone/>
+                      </a:pPr>
+                      <a:r>
+                        <a:rPr sz="1800"/>
+                        <a:t>Categorical</a:t>
+                      </a:r>
+                    </a:p>
+                  </a:txBody>
+                  <a:tcPr/>
+                </a:tc>
+                <a:extLst>
+                  <a:ext uri="{0D108BD9-81ED-4DB2-BD59-A6C34878D82A}">
+                    <a16:rowId xmlns:a16="http://schemas.microsoft.com/office/drawing/2014/main" val="10008"/>
+                  </a:ext>
+                </a:extLst>
+              </a:tr>
+              <a:tr h="323776">
+                <a:tc>
+                  <a:txBody>
+                    <a:bodyPr/>
+                    <a:lstStyle/>
+                    <a:p>
+                      <a:pPr marL="0" lvl="0" indent="0" algn="l">
+                        <a:buNone/>
+                      </a:pPr>
+                      <a:r>
+                        <a:rPr sz="1800"/>
+                        <a:t>Marker shape</a:t>
+                      </a:r>
+                    </a:p>
+                  </a:txBody>
+                  <a:tcPr/>
+                </a:tc>
+                <a:tc>
+                  <a:txBody>
+                    <a:bodyPr/>
+                    <a:lstStyle/>
+                    <a:p>
+                      <a:pPr marL="0" lvl="0" indent="0" algn="l">
+                        <a:buNone/>
+                      </a:pPr>
+                      <a:r>
+                        <a:rPr sz="1800"/>
+                        <a:t>Limited</a:t>
+                      </a:r>
+                    </a:p>
+                  </a:txBody>
+                  <a:tcPr/>
+                </a:tc>
+                <a:tc>
+                  <a:txBody>
+                    <a:bodyPr/>
+                    <a:lstStyle/>
+                    <a:p>
+                      <a:pPr marL="0" lvl="0" indent="0" algn="l">
+                        <a:buNone/>
+                      </a:pPr>
+                      <a:r>
+                        <a:rPr sz="1800"/>
+                        <a:t>Categorical</a:t>
+                      </a:r>
+                    </a:p>
+                  </a:txBody>
+                  <a:tcPr/>
+                </a:tc>
+                <a:extLst>
+                  <a:ext uri="{0D108BD9-81ED-4DB2-BD59-A6C34878D82A}">
+                    <a16:rowId xmlns:a16="http://schemas.microsoft.com/office/drawing/2014/main" val="10009"/>
+                  </a:ext>
+                </a:extLst>
+              </a:tr>
+              <a:tr h="323776">
+                <a:tc>
+                  <a:txBody>
+                    <a:bodyPr/>
+                    <a:lstStyle/>
+                    <a:p>
+                      <a:pPr marL="0" lvl="0" indent="0" algn="l">
+                        <a:buNone/>
+                      </a:pPr>
+                      <a:r>
+                        <a:rPr sz="1800"/>
+                        <a:t>Area</a:t>
+                      </a:r>
+                    </a:p>
+                  </a:txBody>
+                  <a:tcPr/>
+                </a:tc>
+                <a:tc>
+                  <a:txBody>
+                    <a:bodyPr/>
+                    <a:lstStyle/>
+                    <a:p>
+                      <a:pPr marL="0" lvl="0" indent="0" algn="l">
+                        <a:buNone/>
+                      </a:pPr>
+                      <a:r>
+                        <a:rPr sz="1800"/>
+                        <a:t>Limited</a:t>
+                      </a:r>
+                    </a:p>
+                  </a:txBody>
+                  <a:tcPr/>
+                </a:tc>
+                <a:tc>
+                  <a:txBody>
+                    <a:bodyPr/>
+                    <a:lstStyle/>
+                    <a:p>
+                      <a:pPr marL="0" lvl="0" indent="0" algn="l">
+                        <a:buNone/>
+                      </a:pPr>
+                      <a:r>
+                        <a:rPr sz="1800"/>
+                        <a:t>Numeric or categorical</a:t>
+                      </a:r>
+                    </a:p>
+                  </a:txBody>
+                  <a:tcPr/>
+                </a:tc>
+                <a:extLst>
+                  <a:ext uri="{0D108BD9-81ED-4DB2-BD59-A6C34878D82A}">
+                    <a16:rowId xmlns:a16="http://schemas.microsoft.com/office/drawing/2014/main" val="10010"/>
+                  </a:ext>
+                </a:extLst>
+              </a:tr>
+              <a:tr h="312758">
+                <a:tc>
+                  <a:txBody>
+                    <a:bodyPr/>
+                    <a:lstStyle/>
+                    <a:p>
+                      <a:pPr marL="0" lvl="0" indent="0" algn="l">
+                        <a:buNone/>
+                      </a:pPr>
+                      <a:r>
+                        <a:rPr sz="1800"/>
+                        <a:t>Angle</a:t>
+                      </a:r>
+                    </a:p>
+                  </a:txBody>
+                  <a:tcPr/>
+                </a:tc>
+                <a:tc>
+                  <a:txBody>
+                    <a:bodyPr/>
+                    <a:lstStyle/>
+                    <a:p>
+                      <a:pPr marL="0" lvl="0" indent="0" algn="l">
+                        <a:buNone/>
+                      </a:pPr>
+                      <a:r>
+                        <a:rPr sz="1800"/>
+                        <a:t>Limited</a:t>
+                      </a:r>
+                    </a:p>
+                  </a:txBody>
+                  <a:tcPr/>
+                </a:tc>
+                <a:tc>
+                  <a:txBody>
+                    <a:bodyPr/>
+                    <a:lstStyle/>
+                    <a:p>
+                      <a:pPr marL="0" lvl="0" indent="0" algn="l">
+                        <a:buNone/>
+                      </a:pPr>
+                      <a:r>
+                        <a:rPr sz="1800" dirty="0"/>
+                        <a:t>Numeric</a:t>
+                      </a:r>
+                    </a:p>
+                  </a:txBody>
+                  <a:tcPr/>
+                </a:tc>
+                <a:extLst>
+                  <a:ext uri="{0D108BD9-81ED-4DB2-BD59-A6C34878D82A}">
+                    <a16:rowId xmlns:a16="http://schemas.microsoft.com/office/drawing/2014/main" val="10011"/>
+                  </a:ext>
+                </a:extLst>
+              </a:tr>
+            </a:tbl>
+          </a:graphicData>
+        </a:graphic>
+      </p:graphicFrame>
+    </p:spTree>
+    <p:extLst>
+      <p:ext uri="{BB962C8B-B14F-4D97-AF65-F5344CB8AC3E}">
+        <p14:creationId xmlns:p14="http://schemas.microsoft.com/office/powerpoint/2010/main" val="3380756405"/>
+      </p:ext>
+    </p:extLst>
   </p:cSld>
   <p:clrMapOvr>
     <a:masterClrMapping/>

--- a/LectureSlides/01_PreceptionForScientificVisualization.pptx
+++ b/LectureSlides/01_PreceptionForScientificVisualization.pptx
@@ -4,6 +4,9 @@
   <p:sldMasterIdLst>
     <p:sldMasterId id="2147483648" r:id="rId1"/>
   </p:sldMasterIdLst>
+  <p:notesMasterIdLst>
+    <p:notesMasterId r:id="rId53"/>
+  </p:notesMasterIdLst>
   <p:sldIdLst>
     <p:sldId id="256" r:id="rId2"/>
     <p:sldId id="257" r:id="rId3"/>
@@ -24,37 +27,38 @@
     <p:sldId id="273" r:id="rId18"/>
     <p:sldId id="274" r:id="rId19"/>
     <p:sldId id="275" r:id="rId20"/>
-    <p:sldId id="276" r:id="rId21"/>
-    <p:sldId id="277" r:id="rId22"/>
-    <p:sldId id="311" r:id="rId23"/>
-    <p:sldId id="278" r:id="rId24"/>
-    <p:sldId id="279" r:id="rId25"/>
-    <p:sldId id="280" r:id="rId26"/>
-    <p:sldId id="281" r:id="rId27"/>
-    <p:sldId id="282" r:id="rId28"/>
-    <p:sldId id="283" r:id="rId29"/>
-    <p:sldId id="284" r:id="rId30"/>
-    <p:sldId id="286" r:id="rId31"/>
-    <p:sldId id="287" r:id="rId32"/>
-    <p:sldId id="312" r:id="rId33"/>
-    <p:sldId id="313" r:id="rId34"/>
-    <p:sldId id="288" r:id="rId35"/>
-    <p:sldId id="290" r:id="rId36"/>
-    <p:sldId id="291" r:id="rId37"/>
-    <p:sldId id="292" r:id="rId38"/>
-    <p:sldId id="293" r:id="rId39"/>
-    <p:sldId id="294" r:id="rId40"/>
-    <p:sldId id="295" r:id="rId41"/>
-    <p:sldId id="296" r:id="rId42"/>
-    <p:sldId id="298" r:id="rId43"/>
-    <p:sldId id="300" r:id="rId44"/>
-    <p:sldId id="301" r:id="rId45"/>
-    <p:sldId id="303" r:id="rId46"/>
-    <p:sldId id="308" r:id="rId47"/>
-    <p:sldId id="304" r:id="rId48"/>
-    <p:sldId id="305" r:id="rId49"/>
-    <p:sldId id="307" r:id="rId50"/>
-    <p:sldId id="314" r:id="rId51"/>
+    <p:sldId id="315" r:id="rId21"/>
+    <p:sldId id="276" r:id="rId22"/>
+    <p:sldId id="277" r:id="rId23"/>
+    <p:sldId id="311" r:id="rId24"/>
+    <p:sldId id="278" r:id="rId25"/>
+    <p:sldId id="279" r:id="rId26"/>
+    <p:sldId id="280" r:id="rId27"/>
+    <p:sldId id="281" r:id="rId28"/>
+    <p:sldId id="282" r:id="rId29"/>
+    <p:sldId id="283" r:id="rId30"/>
+    <p:sldId id="284" r:id="rId31"/>
+    <p:sldId id="286" r:id="rId32"/>
+    <p:sldId id="287" r:id="rId33"/>
+    <p:sldId id="312" r:id="rId34"/>
+    <p:sldId id="313" r:id="rId35"/>
+    <p:sldId id="288" r:id="rId36"/>
+    <p:sldId id="290" r:id="rId37"/>
+    <p:sldId id="291" r:id="rId38"/>
+    <p:sldId id="292" r:id="rId39"/>
+    <p:sldId id="293" r:id="rId40"/>
+    <p:sldId id="294" r:id="rId41"/>
+    <p:sldId id="295" r:id="rId42"/>
+    <p:sldId id="296" r:id="rId43"/>
+    <p:sldId id="298" r:id="rId44"/>
+    <p:sldId id="300" r:id="rId45"/>
+    <p:sldId id="301" r:id="rId46"/>
+    <p:sldId id="303" r:id="rId47"/>
+    <p:sldId id="308" r:id="rId48"/>
+    <p:sldId id="304" r:id="rId49"/>
+    <p:sldId id="305" r:id="rId50"/>
+    <p:sldId id="307" r:id="rId51"/>
+    <p:sldId id="316" r:id="rId52"/>
   </p:sldIdLst>
   <p:sldSz cx="9144000" cy="5143500" type="screen16x9"/>
   <p:notesSz cx="6858000" cy="9144000"/>
@@ -172,6 +176,439 @@
 </p:presentation>
 </file>
 
+<file path=ppt/notesMasters/notesMaster1.xml><?xml version="1.0" encoding="utf-8"?>
+<p:notesMaster xmlns:a="http://schemas.openxmlformats.org/drawingml/2006/main" xmlns:r="http://schemas.openxmlformats.org/officeDocument/2006/relationships" xmlns:p="http://schemas.openxmlformats.org/presentationml/2006/main">
+  <p:cSld>
+    <p:bg>
+      <p:bgRef idx="1001">
+        <a:schemeClr val="bg1"/>
+      </p:bgRef>
+    </p:bg>
+    <p:spTree>
+      <p:nvGrpSpPr>
+        <p:cNvPr id="1" name=""/>
+        <p:cNvGrpSpPr/>
+        <p:nvPr/>
+      </p:nvGrpSpPr>
+      <p:grpSpPr>
+        <a:xfrm>
+          <a:off x="0" y="0"/>
+          <a:ext cx="0" cy="0"/>
+          <a:chOff x="0" y="0"/>
+          <a:chExt cx="0" cy="0"/>
+        </a:xfrm>
+      </p:grpSpPr>
+      <p:sp>
+        <p:nvSpPr>
+          <p:cNvPr id="2" name="Header Placeholder 1"/>
+          <p:cNvSpPr>
+            <a:spLocks noGrp="1"/>
+          </p:cNvSpPr>
+          <p:nvPr>
+            <p:ph type="hdr" sz="quarter"/>
+          </p:nvPr>
+        </p:nvSpPr>
+        <p:spPr>
+          <a:xfrm>
+            <a:off x="0" y="0"/>
+            <a:ext cx="2971800" cy="458788"/>
+          </a:xfrm>
+          <a:prstGeom prst="rect">
+            <a:avLst/>
+          </a:prstGeom>
+        </p:spPr>
+        <p:txBody>
+          <a:bodyPr vert="horz" lIns="91440" tIns="45720" rIns="91440" bIns="45720" rtlCol="0"/>
+          <a:lstStyle>
+            <a:lvl1pPr algn="l">
+              <a:defRPr sz="1200"/>
+            </a:lvl1pPr>
+          </a:lstStyle>
+          <a:p>
+            <a:endParaRPr lang="en-US"/>
+          </a:p>
+        </p:txBody>
+      </p:sp>
+      <p:sp>
+        <p:nvSpPr>
+          <p:cNvPr id="3" name="Date Placeholder 2"/>
+          <p:cNvSpPr>
+            <a:spLocks noGrp="1"/>
+          </p:cNvSpPr>
+          <p:nvPr>
+            <p:ph type="dt" idx="1"/>
+          </p:nvPr>
+        </p:nvSpPr>
+        <p:spPr>
+          <a:xfrm>
+            <a:off x="3884613" y="0"/>
+            <a:ext cx="2971800" cy="458788"/>
+          </a:xfrm>
+          <a:prstGeom prst="rect">
+            <a:avLst/>
+          </a:prstGeom>
+        </p:spPr>
+        <p:txBody>
+          <a:bodyPr vert="horz" lIns="91440" tIns="45720" rIns="91440" bIns="45720" rtlCol="0"/>
+          <a:lstStyle>
+            <a:lvl1pPr algn="r">
+              <a:defRPr sz="1200"/>
+            </a:lvl1pPr>
+          </a:lstStyle>
+          <a:p>
+            <a:fld id="{3C48B955-8536-4BAC-8F14-FFC29379D0BF}" type="datetimeFigureOut">
+              <a:rPr lang="en-US" smtClean="0"/>
+              <a:t>9/3/2024</a:t>
+            </a:fld>
+            <a:endParaRPr lang="en-US"/>
+          </a:p>
+        </p:txBody>
+      </p:sp>
+      <p:sp>
+        <p:nvSpPr>
+          <p:cNvPr id="4" name="Slide Image Placeholder 3"/>
+          <p:cNvSpPr>
+            <a:spLocks noGrp="1" noRot="1" noChangeAspect="1"/>
+          </p:cNvSpPr>
+          <p:nvPr>
+            <p:ph type="sldImg" idx="2"/>
+          </p:nvPr>
+        </p:nvSpPr>
+        <p:spPr>
+          <a:xfrm>
+            <a:off x="685800" y="1143000"/>
+            <a:ext cx="5486400" cy="3086100"/>
+          </a:xfrm>
+          <a:prstGeom prst="rect">
+            <a:avLst/>
+          </a:prstGeom>
+          <a:noFill/>
+          <a:ln w="12700">
+            <a:solidFill>
+              <a:prstClr val="black"/>
+            </a:solidFill>
+          </a:ln>
+        </p:spPr>
+        <p:txBody>
+          <a:bodyPr vert="horz" lIns="91440" tIns="45720" rIns="91440" bIns="45720" rtlCol="0" anchor="ctr"/>
+          <a:lstStyle/>
+          <a:p>
+            <a:endParaRPr lang="en-US"/>
+          </a:p>
+        </p:txBody>
+      </p:sp>
+      <p:sp>
+        <p:nvSpPr>
+          <p:cNvPr id="5" name="Notes Placeholder 4"/>
+          <p:cNvSpPr>
+            <a:spLocks noGrp="1"/>
+          </p:cNvSpPr>
+          <p:nvPr>
+            <p:ph type="body" sz="quarter" idx="3"/>
+          </p:nvPr>
+        </p:nvSpPr>
+        <p:spPr>
+          <a:xfrm>
+            <a:off x="685800" y="4400550"/>
+            <a:ext cx="5486400" cy="3600450"/>
+          </a:xfrm>
+          <a:prstGeom prst="rect">
+            <a:avLst/>
+          </a:prstGeom>
+        </p:spPr>
+        <p:txBody>
+          <a:bodyPr vert="horz" lIns="91440" tIns="45720" rIns="91440" bIns="45720" rtlCol="0"/>
+          <a:lstStyle/>
+          <a:p>
+            <a:pPr lvl="0"/>
+            <a:r>
+              <a:rPr lang="en-US"/>
+              <a:t>Click to edit Master text styles</a:t>
+            </a:r>
+          </a:p>
+          <a:p>
+            <a:pPr lvl="1"/>
+            <a:r>
+              <a:rPr lang="en-US"/>
+              <a:t>Second level</a:t>
+            </a:r>
+          </a:p>
+          <a:p>
+            <a:pPr lvl="2"/>
+            <a:r>
+              <a:rPr lang="en-US"/>
+              <a:t>Third level</a:t>
+            </a:r>
+          </a:p>
+          <a:p>
+            <a:pPr lvl="3"/>
+            <a:r>
+              <a:rPr lang="en-US"/>
+              <a:t>Fourth level</a:t>
+            </a:r>
+          </a:p>
+          <a:p>
+            <a:pPr lvl="4"/>
+            <a:r>
+              <a:rPr lang="en-US"/>
+              <a:t>Fifth level</a:t>
+            </a:r>
+          </a:p>
+        </p:txBody>
+      </p:sp>
+      <p:sp>
+        <p:nvSpPr>
+          <p:cNvPr id="6" name="Footer Placeholder 5"/>
+          <p:cNvSpPr>
+            <a:spLocks noGrp="1"/>
+          </p:cNvSpPr>
+          <p:nvPr>
+            <p:ph type="ftr" sz="quarter" idx="4"/>
+          </p:nvPr>
+        </p:nvSpPr>
+        <p:spPr>
+          <a:xfrm>
+            <a:off x="0" y="8685213"/>
+            <a:ext cx="2971800" cy="458787"/>
+          </a:xfrm>
+          <a:prstGeom prst="rect">
+            <a:avLst/>
+          </a:prstGeom>
+        </p:spPr>
+        <p:txBody>
+          <a:bodyPr vert="horz" lIns="91440" tIns="45720" rIns="91440" bIns="45720" rtlCol="0" anchor="b"/>
+          <a:lstStyle>
+            <a:lvl1pPr algn="l">
+              <a:defRPr sz="1200"/>
+            </a:lvl1pPr>
+          </a:lstStyle>
+          <a:p>
+            <a:endParaRPr lang="en-US"/>
+          </a:p>
+        </p:txBody>
+      </p:sp>
+      <p:sp>
+        <p:nvSpPr>
+          <p:cNvPr id="7" name="Slide Number Placeholder 6"/>
+          <p:cNvSpPr>
+            <a:spLocks noGrp="1"/>
+          </p:cNvSpPr>
+          <p:nvPr>
+            <p:ph type="sldNum" sz="quarter" idx="5"/>
+          </p:nvPr>
+        </p:nvSpPr>
+        <p:spPr>
+          <a:xfrm>
+            <a:off x="3884613" y="8685213"/>
+            <a:ext cx="2971800" cy="458787"/>
+          </a:xfrm>
+          <a:prstGeom prst="rect">
+            <a:avLst/>
+          </a:prstGeom>
+        </p:spPr>
+        <p:txBody>
+          <a:bodyPr vert="horz" lIns="91440" tIns="45720" rIns="91440" bIns="45720" rtlCol="0" anchor="b"/>
+          <a:lstStyle>
+            <a:lvl1pPr algn="r">
+              <a:defRPr sz="1200"/>
+            </a:lvl1pPr>
+          </a:lstStyle>
+          <a:p>
+            <a:fld id="{AA7BAB8E-9F72-444E-B07F-4C82828652A6}" type="slidenum">
+              <a:rPr lang="en-US" smtClean="0"/>
+              <a:t>‹#›</a:t>
+            </a:fld>
+            <a:endParaRPr lang="en-US"/>
+          </a:p>
+        </p:txBody>
+      </p:sp>
+    </p:spTree>
+    <p:extLst>
+      <p:ext uri="{BB962C8B-B14F-4D97-AF65-F5344CB8AC3E}">
+        <p14:creationId xmlns:p14="http://schemas.microsoft.com/office/powerpoint/2010/main" val="2071345499"/>
+      </p:ext>
+    </p:extLst>
+  </p:cSld>
+  <p:clrMap bg1="lt1" tx1="dk1" bg2="lt2" tx2="dk2" accent1="accent1" accent2="accent2" accent3="accent3" accent4="accent4" accent5="accent5" accent6="accent6" hlink="hlink" folHlink="folHlink"/>
+  <p:notesStyle>
+    <a:lvl1pPr marL="0" algn="l" defTabSz="914400" rtl="0" eaLnBrk="1" latinLnBrk="0" hangingPunct="1">
+      <a:defRPr sz="1200" kern="1200">
+        <a:solidFill>
+          <a:schemeClr val="tx1"/>
+        </a:solidFill>
+        <a:latin typeface="+mn-lt"/>
+        <a:ea typeface="+mn-ea"/>
+        <a:cs typeface="+mn-cs"/>
+      </a:defRPr>
+    </a:lvl1pPr>
+    <a:lvl2pPr marL="457200" algn="l" defTabSz="914400" rtl="0" eaLnBrk="1" latinLnBrk="0" hangingPunct="1">
+      <a:defRPr sz="1200" kern="1200">
+        <a:solidFill>
+          <a:schemeClr val="tx1"/>
+        </a:solidFill>
+        <a:latin typeface="+mn-lt"/>
+        <a:ea typeface="+mn-ea"/>
+        <a:cs typeface="+mn-cs"/>
+      </a:defRPr>
+    </a:lvl2pPr>
+    <a:lvl3pPr marL="914400" algn="l" defTabSz="914400" rtl="0" eaLnBrk="1" latinLnBrk="0" hangingPunct="1">
+      <a:defRPr sz="1200" kern="1200">
+        <a:solidFill>
+          <a:schemeClr val="tx1"/>
+        </a:solidFill>
+        <a:latin typeface="+mn-lt"/>
+        <a:ea typeface="+mn-ea"/>
+        <a:cs typeface="+mn-cs"/>
+      </a:defRPr>
+    </a:lvl3pPr>
+    <a:lvl4pPr marL="1371600" algn="l" defTabSz="914400" rtl="0" eaLnBrk="1" latinLnBrk="0" hangingPunct="1">
+      <a:defRPr sz="1200" kern="1200">
+        <a:solidFill>
+          <a:schemeClr val="tx1"/>
+        </a:solidFill>
+        <a:latin typeface="+mn-lt"/>
+        <a:ea typeface="+mn-ea"/>
+        <a:cs typeface="+mn-cs"/>
+      </a:defRPr>
+    </a:lvl4pPr>
+    <a:lvl5pPr marL="1828800" algn="l" defTabSz="914400" rtl="0" eaLnBrk="1" latinLnBrk="0" hangingPunct="1">
+      <a:defRPr sz="1200" kern="1200">
+        <a:solidFill>
+          <a:schemeClr val="tx1"/>
+        </a:solidFill>
+        <a:latin typeface="+mn-lt"/>
+        <a:ea typeface="+mn-ea"/>
+        <a:cs typeface="+mn-cs"/>
+      </a:defRPr>
+    </a:lvl5pPr>
+    <a:lvl6pPr marL="2286000" algn="l" defTabSz="914400" rtl="0" eaLnBrk="1" latinLnBrk="0" hangingPunct="1">
+      <a:defRPr sz="1200" kern="1200">
+        <a:solidFill>
+          <a:schemeClr val="tx1"/>
+        </a:solidFill>
+        <a:latin typeface="+mn-lt"/>
+        <a:ea typeface="+mn-ea"/>
+        <a:cs typeface="+mn-cs"/>
+      </a:defRPr>
+    </a:lvl6pPr>
+    <a:lvl7pPr marL="2743200" algn="l" defTabSz="914400" rtl="0" eaLnBrk="1" latinLnBrk="0" hangingPunct="1">
+      <a:defRPr sz="1200" kern="1200">
+        <a:solidFill>
+          <a:schemeClr val="tx1"/>
+        </a:solidFill>
+        <a:latin typeface="+mn-lt"/>
+        <a:ea typeface="+mn-ea"/>
+        <a:cs typeface="+mn-cs"/>
+      </a:defRPr>
+    </a:lvl7pPr>
+    <a:lvl8pPr marL="3200400" algn="l" defTabSz="914400" rtl="0" eaLnBrk="1" latinLnBrk="0" hangingPunct="1">
+      <a:defRPr sz="1200" kern="1200">
+        <a:solidFill>
+          <a:schemeClr val="tx1"/>
+        </a:solidFill>
+        <a:latin typeface="+mn-lt"/>
+        <a:ea typeface="+mn-ea"/>
+        <a:cs typeface="+mn-cs"/>
+      </a:defRPr>
+    </a:lvl8pPr>
+    <a:lvl9pPr marL="3657600" algn="l" defTabSz="914400" rtl="0" eaLnBrk="1" latinLnBrk="0" hangingPunct="1">
+      <a:defRPr sz="1200" kern="1200">
+        <a:solidFill>
+          <a:schemeClr val="tx1"/>
+        </a:solidFill>
+        <a:latin typeface="+mn-lt"/>
+        <a:ea typeface="+mn-ea"/>
+        <a:cs typeface="+mn-cs"/>
+      </a:defRPr>
+    </a:lvl9pPr>
+  </p:notesStyle>
+</p:notesMaster>
+</file>
+
+<file path=ppt/notesSlides/notesSlide1.xml><?xml version="1.0" encoding="utf-8"?>
+<p:notes xmlns:a="http://schemas.openxmlformats.org/drawingml/2006/main" xmlns:r="http://schemas.openxmlformats.org/officeDocument/2006/relationships" xmlns:p="http://schemas.openxmlformats.org/presentationml/2006/main">
+  <p:cSld>
+    <p:spTree>
+      <p:nvGrpSpPr>
+        <p:cNvPr id="1" name=""/>
+        <p:cNvGrpSpPr/>
+        <p:nvPr/>
+      </p:nvGrpSpPr>
+      <p:grpSpPr>
+        <a:xfrm>
+          <a:off x="0" y="0"/>
+          <a:ext cx="0" cy="0"/>
+          <a:chOff x="0" y="0"/>
+          <a:chExt cx="0" cy="0"/>
+        </a:xfrm>
+      </p:grpSpPr>
+      <p:sp>
+        <p:nvSpPr>
+          <p:cNvPr id="2" name="Slide Image Placeholder 1"/>
+          <p:cNvSpPr>
+            <a:spLocks noGrp="1" noRot="1" noChangeAspect="1"/>
+          </p:cNvSpPr>
+          <p:nvPr>
+            <p:ph type="sldImg"/>
+          </p:nvPr>
+        </p:nvSpPr>
+        <p:spPr/>
+      </p:sp>
+      <p:sp>
+        <p:nvSpPr>
+          <p:cNvPr id="3" name="Notes Placeholder 2"/>
+          <p:cNvSpPr>
+            <a:spLocks noGrp="1"/>
+          </p:cNvSpPr>
+          <p:nvPr>
+            <p:ph type="body" idx="1"/>
+          </p:nvPr>
+        </p:nvSpPr>
+        <p:spPr/>
+        <p:txBody>
+          <a:bodyPr/>
+          <a:lstStyle/>
+          <a:p>
+            <a:endParaRPr lang="en-US" dirty="0"/>
+          </a:p>
+        </p:txBody>
+      </p:sp>
+      <p:sp>
+        <p:nvSpPr>
+          <p:cNvPr id="4" name="Slide Number Placeholder 3"/>
+          <p:cNvSpPr>
+            <a:spLocks noGrp="1"/>
+          </p:cNvSpPr>
+          <p:nvPr>
+            <p:ph type="sldNum" sz="quarter" idx="5"/>
+          </p:nvPr>
+        </p:nvSpPr>
+        <p:spPr/>
+        <p:txBody>
+          <a:bodyPr/>
+          <a:lstStyle/>
+          <a:p>
+            <a:fld id="{AA7BAB8E-9F72-444E-B07F-4C82828652A6}" type="slidenum">
+              <a:rPr lang="en-US" smtClean="0"/>
+              <a:t>32</a:t>
+            </a:fld>
+            <a:endParaRPr lang="en-US"/>
+          </a:p>
+        </p:txBody>
+      </p:sp>
+    </p:spTree>
+    <p:extLst>
+      <p:ext uri="{BB962C8B-B14F-4D97-AF65-F5344CB8AC3E}">
+        <p14:creationId xmlns:p14="http://schemas.microsoft.com/office/powerpoint/2010/main" val="103738504"/>
+      </p:ext>
+    </p:extLst>
+  </p:cSld>
+  <p:clrMapOvr>
+    <a:masterClrMapping/>
+  </p:clrMapOvr>
+</p:notes>
+</file>
+
 <file path=ppt/slideLayouts/slideLayout1.xml><?xml version="1.0" encoding="utf-8"?>
 <p:sldLayout xmlns:a="http://schemas.openxmlformats.org/drawingml/2006/main" xmlns:r="http://schemas.openxmlformats.org/officeDocument/2006/relationships" xmlns:p="http://schemas.openxmlformats.org/presentationml/2006/main" type="title" preserve="1">
   <p:cSld name="Title Slide">
@@ -351,7 +788,7 @@
           <a:p>
             <a:fld id="{241EB5C9-1307-BA42-ABA2-0BC069CD8E7F}" type="datetimeFigureOut">
               <a:rPr lang="en-US" smtClean="0"/>
-              <a:t>8/30/2024</a:t>
+              <a:t>9/3/2024</a:t>
             </a:fld>
             <a:endParaRPr lang="en-US"/>
           </a:p>
@@ -519,7 +956,7 @@
           <a:p>
             <a:fld id="{241EB5C9-1307-BA42-ABA2-0BC069CD8E7F}" type="datetimeFigureOut">
               <a:rPr lang="en-US" smtClean="0"/>
-              <a:t>8/30/2024</a:t>
+              <a:t>9/3/2024</a:t>
             </a:fld>
             <a:endParaRPr lang="en-US"/>
           </a:p>
@@ -697,7 +1134,7 @@
           <a:p>
             <a:fld id="{241EB5C9-1307-BA42-ABA2-0BC069CD8E7F}" type="datetimeFigureOut">
               <a:rPr lang="en-US" smtClean="0"/>
-              <a:t>8/30/2024</a:t>
+              <a:t>9/3/2024</a:t>
             </a:fld>
             <a:endParaRPr lang="en-US"/>
           </a:p>
@@ -865,7 +1302,7 @@
           <a:p>
             <a:fld id="{241EB5C9-1307-BA42-ABA2-0BC069CD8E7F}" type="datetimeFigureOut">
               <a:rPr lang="en-US" smtClean="0"/>
-              <a:t>8/30/2024</a:t>
+              <a:t>9/3/2024</a:t>
             </a:fld>
             <a:endParaRPr lang="en-US"/>
           </a:p>
@@ -1110,7 +1547,7 @@
           <a:p>
             <a:fld id="{241EB5C9-1307-BA42-ABA2-0BC069CD8E7F}" type="datetimeFigureOut">
               <a:rPr lang="en-US" smtClean="0"/>
-              <a:t>8/30/2024</a:t>
+              <a:t>9/3/2024</a:t>
             </a:fld>
             <a:endParaRPr lang="en-US"/>
           </a:p>
@@ -1395,7 +1832,7 @@
           <a:p>
             <a:fld id="{241EB5C9-1307-BA42-ABA2-0BC069CD8E7F}" type="datetimeFigureOut">
               <a:rPr lang="en-US" smtClean="0"/>
-              <a:t>8/30/2024</a:t>
+              <a:t>9/3/2024</a:t>
             </a:fld>
             <a:endParaRPr lang="en-US"/>
           </a:p>
@@ -1814,7 +2251,7 @@
           <a:p>
             <a:fld id="{241EB5C9-1307-BA42-ABA2-0BC069CD8E7F}" type="datetimeFigureOut">
               <a:rPr lang="en-US" smtClean="0"/>
-              <a:t>8/30/2024</a:t>
+              <a:t>9/3/2024</a:t>
             </a:fld>
             <a:endParaRPr lang="en-US"/>
           </a:p>
@@ -1931,7 +2368,7 @@
           <a:p>
             <a:fld id="{241EB5C9-1307-BA42-ABA2-0BC069CD8E7F}" type="datetimeFigureOut">
               <a:rPr lang="en-US" smtClean="0"/>
-              <a:t>8/30/2024</a:t>
+              <a:t>9/3/2024</a:t>
             </a:fld>
             <a:endParaRPr lang="en-US"/>
           </a:p>
@@ -2026,7 +2463,7 @@
           <a:p>
             <a:fld id="{241EB5C9-1307-BA42-ABA2-0BC069CD8E7F}" type="datetimeFigureOut">
               <a:rPr lang="en-US" smtClean="0"/>
-              <a:t>8/30/2024</a:t>
+              <a:t>9/3/2024</a:t>
             </a:fld>
             <a:endParaRPr lang="en-US"/>
           </a:p>
@@ -2301,7 +2738,7 @@
           <a:p>
             <a:fld id="{241EB5C9-1307-BA42-ABA2-0BC069CD8E7F}" type="datetimeFigureOut">
               <a:rPr lang="en-US" smtClean="0"/>
-              <a:t>8/30/2024</a:t>
+              <a:t>9/3/2024</a:t>
             </a:fld>
             <a:endParaRPr lang="en-US"/>
           </a:p>
@@ -2553,7 +2990,7 @@
           <a:p>
             <a:fld id="{241EB5C9-1307-BA42-ABA2-0BC069CD8E7F}" type="datetimeFigureOut">
               <a:rPr lang="en-US" smtClean="0"/>
-              <a:t>8/30/2024</a:t>
+              <a:t>9/3/2024</a:t>
             </a:fld>
             <a:endParaRPr lang="en-US"/>
           </a:p>
@@ -2764,7 +3201,7 @@
           <a:p>
             <a:fld id="{241EB5C9-1307-BA42-ABA2-0BC069CD8E7F}" type="datetimeFigureOut">
               <a:rPr lang="en-US" smtClean="0"/>
-              <a:t>8/30/2024</a:t>
+              <a:t>9/3/2024</a:t>
             </a:fld>
             <a:endParaRPr lang="en-US"/>
           </a:p>
@@ -4640,7 +5077,7 @@
         <p:spPr/>
         <p:txBody>
           <a:bodyPr>
-            <a:normAutofit fontScale="92500" lnSpcReduction="20000"/>
+            <a:normAutofit fontScale="85000" lnSpcReduction="10000"/>
           </a:bodyPr>
           <a:lstStyle/>
           <a:p>
@@ -4690,6 +5127,15 @@
               <a:rPr dirty="0"/>
               <a:t>Determine if a relationship is important</a:t>
             </a:r>
+            <a:endParaRPr lang="en-US" dirty="0"/>
+          </a:p>
+          <a:p>
+            <a:pPr lvl="1"/>
+            <a:r>
+              <a:rPr lang="en-US" dirty="0"/>
+              <a:t>Provide interpretable and actionable results </a:t>
+            </a:r>
+            <a:endParaRPr dirty="0"/>
           </a:p>
           <a:p>
             <a:pPr lvl="0"/>
@@ -4697,6 +5143,11 @@
               <a:rPr dirty="0"/>
               <a:t>Our goal is to gain deep understanding for complex problem</a:t>
             </a:r>
+            <a:r>
+              <a:rPr lang="en-US" dirty="0"/>
+              <a:t>s</a:t>
+            </a:r>
+            <a:endParaRPr dirty="0"/>
           </a:p>
           <a:p>
             <a:pPr lvl="1"/>
@@ -4776,7 +5227,7 @@
         <p:spPr/>
         <p:txBody>
           <a:bodyPr>
-            <a:normAutofit fontScale="85000" lnSpcReduction="20000"/>
+            <a:normAutofit/>
           </a:bodyPr>
           <a:lstStyle/>
           <a:p>
@@ -4825,34 +5276,6 @@
             <a:r>
               <a:rPr dirty="0"/>
               <a:t>Are there errors and outliers in the data?</a:t>
-            </a:r>
-          </a:p>
-          <a:p>
-            <a:pPr lvl="1"/>
-            <a:r>
-              <a:rPr dirty="0"/>
-              <a:t>How good is a model fit?</a:t>
-            </a:r>
-          </a:p>
-          <a:p>
-            <a:pPr lvl="0"/>
-            <a:r>
-              <a:rPr dirty="0"/>
-              <a:t>Communications is an important component of data science</a:t>
-            </a:r>
-          </a:p>
-          <a:p>
-            <a:pPr lvl="1"/>
-            <a:r>
-              <a:rPr dirty="0"/>
-              <a:t>Analytic results are only useful if they are understood and trusted</a:t>
-            </a:r>
-          </a:p>
-          <a:p>
-            <a:pPr lvl="1"/>
-            <a:r>
-              <a:rPr dirty="0"/>
-              <a:t>Graphical presentation greatly assists understanding by less technical colleagues</a:t>
             </a:r>
           </a:p>
         </p:txBody>
@@ -5005,7 +5428,7 @@
               <a:buNone/>
             </a:pPr>
             <a:r>
-              <a:t>Why is Perception Important?</a:t>
+              <a:t>Why Exploration and Visualization?</a:t>
             </a:r>
           </a:p>
         </p:txBody>
@@ -5023,7 +5446,7 @@
         <p:spPr/>
         <p:txBody>
           <a:bodyPr>
-            <a:normAutofit lnSpcReduction="10000"/>
+            <a:normAutofit fontScale="92500" lnSpcReduction="20000"/>
           </a:bodyPr>
           <a:lstStyle/>
           <a:p>
@@ -5032,59 +5455,88 @@
             </a:pPr>
             <a:r>
               <a:rPr b="1" dirty="0"/>
-              <a:t>Goal:</a:t>
-            </a:r>
-            <a:r>
-              <a:rPr dirty="0"/>
-              <a:t> Communicate information visually</a:t>
+              <a:t>Exploratory data analysis (EDA)</a:t>
+            </a:r>
+            <a:r>
+              <a:rPr dirty="0"/>
+              <a:t> tools are essential to good data science</a:t>
             </a:r>
           </a:p>
           <a:p>
             <a:pPr lvl="0"/>
             <a:r>
               <a:rPr dirty="0"/>
-              <a:t>Visualization technique maximize the information a viewer perceives</a:t>
+              <a:t>Why not just start building models?</a:t>
+            </a:r>
+          </a:p>
+          <a:p>
+            <a:pPr lvl="0"/>
+            <a:r>
+              <a:rPr dirty="0"/>
+              <a:t>Communications is an important component of data science</a:t>
             </a:r>
           </a:p>
           <a:p>
             <a:pPr lvl="1"/>
             <a:r>
               <a:rPr dirty="0"/>
-              <a:t>Gain insights when exploring relationships in data</a:t>
-            </a:r>
+              <a:t>Analytic results are only useful if they are understood and trusted</a:t>
+            </a:r>
+            <a:endParaRPr lang="en-US" dirty="0"/>
           </a:p>
           <a:p>
             <a:pPr lvl="1"/>
             <a:r>
-              <a:rPr dirty="0"/>
-              <a:t>Communicate insights to others</a:t>
-            </a:r>
-          </a:p>
-          <a:p>
-            <a:pPr lvl="0"/>
-            <a:r>
-              <a:rPr dirty="0"/>
-              <a:t>Limits o</a:t>
-            </a:r>
-            <a:r>
               <a:rPr lang="en-US" dirty="0"/>
-              <a:t>f</a:t>
-            </a:r>
-            <a:r>
-              <a:rPr dirty="0"/>
-              <a:t> human perception are a significant factor in understanding complex relationships</a:t>
-            </a:r>
-          </a:p>
-          <a:p>
-            <a:pPr lvl="0"/>
-            <a:r>
-              <a:rPr dirty="0"/>
-              <a:t>Can apply results of the considerable research on human perceptions for data visualization</a:t>
-            </a:r>
+              <a:t>Graphical results are easy  interpret </a:t>
+            </a:r>
+            <a:endParaRPr dirty="0"/>
+          </a:p>
+          <a:p>
+            <a:pPr lvl="1"/>
+            <a:r>
+              <a:rPr dirty="0"/>
+              <a:t>Graphical presentation greatly assists understanding by less technica</a:t>
+            </a:r>
+            <a:r>
+              <a:rPr lang="en-US" dirty="0"/>
+              <a:t>l</a:t>
+            </a:r>
+            <a:r>
+              <a:rPr dirty="0"/>
+              <a:t> colleagues</a:t>
+            </a:r>
+            <a:endParaRPr lang="en-US" dirty="0"/>
+          </a:p>
+          <a:p>
+            <a:r>
+              <a:rPr lang="en-US" dirty="0"/>
+              <a:t>How good is a model fit?</a:t>
+            </a:r>
+          </a:p>
+          <a:p>
+            <a:pPr lvl="1"/>
+            <a:r>
+              <a:rPr lang="en-US" dirty="0"/>
+              <a:t>Use EDA methods to explore model results </a:t>
+            </a:r>
+          </a:p>
+          <a:p>
+            <a:pPr lvl="1"/>
+            <a:r>
+              <a:rPr lang="en-US" dirty="0"/>
+              <a:t>Compare model performance</a:t>
+            </a:r>
+            <a:endParaRPr dirty="0"/>
           </a:p>
         </p:txBody>
       </p:sp>
     </p:spTree>
+    <p:extLst>
+      <p:ext uri="{BB962C8B-B14F-4D97-AF65-F5344CB8AC3E}">
+        <p14:creationId xmlns:p14="http://schemas.microsoft.com/office/powerpoint/2010/main" val="1061979417"/>
+      </p:ext>
+    </p:extLst>
   </p:cSld>
   <p:clrMapOvr>
     <a:masterClrMapping/>
@@ -5128,7 +5580,7 @@
               <a:buNone/>
             </a:pPr>
             <a:r>
-              <a:t>Use Aesthetics to Improve Perception</a:t>
+              <a:t>Why is Perception Important?</a:t>
             </a:r>
           </a:p>
         </p:txBody>
@@ -5146,7 +5598,7 @@
         <p:spPr/>
         <p:txBody>
           <a:bodyPr>
-            <a:normAutofit/>
+            <a:normAutofit lnSpcReduction="10000"/>
           </a:bodyPr>
           <a:lstStyle/>
           <a:p>
@@ -5154,43 +5606,55 @@
               <a:buNone/>
             </a:pPr>
             <a:r>
-              <a:rPr dirty="0"/>
-              <a:t>Use aesthetics to improve perception</a:t>
+              <a:rPr b="1" dirty="0"/>
+              <a:t>Goal:</a:t>
+            </a:r>
+            <a:r>
+              <a:rPr dirty="0"/>
+              <a:t> Communicate information visually</a:t>
             </a:r>
           </a:p>
           <a:p>
             <a:pPr lvl="0"/>
             <a:r>
               <a:rPr dirty="0"/>
-              <a:t>We take a very broad view of the term ‘aesthetic’ here</a:t>
+              <a:t>Visualization technique maximize the information a viewer perceives</a:t>
+            </a:r>
+          </a:p>
+          <a:p>
+            <a:pPr lvl="1"/>
+            <a:r>
+              <a:rPr dirty="0"/>
+              <a:t>Gain insights when exploring relationships in data</a:t>
+            </a:r>
+          </a:p>
+          <a:p>
+            <a:pPr lvl="1"/>
+            <a:r>
+              <a:rPr dirty="0"/>
+              <a:t>Communicate insights to others</a:t>
             </a:r>
           </a:p>
           <a:p>
             <a:pPr lvl="0"/>
             <a:r>
               <a:rPr dirty="0"/>
-              <a:t>A plot aesthetics is any property of a visualization which highlight aspects of the data relationships</a:t>
+              <a:t>Limits o</a:t>
+            </a:r>
+            <a:r>
+              <a:rPr lang="en-US" dirty="0"/>
+              <a:t>f</a:t>
+            </a:r>
+            <a:r>
+              <a:rPr dirty="0"/>
+              <a:t> human perception are a significant factor in understanding complex relationships</a:t>
             </a:r>
           </a:p>
           <a:p>
             <a:pPr lvl="0"/>
             <a:r>
               <a:rPr dirty="0"/>
-              <a:t>Aesthetics are used to project additional dimensions of complex data</a:t>
-            </a:r>
-          </a:p>
-          <a:p>
-            <a:pPr lvl="1"/>
-            <a:r>
-              <a:rPr dirty="0"/>
-              <a:t>Plots generally restricted to 2-dimensional surface</a:t>
-            </a:r>
-          </a:p>
-          <a:p>
-            <a:pPr lvl="1"/>
-            <a:r>
-              <a:rPr dirty="0"/>
-              <a:t>Must project multiple dimensions of complex data on 2-d surface</a:t>
+              <a:t>Can apply results of the considerable research on human perceptions for data visualization</a:t>
             </a:r>
           </a:p>
         </p:txBody>
@@ -5265,42 +5729,56 @@
               <a:buNone/>
             </a:pPr>
             <a:r>
-              <a:rPr lang="en-US" b="1" dirty="0"/>
-              <a:t>Important note!!  </a:t>
-            </a:r>
-          </a:p>
-          <a:p>
-            <a:pPr marL="0" lvl="0" indent="0">
-              <a:buNone/>
-            </a:pPr>
-            <a:endParaRPr lang="en-US" dirty="0"/>
-          </a:p>
-          <a:p>
-            <a:pPr marL="0" lvl="0" indent="0" algn="ctr">
-              <a:buNone/>
-            </a:pPr>
-            <a:r>
-              <a:rPr lang="en-US" sz="2800" b="1" dirty="0">
-                <a:solidFill>
-                  <a:srgbClr val="C00000"/>
-                </a:solidFill>
-              </a:rPr>
-              <a:t>I expect you to use good perceptual methodology for creating plots for your project!!</a:t>
-            </a:r>
-            <a:endParaRPr sz="2800" b="1" dirty="0">
-              <a:solidFill>
-                <a:srgbClr val="C00000"/>
-              </a:solidFill>
-            </a:endParaRPr>
+              <a:rPr dirty="0"/>
+              <a:t>Use </a:t>
+            </a:r>
+            <a:r>
+              <a:rPr b="1" dirty="0"/>
+              <a:t>aesthetics</a:t>
+            </a:r>
+            <a:r>
+              <a:rPr dirty="0"/>
+              <a:t> to improve perception</a:t>
+            </a:r>
+          </a:p>
+          <a:p>
+            <a:pPr lvl="0"/>
+            <a:r>
+              <a:rPr dirty="0"/>
+              <a:t>We take a very broad view of the term ‘aesthetic’ here</a:t>
+            </a:r>
+          </a:p>
+          <a:p>
+            <a:pPr lvl="0"/>
+            <a:r>
+              <a:rPr dirty="0"/>
+              <a:t>A plot aesthetics is any property of a visualization which highlight aspects of the data relationships</a:t>
+            </a:r>
+          </a:p>
+          <a:p>
+            <a:pPr lvl="0"/>
+            <a:r>
+              <a:rPr dirty="0"/>
+              <a:t>Aesthetics are used to project additional dimensions of complex data</a:t>
+            </a:r>
+          </a:p>
+          <a:p>
+            <a:pPr lvl="1"/>
+            <a:r>
+              <a:rPr dirty="0"/>
+              <a:t>Plots generally restricted to 2-dimensional surface</a:t>
+            </a:r>
+          </a:p>
+          <a:p>
+            <a:pPr lvl="1"/>
+            <a:r>
+              <a:rPr dirty="0"/>
+              <a:t>Must project multiple dimensions of complex data on 2-d surface</a:t>
+            </a:r>
           </a:p>
         </p:txBody>
       </p:sp>
     </p:spTree>
-    <p:extLst>
-      <p:ext uri="{BB962C8B-B14F-4D97-AF65-F5344CB8AC3E}">
-        <p14:creationId xmlns:p14="http://schemas.microsoft.com/office/powerpoint/2010/main" val="2438337757"/>
-      </p:ext>
-    </p:extLst>
   </p:cSld>
   <p:clrMapOvr>
     <a:masterClrMapping/>
@@ -5344,7 +5822,7 @@
               <a:buNone/>
             </a:pPr>
             <a:r>
-              <a:t>Organization of Plot Aesthetics</a:t>
+              <a:t>Use Aesthetics to Improve Perception</a:t>
             </a:r>
           </a:p>
         </p:txBody>
@@ -5361,55 +5839,51 @@
         </p:nvSpPr>
         <p:spPr/>
         <p:txBody>
-          <a:bodyPr/>
+          <a:bodyPr>
+            <a:normAutofit/>
+          </a:bodyPr>
           <a:lstStyle/>
           <a:p>
             <a:pPr marL="0" lvl="0" indent="0">
               <a:buNone/>
             </a:pPr>
             <a:r>
-              <a:t>We can organize aesthetics by their effectiveness:</a:t>
-            </a:r>
-          </a:p>
-          <a:p>
-            <a:pPr marL="342900" lvl="0" indent="-342900">
-              <a:buAutoNum type="arabicPeriod"/>
+              <a:rPr lang="en-US" b="1" dirty="0"/>
+              <a:t>Important note!!  </a:t>
+            </a:r>
+          </a:p>
+          <a:p>
+            <a:pPr marL="0" lvl="0" indent="0">
+              <a:buNone/>
             </a:pPr>
-            <a:r>
-              <a:rPr b="1"/>
-              <a:t>Easy to perceive plot aesthetics:</a:t>
-            </a:r>
-            <a:r>
-              <a:t> help most people gain understanding of data relationships</a:t>
-            </a:r>
-          </a:p>
-          <a:p>
-            <a:pPr marL="342900" lvl="0" indent="-342900">
-              <a:buAutoNum type="arabicPeriod"/>
+            <a:endParaRPr lang="en-US" dirty="0"/>
+          </a:p>
+          <a:p>
+            <a:pPr marL="0" lvl="0" indent="0" algn="ctr">
+              <a:buNone/>
             </a:pPr>
             <a:r>
-              <a:rPr b="1"/>
-              <a:t>Aesthetics with moderate perceptive power:</a:t>
-            </a:r>
-            <a:r>
-              <a:t> useful properties to project data relationships when used sparingly</a:t>
-            </a:r>
-          </a:p>
-          <a:p>
-            <a:pPr marL="342900" lvl="0" indent="-342900">
-              <a:buAutoNum type="arabicPeriod"/>
-            </a:pPr>
-            <a:r>
-              <a:rPr b="1"/>
-              <a:t>Aesthetics with limited perceptive power:</a:t>
-            </a:r>
-            <a:r>
-              <a:t> useful within strict limits</a:t>
-            </a:r>
+              <a:rPr lang="en-US" sz="2800" b="1" dirty="0">
+                <a:solidFill>
+                  <a:srgbClr val="C00000"/>
+                </a:solidFill>
+              </a:rPr>
+              <a:t>I expect you to use good perceptual methodology for creating plots for your project!!</a:t>
+            </a:r>
+            <a:endParaRPr sz="2800" b="1" dirty="0">
+              <a:solidFill>
+                <a:srgbClr val="C00000"/>
+              </a:solidFill>
+            </a:endParaRPr>
           </a:p>
         </p:txBody>
       </p:sp>
     </p:spTree>
+    <p:extLst>
+      <p:ext uri="{BB962C8B-B14F-4D97-AF65-F5344CB8AC3E}">
+        <p14:creationId xmlns:p14="http://schemas.microsoft.com/office/powerpoint/2010/main" val="2438337757"/>
+      </p:ext>
+    </p:extLst>
   </p:cSld>
   <p:clrMapOvr>
     <a:masterClrMapping/>
@@ -5444,6 +5918,115 @@
             <p:ph type="title"/>
           </p:nvPr>
         </p:nvSpPr>
+        <p:spPr/>
+        <p:txBody>
+          <a:bodyPr/>
+          <a:lstStyle/>
+          <a:p>
+            <a:pPr marL="0" lvl="0" indent="0">
+              <a:buNone/>
+            </a:pPr>
+            <a:r>
+              <a:t>Organization of Plot Aesthetics</a:t>
+            </a:r>
+          </a:p>
+        </p:txBody>
+      </p:sp>
+      <p:sp>
+        <p:nvSpPr>
+          <p:cNvPr id="3" name="Content Placeholder 2"/>
+          <p:cNvSpPr>
+            <a:spLocks noGrp="1"/>
+          </p:cNvSpPr>
+          <p:nvPr>
+            <p:ph idx="1"/>
+          </p:nvPr>
+        </p:nvSpPr>
+        <p:spPr/>
+        <p:txBody>
+          <a:bodyPr/>
+          <a:lstStyle/>
+          <a:p>
+            <a:pPr marL="0" lvl="0" indent="0">
+              <a:buNone/>
+            </a:pPr>
+            <a:r>
+              <a:t>We can organize aesthetics by their effectiveness:</a:t>
+            </a:r>
+          </a:p>
+          <a:p>
+            <a:pPr marL="342900" lvl="0" indent="-342900">
+              <a:buAutoNum type="arabicPeriod"/>
+            </a:pPr>
+            <a:r>
+              <a:rPr b="1"/>
+              <a:t>Easy to perceive plot aesthetics:</a:t>
+            </a:r>
+            <a:r>
+              <a:t> help most people gain understanding of data relationships</a:t>
+            </a:r>
+          </a:p>
+          <a:p>
+            <a:pPr marL="342900" lvl="0" indent="-342900">
+              <a:buAutoNum type="arabicPeriod"/>
+            </a:pPr>
+            <a:r>
+              <a:rPr b="1"/>
+              <a:t>Aesthetics with moderate perceptive power:</a:t>
+            </a:r>
+            <a:r>
+              <a:t> useful properties to project data relationships when used sparingly</a:t>
+            </a:r>
+          </a:p>
+          <a:p>
+            <a:pPr marL="342900" lvl="0" indent="-342900">
+              <a:buAutoNum type="arabicPeriod"/>
+            </a:pPr>
+            <a:r>
+              <a:rPr b="1"/>
+              <a:t>Aesthetics with limited perceptive power:</a:t>
+            </a:r>
+            <a:r>
+              <a:t> useful within strict limits</a:t>
+            </a:r>
+          </a:p>
+        </p:txBody>
+      </p:sp>
+    </p:spTree>
+  </p:cSld>
+  <p:clrMapOvr>
+    <a:masterClrMapping/>
+  </p:clrMapOvr>
+</p:sld>
+</file>
+
+<file path=ppt/slides/slide25.xml><?xml version="1.0" encoding="utf-8"?>
+<p:sld xmlns:a="http://schemas.openxmlformats.org/drawingml/2006/main" xmlns:r="http://schemas.openxmlformats.org/officeDocument/2006/relationships" xmlns:p="http://schemas.openxmlformats.org/presentationml/2006/main">
+  <p:cSld>
+    <p:spTree>
+      <p:nvGrpSpPr>
+        <p:cNvPr id="1" name=""/>
+        <p:cNvGrpSpPr/>
+        <p:nvPr/>
+      </p:nvGrpSpPr>
+      <p:grpSpPr>
+        <a:xfrm>
+          <a:off x="0" y="0"/>
+          <a:ext cx="0" cy="0"/>
+          <a:chOff x="0" y="0"/>
+          <a:chExt cx="0" cy="0"/>
+        </a:xfrm>
+      </p:grpSpPr>
+      <p:sp>
+        <p:nvSpPr>
+          <p:cNvPr id="2" name="Title 1"/>
+          <p:cNvSpPr>
+            <a:spLocks noGrp="1"/>
+          </p:cNvSpPr>
+          <p:nvPr>
+            <p:ph type="title"/>
+          </p:nvPr>
+        </p:nvSpPr>
         <p:spPr>
           <a:xfrm>
             <a:off x="457200" y="205979"/>
@@ -5476,7 +6059,7 @@
             <p:ph idx="1"/>
             <p:extLst>
               <p:ext uri="{D42A27DB-BD31-4B8C-83A1-F6EECF244321}">
-                <p14:modId xmlns:p14="http://schemas.microsoft.com/office/powerpoint/2010/main" val="4132571391"/>
+                <p14:modId xmlns:p14="http://schemas.microsoft.com/office/powerpoint/2010/main" val="719774672"/>
               </p:ext>
             </p:extLst>
           </p:nvPr>
@@ -5611,9 +6194,10 @@
                         <a:buNone/>
                       </a:pPr>
                       <a:r>
-                        <a:rPr sz="1800"/>
-                        <a:t>Numeric</a:t>
+                        <a:rPr lang="en-US" sz="1800" dirty="0"/>
+                        <a:t>Any</a:t>
                       </a:r>
+                      <a:endParaRPr sz="1800" dirty="0"/>
                     </a:p>
                   </a:txBody>
                   <a:tcPr/>
@@ -5666,8 +6250,16 @@
                         <a:buNone/>
                       </a:pPr>
                       <a:r>
-                        <a:rPr sz="1800"/>
-                        <a:t>Numeric plus categorical</a:t>
+                        <a:rPr sz="1800" dirty="0"/>
+                        <a:t>Numeric</a:t>
+                      </a:r>
+                      <a:r>
+                        <a:rPr lang="en-US" sz="1800" dirty="0"/>
+                        <a:t>,</a:t>
+                      </a:r>
+                      <a:r>
+                        <a:rPr sz="1800" dirty="0"/>
+                        <a:t> categorical</a:t>
                       </a:r>
                     </a:p>
                   </a:txBody>
@@ -5721,9 +6313,14 @@
                         <a:buNone/>
                       </a:pPr>
                       <a:r>
-                        <a:rPr sz="1800"/>
+                        <a:rPr sz="1800" dirty="0"/>
                         <a:t>Numeric</a:t>
                       </a:r>
+                      <a:r>
+                        <a:rPr lang="en-US" sz="1800" dirty="0"/>
+                        <a:t>, counts</a:t>
+                      </a:r>
+                      <a:endParaRPr sz="1800" dirty="0"/>
                     </a:p>
                   </a:txBody>
                   <a:tcPr/>
@@ -5831,8 +6428,16 @@
                         <a:buNone/>
                       </a:pPr>
                       <a:r>
-                        <a:rPr sz="1800"/>
-                        <a:t>Numeric, ordered categorical</a:t>
+                        <a:rPr sz="1800" dirty="0"/>
+                        <a:t>Numeric, </a:t>
+                      </a:r>
+                      <a:r>
+                        <a:rPr lang="en-US" sz="1800" dirty="0"/>
+                        <a:t>counts, </a:t>
+                      </a:r>
+                      <a:r>
+                        <a:rPr sz="1800" dirty="0"/>
+                        <a:t>ordered categorical</a:t>
                       </a:r>
                     </a:p>
                   </a:txBody>
@@ -5886,8 +6491,16 @@
                         <a:buNone/>
                       </a:pPr>
                       <a:r>
-                        <a:rPr sz="1800"/>
-                        <a:t>Numeric, ordered categorical</a:t>
+                        <a:rPr sz="1800" dirty="0"/>
+                        <a:t>Numeric, </a:t>
+                      </a:r>
+                      <a:r>
+                        <a:rPr lang="en-US" sz="1800" dirty="0"/>
+                        <a:t>counts, </a:t>
+                      </a:r>
+                      <a:r>
+                        <a:rPr sz="1800" dirty="0"/>
+                        <a:t>ordered categorical</a:t>
                       </a:r>
                     </a:p>
                   </a:txBody>
@@ -6106,8 +6719,24 @@
                         <a:buNone/>
                       </a:pPr>
                       <a:r>
-                        <a:rPr sz="1800"/>
-                        <a:t>Numeric or categorical</a:t>
+                        <a:rPr sz="1800" dirty="0"/>
+                        <a:t>Numeric</a:t>
+                      </a:r>
+                      <a:r>
+                        <a:rPr lang="en-US" sz="1800" dirty="0"/>
+                        <a:t>, counts,</a:t>
+                      </a:r>
+                      <a:r>
+                        <a:rPr sz="1800" dirty="0"/>
+                        <a:t> </a:t>
+                      </a:r>
+                      <a:r>
+                        <a:rPr lang="en-US" sz="1800" dirty="0"/>
+                        <a:t>ordered </a:t>
+                      </a:r>
+                      <a:r>
+                        <a:rPr sz="1800" dirty="0"/>
+                        <a:t>categorical</a:t>
                       </a:r>
                     </a:p>
                   </a:txBody>
@@ -6186,7 +6815,7 @@
 </p:sld>
 </file>
 
-<file path=ppt/slides/slide25.xml><?xml version="1.0" encoding="utf-8"?>
+<file path=ppt/slides/slide26.xml><?xml version="1.0" encoding="utf-8"?>
 <p:sld xmlns:a="http://schemas.openxmlformats.org/drawingml/2006/main" xmlns:r="http://schemas.openxmlformats.org/officeDocument/2006/relationships" xmlns:p="http://schemas.openxmlformats.org/presentationml/2006/main">
   <p:cSld>
     <p:spTree>
@@ -6227,8 +6856,8 @@
           </a:p>
         </p:txBody>
       </p:sp>
-      <mc:AlternateContent xmlns:mc="http://schemas.openxmlformats.org/markup-compatibility/2006" xmlns:a14="http://schemas.microsoft.com/office/drawing/2010/main">
-        <mc:Choice Requires="a14">
+      <mc:AlternateContent xmlns:mc="http://schemas.openxmlformats.org/markup-compatibility/2006">
+        <mc:Choice xmlns:a14="http://schemas.microsoft.com/office/drawing/2010/main" Requires="a14">
           <p:sp>
             <p:nvSpPr>
               <p:cNvPr id="3" name="Content Placeholder 2"/>
@@ -6269,7 +6898,15 @@
                 <a:pPr lvl="0"/>
                 <a:r>
                   <a:rPr dirty="0"/>
-                  <a:t>But, wrong aspect ratio can hide or mislead!</a:t>
+                  <a:t>But, </a:t>
+                </a:r>
+                <a:r>
+                  <a:rPr lang="en-US" dirty="0"/>
+                  <a:t>poor choice of</a:t>
+                </a:r>
+                <a:r>
+                  <a:rPr dirty="0"/>
+                  <a:t> aspect ratio can hide or mislead!</a:t>
                 </a:r>
               </a:p>
               <a:p>
@@ -6350,14 +6987,18 @@
               <a:p>
                 <a:pPr lvl="1"/>
                 <a:r>
+                  <a:rPr lang="en-US" dirty="0"/>
+                  <a:t>B</a:t>
+                </a:r>
+                <a:r>
                   <a:rPr dirty="0"/>
-                  <a:t>Optimal banking angle controlled by aspect ratio</a:t>
+                  <a:t>anking angle controlled by aspect ratio</a:t>
                 </a:r>
               </a:p>
             </p:txBody>
           </p:sp>
         </mc:Choice>
-        <mc:Fallback xmlns="">
+        <mc:Fallback>
           <p:sp>
             <p:nvSpPr>
               <p:cNvPr id="3" name="Content Placeholder 2"/>
@@ -6399,7 +7040,7 @@
 </p:sld>
 </file>
 
-<file path=ppt/slides/slide26.xml><?xml version="1.0" encoding="utf-8"?>
+<file path=ppt/slides/slide27.xml><?xml version="1.0" encoding="utf-8"?>
 <p:sld xmlns:a="http://schemas.openxmlformats.org/drawingml/2006/main" xmlns:r="http://schemas.openxmlformats.org/officeDocument/2006/relationships" xmlns:p="http://schemas.openxmlformats.org/presentationml/2006/main">
   <p:cSld>
     <p:spTree>
@@ -6450,9 +7091,16 @@
             <p:ph idx="1"/>
           </p:nvPr>
         </p:nvSpPr>
-        <p:spPr/>
-        <p:txBody>
-          <a:bodyPr/>
+        <p:spPr>
+          <a:xfrm>
+            <a:off x="457200" y="1200150"/>
+            <a:ext cx="8229600" cy="3778249"/>
+          </a:xfrm>
+        </p:spPr>
+        <p:txBody>
+          <a:bodyPr>
+            <a:normAutofit/>
+          </a:bodyPr>
           <a:lstStyle/>
           <a:p>
             <a:pPr marL="0" lvl="0" indent="0">
@@ -6460,15 +7108,19 @@
             </a:pPr>
             <a:r>
               <a:rPr dirty="0"/>
-              <a:t>Longest scientific time series</a:t>
+              <a:t>Longest</a:t>
             </a:r>
             <a:r>
               <a:rPr lang="en-US" dirty="0"/>
-              <a:t> in </a:t>
-            </a:r>
-            <a:r>
-              <a:rPr lang="en-US" dirty="0" err="1"/>
-              <a:t>existance</a:t>
+              <a:t> directly measured</a:t>
+            </a:r>
+            <a:r>
+              <a:rPr dirty="0"/>
+              <a:t> scientific time series</a:t>
+            </a:r>
+            <a:r>
+              <a:rPr lang="en-US" dirty="0"/>
+              <a:t> in existence</a:t>
             </a:r>
             <a:r>
               <a:rPr dirty="0"/>
@@ -6490,6 +7142,32 @@
 ## 3  1703.0         23.0
 ## 4  1704.0         36.0</a:t>
             </a:r>
+            <a:endParaRPr lang="en-US" sz="2000" dirty="0">
+              <a:latin typeface="Courier"/>
+            </a:endParaRPr>
+          </a:p>
+          <a:p>
+            <a:pPr lvl="0" indent="0">
+              <a:buNone/>
+            </a:pPr>
+            <a:endParaRPr lang="en-US" sz="2000" dirty="0">
+              <a:latin typeface="Courier"/>
+            </a:endParaRPr>
+          </a:p>
+          <a:p>
+            <a:pPr lvl="0" indent="0">
+              <a:buNone/>
+            </a:pPr>
+            <a:r>
+              <a:rPr lang="en-US" sz="1800" dirty="0">
+                <a:solidFill>
+                  <a:schemeClr val="accent2">
+                    <a:lumMod val="75000"/>
+                  </a:schemeClr>
+                </a:solidFill>
+              </a:rPr>
+              <a:t>* Longest directly observed temperature series starts in 1772</a:t>
+            </a:r>
           </a:p>
         </p:txBody>
       </p:sp>
@@ -6501,7 +7179,7 @@
 </p:sld>
 </file>
 
-<file path=ppt/slides/slide27.xml><?xml version="1.0" encoding="utf-8"?>
+<file path=ppt/slides/slide28.xml><?xml version="1.0" encoding="utf-8"?>
 <p:sld xmlns:a="http://schemas.openxmlformats.org/drawingml/2006/main" xmlns:r="http://schemas.openxmlformats.org/officeDocument/2006/relationships" xmlns:p="http://schemas.openxmlformats.org/presentationml/2006/main">
   <p:cSld>
     <p:spTree>
@@ -6648,7 +7326,7 @@
 </p:sld>
 </file>
 
-<file path=ppt/slides/slide28.xml><?xml version="1.0" encoding="utf-8"?>
+<file path=ppt/slides/slide29.xml><?xml version="1.0" encoding="utf-8"?>
 <p:sld xmlns:a="http://schemas.openxmlformats.org/drawingml/2006/main" xmlns:r="http://schemas.openxmlformats.org/officeDocument/2006/relationships" xmlns:p="http://schemas.openxmlformats.org/presentationml/2006/main">
   <p:cSld>
     <p:spTree>
@@ -6798,167 +7476,6 @@
 </p:sld>
 </file>
 
-<file path=ppt/slides/slide29.xml><?xml version="1.0" encoding="utf-8"?>
-<p:sld xmlns:a="http://schemas.openxmlformats.org/drawingml/2006/main" xmlns:r="http://schemas.openxmlformats.org/officeDocument/2006/relationships" xmlns:p="http://schemas.openxmlformats.org/presentationml/2006/main">
-  <p:cSld>
-    <p:spTree>
-      <p:nvGrpSpPr>
-        <p:cNvPr id="1" name=""/>
-        <p:cNvGrpSpPr/>
-        <p:nvPr/>
-      </p:nvGrpSpPr>
-      <p:grpSpPr>
-        <a:xfrm>
-          <a:off x="0" y="0"/>
-          <a:ext cx="0" cy="0"/>
-          <a:chOff x="0" y="0"/>
-          <a:chExt cx="0" cy="0"/>
-        </a:xfrm>
-      </p:grpSpPr>
-      <p:sp>
-        <p:nvSpPr>
-          <p:cNvPr id="2" name="Title 1"/>
-          <p:cNvSpPr>
-            <a:spLocks noGrp="1"/>
-          </p:cNvSpPr>
-          <p:nvPr>
-            <p:ph type="title"/>
-          </p:nvPr>
-        </p:nvSpPr>
-        <p:spPr/>
-        <p:txBody>
-          <a:bodyPr/>
-          <a:lstStyle/>
-          <a:p>
-            <a:pPr marL="0" lvl="0" indent="0">
-              <a:buNone/>
-            </a:pPr>
-            <a:r>
-              <a:t>Sequential and Divergent Color Palettes</a:t>
-            </a:r>
-          </a:p>
-        </p:txBody>
-      </p:sp>
-      <p:sp>
-        <p:nvSpPr>
-          <p:cNvPr id="3" name="Content Placeholder 2"/>
-          <p:cNvSpPr>
-            <a:spLocks noGrp="1"/>
-          </p:cNvSpPr>
-          <p:nvPr>
-            <p:ph idx="1"/>
-          </p:nvPr>
-        </p:nvSpPr>
-        <p:spPr/>
-        <p:txBody>
-          <a:bodyPr>
-            <a:normAutofit lnSpcReduction="10000"/>
-          </a:bodyPr>
-          <a:lstStyle/>
-          <a:p>
-            <a:pPr marL="0" lvl="0" indent="0">
-              <a:buNone/>
-            </a:pPr>
-            <a:r>
-              <a:rPr dirty="0"/>
-              <a:t>Use of </a:t>
-            </a:r>
-            <a:r>
-              <a:rPr b="1" dirty="0"/>
-              <a:t>color</a:t>
-            </a:r>
-            <a:r>
-              <a:rPr dirty="0"/>
-              <a:t> as an aesthetic in visualization is a complicated subject.</a:t>
-            </a:r>
-          </a:p>
-          <a:p>
-            <a:pPr lvl="0"/>
-            <a:r>
-              <a:rPr dirty="0"/>
-              <a:t>color is often used, also </a:t>
-            </a:r>
-            <a:r>
-              <a:rPr b="1" dirty="0"/>
-              <a:t>often abused</a:t>
-            </a:r>
-            <a:r>
-              <a:rPr lang="en-US" b="1" dirty="0"/>
-              <a:t>!</a:t>
-            </a:r>
-            <a:endParaRPr b="1" dirty="0"/>
-          </a:p>
-          <a:p>
-            <a:pPr lvl="0"/>
-            <a:r>
-              <a:rPr dirty="0"/>
-              <a:t>A </a:t>
-            </a:r>
-            <a:r>
-              <a:rPr b="1" dirty="0"/>
-              <a:t>qualitative palette</a:t>
-            </a:r>
-            <a:r>
-              <a:rPr dirty="0"/>
-              <a:t> is a palette of individual colors for categorical values</a:t>
-            </a:r>
-          </a:p>
-          <a:p>
-            <a:pPr lvl="0"/>
-            <a:r>
-              <a:rPr b="1" dirty="0"/>
-              <a:t>Sequential palettes</a:t>
-            </a:r>
-            <a:r>
-              <a:rPr dirty="0"/>
-              <a:t> and </a:t>
-            </a:r>
-            <a:r>
-              <a:rPr b="1" dirty="0"/>
-              <a:t>divergent palettes</a:t>
-            </a:r>
-            <a:r>
-              <a:rPr dirty="0"/>
-              <a:t> are a sequence of colors</a:t>
-            </a:r>
-          </a:p>
-          <a:p>
-            <a:pPr lvl="1"/>
-            <a:r>
-              <a:rPr dirty="0"/>
-              <a:t>Numeric variables</a:t>
-            </a:r>
-          </a:p>
-          <a:p>
-            <a:pPr lvl="1"/>
-            <a:r>
-              <a:rPr dirty="0"/>
-              <a:t>Ord</a:t>
-            </a:r>
-            <a:r>
-              <a:rPr lang="en-US" dirty="0"/>
-              <a:t>inal or ord</a:t>
-            </a:r>
-            <a:r>
-              <a:rPr dirty="0"/>
-              <a:t>ered categorical variable</a:t>
-            </a:r>
-            <a:r>
-              <a:rPr lang="en-US" dirty="0"/>
-              <a:t>s</a:t>
-            </a:r>
-            <a:endParaRPr dirty="0"/>
-          </a:p>
-        </p:txBody>
-      </p:sp>
-    </p:spTree>
-  </p:cSld>
-  <p:clrMapOvr>
-    <a:masterClrMapping/>
-  </p:clrMapOvr>
-</p:sld>
-</file>
-
 <file path=ppt/slides/slide3.xml><?xml version="1.0" encoding="utf-8"?>
 <p:sld xmlns:a="http://schemas.openxmlformats.org/drawingml/2006/main" xmlns:r="http://schemas.openxmlformats.org/officeDocument/2006/relationships" xmlns:p="http://schemas.openxmlformats.org/presentationml/2006/main">
   <p:cSld>
@@ -7101,6 +7618,197 @@
 </file>
 
 <file path=ppt/slides/slide30.xml><?xml version="1.0" encoding="utf-8"?>
+<p:sld xmlns:a="http://schemas.openxmlformats.org/drawingml/2006/main" xmlns:r="http://schemas.openxmlformats.org/officeDocument/2006/relationships" xmlns:p="http://schemas.openxmlformats.org/presentationml/2006/main">
+  <p:cSld>
+    <p:spTree>
+      <p:nvGrpSpPr>
+        <p:cNvPr id="1" name=""/>
+        <p:cNvGrpSpPr/>
+        <p:nvPr/>
+      </p:nvGrpSpPr>
+      <p:grpSpPr>
+        <a:xfrm>
+          <a:off x="0" y="0"/>
+          <a:ext cx="0" cy="0"/>
+          <a:chOff x="0" y="0"/>
+          <a:chExt cx="0" cy="0"/>
+        </a:xfrm>
+      </p:grpSpPr>
+      <p:sp>
+        <p:nvSpPr>
+          <p:cNvPr id="2" name="Title 1"/>
+          <p:cNvSpPr>
+            <a:spLocks noGrp="1"/>
+          </p:cNvSpPr>
+          <p:nvPr>
+            <p:ph type="title"/>
+          </p:nvPr>
+        </p:nvSpPr>
+        <p:spPr/>
+        <p:txBody>
+          <a:bodyPr/>
+          <a:lstStyle/>
+          <a:p>
+            <a:pPr marL="0" lvl="0" indent="0">
+              <a:buNone/>
+            </a:pPr>
+            <a:r>
+              <a:t>Sequential and Divergent Color Palettes</a:t>
+            </a:r>
+          </a:p>
+        </p:txBody>
+      </p:sp>
+      <p:sp>
+        <p:nvSpPr>
+          <p:cNvPr id="3" name="Content Placeholder 2"/>
+          <p:cNvSpPr>
+            <a:spLocks noGrp="1"/>
+          </p:cNvSpPr>
+          <p:nvPr>
+            <p:ph idx="1"/>
+          </p:nvPr>
+        </p:nvSpPr>
+        <p:spPr>
+          <a:xfrm>
+            <a:off x="457200" y="1200150"/>
+            <a:ext cx="8229600" cy="3839209"/>
+          </a:xfrm>
+        </p:spPr>
+        <p:txBody>
+          <a:bodyPr>
+            <a:normAutofit fontScale="92500" lnSpcReduction="10000"/>
+          </a:bodyPr>
+          <a:lstStyle/>
+          <a:p>
+            <a:pPr marL="0" lvl="0" indent="0">
+              <a:buNone/>
+            </a:pPr>
+            <a:r>
+              <a:rPr dirty="0"/>
+              <a:t>Use of </a:t>
+            </a:r>
+            <a:r>
+              <a:rPr b="1" dirty="0"/>
+              <a:t>color</a:t>
+            </a:r>
+            <a:r>
+              <a:rPr dirty="0"/>
+              <a:t> as an aesthetic in visualization is a complicated subject.</a:t>
+            </a:r>
+          </a:p>
+          <a:p>
+            <a:pPr lvl="0"/>
+            <a:r>
+              <a:rPr dirty="0"/>
+              <a:t>color is often used, also </a:t>
+            </a:r>
+            <a:r>
+              <a:rPr b="1" dirty="0"/>
+              <a:t>often abused</a:t>
+            </a:r>
+            <a:r>
+              <a:rPr lang="en-US" b="1" dirty="0"/>
+              <a:t>!</a:t>
+            </a:r>
+            <a:endParaRPr b="1" dirty="0"/>
+          </a:p>
+          <a:p>
+            <a:pPr lvl="0"/>
+            <a:r>
+              <a:rPr dirty="0"/>
+              <a:t>A </a:t>
+            </a:r>
+            <a:r>
+              <a:rPr b="1" dirty="0"/>
+              <a:t>qualitative palette</a:t>
+            </a:r>
+            <a:r>
+              <a:rPr dirty="0"/>
+              <a:t> is a palette of individual colors for categorical values</a:t>
+            </a:r>
+          </a:p>
+          <a:p>
+            <a:pPr lvl="0"/>
+            <a:r>
+              <a:rPr b="1" dirty="0"/>
+              <a:t>Sequential palettes</a:t>
+            </a:r>
+            <a:r>
+              <a:rPr dirty="0"/>
+              <a:t> and </a:t>
+            </a:r>
+            <a:r>
+              <a:rPr b="1" dirty="0"/>
+              <a:t>divergent palettes</a:t>
+            </a:r>
+            <a:r>
+              <a:rPr dirty="0"/>
+              <a:t> are a sequence of colors</a:t>
+            </a:r>
+          </a:p>
+          <a:p>
+            <a:pPr lvl="1"/>
+            <a:r>
+              <a:rPr dirty="0"/>
+              <a:t>Numeric variables</a:t>
+            </a:r>
+          </a:p>
+          <a:p>
+            <a:pPr lvl="1"/>
+            <a:r>
+              <a:rPr dirty="0"/>
+              <a:t>Ord</a:t>
+            </a:r>
+            <a:r>
+              <a:rPr lang="en-US" dirty="0"/>
+              <a:t>inal or ord</a:t>
+            </a:r>
+            <a:r>
+              <a:rPr dirty="0"/>
+              <a:t>ered categorical variable</a:t>
+            </a:r>
+            <a:r>
+              <a:rPr lang="en-US" dirty="0"/>
+              <a:t>s</a:t>
+            </a:r>
+          </a:p>
+          <a:p>
+            <a:r>
+              <a:rPr lang="en-US" dirty="0"/>
+              <a:t>For examples of the foregoing palette types see the </a:t>
+            </a:r>
+            <a:r>
+              <a:rPr lang="en-US" dirty="0">
+                <a:hlinkClick r:id="rId2"/>
+              </a:rPr>
+              <a:t>Seaborn Choosing Color Palettes Tutorial</a:t>
+            </a:r>
+            <a:endParaRPr lang="en-US" dirty="0"/>
+          </a:p>
+          <a:p>
+            <a:r>
+              <a:rPr lang="en-US" dirty="0"/>
+              <a:t>To examine the wide range of available color pallets see </a:t>
+            </a:r>
+            <a:r>
+              <a:rPr lang="en-US" dirty="0">
+                <a:hlinkClick r:id="rId3"/>
+              </a:rPr>
+              <a:t>Choosing Color Maps in Matplotlib </a:t>
+            </a:r>
+            <a:endParaRPr dirty="0"/>
+          </a:p>
+        </p:txBody>
+      </p:sp>
+    </p:spTree>
+  </p:cSld>
+  <p:clrMapOvr>
+    <a:masterClrMapping/>
+  </p:clrMapOvr>
+</p:sld>
+</file>
+
+<file path=ppt/slides/slide31.xml><?xml version="1.0" encoding="utf-8"?>
 <p:sld xmlns:a="http://schemas.openxmlformats.org/drawingml/2006/main" xmlns:r="http://schemas.openxmlformats.org/officeDocument/2006/relationships" xmlns:p="http://schemas.openxmlformats.org/presentationml/2006/main">
   <p:cSld>
     <p:spTree>
@@ -7384,7 +8092,7 @@
 </p:sld>
 </file>
 
-<file path=ppt/slides/slide31.xml><?xml version="1.0" encoding="utf-8"?>
+<file path=ppt/slides/slide32.xml><?xml version="1.0" encoding="utf-8"?>
 <p:sld xmlns:a="http://schemas.openxmlformats.org/drawingml/2006/main" xmlns:r="http://schemas.openxmlformats.org/officeDocument/2006/relationships" xmlns:p="http://schemas.openxmlformats.org/presentationml/2006/main">
   <p:cSld>
     <p:spTree>
@@ -7447,7 +8155,7 @@
         <p:spPr/>
         <p:txBody>
           <a:bodyPr>
-            <a:normAutofit/>
+            <a:normAutofit fontScale="85000" lnSpcReduction="20000"/>
           </a:bodyPr>
           <a:lstStyle/>
           <a:p>
@@ -7511,6 +8219,40 @@
               <a:rPr dirty="0"/>
               <a:t>for categories</a:t>
             </a:r>
+            <a:endParaRPr lang="en-US" dirty="0"/>
+          </a:p>
+          <a:p>
+            <a:pPr lvl="0"/>
+            <a:r>
+              <a:rPr lang="en-US" dirty="0">
+                <a:solidFill>
+                  <a:srgbClr val="C00000"/>
+                </a:solidFill>
+              </a:rPr>
+              <a:t>Warning! Avoid using meaningless color in graphics</a:t>
+            </a:r>
+          </a:p>
+          <a:p>
+            <a:pPr lvl="1"/>
+            <a:r>
+              <a:rPr lang="en-US" b="1" dirty="0"/>
+              <a:t>Using color for no reason is a distraction!</a:t>
+            </a:r>
+          </a:p>
+          <a:p>
+            <a:pPr lvl="1"/>
+            <a:r>
+              <a:rPr lang="en-US" dirty="0"/>
+              <a:t>Example: meaningless color for bar plots </a:t>
+            </a:r>
+          </a:p>
+          <a:p>
+            <a:pPr lvl="1"/>
+            <a:r>
+              <a:rPr lang="en-US" dirty="0"/>
+              <a:t>Example: meaningless color in box plots</a:t>
+            </a:r>
+            <a:endParaRPr dirty="0"/>
           </a:p>
         </p:txBody>
       </p:sp>
@@ -7522,7 +8264,7 @@
 </p:sld>
 </file>
 
-<file path=ppt/slides/slide32.xml><?xml version="1.0" encoding="utf-8"?>
+<file path=ppt/slides/slide33.xml><?xml version="1.0" encoding="utf-8"?>
 <p:sld xmlns:a="http://schemas.openxmlformats.org/drawingml/2006/main" xmlns:r="http://schemas.openxmlformats.org/officeDocument/2006/relationships" xmlns:p="http://schemas.openxmlformats.org/presentationml/2006/main">
   <p:cSld>
     <p:spTree>
@@ -7735,7 +8477,7 @@
             </a:pPr>
             <a:r>
               <a:rPr lang="en-US" dirty="0"/>
-              <a:t>Large color pallet reduces perception</a:t>
+              <a:t>Large qualitative color pallet reduces perception</a:t>
             </a:r>
           </a:p>
           <a:p>
@@ -7803,7 +8545,7 @@
 </p:sld>
 </file>
 
-<file path=ppt/slides/slide33.xml><?xml version="1.0" encoding="utf-8"?>
+<file path=ppt/slides/slide34.xml><?xml version="1.0" encoding="utf-8"?>
 <p:sld xmlns:a="http://schemas.openxmlformats.org/drawingml/2006/main" xmlns:r="http://schemas.openxmlformats.org/officeDocument/2006/relationships" xmlns:p="http://schemas.openxmlformats.org/presentationml/2006/main">
   <p:cSld>
     <p:spTree>
@@ -8016,7 +8758,7 @@
             </a:pPr>
             <a:r>
               <a:rPr lang="en-US" dirty="0"/>
-              <a:t>Ordered box plot is an alternative to color and shape for variables with too many categories   </a:t>
+              <a:t>Ordered box plot is an alternative to qualitative color and shape for variables with too many categories   </a:t>
             </a:r>
           </a:p>
           <a:p>
@@ -8100,7 +8842,7 @@
 </p:sld>
 </file>
 
-<file path=ppt/slides/slide34.xml><?xml version="1.0" encoding="utf-8"?>
+<file path=ppt/slides/slide35.xml><?xml version="1.0" encoding="utf-8"?>
 <p:sld xmlns:a="http://schemas.openxmlformats.org/drawingml/2006/main" xmlns:r="http://schemas.openxmlformats.org/officeDocument/2006/relationships" xmlns:p="http://schemas.openxmlformats.org/presentationml/2006/main">
   <p:cSld>
     <p:spTree>
@@ -8219,8 +8961,8 @@
               <a:t>Limited steps of </a:t>
             </a:r>
             <a:r>
-              <a:rPr lang="en-US" dirty="0" err="1"/>
-              <a:t>ordianal</a:t>
+              <a:rPr lang="en-US" dirty="0"/>
+              <a:t>ordinal</a:t>
             </a:r>
             <a:r>
               <a:rPr dirty="0"/>
@@ -8237,7 +8979,7 @@
 </p:sld>
 </file>
 
-<file path=ppt/slides/slide35.xml><?xml version="1.0" encoding="utf-8"?>
+<file path=ppt/slides/slide36.xml><?xml version="1.0" encoding="utf-8"?>
 <p:sld xmlns:a="http://schemas.openxmlformats.org/drawingml/2006/main" xmlns:r="http://schemas.openxmlformats.org/officeDocument/2006/relationships" xmlns:p="http://schemas.openxmlformats.org/presentationml/2006/main">
   <p:cSld>
     <p:spTree>
@@ -8523,7 +9265,7 @@
 </p:sld>
 </file>
 
-<file path=ppt/slides/slide36.xml><?xml version="1.0" encoding="utf-8"?>
+<file path=ppt/slides/slide37.xml><?xml version="1.0" encoding="utf-8"?>
 <p:sld xmlns:a="http://schemas.openxmlformats.org/drawingml/2006/main" xmlns:r="http://schemas.openxmlformats.org/officeDocument/2006/relationships" xmlns:p="http://schemas.openxmlformats.org/presentationml/2006/main">
   <p:cSld>
     <p:spTree>
@@ -8622,7 +9364,7 @@
 </p:sld>
 </file>
 
-<file path=ppt/slides/slide37.xml><?xml version="1.0" encoding="utf-8"?>
+<file path=ppt/slides/slide38.xml><?xml version="1.0" encoding="utf-8"?>
 <p:sld xmlns:a="http://schemas.openxmlformats.org/drawingml/2006/main" xmlns:r="http://schemas.openxmlformats.org/officeDocument/2006/relationships" xmlns:p="http://schemas.openxmlformats.org/presentationml/2006/main">
   <p:cSld>
     <p:spTree>
@@ -8900,7 +9642,7 @@
 </p:sld>
 </file>
 
-<file path=ppt/slides/slide38.xml><?xml version="1.0" encoding="utf-8"?>
+<file path=ppt/slides/slide39.xml><?xml version="1.0" encoding="utf-8"?>
 <p:sld xmlns:a="http://schemas.openxmlformats.org/drawingml/2006/main" xmlns:r="http://schemas.openxmlformats.org/officeDocument/2006/relationships" xmlns:p="http://schemas.openxmlformats.org/presentationml/2006/main">
   <p:cSld>
     <p:spTree>
@@ -9010,7 +9752,143 @@
 </p:sld>
 </file>
 
-<file path=ppt/slides/slide39.xml><?xml version="1.0" encoding="utf-8"?>
+<file path=ppt/slides/slide4.xml><?xml version="1.0" encoding="utf-8"?>
+<p:sld xmlns:a="http://schemas.openxmlformats.org/drawingml/2006/main" xmlns:r="http://schemas.openxmlformats.org/officeDocument/2006/relationships" xmlns:p="http://schemas.openxmlformats.org/presentationml/2006/main">
+  <p:cSld>
+    <p:spTree>
+      <p:nvGrpSpPr>
+        <p:cNvPr id="1" name=""/>
+        <p:cNvGrpSpPr/>
+        <p:nvPr/>
+      </p:nvGrpSpPr>
+      <p:grpSpPr>
+        <a:xfrm>
+          <a:off x="0" y="0"/>
+          <a:ext cx="0" cy="0"/>
+          <a:chOff x="0" y="0"/>
+          <a:chExt cx="0" cy="0"/>
+        </a:xfrm>
+      </p:grpSpPr>
+      <p:sp>
+        <p:nvSpPr>
+          <p:cNvPr id="2" name="Title 1"/>
+          <p:cNvSpPr>
+            <a:spLocks noGrp="1"/>
+          </p:cNvSpPr>
+          <p:nvPr>
+            <p:ph type="title"/>
+          </p:nvPr>
+        </p:nvSpPr>
+        <p:spPr/>
+        <p:txBody>
+          <a:bodyPr/>
+          <a:lstStyle/>
+          <a:p>
+            <a:pPr marL="0" lvl="0" indent="0">
+              <a:buNone/>
+            </a:pPr>
+            <a:r>
+              <a:t>Why This Course?</a:t>
+            </a:r>
+          </a:p>
+        </p:txBody>
+      </p:sp>
+      <p:sp>
+        <p:nvSpPr>
+          <p:cNvPr id="3" name="Content Placeholder 2"/>
+          <p:cNvSpPr>
+            <a:spLocks noGrp="1"/>
+          </p:cNvSpPr>
+          <p:nvPr>
+            <p:ph idx="1"/>
+          </p:nvPr>
+        </p:nvSpPr>
+        <p:spPr/>
+        <p:txBody>
+          <a:bodyPr>
+            <a:normAutofit fontScale="92500" lnSpcReduction="20000"/>
+          </a:bodyPr>
+          <a:lstStyle/>
+          <a:p>
+            <a:pPr marL="0" lvl="0" indent="0">
+              <a:buNone/>
+            </a:pPr>
+            <a:r>
+              <a:rPr lang="en-US" dirty="0"/>
+              <a:t>What is the difference between </a:t>
+            </a:r>
+            <a:r>
+              <a:rPr lang="en-US" b="1" dirty="0"/>
+              <a:t>statistical inference </a:t>
+            </a:r>
+            <a:r>
+              <a:rPr lang="en-US" dirty="0"/>
+              <a:t>and </a:t>
+            </a:r>
+            <a:r>
+              <a:rPr lang="en-US" b="1" dirty="0"/>
+              <a:t>predictive analytics? </a:t>
+            </a:r>
+            <a:endParaRPr b="1" dirty="0"/>
+          </a:p>
+          <a:p>
+            <a:pPr lvl="0"/>
+            <a:r>
+              <a:rPr lang="en-US" dirty="0"/>
+              <a:t>Inference and prediction closely related   </a:t>
+            </a:r>
+          </a:p>
+          <a:p>
+            <a:pPr lvl="0"/>
+            <a:r>
+              <a:rPr lang="en-US" dirty="0"/>
+              <a:t>Prediction is the domain of machine learning   </a:t>
+            </a:r>
+          </a:p>
+          <a:p>
+            <a:pPr lvl="1"/>
+            <a:r>
+              <a:rPr lang="en-US" dirty="0"/>
+              <a:t>Goal is accurate predictions  </a:t>
+            </a:r>
+          </a:p>
+          <a:p>
+            <a:pPr lvl="0"/>
+            <a:r>
+              <a:rPr lang="en-US" dirty="0"/>
+              <a:t>Statistical inference seeks to make discoveries by applying statistical models     </a:t>
+            </a:r>
+          </a:p>
+          <a:p>
+            <a:pPr lvl="1"/>
+            <a:r>
+              <a:rPr lang="en-US" dirty="0"/>
+              <a:t>Goal is to understand changes in response given changes in independent variables    </a:t>
+            </a:r>
+          </a:p>
+          <a:p>
+            <a:r>
+              <a:rPr lang="en-US" dirty="0"/>
+              <a:t>We focus on inference in this course, not machine learning specifically </a:t>
+            </a:r>
+            <a:endParaRPr dirty="0"/>
+          </a:p>
+        </p:txBody>
+      </p:sp>
+    </p:spTree>
+    <p:extLst>
+      <p:ext uri="{BB962C8B-B14F-4D97-AF65-F5344CB8AC3E}">
+        <p14:creationId xmlns:p14="http://schemas.microsoft.com/office/powerpoint/2010/main" val="1668455024"/>
+      </p:ext>
+    </p:extLst>
+  </p:cSld>
+  <p:clrMapOvr>
+    <a:masterClrMapping/>
+  </p:clrMapOvr>
+</p:sld>
+</file>
+
+<file path=ppt/slides/slide40.xml><?xml version="1.0" encoding="utf-8"?>
 <p:sld xmlns:a="http://schemas.openxmlformats.org/drawingml/2006/main" xmlns:r="http://schemas.openxmlformats.org/officeDocument/2006/relationships" xmlns:p="http://schemas.openxmlformats.org/presentationml/2006/main">
   <p:cSld>
     <p:spTree>
@@ -9294,7 +10172,7 @@
 </p:sld>
 </file>
 
-<file path=ppt/slides/slide4.xml><?xml version="1.0" encoding="utf-8"?>
+<file path=ppt/slides/slide41.xml><?xml version="1.0" encoding="utf-8"?>
 <p:sld xmlns:a="http://schemas.openxmlformats.org/drawingml/2006/main" xmlns:r="http://schemas.openxmlformats.org/officeDocument/2006/relationships" xmlns:p="http://schemas.openxmlformats.org/presentationml/2006/main">
   <p:cSld>
     <p:spTree>
@@ -9330,142 +10208,6 @@
               <a:buNone/>
             </a:pPr>
             <a:r>
-              <a:t>Why This Course?</a:t>
-            </a:r>
-          </a:p>
-        </p:txBody>
-      </p:sp>
-      <p:sp>
-        <p:nvSpPr>
-          <p:cNvPr id="3" name="Content Placeholder 2"/>
-          <p:cNvSpPr>
-            <a:spLocks noGrp="1"/>
-          </p:cNvSpPr>
-          <p:nvPr>
-            <p:ph idx="1"/>
-          </p:nvPr>
-        </p:nvSpPr>
-        <p:spPr/>
-        <p:txBody>
-          <a:bodyPr>
-            <a:normAutofit fontScale="92500" lnSpcReduction="20000"/>
-          </a:bodyPr>
-          <a:lstStyle/>
-          <a:p>
-            <a:pPr marL="0" lvl="0" indent="0">
-              <a:buNone/>
-            </a:pPr>
-            <a:r>
-              <a:rPr lang="en-US" dirty="0"/>
-              <a:t>What is the difference between </a:t>
-            </a:r>
-            <a:r>
-              <a:rPr lang="en-US" b="1" dirty="0"/>
-              <a:t>statistical inference </a:t>
-            </a:r>
-            <a:r>
-              <a:rPr lang="en-US" dirty="0"/>
-              <a:t>and </a:t>
-            </a:r>
-            <a:r>
-              <a:rPr lang="en-US" b="1" dirty="0"/>
-              <a:t>predictive analytics? </a:t>
-            </a:r>
-            <a:endParaRPr b="1" dirty="0"/>
-          </a:p>
-          <a:p>
-            <a:pPr lvl="0"/>
-            <a:r>
-              <a:rPr lang="en-US" dirty="0"/>
-              <a:t>Inference and prediction closely related   </a:t>
-            </a:r>
-          </a:p>
-          <a:p>
-            <a:pPr lvl="0"/>
-            <a:r>
-              <a:rPr lang="en-US" dirty="0"/>
-              <a:t>Prediction is the domain of machine learning   </a:t>
-            </a:r>
-          </a:p>
-          <a:p>
-            <a:pPr lvl="1"/>
-            <a:r>
-              <a:rPr lang="en-US" dirty="0"/>
-              <a:t>Goal is accurate predictions  </a:t>
-            </a:r>
-          </a:p>
-          <a:p>
-            <a:pPr lvl="0"/>
-            <a:r>
-              <a:rPr lang="en-US" dirty="0"/>
-              <a:t>Statistical inference seeks to make discoveries by applying statistical models     </a:t>
-            </a:r>
-          </a:p>
-          <a:p>
-            <a:pPr lvl="1"/>
-            <a:r>
-              <a:rPr lang="en-US" dirty="0"/>
-              <a:t>Goal is to understand changes in response given changes in independent variables    </a:t>
-            </a:r>
-          </a:p>
-          <a:p>
-            <a:r>
-              <a:rPr lang="en-US" dirty="0"/>
-              <a:t>We focus on inference in this course, not machine learning specifically </a:t>
-            </a:r>
-            <a:endParaRPr dirty="0"/>
-          </a:p>
-        </p:txBody>
-      </p:sp>
-    </p:spTree>
-    <p:extLst>
-      <p:ext uri="{BB962C8B-B14F-4D97-AF65-F5344CB8AC3E}">
-        <p14:creationId xmlns:p14="http://schemas.microsoft.com/office/powerpoint/2010/main" val="1668455024"/>
-      </p:ext>
-    </p:extLst>
-  </p:cSld>
-  <p:clrMapOvr>
-    <a:masterClrMapping/>
-  </p:clrMapOvr>
-</p:sld>
-</file>
-
-<file path=ppt/slides/slide40.xml><?xml version="1.0" encoding="utf-8"?>
-<p:sld xmlns:a="http://schemas.openxmlformats.org/drawingml/2006/main" xmlns:r="http://schemas.openxmlformats.org/officeDocument/2006/relationships" xmlns:p="http://schemas.openxmlformats.org/presentationml/2006/main">
-  <p:cSld>
-    <p:spTree>
-      <p:nvGrpSpPr>
-        <p:cNvPr id="1" name=""/>
-        <p:cNvGrpSpPr/>
-        <p:nvPr/>
-      </p:nvGrpSpPr>
-      <p:grpSpPr>
-        <a:xfrm>
-          <a:off x="0" y="0"/>
-          <a:ext cx="0" cy="0"/>
-          <a:chOff x="0" y="0"/>
-          <a:chExt cx="0" cy="0"/>
-        </a:xfrm>
-      </p:grpSpPr>
-      <p:sp>
-        <p:nvSpPr>
-          <p:cNvPr id="2" name="Title 1"/>
-          <p:cNvSpPr>
-            <a:spLocks noGrp="1"/>
-          </p:cNvSpPr>
-          <p:nvPr>
-            <p:ph type="title"/>
-          </p:nvPr>
-        </p:nvSpPr>
-        <p:spPr/>
-        <p:txBody>
-          <a:bodyPr/>
-          <a:lstStyle/>
-          <a:p>
-            <a:pPr marL="0" lvl="0" indent="0">
-              <a:buNone/>
-            </a:pPr>
-            <a:r>
               <a:t>Regression Lines</a:t>
             </a:r>
           </a:p>
@@ -9578,7 +10320,7 @@
 </p:sld>
 </file>
 
-<file path=ppt/slides/slide41.xml><?xml version="1.0" encoding="utf-8"?>
+<file path=ppt/slides/slide42.xml><?xml version="1.0" encoding="utf-8"?>
 <p:sld xmlns:a="http://schemas.openxmlformats.org/drawingml/2006/main" xmlns:r="http://schemas.openxmlformats.org/officeDocument/2006/relationships" xmlns:p="http://schemas.openxmlformats.org/presentationml/2006/main">
   <p:cSld>
     <p:spTree>
@@ -9710,7 +10452,7 @@
 </p:sld>
 </file>
 
-<file path=ppt/slides/slide42.xml><?xml version="1.0" encoding="utf-8"?>
+<file path=ppt/slides/slide43.xml><?xml version="1.0" encoding="utf-8"?>
 <p:sld xmlns:a="http://schemas.openxmlformats.org/drawingml/2006/main" xmlns:r="http://schemas.openxmlformats.org/officeDocument/2006/relationships" xmlns:p="http://schemas.openxmlformats.org/presentationml/2006/main">
   <p:cSld>
     <p:spTree>
@@ -9867,7 +10609,7 @@
 </p:sld>
 </file>
 
-<file path=ppt/slides/slide43.xml><?xml version="1.0" encoding="utf-8"?>
+<file path=ppt/slides/slide44.xml><?xml version="1.0" encoding="utf-8"?>
 <p:sld xmlns:a="http://schemas.openxmlformats.org/drawingml/2006/main" xmlns:r="http://schemas.openxmlformats.org/officeDocument/2006/relationships" xmlns:p="http://schemas.openxmlformats.org/presentationml/2006/main">
   <p:cSld>
     <p:spTree>
@@ -10049,7 +10791,7 @@
 </p:sld>
 </file>
 
-<file path=ppt/slides/slide44.xml><?xml version="1.0" encoding="utf-8"?>
+<file path=ppt/slides/slide45.xml><?xml version="1.0" encoding="utf-8"?>
 <p:sld xmlns:a="http://schemas.openxmlformats.org/drawingml/2006/main" xmlns:r="http://schemas.openxmlformats.org/officeDocument/2006/relationships" xmlns:p="http://schemas.openxmlformats.org/presentationml/2006/main">
   <p:cSld>
     <p:spTree>
@@ -10257,7 +10999,7 @@
 </p:sld>
 </file>
 
-<file path=ppt/slides/slide45.xml><?xml version="1.0" encoding="utf-8"?>
+<file path=ppt/slides/slide46.xml><?xml version="1.0" encoding="utf-8"?>
 <p:sld xmlns:a="http://schemas.openxmlformats.org/drawingml/2006/main" xmlns:r="http://schemas.openxmlformats.org/officeDocument/2006/relationships" xmlns:p="http://schemas.openxmlformats.org/presentationml/2006/main">
   <p:cSld>
     <p:spTree>
@@ -10563,7 +11305,7 @@
 </p:sld>
 </file>
 
-<file path=ppt/slides/slide46.xml><?xml version="1.0" encoding="utf-8"?>
+<file path=ppt/slides/slide47.xml><?xml version="1.0" encoding="utf-8"?>
 <p:sld xmlns:a="http://schemas.openxmlformats.org/drawingml/2006/main" xmlns:r="http://schemas.openxmlformats.org/officeDocument/2006/relationships" xmlns:p="http://schemas.openxmlformats.org/presentationml/2006/main">
   <p:cSld>
     <p:spTree>
@@ -10703,7 +11445,7 @@
 </p:sld>
 </file>
 
-<file path=ppt/slides/slide47.xml><?xml version="1.0" encoding="utf-8"?>
+<file path=ppt/slides/slide48.xml><?xml version="1.0" encoding="utf-8"?>
 <p:sld xmlns:a="http://schemas.openxmlformats.org/drawingml/2006/main" xmlns:r="http://schemas.openxmlformats.org/officeDocument/2006/relationships" xmlns:p="http://schemas.openxmlformats.org/presentationml/2006/main">
   <p:cSld>
     <p:spTree>
@@ -10889,7 +11631,7 @@
 </p:sld>
 </file>
 
-<file path=ppt/slides/slide48.xml><?xml version="1.0" encoding="utf-8"?>
+<file path=ppt/slides/slide49.xml><?xml version="1.0" encoding="utf-8"?>
 <p:sld xmlns:a="http://schemas.openxmlformats.org/drawingml/2006/main" xmlns:r="http://schemas.openxmlformats.org/officeDocument/2006/relationships" xmlns:p="http://schemas.openxmlformats.org/presentationml/2006/main">
   <p:cSld>
     <p:spTree>
@@ -11020,143 +11762,6 @@
 </p:sld>
 </file>
 
-<file path=ppt/slides/slide49.xml><?xml version="1.0" encoding="utf-8"?>
-<p:sld xmlns:a="http://schemas.openxmlformats.org/drawingml/2006/main" xmlns:r="http://schemas.openxmlformats.org/officeDocument/2006/relationships" xmlns:p="http://schemas.openxmlformats.org/presentationml/2006/main">
-  <p:cSld>
-    <p:spTree>
-      <p:nvGrpSpPr>
-        <p:cNvPr id="1" name=""/>
-        <p:cNvGrpSpPr/>
-        <p:nvPr/>
-      </p:nvGrpSpPr>
-      <p:grpSpPr>
-        <a:xfrm>
-          <a:off x="0" y="0"/>
-          <a:ext cx="0" cy="0"/>
-          <a:chOff x="0" y="0"/>
-          <a:chExt cx="0" cy="0"/>
-        </a:xfrm>
-      </p:grpSpPr>
-      <p:sp>
-        <p:nvSpPr>
-          <p:cNvPr id="2" name="Title 1"/>
-          <p:cNvSpPr>
-            <a:spLocks noGrp="1"/>
-          </p:cNvSpPr>
-          <p:nvPr>
-            <p:ph type="title"/>
-          </p:nvPr>
-        </p:nvSpPr>
-        <p:spPr/>
-        <p:txBody>
-          <a:bodyPr/>
-          <a:lstStyle/>
-          <a:p>
-            <a:pPr marL="0" lvl="0" indent="0">
-              <a:buNone/>
-            </a:pPr>
-            <a:r>
-              <a:t>Summary</a:t>
-            </a:r>
-          </a:p>
-        </p:txBody>
-      </p:sp>
-      <p:sp>
-        <p:nvSpPr>
-          <p:cNvPr id="3" name="Content Placeholder 2"/>
-          <p:cNvSpPr>
-            <a:spLocks noGrp="1"/>
-          </p:cNvSpPr>
-          <p:nvPr>
-            <p:ph idx="1"/>
-          </p:nvPr>
-        </p:nvSpPr>
-        <p:spPr>
-          <a:xfrm>
-            <a:off x="457200" y="945266"/>
-            <a:ext cx="8229600" cy="3939250"/>
-          </a:xfrm>
-        </p:spPr>
-        <p:txBody>
-          <a:bodyPr>
-            <a:normAutofit fontScale="92500" lnSpcReduction="10000"/>
-          </a:bodyPr>
-          <a:lstStyle/>
-          <a:p>
-            <a:pPr marL="0" lvl="0" indent="0">
-              <a:buNone/>
-            </a:pPr>
-            <a:r>
-              <a:rPr dirty="0"/>
-              <a:t>We have explored these key points</a:t>
-            </a:r>
-            <a:endParaRPr lang="en-US" dirty="0"/>
-          </a:p>
-          <a:p>
-            <a:r>
-              <a:rPr lang="en-US" dirty="0"/>
-              <a:t>Visualization is a powerful EDA method</a:t>
-            </a:r>
-          </a:p>
-          <a:p>
-            <a:pPr lvl="1"/>
-            <a:r>
-              <a:rPr lang="en-US" dirty="0"/>
-              <a:t>Understand relationships in data</a:t>
-            </a:r>
-          </a:p>
-          <a:p>
-            <a:pPr lvl="1"/>
-            <a:r>
-              <a:rPr lang="en-US" dirty="0"/>
-              <a:t>Communicate data science insights</a:t>
-            </a:r>
-          </a:p>
-          <a:p>
-            <a:pPr lvl="0"/>
-            <a:r>
-              <a:rPr dirty="0"/>
-              <a:t>Proper use of plot aesthetics enable projection of multiple dimensions of complex data onto the 2-dimensional plot surface.</a:t>
-            </a:r>
-          </a:p>
-          <a:p>
-            <a:pPr lvl="1"/>
-            <a:r>
-              <a:rPr dirty="0"/>
-              <a:t>All plot aesthetics have limitations which must be understood to use them effectively</a:t>
-            </a:r>
-          </a:p>
-          <a:p>
-            <a:pPr lvl="1"/>
-            <a:r>
-              <a:rPr dirty="0"/>
-              <a:t>The effectiveness of a plot aesthetic varies with the type and the application</a:t>
-            </a:r>
-          </a:p>
-          <a:p>
-            <a:pPr lvl="0"/>
-            <a:r>
-              <a:rPr dirty="0"/>
-              <a:t>Regression lines help to focus viewer on trends</a:t>
-            </a:r>
-          </a:p>
-          <a:p>
-            <a:pPr lvl="1"/>
-            <a:r>
-              <a:rPr dirty="0"/>
-              <a:t>Transformations to linear relationships can be informative</a:t>
-            </a:r>
-          </a:p>
-        </p:txBody>
-      </p:sp>
-    </p:spTree>
-  </p:cSld>
-  <p:clrMapOvr>
-    <a:masterClrMapping/>
-  </p:clrMapOvr>
-</p:sld>
-</file>
-
 <file path=ppt/slides/slide5.xml><?xml version="1.0" encoding="utf-8"?>
 <p:sld xmlns:a="http://schemas.openxmlformats.org/drawingml/2006/main" xmlns:r="http://schemas.openxmlformats.org/officeDocument/2006/relationships" xmlns:p="http://schemas.openxmlformats.org/presentationml/2006/main">
   <p:cSld>
@@ -11362,6 +11967,143 @@
 </file>
 
 <file path=ppt/slides/slide50.xml><?xml version="1.0" encoding="utf-8"?>
+<p:sld xmlns:a="http://schemas.openxmlformats.org/drawingml/2006/main" xmlns:r="http://schemas.openxmlformats.org/officeDocument/2006/relationships" xmlns:p="http://schemas.openxmlformats.org/presentationml/2006/main">
+  <p:cSld>
+    <p:spTree>
+      <p:nvGrpSpPr>
+        <p:cNvPr id="1" name=""/>
+        <p:cNvGrpSpPr/>
+        <p:nvPr/>
+      </p:nvGrpSpPr>
+      <p:grpSpPr>
+        <a:xfrm>
+          <a:off x="0" y="0"/>
+          <a:ext cx="0" cy="0"/>
+          <a:chOff x="0" y="0"/>
+          <a:chExt cx="0" cy="0"/>
+        </a:xfrm>
+      </p:grpSpPr>
+      <p:sp>
+        <p:nvSpPr>
+          <p:cNvPr id="2" name="Title 1"/>
+          <p:cNvSpPr>
+            <a:spLocks noGrp="1"/>
+          </p:cNvSpPr>
+          <p:nvPr>
+            <p:ph type="title"/>
+          </p:nvPr>
+        </p:nvSpPr>
+        <p:spPr/>
+        <p:txBody>
+          <a:bodyPr/>
+          <a:lstStyle/>
+          <a:p>
+            <a:pPr marL="0" lvl="0" indent="0">
+              <a:buNone/>
+            </a:pPr>
+            <a:r>
+              <a:t>Summary</a:t>
+            </a:r>
+          </a:p>
+        </p:txBody>
+      </p:sp>
+      <p:sp>
+        <p:nvSpPr>
+          <p:cNvPr id="3" name="Content Placeholder 2"/>
+          <p:cNvSpPr>
+            <a:spLocks noGrp="1"/>
+          </p:cNvSpPr>
+          <p:nvPr>
+            <p:ph idx="1"/>
+          </p:nvPr>
+        </p:nvSpPr>
+        <p:spPr>
+          <a:xfrm>
+            <a:off x="457200" y="945266"/>
+            <a:ext cx="8229600" cy="3939250"/>
+          </a:xfrm>
+        </p:spPr>
+        <p:txBody>
+          <a:bodyPr>
+            <a:normAutofit fontScale="92500" lnSpcReduction="10000"/>
+          </a:bodyPr>
+          <a:lstStyle/>
+          <a:p>
+            <a:pPr marL="0" lvl="0" indent="0">
+              <a:buNone/>
+            </a:pPr>
+            <a:r>
+              <a:rPr dirty="0"/>
+              <a:t>We have explored these key points</a:t>
+            </a:r>
+            <a:endParaRPr lang="en-US" dirty="0"/>
+          </a:p>
+          <a:p>
+            <a:r>
+              <a:rPr lang="en-US" dirty="0"/>
+              <a:t>Visualization is a powerful EDA method</a:t>
+            </a:r>
+          </a:p>
+          <a:p>
+            <a:pPr lvl="1"/>
+            <a:r>
+              <a:rPr lang="en-US" dirty="0"/>
+              <a:t>Understand relationships in data</a:t>
+            </a:r>
+          </a:p>
+          <a:p>
+            <a:pPr lvl="1"/>
+            <a:r>
+              <a:rPr lang="en-US" dirty="0"/>
+              <a:t>Communicate data science insights</a:t>
+            </a:r>
+          </a:p>
+          <a:p>
+            <a:pPr lvl="0"/>
+            <a:r>
+              <a:rPr dirty="0"/>
+              <a:t>Proper use of plot aesthetics enable projection of multiple dimensions of complex data onto the 2-dimensional plot surface.</a:t>
+            </a:r>
+          </a:p>
+          <a:p>
+            <a:pPr lvl="1"/>
+            <a:r>
+              <a:rPr dirty="0"/>
+              <a:t>All plot aesthetics have limitations which must be understood to use them effectively</a:t>
+            </a:r>
+          </a:p>
+          <a:p>
+            <a:pPr lvl="1"/>
+            <a:r>
+              <a:rPr dirty="0"/>
+              <a:t>The effectiveness of a plot aesthetic varies with the type and the application</a:t>
+            </a:r>
+          </a:p>
+          <a:p>
+            <a:pPr lvl="0"/>
+            <a:r>
+              <a:rPr dirty="0"/>
+              <a:t>Regression lines help to focus viewer on trends</a:t>
+            </a:r>
+          </a:p>
+          <a:p>
+            <a:pPr lvl="1"/>
+            <a:r>
+              <a:rPr dirty="0"/>
+              <a:t>Transformations to linear relationships can be informative</a:t>
+            </a:r>
+          </a:p>
+        </p:txBody>
+      </p:sp>
+    </p:spTree>
+  </p:cSld>
+  <p:clrMapOvr>
+    <a:masterClrMapping/>
+  </p:clrMapOvr>
+</p:sld>
+</file>
+
+<file path=ppt/slides/slide51.xml><?xml version="1.0" encoding="utf-8"?>
 <p:sld xmlns:a="http://schemas.openxmlformats.org/drawingml/2006/main" xmlns:r="http://schemas.openxmlformats.org/officeDocument/2006/relationships" xmlns:p="http://schemas.openxmlformats.org/presentationml/2006/main">
   <p:cSld>
     <p:spTree>
@@ -11550,9 +12292,10 @@
                         <a:buNone/>
                       </a:pPr>
                       <a:r>
-                        <a:rPr sz="1800"/>
-                        <a:t>Numeric</a:t>
+                        <a:rPr lang="en-US" sz="1800" dirty="0"/>
+                        <a:t>Any</a:t>
                       </a:r>
+                      <a:endParaRPr sz="1800" dirty="0"/>
                     </a:p>
                   </a:txBody>
                   <a:tcPr/>
@@ -11605,8 +12348,16 @@
                         <a:buNone/>
                       </a:pPr>
                       <a:r>
-                        <a:rPr sz="1800"/>
-                        <a:t>Numeric plus categorical</a:t>
+                        <a:rPr sz="1800" dirty="0"/>
+                        <a:t>Numeric</a:t>
+                      </a:r>
+                      <a:r>
+                        <a:rPr lang="en-US" sz="1800" dirty="0"/>
+                        <a:t>,</a:t>
+                      </a:r>
+                      <a:r>
+                        <a:rPr sz="1800" dirty="0"/>
+                        <a:t> categorical</a:t>
                       </a:r>
                     </a:p>
                   </a:txBody>
@@ -11660,9 +12411,14 @@
                         <a:buNone/>
                       </a:pPr>
                       <a:r>
-                        <a:rPr sz="1800"/>
+                        <a:rPr sz="1800" dirty="0"/>
                         <a:t>Numeric</a:t>
                       </a:r>
+                      <a:r>
+                        <a:rPr lang="en-US" sz="1800" dirty="0"/>
+                        <a:t>, counts</a:t>
+                      </a:r>
+                      <a:endParaRPr sz="1800" dirty="0"/>
                     </a:p>
                   </a:txBody>
                   <a:tcPr/>
@@ -11770,8 +12526,16 @@
                         <a:buNone/>
                       </a:pPr>
                       <a:r>
-                        <a:rPr sz="1800"/>
-                        <a:t>Numeric, ordered categorical</a:t>
+                        <a:rPr sz="1800" dirty="0"/>
+                        <a:t>Numeric, </a:t>
+                      </a:r>
+                      <a:r>
+                        <a:rPr lang="en-US" sz="1800" dirty="0"/>
+                        <a:t>counts, </a:t>
+                      </a:r>
+                      <a:r>
+                        <a:rPr sz="1800" dirty="0"/>
+                        <a:t>ordered categorical</a:t>
                       </a:r>
                     </a:p>
                   </a:txBody>
@@ -11825,8 +12589,16 @@
                         <a:buNone/>
                       </a:pPr>
                       <a:r>
-                        <a:rPr sz="1800"/>
-                        <a:t>Numeric, ordered categorical</a:t>
+                        <a:rPr sz="1800" dirty="0"/>
+                        <a:t>Numeric, </a:t>
+                      </a:r>
+                      <a:r>
+                        <a:rPr lang="en-US" sz="1800" dirty="0"/>
+                        <a:t>counts, </a:t>
+                      </a:r>
+                      <a:r>
+                        <a:rPr sz="1800" dirty="0"/>
+                        <a:t>ordered categorical</a:t>
                       </a:r>
                     </a:p>
                   </a:txBody>
@@ -12045,8 +12817,24 @@
                         <a:buNone/>
                       </a:pPr>
                       <a:r>
-                        <a:rPr sz="1800"/>
-                        <a:t>Numeric or categorical</a:t>
+                        <a:rPr sz="1800" dirty="0"/>
+                        <a:t>Numeric</a:t>
+                      </a:r>
+                      <a:r>
+                        <a:rPr lang="en-US" sz="1800" dirty="0"/>
+                        <a:t>, counts,</a:t>
+                      </a:r>
+                      <a:r>
+                        <a:rPr sz="1800" dirty="0"/>
+                        <a:t> </a:t>
+                      </a:r>
+                      <a:r>
+                        <a:rPr lang="en-US" sz="1800" dirty="0"/>
+                        <a:t>ordered </a:t>
+                      </a:r>
+                      <a:r>
+                        <a:rPr sz="1800" dirty="0"/>
+                        <a:t>categorical</a:t>
                       </a:r>
                     </a:p>
                   </a:txBody>
@@ -12120,7 +12908,7 @@
     </p:spTree>
     <p:extLst>
       <p:ext uri="{BB962C8B-B14F-4D97-AF65-F5344CB8AC3E}">
-        <p14:creationId xmlns:p14="http://schemas.microsoft.com/office/powerpoint/2010/main" val="3380756405"/>
+        <p14:creationId xmlns:p14="http://schemas.microsoft.com/office/powerpoint/2010/main" val="3922932886"/>
       </p:ext>
     </p:extLst>
   </p:cSld>
@@ -13070,6 +13858,301 @@
 </a:theme>
 </file>
 
+<file path=ppt/theme/theme2.xml><?xml version="1.0" encoding="utf-8"?>
+<a:theme xmlns:a="http://schemas.openxmlformats.org/drawingml/2006/main" name="Office Theme">
+  <a:themeElements>
+    <a:clrScheme name="Office">
+      <a:dk1>
+        <a:sysClr val="windowText" lastClr="000000"/>
+      </a:dk1>
+      <a:lt1>
+        <a:sysClr val="window" lastClr="FFFFFF"/>
+      </a:lt1>
+      <a:dk2>
+        <a:srgbClr val="44546A"/>
+      </a:dk2>
+      <a:lt2>
+        <a:srgbClr val="E7E6E6"/>
+      </a:lt2>
+      <a:accent1>
+        <a:srgbClr val="4472C4"/>
+      </a:accent1>
+      <a:accent2>
+        <a:srgbClr val="ED7D31"/>
+      </a:accent2>
+      <a:accent3>
+        <a:srgbClr val="A5A5A5"/>
+      </a:accent3>
+      <a:accent4>
+        <a:srgbClr val="FFC000"/>
+      </a:accent4>
+      <a:accent5>
+        <a:srgbClr val="5B9BD5"/>
+      </a:accent5>
+      <a:accent6>
+        <a:srgbClr val="70AD47"/>
+      </a:accent6>
+      <a:hlink>
+        <a:srgbClr val="0563C1"/>
+      </a:hlink>
+      <a:folHlink>
+        <a:srgbClr val="954F72"/>
+      </a:folHlink>
+    </a:clrScheme>
+    <a:fontScheme name="Office">
+      <a:majorFont>
+        <a:latin typeface="Calibri Light" panose="020F0302020204030204"/>
+        <a:ea typeface=""/>
+        <a:cs typeface=""/>
+        <a:font script="Jpan" typeface="游ゴシック Light"/>
+        <a:font script="Hang" typeface="맑은 고딕"/>
+        <a:font script="Hans" typeface="等线 Light"/>
+        <a:font script="Hant" typeface="新細明體"/>
+        <a:font script="Arab" typeface="Times New Roman"/>
+        <a:font script="Hebr" typeface="Times New Roman"/>
+        <a:font script="Thai" typeface="Angsana New"/>
+        <a:font script="Ethi" typeface="Nyala"/>
+        <a:font script="Beng" typeface="Vrinda"/>
+        <a:font script="Gujr" typeface="Shruti"/>
+        <a:font script="Khmr" typeface="MoolBoran"/>
+        <a:font script="Knda" typeface="Tunga"/>
+        <a:font script="Guru" typeface="Raavi"/>
+        <a:font script="Cans" typeface="Euphemia"/>
+        <a:font script="Cher" typeface="Plantagenet Cherokee"/>
+        <a:font script="Yiii" typeface="Microsoft Yi Baiti"/>
+        <a:font script="Tibt" typeface="Microsoft Himalaya"/>
+        <a:font script="Thaa" typeface="MV Boli"/>
+        <a:font script="Deva" typeface="Mangal"/>
+        <a:font script="Telu" typeface="Gautami"/>
+        <a:font script="Taml" typeface="Latha"/>
+        <a:font script="Syrc" typeface="Estrangelo Edessa"/>
+        <a:font script="Orya" typeface="Kalinga"/>
+        <a:font script="Mlym" typeface="Kartika"/>
+        <a:font script="Laoo" typeface="DokChampa"/>
+        <a:font script="Sinh" typeface="Iskoola Pota"/>
+        <a:font script="Mong" typeface="Mongolian Baiti"/>
+        <a:font script="Viet" typeface="Times New Roman"/>
+        <a:font script="Uigh" typeface="Microsoft Uighur"/>
+        <a:font script="Geor" typeface="Sylfaen"/>
+        <a:font script="Armn" typeface="Arial"/>
+        <a:font script="Bugi" typeface="Leelawadee UI"/>
+        <a:font script="Bopo" typeface="Microsoft JhengHei"/>
+        <a:font script="Java" typeface="Javanese Text"/>
+        <a:font script="Lisu" typeface="Segoe UI"/>
+        <a:font script="Mymr" typeface="Myanmar Text"/>
+        <a:font script="Nkoo" typeface="Ebrima"/>
+        <a:font script="Olck" typeface="Nirmala UI"/>
+        <a:font script="Osma" typeface="Ebrima"/>
+        <a:font script="Phag" typeface="Phagspa"/>
+        <a:font script="Syrn" typeface="Estrangelo Edessa"/>
+        <a:font script="Syrj" typeface="Estrangelo Edessa"/>
+        <a:font script="Syre" typeface="Estrangelo Edessa"/>
+        <a:font script="Sora" typeface="Nirmala UI"/>
+        <a:font script="Tale" typeface="Microsoft Tai Le"/>
+        <a:font script="Talu" typeface="Microsoft New Tai Lue"/>
+        <a:font script="Tfng" typeface="Ebrima"/>
+      </a:majorFont>
+      <a:minorFont>
+        <a:latin typeface="Calibri" panose="020F0502020204030204"/>
+        <a:ea typeface=""/>
+        <a:cs typeface=""/>
+        <a:font script="Jpan" typeface="游ゴシック"/>
+        <a:font script="Hang" typeface="맑은 고딕"/>
+        <a:font script="Hans" typeface="等线"/>
+        <a:font script="Hant" typeface="新細明體"/>
+        <a:font script="Arab" typeface="Arial"/>
+        <a:font script="Hebr" typeface="Arial"/>
+        <a:font script="Thai" typeface="Cordia New"/>
+        <a:font script="Ethi" typeface="Nyala"/>
+        <a:font script="Beng" typeface="Vrinda"/>
+        <a:font script="Gujr" typeface="Shruti"/>
+        <a:font script="Khmr" typeface="DaunPenh"/>
+        <a:font script="Knda" typeface="Tunga"/>
+        <a:font script="Guru" typeface="Raavi"/>
+        <a:font script="Cans" typeface="Euphemia"/>
+        <a:font script="Cher" typeface="Plantagenet Cherokee"/>
+        <a:font script="Yiii" typeface="Microsoft Yi Baiti"/>
+        <a:font script="Tibt" typeface="Microsoft Himalaya"/>
+        <a:font script="Thaa" typeface="MV Boli"/>
+        <a:font script="Deva" typeface="Mangal"/>
+        <a:font script="Telu" typeface="Gautami"/>
+        <a:font script="Taml" typeface="Latha"/>
+        <a:font script="Syrc" typeface="Estrangelo Edessa"/>
+        <a:font script="Orya" typeface="Kalinga"/>
+        <a:font script="Mlym" typeface="Kartika"/>
+        <a:font script="Laoo" typeface="DokChampa"/>
+        <a:font script="Sinh" typeface="Iskoola Pota"/>
+        <a:font script="Mong" typeface="Mongolian Baiti"/>
+        <a:font script="Viet" typeface="Arial"/>
+        <a:font script="Uigh" typeface="Microsoft Uighur"/>
+        <a:font script="Geor" typeface="Sylfaen"/>
+        <a:font script="Armn" typeface="Arial"/>
+        <a:font script="Bugi" typeface="Leelawadee UI"/>
+        <a:font script="Bopo" typeface="Microsoft JhengHei"/>
+        <a:font script="Java" typeface="Javanese Text"/>
+        <a:font script="Lisu" typeface="Segoe UI"/>
+        <a:font script="Mymr" typeface="Myanmar Text"/>
+        <a:font script="Nkoo" typeface="Ebrima"/>
+        <a:font script="Olck" typeface="Nirmala UI"/>
+        <a:font script="Osma" typeface="Ebrima"/>
+        <a:font script="Phag" typeface="Phagspa"/>
+        <a:font script="Syrn" typeface="Estrangelo Edessa"/>
+        <a:font script="Syrj" typeface="Estrangelo Edessa"/>
+        <a:font script="Syre" typeface="Estrangelo Edessa"/>
+        <a:font script="Sora" typeface="Nirmala UI"/>
+        <a:font script="Tale" typeface="Microsoft Tai Le"/>
+        <a:font script="Talu" typeface="Microsoft New Tai Lue"/>
+        <a:font script="Tfng" typeface="Ebrima"/>
+      </a:minorFont>
+    </a:fontScheme>
+    <a:fmtScheme name="Office">
+      <a:fillStyleLst>
+        <a:solidFill>
+          <a:schemeClr val="phClr"/>
+        </a:solidFill>
+        <a:gradFill rotWithShape="1">
+          <a:gsLst>
+            <a:gs pos="0">
+              <a:schemeClr val="phClr">
+                <a:lumMod val="110000"/>
+                <a:satMod val="105000"/>
+                <a:tint val="67000"/>
+              </a:schemeClr>
+            </a:gs>
+            <a:gs pos="50000">
+              <a:schemeClr val="phClr">
+                <a:lumMod val="105000"/>
+                <a:satMod val="103000"/>
+                <a:tint val="73000"/>
+              </a:schemeClr>
+            </a:gs>
+            <a:gs pos="100000">
+              <a:schemeClr val="phClr">
+                <a:lumMod val="105000"/>
+                <a:satMod val="109000"/>
+                <a:tint val="81000"/>
+              </a:schemeClr>
+            </a:gs>
+          </a:gsLst>
+          <a:lin ang="5400000" scaled="0"/>
+        </a:gradFill>
+        <a:gradFill rotWithShape="1">
+          <a:gsLst>
+            <a:gs pos="0">
+              <a:schemeClr val="phClr">
+                <a:satMod val="103000"/>
+                <a:lumMod val="102000"/>
+                <a:tint val="94000"/>
+              </a:schemeClr>
+            </a:gs>
+            <a:gs pos="50000">
+              <a:schemeClr val="phClr">
+                <a:satMod val="110000"/>
+                <a:lumMod val="100000"/>
+                <a:shade val="100000"/>
+              </a:schemeClr>
+            </a:gs>
+            <a:gs pos="100000">
+              <a:schemeClr val="phClr">
+                <a:lumMod val="99000"/>
+                <a:satMod val="120000"/>
+                <a:shade val="78000"/>
+              </a:schemeClr>
+            </a:gs>
+          </a:gsLst>
+          <a:lin ang="5400000" scaled="0"/>
+        </a:gradFill>
+      </a:fillStyleLst>
+      <a:lnStyleLst>
+        <a:ln w="6350" cap="flat" cmpd="sng" algn="ctr">
+          <a:solidFill>
+            <a:schemeClr val="phClr"/>
+          </a:solidFill>
+          <a:prstDash val="solid"/>
+          <a:miter lim="800000"/>
+        </a:ln>
+        <a:ln w="12700" cap="flat" cmpd="sng" algn="ctr">
+          <a:solidFill>
+            <a:schemeClr val="phClr"/>
+          </a:solidFill>
+          <a:prstDash val="solid"/>
+          <a:miter lim="800000"/>
+        </a:ln>
+        <a:ln w="19050" cap="flat" cmpd="sng" algn="ctr">
+          <a:solidFill>
+            <a:schemeClr val="phClr"/>
+          </a:solidFill>
+          <a:prstDash val="solid"/>
+          <a:miter lim="800000"/>
+        </a:ln>
+      </a:lnStyleLst>
+      <a:effectStyleLst>
+        <a:effectStyle>
+          <a:effectLst/>
+        </a:effectStyle>
+        <a:effectStyle>
+          <a:effectLst/>
+        </a:effectStyle>
+        <a:effectStyle>
+          <a:effectLst>
+            <a:outerShdw blurRad="57150" dist="19050" dir="5400000" algn="ctr" rotWithShape="0">
+              <a:srgbClr val="000000">
+                <a:alpha val="63000"/>
+              </a:srgbClr>
+            </a:outerShdw>
+          </a:effectLst>
+        </a:effectStyle>
+      </a:effectStyleLst>
+      <a:bgFillStyleLst>
+        <a:solidFill>
+          <a:schemeClr val="phClr"/>
+        </a:solidFill>
+        <a:solidFill>
+          <a:schemeClr val="phClr">
+            <a:tint val="95000"/>
+            <a:satMod val="170000"/>
+          </a:schemeClr>
+        </a:solidFill>
+        <a:gradFill rotWithShape="1">
+          <a:gsLst>
+            <a:gs pos="0">
+              <a:schemeClr val="phClr">
+                <a:tint val="93000"/>
+                <a:satMod val="150000"/>
+                <a:shade val="98000"/>
+                <a:lumMod val="102000"/>
+              </a:schemeClr>
+            </a:gs>
+            <a:gs pos="50000">
+              <a:schemeClr val="phClr">
+                <a:tint val="98000"/>
+                <a:satMod val="130000"/>
+                <a:shade val="90000"/>
+                <a:lumMod val="103000"/>
+              </a:schemeClr>
+            </a:gs>
+            <a:gs pos="100000">
+              <a:schemeClr val="phClr">
+                <a:shade val="63000"/>
+                <a:satMod val="120000"/>
+              </a:schemeClr>
+            </a:gs>
+          </a:gsLst>
+          <a:lin ang="5400000" scaled="0"/>
+        </a:gradFill>
+      </a:bgFillStyleLst>
+    </a:fmtScheme>
+  </a:themeElements>
+  <a:objectDefaults/>
+  <a:extraClrSchemeLst/>
+  <a:extLst>
+    <a:ext uri="{05A4C25C-085E-4340-85A3-A5531E510DB2}">
+      <thm15:themeFamily xmlns:thm15="http://schemas.microsoft.com/office/thememl/2012/main" name="Office Theme" id="{62F939B6-93AF-4DB8-9C6B-D6C7DFDC589F}" vid="{4A3C46E8-61CC-4603-A589-7422A47A8E4A}"/>
+    </a:ext>
+  </a:extLst>
+</a:theme>
+</file>
+
 <file path=ppt/webextensions/taskpanes.xml><?xml version="1.0" encoding="utf-8"?>
 <wetp:taskpanes xmlns:wetp="http://schemas.microsoft.com/office/webextensions/taskpanes/2010/11">
   <wetp:taskpane dockstate="right" visibility="0" width="875" row="0">

--- a/LectureSlides/01_PreceptionForScientificVisualization.pptx
+++ b/LectureSlides/01_PreceptionForScientificVisualization.pptx
@@ -15,7 +15,7 @@
     <p:sldId id="259" r:id="rId6"/>
     <p:sldId id="260" r:id="rId7"/>
     <p:sldId id="261" r:id="rId8"/>
-    <p:sldId id="262" r:id="rId9"/>
+    <p:sldId id="719" r:id="rId9"/>
     <p:sldId id="264" r:id="rId10"/>
     <p:sldId id="266" r:id="rId11"/>
     <p:sldId id="265" r:id="rId12"/>
@@ -6856,8 +6856,8 @@
           </a:p>
         </p:txBody>
       </p:sp>
-      <mc:AlternateContent xmlns:mc="http://schemas.openxmlformats.org/markup-compatibility/2006">
-        <mc:Choice xmlns:a14="http://schemas.microsoft.com/office/drawing/2010/main" Requires="a14">
+      <mc:AlternateContent xmlns:mc="http://schemas.openxmlformats.org/markup-compatibility/2006" xmlns:a14="http://schemas.microsoft.com/office/drawing/2010/main">
+        <mc:Choice Requires="a14">
           <p:sp>
             <p:nvSpPr>
               <p:cNvPr id="3" name="Content Placeholder 2"/>
@@ -6998,7 +6998,7 @@
             </p:txBody>
           </p:sp>
         </mc:Choice>
-        <mc:Fallback>
+        <mc:Fallback xmlns="">
           <p:sp>
             <p:nvSpPr>
               <p:cNvPr id="3" name="Content Placeholder 2"/>
@@ -9954,7 +9954,7 @@
         </p:spPr>
         <p:txBody>
           <a:bodyPr>
-            <a:normAutofit lnSpcReduction="10000"/>
+            <a:normAutofit fontScale="92500"/>
           </a:bodyPr>
           <a:lstStyle>
             <a:lvl1pPr marL="342900" indent="-342900" algn="l" defTabSz="342900" rtl="0" eaLnBrk="1" latinLnBrk="0" hangingPunct="1">
@@ -10099,7 +10099,7 @@
             </a:pPr>
             <a:r>
               <a:rPr lang="en-US" dirty="0"/>
-              <a:t>Spare use of color and marker shape projects 4 dimensions</a:t>
+              <a:t>Limited use of qualitative color and marker shape projects 4 dimensions</a:t>
             </a:r>
           </a:p>
           <a:p>
@@ -13231,7 +13231,7 @@
 </file>
 
 <file path=ppt/slides/slide8.xml><?xml version="1.0" encoding="utf-8"?>
-<p:sld xmlns:a="http://schemas.openxmlformats.org/drawingml/2006/main" xmlns:r="http://schemas.openxmlformats.org/officeDocument/2006/relationships" xmlns:p="http://schemas.openxmlformats.org/presentationml/2006/main" show="0">
+<p:sld xmlns:a="http://schemas.openxmlformats.org/drawingml/2006/main" xmlns:r="http://schemas.openxmlformats.org/officeDocument/2006/relationships" xmlns:p="http://schemas.openxmlformats.org/presentationml/2006/main">
   <p:cSld>
     <p:spTree>
       <p:nvGrpSpPr>
@@ -13249,7 +13249,13 @@
       </p:grpSpPr>
       <p:sp>
         <p:nvSpPr>
-          <p:cNvPr id="2" name="Title 1"/>
+          <p:cNvPr id="2" name="Title 1">
+            <a:extLst>
+              <a:ext uri="{FF2B5EF4-FFF2-40B4-BE49-F238E27FC236}">
+                <a16:creationId xmlns:a16="http://schemas.microsoft.com/office/drawing/2014/main" id="{3B3EA3CE-8DB0-40A5-B4A6-AFCE2156CC1F}"/>
+              </a:ext>
+            </a:extLst>
+          </p:cNvPr>
           <p:cNvSpPr>
             <a:spLocks noGrp="1"/>
           </p:cNvSpPr>
@@ -13257,69 +13263,199 @@
             <p:ph type="title"/>
           </p:nvPr>
         </p:nvSpPr>
-        <p:spPr/>
-        <p:txBody>
-          <a:bodyPr/>
-          <a:lstStyle/>
-          <a:p>
-            <a:pPr marL="0" lvl="0" indent="0">
-              <a:buNone/>
-            </a:pPr>
-            <a:r>
-              <a:t>Teaching Assistant: Moustafa Saleh</a:t>
-            </a:r>
-          </a:p>
-        </p:txBody>
-      </p:sp>
-      <p:sp>
-        <p:nvSpPr>
-          <p:cNvPr id="3" name="Content Placeholder 2"/>
-          <p:cNvSpPr>
-            <a:spLocks noGrp="1"/>
-          </p:cNvSpPr>
-          <p:nvPr>
-            <p:ph idx="1"/>
-          </p:nvPr>
-        </p:nvSpPr>
-        <p:spPr/>
+        <p:spPr>
+          <a:xfrm>
+            <a:off x="628650" y="273844"/>
+            <a:ext cx="7886700" cy="364930"/>
+          </a:xfrm>
+        </p:spPr>
         <p:txBody>
           <a:bodyPr>
-            <a:normAutofit fontScale="92500" lnSpcReduction="10000"/>
+            <a:normAutofit fontScale="90000"/>
           </a:bodyPr>
           <a:lstStyle/>
           <a:p>
-            <a:pPr lvl="0"/>
-            <a:r>
-              <a:t>A principal data scientist at Oracle Cloud</a:t>
-            </a:r>
-            <a:br/>
-            <a:endParaRPr/>
-          </a:p>
-          <a:p>
-            <a:pPr lvl="0"/>
-            <a:r>
-              <a:t>Received PhD in computer science from University of Texas at San Antonio</a:t>
-            </a:r>
-            <a:br/>
-            <a:endParaRPr/>
-          </a:p>
-          <a:p>
-            <a:pPr lvl="0"/>
-            <a:r>
-              <a:t>Worked previously at Microsoft’s Advanced Threats Protection team developing ML solutions for malware detection</a:t>
-            </a:r>
-            <a:br/>
-            <a:endParaRPr/>
-          </a:p>
-          <a:p>
-            <a:pPr lvl="0"/>
-            <a:r>
-              <a:t>Research mainly focused on applying machine learning solutions to cyber-security challenges</a:t>
+            <a:r>
+              <a:rPr lang="en-US" dirty="0">
+                <a:latin typeface="+mn-lt"/>
+              </a:rPr>
+              <a:t>About your TA: Eric </a:t>
+            </a:r>
+            <a:r>
+              <a:rPr lang="en-US" dirty="0" err="1">
+                <a:latin typeface="+mn-lt"/>
+              </a:rPr>
+              <a:t>Trucksess</a:t>
+            </a:r>
+            <a:endParaRPr lang="en-US" dirty="0">
+              <a:latin typeface="+mn-lt"/>
+            </a:endParaRPr>
+          </a:p>
+        </p:txBody>
+      </p:sp>
+      <p:sp>
+        <p:nvSpPr>
+          <p:cNvPr id="3" name="Content Placeholder 2">
+            <a:extLst>
+              <a:ext uri="{FF2B5EF4-FFF2-40B4-BE49-F238E27FC236}">
+                <a16:creationId xmlns:a16="http://schemas.microsoft.com/office/drawing/2014/main" id="{CA03134D-F068-4BC9-B038-F3D5CBDDE3F9}"/>
+              </a:ext>
+            </a:extLst>
+          </p:cNvPr>
+          <p:cNvSpPr>
+            <a:spLocks noGrp="1"/>
+          </p:cNvSpPr>
+          <p:nvPr>
+            <p:ph idx="1"/>
+          </p:nvPr>
+        </p:nvSpPr>
+        <p:spPr>
+          <a:xfrm>
+            <a:off x="504079" y="1108726"/>
+            <a:ext cx="7886700" cy="3404150"/>
+          </a:xfrm>
+        </p:spPr>
+        <p:txBody>
+          <a:bodyPr>
+            <a:noAutofit/>
+          </a:bodyPr>
+          <a:lstStyle/>
+          <a:p>
+            <a:pPr>
+              <a:spcBef>
+                <a:spcPts val="450"/>
+              </a:spcBef>
+            </a:pPr>
+            <a:r>
+              <a:rPr lang="en-US" b="0" dirty="0">
+                <a:cs typeface="Arial" panose="020B0604020202020204" pitchFamily="34" charset="0"/>
+              </a:rPr>
+              <a:t>Registered Patent Attorney with focus in the Chemical and Solid State Physics, arts (Pharma, Polymeric films/I.V. sets, Energy storage)</a:t>
+            </a:r>
+          </a:p>
+          <a:p>
+            <a:pPr>
+              <a:spcBef>
+                <a:spcPts val="450"/>
+              </a:spcBef>
+            </a:pPr>
+            <a:r>
+              <a:rPr lang="en-US" b="0" dirty="0">
+                <a:cs typeface="Arial" panose="020B0604020202020204" pitchFamily="34" charset="0"/>
+              </a:rPr>
+              <a:t>General Practice Trial Attorney, Tech and Talent Contract Negotiator</a:t>
+            </a:r>
+          </a:p>
+          <a:p>
+            <a:pPr>
+              <a:spcBef>
+                <a:spcPts val="450"/>
+              </a:spcBef>
+            </a:pPr>
+            <a:r>
+              <a:rPr lang="en-US" b="0" dirty="0">
+                <a:cs typeface="Arial" panose="020B0604020202020204" pitchFamily="34" charset="0"/>
+              </a:rPr>
+              <a:t>Greenpeace Activist/Fellow working within the Arctic Campaign</a:t>
+            </a:r>
+          </a:p>
+          <a:p>
+            <a:pPr>
+              <a:spcBef>
+                <a:spcPts val="450"/>
+              </a:spcBef>
+            </a:pPr>
+            <a:r>
+              <a:rPr lang="en-US" b="0" dirty="0">
+                <a:cs typeface="Arial" panose="020B0604020202020204" pitchFamily="34" charset="0"/>
+              </a:rPr>
+              <a:t>BS Chemistry, Physics, UVA - TA Chem 260, Advanced Organic Chem</a:t>
+            </a:r>
+          </a:p>
+          <a:p>
+            <a:pPr>
+              <a:spcBef>
+                <a:spcPts val="450"/>
+              </a:spcBef>
+            </a:pPr>
+            <a:r>
+              <a:rPr lang="en-US" b="0" dirty="0">
+                <a:cs typeface="Arial" panose="020B0604020202020204" pitchFamily="34" charset="0"/>
+              </a:rPr>
+              <a:t>MS </a:t>
+            </a:r>
+            <a:r>
+              <a:rPr lang="en-US" b="0" dirty="0" err="1">
+                <a:cs typeface="Arial" panose="020B0604020202020204" pitchFamily="34" charset="0"/>
+              </a:rPr>
+              <a:t>Wirtschaftsrecht</a:t>
+            </a:r>
+            <a:r>
+              <a:rPr lang="en-US" b="0" dirty="0">
+                <a:cs typeface="Arial" panose="020B0604020202020204" pitchFamily="34" charset="0"/>
+              </a:rPr>
+              <a:t> (Commercial Law), </a:t>
+            </a:r>
+            <a:r>
+              <a:rPr lang="en-US" b="0" dirty="0" err="1">
+                <a:cs typeface="Arial" panose="020B0604020202020204" pitchFamily="34" charset="0"/>
+              </a:rPr>
+              <a:t>Wirtschaftsuniversität</a:t>
+            </a:r>
+            <a:r>
+              <a:rPr lang="en-US" b="0" dirty="0">
+                <a:cs typeface="Arial" panose="020B0604020202020204" pitchFamily="34" charset="0"/>
+              </a:rPr>
+              <a:t>, Wien</a:t>
+            </a:r>
+          </a:p>
+          <a:p>
+            <a:pPr>
+              <a:spcBef>
+                <a:spcPts val="450"/>
+              </a:spcBef>
+            </a:pPr>
+            <a:r>
+              <a:rPr lang="en-US" b="0" dirty="0">
+                <a:cs typeface="Arial" panose="020B0604020202020204" pitchFamily="34" charset="0"/>
+              </a:rPr>
+              <a:t>JD, University of Buffalo</a:t>
+            </a:r>
+          </a:p>
+          <a:p>
+            <a:pPr>
+              <a:spcBef>
+                <a:spcPts val="450"/>
+              </a:spcBef>
+            </a:pPr>
+            <a:r>
+              <a:rPr lang="en-US" b="0" dirty="0">
+                <a:cs typeface="Arial" panose="020B0604020202020204" pitchFamily="34" charset="0"/>
+              </a:rPr>
+              <a:t>ALM Student in Data Science, HES</a:t>
+            </a:r>
+          </a:p>
+          <a:p>
+            <a:pPr>
+              <a:spcBef>
+                <a:spcPts val="450"/>
+              </a:spcBef>
+            </a:pPr>
+            <a:r>
+              <a:rPr lang="en-US" b="0" dirty="0">
+                <a:cs typeface="Arial" panose="020B0604020202020204" pitchFamily="34" charset="0"/>
+              </a:rPr>
+              <a:t>On a permanent push/pull bro-split</a:t>
             </a:r>
           </a:p>
         </p:txBody>
       </p:sp>
     </p:spTree>
+    <p:extLst>
+      <p:ext uri="{BB962C8B-B14F-4D97-AF65-F5344CB8AC3E}">
+        <p14:creationId xmlns:p14="http://schemas.microsoft.com/office/powerpoint/2010/main" val="2066707455"/>
+      </p:ext>
+    </p:extLst>
   </p:cSld>
   <p:clrMapOvr>
     <a:masterClrMapping/>

--- a/LectureSlides/01_PreceptionForScientificVisualization.pptx
+++ b/LectureSlides/01_PreceptionForScientificVisualization.pptx
@@ -9741,6 +9741,21 @@
               <a:rPr dirty="0"/>
               <a:t>Human perception limits the number of shapes humans can perceive well</a:t>
             </a:r>
+            <a:endParaRPr lang="en-US" dirty="0"/>
+          </a:p>
+          <a:p>
+            <a:pPr lvl="0"/>
+            <a:r>
+              <a:rPr lang="en-US" dirty="0"/>
+              <a:t>You can find a list of Matplotlib marker shapes </a:t>
+            </a:r>
+            <a:r>
+              <a:rPr lang="en-US" dirty="0">
+                <a:hlinkClick r:id="rId2"/>
+              </a:rPr>
+              <a:t>here</a:t>
+            </a:r>
+            <a:endParaRPr dirty="0"/>
           </a:p>
         </p:txBody>
       </p:sp>

--- a/LectureSlides/01_PreceptionForScientificVisualization.pptx
+++ b/LectureSlides/01_PreceptionForScientificVisualization.pptx
@@ -5,7 +5,7 @@
     <p:sldMasterId id="2147483648" r:id="rId1"/>
   </p:sldMasterIdLst>
   <p:notesMasterIdLst>
-    <p:notesMasterId r:id="rId55"/>
+    <p:notesMasterId r:id="rId56"/>
   </p:notesMasterIdLst>
   <p:sldIdLst>
     <p:sldId id="256" r:id="rId2"/>
@@ -16,51 +16,52 @@
     <p:sldId id="260" r:id="rId7"/>
     <p:sldId id="725" r:id="rId8"/>
     <p:sldId id="724" r:id="rId9"/>
-    <p:sldId id="264" r:id="rId10"/>
-    <p:sldId id="266" r:id="rId11"/>
-    <p:sldId id="265" r:id="rId12"/>
-    <p:sldId id="268" r:id="rId13"/>
-    <p:sldId id="269" r:id="rId14"/>
-    <p:sldId id="270" r:id="rId15"/>
-    <p:sldId id="271" r:id="rId16"/>
-    <p:sldId id="272" r:id="rId17"/>
-    <p:sldId id="726" r:id="rId18"/>
-    <p:sldId id="381" r:id="rId19"/>
-    <p:sldId id="273" r:id="rId20"/>
-    <p:sldId id="274" r:id="rId21"/>
-    <p:sldId id="275" r:id="rId22"/>
-    <p:sldId id="315" r:id="rId23"/>
-    <p:sldId id="276" r:id="rId24"/>
-    <p:sldId id="277" r:id="rId25"/>
-    <p:sldId id="311" r:id="rId26"/>
-    <p:sldId id="278" r:id="rId27"/>
-    <p:sldId id="279" r:id="rId28"/>
-    <p:sldId id="280" r:id="rId29"/>
-    <p:sldId id="281" r:id="rId30"/>
-    <p:sldId id="282" r:id="rId31"/>
-    <p:sldId id="283" r:id="rId32"/>
-    <p:sldId id="284" r:id="rId33"/>
-    <p:sldId id="286" r:id="rId34"/>
-    <p:sldId id="287" r:id="rId35"/>
-    <p:sldId id="312" r:id="rId36"/>
-    <p:sldId id="313" r:id="rId37"/>
-    <p:sldId id="288" r:id="rId38"/>
-    <p:sldId id="290" r:id="rId39"/>
-    <p:sldId id="291" r:id="rId40"/>
-    <p:sldId id="292" r:id="rId41"/>
-    <p:sldId id="293" r:id="rId42"/>
-    <p:sldId id="294" r:id="rId43"/>
-    <p:sldId id="295" r:id="rId44"/>
-    <p:sldId id="296" r:id="rId45"/>
-    <p:sldId id="298" r:id="rId46"/>
-    <p:sldId id="300" r:id="rId47"/>
-    <p:sldId id="301" r:id="rId48"/>
-    <p:sldId id="303" r:id="rId49"/>
-    <p:sldId id="308" r:id="rId50"/>
-    <p:sldId id="304" r:id="rId51"/>
-    <p:sldId id="305" r:id="rId52"/>
-    <p:sldId id="307" r:id="rId53"/>
-    <p:sldId id="316" r:id="rId54"/>
+    <p:sldId id="727" r:id="rId10"/>
+    <p:sldId id="264" r:id="rId11"/>
+    <p:sldId id="266" r:id="rId12"/>
+    <p:sldId id="265" r:id="rId13"/>
+    <p:sldId id="268" r:id="rId14"/>
+    <p:sldId id="269" r:id="rId15"/>
+    <p:sldId id="270" r:id="rId16"/>
+    <p:sldId id="271" r:id="rId17"/>
+    <p:sldId id="272" r:id="rId18"/>
+    <p:sldId id="726" r:id="rId19"/>
+    <p:sldId id="381" r:id="rId20"/>
+    <p:sldId id="273" r:id="rId21"/>
+    <p:sldId id="274" r:id="rId22"/>
+    <p:sldId id="275" r:id="rId23"/>
+    <p:sldId id="315" r:id="rId24"/>
+    <p:sldId id="276" r:id="rId25"/>
+    <p:sldId id="277" r:id="rId26"/>
+    <p:sldId id="311" r:id="rId27"/>
+    <p:sldId id="278" r:id="rId28"/>
+    <p:sldId id="279" r:id="rId29"/>
+    <p:sldId id="280" r:id="rId30"/>
+    <p:sldId id="281" r:id="rId31"/>
+    <p:sldId id="282" r:id="rId32"/>
+    <p:sldId id="283" r:id="rId33"/>
+    <p:sldId id="284" r:id="rId34"/>
+    <p:sldId id="286" r:id="rId35"/>
+    <p:sldId id="287" r:id="rId36"/>
+    <p:sldId id="312" r:id="rId37"/>
+    <p:sldId id="313" r:id="rId38"/>
+    <p:sldId id="288" r:id="rId39"/>
+    <p:sldId id="290" r:id="rId40"/>
+    <p:sldId id="291" r:id="rId41"/>
+    <p:sldId id="292" r:id="rId42"/>
+    <p:sldId id="293" r:id="rId43"/>
+    <p:sldId id="294" r:id="rId44"/>
+    <p:sldId id="295" r:id="rId45"/>
+    <p:sldId id="296" r:id="rId46"/>
+    <p:sldId id="298" r:id="rId47"/>
+    <p:sldId id="300" r:id="rId48"/>
+    <p:sldId id="301" r:id="rId49"/>
+    <p:sldId id="303" r:id="rId50"/>
+    <p:sldId id="308" r:id="rId51"/>
+    <p:sldId id="304" r:id="rId52"/>
+    <p:sldId id="305" r:id="rId53"/>
+    <p:sldId id="307" r:id="rId54"/>
+    <p:sldId id="316" r:id="rId55"/>
   </p:sldIdLst>
   <p:sldSz cx="9144000" cy="5143500" type="screen16x9"/>
   <p:notesSz cx="6858000" cy="9144000"/>
@@ -260,7 +261,7 @@
           <a:p>
             <a:fld id="{3C48B955-8536-4BAC-8F14-FFC29379D0BF}" type="datetimeFigureOut">
               <a:rPr lang="en-US" smtClean="0"/>
-              <a:t>9/3/2025</a:t>
+              <a:t>9/4/2025</a:t>
             </a:fld>
             <a:endParaRPr lang="en-US"/>
           </a:p>
@@ -592,7 +593,7 @@
           <a:p>
             <a:fld id="{AA7BAB8E-9F72-444E-B07F-4C82828652A6}" type="slidenum">
               <a:rPr lang="en-US" smtClean="0"/>
-              <a:t>34</a:t>
+              <a:t>35</a:t>
             </a:fld>
             <a:endParaRPr lang="en-US"/>
           </a:p>
@@ -790,7 +791,7 @@
           <a:p>
             <a:fld id="{241EB5C9-1307-BA42-ABA2-0BC069CD8E7F}" type="datetimeFigureOut">
               <a:rPr lang="en-US" smtClean="0"/>
-              <a:t>9/3/2025</a:t>
+              <a:t>9/4/2025</a:t>
             </a:fld>
             <a:endParaRPr lang="en-US"/>
           </a:p>
@@ -958,7 +959,7 @@
           <a:p>
             <a:fld id="{241EB5C9-1307-BA42-ABA2-0BC069CD8E7F}" type="datetimeFigureOut">
               <a:rPr lang="en-US" smtClean="0"/>
-              <a:t>9/3/2025</a:t>
+              <a:t>9/4/2025</a:t>
             </a:fld>
             <a:endParaRPr lang="en-US"/>
           </a:p>
@@ -1136,7 +1137,7 @@
           <a:p>
             <a:fld id="{241EB5C9-1307-BA42-ABA2-0BC069CD8E7F}" type="datetimeFigureOut">
               <a:rPr lang="en-US" smtClean="0"/>
-              <a:t>9/3/2025</a:t>
+              <a:t>9/4/2025</a:t>
             </a:fld>
             <a:endParaRPr lang="en-US"/>
           </a:p>
@@ -1304,7 +1305,7 @@
           <a:p>
             <a:fld id="{241EB5C9-1307-BA42-ABA2-0BC069CD8E7F}" type="datetimeFigureOut">
               <a:rPr lang="en-US" smtClean="0"/>
-              <a:t>9/3/2025</a:t>
+              <a:t>9/4/2025</a:t>
             </a:fld>
             <a:endParaRPr lang="en-US"/>
           </a:p>
@@ -1549,7 +1550,7 @@
           <a:p>
             <a:fld id="{241EB5C9-1307-BA42-ABA2-0BC069CD8E7F}" type="datetimeFigureOut">
               <a:rPr lang="en-US" smtClean="0"/>
-              <a:t>9/3/2025</a:t>
+              <a:t>9/4/2025</a:t>
             </a:fld>
             <a:endParaRPr lang="en-US"/>
           </a:p>
@@ -1834,7 +1835,7 @@
           <a:p>
             <a:fld id="{241EB5C9-1307-BA42-ABA2-0BC069CD8E7F}" type="datetimeFigureOut">
               <a:rPr lang="en-US" smtClean="0"/>
-              <a:t>9/3/2025</a:t>
+              <a:t>9/4/2025</a:t>
             </a:fld>
             <a:endParaRPr lang="en-US"/>
           </a:p>
@@ -2253,7 +2254,7 @@
           <a:p>
             <a:fld id="{241EB5C9-1307-BA42-ABA2-0BC069CD8E7F}" type="datetimeFigureOut">
               <a:rPr lang="en-US" smtClean="0"/>
-              <a:t>9/3/2025</a:t>
+              <a:t>9/4/2025</a:t>
             </a:fld>
             <a:endParaRPr lang="en-US"/>
           </a:p>
@@ -2370,7 +2371,7 @@
           <a:p>
             <a:fld id="{241EB5C9-1307-BA42-ABA2-0BC069CD8E7F}" type="datetimeFigureOut">
               <a:rPr lang="en-US" smtClean="0"/>
-              <a:t>9/3/2025</a:t>
+              <a:t>9/4/2025</a:t>
             </a:fld>
             <a:endParaRPr lang="en-US"/>
           </a:p>
@@ -2465,7 +2466,7 @@
           <a:p>
             <a:fld id="{241EB5C9-1307-BA42-ABA2-0BC069CD8E7F}" type="datetimeFigureOut">
               <a:rPr lang="en-US" smtClean="0"/>
-              <a:t>9/3/2025</a:t>
+              <a:t>9/4/2025</a:t>
             </a:fld>
             <a:endParaRPr lang="en-US"/>
           </a:p>
@@ -2740,7 +2741,7 @@
           <a:p>
             <a:fld id="{241EB5C9-1307-BA42-ABA2-0BC069CD8E7F}" type="datetimeFigureOut">
               <a:rPr lang="en-US" smtClean="0"/>
-              <a:t>9/3/2025</a:t>
+              <a:t>9/4/2025</a:t>
             </a:fld>
             <a:endParaRPr lang="en-US"/>
           </a:p>
@@ -2992,7 +2993,7 @@
           <a:p>
             <a:fld id="{241EB5C9-1307-BA42-ABA2-0BC069CD8E7F}" type="datetimeFigureOut">
               <a:rPr lang="en-US" smtClean="0"/>
-              <a:t>9/3/2025</a:t>
+              <a:t>9/4/2025</a:t>
             </a:fld>
             <a:endParaRPr lang="en-US"/>
           </a:p>
@@ -3203,7 +3204,7 @@
           <a:p>
             <a:fld id="{241EB5C9-1307-BA42-ABA2-0BC069CD8E7F}" type="datetimeFigureOut">
               <a:rPr lang="en-US" smtClean="0"/>
-              <a:t>9/3/2025</a:t>
+              <a:t>9/4/2025</a:t>
             </a:fld>
             <a:endParaRPr lang="en-US"/>
           </a:p>
@@ -3820,6 +3821,217 @@
               <a:buNone/>
             </a:pPr>
             <a:r>
+              <a:t>Grading: Undergraduate</a:t>
+            </a:r>
+          </a:p>
+        </p:txBody>
+      </p:sp>
+      <p:graphicFrame>
+        <p:nvGraphicFramePr>
+          <p:cNvPr id="6" name="Content Placeholder 5"/>
+          <p:cNvGraphicFramePr>
+            <a:graphicFrameLocks noGrp="1"/>
+          </p:cNvGraphicFramePr>
+          <p:nvPr>
+            <p:ph idx="1"/>
+            <p:extLst>
+              <p:ext uri="{D42A27DB-BD31-4B8C-83A1-F6EECF244321}">
+                <p14:modId xmlns:p14="http://schemas.microsoft.com/office/powerpoint/2010/main" val="3945834226"/>
+              </p:ext>
+            </p:extLst>
+          </p:nvPr>
+        </p:nvGraphicFramePr>
+        <p:xfrm>
+          <a:off x="802512" y="1243957"/>
+          <a:ext cx="7602638" cy="1371600"/>
+        </p:xfrm>
+        <a:graphic>
+          <a:graphicData uri="http://schemas.openxmlformats.org/drawingml/2006/table">
+            <a:tbl>
+              <a:tblPr firstRow="1" bandRow="1">
+                <a:tableStyleId>{5C22544A-7EE6-4342-B048-85BDC9FD1C3A}</a:tableStyleId>
+              </a:tblPr>
+              <a:tblGrid>
+                <a:gridCol w="5046561">
+                  <a:extLst>
+                    <a:ext uri="{9D8B030D-6E8A-4147-A177-3AD203B41FA5}">
+                      <a16:colId xmlns:a16="http://schemas.microsoft.com/office/drawing/2014/main" val="20000"/>
+                    </a:ext>
+                  </a:extLst>
+                </a:gridCol>
+                <a:gridCol w="2556077">
+                  <a:extLst>
+                    <a:ext uri="{9D8B030D-6E8A-4147-A177-3AD203B41FA5}">
+                      <a16:colId xmlns:a16="http://schemas.microsoft.com/office/drawing/2014/main" val="20001"/>
+                    </a:ext>
+                  </a:extLst>
+                </a:gridCol>
+              </a:tblGrid>
+              <a:tr h="0">
+                <a:tc>
+                  <a:txBody>
+                    <a:bodyPr/>
+                    <a:lstStyle/>
+                    <a:p>
+                      <a:pPr marL="0" lvl="0" indent="0" algn="ctr">
+                        <a:buNone/>
+                      </a:pPr>
+                      <a:r>
+                        <a:rPr sz="2400" dirty="0"/>
+                        <a:t>Activity</a:t>
+                      </a:r>
+                    </a:p>
+                  </a:txBody>
+                  <a:tcPr/>
+                </a:tc>
+                <a:tc>
+                  <a:txBody>
+                    <a:bodyPr/>
+                    <a:lstStyle/>
+                    <a:p>
+                      <a:pPr marL="0" lvl="0" indent="0" algn="ctr">
+                        <a:buNone/>
+                      </a:pPr>
+                      <a:r>
+                        <a:rPr sz="2400" dirty="0"/>
+                        <a:t>Grade weight</a:t>
+                      </a:r>
+                    </a:p>
+                  </a:txBody>
+                  <a:tcPr/>
+                </a:tc>
+                <a:extLst>
+                  <a:ext uri="{0D108BD9-81ED-4DB2-BD59-A6C34878D82A}">
+                    <a16:rowId xmlns:a16="http://schemas.microsoft.com/office/drawing/2014/main" val="10000"/>
+                  </a:ext>
+                </a:extLst>
+              </a:tr>
+              <a:tr h="0">
+                <a:tc>
+                  <a:txBody>
+                    <a:bodyPr/>
+                    <a:lstStyle/>
+                    <a:p>
+                      <a:pPr marL="0" lvl="0" indent="0" algn="ctr">
+                        <a:buNone/>
+                      </a:pPr>
+                      <a:r>
+                        <a:rPr sz="2400" dirty="0"/>
+                        <a:t>Participation (graded discussions)</a:t>
+                      </a:r>
+                    </a:p>
+                  </a:txBody>
+                  <a:tcPr/>
+                </a:tc>
+                <a:tc>
+                  <a:txBody>
+                    <a:bodyPr/>
+                    <a:lstStyle/>
+                    <a:p>
+                      <a:pPr marL="0" lvl="0" indent="0" algn="ctr">
+                        <a:buNone/>
+                      </a:pPr>
+                      <a:r>
+                        <a:rPr sz="2400" dirty="0"/>
+                        <a:t>10%</a:t>
+                      </a:r>
+                    </a:p>
+                  </a:txBody>
+                  <a:tcPr/>
+                </a:tc>
+                <a:extLst>
+                  <a:ext uri="{0D108BD9-81ED-4DB2-BD59-A6C34878D82A}">
+                    <a16:rowId xmlns:a16="http://schemas.microsoft.com/office/drawing/2014/main" val="10001"/>
+                  </a:ext>
+                </a:extLst>
+              </a:tr>
+              <a:tr h="0">
+                <a:tc>
+                  <a:txBody>
+                    <a:bodyPr/>
+                    <a:lstStyle/>
+                    <a:p>
+                      <a:pPr marL="0" lvl="0" indent="0" algn="ctr">
+                        <a:buNone/>
+                      </a:pPr>
+                      <a:r>
+                        <a:rPr sz="2400"/>
+                        <a:t>Assignments</a:t>
+                      </a:r>
+                    </a:p>
+                  </a:txBody>
+                  <a:tcPr/>
+                </a:tc>
+                <a:tc>
+                  <a:txBody>
+                    <a:bodyPr/>
+                    <a:lstStyle/>
+                    <a:p>
+                      <a:pPr marL="0" lvl="0" indent="0" algn="ctr">
+                        <a:buNone/>
+                      </a:pPr>
+                      <a:r>
+                        <a:rPr sz="2400" dirty="0"/>
+                        <a:t>90%</a:t>
+                      </a:r>
+                    </a:p>
+                  </a:txBody>
+                  <a:tcPr/>
+                </a:tc>
+                <a:extLst>
+                  <a:ext uri="{0D108BD9-81ED-4DB2-BD59-A6C34878D82A}">
+                    <a16:rowId xmlns:a16="http://schemas.microsoft.com/office/drawing/2014/main" val="10002"/>
+                  </a:ext>
+                </a:extLst>
+              </a:tr>
+            </a:tbl>
+          </a:graphicData>
+        </a:graphic>
+      </p:graphicFrame>
+    </p:spTree>
+  </p:cSld>
+  <p:clrMapOvr>
+    <a:masterClrMapping/>
+  </p:clrMapOvr>
+</p:sld>
+</file>
+
+<file path=ppt/slides/slide11.xml><?xml version="1.0" encoding="utf-8"?>
+<p:sld xmlns:a="http://schemas.openxmlformats.org/drawingml/2006/main" xmlns:r="http://schemas.openxmlformats.org/officeDocument/2006/relationships" xmlns:p="http://schemas.openxmlformats.org/presentationml/2006/main">
+  <p:cSld>
+    <p:spTree>
+      <p:nvGrpSpPr>
+        <p:cNvPr id="1" name=""/>
+        <p:cNvGrpSpPr/>
+        <p:nvPr/>
+      </p:nvGrpSpPr>
+      <p:grpSpPr>
+        <a:xfrm>
+          <a:off x="0" y="0"/>
+          <a:ext cx="0" cy="0"/>
+          <a:chOff x="0" y="0"/>
+          <a:chExt cx="0" cy="0"/>
+        </a:xfrm>
+      </p:grpSpPr>
+      <p:sp>
+        <p:nvSpPr>
+          <p:cNvPr id="2" name="Title 1"/>
+          <p:cNvSpPr>
+            <a:spLocks noGrp="1"/>
+          </p:cNvSpPr>
+          <p:nvPr>
+            <p:ph type="title"/>
+          </p:nvPr>
+        </p:nvSpPr>
+        <p:spPr/>
+        <p:txBody>
+          <a:bodyPr/>
+          <a:lstStyle/>
+          <a:p>
+            <a:pPr marL="0" lvl="0" indent="0">
+              <a:buNone/>
+            </a:pPr>
+            <a:r>
               <a:t>Grading: Graduate</a:t>
             </a:r>
           </a:p>
@@ -4073,7 +4285,7 @@
 </p:sld>
 </file>
 
-<file path=ppt/slides/slide11.xml><?xml version="1.0" encoding="utf-8"?>
+<file path=ppt/slides/slide12.xml><?xml version="1.0" encoding="utf-8"?>
 <p:sld xmlns:a="http://schemas.openxmlformats.org/drawingml/2006/main" xmlns:r="http://schemas.openxmlformats.org/officeDocument/2006/relationships" xmlns:p="http://schemas.openxmlformats.org/presentationml/2006/main">
   <p:cSld>
     <p:spTree>
@@ -4212,7 +4424,7 @@
 </p:sld>
 </file>
 
-<file path=ppt/slides/slide12.xml><?xml version="1.0" encoding="utf-8"?>
+<file path=ppt/slides/slide13.xml><?xml version="1.0" encoding="utf-8"?>
 <p:sld xmlns:a="http://schemas.openxmlformats.org/drawingml/2006/main" xmlns:r="http://schemas.openxmlformats.org/officeDocument/2006/relationships" xmlns:p="http://schemas.openxmlformats.org/presentationml/2006/main">
   <p:cSld>
     <p:spTree>
@@ -4874,148 +5086,6 @@
 </p:sld>
 </file>
 
-<file path=ppt/slides/slide13.xml><?xml version="1.0" encoding="utf-8"?>
-<p:sld xmlns:a="http://schemas.openxmlformats.org/drawingml/2006/main" xmlns:r="http://schemas.openxmlformats.org/officeDocument/2006/relationships" xmlns:p="http://schemas.openxmlformats.org/presentationml/2006/main">
-  <p:cSld>
-    <p:spTree>
-      <p:nvGrpSpPr>
-        <p:cNvPr id="1" name=""/>
-        <p:cNvGrpSpPr/>
-        <p:nvPr/>
-      </p:nvGrpSpPr>
-      <p:grpSpPr>
-        <a:xfrm>
-          <a:off x="0" y="0"/>
-          <a:ext cx="0" cy="0"/>
-          <a:chOff x="0" y="0"/>
-          <a:chExt cx="0" cy="0"/>
-        </a:xfrm>
-      </p:grpSpPr>
-      <p:sp>
-        <p:nvSpPr>
-          <p:cNvPr id="2" name="Title 1"/>
-          <p:cNvSpPr>
-            <a:spLocks noGrp="1"/>
-          </p:cNvSpPr>
-          <p:nvPr>
-            <p:ph type="title"/>
-          </p:nvPr>
-        </p:nvSpPr>
-        <p:spPr/>
-        <p:txBody>
-          <a:bodyPr/>
-          <a:lstStyle/>
-          <a:p>
-            <a:pPr marL="0" lvl="0" indent="0">
-              <a:buNone/>
-            </a:pPr>
-            <a:r>
-              <a:t>Late Assignment Policy</a:t>
-            </a:r>
-          </a:p>
-        </p:txBody>
-      </p:sp>
-      <p:sp>
-        <p:nvSpPr>
-          <p:cNvPr id="3" name="Content Placeholder 2"/>
-          <p:cNvSpPr>
-            <a:spLocks noGrp="1"/>
-          </p:cNvSpPr>
-          <p:nvPr>
-            <p:ph idx="1"/>
-          </p:nvPr>
-        </p:nvSpPr>
-        <p:spPr/>
-        <p:txBody>
-          <a:bodyPr>
-            <a:normAutofit fontScale="92500"/>
-          </a:bodyPr>
-          <a:lstStyle/>
-          <a:p>
-            <a:pPr marL="0" lvl="0" indent="0">
-              <a:buNone/>
-            </a:pPr>
-            <a:r>
-              <a:rPr dirty="0"/>
-              <a:t>Timely feedback is an important part of the learning process</a:t>
-            </a:r>
-          </a:p>
-          <a:p>
-            <a:pPr lvl="0"/>
-            <a:r>
-              <a:rPr dirty="0"/>
-              <a:t>To allow the timely release of solutions for assignments this course applied a late assignment policy:</a:t>
-            </a:r>
-          </a:p>
-          <a:p>
-            <a:pPr lvl="1"/>
-            <a:r>
-              <a:rPr dirty="0"/>
-              <a:t>Up to one day late - no penalty</a:t>
-            </a:r>
-          </a:p>
-          <a:p>
-            <a:pPr lvl="1"/>
-            <a:r>
-              <a:rPr dirty="0"/>
-              <a:t>Up to </a:t>
-            </a:r>
-            <a:r>
-              <a:rPr lang="en-US" dirty="0"/>
-              <a:t>5</a:t>
-            </a:r>
-            <a:r>
-              <a:rPr dirty="0"/>
-              <a:t> days late - less 20%</a:t>
-            </a:r>
-          </a:p>
-          <a:p>
-            <a:pPr lvl="1"/>
-            <a:r>
-              <a:rPr dirty="0"/>
-              <a:t>More than </a:t>
-            </a:r>
-            <a:r>
-              <a:rPr lang="en-US" dirty="0"/>
-              <a:t>5</a:t>
-            </a:r>
-            <a:r>
-              <a:rPr dirty="0"/>
-              <a:t> days late - no credit</a:t>
-            </a:r>
-          </a:p>
-          <a:p>
-            <a:pPr marL="0" lvl="0" indent="0">
-              <a:buNone/>
-            </a:pPr>
-            <a:r>
-              <a:rPr b="1" dirty="0"/>
-              <a:t>Advice:</a:t>
-            </a:r>
-            <a:r>
-              <a:rPr dirty="0"/>
-              <a:t> start assignments and your project as soon as you can so you have time to address problems and ask questions!</a:t>
-            </a:r>
-          </a:p>
-          <a:p>
-            <a:pPr marL="0" lvl="0" indent="0">
-              <a:buNone/>
-            </a:pPr>
-            <a:r>
-              <a:rPr b="1" dirty="0"/>
-              <a:t>Note: No extension is possible for Graduate Independent Projects!</a:t>
-            </a:r>
-          </a:p>
-        </p:txBody>
-      </p:sp>
-    </p:spTree>
-  </p:cSld>
-  <p:clrMapOvr>
-    <a:masterClrMapping/>
-  </p:clrMapOvr>
-</p:sld>
-</file>
-
 <file path=ppt/slides/slide14.xml><?xml version="1.0" encoding="utf-8"?>
 <p:sld xmlns:a="http://schemas.openxmlformats.org/drawingml/2006/main" xmlns:r="http://schemas.openxmlformats.org/officeDocument/2006/relationships" xmlns:p="http://schemas.openxmlformats.org/presentationml/2006/main">
   <p:cSld>
@@ -5052,7 +5122,7 @@
               <a:buNone/>
             </a:pPr>
             <a:r>
-              <a:t>Class Schedule</a:t>
+              <a:t>Late Assignment Policy</a:t>
             </a:r>
           </a:p>
         </p:txBody>
@@ -5070,90 +5140,82 @@
         <p:spPr/>
         <p:txBody>
           <a:bodyPr>
-            <a:normAutofit lnSpcReduction="10000"/>
+            <a:normAutofit fontScale="92500"/>
           </a:bodyPr>
           <a:lstStyle/>
           <a:p>
+            <a:pPr marL="0" lvl="0" indent="0">
+              <a:buNone/>
+            </a:pPr>
+            <a:r>
+              <a:rPr dirty="0"/>
+              <a:t>Timely feedback is an important part of the learning process</a:t>
+            </a:r>
+          </a:p>
+          <a:p>
             <a:pPr lvl="0"/>
             <a:r>
               <a:rPr dirty="0"/>
-              <a:t>Class meeting </a:t>
-            </a:r>
-            <a:r>
-              <a:rPr lang="en-US" b="1" dirty="0"/>
-              <a:t>Thursdays</a:t>
-            </a:r>
+              <a:t>To allow the timely release of solutions for assignments this course applied a late assignment policy:</a:t>
+            </a:r>
+          </a:p>
+          <a:p>
+            <a:pPr lvl="1"/>
             <a:r>
               <a:rPr dirty="0"/>
-              <a:t>, 6:00 pm US Eastern Time:</a:t>
+              <a:t>Up to one day late - no penalty</a:t>
             </a:r>
           </a:p>
           <a:p>
             <a:pPr lvl="1"/>
             <a:r>
               <a:rPr dirty="0"/>
-              <a:t>Focus on theory to understand concepts</a:t>
+              <a:t>Up to </a:t>
+            </a:r>
+            <a:r>
+              <a:rPr lang="en-US" dirty="0"/>
+              <a:t>5</a:t>
+            </a:r>
+            <a:r>
+              <a:rPr dirty="0"/>
+              <a:t> days late - less 20%</a:t>
             </a:r>
           </a:p>
           <a:p>
             <a:pPr lvl="1"/>
             <a:r>
               <a:rPr dirty="0"/>
-              <a:t>Limited time for code discussions</a:t>
-            </a:r>
-          </a:p>
-          <a:p>
-            <a:pPr lvl="0"/>
+              <a:t>More than </a:t>
+            </a:r>
+            <a:r>
+              <a:rPr lang="en-US" dirty="0"/>
+              <a:t>5</a:t>
+            </a:r>
             <a:r>
               <a:rPr dirty="0"/>
-              <a:t>Section meetings </a:t>
-            </a:r>
-            <a:r>
-              <a:rPr lang="en-US" b="1" dirty="0"/>
-              <a:t>Tuesdays</a:t>
+              <a:t> days late - no credit</a:t>
+            </a:r>
+          </a:p>
+          <a:p>
+            <a:pPr marL="0" lvl="0" indent="0">
+              <a:buNone/>
+            </a:pPr>
+            <a:r>
+              <a:rPr b="1" dirty="0"/>
+              <a:t>Advice:</a:t>
             </a:r>
             <a:r>
               <a:rPr dirty="0"/>
-              <a:t>, 6:00 pm US Eastern Time:</a:t>
-            </a:r>
-          </a:p>
-          <a:p>
-            <a:pPr lvl="1"/>
-            <a:r>
-              <a:rPr dirty="0"/>
-              <a:t>Focus on answer student questions - your questions!</a:t>
-            </a:r>
-          </a:p>
-          <a:p>
-            <a:pPr lvl="1"/>
-            <a:r>
-              <a:rPr lang="en-US" dirty="0"/>
-              <a:t>Course concepts </a:t>
-            </a:r>
-          </a:p>
-          <a:p>
-            <a:pPr lvl="1"/>
-            <a:r>
-              <a:rPr dirty="0"/>
-              <a:t>Discus code and coding problems</a:t>
-            </a:r>
-          </a:p>
-          <a:p>
-            <a:pPr lvl="1"/>
-            <a:r>
-              <a:rPr dirty="0"/>
-              <a:t>Background and supplementary material as needed</a:t>
-            </a:r>
-          </a:p>
-          <a:p>
-            <a:pPr lvl="0"/>
-            <a:r>
-              <a:rPr dirty="0">
-                <a:solidFill>
-                  <a:srgbClr val="C00000"/>
-                </a:solidFill>
-              </a:rPr>
-              <a:t>All class meetings are recorded for on-demand viewing</a:t>
+              <a:t> start assignments and your project as soon as you can so you have time to address problems and ask questions!</a:t>
+            </a:r>
+          </a:p>
+          <a:p>
+            <a:pPr marL="0" lvl="0" indent="0">
+              <a:buNone/>
+            </a:pPr>
+            <a:r>
+              <a:rPr b="1" dirty="0"/>
+              <a:t>Note: No extension is possible for Graduate Independent Projects!</a:t>
             </a:r>
           </a:p>
         </p:txBody>
@@ -5202,7 +5264,7 @@
               <a:buNone/>
             </a:pPr>
             <a:r>
-              <a:t>Communications</a:t>
+              <a:t>Class Schedule</a:t>
             </a:r>
           </a:p>
         </p:txBody>
@@ -5217,108 +5279,94 @@
             <p:ph idx="1"/>
           </p:nvPr>
         </p:nvSpPr>
-        <p:spPr>
-          <a:xfrm>
-            <a:off x="457200" y="1063229"/>
-            <a:ext cx="8229600" cy="3874292"/>
-          </a:xfrm>
-        </p:spPr>
+        <p:spPr/>
         <p:txBody>
           <a:bodyPr>
-            <a:normAutofit fontScale="85000" lnSpcReduction="20000"/>
+            <a:normAutofit lnSpcReduction="10000"/>
           </a:bodyPr>
           <a:lstStyle/>
           <a:p>
-            <a:pPr marL="0" lvl="0" indent="0">
-              <a:buNone/>
-            </a:pPr>
+            <a:pPr lvl="0"/>
             <a:r>
               <a:rPr dirty="0"/>
-              <a:t>Communicating with your instructors and other students is a significant aspect of participation in this course!</a:t>
+              <a:t>Class meeting </a:t>
+            </a:r>
+            <a:r>
+              <a:rPr lang="en-US" b="1" dirty="0"/>
+              <a:t>Thursdays</a:t>
+            </a:r>
+            <a:r>
+              <a:rPr dirty="0"/>
+              <a:t>, 6:00 pm US Eastern Time:</a:t>
+            </a:r>
+          </a:p>
+          <a:p>
+            <a:pPr lvl="1"/>
+            <a:r>
+              <a:rPr dirty="0"/>
+              <a:t>Focus on theory to understand concepts</a:t>
+            </a:r>
+          </a:p>
+          <a:p>
+            <a:pPr lvl="1"/>
+            <a:r>
+              <a:rPr dirty="0"/>
+              <a:t>Limited time for code discussions</a:t>
             </a:r>
           </a:p>
           <a:p>
             <a:pPr lvl="0"/>
             <a:r>
               <a:rPr dirty="0"/>
-              <a:t>Ask questions about the course material, homework, etc.</a:t>
+              <a:t>Section meetings </a:t>
+            </a:r>
+            <a:r>
+              <a:rPr lang="en-US" b="1" dirty="0"/>
+              <a:t>Tuesdays</a:t>
+            </a:r>
+            <a:r>
+              <a:rPr dirty="0"/>
+              <a:t>, 6:00 pm US Eastern Time:</a:t>
+            </a:r>
+          </a:p>
+          <a:p>
+            <a:pPr lvl="1"/>
+            <a:r>
+              <a:rPr dirty="0"/>
+              <a:t>Focus on answer student questions - your questions!</a:t>
+            </a:r>
+          </a:p>
+          <a:p>
+            <a:pPr lvl="1"/>
+            <a:r>
+              <a:rPr lang="en-US" dirty="0"/>
+              <a:t>Course concepts </a:t>
+            </a:r>
+          </a:p>
+          <a:p>
+            <a:pPr lvl="1"/>
+            <a:r>
+              <a:rPr dirty="0"/>
+              <a:t>Discus code and coding problems</a:t>
+            </a:r>
+          </a:p>
+          <a:p>
+            <a:pPr lvl="1"/>
+            <a:r>
+              <a:rPr dirty="0"/>
+              <a:t>Background and supplementary material as needed</a:t>
             </a:r>
           </a:p>
           <a:p>
             <a:pPr lvl="0"/>
             <a:r>
-              <a:rPr dirty="0"/>
-              <a:t>Ask questions in the public forum so others can answer and gain from the discussion: if you have a question others do as well!</a:t>
-            </a:r>
-          </a:p>
-          <a:p>
-            <a:pPr lvl="0"/>
-            <a:r>
-              <a:rPr dirty="0"/>
-              <a:t>Answer other students’ questions</a:t>
-            </a:r>
-          </a:p>
-          <a:p>
-            <a:pPr lvl="0"/>
-            <a:r>
-              <a:rPr dirty="0"/>
-              <a:t>Comment on weekly graded discussion topics</a:t>
-            </a:r>
-          </a:p>
-          <a:p>
-            <a:pPr marL="0" indent="0">
-              <a:buNone/>
-            </a:pPr>
-            <a:r>
-              <a:rPr b="1" dirty="0"/>
-              <a:t>Ed is the primary communications method</a:t>
-            </a:r>
-            <a:endParaRPr lang="en-US" b="1" dirty="0"/>
-          </a:p>
-          <a:p>
-            <a:r>
-              <a:rPr dirty="0"/>
-              <a:t>Generally</a:t>
-            </a:r>
-            <a:r>
-              <a:rPr lang="en-US" dirty="0"/>
-              <a:t>, </a:t>
-            </a:r>
-            <a:r>
-              <a:rPr dirty="0"/>
-              <a:t>use public posts - okay to include code</a:t>
-            </a:r>
-            <a:endParaRPr lang="en-US" dirty="0"/>
-          </a:p>
-          <a:p>
-            <a:r>
-              <a:rPr dirty="0"/>
-              <a:t>Option to ask instructors private questions</a:t>
-            </a:r>
-          </a:p>
-          <a:p>
-            <a:pPr marL="0" lvl="0" indent="0">
-              <a:buNone/>
-            </a:pPr>
-            <a:r>
-              <a:rPr b="1" dirty="0"/>
-              <a:t>Ask for the help you need!</a:t>
-            </a:r>
-          </a:p>
-          <a:p>
-            <a:r>
-              <a:rPr dirty="0"/>
-              <a:t>Any </a:t>
-            </a:r>
-            <a:r>
-              <a:rPr b="1" dirty="0"/>
-              <a:t>communications by Canvas will likely be delayed</a:t>
-            </a:r>
-            <a:r>
-              <a:rPr lang="en-US" b="1" dirty="0"/>
-              <a:t>!!</a:t>
-            </a:r>
-            <a:endParaRPr b="1" dirty="0"/>
+              <a:rPr dirty="0">
+                <a:solidFill>
+                  <a:srgbClr val="C00000"/>
+                </a:solidFill>
+              </a:rPr>
+              <a:t>All class meetings are recorded for on-demand viewing</a:t>
+            </a:r>
           </a:p>
         </p:txBody>
       </p:sp>
@@ -5381,152 +5429,108 @@
             <p:ph idx="1"/>
           </p:nvPr>
         </p:nvSpPr>
-        <p:spPr/>
+        <p:spPr>
+          <a:xfrm>
+            <a:off x="457200" y="1063229"/>
+            <a:ext cx="8229600" cy="3874292"/>
+          </a:xfrm>
+        </p:spPr>
         <p:txBody>
           <a:bodyPr>
-            <a:normAutofit fontScale="92500" lnSpcReduction="20000"/>
+            <a:normAutofit fontScale="85000" lnSpcReduction="20000"/>
           </a:bodyPr>
           <a:lstStyle/>
+          <a:p>
+            <a:pPr marL="0" lvl="0" indent="0">
+              <a:buNone/>
+            </a:pPr>
+            <a:r>
+              <a:rPr dirty="0"/>
+              <a:t>Communicating with your instructors and other students is a significant aspect of participation in this course!</a:t>
+            </a:r>
+          </a:p>
+          <a:p>
+            <a:pPr lvl="0"/>
+            <a:r>
+              <a:rPr dirty="0"/>
+              <a:t>Ask questions about the course material, homework, etc.</a:t>
+            </a:r>
+          </a:p>
+          <a:p>
+            <a:pPr lvl="0"/>
+            <a:r>
+              <a:rPr dirty="0"/>
+              <a:t>Ask questions in the public forum so others can answer and gain from the discussion: if you have a question others do as well!</a:t>
+            </a:r>
+          </a:p>
+          <a:p>
+            <a:pPr lvl="0"/>
+            <a:r>
+              <a:rPr dirty="0"/>
+              <a:t>Answer other students’ questions</a:t>
+            </a:r>
+          </a:p>
+          <a:p>
+            <a:pPr lvl="0"/>
+            <a:r>
+              <a:rPr dirty="0"/>
+              <a:t>Comment on weekly graded discussion topics</a:t>
+            </a:r>
+          </a:p>
           <a:p>
             <a:pPr marL="0" indent="0">
               <a:buNone/>
             </a:pPr>
             <a:r>
+              <a:rPr b="1" dirty="0"/>
+              <a:t>Ed is the primary communications method</a:t>
+            </a:r>
+            <a:endParaRPr lang="en-US" b="1" dirty="0"/>
+          </a:p>
+          <a:p>
+            <a:r>
               <a:rPr dirty="0"/>
-              <a:t>For private matters, you can directly communicate with the instructional team:</a:t>
-            </a:r>
-            <a:endParaRPr lang="en-US" dirty="0"/>
-          </a:p>
-          <a:p>
-            <a:pPr lvl="1"/>
-            <a:r>
-              <a:rPr lang="en-US" dirty="0"/>
-              <a:t>Grades </a:t>
-            </a:r>
-          </a:p>
-          <a:p>
-            <a:pPr lvl="1"/>
-            <a:r>
-              <a:rPr lang="en-US" dirty="0"/>
-              <a:t>Late assignments</a:t>
-            </a:r>
-          </a:p>
-          <a:p>
-            <a:pPr lvl="1"/>
-            <a:r>
-              <a:rPr lang="en-US" dirty="0"/>
-              <a:t>Etc. </a:t>
-            </a:r>
-          </a:p>
-          <a:p>
-            <a:r>
-              <a:rPr dirty="0"/>
-              <a:t>Steve Elston</a:t>
-            </a:r>
-            <a:r>
-              <a:rPr lang="en-US" dirty="0"/>
-              <a:t>:</a:t>
-            </a:r>
-            <a:r>
-              <a:rPr dirty="0"/>
-              <a:t> </a:t>
-            </a:r>
-            <a:r>
-              <a:rPr lang="en-US" dirty="0" err="1"/>
-              <a:t>stephen_elston</a:t>
-            </a:r>
-            <a:r>
-              <a:rPr lang="en-US" dirty="0"/>
-              <a:t> at g dot </a:t>
-            </a:r>
-            <a:r>
-              <a:rPr lang="en-US" dirty="0" err="1"/>
-              <a:t>harvard</a:t>
-            </a:r>
-            <a:r>
-              <a:rPr lang="en-US" dirty="0"/>
-              <a:t> dot </a:t>
-            </a:r>
-            <a:r>
-              <a:rPr lang="en-US" dirty="0" err="1"/>
-              <a:t>edu</a:t>
-            </a:r>
-            <a:endParaRPr lang="en-US" dirty="0"/>
-          </a:p>
-          <a:p>
-            <a:r>
-              <a:rPr lang="en-US" dirty="0"/>
-              <a:t>TAs, Eric Trucksess: ert713 at g dot Harvard dot </a:t>
-            </a:r>
-            <a:r>
-              <a:rPr lang="en-US" dirty="0" err="1"/>
-              <a:t>edu</a:t>
+              <a:t>Generally</a:t>
             </a:r>
             <a:r>
               <a:rPr lang="en-US" dirty="0"/>
               <a:t>, </a:t>
             </a:r>
             <a:r>
-              <a:rPr lang="fr-FR" dirty="0"/>
-              <a:t>Jacqueline Hardy: </a:t>
-            </a:r>
-            <a:r>
-              <a:rPr lang="fr-FR" dirty="0" err="1"/>
-              <a:t>jacquelinehardy</a:t>
-            </a:r>
-            <a:r>
-              <a:rPr lang="fr-FR" dirty="0"/>
-              <a:t> at g dot </a:t>
-            </a:r>
-            <a:r>
-              <a:rPr lang="fr-FR" dirty="0" err="1"/>
-              <a:t>harvard</a:t>
-            </a:r>
-            <a:r>
-              <a:rPr lang="fr-FR" dirty="0"/>
-              <a:t> dot </a:t>
-            </a:r>
-            <a:r>
-              <a:rPr lang="fr-FR" dirty="0" err="1"/>
-              <a:t>edu</a:t>
+              <a:rPr dirty="0"/>
+              <a:t>use public posts - okay to include code</a:t>
             </a:r>
             <a:endParaRPr lang="en-US" dirty="0"/>
           </a:p>
           <a:p>
             <a:r>
+              <a:rPr dirty="0"/>
+              <a:t>Option to ask instructors private questions</a:t>
+            </a:r>
+          </a:p>
+          <a:p>
+            <a:pPr marL="0" lvl="0" indent="0">
+              <a:buNone/>
+            </a:pPr>
+            <a:r>
               <a:rPr b="1" dirty="0"/>
-              <a:t>Office hours:</a:t>
-            </a:r>
+              <a:t>Ask for the help you need!</a:t>
+            </a:r>
+          </a:p>
+          <a:p>
             <a:r>
               <a:rPr dirty="0"/>
-              <a:t> If you need individual assistance,</a:t>
-            </a:r>
-            <a:r>
-              <a:rPr lang="en-US" dirty="0"/>
-              <a:t> </a:t>
-            </a:r>
-            <a:r>
-              <a:rPr dirty="0"/>
-              <a:t>please </a:t>
+              <a:t>Any </a:t>
             </a:r>
             <a:r>
               <a:rPr b="1" dirty="0"/>
-              <a:t>ask to schedule office hours</a:t>
-            </a:r>
-            <a:r>
-              <a:rPr dirty="0"/>
-              <a:t>. Don’t be shy!</a:t>
-            </a:r>
-          </a:p>
-          <a:p>
-            <a:r>
-              <a:rPr dirty="0"/>
-              <a:t>Communications by Canvas may be </a:t>
-            </a:r>
-            <a:r>
-              <a:rPr b="1" dirty="0"/>
-              <a:t>significantly delayed!</a:t>
-            </a:r>
+              <a:t>communications by Canvas will likely be delayed</a:t>
+            </a:r>
+            <a:r>
+              <a:rPr lang="en-US" b="1" dirty="0"/>
+              <a:t>!!</a:t>
+            </a:r>
+            <a:endParaRPr b="1" dirty="0"/>
           </a:p>
         </p:txBody>
       </p:sp>
@@ -5539,6 +5543,214 @@
 </file>
 
 <file path=ppt/slides/slide17.xml><?xml version="1.0" encoding="utf-8"?>
+<p:sld xmlns:a="http://schemas.openxmlformats.org/drawingml/2006/main" xmlns:r="http://schemas.openxmlformats.org/officeDocument/2006/relationships" xmlns:p="http://schemas.openxmlformats.org/presentationml/2006/main">
+  <p:cSld>
+    <p:spTree>
+      <p:nvGrpSpPr>
+        <p:cNvPr id="1" name=""/>
+        <p:cNvGrpSpPr/>
+        <p:nvPr/>
+      </p:nvGrpSpPr>
+      <p:grpSpPr>
+        <a:xfrm>
+          <a:off x="0" y="0"/>
+          <a:ext cx="0" cy="0"/>
+          <a:chOff x="0" y="0"/>
+          <a:chExt cx="0" cy="0"/>
+        </a:xfrm>
+      </p:grpSpPr>
+      <p:sp>
+        <p:nvSpPr>
+          <p:cNvPr id="2" name="Title 1"/>
+          <p:cNvSpPr>
+            <a:spLocks noGrp="1"/>
+          </p:cNvSpPr>
+          <p:nvPr>
+            <p:ph type="title"/>
+          </p:nvPr>
+        </p:nvSpPr>
+        <p:spPr/>
+        <p:txBody>
+          <a:bodyPr/>
+          <a:lstStyle/>
+          <a:p>
+            <a:pPr marL="0" lvl="0" indent="0">
+              <a:buNone/>
+            </a:pPr>
+            <a:r>
+              <a:t>Communications</a:t>
+            </a:r>
+          </a:p>
+        </p:txBody>
+      </p:sp>
+      <p:sp>
+        <p:nvSpPr>
+          <p:cNvPr id="3" name="Content Placeholder 2"/>
+          <p:cNvSpPr>
+            <a:spLocks noGrp="1"/>
+          </p:cNvSpPr>
+          <p:nvPr>
+            <p:ph idx="1"/>
+          </p:nvPr>
+        </p:nvSpPr>
+        <p:spPr/>
+        <p:txBody>
+          <a:bodyPr>
+            <a:normAutofit fontScale="92500" lnSpcReduction="20000"/>
+          </a:bodyPr>
+          <a:lstStyle/>
+          <a:p>
+            <a:pPr marL="0" indent="0">
+              <a:buNone/>
+            </a:pPr>
+            <a:r>
+              <a:rPr dirty="0"/>
+              <a:t>For private matters, you can directly communicate with the instructional team:</a:t>
+            </a:r>
+            <a:endParaRPr lang="en-US" dirty="0"/>
+          </a:p>
+          <a:p>
+            <a:pPr lvl="1"/>
+            <a:r>
+              <a:rPr lang="en-US" dirty="0"/>
+              <a:t>Grades </a:t>
+            </a:r>
+          </a:p>
+          <a:p>
+            <a:pPr lvl="1"/>
+            <a:r>
+              <a:rPr lang="en-US" dirty="0"/>
+              <a:t>Late assignments</a:t>
+            </a:r>
+          </a:p>
+          <a:p>
+            <a:pPr lvl="1"/>
+            <a:r>
+              <a:rPr lang="en-US" dirty="0"/>
+              <a:t>Etc. </a:t>
+            </a:r>
+          </a:p>
+          <a:p>
+            <a:r>
+              <a:rPr dirty="0"/>
+              <a:t>Steve Elston</a:t>
+            </a:r>
+            <a:r>
+              <a:rPr lang="en-US" dirty="0"/>
+              <a:t>:</a:t>
+            </a:r>
+            <a:r>
+              <a:rPr dirty="0"/>
+              <a:t> </a:t>
+            </a:r>
+            <a:r>
+              <a:rPr lang="en-US" dirty="0" err="1"/>
+              <a:t>stephen_elston</a:t>
+            </a:r>
+            <a:r>
+              <a:rPr lang="en-US" dirty="0"/>
+              <a:t> at g dot </a:t>
+            </a:r>
+            <a:r>
+              <a:rPr lang="en-US" dirty="0" err="1"/>
+              <a:t>harvard</a:t>
+            </a:r>
+            <a:r>
+              <a:rPr lang="en-US" dirty="0"/>
+              <a:t> dot </a:t>
+            </a:r>
+            <a:r>
+              <a:rPr lang="en-US" dirty="0" err="1"/>
+              <a:t>edu</a:t>
+            </a:r>
+            <a:endParaRPr lang="en-US" dirty="0"/>
+          </a:p>
+          <a:p>
+            <a:r>
+              <a:rPr lang="en-US" dirty="0"/>
+              <a:t>TAs, Eric Trucksess: ert713 at g dot Harvard dot </a:t>
+            </a:r>
+            <a:r>
+              <a:rPr lang="en-US" dirty="0" err="1"/>
+              <a:t>edu</a:t>
+            </a:r>
+            <a:r>
+              <a:rPr lang="en-US" dirty="0"/>
+              <a:t>, </a:t>
+            </a:r>
+            <a:r>
+              <a:rPr lang="fr-FR" dirty="0"/>
+              <a:t>Jacqueline Hardy: </a:t>
+            </a:r>
+            <a:r>
+              <a:rPr lang="fr-FR" dirty="0" err="1"/>
+              <a:t>jacquelinehardy</a:t>
+            </a:r>
+            <a:r>
+              <a:rPr lang="fr-FR" dirty="0"/>
+              <a:t> at g dot </a:t>
+            </a:r>
+            <a:r>
+              <a:rPr lang="fr-FR" dirty="0" err="1"/>
+              <a:t>harvard</a:t>
+            </a:r>
+            <a:r>
+              <a:rPr lang="fr-FR" dirty="0"/>
+              <a:t> dot </a:t>
+            </a:r>
+            <a:r>
+              <a:rPr lang="fr-FR" dirty="0" err="1"/>
+              <a:t>edu</a:t>
+            </a:r>
+            <a:endParaRPr lang="en-US" dirty="0"/>
+          </a:p>
+          <a:p>
+            <a:r>
+              <a:rPr b="1" dirty="0"/>
+              <a:t>Office hours:</a:t>
+            </a:r>
+            <a:r>
+              <a:rPr dirty="0"/>
+              <a:t> If you need individual assistance,</a:t>
+            </a:r>
+            <a:r>
+              <a:rPr lang="en-US" dirty="0"/>
+              <a:t> </a:t>
+            </a:r>
+            <a:r>
+              <a:rPr dirty="0"/>
+              <a:t>please </a:t>
+            </a:r>
+            <a:r>
+              <a:rPr b="1" dirty="0"/>
+              <a:t>ask to schedule office hours</a:t>
+            </a:r>
+            <a:r>
+              <a:rPr dirty="0"/>
+              <a:t>. Don’t be shy!</a:t>
+            </a:r>
+          </a:p>
+          <a:p>
+            <a:r>
+              <a:rPr dirty="0"/>
+              <a:t>Communications by Canvas may be </a:t>
+            </a:r>
+            <a:r>
+              <a:rPr b="1" dirty="0"/>
+              <a:t>significantly delayed!</a:t>
+            </a:r>
+          </a:p>
+        </p:txBody>
+      </p:sp>
+    </p:spTree>
+  </p:cSld>
+  <p:clrMapOvr>
+    <a:masterClrMapping/>
+  </p:clrMapOvr>
+</p:sld>
+</file>
+
+<file path=ppt/slides/slide18.xml><?xml version="1.0" encoding="utf-8"?>
 <p:sld xmlns:a="http://schemas.openxmlformats.org/drawingml/2006/main" xmlns:r="http://schemas.openxmlformats.org/officeDocument/2006/relationships" xmlns:p="http://schemas.openxmlformats.org/presentationml/2006/main">
   <p:cSld>
     <p:spTree>
@@ -5745,7 +5957,7 @@
 </p:sld>
 </file>
 
-<file path=ppt/slides/slide18.xml><?xml version="1.0" encoding="utf-8"?>
+<file path=ppt/slides/slide19.xml><?xml version="1.0" encoding="utf-8"?>
 <p:sld xmlns:a="http://schemas.openxmlformats.org/drawingml/2006/main" xmlns:r="http://schemas.openxmlformats.org/officeDocument/2006/relationships" xmlns:p="http://schemas.openxmlformats.org/presentationml/2006/main">
   <p:cSld>
     <p:spTree>
@@ -6000,79 +6212,6 @@
 </p:sld>
 </file>
 
-<file path=ppt/slides/slide19.xml><?xml version="1.0" encoding="utf-8"?>
-<p:sld xmlns:a="http://schemas.openxmlformats.org/drawingml/2006/main" xmlns:r="http://schemas.openxmlformats.org/officeDocument/2006/relationships" xmlns:p="http://schemas.openxmlformats.org/presentationml/2006/main">
-  <p:cSld>
-    <p:spTree>
-      <p:nvGrpSpPr>
-        <p:cNvPr id="1" name=""/>
-        <p:cNvGrpSpPr/>
-        <p:nvPr/>
-      </p:nvGrpSpPr>
-      <p:grpSpPr>
-        <a:xfrm>
-          <a:off x="0" y="0"/>
-          <a:ext cx="0" cy="0"/>
-          <a:chOff x="0" y="0"/>
-          <a:chExt cx="0" cy="0"/>
-        </a:xfrm>
-      </p:grpSpPr>
-      <p:sp>
-        <p:nvSpPr>
-          <p:cNvPr id="2" name="Title 1"/>
-          <p:cNvSpPr>
-            <a:spLocks noGrp="1"/>
-          </p:cNvSpPr>
-          <p:nvPr>
-            <p:ph type="title"/>
-          </p:nvPr>
-        </p:nvSpPr>
-        <p:spPr/>
-        <p:txBody>
-          <a:bodyPr/>
-          <a:lstStyle/>
-          <a:p>
-            <a:pPr marL="0" lvl="0" indent="0">
-              <a:buNone/>
-            </a:pPr>
-            <a:r>
-              <a:t>Poll</a:t>
-            </a:r>
-          </a:p>
-        </p:txBody>
-      </p:sp>
-      <p:sp>
-        <p:nvSpPr>
-          <p:cNvPr id="3" name="Content Placeholder 2"/>
-          <p:cNvSpPr>
-            <a:spLocks noGrp="1"/>
-          </p:cNvSpPr>
-          <p:nvPr>
-            <p:ph idx="1"/>
-          </p:nvPr>
-        </p:nvSpPr>
-        <p:spPr/>
-        <p:txBody>
-          <a:bodyPr/>
-          <a:lstStyle/>
-          <a:p>
-            <a:pPr marL="0" lvl="0" indent="0">
-              <a:buNone/>
-            </a:pPr>
-            <a:r>
-              <a:t>Then, back to the lecture</a:t>
-            </a:r>
-          </a:p>
-        </p:txBody>
-      </p:sp>
-    </p:spTree>
-  </p:cSld>
-  <p:clrMapOvr>
-    <a:masterClrMapping/>
-  </p:clrMapOvr>
-</p:sld>
-</file>
-
 <file path=ppt/slides/slide2.xml><?xml version="1.0" encoding="utf-8"?>
 <p:sld xmlns:a="http://schemas.openxmlformats.org/drawingml/2006/main" xmlns:r="http://schemas.openxmlformats.org/officeDocument/2006/relationships" xmlns:p="http://schemas.openxmlformats.org/presentationml/2006/main">
   <p:cSld>
@@ -6178,7 +6317,7 @@
 </file>
 
 <file path=ppt/slides/slide20.xml><?xml version="1.0" encoding="utf-8"?>
-<p:sld xmlns:a="http://schemas.openxmlformats.org/drawingml/2006/main" xmlns:r="http://schemas.openxmlformats.org/officeDocument/2006/relationships" xmlns:p="http://schemas.openxmlformats.org/presentationml/2006/main">
+<p:sld xmlns:a="http://schemas.openxmlformats.org/drawingml/2006/main" xmlns:r="http://schemas.openxmlformats.org/officeDocument/2006/relationships" xmlns:p="http://schemas.openxmlformats.org/presentationml/2006/main" show="0">
   <p:cSld>
     <p:spTree>
       <p:nvGrpSpPr>
@@ -6213,7 +6352,7 @@
               <a:buNone/>
             </a:pPr>
             <a:r>
-              <a:t>Why Exploration and Visualization?</a:t>
+              <a:t>Poll</a:t>
             </a:r>
           </a:p>
         </p:txBody>
@@ -6230,115 +6369,14 @@
         </p:nvSpPr>
         <p:spPr/>
         <p:txBody>
-          <a:bodyPr>
-            <a:normAutofit fontScale="85000" lnSpcReduction="10000"/>
-          </a:bodyPr>
+          <a:bodyPr/>
           <a:lstStyle/>
           <a:p>
             <a:pPr marL="0" lvl="0" indent="0">
               <a:buNone/>
             </a:pPr>
             <a:r>
-              <a:rPr b="1" dirty="0"/>
-              <a:t>Exploratory data analysis (EDA)</a:t>
-            </a:r>
-            <a:r>
-              <a:rPr dirty="0"/>
-              <a:t> tools are essential to good data science</a:t>
-            </a:r>
-          </a:p>
-          <a:p>
-            <a:pPr lvl="0"/>
-            <a:r>
-              <a:rPr dirty="0"/>
-              <a:t>Isn’t the goal of data science to build machine learning models?</a:t>
-            </a:r>
-          </a:p>
-          <a:p>
-            <a:pPr lvl="0"/>
-            <a:r>
-              <a:rPr dirty="0"/>
-              <a:t>Not always!</a:t>
-            </a:r>
-          </a:p>
-          <a:p>
-            <a:pPr lvl="0"/>
-            <a:r>
-              <a:rPr dirty="0"/>
-              <a:t>Often</a:t>
-            </a:r>
-            <a:r>
-              <a:rPr lang="en-US" dirty="0"/>
-              <a:t>,</a:t>
-            </a:r>
-            <a:r>
-              <a:rPr dirty="0"/>
-              <a:t> we need to </a:t>
-            </a:r>
-            <a:r>
-              <a:rPr b="1" dirty="0"/>
-              <a:t>understand relationships </a:t>
-            </a:r>
-            <a:r>
-              <a:rPr dirty="0"/>
-              <a:t>found in data</a:t>
-            </a:r>
-          </a:p>
-          <a:p>
-            <a:pPr lvl="1"/>
-            <a:r>
-              <a:rPr dirty="0"/>
-              <a:t>Explain scientific or behavioral relationships</a:t>
-            </a:r>
-          </a:p>
-          <a:p>
-            <a:pPr lvl="1"/>
-            <a:r>
-              <a:rPr dirty="0"/>
-              <a:t>Determine if a relationship is </a:t>
-            </a:r>
-            <a:r>
-              <a:rPr dirty="0" err="1"/>
-              <a:t>important</a:t>
-            </a:r>
-            <a:r>
-              <a:rPr lang="en-US" dirty="0" err="1"/>
-              <a:t>zsxss</a:t>
-            </a:r>
-            <a:endParaRPr lang="en-US" dirty="0"/>
-          </a:p>
-          <a:p>
-            <a:pPr lvl="1"/>
-            <a:r>
-              <a:rPr lang="en-US" dirty="0"/>
-              <a:t>Provide interpretable and actionable results </a:t>
-            </a:r>
-            <a:endParaRPr dirty="0"/>
-          </a:p>
-          <a:p>
-            <a:pPr lvl="0"/>
-            <a:r>
-              <a:rPr dirty="0"/>
-              <a:t>Our goal is to gain deep understanding for complex problem</a:t>
-            </a:r>
-            <a:r>
-              <a:rPr lang="en-US" dirty="0"/>
-              <a:t>s</a:t>
-            </a:r>
-            <a:endParaRPr dirty="0"/>
-          </a:p>
-          <a:p>
-            <a:pPr lvl="1"/>
-            <a:r>
-              <a:rPr dirty="0"/>
-              <a:t>EDA methods</a:t>
-            </a:r>
-          </a:p>
-          <a:p>
-            <a:pPr lvl="1"/>
-            <a:r>
-              <a:rPr dirty="0"/>
-              <a:t>Statistical inference</a:t>
+              <a:t>Then, back to the lecture</a:t>
             </a:r>
           </a:p>
         </p:txBody>
@@ -6405,7 +6443,7 @@
         <p:spPr/>
         <p:txBody>
           <a:bodyPr>
-            <a:normAutofit/>
+            <a:normAutofit fontScale="85000" lnSpcReduction="10000"/>
           </a:bodyPr>
           <a:lstStyle/>
           <a:p>
@@ -6425,35 +6463,94 @@
             <a:pPr lvl="0"/>
             <a:r>
               <a:rPr dirty="0"/>
-              <a:t>Why not just start building models?</a:t>
+              <a:t>Isn’t the goal of data science to build </a:t>
+            </a:r>
+            <a:r>
+              <a:rPr lang="en-US" dirty="0"/>
+              <a:t>predictive </a:t>
+            </a:r>
+            <a:r>
+              <a:rPr dirty="0"/>
+              <a:t>machine learning models?</a:t>
             </a:r>
           </a:p>
           <a:p>
             <a:pPr lvl="0"/>
             <a:r>
               <a:rPr dirty="0"/>
-              <a:t>Understanding relationships in data saves missteps and unexplained poor model performance</a:t>
+              <a:t>Not always!</a:t>
+            </a:r>
+          </a:p>
+          <a:p>
+            <a:pPr lvl="0"/>
+            <a:r>
+              <a:rPr dirty="0"/>
+              <a:t>Often</a:t>
+            </a:r>
+            <a:r>
+              <a:rPr lang="en-US" dirty="0"/>
+              <a:t>,</a:t>
+            </a:r>
+            <a:r>
+              <a:rPr dirty="0"/>
+              <a:t> we need to </a:t>
+            </a:r>
+            <a:r>
+              <a:rPr b="1" dirty="0"/>
+              <a:t>understand relationships </a:t>
+            </a:r>
+            <a:r>
+              <a:rPr dirty="0"/>
+              <a:t>found in data</a:t>
             </a:r>
           </a:p>
           <a:p>
             <a:pPr lvl="1"/>
             <a:r>
               <a:rPr dirty="0"/>
-              <a:t>Which variables are actually important?</a:t>
+              <a:t>Explain scientific or behavioral relationships</a:t>
             </a:r>
           </a:p>
           <a:p>
             <a:pPr lvl="1"/>
             <a:r>
               <a:rPr dirty="0"/>
-              <a:t>How do these variables behave?</a:t>
-            </a:r>
+              <a:t>Determine if a relationship is important</a:t>
+            </a:r>
+            <a:endParaRPr lang="en-US" dirty="0"/>
           </a:p>
           <a:p>
             <a:pPr lvl="1"/>
             <a:r>
+              <a:rPr lang="en-US" dirty="0"/>
+              <a:t>Provide interpretable and actionable results </a:t>
+            </a:r>
+            <a:endParaRPr dirty="0"/>
+          </a:p>
+          <a:p>
+            <a:pPr lvl="0"/>
+            <a:r>
               <a:rPr dirty="0"/>
-              <a:t>Are there errors and outliers in the data?</a:t>
+              <a:t>Our goal is to gain deep understanding for complex problem</a:t>
+            </a:r>
+            <a:r>
+              <a:rPr lang="en-US" dirty="0"/>
+              <a:t>s</a:t>
+            </a:r>
+            <a:endParaRPr dirty="0"/>
+          </a:p>
+          <a:p>
+            <a:pPr lvl="1"/>
+            <a:r>
+              <a:rPr dirty="0"/>
+              <a:t>EDA methods</a:t>
+            </a:r>
+          </a:p>
+          <a:p>
+            <a:pPr lvl="1"/>
+            <a:r>
+              <a:rPr dirty="0"/>
+              <a:t>Statistical inference</a:t>
             </a:r>
           </a:p>
         </p:txBody>
@@ -6463,6 +6560,387 @@
   <p:clrMapOvr>
     <a:masterClrMapping/>
   </p:clrMapOvr>
+  <p:timing>
+    <p:tnLst>
+      <p:par>
+        <p:cTn id="1" dur="indefinite" restart="never" nodeType="tmRoot">
+          <p:childTnLst>
+            <p:seq concurrent="1" nextAc="seek">
+              <p:cTn id="2" dur="indefinite" nodeType="mainSeq">
+                <p:childTnLst>
+                  <p:par>
+                    <p:cTn id="3" fill="hold">
+                      <p:stCondLst>
+                        <p:cond delay="indefinite"/>
+                      </p:stCondLst>
+                      <p:childTnLst>
+                        <p:par>
+                          <p:cTn id="4" fill="hold">
+                            <p:stCondLst>
+                              <p:cond delay="0"/>
+                            </p:stCondLst>
+                            <p:childTnLst>
+                              <p:par>
+                                <p:cTn id="5" presetID="1" presetClass="entr" presetSubtype="0" fill="hold" nodeType="clickEffect">
+                                  <p:stCondLst>
+                                    <p:cond delay="0"/>
+                                  </p:stCondLst>
+                                  <p:childTnLst>
+                                    <p:set>
+                                      <p:cBhvr>
+                                        <p:cTn id="6" dur="1" fill="hold">
+                                          <p:stCondLst>
+                                            <p:cond delay="0"/>
+                                          </p:stCondLst>
+                                        </p:cTn>
+                                        <p:tgtEl>
+                                          <p:spTgt spid="3">
+                                            <p:txEl>
+                                              <p:pRg st="1" end="1"/>
+                                            </p:txEl>
+                                          </p:spTgt>
+                                        </p:tgtEl>
+                                        <p:attrNameLst>
+                                          <p:attrName>style.visibility</p:attrName>
+                                        </p:attrNameLst>
+                                      </p:cBhvr>
+                                      <p:to>
+                                        <p:strVal val="visible"/>
+                                      </p:to>
+                                    </p:set>
+                                  </p:childTnLst>
+                                </p:cTn>
+                              </p:par>
+                            </p:childTnLst>
+                          </p:cTn>
+                        </p:par>
+                      </p:childTnLst>
+                    </p:cTn>
+                  </p:par>
+                  <p:par>
+                    <p:cTn id="7" fill="hold">
+                      <p:stCondLst>
+                        <p:cond delay="indefinite"/>
+                      </p:stCondLst>
+                      <p:childTnLst>
+                        <p:par>
+                          <p:cTn id="8" fill="hold">
+                            <p:stCondLst>
+                              <p:cond delay="0"/>
+                            </p:stCondLst>
+                            <p:childTnLst>
+                              <p:par>
+                                <p:cTn id="9" presetID="1" presetClass="entr" presetSubtype="0" fill="hold" nodeType="clickEffect">
+                                  <p:stCondLst>
+                                    <p:cond delay="0"/>
+                                  </p:stCondLst>
+                                  <p:childTnLst>
+                                    <p:set>
+                                      <p:cBhvr>
+                                        <p:cTn id="10" dur="1" fill="hold">
+                                          <p:stCondLst>
+                                            <p:cond delay="0"/>
+                                          </p:stCondLst>
+                                        </p:cTn>
+                                        <p:tgtEl>
+                                          <p:spTgt spid="3">
+                                            <p:txEl>
+                                              <p:pRg st="2" end="2"/>
+                                            </p:txEl>
+                                          </p:spTgt>
+                                        </p:tgtEl>
+                                        <p:attrNameLst>
+                                          <p:attrName>style.visibility</p:attrName>
+                                        </p:attrNameLst>
+                                      </p:cBhvr>
+                                      <p:to>
+                                        <p:strVal val="visible"/>
+                                      </p:to>
+                                    </p:set>
+                                  </p:childTnLst>
+                                </p:cTn>
+                              </p:par>
+                            </p:childTnLst>
+                          </p:cTn>
+                        </p:par>
+                      </p:childTnLst>
+                    </p:cTn>
+                  </p:par>
+                  <p:par>
+                    <p:cTn id="11" fill="hold">
+                      <p:stCondLst>
+                        <p:cond delay="indefinite"/>
+                      </p:stCondLst>
+                      <p:childTnLst>
+                        <p:par>
+                          <p:cTn id="12" fill="hold">
+                            <p:stCondLst>
+                              <p:cond delay="0"/>
+                            </p:stCondLst>
+                            <p:childTnLst>
+                              <p:par>
+                                <p:cTn id="13" presetID="1" presetClass="entr" presetSubtype="0" fill="hold" nodeType="clickEffect">
+                                  <p:stCondLst>
+                                    <p:cond delay="0"/>
+                                  </p:stCondLst>
+                                  <p:childTnLst>
+                                    <p:set>
+                                      <p:cBhvr>
+                                        <p:cTn id="14" dur="1" fill="hold">
+                                          <p:stCondLst>
+                                            <p:cond delay="0"/>
+                                          </p:stCondLst>
+                                        </p:cTn>
+                                        <p:tgtEl>
+                                          <p:spTgt spid="3">
+                                            <p:txEl>
+                                              <p:pRg st="3" end="3"/>
+                                            </p:txEl>
+                                          </p:spTgt>
+                                        </p:tgtEl>
+                                        <p:attrNameLst>
+                                          <p:attrName>style.visibility</p:attrName>
+                                        </p:attrNameLst>
+                                      </p:cBhvr>
+                                      <p:to>
+                                        <p:strVal val="visible"/>
+                                      </p:to>
+                                    </p:set>
+                                  </p:childTnLst>
+                                </p:cTn>
+                              </p:par>
+                              <p:par>
+                                <p:cTn id="15" presetID="1" presetClass="entr" presetSubtype="0" fill="hold" nodeType="withEffect">
+                                  <p:stCondLst>
+                                    <p:cond delay="0"/>
+                                  </p:stCondLst>
+                                  <p:childTnLst>
+                                    <p:set>
+                                      <p:cBhvr>
+                                        <p:cTn id="16" dur="1" fill="hold">
+                                          <p:stCondLst>
+                                            <p:cond delay="0"/>
+                                          </p:stCondLst>
+                                        </p:cTn>
+                                        <p:tgtEl>
+                                          <p:spTgt spid="3">
+                                            <p:txEl>
+                                              <p:pRg st="4" end="4"/>
+                                            </p:txEl>
+                                          </p:spTgt>
+                                        </p:tgtEl>
+                                        <p:attrNameLst>
+                                          <p:attrName>style.visibility</p:attrName>
+                                        </p:attrNameLst>
+                                      </p:cBhvr>
+                                      <p:to>
+                                        <p:strVal val="visible"/>
+                                      </p:to>
+                                    </p:set>
+                                  </p:childTnLst>
+                                </p:cTn>
+                              </p:par>
+                              <p:par>
+                                <p:cTn id="17" presetID="1" presetClass="entr" presetSubtype="0" fill="hold" nodeType="withEffect">
+                                  <p:stCondLst>
+                                    <p:cond delay="0"/>
+                                  </p:stCondLst>
+                                  <p:childTnLst>
+                                    <p:set>
+                                      <p:cBhvr>
+                                        <p:cTn id="18" dur="1" fill="hold">
+                                          <p:stCondLst>
+                                            <p:cond delay="0"/>
+                                          </p:stCondLst>
+                                        </p:cTn>
+                                        <p:tgtEl>
+                                          <p:spTgt spid="3">
+                                            <p:txEl>
+                                              <p:pRg st="5" end="5"/>
+                                            </p:txEl>
+                                          </p:spTgt>
+                                        </p:tgtEl>
+                                        <p:attrNameLst>
+                                          <p:attrName>style.visibility</p:attrName>
+                                        </p:attrNameLst>
+                                      </p:cBhvr>
+                                      <p:to>
+                                        <p:strVal val="visible"/>
+                                      </p:to>
+                                    </p:set>
+                                  </p:childTnLst>
+                                </p:cTn>
+                              </p:par>
+                              <p:par>
+                                <p:cTn id="19" presetID="1" presetClass="entr" presetSubtype="0" fill="hold" nodeType="withEffect">
+                                  <p:stCondLst>
+                                    <p:cond delay="0"/>
+                                  </p:stCondLst>
+                                  <p:childTnLst>
+                                    <p:set>
+                                      <p:cBhvr>
+                                        <p:cTn id="20" dur="1" fill="hold">
+                                          <p:stCondLst>
+                                            <p:cond delay="0"/>
+                                          </p:stCondLst>
+                                        </p:cTn>
+                                        <p:tgtEl>
+                                          <p:spTgt spid="3">
+                                            <p:txEl>
+                                              <p:pRg st="6" end="6"/>
+                                            </p:txEl>
+                                          </p:spTgt>
+                                        </p:tgtEl>
+                                        <p:attrNameLst>
+                                          <p:attrName>style.visibility</p:attrName>
+                                        </p:attrNameLst>
+                                      </p:cBhvr>
+                                      <p:to>
+                                        <p:strVal val="visible"/>
+                                      </p:to>
+                                    </p:set>
+                                  </p:childTnLst>
+                                </p:cTn>
+                              </p:par>
+                            </p:childTnLst>
+                          </p:cTn>
+                        </p:par>
+                      </p:childTnLst>
+                    </p:cTn>
+                  </p:par>
+                  <p:par>
+                    <p:cTn id="21" fill="hold">
+                      <p:stCondLst>
+                        <p:cond delay="indefinite"/>
+                      </p:stCondLst>
+                      <p:childTnLst>
+                        <p:par>
+                          <p:cTn id="22" fill="hold">
+                            <p:stCondLst>
+                              <p:cond delay="0"/>
+                            </p:stCondLst>
+                            <p:childTnLst>
+                              <p:par>
+                                <p:cTn id="23" presetID="1" presetClass="entr" presetSubtype="0" fill="hold" nodeType="clickEffect">
+                                  <p:stCondLst>
+                                    <p:cond delay="0"/>
+                                  </p:stCondLst>
+                                  <p:childTnLst>
+                                    <p:set>
+                                      <p:cBhvr>
+                                        <p:cTn id="24" dur="1" fill="hold">
+                                          <p:stCondLst>
+                                            <p:cond delay="0"/>
+                                          </p:stCondLst>
+                                        </p:cTn>
+                                        <p:tgtEl>
+                                          <p:spTgt spid="3">
+                                            <p:txEl>
+                                              <p:pRg st="7" end="7"/>
+                                            </p:txEl>
+                                          </p:spTgt>
+                                        </p:tgtEl>
+                                        <p:attrNameLst>
+                                          <p:attrName>style.visibility</p:attrName>
+                                        </p:attrNameLst>
+                                      </p:cBhvr>
+                                      <p:to>
+                                        <p:strVal val="visible"/>
+                                      </p:to>
+                                    </p:set>
+                                  </p:childTnLst>
+                                </p:cTn>
+                              </p:par>
+                              <p:par>
+                                <p:cTn id="25" presetID="1" presetClass="entr" presetSubtype="0" fill="hold" nodeType="withEffect">
+                                  <p:stCondLst>
+                                    <p:cond delay="0"/>
+                                  </p:stCondLst>
+                                  <p:childTnLst>
+                                    <p:set>
+                                      <p:cBhvr>
+                                        <p:cTn id="26" dur="1" fill="hold">
+                                          <p:stCondLst>
+                                            <p:cond delay="0"/>
+                                          </p:stCondLst>
+                                        </p:cTn>
+                                        <p:tgtEl>
+                                          <p:spTgt spid="3">
+                                            <p:txEl>
+                                              <p:pRg st="8" end="8"/>
+                                            </p:txEl>
+                                          </p:spTgt>
+                                        </p:tgtEl>
+                                        <p:attrNameLst>
+                                          <p:attrName>style.visibility</p:attrName>
+                                        </p:attrNameLst>
+                                      </p:cBhvr>
+                                      <p:to>
+                                        <p:strVal val="visible"/>
+                                      </p:to>
+                                    </p:set>
+                                  </p:childTnLst>
+                                </p:cTn>
+                              </p:par>
+                              <p:par>
+                                <p:cTn id="27" presetID="1" presetClass="entr" presetSubtype="0" fill="hold" nodeType="withEffect">
+                                  <p:stCondLst>
+                                    <p:cond delay="0"/>
+                                  </p:stCondLst>
+                                  <p:childTnLst>
+                                    <p:set>
+                                      <p:cBhvr>
+                                        <p:cTn id="28" dur="1" fill="hold">
+                                          <p:stCondLst>
+                                            <p:cond delay="0"/>
+                                          </p:stCondLst>
+                                        </p:cTn>
+                                        <p:tgtEl>
+                                          <p:spTgt spid="3">
+                                            <p:txEl>
+                                              <p:pRg st="9" end="9"/>
+                                            </p:txEl>
+                                          </p:spTgt>
+                                        </p:tgtEl>
+                                        <p:attrNameLst>
+                                          <p:attrName>style.visibility</p:attrName>
+                                        </p:attrNameLst>
+                                      </p:cBhvr>
+                                      <p:to>
+                                        <p:strVal val="visible"/>
+                                      </p:to>
+                                    </p:set>
+                                  </p:childTnLst>
+                                </p:cTn>
+                              </p:par>
+                            </p:childTnLst>
+                          </p:cTn>
+                        </p:par>
+                      </p:childTnLst>
+                    </p:cTn>
+                  </p:par>
+                </p:childTnLst>
+              </p:cTn>
+              <p:prevCondLst>
+                <p:cond evt="onPrev" delay="0">
+                  <p:tgtEl>
+                    <p:sldTgt/>
+                  </p:tgtEl>
+                </p:cond>
+              </p:prevCondLst>
+              <p:nextCondLst>
+                <p:cond evt="onNext" delay="0">
+                  <p:tgtEl>
+                    <p:sldTgt/>
+                  </p:tgtEl>
+                </p:cond>
+              </p:nextCondLst>
+            </p:seq>
+          </p:childTnLst>
+        </p:cTn>
+      </p:par>
+    </p:tnLst>
+  </p:timing>
 </p:sld>
 </file>
 
@@ -6520,7 +6998,7 @@
         <p:spPr/>
         <p:txBody>
           <a:bodyPr>
-            <a:normAutofit fontScale="92500" lnSpcReduction="20000"/>
+            <a:normAutofit/>
           </a:bodyPr>
           <a:lstStyle/>
           <a:p>
@@ -6547,70 +7025,33 @@
             <a:pPr lvl="0"/>
             <a:r>
               <a:rPr dirty="0"/>
-              <a:t>Communications is an important component of data science</a:t>
+              <a:t>Understanding relationships in data saves missteps and unexplained poor model performance</a:t>
             </a:r>
           </a:p>
           <a:p>
             <a:pPr lvl="1"/>
             <a:r>
               <a:rPr dirty="0"/>
-              <a:t>Analytic results are only useful if they are understood and trusted</a:t>
-            </a:r>
-            <a:endParaRPr lang="en-US" dirty="0"/>
+              <a:t>Which variables are actually important?</a:t>
+            </a:r>
           </a:p>
           <a:p>
             <a:pPr lvl="1"/>
             <a:r>
-              <a:rPr lang="en-US" dirty="0"/>
-              <a:t>Graphical results are easy  interpret </a:t>
-            </a:r>
-            <a:endParaRPr dirty="0"/>
+              <a:rPr dirty="0"/>
+              <a:t>How do these variables behave?</a:t>
+            </a:r>
           </a:p>
           <a:p>
             <a:pPr lvl="1"/>
             <a:r>
               <a:rPr dirty="0"/>
-              <a:t>Graphical presentation greatly assists understanding by less technica</a:t>
-            </a:r>
-            <a:r>
-              <a:rPr lang="en-US" dirty="0"/>
-              <a:t>l</a:t>
-            </a:r>
-            <a:r>
-              <a:rPr dirty="0"/>
-              <a:t> colleagues</a:t>
-            </a:r>
-            <a:endParaRPr lang="en-US" dirty="0"/>
-          </a:p>
-          <a:p>
-            <a:r>
-              <a:rPr lang="en-US" dirty="0"/>
-              <a:t>How good is a model fit?</a:t>
-            </a:r>
-          </a:p>
-          <a:p>
-            <a:pPr lvl="1"/>
-            <a:r>
-              <a:rPr lang="en-US" dirty="0"/>
-              <a:t>Use EDA methods to explore model results </a:t>
-            </a:r>
-          </a:p>
-          <a:p>
-            <a:pPr lvl="1"/>
-            <a:r>
-              <a:rPr lang="en-US" dirty="0"/>
-              <a:t>Compare model performance</a:t>
-            </a:r>
-            <a:endParaRPr dirty="0"/>
+              <a:t>Are there errors and outliers in the data?</a:t>
+            </a:r>
           </a:p>
         </p:txBody>
       </p:sp>
     </p:spTree>
-    <p:extLst>
-      <p:ext uri="{BB962C8B-B14F-4D97-AF65-F5344CB8AC3E}">
-        <p14:creationId xmlns:p14="http://schemas.microsoft.com/office/powerpoint/2010/main" val="1061979417"/>
-      </p:ext>
-    </p:extLst>
   </p:cSld>
   <p:clrMapOvr>
     <a:masterClrMapping/>
@@ -6654,7 +7095,7 @@
               <a:buNone/>
             </a:pPr>
             <a:r>
-              <a:t>Why is Perception Important?</a:t>
+              <a:t>Why Exploration and Visualization?</a:t>
             </a:r>
           </a:p>
         </p:txBody>
@@ -6672,7 +7113,7 @@
         <p:spPr/>
         <p:txBody>
           <a:bodyPr>
-            <a:normAutofit lnSpcReduction="10000"/>
+            <a:normAutofit fontScale="92500" lnSpcReduction="20000"/>
           </a:bodyPr>
           <a:lstStyle/>
           <a:p>
@@ -6681,63 +7122,375 @@
             </a:pPr>
             <a:r>
               <a:rPr b="1" dirty="0"/>
-              <a:t>Goal:</a:t>
+              <a:t>Exploratory data analysis (EDA)</a:t>
             </a:r>
             <a:r>
               <a:rPr dirty="0"/>
-              <a:t> Communicate information visually</a:t>
+              <a:t> tools are essential to good data science</a:t>
             </a:r>
           </a:p>
           <a:p>
             <a:pPr lvl="0"/>
             <a:r>
               <a:rPr dirty="0"/>
-              <a:t>Visualization technique maximize the information a viewer perceives</a:t>
+              <a:t>Why not just start building models?</a:t>
+            </a:r>
+          </a:p>
+          <a:p>
+            <a:pPr lvl="0"/>
+            <a:r>
+              <a:rPr dirty="0"/>
+              <a:t>Communications is an important component of data science</a:t>
             </a:r>
           </a:p>
           <a:p>
             <a:pPr lvl="1"/>
             <a:r>
               <a:rPr dirty="0"/>
-              <a:t>Gain insights when exploring relationships in data</a:t>
-            </a:r>
+              <a:t>Analytic results are only useful if they are understood and trusted</a:t>
+            </a:r>
+            <a:endParaRPr lang="en-US" dirty="0"/>
           </a:p>
           <a:p>
             <a:pPr lvl="1"/>
             <a:r>
+              <a:rPr lang="en-US" dirty="0"/>
+              <a:t>Graphical results are easy  interpret </a:t>
+            </a:r>
+            <a:endParaRPr dirty="0"/>
+          </a:p>
+          <a:p>
+            <a:pPr lvl="1"/>
+            <a:r>
               <a:rPr dirty="0"/>
-              <a:t>Communicate insights to others</a:t>
-            </a:r>
-          </a:p>
-          <a:p>
-            <a:pPr lvl="0"/>
+              <a:t>Graphical presentation greatly assists understanding by less technica</a:t>
+            </a:r>
+            <a:r>
+              <a:rPr lang="en-US" dirty="0"/>
+              <a:t>l</a:t>
+            </a:r>
             <a:r>
               <a:rPr dirty="0"/>
-              <a:t>Limits o</a:t>
-            </a:r>
+              <a:t> colleagues</a:t>
+            </a:r>
+            <a:endParaRPr lang="en-US" dirty="0"/>
+          </a:p>
+          <a:p>
             <a:r>
               <a:rPr lang="en-US" dirty="0"/>
-              <a:t>f</a:t>
-            </a:r>
-            <a:r>
-              <a:rPr dirty="0"/>
-              <a:t> human perception are a significant factor in understanding complex relationships</a:t>
-            </a:r>
-          </a:p>
-          <a:p>
-            <a:pPr lvl="0"/>
-            <a:r>
-              <a:rPr dirty="0"/>
-              <a:t>Can apply results of the considerable research on human perceptions for data visualization</a:t>
-            </a:r>
+              <a:t>How good is a model fit?</a:t>
+            </a:r>
+          </a:p>
+          <a:p>
+            <a:pPr lvl="1"/>
+            <a:r>
+              <a:rPr lang="en-US" dirty="0"/>
+              <a:t>Use EDA methods to explore model results </a:t>
+            </a:r>
+          </a:p>
+          <a:p>
+            <a:pPr lvl="1"/>
+            <a:r>
+              <a:rPr lang="en-US" dirty="0"/>
+              <a:t>Compare model performance</a:t>
+            </a:r>
+            <a:endParaRPr dirty="0"/>
           </a:p>
         </p:txBody>
       </p:sp>
     </p:spTree>
+    <p:extLst>
+      <p:ext uri="{BB962C8B-B14F-4D97-AF65-F5344CB8AC3E}">
+        <p14:creationId xmlns:p14="http://schemas.microsoft.com/office/powerpoint/2010/main" val="1061979417"/>
+      </p:ext>
+    </p:extLst>
   </p:cSld>
   <p:clrMapOvr>
     <a:masterClrMapping/>
   </p:clrMapOvr>
+  <p:timing>
+    <p:tnLst>
+      <p:par>
+        <p:cTn id="1" dur="indefinite" restart="never" nodeType="tmRoot">
+          <p:childTnLst>
+            <p:seq concurrent="1" nextAc="seek">
+              <p:cTn id="2" dur="indefinite" nodeType="mainSeq">
+                <p:childTnLst>
+                  <p:par>
+                    <p:cTn id="3" fill="hold">
+                      <p:stCondLst>
+                        <p:cond delay="indefinite"/>
+                      </p:stCondLst>
+                      <p:childTnLst>
+                        <p:par>
+                          <p:cTn id="4" fill="hold">
+                            <p:stCondLst>
+                              <p:cond delay="0"/>
+                            </p:stCondLst>
+                            <p:childTnLst>
+                              <p:par>
+                                <p:cTn id="5" presetID="1" presetClass="entr" presetSubtype="0" fill="hold" nodeType="clickEffect">
+                                  <p:stCondLst>
+                                    <p:cond delay="0"/>
+                                  </p:stCondLst>
+                                  <p:childTnLst>
+                                    <p:set>
+                                      <p:cBhvr>
+                                        <p:cTn id="6" dur="1" fill="hold">
+                                          <p:stCondLst>
+                                            <p:cond delay="0"/>
+                                          </p:stCondLst>
+                                        </p:cTn>
+                                        <p:tgtEl>
+                                          <p:spTgt spid="3">
+                                            <p:txEl>
+                                              <p:pRg st="2" end="2"/>
+                                            </p:txEl>
+                                          </p:spTgt>
+                                        </p:tgtEl>
+                                        <p:attrNameLst>
+                                          <p:attrName>style.visibility</p:attrName>
+                                        </p:attrNameLst>
+                                      </p:cBhvr>
+                                      <p:to>
+                                        <p:strVal val="visible"/>
+                                      </p:to>
+                                    </p:set>
+                                  </p:childTnLst>
+                                </p:cTn>
+                              </p:par>
+                              <p:par>
+                                <p:cTn id="7" presetID="1" presetClass="entr" presetSubtype="0" fill="hold" nodeType="withEffect">
+                                  <p:stCondLst>
+                                    <p:cond delay="0"/>
+                                  </p:stCondLst>
+                                  <p:childTnLst>
+                                    <p:set>
+                                      <p:cBhvr>
+                                        <p:cTn id="8" dur="1" fill="hold">
+                                          <p:stCondLst>
+                                            <p:cond delay="0"/>
+                                          </p:stCondLst>
+                                        </p:cTn>
+                                        <p:tgtEl>
+                                          <p:spTgt spid="3">
+                                            <p:txEl>
+                                              <p:pRg st="3" end="3"/>
+                                            </p:txEl>
+                                          </p:spTgt>
+                                        </p:tgtEl>
+                                        <p:attrNameLst>
+                                          <p:attrName>style.visibility</p:attrName>
+                                        </p:attrNameLst>
+                                      </p:cBhvr>
+                                      <p:to>
+                                        <p:strVal val="visible"/>
+                                      </p:to>
+                                    </p:set>
+                                  </p:childTnLst>
+                                </p:cTn>
+                              </p:par>
+                              <p:par>
+                                <p:cTn id="9" presetID="1" presetClass="entr" presetSubtype="0" fill="hold" nodeType="withEffect">
+                                  <p:stCondLst>
+                                    <p:cond delay="0"/>
+                                  </p:stCondLst>
+                                  <p:childTnLst>
+                                    <p:set>
+                                      <p:cBhvr>
+                                        <p:cTn id="10" dur="1" fill="hold">
+                                          <p:stCondLst>
+                                            <p:cond delay="0"/>
+                                          </p:stCondLst>
+                                        </p:cTn>
+                                        <p:tgtEl>
+                                          <p:spTgt spid="3">
+                                            <p:txEl>
+                                              <p:pRg st="4" end="4"/>
+                                            </p:txEl>
+                                          </p:spTgt>
+                                        </p:tgtEl>
+                                        <p:attrNameLst>
+                                          <p:attrName>style.visibility</p:attrName>
+                                        </p:attrNameLst>
+                                      </p:cBhvr>
+                                      <p:to>
+                                        <p:strVal val="visible"/>
+                                      </p:to>
+                                    </p:set>
+                                  </p:childTnLst>
+                                </p:cTn>
+                              </p:par>
+                              <p:par>
+                                <p:cTn id="11" presetID="1" presetClass="entr" presetSubtype="0" fill="hold" nodeType="withEffect">
+                                  <p:stCondLst>
+                                    <p:cond delay="0"/>
+                                  </p:stCondLst>
+                                  <p:childTnLst>
+                                    <p:set>
+                                      <p:cBhvr>
+                                        <p:cTn id="12" dur="1" fill="hold">
+                                          <p:stCondLst>
+                                            <p:cond delay="0"/>
+                                          </p:stCondLst>
+                                        </p:cTn>
+                                        <p:tgtEl>
+                                          <p:spTgt spid="3">
+                                            <p:txEl>
+                                              <p:pRg st="5" end="5"/>
+                                            </p:txEl>
+                                          </p:spTgt>
+                                        </p:tgtEl>
+                                        <p:attrNameLst>
+                                          <p:attrName>style.visibility</p:attrName>
+                                        </p:attrNameLst>
+                                      </p:cBhvr>
+                                      <p:to>
+                                        <p:strVal val="visible"/>
+                                      </p:to>
+                                    </p:set>
+                                  </p:childTnLst>
+                                </p:cTn>
+                              </p:par>
+                            </p:childTnLst>
+                          </p:cTn>
+                        </p:par>
+                      </p:childTnLst>
+                    </p:cTn>
+                  </p:par>
+                  <p:par>
+                    <p:cTn id="13" fill="hold">
+                      <p:stCondLst>
+                        <p:cond delay="indefinite"/>
+                      </p:stCondLst>
+                      <p:childTnLst>
+                        <p:par>
+                          <p:cTn id="14" fill="hold">
+                            <p:stCondLst>
+                              <p:cond delay="0"/>
+                            </p:stCondLst>
+                            <p:childTnLst>
+                              <p:par>
+                                <p:cTn id="15" presetID="1" presetClass="entr" presetSubtype="0" fill="hold" nodeType="clickEffect">
+                                  <p:stCondLst>
+                                    <p:cond delay="0"/>
+                                  </p:stCondLst>
+                                  <p:childTnLst>
+                                    <p:set>
+                                      <p:cBhvr>
+                                        <p:cTn id="16" dur="1" fill="hold">
+                                          <p:stCondLst>
+                                            <p:cond delay="0"/>
+                                          </p:stCondLst>
+                                        </p:cTn>
+                                        <p:tgtEl>
+                                          <p:spTgt spid="3">
+                                            <p:txEl>
+                                              <p:pRg st="6" end="6"/>
+                                            </p:txEl>
+                                          </p:spTgt>
+                                        </p:tgtEl>
+                                        <p:attrNameLst>
+                                          <p:attrName>style.visibility</p:attrName>
+                                        </p:attrNameLst>
+                                      </p:cBhvr>
+                                      <p:to>
+                                        <p:strVal val="visible"/>
+                                      </p:to>
+                                    </p:set>
+                                  </p:childTnLst>
+                                </p:cTn>
+                              </p:par>
+                              <p:par>
+                                <p:cTn id="17" presetID="1" presetClass="entr" presetSubtype="0" fill="hold" nodeType="withEffect">
+                                  <p:stCondLst>
+                                    <p:cond delay="0"/>
+                                  </p:stCondLst>
+                                  <p:childTnLst>
+                                    <p:set>
+                                      <p:cBhvr>
+                                        <p:cTn id="18" dur="1" fill="hold">
+                                          <p:stCondLst>
+                                            <p:cond delay="0"/>
+                                          </p:stCondLst>
+                                        </p:cTn>
+                                        <p:tgtEl>
+                                          <p:spTgt spid="3">
+                                            <p:txEl>
+                                              <p:pRg st="7" end="7"/>
+                                            </p:txEl>
+                                          </p:spTgt>
+                                        </p:tgtEl>
+                                        <p:attrNameLst>
+                                          <p:attrName>style.visibility</p:attrName>
+                                        </p:attrNameLst>
+                                      </p:cBhvr>
+                                      <p:to>
+                                        <p:strVal val="visible"/>
+                                      </p:to>
+                                    </p:set>
+                                  </p:childTnLst>
+                                </p:cTn>
+                              </p:par>
+                              <p:par>
+                                <p:cTn id="19" presetID="1" presetClass="entr" presetSubtype="0" fill="hold" nodeType="withEffect">
+                                  <p:stCondLst>
+                                    <p:cond delay="0"/>
+                                  </p:stCondLst>
+                                  <p:childTnLst>
+                                    <p:set>
+                                      <p:cBhvr>
+                                        <p:cTn id="20" dur="1" fill="hold">
+                                          <p:stCondLst>
+                                            <p:cond delay="0"/>
+                                          </p:stCondLst>
+                                        </p:cTn>
+                                        <p:tgtEl>
+                                          <p:spTgt spid="3">
+                                            <p:txEl>
+                                              <p:pRg st="8" end="8"/>
+                                            </p:txEl>
+                                          </p:spTgt>
+                                        </p:tgtEl>
+                                        <p:attrNameLst>
+                                          <p:attrName>style.visibility</p:attrName>
+                                        </p:attrNameLst>
+                                      </p:cBhvr>
+                                      <p:to>
+                                        <p:strVal val="visible"/>
+                                      </p:to>
+                                    </p:set>
+                                  </p:childTnLst>
+                                </p:cTn>
+                              </p:par>
+                            </p:childTnLst>
+                          </p:cTn>
+                        </p:par>
+                      </p:childTnLst>
+                    </p:cTn>
+                  </p:par>
+                </p:childTnLst>
+              </p:cTn>
+              <p:prevCondLst>
+                <p:cond evt="onPrev" delay="0">
+                  <p:tgtEl>
+                    <p:sldTgt/>
+                  </p:tgtEl>
+                </p:cond>
+              </p:prevCondLst>
+              <p:nextCondLst>
+                <p:cond evt="onNext" delay="0">
+                  <p:tgtEl>
+                    <p:sldTgt/>
+                  </p:tgtEl>
+                </p:cond>
+              </p:nextCondLst>
+            </p:seq>
+          </p:childTnLst>
+        </p:cTn>
+      </p:par>
+    </p:tnLst>
+  </p:timing>
 </p:sld>
 </file>
 
@@ -6777,7 +7530,7 @@
               <a:buNone/>
             </a:pPr>
             <a:r>
-              <a:t>Use Aesthetics to Improve Perception</a:t>
+              <a:t>Why is Perception Important?</a:t>
             </a:r>
           </a:p>
         </p:txBody>
@@ -6795,7 +7548,7 @@
         <p:spPr/>
         <p:txBody>
           <a:bodyPr>
-            <a:normAutofit/>
+            <a:normAutofit lnSpcReduction="10000"/>
           </a:bodyPr>
           <a:lstStyle/>
           <a:p>
@@ -6803,51 +7556,55 @@
               <a:buNone/>
             </a:pPr>
             <a:r>
+              <a:rPr b="1" dirty="0"/>
+              <a:t>Goal:</a:t>
+            </a:r>
+            <a:r>
               <a:rPr dirty="0"/>
-              <a:t>Use </a:t>
-            </a:r>
-            <a:r>
-              <a:rPr b="1" dirty="0"/>
-              <a:t>aesthetics</a:t>
-            </a:r>
+              <a:t> Communicate information visually</a:t>
+            </a:r>
+          </a:p>
+          <a:p>
+            <a:pPr lvl="0"/>
             <a:r>
               <a:rPr dirty="0"/>
-              <a:t> to improve perception</a:t>
+              <a:t>Visualization technique maximize the information a viewer perceives</a:t>
+            </a:r>
+          </a:p>
+          <a:p>
+            <a:pPr lvl="1"/>
+            <a:r>
+              <a:rPr dirty="0"/>
+              <a:t>Gain insights when exploring relationships in data</a:t>
+            </a:r>
+          </a:p>
+          <a:p>
+            <a:pPr lvl="1"/>
+            <a:r>
+              <a:rPr dirty="0"/>
+              <a:t>Communicate insights to others</a:t>
             </a:r>
           </a:p>
           <a:p>
             <a:pPr lvl="0"/>
             <a:r>
               <a:rPr dirty="0"/>
-              <a:t>We take a very broad view of the term ‘aesthetic’ here</a:t>
+              <a:t>Limits o</a:t>
+            </a:r>
+            <a:r>
+              <a:rPr lang="en-US" dirty="0"/>
+              <a:t>f</a:t>
+            </a:r>
+            <a:r>
+              <a:rPr dirty="0"/>
+              <a:t> human perception are a significant factor in understanding complex relationships</a:t>
             </a:r>
           </a:p>
           <a:p>
             <a:pPr lvl="0"/>
             <a:r>
               <a:rPr dirty="0"/>
-              <a:t>A plot aesthetics is any property of a visualization which highlight aspects of the data relationships</a:t>
-            </a:r>
-          </a:p>
-          <a:p>
-            <a:pPr lvl="0"/>
-            <a:r>
-              <a:rPr dirty="0"/>
-              <a:t>Aesthetics are used to project additional dimensions of complex data</a:t>
-            </a:r>
-          </a:p>
-          <a:p>
-            <a:pPr lvl="1"/>
-            <a:r>
-              <a:rPr dirty="0"/>
-              <a:t>Plots generally restricted to 2-dimensional surface</a:t>
-            </a:r>
-          </a:p>
-          <a:p>
-            <a:pPr lvl="1"/>
-            <a:r>
-              <a:rPr dirty="0"/>
-              <a:t>Must project multiple dimensions of complex data on 2-d surface</a:t>
+              <a:t>Can apply results of the considerable research on human perceptions for data visualization</a:t>
             </a:r>
           </a:p>
         </p:txBody>
@@ -6857,6 +7614,245 @@
   <p:clrMapOvr>
     <a:masterClrMapping/>
   </p:clrMapOvr>
+  <p:timing>
+    <p:tnLst>
+      <p:par>
+        <p:cTn id="1" dur="indefinite" restart="never" nodeType="tmRoot">
+          <p:childTnLst>
+            <p:seq concurrent="1" nextAc="seek">
+              <p:cTn id="2" dur="indefinite" nodeType="mainSeq">
+                <p:childTnLst>
+                  <p:par>
+                    <p:cTn id="3" fill="hold">
+                      <p:stCondLst>
+                        <p:cond delay="indefinite"/>
+                      </p:stCondLst>
+                      <p:childTnLst>
+                        <p:par>
+                          <p:cTn id="4" fill="hold">
+                            <p:stCondLst>
+                              <p:cond delay="0"/>
+                            </p:stCondLst>
+                            <p:childTnLst>
+                              <p:par>
+                                <p:cTn id="5" presetID="1" presetClass="entr" presetSubtype="0" fill="hold" nodeType="clickEffect">
+                                  <p:stCondLst>
+                                    <p:cond delay="0"/>
+                                  </p:stCondLst>
+                                  <p:childTnLst>
+                                    <p:set>
+                                      <p:cBhvr>
+                                        <p:cTn id="6" dur="1" fill="hold">
+                                          <p:stCondLst>
+                                            <p:cond delay="0"/>
+                                          </p:stCondLst>
+                                        </p:cTn>
+                                        <p:tgtEl>
+                                          <p:spTgt spid="3">
+                                            <p:txEl>
+                                              <p:pRg st="1" end="1"/>
+                                            </p:txEl>
+                                          </p:spTgt>
+                                        </p:tgtEl>
+                                        <p:attrNameLst>
+                                          <p:attrName>style.visibility</p:attrName>
+                                        </p:attrNameLst>
+                                      </p:cBhvr>
+                                      <p:to>
+                                        <p:strVal val="visible"/>
+                                      </p:to>
+                                    </p:set>
+                                  </p:childTnLst>
+                                </p:cTn>
+                              </p:par>
+                              <p:par>
+                                <p:cTn id="7" presetID="1" presetClass="entr" presetSubtype="0" fill="hold" nodeType="withEffect">
+                                  <p:stCondLst>
+                                    <p:cond delay="0"/>
+                                  </p:stCondLst>
+                                  <p:childTnLst>
+                                    <p:set>
+                                      <p:cBhvr>
+                                        <p:cTn id="8" dur="1" fill="hold">
+                                          <p:stCondLst>
+                                            <p:cond delay="0"/>
+                                          </p:stCondLst>
+                                        </p:cTn>
+                                        <p:tgtEl>
+                                          <p:spTgt spid="3">
+                                            <p:txEl>
+                                              <p:pRg st="2" end="2"/>
+                                            </p:txEl>
+                                          </p:spTgt>
+                                        </p:tgtEl>
+                                        <p:attrNameLst>
+                                          <p:attrName>style.visibility</p:attrName>
+                                        </p:attrNameLst>
+                                      </p:cBhvr>
+                                      <p:to>
+                                        <p:strVal val="visible"/>
+                                      </p:to>
+                                    </p:set>
+                                  </p:childTnLst>
+                                </p:cTn>
+                              </p:par>
+                              <p:par>
+                                <p:cTn id="9" presetID="1" presetClass="entr" presetSubtype="0" fill="hold" nodeType="withEffect">
+                                  <p:stCondLst>
+                                    <p:cond delay="0"/>
+                                  </p:stCondLst>
+                                  <p:childTnLst>
+                                    <p:set>
+                                      <p:cBhvr>
+                                        <p:cTn id="10" dur="1" fill="hold">
+                                          <p:stCondLst>
+                                            <p:cond delay="0"/>
+                                          </p:stCondLst>
+                                        </p:cTn>
+                                        <p:tgtEl>
+                                          <p:spTgt spid="3">
+                                            <p:txEl>
+                                              <p:pRg st="3" end="3"/>
+                                            </p:txEl>
+                                          </p:spTgt>
+                                        </p:tgtEl>
+                                        <p:attrNameLst>
+                                          <p:attrName>style.visibility</p:attrName>
+                                        </p:attrNameLst>
+                                      </p:cBhvr>
+                                      <p:to>
+                                        <p:strVal val="visible"/>
+                                      </p:to>
+                                    </p:set>
+                                  </p:childTnLst>
+                                </p:cTn>
+                              </p:par>
+                            </p:childTnLst>
+                          </p:cTn>
+                        </p:par>
+                      </p:childTnLst>
+                    </p:cTn>
+                  </p:par>
+                  <p:par>
+                    <p:cTn id="11" fill="hold">
+                      <p:stCondLst>
+                        <p:cond delay="indefinite"/>
+                      </p:stCondLst>
+                      <p:childTnLst>
+                        <p:par>
+                          <p:cTn id="12" fill="hold">
+                            <p:stCondLst>
+                              <p:cond delay="0"/>
+                            </p:stCondLst>
+                            <p:childTnLst>
+                              <p:par>
+                                <p:cTn id="13" presetID="1" presetClass="entr" presetSubtype="0" fill="hold" nodeType="clickEffect">
+                                  <p:stCondLst>
+                                    <p:cond delay="0"/>
+                                  </p:stCondLst>
+                                  <p:childTnLst>
+                                    <p:set>
+                                      <p:cBhvr>
+                                        <p:cTn id="14" dur="1" fill="hold">
+                                          <p:stCondLst>
+                                            <p:cond delay="0"/>
+                                          </p:stCondLst>
+                                        </p:cTn>
+                                        <p:tgtEl>
+                                          <p:spTgt spid="3">
+                                            <p:txEl>
+                                              <p:pRg st="4" end="4"/>
+                                            </p:txEl>
+                                          </p:spTgt>
+                                        </p:tgtEl>
+                                        <p:attrNameLst>
+                                          <p:attrName>style.visibility</p:attrName>
+                                        </p:attrNameLst>
+                                      </p:cBhvr>
+                                      <p:to>
+                                        <p:strVal val="visible"/>
+                                      </p:to>
+                                    </p:set>
+                                  </p:childTnLst>
+                                </p:cTn>
+                              </p:par>
+                            </p:childTnLst>
+                          </p:cTn>
+                        </p:par>
+                      </p:childTnLst>
+                    </p:cTn>
+                  </p:par>
+                  <p:par>
+                    <p:cTn id="15" fill="hold">
+                      <p:stCondLst>
+                        <p:cond delay="indefinite"/>
+                      </p:stCondLst>
+                      <p:childTnLst>
+                        <p:par>
+                          <p:cTn id="16" fill="hold">
+                            <p:stCondLst>
+                              <p:cond delay="0"/>
+                            </p:stCondLst>
+                            <p:childTnLst>
+                              <p:par>
+                                <p:cTn id="17" presetID="1" presetClass="entr" presetSubtype="0" fill="hold" nodeType="clickEffect">
+                                  <p:stCondLst>
+                                    <p:cond delay="0"/>
+                                  </p:stCondLst>
+                                  <p:childTnLst>
+                                    <p:set>
+                                      <p:cBhvr>
+                                        <p:cTn id="18" dur="1" fill="hold">
+                                          <p:stCondLst>
+                                            <p:cond delay="0"/>
+                                          </p:stCondLst>
+                                        </p:cTn>
+                                        <p:tgtEl>
+                                          <p:spTgt spid="3">
+                                            <p:txEl>
+                                              <p:pRg st="5" end="5"/>
+                                            </p:txEl>
+                                          </p:spTgt>
+                                        </p:tgtEl>
+                                        <p:attrNameLst>
+                                          <p:attrName>style.visibility</p:attrName>
+                                        </p:attrNameLst>
+                                      </p:cBhvr>
+                                      <p:to>
+                                        <p:strVal val="visible"/>
+                                      </p:to>
+                                    </p:set>
+                                  </p:childTnLst>
+                                </p:cTn>
+                              </p:par>
+                            </p:childTnLst>
+                          </p:cTn>
+                        </p:par>
+                      </p:childTnLst>
+                    </p:cTn>
+                  </p:par>
+                </p:childTnLst>
+              </p:cTn>
+              <p:prevCondLst>
+                <p:cond evt="onPrev" delay="0">
+                  <p:tgtEl>
+                    <p:sldTgt/>
+                  </p:tgtEl>
+                </p:cond>
+              </p:prevCondLst>
+              <p:nextCondLst>
+                <p:cond evt="onNext" delay="0">
+                  <p:tgtEl>
+                    <p:sldTgt/>
+                  </p:tgtEl>
+                </p:cond>
+              </p:nextCondLst>
+            </p:seq>
+          </p:childTnLst>
+        </p:cTn>
+      </p:par>
+    </p:tnLst>
+  </p:timing>
 </p:sld>
 </file>
 
@@ -6922,46 +7918,299 @@
               <a:buNone/>
             </a:pPr>
             <a:r>
-              <a:rPr lang="en-US" b="1" dirty="0"/>
-              <a:t>Important note!!  </a:t>
-            </a:r>
-          </a:p>
-          <a:p>
-            <a:pPr marL="0" lvl="0" indent="0">
-              <a:buNone/>
-            </a:pPr>
-            <a:endParaRPr lang="en-US" dirty="0"/>
-          </a:p>
-          <a:p>
-            <a:pPr marL="0" lvl="0" indent="0" algn="ctr">
-              <a:buNone/>
-            </a:pPr>
-            <a:r>
-              <a:rPr lang="en-US" sz="2800" b="1" dirty="0">
-                <a:solidFill>
-                  <a:srgbClr val="C00000"/>
-                </a:solidFill>
-              </a:rPr>
-              <a:t>I expect you to use good perceptual methodology for creating plots for your project!!</a:t>
-            </a:r>
-            <a:endParaRPr sz="2800" b="1" dirty="0">
-              <a:solidFill>
-                <a:srgbClr val="C00000"/>
-              </a:solidFill>
-            </a:endParaRPr>
+              <a:rPr dirty="0"/>
+              <a:t>Use </a:t>
+            </a:r>
+            <a:r>
+              <a:rPr b="1" dirty="0"/>
+              <a:t>aesthetics</a:t>
+            </a:r>
+            <a:r>
+              <a:rPr dirty="0"/>
+              <a:t> to improve perception</a:t>
+            </a:r>
+          </a:p>
+          <a:p>
+            <a:pPr lvl="0"/>
+            <a:r>
+              <a:rPr dirty="0"/>
+              <a:t>We take a very broad view of the term ‘aesthetic’ here</a:t>
+            </a:r>
+          </a:p>
+          <a:p>
+            <a:pPr lvl="0"/>
+            <a:r>
+              <a:rPr dirty="0"/>
+              <a:t>A plot aesthetics is any property of a visualization which highlight aspects of the data relationships</a:t>
+            </a:r>
+          </a:p>
+          <a:p>
+            <a:pPr lvl="0"/>
+            <a:r>
+              <a:rPr dirty="0"/>
+              <a:t>Aesthetics are used to project additional dimensions of complex data</a:t>
+            </a:r>
+          </a:p>
+          <a:p>
+            <a:pPr lvl="1"/>
+            <a:r>
+              <a:rPr dirty="0"/>
+              <a:t>Plots generally restricted to 2-dimensional surface</a:t>
+            </a:r>
+          </a:p>
+          <a:p>
+            <a:pPr lvl="1"/>
+            <a:r>
+              <a:rPr dirty="0"/>
+              <a:t>Must project multiple dimensions of complex data on 2-d surface</a:t>
+            </a:r>
           </a:p>
         </p:txBody>
       </p:sp>
     </p:spTree>
-    <p:extLst>
-      <p:ext uri="{BB962C8B-B14F-4D97-AF65-F5344CB8AC3E}">
-        <p14:creationId xmlns:p14="http://schemas.microsoft.com/office/powerpoint/2010/main" val="2438337757"/>
-      </p:ext>
-    </p:extLst>
   </p:cSld>
   <p:clrMapOvr>
     <a:masterClrMapping/>
   </p:clrMapOvr>
+  <p:timing>
+    <p:tnLst>
+      <p:par>
+        <p:cTn id="1" dur="indefinite" restart="never" nodeType="tmRoot">
+          <p:childTnLst>
+            <p:seq concurrent="1" nextAc="seek">
+              <p:cTn id="2" dur="indefinite" nodeType="mainSeq">
+                <p:childTnLst>
+                  <p:par>
+                    <p:cTn id="3" fill="hold">
+                      <p:stCondLst>
+                        <p:cond delay="indefinite"/>
+                      </p:stCondLst>
+                      <p:childTnLst>
+                        <p:par>
+                          <p:cTn id="4" fill="hold">
+                            <p:stCondLst>
+                              <p:cond delay="0"/>
+                            </p:stCondLst>
+                            <p:childTnLst>
+                              <p:par>
+                                <p:cTn id="5" presetID="1" presetClass="entr" presetSubtype="0" fill="hold" nodeType="clickEffect">
+                                  <p:stCondLst>
+                                    <p:cond delay="0"/>
+                                  </p:stCondLst>
+                                  <p:childTnLst>
+                                    <p:set>
+                                      <p:cBhvr>
+                                        <p:cTn id="6" dur="1" fill="hold">
+                                          <p:stCondLst>
+                                            <p:cond delay="0"/>
+                                          </p:stCondLst>
+                                        </p:cTn>
+                                        <p:tgtEl>
+                                          <p:spTgt spid="3">
+                                            <p:txEl>
+                                              <p:pRg st="1" end="1"/>
+                                            </p:txEl>
+                                          </p:spTgt>
+                                        </p:tgtEl>
+                                        <p:attrNameLst>
+                                          <p:attrName>style.visibility</p:attrName>
+                                        </p:attrNameLst>
+                                      </p:cBhvr>
+                                      <p:to>
+                                        <p:strVal val="visible"/>
+                                      </p:to>
+                                    </p:set>
+                                  </p:childTnLst>
+                                </p:cTn>
+                              </p:par>
+                            </p:childTnLst>
+                          </p:cTn>
+                        </p:par>
+                      </p:childTnLst>
+                    </p:cTn>
+                  </p:par>
+                  <p:par>
+                    <p:cTn id="7" fill="hold">
+                      <p:stCondLst>
+                        <p:cond delay="indefinite"/>
+                      </p:stCondLst>
+                      <p:childTnLst>
+                        <p:par>
+                          <p:cTn id="8" fill="hold">
+                            <p:stCondLst>
+                              <p:cond delay="0"/>
+                            </p:stCondLst>
+                            <p:childTnLst>
+                              <p:par>
+                                <p:cTn id="9" presetID="1" presetClass="entr" presetSubtype="0" fill="hold" nodeType="clickEffect">
+                                  <p:stCondLst>
+                                    <p:cond delay="0"/>
+                                  </p:stCondLst>
+                                  <p:childTnLst>
+                                    <p:set>
+                                      <p:cBhvr>
+                                        <p:cTn id="10" dur="1" fill="hold">
+                                          <p:stCondLst>
+                                            <p:cond delay="0"/>
+                                          </p:stCondLst>
+                                        </p:cTn>
+                                        <p:tgtEl>
+                                          <p:spTgt spid="3">
+                                            <p:txEl>
+                                              <p:pRg st="2" end="2"/>
+                                            </p:txEl>
+                                          </p:spTgt>
+                                        </p:tgtEl>
+                                        <p:attrNameLst>
+                                          <p:attrName>style.visibility</p:attrName>
+                                        </p:attrNameLst>
+                                      </p:cBhvr>
+                                      <p:to>
+                                        <p:strVal val="visible"/>
+                                      </p:to>
+                                    </p:set>
+                                  </p:childTnLst>
+                                </p:cTn>
+                              </p:par>
+                            </p:childTnLst>
+                          </p:cTn>
+                        </p:par>
+                      </p:childTnLst>
+                    </p:cTn>
+                  </p:par>
+                  <p:par>
+                    <p:cTn id="11" fill="hold">
+                      <p:stCondLst>
+                        <p:cond delay="indefinite"/>
+                      </p:stCondLst>
+                      <p:childTnLst>
+                        <p:par>
+                          <p:cTn id="12" fill="hold">
+                            <p:stCondLst>
+                              <p:cond delay="0"/>
+                            </p:stCondLst>
+                            <p:childTnLst>
+                              <p:par>
+                                <p:cTn id="13" presetID="1" presetClass="entr" presetSubtype="0" fill="hold" nodeType="clickEffect">
+                                  <p:stCondLst>
+                                    <p:cond delay="0"/>
+                                  </p:stCondLst>
+                                  <p:childTnLst>
+                                    <p:set>
+                                      <p:cBhvr>
+                                        <p:cTn id="14" dur="1" fill="hold">
+                                          <p:stCondLst>
+                                            <p:cond delay="0"/>
+                                          </p:stCondLst>
+                                        </p:cTn>
+                                        <p:tgtEl>
+                                          <p:spTgt spid="3">
+                                            <p:txEl>
+                                              <p:pRg st="3" end="3"/>
+                                            </p:txEl>
+                                          </p:spTgt>
+                                        </p:tgtEl>
+                                        <p:attrNameLst>
+                                          <p:attrName>style.visibility</p:attrName>
+                                        </p:attrNameLst>
+                                      </p:cBhvr>
+                                      <p:to>
+                                        <p:strVal val="visible"/>
+                                      </p:to>
+                                    </p:set>
+                                  </p:childTnLst>
+                                </p:cTn>
+                              </p:par>
+                              <p:par>
+                                <p:cTn id="15" presetID="1" presetClass="entr" presetSubtype="0" fill="hold" nodeType="withEffect">
+                                  <p:stCondLst>
+                                    <p:cond delay="0"/>
+                                  </p:stCondLst>
+                                  <p:childTnLst>
+                                    <p:set>
+                                      <p:cBhvr>
+                                        <p:cTn id="16" dur="1" fill="hold">
+                                          <p:stCondLst>
+                                            <p:cond delay="0"/>
+                                          </p:stCondLst>
+                                        </p:cTn>
+                                        <p:tgtEl>
+                                          <p:spTgt spid="3">
+                                            <p:txEl>
+                                              <p:pRg st="4" end="4"/>
+                                            </p:txEl>
+                                          </p:spTgt>
+                                        </p:tgtEl>
+                                        <p:attrNameLst>
+                                          <p:attrName>style.visibility</p:attrName>
+                                        </p:attrNameLst>
+                                      </p:cBhvr>
+                                      <p:to>
+                                        <p:strVal val="visible"/>
+                                      </p:to>
+                                    </p:set>
+                                  </p:childTnLst>
+                                </p:cTn>
+                              </p:par>
+                              <p:par>
+                                <p:cTn id="17" presetID="1" presetClass="entr" presetSubtype="0" fill="hold" nodeType="withEffect">
+                                  <p:stCondLst>
+                                    <p:cond delay="0"/>
+                                  </p:stCondLst>
+                                  <p:childTnLst>
+                                    <p:set>
+                                      <p:cBhvr>
+                                        <p:cTn id="18" dur="1" fill="hold">
+                                          <p:stCondLst>
+                                            <p:cond delay="0"/>
+                                          </p:stCondLst>
+                                        </p:cTn>
+                                        <p:tgtEl>
+                                          <p:spTgt spid="3">
+                                            <p:txEl>
+                                              <p:pRg st="5" end="5"/>
+                                            </p:txEl>
+                                          </p:spTgt>
+                                        </p:tgtEl>
+                                        <p:attrNameLst>
+                                          <p:attrName>style.visibility</p:attrName>
+                                        </p:attrNameLst>
+                                      </p:cBhvr>
+                                      <p:to>
+                                        <p:strVal val="visible"/>
+                                      </p:to>
+                                    </p:set>
+                                  </p:childTnLst>
+                                </p:cTn>
+                              </p:par>
+                            </p:childTnLst>
+                          </p:cTn>
+                        </p:par>
+                      </p:childTnLst>
+                    </p:cTn>
+                  </p:par>
+                </p:childTnLst>
+              </p:cTn>
+              <p:prevCondLst>
+                <p:cond evt="onPrev" delay="0">
+                  <p:tgtEl>
+                    <p:sldTgt/>
+                  </p:tgtEl>
+                </p:cond>
+              </p:prevCondLst>
+              <p:nextCondLst>
+                <p:cond evt="onNext" delay="0">
+                  <p:tgtEl>
+                    <p:sldTgt/>
+                  </p:tgtEl>
+                </p:cond>
+              </p:nextCondLst>
+            </p:seq>
+          </p:childTnLst>
+        </p:cTn>
+      </p:par>
+    </p:tnLst>
+  </p:timing>
 </p:sld>
 </file>
 
@@ -7001,6 +8250,111 @@
               <a:buNone/>
             </a:pPr>
             <a:r>
+              <a:t>Use Aesthetics to Improve Perception</a:t>
+            </a:r>
+          </a:p>
+        </p:txBody>
+      </p:sp>
+      <p:sp>
+        <p:nvSpPr>
+          <p:cNvPr id="3" name="Content Placeholder 2"/>
+          <p:cNvSpPr>
+            <a:spLocks noGrp="1"/>
+          </p:cNvSpPr>
+          <p:nvPr>
+            <p:ph idx="1"/>
+          </p:nvPr>
+        </p:nvSpPr>
+        <p:spPr/>
+        <p:txBody>
+          <a:bodyPr>
+            <a:normAutofit/>
+          </a:bodyPr>
+          <a:lstStyle/>
+          <a:p>
+            <a:pPr marL="0" lvl="0" indent="0">
+              <a:buNone/>
+            </a:pPr>
+            <a:r>
+              <a:rPr lang="en-US" b="1" dirty="0"/>
+              <a:t>Important note!!  </a:t>
+            </a:r>
+          </a:p>
+          <a:p>
+            <a:pPr marL="0" lvl="0" indent="0">
+              <a:buNone/>
+            </a:pPr>
+            <a:endParaRPr lang="en-US" dirty="0"/>
+          </a:p>
+          <a:p>
+            <a:pPr marL="0" lvl="0" indent="0" algn="ctr">
+              <a:buNone/>
+            </a:pPr>
+            <a:r>
+              <a:rPr lang="en-US" sz="2800" b="1" dirty="0">
+                <a:solidFill>
+                  <a:srgbClr val="C00000"/>
+                </a:solidFill>
+              </a:rPr>
+              <a:t>I expect you to use good perceptual methodology for creating plots for your project!!</a:t>
+            </a:r>
+            <a:endParaRPr sz="2800" b="1" dirty="0">
+              <a:solidFill>
+                <a:srgbClr val="C00000"/>
+              </a:solidFill>
+            </a:endParaRPr>
+          </a:p>
+        </p:txBody>
+      </p:sp>
+    </p:spTree>
+    <p:extLst>
+      <p:ext uri="{BB962C8B-B14F-4D97-AF65-F5344CB8AC3E}">
+        <p14:creationId xmlns:p14="http://schemas.microsoft.com/office/powerpoint/2010/main" val="2438337757"/>
+      </p:ext>
+    </p:extLst>
+  </p:cSld>
+  <p:clrMapOvr>
+    <a:masterClrMapping/>
+  </p:clrMapOvr>
+</p:sld>
+</file>
+
+<file path=ppt/slides/slide27.xml><?xml version="1.0" encoding="utf-8"?>
+<p:sld xmlns:a="http://schemas.openxmlformats.org/drawingml/2006/main" xmlns:r="http://schemas.openxmlformats.org/officeDocument/2006/relationships" xmlns:p="http://schemas.openxmlformats.org/presentationml/2006/main">
+  <p:cSld>
+    <p:spTree>
+      <p:nvGrpSpPr>
+        <p:cNvPr id="1" name=""/>
+        <p:cNvGrpSpPr/>
+        <p:nvPr/>
+      </p:nvGrpSpPr>
+      <p:grpSpPr>
+        <a:xfrm>
+          <a:off x="0" y="0"/>
+          <a:ext cx="0" cy="0"/>
+          <a:chOff x="0" y="0"/>
+          <a:chExt cx="0" cy="0"/>
+        </a:xfrm>
+      </p:grpSpPr>
+      <p:sp>
+        <p:nvSpPr>
+          <p:cNvPr id="2" name="Title 1"/>
+          <p:cNvSpPr>
+            <a:spLocks noGrp="1"/>
+          </p:cNvSpPr>
+          <p:nvPr>
+            <p:ph type="title"/>
+          </p:nvPr>
+        </p:nvSpPr>
+        <p:spPr/>
+        <p:txBody>
+          <a:bodyPr/>
+          <a:lstStyle/>
+          <a:p>
+            <a:pPr marL="0" lvl="0" indent="0">
+              <a:buNone/>
+            </a:pPr>
+            <a:r>
               <a:t>Organization of Plot Aesthetics</a:t>
             </a:r>
           </a:p>
@@ -7025,6 +8379,7 @@
               <a:buNone/>
             </a:pPr>
             <a:r>
+              <a:rPr dirty="0"/>
               <a:t>We can organize aesthetics by their effectiveness:</a:t>
             </a:r>
           </a:p>
@@ -7033,10 +8388,11 @@
               <a:buAutoNum type="arabicPeriod"/>
             </a:pPr>
             <a:r>
-              <a:rPr b="1"/>
+              <a:rPr b="1" dirty="0"/>
               <a:t>Easy to perceive plot aesthetics:</a:t>
             </a:r>
             <a:r>
+              <a:rPr dirty="0"/>
               <a:t> help most people gain understanding of data relationships</a:t>
             </a:r>
           </a:p>
@@ -7045,10 +8401,11 @@
               <a:buAutoNum type="arabicPeriod"/>
             </a:pPr>
             <a:r>
-              <a:rPr b="1"/>
+              <a:rPr b="1" dirty="0"/>
               <a:t>Aesthetics with moderate perceptive power:</a:t>
             </a:r>
             <a:r>
+              <a:rPr dirty="0"/>
               <a:t> useful properties to project data relationships when used sparingly</a:t>
             </a:r>
           </a:p>
@@ -7057,10 +8414,11 @@
               <a:buAutoNum type="arabicPeriod"/>
             </a:pPr>
             <a:r>
-              <a:rPr b="1"/>
+              <a:rPr b="1" dirty="0"/>
               <a:t>Aesthetics with limited perceptive power:</a:t>
             </a:r>
             <a:r>
+              <a:rPr dirty="0"/>
               <a:t> useful within strict limits</a:t>
             </a:r>
           </a:p>
@@ -7071,10 +8429,187 @@
   <p:clrMapOvr>
     <a:masterClrMapping/>
   </p:clrMapOvr>
+  <p:timing>
+    <p:tnLst>
+      <p:par>
+        <p:cTn id="1" dur="indefinite" restart="never" nodeType="tmRoot">
+          <p:childTnLst>
+            <p:seq concurrent="1" nextAc="seek">
+              <p:cTn id="2" dur="indefinite" nodeType="mainSeq">
+                <p:childTnLst>
+                  <p:par>
+                    <p:cTn id="3" fill="hold">
+                      <p:stCondLst>
+                        <p:cond delay="indefinite"/>
+                      </p:stCondLst>
+                      <p:childTnLst>
+                        <p:par>
+                          <p:cTn id="4" fill="hold">
+                            <p:stCondLst>
+                              <p:cond delay="0"/>
+                            </p:stCondLst>
+                            <p:childTnLst>
+                              <p:par>
+                                <p:cTn id="5" presetID="1" presetClass="entr" presetSubtype="0" fill="hold" nodeType="clickEffect">
+                                  <p:stCondLst>
+                                    <p:cond delay="0"/>
+                                  </p:stCondLst>
+                                  <p:childTnLst>
+                                    <p:set>
+                                      <p:cBhvr>
+                                        <p:cTn id="6" dur="1" fill="hold">
+                                          <p:stCondLst>
+                                            <p:cond delay="0"/>
+                                          </p:stCondLst>
+                                        </p:cTn>
+                                        <p:tgtEl>
+                                          <p:spTgt spid="3">
+                                            <p:txEl>
+                                              <p:pRg st="1" end="1"/>
+                                            </p:txEl>
+                                          </p:spTgt>
+                                        </p:tgtEl>
+                                        <p:attrNameLst>
+                                          <p:attrName>style.visibility</p:attrName>
+                                        </p:attrNameLst>
+                                      </p:cBhvr>
+                                      <p:to>
+                                        <p:strVal val="visible"/>
+                                      </p:to>
+                                    </p:set>
+                                  </p:childTnLst>
+                                </p:cTn>
+                              </p:par>
+                            </p:childTnLst>
+                          </p:cTn>
+                        </p:par>
+                      </p:childTnLst>
+                    </p:cTn>
+                  </p:par>
+                  <p:par>
+                    <p:cTn id="7" fill="hold">
+                      <p:stCondLst>
+                        <p:cond delay="indefinite"/>
+                      </p:stCondLst>
+                      <p:childTnLst>
+                        <p:par>
+                          <p:cTn id="8" fill="hold">
+                            <p:stCondLst>
+                              <p:cond delay="0"/>
+                            </p:stCondLst>
+                            <p:childTnLst>
+                              <p:par>
+                                <p:cTn id="9" presetID="1" presetClass="entr" presetSubtype="0" fill="hold" nodeType="clickEffect">
+                                  <p:stCondLst>
+                                    <p:cond delay="0"/>
+                                  </p:stCondLst>
+                                  <p:childTnLst>
+                                    <p:set>
+                                      <p:cBhvr>
+                                        <p:cTn id="10" dur="1" fill="hold">
+                                          <p:stCondLst>
+                                            <p:cond delay="0"/>
+                                          </p:stCondLst>
+                                        </p:cTn>
+                                        <p:tgtEl>
+                                          <p:spTgt spid="3">
+                                            <p:txEl>
+                                              <p:pRg st="2" end="2"/>
+                                            </p:txEl>
+                                          </p:spTgt>
+                                        </p:tgtEl>
+                                        <p:attrNameLst>
+                                          <p:attrName>style.visibility</p:attrName>
+                                        </p:attrNameLst>
+                                      </p:cBhvr>
+                                      <p:to>
+                                        <p:strVal val="visible"/>
+                                      </p:to>
+                                    </p:set>
+                                  </p:childTnLst>
+                                </p:cTn>
+                              </p:par>
+                            </p:childTnLst>
+                          </p:cTn>
+                        </p:par>
+                      </p:childTnLst>
+                    </p:cTn>
+                  </p:par>
+                  <p:par>
+                    <p:cTn id="11" fill="hold">
+                      <p:stCondLst>
+                        <p:cond delay="indefinite"/>
+                      </p:stCondLst>
+                      <p:childTnLst>
+                        <p:par>
+                          <p:cTn id="12" fill="hold">
+                            <p:stCondLst>
+                              <p:cond delay="0"/>
+                            </p:stCondLst>
+                            <p:childTnLst>
+                              <p:par>
+                                <p:cTn id="13" presetID="1" presetClass="entr" presetSubtype="0" fill="hold" nodeType="clickEffect">
+                                  <p:stCondLst>
+                                    <p:cond delay="0"/>
+                                  </p:stCondLst>
+                                  <p:childTnLst>
+                                    <p:set>
+                                      <p:cBhvr>
+                                        <p:cTn id="14" dur="1" fill="hold">
+                                          <p:stCondLst>
+                                            <p:cond delay="0"/>
+                                          </p:stCondLst>
+                                        </p:cTn>
+                                        <p:tgtEl>
+                                          <p:spTgt spid="3">
+                                            <p:txEl>
+                                              <p:pRg st="3" end="3"/>
+                                            </p:txEl>
+                                          </p:spTgt>
+                                        </p:tgtEl>
+                                        <p:attrNameLst>
+                                          <p:attrName>style.visibility</p:attrName>
+                                        </p:attrNameLst>
+                                      </p:cBhvr>
+                                      <p:to>
+                                        <p:strVal val="visible"/>
+                                      </p:to>
+                                    </p:set>
+                                  </p:childTnLst>
+                                </p:cTn>
+                              </p:par>
+                            </p:childTnLst>
+                          </p:cTn>
+                        </p:par>
+                      </p:childTnLst>
+                    </p:cTn>
+                  </p:par>
+                </p:childTnLst>
+              </p:cTn>
+              <p:prevCondLst>
+                <p:cond evt="onPrev" delay="0">
+                  <p:tgtEl>
+                    <p:sldTgt/>
+                  </p:tgtEl>
+                </p:cond>
+              </p:prevCondLst>
+              <p:nextCondLst>
+                <p:cond evt="onNext" delay="0">
+                  <p:tgtEl>
+                    <p:sldTgt/>
+                  </p:tgtEl>
+                </p:cond>
+              </p:nextCondLst>
+            </p:seq>
+          </p:childTnLst>
+        </p:cTn>
+      </p:par>
+    </p:tnLst>
+  </p:timing>
 </p:sld>
 </file>
 
-<file path=ppt/slides/slide27.xml><?xml version="1.0" encoding="utf-8"?>
+<file path=ppt/slides/slide28.xml><?xml version="1.0" encoding="utf-8"?>
 <p:sld xmlns:a="http://schemas.openxmlformats.org/drawingml/2006/main" xmlns:r="http://schemas.openxmlformats.org/officeDocument/2006/relationships" xmlns:p="http://schemas.openxmlformats.org/presentationml/2006/main">
   <p:cSld>
     <p:spTree>
@@ -7881,7 +9416,7 @@
 </p:sld>
 </file>
 
-<file path=ppt/slides/slide28.xml><?xml version="1.0" encoding="utf-8"?>
+<file path=ppt/slides/slide29.xml><?xml version="1.0" encoding="utf-8"?>
 <p:sld xmlns:a="http://schemas.openxmlformats.org/drawingml/2006/main" xmlns:r="http://schemas.openxmlformats.org/officeDocument/2006/relationships" xmlns:p="http://schemas.openxmlformats.org/presentationml/2006/main">
   <p:cSld>
     <p:spTree>
@@ -8103,145 +9638,294 @@
   <p:clrMapOvr>
     <a:masterClrMapping/>
   </p:clrMapOvr>
-</p:sld>
-</file>
-
-<file path=ppt/slides/slide29.xml><?xml version="1.0" encoding="utf-8"?>
-<p:sld xmlns:a="http://schemas.openxmlformats.org/drawingml/2006/main" xmlns:r="http://schemas.openxmlformats.org/officeDocument/2006/relationships" xmlns:p="http://schemas.openxmlformats.org/presentationml/2006/main">
-  <p:cSld>
-    <p:spTree>
-      <p:nvGrpSpPr>
-        <p:cNvPr id="1" name=""/>
-        <p:cNvGrpSpPr/>
-        <p:nvPr/>
-      </p:nvGrpSpPr>
-      <p:grpSpPr>
-        <a:xfrm>
-          <a:off x="0" y="0"/>
-          <a:ext cx="0" cy="0"/>
-          <a:chOff x="0" y="0"/>
-          <a:chExt cx="0" cy="0"/>
-        </a:xfrm>
-      </p:grpSpPr>
-      <p:sp>
-        <p:nvSpPr>
-          <p:cNvPr id="2" name="Title 1"/>
-          <p:cNvSpPr>
-            <a:spLocks noGrp="1"/>
-          </p:cNvSpPr>
-          <p:nvPr>
-            <p:ph type="title"/>
-          </p:nvPr>
-        </p:nvSpPr>
-        <p:spPr/>
-        <p:txBody>
-          <a:bodyPr/>
-          <a:lstStyle/>
-          <a:p>
-            <a:pPr marL="0" lvl="0" indent="0">
-              <a:buNone/>
-            </a:pPr>
-            <a:r>
-              <a:t>Example of Changing Aspect Ratio</a:t>
-            </a:r>
-          </a:p>
-        </p:txBody>
-      </p:sp>
-      <p:sp>
-        <p:nvSpPr>
-          <p:cNvPr id="3" name="Content Placeholder 2"/>
-          <p:cNvSpPr>
-            <a:spLocks noGrp="1"/>
-          </p:cNvSpPr>
-          <p:nvPr>
-            <p:ph idx="1"/>
-          </p:nvPr>
-        </p:nvSpPr>
-        <p:spPr>
-          <a:xfrm>
-            <a:off x="457200" y="1200150"/>
-            <a:ext cx="8229600" cy="3778249"/>
-          </a:xfrm>
-        </p:spPr>
-        <p:txBody>
-          <a:bodyPr>
-            <a:normAutofit/>
-          </a:bodyPr>
-          <a:lstStyle/>
-          <a:p>
-            <a:pPr marL="0" lvl="0" indent="0">
-              <a:buNone/>
-            </a:pPr>
-            <a:r>
-              <a:rPr dirty="0"/>
-              <a:t>Longest</a:t>
-            </a:r>
-            <a:r>
-              <a:rPr lang="en-US" dirty="0"/>
-              <a:t> directly measured</a:t>
-            </a:r>
-            <a:r>
-              <a:rPr dirty="0"/>
-              <a:t> scientific time series</a:t>
-            </a:r>
-            <a:r>
-              <a:rPr lang="en-US" dirty="0"/>
-              <a:t> in existence</a:t>
-            </a:r>
-            <a:r>
-              <a:rPr dirty="0"/>
-              <a:t> is the sunspot count:</a:t>
-            </a:r>
-          </a:p>
-          <a:p>
-            <a:pPr lvl="0" indent="0">
-              <a:buNone/>
-            </a:pPr>
-            <a:r>
-              <a:rPr sz="2000" dirty="0">
-                <a:latin typeface="Courier"/>
-              </a:rPr>
-              <a:t>##      YEAR  SUNACTIVITY
-## 0  1700.0          5.0
-## 1  1701.0         11.0
-## 2  1702.0         16.0
-## 3  1703.0         23.0
-## 4  1704.0         36.0</a:t>
-            </a:r>
-            <a:endParaRPr lang="en-US" sz="2000" dirty="0">
-              <a:latin typeface="Courier"/>
-            </a:endParaRPr>
-          </a:p>
-          <a:p>
-            <a:pPr lvl="0" indent="0">
-              <a:buNone/>
-            </a:pPr>
-            <a:endParaRPr lang="en-US" sz="2000" dirty="0">
-              <a:latin typeface="Courier"/>
-            </a:endParaRPr>
-          </a:p>
-          <a:p>
-            <a:pPr lvl="0" indent="0">
-              <a:buNone/>
-            </a:pPr>
-            <a:r>
-              <a:rPr lang="en-US" sz="1800" dirty="0">
-                <a:solidFill>
-                  <a:schemeClr val="accent2">
-                    <a:lumMod val="75000"/>
-                  </a:schemeClr>
-                </a:solidFill>
-              </a:rPr>
-              <a:t>* Longest directly observed temperature series starts in 1772</a:t>
-            </a:r>
-          </a:p>
-        </p:txBody>
-      </p:sp>
-    </p:spTree>
-  </p:cSld>
-  <p:clrMapOvr>
-    <a:masterClrMapping/>
-  </p:clrMapOvr>
+  <p:timing>
+    <p:tnLst>
+      <p:par>
+        <p:cTn id="1" dur="indefinite" restart="never" nodeType="tmRoot">
+          <p:childTnLst>
+            <p:seq concurrent="1" nextAc="seek">
+              <p:cTn id="2" dur="indefinite" nodeType="mainSeq">
+                <p:childTnLst>
+                  <p:par>
+                    <p:cTn id="3" fill="hold">
+                      <p:stCondLst>
+                        <p:cond delay="indefinite"/>
+                      </p:stCondLst>
+                      <p:childTnLst>
+                        <p:par>
+                          <p:cTn id="4" fill="hold">
+                            <p:stCondLst>
+                              <p:cond delay="0"/>
+                            </p:stCondLst>
+                            <p:childTnLst>
+                              <p:par>
+                                <p:cTn id="5" presetID="1" presetClass="entr" presetSubtype="0" fill="hold" nodeType="clickEffect">
+                                  <p:stCondLst>
+                                    <p:cond delay="0"/>
+                                  </p:stCondLst>
+                                  <p:childTnLst>
+                                    <p:set>
+                                      <p:cBhvr>
+                                        <p:cTn id="6" dur="1" fill="hold">
+                                          <p:stCondLst>
+                                            <p:cond delay="0"/>
+                                          </p:stCondLst>
+                                        </p:cTn>
+                                        <p:tgtEl>
+                                          <p:spTgt spid="3">
+                                            <p:txEl>
+                                              <p:pRg st="1" end="1"/>
+                                            </p:txEl>
+                                          </p:spTgt>
+                                        </p:tgtEl>
+                                        <p:attrNameLst>
+                                          <p:attrName>style.visibility</p:attrName>
+                                        </p:attrNameLst>
+                                      </p:cBhvr>
+                                      <p:to>
+                                        <p:strVal val="visible"/>
+                                      </p:to>
+                                    </p:set>
+                                  </p:childTnLst>
+                                </p:cTn>
+                              </p:par>
+                            </p:childTnLst>
+                          </p:cTn>
+                        </p:par>
+                      </p:childTnLst>
+                    </p:cTn>
+                  </p:par>
+                  <p:par>
+                    <p:cTn id="7" fill="hold">
+                      <p:stCondLst>
+                        <p:cond delay="indefinite"/>
+                      </p:stCondLst>
+                      <p:childTnLst>
+                        <p:par>
+                          <p:cTn id="8" fill="hold">
+                            <p:stCondLst>
+                              <p:cond delay="0"/>
+                            </p:stCondLst>
+                            <p:childTnLst>
+                              <p:par>
+                                <p:cTn id="9" presetID="1" presetClass="entr" presetSubtype="0" fill="hold" nodeType="clickEffect">
+                                  <p:stCondLst>
+                                    <p:cond delay="0"/>
+                                  </p:stCondLst>
+                                  <p:childTnLst>
+                                    <p:set>
+                                      <p:cBhvr>
+                                        <p:cTn id="10" dur="1" fill="hold">
+                                          <p:stCondLst>
+                                            <p:cond delay="0"/>
+                                          </p:stCondLst>
+                                        </p:cTn>
+                                        <p:tgtEl>
+                                          <p:spTgt spid="3">
+                                            <p:txEl>
+                                              <p:pRg st="2" end="2"/>
+                                            </p:txEl>
+                                          </p:spTgt>
+                                        </p:tgtEl>
+                                        <p:attrNameLst>
+                                          <p:attrName>style.visibility</p:attrName>
+                                        </p:attrNameLst>
+                                      </p:cBhvr>
+                                      <p:to>
+                                        <p:strVal val="visible"/>
+                                      </p:to>
+                                    </p:set>
+                                  </p:childTnLst>
+                                </p:cTn>
+                              </p:par>
+                            </p:childTnLst>
+                          </p:cTn>
+                        </p:par>
+                      </p:childTnLst>
+                    </p:cTn>
+                  </p:par>
+                  <p:par>
+                    <p:cTn id="11" fill="hold">
+                      <p:stCondLst>
+                        <p:cond delay="indefinite"/>
+                      </p:stCondLst>
+                      <p:childTnLst>
+                        <p:par>
+                          <p:cTn id="12" fill="hold">
+                            <p:stCondLst>
+                              <p:cond delay="0"/>
+                            </p:stCondLst>
+                            <p:childTnLst>
+                              <p:par>
+                                <p:cTn id="13" presetID="1" presetClass="entr" presetSubtype="0" fill="hold" nodeType="clickEffect">
+                                  <p:stCondLst>
+                                    <p:cond delay="0"/>
+                                  </p:stCondLst>
+                                  <p:childTnLst>
+                                    <p:set>
+                                      <p:cBhvr>
+                                        <p:cTn id="14" dur="1" fill="hold">
+                                          <p:stCondLst>
+                                            <p:cond delay="0"/>
+                                          </p:stCondLst>
+                                        </p:cTn>
+                                        <p:tgtEl>
+                                          <p:spTgt spid="3">
+                                            <p:txEl>
+                                              <p:pRg st="3" end="3"/>
+                                            </p:txEl>
+                                          </p:spTgt>
+                                        </p:tgtEl>
+                                        <p:attrNameLst>
+                                          <p:attrName>style.visibility</p:attrName>
+                                        </p:attrNameLst>
+                                      </p:cBhvr>
+                                      <p:to>
+                                        <p:strVal val="visible"/>
+                                      </p:to>
+                                    </p:set>
+                                  </p:childTnLst>
+                                </p:cTn>
+                              </p:par>
+                            </p:childTnLst>
+                          </p:cTn>
+                        </p:par>
+                      </p:childTnLst>
+                    </p:cTn>
+                  </p:par>
+                  <p:par>
+                    <p:cTn id="15" fill="hold">
+                      <p:stCondLst>
+                        <p:cond delay="indefinite"/>
+                      </p:stCondLst>
+                      <p:childTnLst>
+                        <p:par>
+                          <p:cTn id="16" fill="hold">
+                            <p:stCondLst>
+                              <p:cond delay="0"/>
+                            </p:stCondLst>
+                            <p:childTnLst>
+                              <p:par>
+                                <p:cTn id="17" presetID="1" presetClass="entr" presetSubtype="0" fill="hold" nodeType="clickEffect">
+                                  <p:stCondLst>
+                                    <p:cond delay="0"/>
+                                  </p:stCondLst>
+                                  <p:childTnLst>
+                                    <p:set>
+                                      <p:cBhvr>
+                                        <p:cTn id="18" dur="1" fill="hold">
+                                          <p:stCondLst>
+                                            <p:cond delay="0"/>
+                                          </p:stCondLst>
+                                        </p:cTn>
+                                        <p:tgtEl>
+                                          <p:spTgt spid="3">
+                                            <p:txEl>
+                                              <p:pRg st="4" end="4"/>
+                                            </p:txEl>
+                                          </p:spTgt>
+                                        </p:tgtEl>
+                                        <p:attrNameLst>
+                                          <p:attrName>style.visibility</p:attrName>
+                                        </p:attrNameLst>
+                                      </p:cBhvr>
+                                      <p:to>
+                                        <p:strVal val="visible"/>
+                                      </p:to>
+                                    </p:set>
+                                  </p:childTnLst>
+                                </p:cTn>
+                              </p:par>
+                              <p:par>
+                                <p:cTn id="19" presetID="1" presetClass="entr" presetSubtype="0" fill="hold" nodeType="withEffect">
+                                  <p:stCondLst>
+                                    <p:cond delay="0"/>
+                                  </p:stCondLst>
+                                  <p:childTnLst>
+                                    <p:set>
+                                      <p:cBhvr>
+                                        <p:cTn id="20" dur="1" fill="hold">
+                                          <p:stCondLst>
+                                            <p:cond delay="0"/>
+                                          </p:stCondLst>
+                                        </p:cTn>
+                                        <p:tgtEl>
+                                          <p:spTgt spid="3">
+                                            <p:txEl>
+                                              <p:pRg st="5" end="5"/>
+                                            </p:txEl>
+                                          </p:spTgt>
+                                        </p:tgtEl>
+                                        <p:attrNameLst>
+                                          <p:attrName>style.visibility</p:attrName>
+                                        </p:attrNameLst>
+                                      </p:cBhvr>
+                                      <p:to>
+                                        <p:strVal val="visible"/>
+                                      </p:to>
+                                    </p:set>
+                                  </p:childTnLst>
+                                </p:cTn>
+                              </p:par>
+                              <p:par>
+                                <p:cTn id="21" presetID="1" presetClass="entr" presetSubtype="0" fill="hold" nodeType="withEffect">
+                                  <p:stCondLst>
+                                    <p:cond delay="0"/>
+                                  </p:stCondLst>
+                                  <p:childTnLst>
+                                    <p:set>
+                                      <p:cBhvr>
+                                        <p:cTn id="22" dur="1" fill="hold">
+                                          <p:stCondLst>
+                                            <p:cond delay="0"/>
+                                          </p:stCondLst>
+                                        </p:cTn>
+                                        <p:tgtEl>
+                                          <p:spTgt spid="3">
+                                            <p:txEl>
+                                              <p:pRg st="6" end="6"/>
+                                            </p:txEl>
+                                          </p:spTgt>
+                                        </p:tgtEl>
+                                        <p:attrNameLst>
+                                          <p:attrName>style.visibility</p:attrName>
+                                        </p:attrNameLst>
+                                      </p:cBhvr>
+                                      <p:to>
+                                        <p:strVal val="visible"/>
+                                      </p:to>
+                                    </p:set>
+                                  </p:childTnLst>
+                                </p:cTn>
+                              </p:par>
+                            </p:childTnLst>
+                          </p:cTn>
+                        </p:par>
+                      </p:childTnLst>
+                    </p:cTn>
+                  </p:par>
+                </p:childTnLst>
+              </p:cTn>
+              <p:prevCondLst>
+                <p:cond evt="onPrev" delay="0">
+                  <p:tgtEl>
+                    <p:sldTgt/>
+                  </p:tgtEl>
+                </p:cond>
+              </p:prevCondLst>
+              <p:nextCondLst>
+                <p:cond evt="onNext" delay="0">
+                  <p:tgtEl>
+                    <p:sldTgt/>
+                  </p:tgtEl>
+                </p:cond>
+              </p:nextCondLst>
+            </p:seq>
+          </p:childTnLst>
+        </p:cTn>
+      </p:par>
+    </p:tnLst>
+  </p:timing>
 </p:sld>
 </file>
 
@@ -8414,8 +10098,21 @@
             <a:pPr lvl="1"/>
             <a:r>
               <a:rPr dirty="0"/>
-              <a:t>Inference is becoming harder with large complex data sets</a:t>
-            </a:r>
+              <a:t>Inference is becoming harder </a:t>
+            </a:r>
+            <a:r>
+              <a:rPr lang="en-US" dirty="0"/>
+              <a:t>as </a:t>
+            </a:r>
+            <a:r>
+              <a:rPr dirty="0"/>
+              <a:t>dataset</a:t>
+            </a:r>
+            <a:r>
+              <a:rPr lang="en-US" dirty="0"/>
+              <a:t> complexity increases</a:t>
+            </a:r>
+            <a:endParaRPr dirty="0"/>
           </a:p>
           <a:p>
             <a:pPr lvl="0"/>
@@ -8872,15 +10569,39 @@
             <p:ph type="title"/>
           </p:nvPr>
         </p:nvSpPr>
+        <p:spPr/>
+        <p:txBody>
+          <a:bodyPr/>
+          <a:lstStyle/>
+          <a:p>
+            <a:pPr marL="0" lvl="0" indent="0">
+              <a:buNone/>
+            </a:pPr>
+            <a:r>
+              <a:t>Example of Changing Aspect Ratio</a:t>
+            </a:r>
+          </a:p>
+        </p:txBody>
+      </p:sp>
+      <p:sp>
+        <p:nvSpPr>
+          <p:cNvPr id="3" name="Content Placeholder 2"/>
+          <p:cNvSpPr>
+            <a:spLocks noGrp="1"/>
+          </p:cNvSpPr>
+          <p:nvPr>
+            <p:ph idx="1"/>
+          </p:nvPr>
+        </p:nvSpPr>
         <p:spPr>
           <a:xfrm>
-            <a:off x="457201" y="204787"/>
-            <a:ext cx="4284561" cy="871538"/>
+            <a:off x="457200" y="1200150"/>
+            <a:ext cx="8229600" cy="3778249"/>
           </a:xfrm>
         </p:spPr>
         <p:txBody>
           <a:bodyPr>
-            <a:noAutofit/>
+            <a:normAutofit/>
           </a:bodyPr>
           <a:lstStyle/>
           <a:p>
@@ -8888,102 +10609,70 @@
               <a:buNone/>
             </a:pPr>
             <a:r>
-              <a:rPr sz="3200" b="0" dirty="0"/>
-              <a:t>Example of Changing Aspect Ratio</a:t>
+              <a:rPr dirty="0"/>
+              <a:t>Longest</a:t>
+            </a:r>
+            <a:r>
+              <a:rPr lang="en-US" dirty="0"/>
+              <a:t> directly measured</a:t>
+            </a:r>
+            <a:r>
+              <a:rPr dirty="0"/>
+              <a:t> scientific time series</a:t>
+            </a:r>
+            <a:r>
+              <a:rPr lang="en-US" dirty="0"/>
+              <a:t> in existence</a:t>
+            </a:r>
+            <a:r>
+              <a:rPr dirty="0"/>
+              <a:t> is the sunspot count:</a:t>
+            </a:r>
+          </a:p>
+          <a:p>
+            <a:pPr lvl="0" indent="0">
+              <a:buNone/>
+            </a:pPr>
+            <a:r>
+              <a:rPr sz="2000" dirty="0">
+                <a:latin typeface="Courier"/>
+              </a:rPr>
+              <a:t>##      YEAR  SUNACTIVITY
+## 0  1700.0          5.0
+## 1  1701.0         11.0
+## 2  1702.0         16.0
+## 3  1703.0         23.0
+## 4  1704.0         36.0</a:t>
+            </a:r>
+            <a:endParaRPr lang="en-US" sz="2000" dirty="0">
+              <a:latin typeface="Courier"/>
+            </a:endParaRPr>
+          </a:p>
+          <a:p>
+            <a:pPr lvl="0" indent="0">
+              <a:buNone/>
+            </a:pPr>
+            <a:endParaRPr lang="en-US" sz="2000" dirty="0">
+              <a:latin typeface="Courier"/>
+            </a:endParaRPr>
+          </a:p>
+          <a:p>
+            <a:pPr lvl="0" indent="0">
+              <a:buNone/>
+            </a:pPr>
+            <a:r>
+              <a:rPr lang="en-US" sz="1800" dirty="0">
+                <a:solidFill>
+                  <a:schemeClr val="accent2">
+                    <a:lumMod val="75000"/>
+                  </a:schemeClr>
+                </a:solidFill>
+              </a:rPr>
+              <a:t>* Longest directly observed temperature series starts in 1772</a:t>
             </a:r>
           </a:p>
         </p:txBody>
       </p:sp>
-      <p:sp>
-        <p:nvSpPr>
-          <p:cNvPr id="4" name="Text Placeholder 3"/>
-          <p:cNvSpPr>
-            <a:spLocks noGrp="1"/>
-          </p:cNvSpPr>
-          <p:nvPr>
-            <p:ph type="body" sz="half" idx="2"/>
-          </p:nvPr>
-        </p:nvSpPr>
-        <p:spPr>
-          <a:xfrm>
-            <a:off x="457202" y="1358096"/>
-            <a:ext cx="3381735" cy="3236527"/>
-          </a:xfrm>
-        </p:spPr>
-        <p:txBody>
-          <a:bodyPr>
-            <a:normAutofit lnSpcReduction="10000"/>
-          </a:bodyPr>
-          <a:lstStyle/>
-          <a:p>
-            <a:pPr lvl="0"/>
-            <a:r>
-              <a:rPr sz="2400" dirty="0"/>
-              <a:t>Example uses data from 1700 to 1980</a:t>
-            </a:r>
-          </a:p>
-          <a:p>
-            <a:pPr marL="342900" lvl="0" indent="-342900">
-              <a:buFont typeface="Arial" panose="020B0604020202020204" pitchFamily="34" charset="0"/>
-              <a:buChar char="•"/>
-            </a:pPr>
-            <a:r>
-              <a:rPr lang="en-US" sz="2400" dirty="0"/>
-              <a:t>Aspect ratio is 1:1</a:t>
-            </a:r>
-          </a:p>
-          <a:p>
-            <a:pPr marL="342900" lvl="0" indent="-342900">
-              <a:buFont typeface="Arial" panose="020B0604020202020204" pitchFamily="34" charset="0"/>
-              <a:buChar char="•"/>
-            </a:pPr>
-            <a:r>
-              <a:rPr lang="en-US" sz="2400" dirty="0"/>
-              <a:t>Banking angle is near vertical</a:t>
-            </a:r>
-          </a:p>
-          <a:p>
-            <a:pPr marL="342900" lvl="0" indent="-342900">
-              <a:buFont typeface="Arial" panose="020B0604020202020204" pitchFamily="34" charset="0"/>
-              <a:buChar char="•"/>
-            </a:pPr>
-            <a:r>
-              <a:rPr sz="2400" dirty="0"/>
-              <a:t>Can you perceive the asymmetry in these sunspot cycles?</a:t>
-            </a:r>
-          </a:p>
-        </p:txBody>
-      </p:sp>
-      <p:pic>
-        <p:nvPicPr>
-          <p:cNvPr id="6" name="Picture 5">
-            <a:extLst>
-              <a:ext uri="{FF2B5EF4-FFF2-40B4-BE49-F238E27FC236}">
-                <a16:creationId xmlns:a16="http://schemas.microsoft.com/office/drawing/2014/main" id="{1439BBEC-30B2-A9ED-EDDD-886AF31B182E}"/>
-              </a:ext>
-            </a:extLst>
-          </p:cNvPr>
-          <p:cNvPicPr>
-            <a:picLocks noChangeAspect="1"/>
-          </p:cNvPicPr>
-          <p:nvPr/>
-        </p:nvPicPr>
-        <p:blipFill>
-          <a:blip r:embed="rId2"/>
-          <a:stretch>
-            <a:fillRect/>
-          </a:stretch>
-        </p:blipFill>
-        <p:spPr>
-          <a:xfrm>
-            <a:off x="4118854" y="896556"/>
-            <a:ext cx="4941998" cy="3875106"/>
-          </a:xfrm>
-          <a:prstGeom prst="rect">
-            <a:avLst/>
-          </a:prstGeom>
-        </p:spPr>
-      </p:pic>
     </p:spTree>
   </p:cSld>
   <p:clrMapOvr>
@@ -9022,6 +10711,357 @@
         <p:spPr>
           <a:xfrm>
             <a:off x="457201" y="204787"/>
+            <a:ext cx="4284561" cy="871538"/>
+          </a:xfrm>
+        </p:spPr>
+        <p:txBody>
+          <a:bodyPr>
+            <a:noAutofit/>
+          </a:bodyPr>
+          <a:lstStyle/>
+          <a:p>
+            <a:pPr marL="0" lvl="0" indent="0">
+              <a:buNone/>
+            </a:pPr>
+            <a:r>
+              <a:rPr sz="3200" b="0" dirty="0"/>
+              <a:t>Example of Changing Aspect Ratio</a:t>
+            </a:r>
+          </a:p>
+        </p:txBody>
+      </p:sp>
+      <p:sp>
+        <p:nvSpPr>
+          <p:cNvPr id="4" name="Text Placeholder 3"/>
+          <p:cNvSpPr>
+            <a:spLocks noGrp="1"/>
+          </p:cNvSpPr>
+          <p:nvPr>
+            <p:ph type="body" sz="half" idx="2"/>
+          </p:nvPr>
+        </p:nvSpPr>
+        <p:spPr>
+          <a:xfrm>
+            <a:off x="457202" y="1358096"/>
+            <a:ext cx="3381735" cy="3236527"/>
+          </a:xfrm>
+        </p:spPr>
+        <p:txBody>
+          <a:bodyPr>
+            <a:normAutofit lnSpcReduction="10000"/>
+          </a:bodyPr>
+          <a:lstStyle/>
+          <a:p>
+            <a:pPr lvl="0"/>
+            <a:r>
+              <a:rPr sz="2400" dirty="0"/>
+              <a:t>Example uses data from 1700 to 1980</a:t>
+            </a:r>
+          </a:p>
+          <a:p>
+            <a:pPr marL="342900" lvl="0" indent="-342900">
+              <a:buFont typeface="Arial" panose="020B0604020202020204" pitchFamily="34" charset="0"/>
+              <a:buChar char="•"/>
+            </a:pPr>
+            <a:r>
+              <a:rPr lang="en-US" sz="2400" dirty="0"/>
+              <a:t>Aspect ratio is 1:1</a:t>
+            </a:r>
+          </a:p>
+          <a:p>
+            <a:pPr marL="342900" lvl="0" indent="-342900">
+              <a:buFont typeface="Arial" panose="020B0604020202020204" pitchFamily="34" charset="0"/>
+              <a:buChar char="•"/>
+            </a:pPr>
+            <a:r>
+              <a:rPr lang="en-US" sz="2400" dirty="0"/>
+              <a:t>Banking angle is near vertical</a:t>
+            </a:r>
+          </a:p>
+          <a:p>
+            <a:pPr marL="342900" lvl="0" indent="-342900">
+              <a:buFont typeface="Arial" panose="020B0604020202020204" pitchFamily="34" charset="0"/>
+              <a:buChar char="•"/>
+            </a:pPr>
+            <a:r>
+              <a:rPr sz="2400" dirty="0"/>
+              <a:t>Can you perceive the asymmetry in these sunspot cycles?</a:t>
+            </a:r>
+          </a:p>
+        </p:txBody>
+      </p:sp>
+      <p:pic>
+        <p:nvPicPr>
+          <p:cNvPr id="6" name="Picture 5">
+            <a:extLst>
+              <a:ext uri="{FF2B5EF4-FFF2-40B4-BE49-F238E27FC236}">
+                <a16:creationId xmlns:a16="http://schemas.microsoft.com/office/drawing/2014/main" id="{1439BBEC-30B2-A9ED-EDDD-886AF31B182E}"/>
+              </a:ext>
+            </a:extLst>
+          </p:cNvPr>
+          <p:cNvPicPr>
+            <a:picLocks noChangeAspect="1"/>
+          </p:cNvPicPr>
+          <p:nvPr/>
+        </p:nvPicPr>
+        <p:blipFill>
+          <a:blip r:embed="rId2"/>
+          <a:stretch>
+            <a:fillRect/>
+          </a:stretch>
+        </p:blipFill>
+        <p:spPr>
+          <a:xfrm>
+            <a:off x="4118854" y="896556"/>
+            <a:ext cx="4941998" cy="3875106"/>
+          </a:xfrm>
+          <a:prstGeom prst="rect">
+            <a:avLst/>
+          </a:prstGeom>
+        </p:spPr>
+      </p:pic>
+    </p:spTree>
+  </p:cSld>
+  <p:clrMapOvr>
+    <a:masterClrMapping/>
+  </p:clrMapOvr>
+  <p:timing>
+    <p:tnLst>
+      <p:par>
+        <p:cTn id="1" dur="indefinite" restart="never" nodeType="tmRoot">
+          <p:childTnLst>
+            <p:seq concurrent="1" nextAc="seek">
+              <p:cTn id="2" dur="indefinite" nodeType="mainSeq">
+                <p:childTnLst>
+                  <p:par>
+                    <p:cTn id="3" fill="hold">
+                      <p:stCondLst>
+                        <p:cond delay="indefinite"/>
+                      </p:stCondLst>
+                      <p:childTnLst>
+                        <p:par>
+                          <p:cTn id="4" fill="hold">
+                            <p:stCondLst>
+                              <p:cond delay="0"/>
+                            </p:stCondLst>
+                            <p:childTnLst>
+                              <p:par>
+                                <p:cTn id="5" presetID="1" presetClass="entr" presetSubtype="0" fill="hold" nodeType="clickEffect">
+                                  <p:stCondLst>
+                                    <p:cond delay="0"/>
+                                  </p:stCondLst>
+                                  <p:childTnLst>
+                                    <p:set>
+                                      <p:cBhvr>
+                                        <p:cTn id="6" dur="1" fill="hold">
+                                          <p:stCondLst>
+                                            <p:cond delay="0"/>
+                                          </p:stCondLst>
+                                        </p:cTn>
+                                        <p:tgtEl>
+                                          <p:spTgt spid="4">
+                                            <p:txEl>
+                                              <p:pRg st="1" end="1"/>
+                                            </p:txEl>
+                                          </p:spTgt>
+                                        </p:tgtEl>
+                                        <p:attrNameLst>
+                                          <p:attrName>style.visibility</p:attrName>
+                                        </p:attrNameLst>
+                                      </p:cBhvr>
+                                      <p:to>
+                                        <p:strVal val="visible"/>
+                                      </p:to>
+                                    </p:set>
+                                  </p:childTnLst>
+                                </p:cTn>
+                              </p:par>
+                              <p:par>
+                                <p:cTn id="7" presetID="1" presetClass="entr" presetSubtype="0" fill="hold" nodeType="withEffect">
+                                  <p:stCondLst>
+                                    <p:cond delay="0"/>
+                                  </p:stCondLst>
+                                  <p:childTnLst>
+                                    <p:set>
+                                      <p:cBhvr>
+                                        <p:cTn id="8" dur="1" fill="hold">
+                                          <p:stCondLst>
+                                            <p:cond delay="0"/>
+                                          </p:stCondLst>
+                                        </p:cTn>
+                                        <p:tgtEl>
+                                          <p:spTgt spid="6"/>
+                                        </p:tgtEl>
+                                        <p:attrNameLst>
+                                          <p:attrName>style.visibility</p:attrName>
+                                        </p:attrNameLst>
+                                      </p:cBhvr>
+                                      <p:to>
+                                        <p:strVal val="visible"/>
+                                      </p:to>
+                                    </p:set>
+                                  </p:childTnLst>
+                                </p:cTn>
+                              </p:par>
+                            </p:childTnLst>
+                          </p:cTn>
+                        </p:par>
+                      </p:childTnLst>
+                    </p:cTn>
+                  </p:par>
+                  <p:par>
+                    <p:cTn id="9" fill="hold">
+                      <p:stCondLst>
+                        <p:cond delay="indefinite"/>
+                      </p:stCondLst>
+                      <p:childTnLst>
+                        <p:par>
+                          <p:cTn id="10" fill="hold">
+                            <p:stCondLst>
+                              <p:cond delay="0"/>
+                            </p:stCondLst>
+                            <p:childTnLst>
+                              <p:par>
+                                <p:cTn id="11" presetID="1" presetClass="entr" presetSubtype="0" fill="hold" nodeType="clickEffect">
+                                  <p:stCondLst>
+                                    <p:cond delay="0"/>
+                                  </p:stCondLst>
+                                  <p:childTnLst>
+                                    <p:set>
+                                      <p:cBhvr>
+                                        <p:cTn id="12" dur="1" fill="hold">
+                                          <p:stCondLst>
+                                            <p:cond delay="0"/>
+                                          </p:stCondLst>
+                                        </p:cTn>
+                                        <p:tgtEl>
+                                          <p:spTgt spid="4">
+                                            <p:txEl>
+                                              <p:pRg st="2" end="2"/>
+                                            </p:txEl>
+                                          </p:spTgt>
+                                        </p:tgtEl>
+                                        <p:attrNameLst>
+                                          <p:attrName>style.visibility</p:attrName>
+                                        </p:attrNameLst>
+                                      </p:cBhvr>
+                                      <p:to>
+                                        <p:strVal val="visible"/>
+                                      </p:to>
+                                    </p:set>
+                                  </p:childTnLst>
+                                </p:cTn>
+                              </p:par>
+                            </p:childTnLst>
+                          </p:cTn>
+                        </p:par>
+                      </p:childTnLst>
+                    </p:cTn>
+                  </p:par>
+                  <p:par>
+                    <p:cTn id="13" fill="hold">
+                      <p:stCondLst>
+                        <p:cond delay="indefinite"/>
+                      </p:stCondLst>
+                      <p:childTnLst>
+                        <p:par>
+                          <p:cTn id="14" fill="hold">
+                            <p:stCondLst>
+                              <p:cond delay="0"/>
+                            </p:stCondLst>
+                            <p:childTnLst>
+                              <p:par>
+                                <p:cTn id="15" presetID="1" presetClass="entr" presetSubtype="0" fill="hold" nodeType="clickEffect">
+                                  <p:stCondLst>
+                                    <p:cond delay="0"/>
+                                  </p:stCondLst>
+                                  <p:childTnLst>
+                                    <p:set>
+                                      <p:cBhvr>
+                                        <p:cTn id="16" dur="1" fill="hold">
+                                          <p:stCondLst>
+                                            <p:cond delay="0"/>
+                                          </p:stCondLst>
+                                        </p:cTn>
+                                        <p:tgtEl>
+                                          <p:spTgt spid="4">
+                                            <p:txEl>
+                                              <p:pRg st="3" end="3"/>
+                                            </p:txEl>
+                                          </p:spTgt>
+                                        </p:tgtEl>
+                                        <p:attrNameLst>
+                                          <p:attrName>style.visibility</p:attrName>
+                                        </p:attrNameLst>
+                                      </p:cBhvr>
+                                      <p:to>
+                                        <p:strVal val="visible"/>
+                                      </p:to>
+                                    </p:set>
+                                  </p:childTnLst>
+                                </p:cTn>
+                              </p:par>
+                            </p:childTnLst>
+                          </p:cTn>
+                        </p:par>
+                      </p:childTnLst>
+                    </p:cTn>
+                  </p:par>
+                </p:childTnLst>
+              </p:cTn>
+              <p:prevCondLst>
+                <p:cond evt="onPrev" delay="0">
+                  <p:tgtEl>
+                    <p:sldTgt/>
+                  </p:tgtEl>
+                </p:cond>
+              </p:prevCondLst>
+              <p:nextCondLst>
+                <p:cond evt="onNext" delay="0">
+                  <p:tgtEl>
+                    <p:sldTgt/>
+                  </p:tgtEl>
+                </p:cond>
+              </p:nextCondLst>
+            </p:seq>
+          </p:childTnLst>
+        </p:cTn>
+      </p:par>
+    </p:tnLst>
+  </p:timing>
+</p:sld>
+</file>
+
+<file path=ppt/slides/slide32.xml><?xml version="1.0" encoding="utf-8"?>
+<p:sld xmlns:a="http://schemas.openxmlformats.org/drawingml/2006/main" xmlns:r="http://schemas.openxmlformats.org/officeDocument/2006/relationships" xmlns:p="http://schemas.openxmlformats.org/presentationml/2006/main">
+  <p:cSld>
+    <p:spTree>
+      <p:nvGrpSpPr>
+        <p:cNvPr id="1" name=""/>
+        <p:cNvGrpSpPr/>
+        <p:nvPr/>
+      </p:nvGrpSpPr>
+      <p:grpSpPr>
+        <a:xfrm>
+          <a:off x="0" y="0"/>
+          <a:ext cx="0" cy="0"/>
+          <a:chOff x="0" y="0"/>
+          <a:chExt cx="0" cy="0"/>
+        </a:xfrm>
+      </p:grpSpPr>
+      <p:sp>
+        <p:nvSpPr>
+          <p:cNvPr id="2" name="Title 1"/>
+          <p:cNvSpPr>
+            <a:spLocks noGrp="1"/>
+          </p:cNvSpPr>
+          <p:nvPr>
+            <p:ph type="title"/>
+          </p:nvPr>
+        </p:nvSpPr>
+        <p:spPr>
+          <a:xfrm>
+            <a:off x="457201" y="204787"/>
             <a:ext cx="7880429" cy="871538"/>
           </a:xfrm>
         </p:spPr>
@@ -9139,10 +11179,214 @@
   <p:clrMapOvr>
     <a:masterClrMapping/>
   </p:clrMapOvr>
+  <p:timing>
+    <p:tnLst>
+      <p:par>
+        <p:cTn id="1" dur="indefinite" restart="never" nodeType="tmRoot">
+          <p:childTnLst>
+            <p:seq concurrent="1" nextAc="seek">
+              <p:cTn id="2" dur="indefinite" nodeType="mainSeq">
+                <p:childTnLst>
+                  <p:par>
+                    <p:cTn id="3" fill="hold">
+                      <p:stCondLst>
+                        <p:cond delay="indefinite"/>
+                      </p:stCondLst>
+                      <p:childTnLst>
+                        <p:par>
+                          <p:cTn id="4" fill="hold">
+                            <p:stCondLst>
+                              <p:cond delay="0"/>
+                            </p:stCondLst>
+                            <p:childTnLst>
+                              <p:par>
+                                <p:cTn id="5" presetID="1" presetClass="entr" presetSubtype="0" fill="hold" nodeType="clickEffect">
+                                  <p:stCondLst>
+                                    <p:cond delay="0"/>
+                                  </p:stCondLst>
+                                  <p:childTnLst>
+                                    <p:set>
+                                      <p:cBhvr>
+                                        <p:cTn id="6" dur="1" fill="hold">
+                                          <p:stCondLst>
+                                            <p:cond delay="0"/>
+                                          </p:stCondLst>
+                                        </p:cTn>
+                                        <p:tgtEl>
+                                          <p:spTgt spid="4">
+                                            <p:txEl>
+                                              <p:pRg st="1" end="1"/>
+                                            </p:txEl>
+                                          </p:spTgt>
+                                        </p:tgtEl>
+                                        <p:attrNameLst>
+                                          <p:attrName>style.visibility</p:attrName>
+                                        </p:attrNameLst>
+                                      </p:cBhvr>
+                                      <p:to>
+                                        <p:strVal val="visible"/>
+                                      </p:to>
+                                    </p:set>
+                                  </p:childTnLst>
+                                </p:cTn>
+                              </p:par>
+                              <p:par>
+                                <p:cTn id="7" presetID="1" presetClass="entr" presetSubtype="0" fill="hold" nodeType="withEffect">
+                                  <p:stCondLst>
+                                    <p:cond delay="0"/>
+                                  </p:stCondLst>
+                                  <p:childTnLst>
+                                    <p:set>
+                                      <p:cBhvr>
+                                        <p:cTn id="8" dur="1" fill="hold">
+                                          <p:stCondLst>
+                                            <p:cond delay="0"/>
+                                          </p:stCondLst>
+                                        </p:cTn>
+                                        <p:tgtEl>
+                                          <p:spTgt spid="6"/>
+                                        </p:tgtEl>
+                                        <p:attrNameLst>
+                                          <p:attrName>style.visibility</p:attrName>
+                                        </p:attrNameLst>
+                                      </p:cBhvr>
+                                      <p:to>
+                                        <p:strVal val="visible"/>
+                                      </p:to>
+                                    </p:set>
+                                  </p:childTnLst>
+                                </p:cTn>
+                              </p:par>
+                            </p:childTnLst>
+                          </p:cTn>
+                        </p:par>
+                      </p:childTnLst>
+                    </p:cTn>
+                  </p:par>
+                  <p:par>
+                    <p:cTn id="9" fill="hold">
+                      <p:stCondLst>
+                        <p:cond delay="indefinite"/>
+                      </p:stCondLst>
+                      <p:childTnLst>
+                        <p:par>
+                          <p:cTn id="10" fill="hold">
+                            <p:stCondLst>
+                              <p:cond delay="0"/>
+                            </p:stCondLst>
+                            <p:childTnLst>
+                              <p:par>
+                                <p:cTn id="11" presetID="1" presetClass="entr" presetSubtype="0" fill="hold" nodeType="clickEffect">
+                                  <p:stCondLst>
+                                    <p:cond delay="0"/>
+                                  </p:stCondLst>
+                                  <p:childTnLst>
+                                    <p:set>
+                                      <p:cBhvr>
+                                        <p:cTn id="12" dur="1" fill="hold">
+                                          <p:stCondLst>
+                                            <p:cond delay="0"/>
+                                          </p:stCondLst>
+                                        </p:cTn>
+                                        <p:tgtEl>
+                                          <p:spTgt spid="4">
+                                            <p:txEl>
+                                              <p:pRg st="2" end="2"/>
+                                            </p:txEl>
+                                          </p:spTgt>
+                                        </p:tgtEl>
+                                        <p:attrNameLst>
+                                          <p:attrName>style.visibility</p:attrName>
+                                        </p:attrNameLst>
+                                      </p:cBhvr>
+                                      <p:to>
+                                        <p:strVal val="visible"/>
+                                      </p:to>
+                                    </p:set>
+                                  </p:childTnLst>
+                                </p:cTn>
+                              </p:par>
+                            </p:childTnLst>
+                          </p:cTn>
+                        </p:par>
+                      </p:childTnLst>
+                    </p:cTn>
+                  </p:par>
+                  <p:par>
+                    <p:cTn id="13" fill="hold">
+                      <p:stCondLst>
+                        <p:cond delay="indefinite"/>
+                      </p:stCondLst>
+                      <p:childTnLst>
+                        <p:par>
+                          <p:cTn id="14" fill="hold">
+                            <p:stCondLst>
+                              <p:cond delay="0"/>
+                            </p:stCondLst>
+                            <p:childTnLst>
+                              <p:par>
+                                <p:cTn id="15" presetID="1" presetClass="entr" presetSubtype="0" fill="hold" nodeType="clickEffect">
+                                  <p:stCondLst>
+                                    <p:cond delay="0"/>
+                                  </p:stCondLst>
+                                  <p:childTnLst>
+                                    <p:set>
+                                      <p:cBhvr>
+                                        <p:cTn id="16" dur="1" fill="hold">
+                                          <p:stCondLst>
+                                            <p:cond delay="0"/>
+                                          </p:stCondLst>
+                                        </p:cTn>
+                                        <p:tgtEl>
+                                          <p:spTgt spid="4">
+                                            <p:txEl>
+                                              <p:pRg st="3" end="3"/>
+                                            </p:txEl>
+                                          </p:spTgt>
+                                        </p:tgtEl>
+                                        <p:attrNameLst>
+                                          <p:attrName>style.visibility</p:attrName>
+                                        </p:attrNameLst>
+                                      </p:cBhvr>
+                                      <p:to>
+                                        <p:strVal val="visible"/>
+                                      </p:to>
+                                    </p:set>
+                                  </p:childTnLst>
+                                </p:cTn>
+                              </p:par>
+                            </p:childTnLst>
+                          </p:cTn>
+                        </p:par>
+                      </p:childTnLst>
+                    </p:cTn>
+                  </p:par>
+                </p:childTnLst>
+              </p:cTn>
+              <p:prevCondLst>
+                <p:cond evt="onPrev" delay="0">
+                  <p:tgtEl>
+                    <p:sldTgt/>
+                  </p:tgtEl>
+                </p:cond>
+              </p:prevCondLst>
+              <p:nextCondLst>
+                <p:cond evt="onNext" delay="0">
+                  <p:tgtEl>
+                    <p:sldTgt/>
+                  </p:tgtEl>
+                </p:cond>
+              </p:nextCondLst>
+            </p:seq>
+          </p:childTnLst>
+        </p:cTn>
+      </p:par>
+    </p:tnLst>
+  </p:timing>
 </p:sld>
 </file>
 
-<file path=ppt/slides/slide32.xml><?xml version="1.0" encoding="utf-8"?>
+<file path=ppt/slides/slide33.xml><?xml version="1.0" encoding="utf-8"?>
 <p:sld xmlns:a="http://schemas.openxmlformats.org/drawingml/2006/main" xmlns:r="http://schemas.openxmlformats.org/officeDocument/2006/relationships" xmlns:p="http://schemas.openxmlformats.org/presentationml/2006/main">
   <p:cSld>
     <p:spTree>
@@ -9334,10 +11578,347 @@
   <p:clrMapOvr>
     <a:masterClrMapping/>
   </p:clrMapOvr>
+  <p:timing>
+    <p:tnLst>
+      <p:par>
+        <p:cTn id="1" dur="indefinite" restart="never" nodeType="tmRoot">
+          <p:childTnLst>
+            <p:seq concurrent="1" nextAc="seek">
+              <p:cTn id="2" dur="indefinite" nodeType="mainSeq">
+                <p:childTnLst>
+                  <p:par>
+                    <p:cTn id="3" fill="hold">
+                      <p:stCondLst>
+                        <p:cond delay="indefinite"/>
+                      </p:stCondLst>
+                      <p:childTnLst>
+                        <p:par>
+                          <p:cTn id="4" fill="hold">
+                            <p:stCondLst>
+                              <p:cond delay="0"/>
+                            </p:stCondLst>
+                            <p:childTnLst>
+                              <p:par>
+                                <p:cTn id="5" presetID="1" presetClass="entr" presetSubtype="0" fill="hold" nodeType="clickEffect">
+                                  <p:stCondLst>
+                                    <p:cond delay="0"/>
+                                  </p:stCondLst>
+                                  <p:childTnLst>
+                                    <p:set>
+                                      <p:cBhvr>
+                                        <p:cTn id="6" dur="1" fill="hold">
+                                          <p:stCondLst>
+                                            <p:cond delay="0"/>
+                                          </p:stCondLst>
+                                        </p:cTn>
+                                        <p:tgtEl>
+                                          <p:spTgt spid="3">
+                                            <p:txEl>
+                                              <p:pRg st="1" end="1"/>
+                                            </p:txEl>
+                                          </p:spTgt>
+                                        </p:tgtEl>
+                                        <p:attrNameLst>
+                                          <p:attrName>style.visibility</p:attrName>
+                                        </p:attrNameLst>
+                                      </p:cBhvr>
+                                      <p:to>
+                                        <p:strVal val="visible"/>
+                                      </p:to>
+                                    </p:set>
+                                  </p:childTnLst>
+                                </p:cTn>
+                              </p:par>
+                            </p:childTnLst>
+                          </p:cTn>
+                        </p:par>
+                      </p:childTnLst>
+                    </p:cTn>
+                  </p:par>
+                  <p:par>
+                    <p:cTn id="7" fill="hold">
+                      <p:stCondLst>
+                        <p:cond delay="indefinite"/>
+                      </p:stCondLst>
+                      <p:childTnLst>
+                        <p:par>
+                          <p:cTn id="8" fill="hold">
+                            <p:stCondLst>
+                              <p:cond delay="0"/>
+                            </p:stCondLst>
+                            <p:childTnLst>
+                              <p:par>
+                                <p:cTn id="9" presetID="1" presetClass="entr" presetSubtype="0" fill="hold" nodeType="clickEffect">
+                                  <p:stCondLst>
+                                    <p:cond delay="0"/>
+                                  </p:stCondLst>
+                                  <p:childTnLst>
+                                    <p:set>
+                                      <p:cBhvr>
+                                        <p:cTn id="10" dur="1" fill="hold">
+                                          <p:stCondLst>
+                                            <p:cond delay="0"/>
+                                          </p:stCondLst>
+                                        </p:cTn>
+                                        <p:tgtEl>
+                                          <p:spTgt spid="3">
+                                            <p:txEl>
+                                              <p:pRg st="2" end="2"/>
+                                            </p:txEl>
+                                          </p:spTgt>
+                                        </p:tgtEl>
+                                        <p:attrNameLst>
+                                          <p:attrName>style.visibility</p:attrName>
+                                        </p:attrNameLst>
+                                      </p:cBhvr>
+                                      <p:to>
+                                        <p:strVal val="visible"/>
+                                      </p:to>
+                                    </p:set>
+                                  </p:childTnLst>
+                                </p:cTn>
+                              </p:par>
+                            </p:childTnLst>
+                          </p:cTn>
+                        </p:par>
+                      </p:childTnLst>
+                    </p:cTn>
+                  </p:par>
+                  <p:par>
+                    <p:cTn id="11" fill="hold">
+                      <p:stCondLst>
+                        <p:cond delay="indefinite"/>
+                      </p:stCondLst>
+                      <p:childTnLst>
+                        <p:par>
+                          <p:cTn id="12" fill="hold">
+                            <p:stCondLst>
+                              <p:cond delay="0"/>
+                            </p:stCondLst>
+                            <p:childTnLst>
+                              <p:par>
+                                <p:cTn id="13" presetID="1" presetClass="entr" presetSubtype="0" fill="hold" nodeType="clickEffect">
+                                  <p:stCondLst>
+                                    <p:cond delay="0"/>
+                                  </p:stCondLst>
+                                  <p:childTnLst>
+                                    <p:set>
+                                      <p:cBhvr>
+                                        <p:cTn id="14" dur="1" fill="hold">
+                                          <p:stCondLst>
+                                            <p:cond delay="0"/>
+                                          </p:stCondLst>
+                                        </p:cTn>
+                                        <p:tgtEl>
+                                          <p:spTgt spid="3">
+                                            <p:txEl>
+                                              <p:pRg st="3" end="3"/>
+                                            </p:txEl>
+                                          </p:spTgt>
+                                        </p:tgtEl>
+                                        <p:attrNameLst>
+                                          <p:attrName>style.visibility</p:attrName>
+                                        </p:attrNameLst>
+                                      </p:cBhvr>
+                                      <p:to>
+                                        <p:strVal val="visible"/>
+                                      </p:to>
+                                    </p:set>
+                                  </p:childTnLst>
+                                </p:cTn>
+                              </p:par>
+                              <p:par>
+                                <p:cTn id="15" presetID="1" presetClass="entr" presetSubtype="0" fill="hold" nodeType="withEffect">
+                                  <p:stCondLst>
+                                    <p:cond delay="0"/>
+                                  </p:stCondLst>
+                                  <p:childTnLst>
+                                    <p:set>
+                                      <p:cBhvr>
+                                        <p:cTn id="16" dur="1" fill="hold">
+                                          <p:stCondLst>
+                                            <p:cond delay="0"/>
+                                          </p:stCondLst>
+                                        </p:cTn>
+                                        <p:tgtEl>
+                                          <p:spTgt spid="3">
+                                            <p:txEl>
+                                              <p:pRg st="4" end="4"/>
+                                            </p:txEl>
+                                          </p:spTgt>
+                                        </p:tgtEl>
+                                        <p:attrNameLst>
+                                          <p:attrName>style.visibility</p:attrName>
+                                        </p:attrNameLst>
+                                      </p:cBhvr>
+                                      <p:to>
+                                        <p:strVal val="visible"/>
+                                      </p:to>
+                                    </p:set>
+                                  </p:childTnLst>
+                                </p:cTn>
+                              </p:par>
+                              <p:par>
+                                <p:cTn id="17" presetID="1" presetClass="entr" presetSubtype="0" fill="hold" nodeType="withEffect">
+                                  <p:stCondLst>
+                                    <p:cond delay="0"/>
+                                  </p:stCondLst>
+                                  <p:childTnLst>
+                                    <p:set>
+                                      <p:cBhvr>
+                                        <p:cTn id="18" dur="1" fill="hold">
+                                          <p:stCondLst>
+                                            <p:cond delay="0"/>
+                                          </p:stCondLst>
+                                        </p:cTn>
+                                        <p:tgtEl>
+                                          <p:spTgt spid="3">
+                                            <p:txEl>
+                                              <p:pRg st="5" end="5"/>
+                                            </p:txEl>
+                                          </p:spTgt>
+                                        </p:tgtEl>
+                                        <p:attrNameLst>
+                                          <p:attrName>style.visibility</p:attrName>
+                                        </p:attrNameLst>
+                                      </p:cBhvr>
+                                      <p:to>
+                                        <p:strVal val="visible"/>
+                                      </p:to>
+                                    </p:set>
+                                  </p:childTnLst>
+                                </p:cTn>
+                              </p:par>
+                            </p:childTnLst>
+                          </p:cTn>
+                        </p:par>
+                      </p:childTnLst>
+                    </p:cTn>
+                  </p:par>
+                  <p:par>
+                    <p:cTn id="19" fill="hold">
+                      <p:stCondLst>
+                        <p:cond delay="indefinite"/>
+                      </p:stCondLst>
+                      <p:childTnLst>
+                        <p:par>
+                          <p:cTn id="20" fill="hold">
+                            <p:stCondLst>
+                              <p:cond delay="0"/>
+                            </p:stCondLst>
+                            <p:childTnLst>
+                              <p:par>
+                                <p:cTn id="21" presetID="1" presetClass="entr" presetSubtype="0" fill="hold" nodeType="clickEffect">
+                                  <p:stCondLst>
+                                    <p:cond delay="0"/>
+                                  </p:stCondLst>
+                                  <p:childTnLst>
+                                    <p:set>
+                                      <p:cBhvr>
+                                        <p:cTn id="22" dur="1" fill="hold">
+                                          <p:stCondLst>
+                                            <p:cond delay="0"/>
+                                          </p:stCondLst>
+                                        </p:cTn>
+                                        <p:tgtEl>
+                                          <p:spTgt spid="3">
+                                            <p:txEl>
+                                              <p:pRg st="6" end="6"/>
+                                            </p:txEl>
+                                          </p:spTgt>
+                                        </p:tgtEl>
+                                        <p:attrNameLst>
+                                          <p:attrName>style.visibility</p:attrName>
+                                        </p:attrNameLst>
+                                      </p:cBhvr>
+                                      <p:to>
+                                        <p:strVal val="visible"/>
+                                      </p:to>
+                                    </p:set>
+                                  </p:childTnLst>
+                                </p:cTn>
+                              </p:par>
+                            </p:childTnLst>
+                          </p:cTn>
+                        </p:par>
+                      </p:childTnLst>
+                    </p:cTn>
+                  </p:par>
+                  <p:par>
+                    <p:cTn id="23" fill="hold">
+                      <p:stCondLst>
+                        <p:cond delay="indefinite"/>
+                      </p:stCondLst>
+                      <p:childTnLst>
+                        <p:par>
+                          <p:cTn id="24" fill="hold">
+                            <p:stCondLst>
+                              <p:cond delay="0"/>
+                            </p:stCondLst>
+                            <p:childTnLst>
+                              <p:par>
+                                <p:cTn id="25" presetID="1" presetClass="entr" presetSubtype="0" fill="hold" nodeType="clickEffect">
+                                  <p:stCondLst>
+                                    <p:cond delay="0"/>
+                                  </p:stCondLst>
+                                  <p:childTnLst>
+                                    <p:set>
+                                      <p:cBhvr>
+                                        <p:cTn id="26" dur="1" fill="hold">
+                                          <p:stCondLst>
+                                            <p:cond delay="0"/>
+                                          </p:stCondLst>
+                                        </p:cTn>
+                                        <p:tgtEl>
+                                          <p:spTgt spid="3">
+                                            <p:txEl>
+                                              <p:pRg st="7" end="7"/>
+                                            </p:txEl>
+                                          </p:spTgt>
+                                        </p:tgtEl>
+                                        <p:attrNameLst>
+                                          <p:attrName>style.visibility</p:attrName>
+                                        </p:attrNameLst>
+                                      </p:cBhvr>
+                                      <p:to>
+                                        <p:strVal val="visible"/>
+                                      </p:to>
+                                    </p:set>
+                                  </p:childTnLst>
+                                </p:cTn>
+                              </p:par>
+                            </p:childTnLst>
+                          </p:cTn>
+                        </p:par>
+                      </p:childTnLst>
+                    </p:cTn>
+                  </p:par>
+                </p:childTnLst>
+              </p:cTn>
+              <p:prevCondLst>
+                <p:cond evt="onPrev" delay="0">
+                  <p:tgtEl>
+                    <p:sldTgt/>
+                  </p:tgtEl>
+                </p:cond>
+              </p:prevCondLst>
+              <p:nextCondLst>
+                <p:cond evt="onNext" delay="0">
+                  <p:tgtEl>
+                    <p:sldTgt/>
+                  </p:tgtEl>
+                </p:cond>
+              </p:nextCondLst>
+            </p:seq>
+          </p:childTnLst>
+        </p:cTn>
+      </p:par>
+    </p:tnLst>
+  </p:timing>
 </p:sld>
 </file>
 
-<file path=ppt/slides/slide33.xml><?xml version="1.0" encoding="utf-8"?>
+<file path=ppt/slides/slide34.xml><?xml version="1.0" encoding="utf-8"?>
 <p:sld xmlns:a="http://schemas.openxmlformats.org/drawingml/2006/main" xmlns:r="http://schemas.openxmlformats.org/officeDocument/2006/relationships" xmlns:p="http://schemas.openxmlformats.org/presentationml/2006/main">
   <p:cSld>
     <p:spTree>
@@ -9618,10 +12199,214 @@
   <p:clrMapOvr>
     <a:masterClrMapping/>
   </p:clrMapOvr>
+  <p:timing>
+    <p:tnLst>
+      <p:par>
+        <p:cTn id="1" dur="indefinite" restart="never" nodeType="tmRoot">
+          <p:childTnLst>
+            <p:seq concurrent="1" nextAc="seek">
+              <p:cTn id="2" dur="indefinite" nodeType="mainSeq">
+                <p:childTnLst>
+                  <p:par>
+                    <p:cTn id="3" fill="hold">
+                      <p:stCondLst>
+                        <p:cond delay="indefinite"/>
+                      </p:stCondLst>
+                      <p:childTnLst>
+                        <p:par>
+                          <p:cTn id="4" fill="hold">
+                            <p:stCondLst>
+                              <p:cond delay="0"/>
+                            </p:stCondLst>
+                            <p:childTnLst>
+                              <p:par>
+                                <p:cTn id="5" presetID="1" presetClass="entr" presetSubtype="0" fill="hold" nodeType="clickEffect">
+                                  <p:stCondLst>
+                                    <p:cond delay="0"/>
+                                  </p:stCondLst>
+                                  <p:childTnLst>
+                                    <p:set>
+                                      <p:cBhvr>
+                                        <p:cTn id="6" dur="1" fill="hold">
+                                          <p:stCondLst>
+                                            <p:cond delay="0"/>
+                                          </p:stCondLst>
+                                        </p:cTn>
+                                        <p:tgtEl>
+                                          <p:spTgt spid="3">
+                                            <p:txEl>
+                                              <p:pRg st="1" end="1"/>
+                                            </p:txEl>
+                                          </p:spTgt>
+                                        </p:tgtEl>
+                                        <p:attrNameLst>
+                                          <p:attrName>style.visibility</p:attrName>
+                                        </p:attrNameLst>
+                                      </p:cBhvr>
+                                      <p:to>
+                                        <p:strVal val="visible"/>
+                                      </p:to>
+                                    </p:set>
+                                  </p:childTnLst>
+                                </p:cTn>
+                              </p:par>
+                              <p:par>
+                                <p:cTn id="7" presetID="1" presetClass="entr" presetSubtype="0" fill="hold" nodeType="withEffect">
+                                  <p:stCondLst>
+                                    <p:cond delay="0"/>
+                                  </p:stCondLst>
+                                  <p:childTnLst>
+                                    <p:set>
+                                      <p:cBhvr>
+                                        <p:cTn id="8" dur="1" fill="hold">
+                                          <p:stCondLst>
+                                            <p:cond delay="0"/>
+                                          </p:stCondLst>
+                                        </p:cTn>
+                                        <p:tgtEl>
+                                          <p:spTgt spid="5"/>
+                                        </p:tgtEl>
+                                        <p:attrNameLst>
+                                          <p:attrName>style.visibility</p:attrName>
+                                        </p:attrNameLst>
+                                      </p:cBhvr>
+                                      <p:to>
+                                        <p:strVal val="visible"/>
+                                      </p:to>
+                                    </p:set>
+                                  </p:childTnLst>
+                                </p:cTn>
+                              </p:par>
+                            </p:childTnLst>
+                          </p:cTn>
+                        </p:par>
+                      </p:childTnLst>
+                    </p:cTn>
+                  </p:par>
+                  <p:par>
+                    <p:cTn id="9" fill="hold">
+                      <p:stCondLst>
+                        <p:cond delay="indefinite"/>
+                      </p:stCondLst>
+                      <p:childTnLst>
+                        <p:par>
+                          <p:cTn id="10" fill="hold">
+                            <p:stCondLst>
+                              <p:cond delay="0"/>
+                            </p:stCondLst>
+                            <p:childTnLst>
+                              <p:par>
+                                <p:cTn id="11" presetID="1" presetClass="entr" presetSubtype="0" fill="hold" nodeType="clickEffect">
+                                  <p:stCondLst>
+                                    <p:cond delay="0"/>
+                                  </p:stCondLst>
+                                  <p:childTnLst>
+                                    <p:set>
+                                      <p:cBhvr>
+                                        <p:cTn id="12" dur="1" fill="hold">
+                                          <p:stCondLst>
+                                            <p:cond delay="0"/>
+                                          </p:stCondLst>
+                                        </p:cTn>
+                                        <p:tgtEl>
+                                          <p:spTgt spid="3">
+                                            <p:txEl>
+                                              <p:pRg st="2" end="2"/>
+                                            </p:txEl>
+                                          </p:spTgt>
+                                        </p:tgtEl>
+                                        <p:attrNameLst>
+                                          <p:attrName>style.visibility</p:attrName>
+                                        </p:attrNameLst>
+                                      </p:cBhvr>
+                                      <p:to>
+                                        <p:strVal val="visible"/>
+                                      </p:to>
+                                    </p:set>
+                                  </p:childTnLst>
+                                </p:cTn>
+                              </p:par>
+                            </p:childTnLst>
+                          </p:cTn>
+                        </p:par>
+                      </p:childTnLst>
+                    </p:cTn>
+                  </p:par>
+                  <p:par>
+                    <p:cTn id="13" fill="hold">
+                      <p:stCondLst>
+                        <p:cond delay="indefinite"/>
+                      </p:stCondLst>
+                      <p:childTnLst>
+                        <p:par>
+                          <p:cTn id="14" fill="hold">
+                            <p:stCondLst>
+                              <p:cond delay="0"/>
+                            </p:stCondLst>
+                            <p:childTnLst>
+                              <p:par>
+                                <p:cTn id="15" presetID="1" presetClass="entr" presetSubtype="0" fill="hold" nodeType="clickEffect">
+                                  <p:stCondLst>
+                                    <p:cond delay="0"/>
+                                  </p:stCondLst>
+                                  <p:childTnLst>
+                                    <p:set>
+                                      <p:cBhvr>
+                                        <p:cTn id="16" dur="1" fill="hold">
+                                          <p:stCondLst>
+                                            <p:cond delay="0"/>
+                                          </p:stCondLst>
+                                        </p:cTn>
+                                        <p:tgtEl>
+                                          <p:spTgt spid="3">
+                                            <p:txEl>
+                                              <p:pRg st="3" end="3"/>
+                                            </p:txEl>
+                                          </p:spTgt>
+                                        </p:tgtEl>
+                                        <p:attrNameLst>
+                                          <p:attrName>style.visibility</p:attrName>
+                                        </p:attrNameLst>
+                                      </p:cBhvr>
+                                      <p:to>
+                                        <p:strVal val="visible"/>
+                                      </p:to>
+                                    </p:set>
+                                  </p:childTnLst>
+                                </p:cTn>
+                              </p:par>
+                            </p:childTnLst>
+                          </p:cTn>
+                        </p:par>
+                      </p:childTnLst>
+                    </p:cTn>
+                  </p:par>
+                </p:childTnLst>
+              </p:cTn>
+              <p:prevCondLst>
+                <p:cond evt="onPrev" delay="0">
+                  <p:tgtEl>
+                    <p:sldTgt/>
+                  </p:tgtEl>
+                </p:cond>
+              </p:prevCondLst>
+              <p:nextCondLst>
+                <p:cond evt="onNext" delay="0">
+                  <p:tgtEl>
+                    <p:sldTgt/>
+                  </p:tgtEl>
+                </p:cond>
+              </p:nextCondLst>
+            </p:seq>
+          </p:childTnLst>
+        </p:cTn>
+      </p:par>
+    </p:tnLst>
+  </p:timing>
 </p:sld>
 </file>
 
-<file path=ppt/slides/slide34.xml><?xml version="1.0" encoding="utf-8"?>
+<file path=ppt/slides/slide35.xml><?xml version="1.0" encoding="utf-8"?>
 <p:sld xmlns:a="http://schemas.openxmlformats.org/drawingml/2006/main" xmlns:r="http://schemas.openxmlformats.org/officeDocument/2006/relationships" xmlns:p="http://schemas.openxmlformats.org/presentationml/2006/main">
   <p:cSld>
     <p:spTree>
@@ -9790,10 +12575,391 @@
   <p:clrMapOvr>
     <a:masterClrMapping/>
   </p:clrMapOvr>
+  <p:timing>
+    <p:tnLst>
+      <p:par>
+        <p:cTn id="1" dur="indefinite" restart="never" nodeType="tmRoot">
+          <p:childTnLst>
+            <p:seq concurrent="1" nextAc="seek">
+              <p:cTn id="2" dur="indefinite" nodeType="mainSeq">
+                <p:childTnLst>
+                  <p:par>
+                    <p:cTn id="3" fill="hold">
+                      <p:stCondLst>
+                        <p:cond delay="indefinite"/>
+                      </p:stCondLst>
+                      <p:childTnLst>
+                        <p:par>
+                          <p:cTn id="4" fill="hold">
+                            <p:stCondLst>
+                              <p:cond delay="0"/>
+                            </p:stCondLst>
+                            <p:childTnLst>
+                              <p:par>
+                                <p:cTn id="5" presetID="1" presetClass="entr" presetSubtype="0" fill="hold" nodeType="clickEffect">
+                                  <p:stCondLst>
+                                    <p:cond delay="0"/>
+                                  </p:stCondLst>
+                                  <p:childTnLst>
+                                    <p:set>
+                                      <p:cBhvr>
+                                        <p:cTn id="6" dur="1" fill="hold">
+                                          <p:stCondLst>
+                                            <p:cond delay="0"/>
+                                          </p:stCondLst>
+                                        </p:cTn>
+                                        <p:tgtEl>
+                                          <p:spTgt spid="3">
+                                            <p:txEl>
+                                              <p:pRg st="1" end="1"/>
+                                            </p:txEl>
+                                          </p:spTgt>
+                                        </p:tgtEl>
+                                        <p:attrNameLst>
+                                          <p:attrName>style.visibility</p:attrName>
+                                        </p:attrNameLst>
+                                      </p:cBhvr>
+                                      <p:to>
+                                        <p:strVal val="visible"/>
+                                      </p:to>
+                                    </p:set>
+                                  </p:childTnLst>
+                                </p:cTn>
+                              </p:par>
+                              <p:par>
+                                <p:cTn id="7" presetID="1" presetClass="entr" presetSubtype="0" fill="hold" nodeType="withEffect">
+                                  <p:stCondLst>
+                                    <p:cond delay="0"/>
+                                  </p:stCondLst>
+                                  <p:childTnLst>
+                                    <p:set>
+                                      <p:cBhvr>
+                                        <p:cTn id="8" dur="1" fill="hold">
+                                          <p:stCondLst>
+                                            <p:cond delay="0"/>
+                                          </p:stCondLst>
+                                        </p:cTn>
+                                        <p:tgtEl>
+                                          <p:spTgt spid="3">
+                                            <p:txEl>
+                                              <p:pRg st="2" end="2"/>
+                                            </p:txEl>
+                                          </p:spTgt>
+                                        </p:tgtEl>
+                                        <p:attrNameLst>
+                                          <p:attrName>style.visibility</p:attrName>
+                                        </p:attrNameLst>
+                                      </p:cBhvr>
+                                      <p:to>
+                                        <p:strVal val="visible"/>
+                                      </p:to>
+                                    </p:set>
+                                  </p:childTnLst>
+                                </p:cTn>
+                              </p:par>
+                            </p:childTnLst>
+                          </p:cTn>
+                        </p:par>
+                      </p:childTnLst>
+                    </p:cTn>
+                  </p:par>
+                  <p:par>
+                    <p:cTn id="9" fill="hold">
+                      <p:stCondLst>
+                        <p:cond delay="indefinite"/>
+                      </p:stCondLst>
+                      <p:childTnLst>
+                        <p:par>
+                          <p:cTn id="10" fill="hold">
+                            <p:stCondLst>
+                              <p:cond delay="0"/>
+                            </p:stCondLst>
+                            <p:childTnLst>
+                              <p:par>
+                                <p:cTn id="11" presetID="1" presetClass="entr" presetSubtype="0" fill="hold" nodeType="clickEffect">
+                                  <p:stCondLst>
+                                    <p:cond delay="0"/>
+                                  </p:stCondLst>
+                                  <p:childTnLst>
+                                    <p:set>
+                                      <p:cBhvr>
+                                        <p:cTn id="12" dur="1" fill="hold">
+                                          <p:stCondLst>
+                                            <p:cond delay="0"/>
+                                          </p:stCondLst>
+                                        </p:cTn>
+                                        <p:tgtEl>
+                                          <p:spTgt spid="3">
+                                            <p:txEl>
+                                              <p:pRg st="3" end="3"/>
+                                            </p:txEl>
+                                          </p:spTgt>
+                                        </p:tgtEl>
+                                        <p:attrNameLst>
+                                          <p:attrName>style.visibility</p:attrName>
+                                        </p:attrNameLst>
+                                      </p:cBhvr>
+                                      <p:to>
+                                        <p:strVal val="visible"/>
+                                      </p:to>
+                                    </p:set>
+                                  </p:childTnLst>
+                                </p:cTn>
+                              </p:par>
+                              <p:par>
+                                <p:cTn id="13" presetID="1" presetClass="entr" presetSubtype="0" fill="hold" nodeType="withEffect">
+                                  <p:stCondLst>
+                                    <p:cond delay="0"/>
+                                  </p:stCondLst>
+                                  <p:childTnLst>
+                                    <p:set>
+                                      <p:cBhvr>
+                                        <p:cTn id="14" dur="1" fill="hold">
+                                          <p:stCondLst>
+                                            <p:cond delay="0"/>
+                                          </p:stCondLst>
+                                        </p:cTn>
+                                        <p:tgtEl>
+                                          <p:spTgt spid="3">
+                                            <p:txEl>
+                                              <p:pRg st="4" end="4"/>
+                                            </p:txEl>
+                                          </p:spTgt>
+                                        </p:tgtEl>
+                                        <p:attrNameLst>
+                                          <p:attrName>style.visibility</p:attrName>
+                                        </p:attrNameLst>
+                                      </p:cBhvr>
+                                      <p:to>
+                                        <p:strVal val="visible"/>
+                                      </p:to>
+                                    </p:set>
+                                  </p:childTnLst>
+                                </p:cTn>
+                              </p:par>
+                            </p:childTnLst>
+                          </p:cTn>
+                        </p:par>
+                      </p:childTnLst>
+                    </p:cTn>
+                  </p:par>
+                  <p:par>
+                    <p:cTn id="15" fill="hold">
+                      <p:stCondLst>
+                        <p:cond delay="indefinite"/>
+                      </p:stCondLst>
+                      <p:childTnLst>
+                        <p:par>
+                          <p:cTn id="16" fill="hold">
+                            <p:stCondLst>
+                              <p:cond delay="0"/>
+                            </p:stCondLst>
+                            <p:childTnLst>
+                              <p:par>
+                                <p:cTn id="17" presetID="1" presetClass="entr" presetSubtype="0" fill="hold" nodeType="clickEffect">
+                                  <p:stCondLst>
+                                    <p:cond delay="0"/>
+                                  </p:stCondLst>
+                                  <p:childTnLst>
+                                    <p:set>
+                                      <p:cBhvr>
+                                        <p:cTn id="18" dur="1" fill="hold">
+                                          <p:stCondLst>
+                                            <p:cond delay="0"/>
+                                          </p:stCondLst>
+                                        </p:cTn>
+                                        <p:tgtEl>
+                                          <p:spTgt spid="3">
+                                            <p:txEl>
+                                              <p:pRg st="5" end="5"/>
+                                            </p:txEl>
+                                          </p:spTgt>
+                                        </p:tgtEl>
+                                        <p:attrNameLst>
+                                          <p:attrName>style.visibility</p:attrName>
+                                        </p:attrNameLst>
+                                      </p:cBhvr>
+                                      <p:to>
+                                        <p:strVal val="visible"/>
+                                      </p:to>
+                                    </p:set>
+                                  </p:childTnLst>
+                                </p:cTn>
+                              </p:par>
+                            </p:childTnLst>
+                          </p:cTn>
+                        </p:par>
+                      </p:childTnLst>
+                    </p:cTn>
+                  </p:par>
+                  <p:par>
+                    <p:cTn id="19" fill="hold">
+                      <p:stCondLst>
+                        <p:cond delay="indefinite"/>
+                      </p:stCondLst>
+                      <p:childTnLst>
+                        <p:par>
+                          <p:cTn id="20" fill="hold">
+                            <p:stCondLst>
+                              <p:cond delay="0"/>
+                            </p:stCondLst>
+                            <p:childTnLst>
+                              <p:par>
+                                <p:cTn id="21" presetID="1" presetClass="entr" presetSubtype="0" fill="hold" nodeType="clickEffect">
+                                  <p:stCondLst>
+                                    <p:cond delay="0"/>
+                                  </p:stCondLst>
+                                  <p:childTnLst>
+                                    <p:set>
+                                      <p:cBhvr>
+                                        <p:cTn id="22" dur="1" fill="hold">
+                                          <p:stCondLst>
+                                            <p:cond delay="0"/>
+                                          </p:stCondLst>
+                                        </p:cTn>
+                                        <p:tgtEl>
+                                          <p:spTgt spid="3">
+                                            <p:txEl>
+                                              <p:pRg st="6" end="6"/>
+                                            </p:txEl>
+                                          </p:spTgt>
+                                        </p:tgtEl>
+                                        <p:attrNameLst>
+                                          <p:attrName>style.visibility</p:attrName>
+                                        </p:attrNameLst>
+                                      </p:cBhvr>
+                                      <p:to>
+                                        <p:strVal val="visible"/>
+                                      </p:to>
+                                    </p:set>
+                                  </p:childTnLst>
+                                </p:cTn>
+                              </p:par>
+                              <p:par>
+                                <p:cTn id="23" presetID="1" presetClass="entr" presetSubtype="0" fill="hold" nodeType="withEffect">
+                                  <p:stCondLst>
+                                    <p:cond delay="0"/>
+                                  </p:stCondLst>
+                                  <p:childTnLst>
+                                    <p:set>
+                                      <p:cBhvr>
+                                        <p:cTn id="24" dur="1" fill="hold">
+                                          <p:stCondLst>
+                                            <p:cond delay="0"/>
+                                          </p:stCondLst>
+                                        </p:cTn>
+                                        <p:tgtEl>
+                                          <p:spTgt spid="3">
+                                            <p:txEl>
+                                              <p:pRg st="7" end="7"/>
+                                            </p:txEl>
+                                          </p:spTgt>
+                                        </p:tgtEl>
+                                        <p:attrNameLst>
+                                          <p:attrName>style.visibility</p:attrName>
+                                        </p:attrNameLst>
+                                      </p:cBhvr>
+                                      <p:to>
+                                        <p:strVal val="visible"/>
+                                      </p:to>
+                                    </p:set>
+                                  </p:childTnLst>
+                                </p:cTn>
+                              </p:par>
+                              <p:par>
+                                <p:cTn id="25" presetID="1" presetClass="entr" presetSubtype="0" fill="hold" nodeType="withEffect">
+                                  <p:stCondLst>
+                                    <p:cond delay="0"/>
+                                  </p:stCondLst>
+                                  <p:childTnLst>
+                                    <p:set>
+                                      <p:cBhvr>
+                                        <p:cTn id="26" dur="1" fill="hold">
+                                          <p:stCondLst>
+                                            <p:cond delay="0"/>
+                                          </p:stCondLst>
+                                        </p:cTn>
+                                        <p:tgtEl>
+                                          <p:spTgt spid="3">
+                                            <p:txEl>
+                                              <p:pRg st="8" end="8"/>
+                                            </p:txEl>
+                                          </p:spTgt>
+                                        </p:tgtEl>
+                                        <p:attrNameLst>
+                                          <p:attrName>style.visibility</p:attrName>
+                                        </p:attrNameLst>
+                                      </p:cBhvr>
+                                      <p:to>
+                                        <p:strVal val="visible"/>
+                                      </p:to>
+                                    </p:set>
+                                  </p:childTnLst>
+                                </p:cTn>
+                              </p:par>
+                              <p:par>
+                                <p:cTn id="27" presetID="1" presetClass="entr" presetSubtype="0" fill="hold" nodeType="withEffect">
+                                  <p:stCondLst>
+                                    <p:cond delay="0"/>
+                                  </p:stCondLst>
+                                  <p:childTnLst>
+                                    <p:set>
+                                      <p:cBhvr>
+                                        <p:cTn id="28" dur="1" fill="hold">
+                                          <p:stCondLst>
+                                            <p:cond delay="0"/>
+                                          </p:stCondLst>
+                                        </p:cTn>
+                                        <p:tgtEl>
+                                          <p:spTgt spid="3">
+                                            <p:txEl>
+                                              <p:pRg st="9" end="9"/>
+                                            </p:txEl>
+                                          </p:spTgt>
+                                        </p:tgtEl>
+                                        <p:attrNameLst>
+                                          <p:attrName>style.visibility</p:attrName>
+                                        </p:attrNameLst>
+                                      </p:cBhvr>
+                                      <p:to>
+                                        <p:strVal val="visible"/>
+                                      </p:to>
+                                    </p:set>
+                                  </p:childTnLst>
+                                </p:cTn>
+                              </p:par>
+                            </p:childTnLst>
+                          </p:cTn>
+                        </p:par>
+                      </p:childTnLst>
+                    </p:cTn>
+                  </p:par>
+                </p:childTnLst>
+              </p:cTn>
+              <p:prevCondLst>
+                <p:cond evt="onPrev" delay="0">
+                  <p:tgtEl>
+                    <p:sldTgt/>
+                  </p:tgtEl>
+                </p:cond>
+              </p:prevCondLst>
+              <p:nextCondLst>
+                <p:cond evt="onNext" delay="0">
+                  <p:tgtEl>
+                    <p:sldTgt/>
+                  </p:tgtEl>
+                </p:cond>
+              </p:nextCondLst>
+            </p:seq>
+          </p:childTnLst>
+        </p:cTn>
+      </p:par>
+    </p:tnLst>
+  </p:timing>
 </p:sld>
 </file>
 
-<file path=ppt/slides/slide35.xml><?xml version="1.0" encoding="utf-8"?>
+<file path=ppt/slides/slide36.xml><?xml version="1.0" encoding="utf-8"?>
 <p:sld xmlns:a="http://schemas.openxmlformats.org/drawingml/2006/main" xmlns:r="http://schemas.openxmlformats.org/officeDocument/2006/relationships" xmlns:p="http://schemas.openxmlformats.org/presentationml/2006/main">
   <p:cSld>
     <p:spTree>
@@ -10075,10 +13241,165 @@
   <p:clrMapOvr>
     <a:masterClrMapping/>
   </p:clrMapOvr>
+  <p:timing>
+    <p:tnLst>
+      <p:par>
+        <p:cTn id="1" dur="indefinite" restart="never" nodeType="tmRoot">
+          <p:childTnLst>
+            <p:seq concurrent="1" nextAc="seek">
+              <p:cTn id="2" dur="indefinite" nodeType="mainSeq">
+                <p:childTnLst>
+                  <p:par>
+                    <p:cTn id="3" fill="hold">
+                      <p:stCondLst>
+                        <p:cond delay="indefinite"/>
+                      </p:stCondLst>
+                      <p:childTnLst>
+                        <p:par>
+                          <p:cTn id="4" fill="hold">
+                            <p:stCondLst>
+                              <p:cond delay="0"/>
+                            </p:stCondLst>
+                            <p:childTnLst>
+                              <p:par>
+                                <p:cTn id="5" presetID="1" presetClass="entr" presetSubtype="0" fill="hold" nodeType="clickEffect">
+                                  <p:stCondLst>
+                                    <p:cond delay="0"/>
+                                  </p:stCondLst>
+                                  <p:childTnLst>
+                                    <p:set>
+                                      <p:cBhvr>
+                                        <p:cTn id="6" dur="1" fill="hold">
+                                          <p:stCondLst>
+                                            <p:cond delay="0"/>
+                                          </p:stCondLst>
+                                        </p:cTn>
+                                        <p:tgtEl>
+                                          <p:spTgt spid="3">
+                                            <p:txEl>
+                                              <p:pRg st="1" end="1"/>
+                                            </p:txEl>
+                                          </p:spTgt>
+                                        </p:tgtEl>
+                                        <p:attrNameLst>
+                                          <p:attrName>style.visibility</p:attrName>
+                                        </p:attrNameLst>
+                                      </p:cBhvr>
+                                      <p:to>
+                                        <p:strVal val="visible"/>
+                                      </p:to>
+                                    </p:set>
+                                  </p:childTnLst>
+                                </p:cTn>
+                              </p:par>
+                              <p:par>
+                                <p:cTn id="7" presetID="1" presetClass="entr" presetSubtype="0" fill="hold" nodeType="withEffect">
+                                  <p:stCondLst>
+                                    <p:cond delay="0"/>
+                                  </p:stCondLst>
+                                  <p:childTnLst>
+                                    <p:set>
+                                      <p:cBhvr>
+                                        <p:cTn id="8" dur="1" fill="hold">
+                                          <p:stCondLst>
+                                            <p:cond delay="0"/>
+                                          </p:stCondLst>
+                                        </p:cTn>
+                                        <p:tgtEl>
+                                          <p:spTgt spid="6"/>
+                                        </p:tgtEl>
+                                        <p:attrNameLst>
+                                          <p:attrName>style.visibility</p:attrName>
+                                        </p:attrNameLst>
+                                      </p:cBhvr>
+                                      <p:to>
+                                        <p:strVal val="visible"/>
+                                      </p:to>
+                                    </p:set>
+                                  </p:childTnLst>
+                                </p:cTn>
+                              </p:par>
+                            </p:childTnLst>
+                          </p:cTn>
+                        </p:par>
+                      </p:childTnLst>
+                    </p:cTn>
+                  </p:par>
+                  <p:par>
+                    <p:cTn id="9" fill="hold">
+                      <p:stCondLst>
+                        <p:cond delay="indefinite"/>
+                      </p:stCondLst>
+                      <p:childTnLst>
+                        <p:par>
+                          <p:cTn id="10" fill="hold">
+                            <p:stCondLst>
+                              <p:cond delay="0"/>
+                            </p:stCondLst>
+                            <p:childTnLst>
+                              <p:par>
+                                <p:cTn id="11" presetID="1" presetClass="entr" presetSubtype="0" fill="hold" nodeType="clickEffect">
+                                  <p:stCondLst>
+                                    <p:cond delay="0"/>
+                                  </p:stCondLst>
+                                  <p:childTnLst>
+                                    <p:set>
+                                      <p:cBhvr>
+                                        <p:cTn id="12" dur="1" fill="hold">
+                                          <p:stCondLst>
+                                            <p:cond delay="0"/>
+                                          </p:stCondLst>
+                                        </p:cTn>
+                                        <p:tgtEl>
+                                          <p:spTgt spid="3">
+                                            <p:txEl>
+                                              <p:pRg st="2" end="2"/>
+                                            </p:txEl>
+                                          </p:spTgt>
+                                        </p:tgtEl>
+                                        <p:attrNameLst>
+                                          <p:attrName>style.visibility</p:attrName>
+                                        </p:attrNameLst>
+                                      </p:cBhvr>
+                                      <p:to>
+                                        <p:strVal val="visible"/>
+                                      </p:to>
+                                    </p:set>
+                                  </p:childTnLst>
+                                </p:cTn>
+                              </p:par>
+                            </p:childTnLst>
+                          </p:cTn>
+                        </p:par>
+                      </p:childTnLst>
+                    </p:cTn>
+                  </p:par>
+                </p:childTnLst>
+              </p:cTn>
+              <p:prevCondLst>
+                <p:cond evt="onPrev" delay="0">
+                  <p:tgtEl>
+                    <p:sldTgt/>
+                  </p:tgtEl>
+                </p:cond>
+              </p:prevCondLst>
+              <p:nextCondLst>
+                <p:cond evt="onNext" delay="0">
+                  <p:tgtEl>
+                    <p:sldTgt/>
+                  </p:tgtEl>
+                </p:cond>
+              </p:nextCondLst>
+            </p:seq>
+          </p:childTnLst>
+        </p:cTn>
+      </p:par>
+    </p:tnLst>
+  </p:timing>
 </p:sld>
 </file>
 
-<file path=ppt/slides/slide36.xml><?xml version="1.0" encoding="utf-8"?>
+<file path=ppt/slides/slide37.xml><?xml version="1.0" encoding="utf-8"?>
 <p:sld xmlns:a="http://schemas.openxmlformats.org/drawingml/2006/main" xmlns:r="http://schemas.openxmlformats.org/officeDocument/2006/relationships" xmlns:p="http://schemas.openxmlformats.org/presentationml/2006/main">
   <p:cSld>
     <p:spTree>
@@ -10375,7 +13696,7 @@
 </p:sld>
 </file>
 
-<file path=ppt/slides/slide37.xml><?xml version="1.0" encoding="utf-8"?>
+<file path=ppt/slides/slide38.xml><?xml version="1.0" encoding="utf-8"?>
 <p:sld xmlns:a="http://schemas.openxmlformats.org/drawingml/2006/main" xmlns:r="http://schemas.openxmlformats.org/officeDocument/2006/relationships" xmlns:p="http://schemas.openxmlformats.org/presentationml/2006/main">
   <p:cSld>
     <p:spTree>
@@ -10509,10 +13830,311 @@
   <p:clrMapOvr>
     <a:masterClrMapping/>
   </p:clrMapOvr>
+  <p:timing>
+    <p:tnLst>
+      <p:par>
+        <p:cTn id="1" dur="indefinite" restart="never" nodeType="tmRoot">
+          <p:childTnLst>
+            <p:seq concurrent="1" nextAc="seek">
+              <p:cTn id="2" dur="indefinite" nodeType="mainSeq">
+                <p:childTnLst>
+                  <p:par>
+                    <p:cTn id="3" fill="hold">
+                      <p:stCondLst>
+                        <p:cond delay="indefinite"/>
+                      </p:stCondLst>
+                      <p:childTnLst>
+                        <p:par>
+                          <p:cTn id="4" fill="hold">
+                            <p:stCondLst>
+                              <p:cond delay="0"/>
+                            </p:stCondLst>
+                            <p:childTnLst>
+                              <p:par>
+                                <p:cTn id="5" presetID="1" presetClass="entr" presetSubtype="0" fill="hold" nodeType="clickEffect">
+                                  <p:stCondLst>
+                                    <p:cond delay="0"/>
+                                  </p:stCondLst>
+                                  <p:childTnLst>
+                                    <p:set>
+                                      <p:cBhvr>
+                                        <p:cTn id="6" dur="1" fill="hold">
+                                          <p:stCondLst>
+                                            <p:cond delay="0"/>
+                                          </p:stCondLst>
+                                        </p:cTn>
+                                        <p:tgtEl>
+                                          <p:spTgt spid="3">
+                                            <p:txEl>
+                                              <p:pRg st="1" end="1"/>
+                                            </p:txEl>
+                                          </p:spTgt>
+                                        </p:tgtEl>
+                                        <p:attrNameLst>
+                                          <p:attrName>style.visibility</p:attrName>
+                                        </p:attrNameLst>
+                                      </p:cBhvr>
+                                      <p:to>
+                                        <p:strVal val="visible"/>
+                                      </p:to>
+                                    </p:set>
+                                  </p:childTnLst>
+                                </p:cTn>
+                              </p:par>
+                              <p:par>
+                                <p:cTn id="7" presetID="1" presetClass="entr" presetSubtype="0" fill="hold" nodeType="withEffect">
+                                  <p:stCondLst>
+                                    <p:cond delay="0"/>
+                                  </p:stCondLst>
+                                  <p:childTnLst>
+                                    <p:set>
+                                      <p:cBhvr>
+                                        <p:cTn id="8" dur="1" fill="hold">
+                                          <p:stCondLst>
+                                            <p:cond delay="0"/>
+                                          </p:stCondLst>
+                                        </p:cTn>
+                                        <p:tgtEl>
+                                          <p:spTgt spid="3">
+                                            <p:txEl>
+                                              <p:pRg st="2" end="2"/>
+                                            </p:txEl>
+                                          </p:spTgt>
+                                        </p:tgtEl>
+                                        <p:attrNameLst>
+                                          <p:attrName>style.visibility</p:attrName>
+                                        </p:attrNameLst>
+                                      </p:cBhvr>
+                                      <p:to>
+                                        <p:strVal val="visible"/>
+                                      </p:to>
+                                    </p:set>
+                                  </p:childTnLst>
+                                </p:cTn>
+                              </p:par>
+                              <p:par>
+                                <p:cTn id="9" presetID="1" presetClass="entr" presetSubtype="0" fill="hold" nodeType="withEffect">
+                                  <p:stCondLst>
+                                    <p:cond delay="0"/>
+                                  </p:stCondLst>
+                                  <p:childTnLst>
+                                    <p:set>
+                                      <p:cBhvr>
+                                        <p:cTn id="10" dur="1" fill="hold">
+                                          <p:stCondLst>
+                                            <p:cond delay="0"/>
+                                          </p:stCondLst>
+                                        </p:cTn>
+                                        <p:tgtEl>
+                                          <p:spTgt spid="3">
+                                            <p:txEl>
+                                              <p:pRg st="3" end="3"/>
+                                            </p:txEl>
+                                          </p:spTgt>
+                                        </p:tgtEl>
+                                        <p:attrNameLst>
+                                          <p:attrName>style.visibility</p:attrName>
+                                        </p:attrNameLst>
+                                      </p:cBhvr>
+                                      <p:to>
+                                        <p:strVal val="visible"/>
+                                      </p:to>
+                                    </p:set>
+                                  </p:childTnLst>
+                                </p:cTn>
+                              </p:par>
+                            </p:childTnLst>
+                          </p:cTn>
+                        </p:par>
+                      </p:childTnLst>
+                    </p:cTn>
+                  </p:par>
+                  <p:par>
+                    <p:cTn id="11" fill="hold">
+                      <p:stCondLst>
+                        <p:cond delay="indefinite"/>
+                      </p:stCondLst>
+                      <p:childTnLst>
+                        <p:par>
+                          <p:cTn id="12" fill="hold">
+                            <p:stCondLst>
+                              <p:cond delay="0"/>
+                            </p:stCondLst>
+                            <p:childTnLst>
+                              <p:par>
+                                <p:cTn id="13" presetID="1" presetClass="entr" presetSubtype="0" fill="hold" nodeType="clickEffect">
+                                  <p:stCondLst>
+                                    <p:cond delay="0"/>
+                                  </p:stCondLst>
+                                  <p:childTnLst>
+                                    <p:set>
+                                      <p:cBhvr>
+                                        <p:cTn id="14" dur="1" fill="hold">
+                                          <p:stCondLst>
+                                            <p:cond delay="0"/>
+                                          </p:stCondLst>
+                                        </p:cTn>
+                                        <p:tgtEl>
+                                          <p:spTgt spid="3">
+                                            <p:txEl>
+                                              <p:pRg st="4" end="4"/>
+                                            </p:txEl>
+                                          </p:spTgt>
+                                        </p:tgtEl>
+                                        <p:attrNameLst>
+                                          <p:attrName>style.visibility</p:attrName>
+                                        </p:attrNameLst>
+                                      </p:cBhvr>
+                                      <p:to>
+                                        <p:strVal val="visible"/>
+                                      </p:to>
+                                    </p:set>
+                                  </p:childTnLst>
+                                </p:cTn>
+                              </p:par>
+                            </p:childTnLst>
+                          </p:cTn>
+                        </p:par>
+                      </p:childTnLst>
+                    </p:cTn>
+                  </p:par>
+                  <p:par>
+                    <p:cTn id="15" fill="hold">
+                      <p:stCondLst>
+                        <p:cond delay="indefinite"/>
+                      </p:stCondLst>
+                      <p:childTnLst>
+                        <p:par>
+                          <p:cTn id="16" fill="hold">
+                            <p:stCondLst>
+                              <p:cond delay="0"/>
+                            </p:stCondLst>
+                            <p:childTnLst>
+                              <p:par>
+                                <p:cTn id="17" presetID="1" presetClass="entr" presetSubtype="0" fill="hold" nodeType="clickEffect">
+                                  <p:stCondLst>
+                                    <p:cond delay="0"/>
+                                  </p:stCondLst>
+                                  <p:childTnLst>
+                                    <p:set>
+                                      <p:cBhvr>
+                                        <p:cTn id="18" dur="1" fill="hold">
+                                          <p:stCondLst>
+                                            <p:cond delay="0"/>
+                                          </p:stCondLst>
+                                        </p:cTn>
+                                        <p:tgtEl>
+                                          <p:spTgt spid="3">
+                                            <p:txEl>
+                                              <p:pRg st="5" end="5"/>
+                                            </p:txEl>
+                                          </p:spTgt>
+                                        </p:tgtEl>
+                                        <p:attrNameLst>
+                                          <p:attrName>style.visibility</p:attrName>
+                                        </p:attrNameLst>
+                                      </p:cBhvr>
+                                      <p:to>
+                                        <p:strVal val="visible"/>
+                                      </p:to>
+                                    </p:set>
+                                  </p:childTnLst>
+                                </p:cTn>
+                              </p:par>
+                              <p:par>
+                                <p:cTn id="19" presetID="1" presetClass="entr" presetSubtype="0" fill="hold" nodeType="withEffect">
+                                  <p:stCondLst>
+                                    <p:cond delay="0"/>
+                                  </p:stCondLst>
+                                  <p:childTnLst>
+                                    <p:set>
+                                      <p:cBhvr>
+                                        <p:cTn id="20" dur="1" fill="hold">
+                                          <p:stCondLst>
+                                            <p:cond delay="0"/>
+                                          </p:stCondLst>
+                                        </p:cTn>
+                                        <p:tgtEl>
+                                          <p:spTgt spid="3">
+                                            <p:txEl>
+                                              <p:pRg st="6" end="6"/>
+                                            </p:txEl>
+                                          </p:spTgt>
+                                        </p:tgtEl>
+                                        <p:attrNameLst>
+                                          <p:attrName>style.visibility</p:attrName>
+                                        </p:attrNameLst>
+                                      </p:cBhvr>
+                                      <p:to>
+                                        <p:strVal val="visible"/>
+                                      </p:to>
+                                    </p:set>
+                                  </p:childTnLst>
+                                </p:cTn>
+                              </p:par>
+                              <p:par>
+                                <p:cTn id="21" presetID="1" presetClass="entr" presetSubtype="0" fill="hold" nodeType="withEffect">
+                                  <p:stCondLst>
+                                    <p:cond delay="0"/>
+                                  </p:stCondLst>
+                                  <p:childTnLst>
+                                    <p:set>
+                                      <p:cBhvr>
+                                        <p:cTn id="22" dur="1" fill="hold">
+                                          <p:stCondLst>
+                                            <p:cond delay="0"/>
+                                          </p:stCondLst>
+                                        </p:cTn>
+                                        <p:tgtEl>
+                                          <p:spTgt spid="3">
+                                            <p:txEl>
+                                              <p:pRg st="7" end="7"/>
+                                            </p:txEl>
+                                          </p:spTgt>
+                                        </p:tgtEl>
+                                        <p:attrNameLst>
+                                          <p:attrName>style.visibility</p:attrName>
+                                        </p:attrNameLst>
+                                      </p:cBhvr>
+                                      <p:to>
+                                        <p:strVal val="visible"/>
+                                      </p:to>
+                                    </p:set>
+                                  </p:childTnLst>
+                                </p:cTn>
+                              </p:par>
+                            </p:childTnLst>
+                          </p:cTn>
+                        </p:par>
+                      </p:childTnLst>
+                    </p:cTn>
+                  </p:par>
+                </p:childTnLst>
+              </p:cTn>
+              <p:prevCondLst>
+                <p:cond evt="onPrev" delay="0">
+                  <p:tgtEl>
+                    <p:sldTgt/>
+                  </p:tgtEl>
+                </p:cond>
+              </p:prevCondLst>
+              <p:nextCondLst>
+                <p:cond evt="onNext" delay="0">
+                  <p:tgtEl>
+                    <p:sldTgt/>
+                  </p:tgtEl>
+                </p:cond>
+              </p:nextCondLst>
+            </p:seq>
+          </p:childTnLst>
+        </p:cTn>
+      </p:par>
+    </p:tnLst>
+  </p:timing>
 </p:sld>
 </file>
 
-<file path=ppt/slides/slide38.xml><?xml version="1.0" encoding="utf-8"?>
+<file path=ppt/slides/slide39.xml><?xml version="1.0" encoding="utf-8"?>
 <p:sld xmlns:a="http://schemas.openxmlformats.org/drawingml/2006/main" xmlns:r="http://schemas.openxmlformats.org/officeDocument/2006/relationships" xmlns:p="http://schemas.openxmlformats.org/presentationml/2006/main">
   <p:cSld>
     <p:spTree>
@@ -10795,120 +14417,210 @@
   <p:clrMapOvr>
     <a:masterClrMapping/>
   </p:clrMapOvr>
-</p:sld>
-</file>
-
-<file path=ppt/slides/slide39.xml><?xml version="1.0" encoding="utf-8"?>
-<p:sld xmlns:a="http://schemas.openxmlformats.org/drawingml/2006/main" xmlns:r="http://schemas.openxmlformats.org/officeDocument/2006/relationships" xmlns:p="http://schemas.openxmlformats.org/presentationml/2006/main">
-  <p:cSld>
-    <p:spTree>
-      <p:nvGrpSpPr>
-        <p:cNvPr id="1" name=""/>
-        <p:cNvGrpSpPr/>
-        <p:nvPr/>
-      </p:nvGrpSpPr>
-      <p:grpSpPr>
-        <a:xfrm>
-          <a:off x="0" y="0"/>
-          <a:ext cx="0" cy="0"/>
-          <a:chOff x="0" y="0"/>
-          <a:chExt cx="0" cy="0"/>
-        </a:xfrm>
-      </p:grpSpPr>
-      <p:sp>
-        <p:nvSpPr>
-          <p:cNvPr id="2" name="Title 1"/>
-          <p:cNvSpPr>
-            <a:spLocks noGrp="1"/>
-          </p:cNvSpPr>
-          <p:nvPr>
-            <p:ph type="title"/>
-          </p:nvPr>
-        </p:nvSpPr>
-        <p:spPr/>
-        <p:txBody>
-          <a:bodyPr/>
-          <a:lstStyle/>
-          <a:p>
-            <a:pPr marL="0" lvl="0" indent="0">
-              <a:buNone/>
-            </a:pPr>
-            <a:r>
-              <a:t>Line Plots and Line Type</a:t>
-            </a:r>
-          </a:p>
-        </p:txBody>
-      </p:sp>
-      <p:sp>
-        <p:nvSpPr>
-          <p:cNvPr id="3" name="Content Placeholder 2"/>
-          <p:cNvSpPr>
-            <a:spLocks noGrp="1"/>
-          </p:cNvSpPr>
-          <p:nvPr>
-            <p:ph idx="1"/>
-          </p:nvPr>
-        </p:nvSpPr>
-        <p:spPr/>
-        <p:txBody>
-          <a:bodyPr/>
-          <a:lstStyle/>
-          <a:p>
-            <a:pPr marL="0" lvl="0" indent="0">
-              <a:buNone/>
-            </a:pPr>
-            <a:r>
-              <a:rPr b="1" dirty="0"/>
-              <a:t>Line plots</a:t>
-            </a:r>
-            <a:r>
-              <a:rPr dirty="0"/>
-              <a:t> connect discrete, ordered, data points by a line</a:t>
-            </a:r>
-          </a:p>
-          <a:p>
-            <a:pPr lvl="0"/>
-            <a:r>
-              <a:rPr dirty="0"/>
-              <a:t>Can use different colors and line pattern types to differentiate categories</a:t>
-            </a:r>
-          </a:p>
-          <a:p>
-            <a:pPr lvl="0"/>
-            <a:r>
-              <a:rPr dirty="0"/>
-              <a:t>Only useful for a limited number of lines on one graph</a:t>
-            </a:r>
-          </a:p>
-          <a:p>
-            <a:pPr lvl="0"/>
-            <a:r>
-              <a:rPr dirty="0"/>
-              <a:t>Too many similar colors and line patterns on one plot leads to viewer confusion and poor perception</a:t>
-            </a:r>
-            <a:endParaRPr lang="en-US" dirty="0"/>
-          </a:p>
-          <a:p>
-            <a:pPr lvl="0"/>
-            <a:r>
-              <a:rPr lang="en-US" dirty="0"/>
-              <a:t>You can see examples of line styles supported in Matplotlib in </a:t>
-            </a:r>
-            <a:r>
-              <a:rPr lang="en-US" dirty="0">
-                <a:hlinkClick r:id="rId2"/>
-              </a:rPr>
-              <a:t>this article</a:t>
-            </a:r>
-            <a:endParaRPr dirty="0"/>
-          </a:p>
-        </p:txBody>
-      </p:sp>
-    </p:spTree>
-  </p:cSld>
-  <p:clrMapOvr>
-    <a:masterClrMapping/>
-  </p:clrMapOvr>
+  <p:timing>
+    <p:tnLst>
+      <p:par>
+        <p:cTn id="1" dur="indefinite" restart="never" nodeType="tmRoot">
+          <p:childTnLst>
+            <p:seq concurrent="1" nextAc="seek">
+              <p:cTn id="2" dur="indefinite" nodeType="mainSeq">
+                <p:childTnLst>
+                  <p:par>
+                    <p:cTn id="3" fill="hold">
+                      <p:stCondLst>
+                        <p:cond delay="indefinite"/>
+                      </p:stCondLst>
+                      <p:childTnLst>
+                        <p:par>
+                          <p:cTn id="4" fill="hold">
+                            <p:stCondLst>
+                              <p:cond delay="0"/>
+                            </p:stCondLst>
+                            <p:childTnLst>
+                              <p:par>
+                                <p:cTn id="5" presetID="1" presetClass="entr" presetSubtype="0" fill="hold" nodeType="clickEffect">
+                                  <p:stCondLst>
+                                    <p:cond delay="0"/>
+                                  </p:stCondLst>
+                                  <p:childTnLst>
+                                    <p:set>
+                                      <p:cBhvr>
+                                        <p:cTn id="6" dur="1" fill="hold">
+                                          <p:stCondLst>
+                                            <p:cond delay="0"/>
+                                          </p:stCondLst>
+                                        </p:cTn>
+                                        <p:tgtEl>
+                                          <p:spTgt spid="3">
+                                            <p:txEl>
+                                              <p:pRg st="1" end="1"/>
+                                            </p:txEl>
+                                          </p:spTgt>
+                                        </p:tgtEl>
+                                        <p:attrNameLst>
+                                          <p:attrName>style.visibility</p:attrName>
+                                        </p:attrNameLst>
+                                      </p:cBhvr>
+                                      <p:to>
+                                        <p:strVal val="visible"/>
+                                      </p:to>
+                                    </p:set>
+                                  </p:childTnLst>
+                                </p:cTn>
+                              </p:par>
+                              <p:par>
+                                <p:cTn id="7" presetID="1" presetClass="entr" presetSubtype="0" fill="hold" nodeType="withEffect">
+                                  <p:stCondLst>
+                                    <p:cond delay="0"/>
+                                  </p:stCondLst>
+                                  <p:childTnLst>
+                                    <p:set>
+                                      <p:cBhvr>
+                                        <p:cTn id="8" dur="1" fill="hold">
+                                          <p:stCondLst>
+                                            <p:cond delay="0"/>
+                                          </p:stCondLst>
+                                        </p:cTn>
+                                        <p:tgtEl>
+                                          <p:spTgt spid="5"/>
+                                        </p:tgtEl>
+                                        <p:attrNameLst>
+                                          <p:attrName>style.visibility</p:attrName>
+                                        </p:attrNameLst>
+                                      </p:cBhvr>
+                                      <p:to>
+                                        <p:strVal val="visible"/>
+                                      </p:to>
+                                    </p:set>
+                                  </p:childTnLst>
+                                </p:cTn>
+                              </p:par>
+                            </p:childTnLst>
+                          </p:cTn>
+                        </p:par>
+                      </p:childTnLst>
+                    </p:cTn>
+                  </p:par>
+                  <p:par>
+                    <p:cTn id="9" fill="hold">
+                      <p:stCondLst>
+                        <p:cond delay="indefinite"/>
+                      </p:stCondLst>
+                      <p:childTnLst>
+                        <p:par>
+                          <p:cTn id="10" fill="hold">
+                            <p:stCondLst>
+                              <p:cond delay="0"/>
+                            </p:stCondLst>
+                            <p:childTnLst>
+                              <p:par>
+                                <p:cTn id="11" presetID="1" presetClass="entr" presetSubtype="0" fill="hold" nodeType="clickEffect">
+                                  <p:stCondLst>
+                                    <p:cond delay="0"/>
+                                  </p:stCondLst>
+                                  <p:childTnLst>
+                                    <p:set>
+                                      <p:cBhvr>
+                                        <p:cTn id="12" dur="1" fill="hold">
+                                          <p:stCondLst>
+                                            <p:cond delay="0"/>
+                                          </p:stCondLst>
+                                        </p:cTn>
+                                        <p:tgtEl>
+                                          <p:spTgt spid="3">
+                                            <p:txEl>
+                                              <p:pRg st="2" end="2"/>
+                                            </p:txEl>
+                                          </p:spTgt>
+                                        </p:tgtEl>
+                                        <p:attrNameLst>
+                                          <p:attrName>style.visibility</p:attrName>
+                                        </p:attrNameLst>
+                                      </p:cBhvr>
+                                      <p:to>
+                                        <p:strVal val="visible"/>
+                                      </p:to>
+                                    </p:set>
+                                  </p:childTnLst>
+                                </p:cTn>
+                              </p:par>
+                            </p:childTnLst>
+                          </p:cTn>
+                        </p:par>
+                      </p:childTnLst>
+                    </p:cTn>
+                  </p:par>
+                  <p:par>
+                    <p:cTn id="13" fill="hold">
+                      <p:stCondLst>
+                        <p:cond delay="indefinite"/>
+                      </p:stCondLst>
+                      <p:childTnLst>
+                        <p:par>
+                          <p:cTn id="14" fill="hold">
+                            <p:stCondLst>
+                              <p:cond delay="0"/>
+                            </p:stCondLst>
+                            <p:childTnLst>
+                              <p:par>
+                                <p:cTn id="15" presetID="1" presetClass="entr" presetSubtype="0" fill="hold" nodeType="clickEffect">
+                                  <p:stCondLst>
+                                    <p:cond delay="0"/>
+                                  </p:stCondLst>
+                                  <p:childTnLst>
+                                    <p:set>
+                                      <p:cBhvr>
+                                        <p:cTn id="16" dur="1" fill="hold">
+                                          <p:stCondLst>
+                                            <p:cond delay="0"/>
+                                          </p:stCondLst>
+                                        </p:cTn>
+                                        <p:tgtEl>
+                                          <p:spTgt spid="3">
+                                            <p:txEl>
+                                              <p:pRg st="3" end="3"/>
+                                            </p:txEl>
+                                          </p:spTgt>
+                                        </p:tgtEl>
+                                        <p:attrNameLst>
+                                          <p:attrName>style.visibility</p:attrName>
+                                        </p:attrNameLst>
+                                      </p:cBhvr>
+                                      <p:to>
+                                        <p:strVal val="visible"/>
+                                      </p:to>
+                                    </p:set>
+                                  </p:childTnLst>
+                                </p:cTn>
+                              </p:par>
+                            </p:childTnLst>
+                          </p:cTn>
+                        </p:par>
+                      </p:childTnLst>
+                    </p:cTn>
+                  </p:par>
+                </p:childTnLst>
+              </p:cTn>
+              <p:prevCondLst>
+                <p:cond evt="onPrev" delay="0">
+                  <p:tgtEl>
+                    <p:sldTgt/>
+                  </p:tgtEl>
+                </p:cond>
+              </p:prevCondLst>
+              <p:nextCondLst>
+                <p:cond evt="onNext" delay="0">
+                  <p:tgtEl>
+                    <p:sldTgt/>
+                  </p:tgtEl>
+                </p:cond>
+              </p:nextCondLst>
+            </p:seq>
+          </p:childTnLst>
+        </p:cTn>
+      </p:par>
+    </p:tnLst>
+  </p:timing>
 </p:sld>
 </file>
 
@@ -11058,7 +14770,7 @@
             </a:r>
             <a:r>
               <a:rPr lang="en-US" dirty="0"/>
-              <a:t>changes in response given changes in independent variables    </a:t>
+              <a:t>changes in response to changes in independent variables    </a:t>
             </a:r>
           </a:p>
           <a:p>
@@ -11079,7 +14791,7 @@
           <a:p>
             <a:r>
               <a:rPr lang="en-US" dirty="0"/>
-              <a:t>We focus on inference in this course, not machine learning specifically </a:t>
+              <a:t>We focus on inference for this course, not machine learning and prediction </a:t>
             </a:r>
             <a:endParaRPr dirty="0"/>
           </a:p>
@@ -11515,6 +15227,346 @@
               <a:buNone/>
             </a:pPr>
             <a:r>
+              <a:t>Line Plots and Line Type</a:t>
+            </a:r>
+          </a:p>
+        </p:txBody>
+      </p:sp>
+      <p:sp>
+        <p:nvSpPr>
+          <p:cNvPr id="3" name="Content Placeholder 2"/>
+          <p:cNvSpPr>
+            <a:spLocks noGrp="1"/>
+          </p:cNvSpPr>
+          <p:nvPr>
+            <p:ph idx="1"/>
+          </p:nvPr>
+        </p:nvSpPr>
+        <p:spPr/>
+        <p:txBody>
+          <a:bodyPr/>
+          <a:lstStyle/>
+          <a:p>
+            <a:pPr marL="0" lvl="0" indent="0">
+              <a:buNone/>
+            </a:pPr>
+            <a:r>
+              <a:rPr b="1" dirty="0"/>
+              <a:t>Line plots</a:t>
+            </a:r>
+            <a:r>
+              <a:rPr dirty="0"/>
+              <a:t> connect discrete, ordered, data points by a line</a:t>
+            </a:r>
+          </a:p>
+          <a:p>
+            <a:pPr lvl="0"/>
+            <a:r>
+              <a:rPr dirty="0"/>
+              <a:t>Can use different colors and line pattern types to differentiate categories</a:t>
+            </a:r>
+          </a:p>
+          <a:p>
+            <a:pPr lvl="0"/>
+            <a:r>
+              <a:rPr dirty="0"/>
+              <a:t>Only useful for a limited number of lines on one graph</a:t>
+            </a:r>
+          </a:p>
+          <a:p>
+            <a:pPr lvl="0"/>
+            <a:r>
+              <a:rPr dirty="0"/>
+              <a:t>Too many similar colors and line patterns on one plot leads to viewer confusion and poor perception</a:t>
+            </a:r>
+            <a:endParaRPr lang="en-US" dirty="0"/>
+          </a:p>
+          <a:p>
+            <a:pPr lvl="0"/>
+            <a:r>
+              <a:rPr lang="en-US" dirty="0"/>
+              <a:t>You can see examples of line styles supported in Matplotlib in </a:t>
+            </a:r>
+            <a:r>
+              <a:rPr lang="en-US" dirty="0">
+                <a:hlinkClick r:id="rId2"/>
+              </a:rPr>
+              <a:t>this article</a:t>
+            </a:r>
+            <a:endParaRPr dirty="0"/>
+          </a:p>
+        </p:txBody>
+      </p:sp>
+    </p:spTree>
+  </p:cSld>
+  <p:clrMapOvr>
+    <a:masterClrMapping/>
+  </p:clrMapOvr>
+  <p:timing>
+    <p:tnLst>
+      <p:par>
+        <p:cTn id="1" dur="indefinite" restart="never" nodeType="tmRoot">
+          <p:childTnLst>
+            <p:seq concurrent="1" nextAc="seek">
+              <p:cTn id="2" dur="indefinite" nodeType="mainSeq">
+                <p:childTnLst>
+                  <p:par>
+                    <p:cTn id="3" fill="hold">
+                      <p:stCondLst>
+                        <p:cond delay="indefinite"/>
+                      </p:stCondLst>
+                      <p:childTnLst>
+                        <p:par>
+                          <p:cTn id="4" fill="hold">
+                            <p:stCondLst>
+                              <p:cond delay="0"/>
+                            </p:stCondLst>
+                            <p:childTnLst>
+                              <p:par>
+                                <p:cTn id="5" presetID="1" presetClass="entr" presetSubtype="0" fill="hold" nodeType="clickEffect">
+                                  <p:stCondLst>
+                                    <p:cond delay="0"/>
+                                  </p:stCondLst>
+                                  <p:childTnLst>
+                                    <p:set>
+                                      <p:cBhvr>
+                                        <p:cTn id="6" dur="1" fill="hold">
+                                          <p:stCondLst>
+                                            <p:cond delay="0"/>
+                                          </p:stCondLst>
+                                        </p:cTn>
+                                        <p:tgtEl>
+                                          <p:spTgt spid="3">
+                                            <p:txEl>
+                                              <p:pRg st="1" end="1"/>
+                                            </p:txEl>
+                                          </p:spTgt>
+                                        </p:tgtEl>
+                                        <p:attrNameLst>
+                                          <p:attrName>style.visibility</p:attrName>
+                                        </p:attrNameLst>
+                                      </p:cBhvr>
+                                      <p:to>
+                                        <p:strVal val="visible"/>
+                                      </p:to>
+                                    </p:set>
+                                  </p:childTnLst>
+                                </p:cTn>
+                              </p:par>
+                            </p:childTnLst>
+                          </p:cTn>
+                        </p:par>
+                      </p:childTnLst>
+                    </p:cTn>
+                  </p:par>
+                  <p:par>
+                    <p:cTn id="7" fill="hold">
+                      <p:stCondLst>
+                        <p:cond delay="indefinite"/>
+                      </p:stCondLst>
+                      <p:childTnLst>
+                        <p:par>
+                          <p:cTn id="8" fill="hold">
+                            <p:stCondLst>
+                              <p:cond delay="0"/>
+                            </p:stCondLst>
+                            <p:childTnLst>
+                              <p:par>
+                                <p:cTn id="9" presetID="1" presetClass="entr" presetSubtype="0" fill="hold" nodeType="clickEffect">
+                                  <p:stCondLst>
+                                    <p:cond delay="0"/>
+                                  </p:stCondLst>
+                                  <p:childTnLst>
+                                    <p:set>
+                                      <p:cBhvr>
+                                        <p:cTn id="10" dur="1" fill="hold">
+                                          <p:stCondLst>
+                                            <p:cond delay="0"/>
+                                          </p:stCondLst>
+                                        </p:cTn>
+                                        <p:tgtEl>
+                                          <p:spTgt spid="3">
+                                            <p:txEl>
+                                              <p:pRg st="2" end="2"/>
+                                            </p:txEl>
+                                          </p:spTgt>
+                                        </p:tgtEl>
+                                        <p:attrNameLst>
+                                          <p:attrName>style.visibility</p:attrName>
+                                        </p:attrNameLst>
+                                      </p:cBhvr>
+                                      <p:to>
+                                        <p:strVal val="visible"/>
+                                      </p:to>
+                                    </p:set>
+                                  </p:childTnLst>
+                                </p:cTn>
+                              </p:par>
+                            </p:childTnLst>
+                          </p:cTn>
+                        </p:par>
+                      </p:childTnLst>
+                    </p:cTn>
+                  </p:par>
+                  <p:par>
+                    <p:cTn id="11" fill="hold">
+                      <p:stCondLst>
+                        <p:cond delay="indefinite"/>
+                      </p:stCondLst>
+                      <p:childTnLst>
+                        <p:par>
+                          <p:cTn id="12" fill="hold">
+                            <p:stCondLst>
+                              <p:cond delay="0"/>
+                            </p:stCondLst>
+                            <p:childTnLst>
+                              <p:par>
+                                <p:cTn id="13" presetID="1" presetClass="entr" presetSubtype="0" fill="hold" nodeType="clickEffect">
+                                  <p:stCondLst>
+                                    <p:cond delay="0"/>
+                                  </p:stCondLst>
+                                  <p:childTnLst>
+                                    <p:set>
+                                      <p:cBhvr>
+                                        <p:cTn id="14" dur="1" fill="hold">
+                                          <p:stCondLst>
+                                            <p:cond delay="0"/>
+                                          </p:stCondLst>
+                                        </p:cTn>
+                                        <p:tgtEl>
+                                          <p:spTgt spid="3">
+                                            <p:txEl>
+                                              <p:pRg st="3" end="3"/>
+                                            </p:txEl>
+                                          </p:spTgt>
+                                        </p:tgtEl>
+                                        <p:attrNameLst>
+                                          <p:attrName>style.visibility</p:attrName>
+                                        </p:attrNameLst>
+                                      </p:cBhvr>
+                                      <p:to>
+                                        <p:strVal val="visible"/>
+                                      </p:to>
+                                    </p:set>
+                                  </p:childTnLst>
+                                </p:cTn>
+                              </p:par>
+                            </p:childTnLst>
+                          </p:cTn>
+                        </p:par>
+                      </p:childTnLst>
+                    </p:cTn>
+                  </p:par>
+                  <p:par>
+                    <p:cTn id="15" fill="hold">
+                      <p:stCondLst>
+                        <p:cond delay="indefinite"/>
+                      </p:stCondLst>
+                      <p:childTnLst>
+                        <p:par>
+                          <p:cTn id="16" fill="hold">
+                            <p:stCondLst>
+                              <p:cond delay="0"/>
+                            </p:stCondLst>
+                            <p:childTnLst>
+                              <p:par>
+                                <p:cTn id="17" presetID="1" presetClass="entr" presetSubtype="0" fill="hold" nodeType="clickEffect">
+                                  <p:stCondLst>
+                                    <p:cond delay="0"/>
+                                  </p:stCondLst>
+                                  <p:childTnLst>
+                                    <p:set>
+                                      <p:cBhvr>
+                                        <p:cTn id="18" dur="1" fill="hold">
+                                          <p:stCondLst>
+                                            <p:cond delay="0"/>
+                                          </p:stCondLst>
+                                        </p:cTn>
+                                        <p:tgtEl>
+                                          <p:spTgt spid="3">
+                                            <p:txEl>
+                                              <p:pRg st="4" end="4"/>
+                                            </p:txEl>
+                                          </p:spTgt>
+                                        </p:tgtEl>
+                                        <p:attrNameLst>
+                                          <p:attrName>style.visibility</p:attrName>
+                                        </p:attrNameLst>
+                                      </p:cBhvr>
+                                      <p:to>
+                                        <p:strVal val="visible"/>
+                                      </p:to>
+                                    </p:set>
+                                  </p:childTnLst>
+                                </p:cTn>
+                              </p:par>
+                            </p:childTnLst>
+                          </p:cTn>
+                        </p:par>
+                      </p:childTnLst>
+                    </p:cTn>
+                  </p:par>
+                </p:childTnLst>
+              </p:cTn>
+              <p:prevCondLst>
+                <p:cond evt="onPrev" delay="0">
+                  <p:tgtEl>
+                    <p:sldTgt/>
+                  </p:tgtEl>
+                </p:cond>
+              </p:prevCondLst>
+              <p:nextCondLst>
+                <p:cond evt="onNext" delay="0">
+                  <p:tgtEl>
+                    <p:sldTgt/>
+                  </p:tgtEl>
+                </p:cond>
+              </p:nextCondLst>
+            </p:seq>
+          </p:childTnLst>
+        </p:cTn>
+      </p:par>
+    </p:tnLst>
+  </p:timing>
+</p:sld>
+</file>
+
+<file path=ppt/slides/slide41.xml><?xml version="1.0" encoding="utf-8"?>
+<p:sld xmlns:a="http://schemas.openxmlformats.org/drawingml/2006/main" xmlns:r="http://schemas.openxmlformats.org/officeDocument/2006/relationships" xmlns:p="http://schemas.openxmlformats.org/presentationml/2006/main">
+  <p:cSld>
+    <p:spTree>
+      <p:nvGrpSpPr>
+        <p:cNvPr id="1" name=""/>
+        <p:cNvGrpSpPr/>
+        <p:nvPr/>
+      </p:nvGrpSpPr>
+      <p:grpSpPr>
+        <a:xfrm>
+          <a:off x="0" y="0"/>
+          <a:ext cx="0" cy="0"/>
+          <a:chOff x="0" y="0"/>
+          <a:chExt cx="0" cy="0"/>
+        </a:xfrm>
+      </p:grpSpPr>
+      <p:sp>
+        <p:nvSpPr>
+          <p:cNvPr id="2" name="Title 1"/>
+          <p:cNvSpPr>
+            <a:spLocks noGrp="1"/>
+          </p:cNvSpPr>
+          <p:nvPr>
+            <p:ph type="title"/>
+          </p:nvPr>
+        </p:nvSpPr>
+        <p:spPr/>
+        <p:txBody>
+          <a:bodyPr/>
+          <a:lstStyle/>
+          <a:p>
+            <a:pPr marL="0" lvl="0" indent="0">
+              <a:buNone/>
+            </a:pPr>
+            <a:r>
               <a:t>Limits of Line Type</a:t>
             </a:r>
           </a:p>
@@ -11754,10 +15806,165 @@
   <p:clrMapOvr>
     <a:masterClrMapping/>
   </p:clrMapOvr>
+  <p:timing>
+    <p:tnLst>
+      <p:par>
+        <p:cTn id="1" dur="indefinite" restart="never" nodeType="tmRoot">
+          <p:childTnLst>
+            <p:seq concurrent="1" nextAc="seek">
+              <p:cTn id="2" dur="indefinite" nodeType="mainSeq">
+                <p:childTnLst>
+                  <p:par>
+                    <p:cTn id="3" fill="hold">
+                      <p:stCondLst>
+                        <p:cond delay="indefinite"/>
+                      </p:stCondLst>
+                      <p:childTnLst>
+                        <p:par>
+                          <p:cTn id="4" fill="hold">
+                            <p:stCondLst>
+                              <p:cond delay="0"/>
+                            </p:stCondLst>
+                            <p:childTnLst>
+                              <p:par>
+                                <p:cTn id="5" presetID="1" presetClass="entr" presetSubtype="0" fill="hold" nodeType="clickEffect">
+                                  <p:stCondLst>
+                                    <p:cond delay="0"/>
+                                  </p:stCondLst>
+                                  <p:childTnLst>
+                                    <p:set>
+                                      <p:cBhvr>
+                                        <p:cTn id="6" dur="1" fill="hold">
+                                          <p:stCondLst>
+                                            <p:cond delay="0"/>
+                                          </p:stCondLst>
+                                        </p:cTn>
+                                        <p:tgtEl>
+                                          <p:spTgt spid="6">
+                                            <p:txEl>
+                                              <p:pRg st="1" end="1"/>
+                                            </p:txEl>
+                                          </p:spTgt>
+                                        </p:tgtEl>
+                                        <p:attrNameLst>
+                                          <p:attrName>style.visibility</p:attrName>
+                                        </p:attrNameLst>
+                                      </p:cBhvr>
+                                      <p:to>
+                                        <p:strVal val="visible"/>
+                                      </p:to>
+                                    </p:set>
+                                  </p:childTnLst>
+                                </p:cTn>
+                              </p:par>
+                              <p:par>
+                                <p:cTn id="7" presetID="1" presetClass="entr" presetSubtype="0" fill="hold" nodeType="withEffect">
+                                  <p:stCondLst>
+                                    <p:cond delay="0"/>
+                                  </p:stCondLst>
+                                  <p:childTnLst>
+                                    <p:set>
+                                      <p:cBhvr>
+                                        <p:cTn id="8" dur="1" fill="hold">
+                                          <p:stCondLst>
+                                            <p:cond delay="0"/>
+                                          </p:stCondLst>
+                                        </p:cTn>
+                                        <p:tgtEl>
+                                          <p:spTgt spid="5"/>
+                                        </p:tgtEl>
+                                        <p:attrNameLst>
+                                          <p:attrName>style.visibility</p:attrName>
+                                        </p:attrNameLst>
+                                      </p:cBhvr>
+                                      <p:to>
+                                        <p:strVal val="visible"/>
+                                      </p:to>
+                                    </p:set>
+                                  </p:childTnLst>
+                                </p:cTn>
+                              </p:par>
+                            </p:childTnLst>
+                          </p:cTn>
+                        </p:par>
+                      </p:childTnLst>
+                    </p:cTn>
+                  </p:par>
+                  <p:par>
+                    <p:cTn id="9" fill="hold">
+                      <p:stCondLst>
+                        <p:cond delay="indefinite"/>
+                      </p:stCondLst>
+                      <p:childTnLst>
+                        <p:par>
+                          <p:cTn id="10" fill="hold">
+                            <p:stCondLst>
+                              <p:cond delay="0"/>
+                            </p:stCondLst>
+                            <p:childTnLst>
+                              <p:par>
+                                <p:cTn id="11" presetID="1" presetClass="entr" presetSubtype="0" fill="hold" nodeType="clickEffect">
+                                  <p:stCondLst>
+                                    <p:cond delay="0"/>
+                                  </p:stCondLst>
+                                  <p:childTnLst>
+                                    <p:set>
+                                      <p:cBhvr>
+                                        <p:cTn id="12" dur="1" fill="hold">
+                                          <p:stCondLst>
+                                            <p:cond delay="0"/>
+                                          </p:stCondLst>
+                                        </p:cTn>
+                                        <p:tgtEl>
+                                          <p:spTgt spid="6">
+                                            <p:txEl>
+                                              <p:pRg st="2" end="2"/>
+                                            </p:txEl>
+                                          </p:spTgt>
+                                        </p:tgtEl>
+                                        <p:attrNameLst>
+                                          <p:attrName>style.visibility</p:attrName>
+                                        </p:attrNameLst>
+                                      </p:cBhvr>
+                                      <p:to>
+                                        <p:strVal val="visible"/>
+                                      </p:to>
+                                    </p:set>
+                                  </p:childTnLst>
+                                </p:cTn>
+                              </p:par>
+                            </p:childTnLst>
+                          </p:cTn>
+                        </p:par>
+                      </p:childTnLst>
+                    </p:cTn>
+                  </p:par>
+                </p:childTnLst>
+              </p:cTn>
+              <p:prevCondLst>
+                <p:cond evt="onPrev" delay="0">
+                  <p:tgtEl>
+                    <p:sldTgt/>
+                  </p:tgtEl>
+                </p:cond>
+              </p:prevCondLst>
+              <p:nextCondLst>
+                <p:cond evt="onNext" delay="0">
+                  <p:tgtEl>
+                    <p:sldTgt/>
+                  </p:tgtEl>
+                </p:cond>
+              </p:nextCondLst>
+            </p:seq>
+          </p:childTnLst>
+        </p:cTn>
+      </p:par>
+    </p:tnLst>
+  </p:timing>
 </p:sld>
 </file>
 
-<file path=ppt/slides/slide41.xml><?xml version="1.0" encoding="utf-8"?>
+<file path=ppt/slides/slide42.xml><?xml version="1.0" encoding="utf-8"?>
 <p:sld xmlns:a="http://schemas.openxmlformats.org/drawingml/2006/main" xmlns:r="http://schemas.openxmlformats.org/officeDocument/2006/relationships" xmlns:p="http://schemas.openxmlformats.org/presentationml/2006/main">
   <p:cSld>
     <p:spTree>
@@ -11882,7 +16089,7 @@
 </p:sld>
 </file>
 
-<file path=ppt/slides/slide42.xml><?xml version="1.0" encoding="utf-8"?>
+<file path=ppt/slides/slide43.xml><?xml version="1.0" encoding="utf-8"?>
 <p:sld xmlns:a="http://schemas.openxmlformats.org/drawingml/2006/main" xmlns:r="http://schemas.openxmlformats.org/officeDocument/2006/relationships" xmlns:p="http://schemas.openxmlformats.org/presentationml/2006/main">
   <p:cSld>
     <p:spTree>
@@ -12163,10 +16370,214 @@
   <p:clrMapOvr>
     <a:masterClrMapping/>
   </p:clrMapOvr>
+  <p:timing>
+    <p:tnLst>
+      <p:par>
+        <p:cTn id="1" dur="indefinite" restart="never" nodeType="tmRoot">
+          <p:childTnLst>
+            <p:seq concurrent="1" nextAc="seek">
+              <p:cTn id="2" dur="indefinite" nodeType="mainSeq">
+                <p:childTnLst>
+                  <p:par>
+                    <p:cTn id="3" fill="hold">
+                      <p:stCondLst>
+                        <p:cond delay="indefinite"/>
+                      </p:stCondLst>
+                      <p:childTnLst>
+                        <p:par>
+                          <p:cTn id="4" fill="hold">
+                            <p:stCondLst>
+                              <p:cond delay="0"/>
+                            </p:stCondLst>
+                            <p:childTnLst>
+                              <p:par>
+                                <p:cTn id="5" presetID="1" presetClass="entr" presetSubtype="0" fill="hold" nodeType="clickEffect">
+                                  <p:stCondLst>
+                                    <p:cond delay="0"/>
+                                  </p:stCondLst>
+                                  <p:childTnLst>
+                                    <p:set>
+                                      <p:cBhvr>
+                                        <p:cTn id="6" dur="1" fill="hold">
+                                          <p:stCondLst>
+                                            <p:cond delay="0"/>
+                                          </p:stCondLst>
+                                        </p:cTn>
+                                        <p:tgtEl>
+                                          <p:spTgt spid="3">
+                                            <p:txEl>
+                                              <p:pRg st="1" end="1"/>
+                                            </p:txEl>
+                                          </p:spTgt>
+                                        </p:tgtEl>
+                                        <p:attrNameLst>
+                                          <p:attrName>style.visibility</p:attrName>
+                                        </p:attrNameLst>
+                                      </p:cBhvr>
+                                      <p:to>
+                                        <p:strVal val="visible"/>
+                                      </p:to>
+                                    </p:set>
+                                  </p:childTnLst>
+                                </p:cTn>
+                              </p:par>
+                              <p:par>
+                                <p:cTn id="7" presetID="1" presetClass="entr" presetSubtype="0" fill="hold" nodeType="withEffect">
+                                  <p:stCondLst>
+                                    <p:cond delay="0"/>
+                                  </p:stCondLst>
+                                  <p:childTnLst>
+                                    <p:set>
+                                      <p:cBhvr>
+                                        <p:cTn id="8" dur="1" fill="hold">
+                                          <p:stCondLst>
+                                            <p:cond delay="0"/>
+                                          </p:stCondLst>
+                                        </p:cTn>
+                                        <p:tgtEl>
+                                          <p:spTgt spid="6"/>
+                                        </p:tgtEl>
+                                        <p:attrNameLst>
+                                          <p:attrName>style.visibility</p:attrName>
+                                        </p:attrNameLst>
+                                      </p:cBhvr>
+                                      <p:to>
+                                        <p:strVal val="visible"/>
+                                      </p:to>
+                                    </p:set>
+                                  </p:childTnLst>
+                                </p:cTn>
+                              </p:par>
+                            </p:childTnLst>
+                          </p:cTn>
+                        </p:par>
+                      </p:childTnLst>
+                    </p:cTn>
+                  </p:par>
+                  <p:par>
+                    <p:cTn id="9" fill="hold">
+                      <p:stCondLst>
+                        <p:cond delay="indefinite"/>
+                      </p:stCondLst>
+                      <p:childTnLst>
+                        <p:par>
+                          <p:cTn id="10" fill="hold">
+                            <p:stCondLst>
+                              <p:cond delay="0"/>
+                            </p:stCondLst>
+                            <p:childTnLst>
+                              <p:par>
+                                <p:cTn id="11" presetID="1" presetClass="entr" presetSubtype="0" fill="hold" nodeType="clickEffect">
+                                  <p:stCondLst>
+                                    <p:cond delay="0"/>
+                                  </p:stCondLst>
+                                  <p:childTnLst>
+                                    <p:set>
+                                      <p:cBhvr>
+                                        <p:cTn id="12" dur="1" fill="hold">
+                                          <p:stCondLst>
+                                            <p:cond delay="0"/>
+                                          </p:stCondLst>
+                                        </p:cTn>
+                                        <p:tgtEl>
+                                          <p:spTgt spid="3">
+                                            <p:txEl>
+                                              <p:pRg st="2" end="2"/>
+                                            </p:txEl>
+                                          </p:spTgt>
+                                        </p:tgtEl>
+                                        <p:attrNameLst>
+                                          <p:attrName>style.visibility</p:attrName>
+                                        </p:attrNameLst>
+                                      </p:cBhvr>
+                                      <p:to>
+                                        <p:strVal val="visible"/>
+                                      </p:to>
+                                    </p:set>
+                                  </p:childTnLst>
+                                </p:cTn>
+                              </p:par>
+                            </p:childTnLst>
+                          </p:cTn>
+                        </p:par>
+                      </p:childTnLst>
+                    </p:cTn>
+                  </p:par>
+                  <p:par>
+                    <p:cTn id="13" fill="hold">
+                      <p:stCondLst>
+                        <p:cond delay="indefinite"/>
+                      </p:stCondLst>
+                      <p:childTnLst>
+                        <p:par>
+                          <p:cTn id="14" fill="hold">
+                            <p:stCondLst>
+                              <p:cond delay="0"/>
+                            </p:stCondLst>
+                            <p:childTnLst>
+                              <p:par>
+                                <p:cTn id="15" presetID="1" presetClass="entr" presetSubtype="0" fill="hold" nodeType="clickEffect">
+                                  <p:stCondLst>
+                                    <p:cond delay="0"/>
+                                  </p:stCondLst>
+                                  <p:childTnLst>
+                                    <p:set>
+                                      <p:cBhvr>
+                                        <p:cTn id="16" dur="1" fill="hold">
+                                          <p:stCondLst>
+                                            <p:cond delay="0"/>
+                                          </p:stCondLst>
+                                        </p:cTn>
+                                        <p:tgtEl>
+                                          <p:spTgt spid="3">
+                                            <p:txEl>
+                                              <p:pRg st="3" end="3"/>
+                                            </p:txEl>
+                                          </p:spTgt>
+                                        </p:tgtEl>
+                                        <p:attrNameLst>
+                                          <p:attrName>style.visibility</p:attrName>
+                                        </p:attrNameLst>
+                                      </p:cBhvr>
+                                      <p:to>
+                                        <p:strVal val="visible"/>
+                                      </p:to>
+                                    </p:set>
+                                  </p:childTnLst>
+                                </p:cTn>
+                              </p:par>
+                            </p:childTnLst>
+                          </p:cTn>
+                        </p:par>
+                      </p:childTnLst>
+                    </p:cTn>
+                  </p:par>
+                </p:childTnLst>
+              </p:cTn>
+              <p:prevCondLst>
+                <p:cond evt="onPrev" delay="0">
+                  <p:tgtEl>
+                    <p:sldTgt/>
+                  </p:tgtEl>
+                </p:cond>
+              </p:prevCondLst>
+              <p:nextCondLst>
+                <p:cond evt="onNext" delay="0">
+                  <p:tgtEl>
+                    <p:sldTgt/>
+                  </p:tgtEl>
+                </p:cond>
+              </p:nextCondLst>
+            </p:seq>
+          </p:childTnLst>
+        </p:cTn>
+      </p:par>
+    </p:tnLst>
+  </p:timing>
 </p:sld>
 </file>
 
-<file path=ppt/slides/slide43.xml><?xml version="1.0" encoding="utf-8"?>
+<file path=ppt/slides/slide44.xml><?xml version="1.0" encoding="utf-8"?>
 <p:sld xmlns:a="http://schemas.openxmlformats.org/drawingml/2006/main" xmlns:r="http://schemas.openxmlformats.org/officeDocument/2006/relationships" xmlns:p="http://schemas.openxmlformats.org/presentationml/2006/main">
   <p:cSld>
     <p:spTree>
@@ -12319,10 +16730,373 @@
   <p:clrMapOvr>
     <a:masterClrMapping/>
   </p:clrMapOvr>
+  <p:timing>
+    <p:tnLst>
+      <p:par>
+        <p:cTn id="1" dur="indefinite" restart="never" nodeType="tmRoot">
+          <p:childTnLst>
+            <p:seq concurrent="1" nextAc="seek">
+              <p:cTn id="2" dur="indefinite" nodeType="mainSeq">
+                <p:childTnLst>
+                  <p:par>
+                    <p:cTn id="3" fill="hold">
+                      <p:stCondLst>
+                        <p:cond delay="indefinite"/>
+                      </p:stCondLst>
+                      <p:childTnLst>
+                        <p:par>
+                          <p:cTn id="4" fill="hold">
+                            <p:stCondLst>
+                              <p:cond delay="0"/>
+                            </p:stCondLst>
+                            <p:childTnLst>
+                              <p:par>
+                                <p:cTn id="5" presetID="1" presetClass="entr" presetSubtype="0" fill="hold" nodeType="clickEffect">
+                                  <p:stCondLst>
+                                    <p:cond delay="0"/>
+                                  </p:stCondLst>
+                                  <p:childTnLst>
+                                    <p:set>
+                                      <p:cBhvr>
+                                        <p:cTn id="6" dur="1" fill="hold">
+                                          <p:stCondLst>
+                                            <p:cond delay="0"/>
+                                          </p:stCondLst>
+                                        </p:cTn>
+                                        <p:tgtEl>
+                                          <p:spTgt spid="3">
+                                            <p:txEl>
+                                              <p:pRg st="1" end="1"/>
+                                            </p:txEl>
+                                          </p:spTgt>
+                                        </p:tgtEl>
+                                        <p:attrNameLst>
+                                          <p:attrName>style.visibility</p:attrName>
+                                        </p:attrNameLst>
+                                      </p:cBhvr>
+                                      <p:to>
+                                        <p:strVal val="visible"/>
+                                      </p:to>
+                                    </p:set>
+                                  </p:childTnLst>
+                                </p:cTn>
+                              </p:par>
+                              <p:par>
+                                <p:cTn id="7" presetID="1" presetClass="entr" presetSubtype="0" fill="hold" nodeType="withEffect">
+                                  <p:stCondLst>
+                                    <p:cond delay="0"/>
+                                  </p:stCondLst>
+                                  <p:childTnLst>
+                                    <p:set>
+                                      <p:cBhvr>
+                                        <p:cTn id="8" dur="1" fill="hold">
+                                          <p:stCondLst>
+                                            <p:cond delay="0"/>
+                                          </p:stCondLst>
+                                        </p:cTn>
+                                        <p:tgtEl>
+                                          <p:spTgt spid="3">
+                                            <p:txEl>
+                                              <p:pRg st="2" end="2"/>
+                                            </p:txEl>
+                                          </p:spTgt>
+                                        </p:tgtEl>
+                                        <p:attrNameLst>
+                                          <p:attrName>style.visibility</p:attrName>
+                                        </p:attrNameLst>
+                                      </p:cBhvr>
+                                      <p:to>
+                                        <p:strVal val="visible"/>
+                                      </p:to>
+                                    </p:set>
+                                  </p:childTnLst>
+                                </p:cTn>
+                              </p:par>
+                              <p:par>
+                                <p:cTn id="9" presetID="1" presetClass="entr" presetSubtype="0" fill="hold" nodeType="withEffect">
+                                  <p:stCondLst>
+                                    <p:cond delay="0"/>
+                                  </p:stCondLst>
+                                  <p:childTnLst>
+                                    <p:set>
+                                      <p:cBhvr>
+                                        <p:cTn id="10" dur="1" fill="hold">
+                                          <p:stCondLst>
+                                            <p:cond delay="0"/>
+                                          </p:stCondLst>
+                                        </p:cTn>
+                                        <p:tgtEl>
+                                          <p:spTgt spid="3">
+                                            <p:txEl>
+                                              <p:pRg st="3" end="3"/>
+                                            </p:txEl>
+                                          </p:spTgt>
+                                        </p:tgtEl>
+                                        <p:attrNameLst>
+                                          <p:attrName>style.visibility</p:attrName>
+                                        </p:attrNameLst>
+                                      </p:cBhvr>
+                                      <p:to>
+                                        <p:strVal val="visible"/>
+                                      </p:to>
+                                    </p:set>
+                                  </p:childTnLst>
+                                </p:cTn>
+                              </p:par>
+                              <p:par>
+                                <p:cTn id="11" presetID="1" presetClass="entr" presetSubtype="0" fill="hold" nodeType="withEffect">
+                                  <p:stCondLst>
+                                    <p:cond delay="0"/>
+                                  </p:stCondLst>
+                                  <p:childTnLst>
+                                    <p:set>
+                                      <p:cBhvr>
+                                        <p:cTn id="12" dur="1" fill="hold">
+                                          <p:stCondLst>
+                                            <p:cond delay="0"/>
+                                          </p:stCondLst>
+                                        </p:cTn>
+                                        <p:tgtEl>
+                                          <p:spTgt spid="3">
+                                            <p:txEl>
+                                              <p:pRg st="4" end="4"/>
+                                            </p:txEl>
+                                          </p:spTgt>
+                                        </p:tgtEl>
+                                        <p:attrNameLst>
+                                          <p:attrName>style.visibility</p:attrName>
+                                        </p:attrNameLst>
+                                      </p:cBhvr>
+                                      <p:to>
+                                        <p:strVal val="visible"/>
+                                      </p:to>
+                                    </p:set>
+                                  </p:childTnLst>
+                                </p:cTn>
+                              </p:par>
+                            </p:childTnLst>
+                          </p:cTn>
+                        </p:par>
+                      </p:childTnLst>
+                    </p:cTn>
+                  </p:par>
+                  <p:par>
+                    <p:cTn id="13" fill="hold">
+                      <p:stCondLst>
+                        <p:cond delay="indefinite"/>
+                      </p:stCondLst>
+                      <p:childTnLst>
+                        <p:par>
+                          <p:cTn id="14" fill="hold">
+                            <p:stCondLst>
+                              <p:cond delay="0"/>
+                            </p:stCondLst>
+                            <p:childTnLst>
+                              <p:par>
+                                <p:cTn id="15" presetID="1" presetClass="entr" presetSubtype="0" fill="hold" nodeType="clickEffect">
+                                  <p:stCondLst>
+                                    <p:cond delay="0"/>
+                                  </p:stCondLst>
+                                  <p:childTnLst>
+                                    <p:set>
+                                      <p:cBhvr>
+                                        <p:cTn id="16" dur="1" fill="hold">
+                                          <p:stCondLst>
+                                            <p:cond delay="0"/>
+                                          </p:stCondLst>
+                                        </p:cTn>
+                                        <p:tgtEl>
+                                          <p:spTgt spid="3">
+                                            <p:txEl>
+                                              <p:pRg st="5" end="5"/>
+                                            </p:txEl>
+                                          </p:spTgt>
+                                        </p:tgtEl>
+                                        <p:attrNameLst>
+                                          <p:attrName>style.visibility</p:attrName>
+                                        </p:attrNameLst>
+                                      </p:cBhvr>
+                                      <p:to>
+                                        <p:strVal val="visible"/>
+                                      </p:to>
+                                    </p:set>
+                                  </p:childTnLst>
+                                </p:cTn>
+                              </p:par>
+                              <p:par>
+                                <p:cTn id="17" presetID="1" presetClass="entr" presetSubtype="0" fill="hold" nodeType="withEffect">
+                                  <p:stCondLst>
+                                    <p:cond delay="0"/>
+                                  </p:stCondLst>
+                                  <p:childTnLst>
+                                    <p:set>
+                                      <p:cBhvr>
+                                        <p:cTn id="18" dur="1" fill="hold">
+                                          <p:stCondLst>
+                                            <p:cond delay="0"/>
+                                          </p:stCondLst>
+                                        </p:cTn>
+                                        <p:tgtEl>
+                                          <p:spTgt spid="3">
+                                            <p:txEl>
+                                              <p:pRg st="6" end="6"/>
+                                            </p:txEl>
+                                          </p:spTgt>
+                                        </p:tgtEl>
+                                        <p:attrNameLst>
+                                          <p:attrName>style.visibility</p:attrName>
+                                        </p:attrNameLst>
+                                      </p:cBhvr>
+                                      <p:to>
+                                        <p:strVal val="visible"/>
+                                      </p:to>
+                                    </p:set>
+                                  </p:childTnLst>
+                                </p:cTn>
+                              </p:par>
+                            </p:childTnLst>
+                          </p:cTn>
+                        </p:par>
+                      </p:childTnLst>
+                    </p:cTn>
+                  </p:par>
+                  <p:par>
+                    <p:cTn id="19" fill="hold">
+                      <p:stCondLst>
+                        <p:cond delay="indefinite"/>
+                      </p:stCondLst>
+                      <p:childTnLst>
+                        <p:par>
+                          <p:cTn id="20" fill="hold">
+                            <p:stCondLst>
+                              <p:cond delay="0"/>
+                            </p:stCondLst>
+                            <p:childTnLst>
+                              <p:par>
+                                <p:cTn id="21" presetID="1" presetClass="entr" presetSubtype="0" fill="hold" nodeType="clickEffect">
+                                  <p:stCondLst>
+                                    <p:cond delay="0"/>
+                                  </p:stCondLst>
+                                  <p:childTnLst>
+                                    <p:set>
+                                      <p:cBhvr>
+                                        <p:cTn id="22" dur="1" fill="hold">
+                                          <p:stCondLst>
+                                            <p:cond delay="0"/>
+                                          </p:stCondLst>
+                                        </p:cTn>
+                                        <p:tgtEl>
+                                          <p:spTgt spid="3">
+                                            <p:txEl>
+                                              <p:pRg st="7" end="7"/>
+                                            </p:txEl>
+                                          </p:spTgt>
+                                        </p:tgtEl>
+                                        <p:attrNameLst>
+                                          <p:attrName>style.visibility</p:attrName>
+                                        </p:attrNameLst>
+                                      </p:cBhvr>
+                                      <p:to>
+                                        <p:strVal val="visible"/>
+                                      </p:to>
+                                    </p:set>
+                                  </p:childTnLst>
+                                </p:cTn>
+                              </p:par>
+                              <p:par>
+                                <p:cTn id="23" presetID="1" presetClass="entr" presetSubtype="0" fill="hold" nodeType="withEffect">
+                                  <p:stCondLst>
+                                    <p:cond delay="0"/>
+                                  </p:stCondLst>
+                                  <p:childTnLst>
+                                    <p:set>
+                                      <p:cBhvr>
+                                        <p:cTn id="24" dur="1" fill="hold">
+                                          <p:stCondLst>
+                                            <p:cond delay="0"/>
+                                          </p:stCondLst>
+                                        </p:cTn>
+                                        <p:tgtEl>
+                                          <p:spTgt spid="3">
+                                            <p:txEl>
+                                              <p:pRg st="8" end="8"/>
+                                            </p:txEl>
+                                          </p:spTgt>
+                                        </p:tgtEl>
+                                        <p:attrNameLst>
+                                          <p:attrName>style.visibility</p:attrName>
+                                        </p:attrNameLst>
+                                      </p:cBhvr>
+                                      <p:to>
+                                        <p:strVal val="visible"/>
+                                      </p:to>
+                                    </p:set>
+                                  </p:childTnLst>
+                                </p:cTn>
+                              </p:par>
+                              <p:par>
+                                <p:cTn id="25" presetID="1" presetClass="entr" presetSubtype="0" fill="hold" nodeType="withEffect">
+                                  <p:stCondLst>
+                                    <p:cond delay="0"/>
+                                  </p:stCondLst>
+                                  <p:childTnLst>
+                                    <p:set>
+                                      <p:cBhvr>
+                                        <p:cTn id="26" dur="1" fill="hold">
+                                          <p:stCondLst>
+                                            <p:cond delay="0"/>
+                                          </p:stCondLst>
+                                        </p:cTn>
+                                        <p:tgtEl>
+                                          <p:spTgt spid="3">
+                                            <p:txEl>
+                                              <p:pRg st="9" end="9"/>
+                                            </p:txEl>
+                                          </p:spTgt>
+                                        </p:tgtEl>
+                                        <p:attrNameLst>
+                                          <p:attrName>style.visibility</p:attrName>
+                                        </p:attrNameLst>
+                                      </p:cBhvr>
+                                      <p:to>
+                                        <p:strVal val="visible"/>
+                                      </p:to>
+                                    </p:set>
+                                  </p:childTnLst>
+                                </p:cTn>
+                              </p:par>
+                            </p:childTnLst>
+                          </p:cTn>
+                        </p:par>
+                      </p:childTnLst>
+                    </p:cTn>
+                  </p:par>
+                </p:childTnLst>
+              </p:cTn>
+              <p:prevCondLst>
+                <p:cond evt="onPrev" delay="0">
+                  <p:tgtEl>
+                    <p:sldTgt/>
+                  </p:tgtEl>
+                </p:cond>
+              </p:prevCondLst>
+              <p:nextCondLst>
+                <p:cond evt="onNext" delay="0">
+                  <p:tgtEl>
+                    <p:sldTgt/>
+                  </p:tgtEl>
+                </p:cond>
+              </p:nextCondLst>
+            </p:seq>
+          </p:childTnLst>
+        </p:cTn>
+      </p:par>
+    </p:tnLst>
+  </p:timing>
 </p:sld>
 </file>
 
-<file path=ppt/slides/slide44.xml><?xml version="1.0" encoding="utf-8"?>
+<file path=ppt/slides/slide45.xml><?xml version="1.0" encoding="utf-8"?>
 <p:sld xmlns:a="http://schemas.openxmlformats.org/drawingml/2006/main" xmlns:r="http://schemas.openxmlformats.org/officeDocument/2006/relationships" xmlns:p="http://schemas.openxmlformats.org/presentationml/2006/main">
   <p:cSld>
     <p:spTree>
@@ -12454,7 +17228,7 @@
 </p:sld>
 </file>
 
-<file path=ppt/slides/slide45.xml><?xml version="1.0" encoding="utf-8"?>
+<file path=ppt/slides/slide46.xml><?xml version="1.0" encoding="utf-8"?>
 <p:sld xmlns:a="http://schemas.openxmlformats.org/drawingml/2006/main" xmlns:r="http://schemas.openxmlformats.org/officeDocument/2006/relationships" xmlns:p="http://schemas.openxmlformats.org/presentationml/2006/main">
   <p:cSld>
     <p:spTree>
@@ -12611,7 +17385,7 @@
 </p:sld>
 </file>
 
-<file path=ppt/slides/slide46.xml><?xml version="1.0" encoding="utf-8"?>
+<file path=ppt/slides/slide47.xml><?xml version="1.0" encoding="utf-8"?>
 <p:sld xmlns:a="http://schemas.openxmlformats.org/drawingml/2006/main" xmlns:r="http://schemas.openxmlformats.org/officeDocument/2006/relationships" xmlns:p="http://schemas.openxmlformats.org/presentationml/2006/main">
   <p:cSld>
     <p:spTree>
@@ -12790,10 +17564,262 @@
   <p:clrMapOvr>
     <a:masterClrMapping/>
   </p:clrMapOvr>
+  <p:timing>
+    <p:tnLst>
+      <p:par>
+        <p:cTn id="1" dur="indefinite" restart="never" nodeType="tmRoot">
+          <p:childTnLst>
+            <p:seq concurrent="1" nextAc="seek">
+              <p:cTn id="2" dur="indefinite" nodeType="mainSeq">
+                <p:childTnLst>
+                  <p:par>
+                    <p:cTn id="3" fill="hold">
+                      <p:stCondLst>
+                        <p:cond delay="indefinite"/>
+                      </p:stCondLst>
+                      <p:childTnLst>
+                        <p:par>
+                          <p:cTn id="4" fill="hold">
+                            <p:stCondLst>
+                              <p:cond delay="0"/>
+                            </p:stCondLst>
+                            <p:childTnLst>
+                              <p:par>
+                                <p:cTn id="5" presetID="1" presetClass="entr" presetSubtype="0" fill="hold" nodeType="clickEffect">
+                                  <p:stCondLst>
+                                    <p:cond delay="0"/>
+                                  </p:stCondLst>
+                                  <p:childTnLst>
+                                    <p:set>
+                                      <p:cBhvr>
+                                        <p:cTn id="6" dur="1" fill="hold">
+                                          <p:stCondLst>
+                                            <p:cond delay="0"/>
+                                          </p:stCondLst>
+                                        </p:cTn>
+                                        <p:tgtEl>
+                                          <p:spTgt spid="3">
+                                            <p:txEl>
+                                              <p:pRg st="1" end="1"/>
+                                            </p:txEl>
+                                          </p:spTgt>
+                                        </p:tgtEl>
+                                        <p:attrNameLst>
+                                          <p:attrName>style.visibility</p:attrName>
+                                        </p:attrNameLst>
+                                      </p:cBhvr>
+                                      <p:to>
+                                        <p:strVal val="visible"/>
+                                      </p:to>
+                                    </p:set>
+                                  </p:childTnLst>
+                                </p:cTn>
+                              </p:par>
+                            </p:childTnLst>
+                          </p:cTn>
+                        </p:par>
+                      </p:childTnLst>
+                    </p:cTn>
+                  </p:par>
+                  <p:par>
+                    <p:cTn id="7" fill="hold">
+                      <p:stCondLst>
+                        <p:cond delay="indefinite"/>
+                      </p:stCondLst>
+                      <p:childTnLst>
+                        <p:par>
+                          <p:cTn id="8" fill="hold">
+                            <p:stCondLst>
+                              <p:cond delay="0"/>
+                            </p:stCondLst>
+                            <p:childTnLst>
+                              <p:par>
+                                <p:cTn id="9" presetID="1" presetClass="entr" presetSubtype="0" fill="hold" nodeType="clickEffect">
+                                  <p:stCondLst>
+                                    <p:cond delay="0"/>
+                                  </p:stCondLst>
+                                  <p:childTnLst>
+                                    <p:set>
+                                      <p:cBhvr>
+                                        <p:cTn id="10" dur="1" fill="hold">
+                                          <p:stCondLst>
+                                            <p:cond delay="0"/>
+                                          </p:stCondLst>
+                                        </p:cTn>
+                                        <p:tgtEl>
+                                          <p:spTgt spid="3">
+                                            <p:txEl>
+                                              <p:pRg st="2" end="2"/>
+                                            </p:txEl>
+                                          </p:spTgt>
+                                        </p:tgtEl>
+                                        <p:attrNameLst>
+                                          <p:attrName>style.visibility</p:attrName>
+                                        </p:attrNameLst>
+                                      </p:cBhvr>
+                                      <p:to>
+                                        <p:strVal val="visible"/>
+                                      </p:to>
+                                    </p:set>
+                                  </p:childTnLst>
+                                </p:cTn>
+                              </p:par>
+                              <p:par>
+                                <p:cTn id="11" presetID="1" presetClass="entr" presetSubtype="0" fill="hold" nodeType="withEffect">
+                                  <p:stCondLst>
+                                    <p:cond delay="0"/>
+                                  </p:stCondLst>
+                                  <p:childTnLst>
+                                    <p:set>
+                                      <p:cBhvr>
+                                        <p:cTn id="12" dur="1" fill="hold">
+                                          <p:stCondLst>
+                                            <p:cond delay="0"/>
+                                          </p:stCondLst>
+                                        </p:cTn>
+                                        <p:tgtEl>
+                                          <p:spTgt spid="3">
+                                            <p:txEl>
+                                              <p:pRg st="3" end="3"/>
+                                            </p:txEl>
+                                          </p:spTgt>
+                                        </p:tgtEl>
+                                        <p:attrNameLst>
+                                          <p:attrName>style.visibility</p:attrName>
+                                        </p:attrNameLst>
+                                      </p:cBhvr>
+                                      <p:to>
+                                        <p:strVal val="visible"/>
+                                      </p:to>
+                                    </p:set>
+                                  </p:childTnLst>
+                                </p:cTn>
+                              </p:par>
+                              <p:par>
+                                <p:cTn id="13" presetID="1" presetClass="entr" presetSubtype="0" fill="hold" nodeType="withEffect">
+                                  <p:stCondLst>
+                                    <p:cond delay="0"/>
+                                  </p:stCondLst>
+                                  <p:childTnLst>
+                                    <p:set>
+                                      <p:cBhvr>
+                                        <p:cTn id="14" dur="1" fill="hold">
+                                          <p:stCondLst>
+                                            <p:cond delay="0"/>
+                                          </p:stCondLst>
+                                        </p:cTn>
+                                        <p:tgtEl>
+                                          <p:spTgt spid="3">
+                                            <p:txEl>
+                                              <p:pRg st="4" end="4"/>
+                                            </p:txEl>
+                                          </p:spTgt>
+                                        </p:tgtEl>
+                                        <p:attrNameLst>
+                                          <p:attrName>style.visibility</p:attrName>
+                                        </p:attrNameLst>
+                                      </p:cBhvr>
+                                      <p:to>
+                                        <p:strVal val="visible"/>
+                                      </p:to>
+                                    </p:set>
+                                  </p:childTnLst>
+                                </p:cTn>
+                              </p:par>
+                              <p:par>
+                                <p:cTn id="15" presetID="1" presetClass="entr" presetSubtype="0" fill="hold" nodeType="withEffect">
+                                  <p:stCondLst>
+                                    <p:cond delay="0"/>
+                                  </p:stCondLst>
+                                  <p:childTnLst>
+                                    <p:set>
+                                      <p:cBhvr>
+                                        <p:cTn id="16" dur="1" fill="hold">
+                                          <p:stCondLst>
+                                            <p:cond delay="0"/>
+                                          </p:stCondLst>
+                                        </p:cTn>
+                                        <p:tgtEl>
+                                          <p:spTgt spid="3">
+                                            <p:txEl>
+                                              <p:pRg st="5" end="5"/>
+                                            </p:txEl>
+                                          </p:spTgt>
+                                        </p:tgtEl>
+                                        <p:attrNameLst>
+                                          <p:attrName>style.visibility</p:attrName>
+                                        </p:attrNameLst>
+                                      </p:cBhvr>
+                                      <p:to>
+                                        <p:strVal val="visible"/>
+                                      </p:to>
+                                    </p:set>
+                                  </p:childTnLst>
+                                </p:cTn>
+                              </p:par>
+                              <p:par>
+                                <p:cTn id="17" presetID="1" presetClass="entr" presetSubtype="0" fill="hold" nodeType="withEffect">
+                                  <p:stCondLst>
+                                    <p:cond delay="0"/>
+                                  </p:stCondLst>
+                                  <p:childTnLst>
+                                    <p:set>
+                                      <p:cBhvr>
+                                        <p:cTn id="18" dur="1" fill="hold">
+                                          <p:stCondLst>
+                                            <p:cond delay="0"/>
+                                          </p:stCondLst>
+                                        </p:cTn>
+                                        <p:tgtEl>
+                                          <p:spTgt spid="3">
+                                            <p:txEl>
+                                              <p:pRg st="6" end="6"/>
+                                            </p:txEl>
+                                          </p:spTgt>
+                                        </p:tgtEl>
+                                        <p:attrNameLst>
+                                          <p:attrName>style.visibility</p:attrName>
+                                        </p:attrNameLst>
+                                      </p:cBhvr>
+                                      <p:to>
+                                        <p:strVal val="visible"/>
+                                      </p:to>
+                                    </p:set>
+                                  </p:childTnLst>
+                                </p:cTn>
+                              </p:par>
+                            </p:childTnLst>
+                          </p:cTn>
+                        </p:par>
+                      </p:childTnLst>
+                    </p:cTn>
+                  </p:par>
+                </p:childTnLst>
+              </p:cTn>
+              <p:prevCondLst>
+                <p:cond evt="onPrev" delay="0">
+                  <p:tgtEl>
+                    <p:sldTgt/>
+                  </p:tgtEl>
+                </p:cond>
+              </p:prevCondLst>
+              <p:nextCondLst>
+                <p:cond evt="onNext" delay="0">
+                  <p:tgtEl>
+                    <p:sldTgt/>
+                  </p:tgtEl>
+                </p:cond>
+              </p:nextCondLst>
+            </p:seq>
+          </p:childTnLst>
+        </p:cTn>
+      </p:par>
+    </p:tnLst>
+  </p:timing>
 </p:sld>
 </file>
 
-<file path=ppt/slides/slide47.xml><?xml version="1.0" encoding="utf-8"?>
+<file path=ppt/slides/slide48.xml><?xml version="1.0" encoding="utf-8"?>
 <p:sld xmlns:a="http://schemas.openxmlformats.org/drawingml/2006/main" xmlns:r="http://schemas.openxmlformats.org/officeDocument/2006/relationships" xmlns:p="http://schemas.openxmlformats.org/presentationml/2006/main">
   <p:cSld>
     <p:spTree>
@@ -12969,19 +17995,7 @@
                   <a:rPr lang="en-US" dirty="0">
                     <a:hlinkClick r:id="rId3"/>
                   </a:rPr>
-                  <a:t>the Wikipedia </a:t>
-                </a:r>
-                <a:r>
-                  <a:rPr lang="en-US">
-                    <a:hlinkClick r:id="rId3"/>
-                  </a:rPr>
-                  <a:t>Power Transformation </a:t>
-                </a:r>
-                <a:r>
-                  <a:rPr lang="en-US" dirty="0">
-                    <a:hlinkClick r:id="rId3"/>
-                  </a:rPr>
-                  <a:t>article </a:t>
+                  <a:t>the Wikipedia Power Transformation article </a:t>
                 </a:r>
                 <a:endParaRPr dirty="0"/>
               </a:p>
@@ -13027,10 +18041,298 @@
   <p:clrMapOvr>
     <a:masterClrMapping/>
   </p:clrMapOvr>
+  <p:timing>
+    <p:tnLst>
+      <p:par>
+        <p:cTn id="1" dur="indefinite" restart="never" nodeType="tmRoot">
+          <p:childTnLst>
+            <p:seq concurrent="1" nextAc="seek">
+              <p:cTn id="2" dur="indefinite" nodeType="mainSeq">
+                <p:childTnLst>
+                  <p:par>
+                    <p:cTn id="3" fill="hold">
+                      <p:stCondLst>
+                        <p:cond delay="indefinite"/>
+                      </p:stCondLst>
+                      <p:childTnLst>
+                        <p:par>
+                          <p:cTn id="4" fill="hold">
+                            <p:stCondLst>
+                              <p:cond delay="0"/>
+                            </p:stCondLst>
+                            <p:childTnLst>
+                              <p:par>
+                                <p:cTn id="5" presetID="1" presetClass="entr" presetSubtype="0" fill="hold" nodeType="clickEffect">
+                                  <p:stCondLst>
+                                    <p:cond delay="0"/>
+                                  </p:stCondLst>
+                                  <p:childTnLst>
+                                    <p:set>
+                                      <p:cBhvr>
+                                        <p:cTn id="6" dur="1" fill="hold">
+                                          <p:stCondLst>
+                                            <p:cond delay="0"/>
+                                          </p:stCondLst>
+                                        </p:cTn>
+                                        <p:tgtEl>
+                                          <p:spTgt spid="3">
+                                            <p:txEl>
+                                              <p:pRg st="1" end="1"/>
+                                            </p:txEl>
+                                          </p:spTgt>
+                                        </p:tgtEl>
+                                        <p:attrNameLst>
+                                          <p:attrName>style.visibility</p:attrName>
+                                        </p:attrNameLst>
+                                      </p:cBhvr>
+                                      <p:to>
+                                        <p:strVal val="visible"/>
+                                      </p:to>
+                                    </p:set>
+                                  </p:childTnLst>
+                                </p:cTn>
+                              </p:par>
+                              <p:par>
+                                <p:cTn id="7" presetID="1" presetClass="entr" presetSubtype="0" fill="hold" nodeType="withEffect">
+                                  <p:stCondLst>
+                                    <p:cond delay="0"/>
+                                  </p:stCondLst>
+                                  <p:childTnLst>
+                                    <p:set>
+                                      <p:cBhvr>
+                                        <p:cTn id="8" dur="1" fill="hold">
+                                          <p:stCondLst>
+                                            <p:cond delay="0"/>
+                                          </p:stCondLst>
+                                        </p:cTn>
+                                        <p:tgtEl>
+                                          <p:spTgt spid="3">
+                                            <p:txEl>
+                                              <p:pRg st="2" end="2"/>
+                                            </p:txEl>
+                                          </p:spTgt>
+                                        </p:tgtEl>
+                                        <p:attrNameLst>
+                                          <p:attrName>style.visibility</p:attrName>
+                                        </p:attrNameLst>
+                                      </p:cBhvr>
+                                      <p:to>
+                                        <p:strVal val="visible"/>
+                                      </p:to>
+                                    </p:set>
+                                  </p:childTnLst>
+                                </p:cTn>
+                              </p:par>
+                              <p:par>
+                                <p:cTn id="9" presetID="1" presetClass="entr" presetSubtype="0" fill="hold" nodeType="withEffect">
+                                  <p:stCondLst>
+                                    <p:cond delay="0"/>
+                                  </p:stCondLst>
+                                  <p:childTnLst>
+                                    <p:set>
+                                      <p:cBhvr>
+                                        <p:cTn id="10" dur="1" fill="hold">
+                                          <p:stCondLst>
+                                            <p:cond delay="0"/>
+                                          </p:stCondLst>
+                                        </p:cTn>
+                                        <p:tgtEl>
+                                          <p:spTgt spid="3">
+                                            <p:txEl>
+                                              <p:pRg st="3" end="3"/>
+                                            </p:txEl>
+                                          </p:spTgt>
+                                        </p:tgtEl>
+                                        <p:attrNameLst>
+                                          <p:attrName>style.visibility</p:attrName>
+                                        </p:attrNameLst>
+                                      </p:cBhvr>
+                                      <p:to>
+                                        <p:strVal val="visible"/>
+                                      </p:to>
+                                    </p:set>
+                                  </p:childTnLst>
+                                </p:cTn>
+                              </p:par>
+                            </p:childTnLst>
+                          </p:cTn>
+                        </p:par>
+                      </p:childTnLst>
+                    </p:cTn>
+                  </p:par>
+                  <p:par>
+                    <p:cTn id="11" fill="hold">
+                      <p:stCondLst>
+                        <p:cond delay="indefinite"/>
+                      </p:stCondLst>
+                      <p:childTnLst>
+                        <p:par>
+                          <p:cTn id="12" fill="hold">
+                            <p:stCondLst>
+                              <p:cond delay="0"/>
+                            </p:stCondLst>
+                            <p:childTnLst>
+                              <p:par>
+                                <p:cTn id="13" presetID="1" presetClass="entr" presetSubtype="0" fill="hold" nodeType="clickEffect">
+                                  <p:stCondLst>
+                                    <p:cond delay="0"/>
+                                  </p:stCondLst>
+                                  <p:childTnLst>
+                                    <p:set>
+                                      <p:cBhvr>
+                                        <p:cTn id="14" dur="1" fill="hold">
+                                          <p:stCondLst>
+                                            <p:cond delay="0"/>
+                                          </p:stCondLst>
+                                        </p:cTn>
+                                        <p:tgtEl>
+                                          <p:spTgt spid="3">
+                                            <p:txEl>
+                                              <p:pRg st="4" end="4"/>
+                                            </p:txEl>
+                                          </p:spTgt>
+                                        </p:tgtEl>
+                                        <p:attrNameLst>
+                                          <p:attrName>style.visibility</p:attrName>
+                                        </p:attrNameLst>
+                                      </p:cBhvr>
+                                      <p:to>
+                                        <p:strVal val="visible"/>
+                                      </p:to>
+                                    </p:set>
+                                  </p:childTnLst>
+                                </p:cTn>
+                              </p:par>
+                            </p:childTnLst>
+                          </p:cTn>
+                        </p:par>
+                      </p:childTnLst>
+                    </p:cTn>
+                  </p:par>
+                  <p:par>
+                    <p:cTn id="15" fill="hold">
+                      <p:stCondLst>
+                        <p:cond delay="indefinite"/>
+                      </p:stCondLst>
+                      <p:childTnLst>
+                        <p:par>
+                          <p:cTn id="16" fill="hold">
+                            <p:stCondLst>
+                              <p:cond delay="0"/>
+                            </p:stCondLst>
+                            <p:childTnLst>
+                              <p:par>
+                                <p:cTn id="17" presetID="1" presetClass="entr" presetSubtype="0" fill="hold" nodeType="clickEffect">
+                                  <p:stCondLst>
+                                    <p:cond delay="0"/>
+                                  </p:stCondLst>
+                                  <p:childTnLst>
+                                    <p:set>
+                                      <p:cBhvr>
+                                        <p:cTn id="18" dur="1" fill="hold">
+                                          <p:stCondLst>
+                                            <p:cond delay="0"/>
+                                          </p:stCondLst>
+                                        </p:cTn>
+                                        <p:tgtEl>
+                                          <p:spTgt spid="3">
+                                            <p:txEl>
+                                              <p:pRg st="5" end="5"/>
+                                            </p:txEl>
+                                          </p:spTgt>
+                                        </p:tgtEl>
+                                        <p:attrNameLst>
+                                          <p:attrName>style.visibility</p:attrName>
+                                        </p:attrNameLst>
+                                      </p:cBhvr>
+                                      <p:to>
+                                        <p:strVal val="visible"/>
+                                      </p:to>
+                                    </p:set>
+                                  </p:childTnLst>
+                                </p:cTn>
+                              </p:par>
+                            </p:childTnLst>
+                          </p:cTn>
+                        </p:par>
+                      </p:childTnLst>
+                    </p:cTn>
+                  </p:par>
+                  <p:par>
+                    <p:cTn id="19" fill="hold">
+                      <p:stCondLst>
+                        <p:cond delay="indefinite"/>
+                      </p:stCondLst>
+                      <p:childTnLst>
+                        <p:par>
+                          <p:cTn id="20" fill="hold">
+                            <p:stCondLst>
+                              <p:cond delay="0"/>
+                            </p:stCondLst>
+                            <p:childTnLst>
+                              <p:par>
+                                <p:cTn id="21" presetID="1" presetClass="entr" presetSubtype="0" fill="hold" nodeType="clickEffect">
+                                  <p:stCondLst>
+                                    <p:cond delay="0"/>
+                                  </p:stCondLst>
+                                  <p:childTnLst>
+                                    <p:set>
+                                      <p:cBhvr>
+                                        <p:cTn id="22" dur="1" fill="hold">
+                                          <p:stCondLst>
+                                            <p:cond delay="0"/>
+                                          </p:stCondLst>
+                                        </p:cTn>
+                                        <p:tgtEl>
+                                          <p:spTgt spid="3">
+                                            <p:txEl>
+                                              <p:pRg st="6" end="6"/>
+                                            </p:txEl>
+                                          </p:spTgt>
+                                        </p:tgtEl>
+                                        <p:attrNameLst>
+                                          <p:attrName>style.visibility</p:attrName>
+                                        </p:attrNameLst>
+                                      </p:cBhvr>
+                                      <p:to>
+                                        <p:strVal val="visible"/>
+                                      </p:to>
+                                    </p:set>
+                                  </p:childTnLst>
+                                </p:cTn>
+                              </p:par>
+                            </p:childTnLst>
+                          </p:cTn>
+                        </p:par>
+                      </p:childTnLst>
+                    </p:cTn>
+                  </p:par>
+                </p:childTnLst>
+              </p:cTn>
+              <p:prevCondLst>
+                <p:cond evt="onPrev" delay="0">
+                  <p:tgtEl>
+                    <p:sldTgt/>
+                  </p:tgtEl>
+                </p:cond>
+              </p:prevCondLst>
+              <p:nextCondLst>
+                <p:cond evt="onNext" delay="0">
+                  <p:tgtEl>
+                    <p:sldTgt/>
+                  </p:tgtEl>
+                </p:cond>
+              </p:nextCondLst>
+            </p:seq>
+          </p:childTnLst>
+        </p:cTn>
+      </p:par>
+    </p:tnLst>
+  </p:timing>
 </p:sld>
 </file>
 
-<file path=ppt/slides/slide48.xml><?xml version="1.0" encoding="utf-8"?>
+<file path=ppt/slides/slide49.xml><?xml version="1.0" encoding="utf-8"?>
 <p:sld xmlns:a="http://schemas.openxmlformats.org/drawingml/2006/main" xmlns:r="http://schemas.openxmlformats.org/officeDocument/2006/relationships" xmlns:p="http://schemas.openxmlformats.org/presentationml/2006/main">
   <p:cSld>
     <p:spTree>
@@ -13329,146 +18631,6 @@
         </p:txBody>
       </p:sp>
     </p:spTree>
-  </p:cSld>
-  <p:clrMapOvr>
-    <a:masterClrMapping/>
-  </p:clrMapOvr>
-</p:sld>
-</file>
-
-<file path=ppt/slides/slide49.xml><?xml version="1.0" encoding="utf-8"?>
-<p:sld xmlns:a="http://schemas.openxmlformats.org/drawingml/2006/main" xmlns:r="http://schemas.openxmlformats.org/officeDocument/2006/relationships" xmlns:p="http://schemas.openxmlformats.org/presentationml/2006/main">
-  <p:cSld>
-    <p:spTree>
-      <p:nvGrpSpPr>
-        <p:cNvPr id="1" name=""/>
-        <p:cNvGrpSpPr/>
-        <p:nvPr/>
-      </p:nvGrpSpPr>
-      <p:grpSpPr>
-        <a:xfrm>
-          <a:off x="0" y="0"/>
-          <a:ext cx="0" cy="0"/>
-          <a:chOff x="0" y="0"/>
-          <a:chExt cx="0" cy="0"/>
-        </a:xfrm>
-      </p:grpSpPr>
-      <p:sp>
-        <p:nvSpPr>
-          <p:cNvPr id="2" name="Title 1"/>
-          <p:cNvSpPr>
-            <a:spLocks noGrp="1"/>
-          </p:cNvSpPr>
-          <p:nvPr>
-            <p:ph type="title"/>
-          </p:nvPr>
-        </p:nvSpPr>
-        <p:spPr/>
-        <p:txBody>
-          <a:bodyPr/>
-          <a:lstStyle/>
-          <a:p>
-            <a:pPr marL="0" lvl="0" indent="0">
-              <a:buNone/>
-            </a:pPr>
-            <a:r>
-              <a:t>Regression Line and Tramsformation Example</a:t>
-            </a:r>
-          </a:p>
-        </p:txBody>
-      </p:sp>
-      <p:sp>
-        <p:nvSpPr>
-          <p:cNvPr id="3" name="Content Placeholder 2"/>
-          <p:cNvSpPr>
-            <a:spLocks noGrp="1"/>
-          </p:cNvSpPr>
-          <p:nvPr>
-            <p:ph idx="1"/>
-          </p:nvPr>
-        </p:nvSpPr>
-        <p:spPr>
-          <a:xfrm>
-            <a:off x="457200" y="1150220"/>
-            <a:ext cx="2772137" cy="3444403"/>
-          </a:xfrm>
-        </p:spPr>
-        <p:txBody>
-          <a:bodyPr/>
-          <a:lstStyle/>
-          <a:p>
-            <a:pPr marL="0" lvl="0" indent="0">
-              <a:buNone/>
-            </a:pPr>
-            <a:r>
-              <a:rPr dirty="0"/>
-              <a:t>Transform the distributions</a:t>
-            </a:r>
-          </a:p>
-          <a:p>
-            <a:pPr marL="0" lvl="0" indent="0">
-              <a:buNone/>
-            </a:pPr>
-            <a:r>
-              <a:rPr dirty="0"/>
-              <a:t>Distribution of logarithm of the curb weight</a:t>
-            </a:r>
-            <a:endParaRPr lang="en-US" dirty="0"/>
-          </a:p>
-          <a:p>
-            <a:pPr marL="0" lvl="0" indent="0">
-              <a:buNone/>
-            </a:pPr>
-            <a:r>
-              <a:rPr lang="en-US" dirty="0"/>
-              <a:t>The plots are fairly similar, log-log with less dispersion </a:t>
-            </a:r>
-            <a:endParaRPr dirty="0"/>
-          </a:p>
-          <a:p>
-            <a:pPr marL="0" lvl="0" indent="0">
-              <a:buNone/>
-            </a:pPr>
-            <a:endParaRPr dirty="0"/>
-          </a:p>
-        </p:txBody>
-      </p:sp>
-      <p:pic>
-        <p:nvPicPr>
-          <p:cNvPr id="5" name="Picture 4">
-            <a:extLst>
-              <a:ext uri="{FF2B5EF4-FFF2-40B4-BE49-F238E27FC236}">
-                <a16:creationId xmlns:a16="http://schemas.microsoft.com/office/drawing/2014/main" id="{0D0D9806-A3ED-7D69-EEEC-DA0E47FB00E2}"/>
-              </a:ext>
-            </a:extLst>
-          </p:cNvPr>
-          <p:cNvPicPr>
-            <a:picLocks noChangeAspect="1"/>
-          </p:cNvPicPr>
-          <p:nvPr/>
-        </p:nvPicPr>
-        <p:blipFill>
-          <a:blip r:embed="rId2"/>
-          <a:stretch>
-            <a:fillRect/>
-          </a:stretch>
-        </p:blipFill>
-        <p:spPr>
-          <a:xfrm>
-            <a:off x="2938272" y="1194816"/>
-            <a:ext cx="6205728" cy="3714377"/>
-          </a:xfrm>
-          <a:prstGeom prst="rect">
-            <a:avLst/>
-          </a:prstGeom>
-        </p:spPr>
-      </p:pic>
-    </p:spTree>
-    <p:extLst>
-      <p:ext uri="{BB962C8B-B14F-4D97-AF65-F5344CB8AC3E}">
-        <p14:creationId xmlns:p14="http://schemas.microsoft.com/office/powerpoint/2010/main" val="3718384096"/>
-      </p:ext>
-    </p:extLst>
   </p:cSld>
   <p:clrMapOvr>
     <a:masterClrMapping/>
@@ -14055,6 +19217,146 @@
               <a:buNone/>
             </a:pPr>
             <a:r>
+              <a:t>Regression Line and Tramsformation Example</a:t>
+            </a:r>
+          </a:p>
+        </p:txBody>
+      </p:sp>
+      <p:sp>
+        <p:nvSpPr>
+          <p:cNvPr id="3" name="Content Placeholder 2"/>
+          <p:cNvSpPr>
+            <a:spLocks noGrp="1"/>
+          </p:cNvSpPr>
+          <p:nvPr>
+            <p:ph idx="1"/>
+          </p:nvPr>
+        </p:nvSpPr>
+        <p:spPr>
+          <a:xfrm>
+            <a:off x="457200" y="1150220"/>
+            <a:ext cx="2772137" cy="3444403"/>
+          </a:xfrm>
+        </p:spPr>
+        <p:txBody>
+          <a:bodyPr/>
+          <a:lstStyle/>
+          <a:p>
+            <a:pPr marL="0" lvl="0" indent="0">
+              <a:buNone/>
+            </a:pPr>
+            <a:r>
+              <a:rPr dirty="0"/>
+              <a:t>Transform the distributions</a:t>
+            </a:r>
+          </a:p>
+          <a:p>
+            <a:pPr marL="0" lvl="0" indent="0">
+              <a:buNone/>
+            </a:pPr>
+            <a:r>
+              <a:rPr dirty="0"/>
+              <a:t>Distribution of logarithm of the curb weight</a:t>
+            </a:r>
+            <a:endParaRPr lang="en-US" dirty="0"/>
+          </a:p>
+          <a:p>
+            <a:pPr marL="0" lvl="0" indent="0">
+              <a:buNone/>
+            </a:pPr>
+            <a:r>
+              <a:rPr lang="en-US" dirty="0"/>
+              <a:t>The plots are fairly similar, log-log with less dispersion </a:t>
+            </a:r>
+            <a:endParaRPr dirty="0"/>
+          </a:p>
+          <a:p>
+            <a:pPr marL="0" lvl="0" indent="0">
+              <a:buNone/>
+            </a:pPr>
+            <a:endParaRPr dirty="0"/>
+          </a:p>
+        </p:txBody>
+      </p:sp>
+      <p:pic>
+        <p:nvPicPr>
+          <p:cNvPr id="5" name="Picture 4">
+            <a:extLst>
+              <a:ext uri="{FF2B5EF4-FFF2-40B4-BE49-F238E27FC236}">
+                <a16:creationId xmlns:a16="http://schemas.microsoft.com/office/drawing/2014/main" id="{0D0D9806-A3ED-7D69-EEEC-DA0E47FB00E2}"/>
+              </a:ext>
+            </a:extLst>
+          </p:cNvPr>
+          <p:cNvPicPr>
+            <a:picLocks noChangeAspect="1"/>
+          </p:cNvPicPr>
+          <p:nvPr/>
+        </p:nvPicPr>
+        <p:blipFill>
+          <a:blip r:embed="rId2"/>
+          <a:stretch>
+            <a:fillRect/>
+          </a:stretch>
+        </p:blipFill>
+        <p:spPr>
+          <a:xfrm>
+            <a:off x="2938272" y="1194816"/>
+            <a:ext cx="6205728" cy="3714377"/>
+          </a:xfrm>
+          <a:prstGeom prst="rect">
+            <a:avLst/>
+          </a:prstGeom>
+        </p:spPr>
+      </p:pic>
+    </p:spTree>
+    <p:extLst>
+      <p:ext uri="{BB962C8B-B14F-4D97-AF65-F5344CB8AC3E}">
+        <p14:creationId xmlns:p14="http://schemas.microsoft.com/office/powerpoint/2010/main" val="3718384096"/>
+      </p:ext>
+    </p:extLst>
+  </p:cSld>
+  <p:clrMapOvr>
+    <a:masterClrMapping/>
+  </p:clrMapOvr>
+</p:sld>
+</file>
+
+<file path=ppt/slides/slide51.xml><?xml version="1.0" encoding="utf-8"?>
+<p:sld xmlns:a="http://schemas.openxmlformats.org/drawingml/2006/main" xmlns:r="http://schemas.openxmlformats.org/officeDocument/2006/relationships" xmlns:p="http://schemas.openxmlformats.org/presentationml/2006/main">
+  <p:cSld>
+    <p:spTree>
+      <p:nvGrpSpPr>
+        <p:cNvPr id="1" name=""/>
+        <p:cNvGrpSpPr/>
+        <p:nvPr/>
+      </p:nvGrpSpPr>
+      <p:grpSpPr>
+        <a:xfrm>
+          <a:off x="0" y="0"/>
+          <a:ext cx="0" cy="0"/>
+          <a:chOff x="0" y="0"/>
+          <a:chExt cx="0" cy="0"/>
+        </a:xfrm>
+      </p:grpSpPr>
+      <p:sp>
+        <p:nvSpPr>
+          <p:cNvPr id="2" name="Title 1"/>
+          <p:cNvSpPr>
+            <a:spLocks noGrp="1"/>
+          </p:cNvSpPr>
+          <p:nvPr>
+            <p:ph type="title"/>
+          </p:nvPr>
+        </p:nvSpPr>
+        <p:spPr/>
+        <p:txBody>
+          <a:bodyPr/>
+          <a:lstStyle/>
+          <a:p>
+            <a:pPr marL="0" lvl="0" indent="0">
+              <a:buNone/>
+            </a:pPr>
+            <a:r>
               <a:rPr dirty="0"/>
               <a:t>Regression Line and Transformation Example</a:t>
             </a:r>
@@ -14205,7 +19507,7 @@
 </p:sld>
 </file>
 
-<file path=ppt/slides/slide51.xml><?xml version="1.0" encoding="utf-8"?>
+<file path=ppt/slides/slide52.xml><?xml version="1.0" encoding="utf-8"?>
 <p:sld xmlns:a="http://schemas.openxmlformats.org/drawingml/2006/main" xmlns:r="http://schemas.openxmlformats.org/officeDocument/2006/relationships" xmlns:p="http://schemas.openxmlformats.org/presentationml/2006/main">
   <p:cSld>
     <p:spTree>
@@ -14336,7 +19638,7 @@
 </p:sld>
 </file>
 
-<file path=ppt/slides/slide52.xml><?xml version="1.0" encoding="utf-8"?>
+<file path=ppt/slides/slide53.xml><?xml version="1.0" encoding="utf-8"?>
 <p:sld xmlns:a="http://schemas.openxmlformats.org/drawingml/2006/main" xmlns:r="http://schemas.openxmlformats.org/officeDocument/2006/relationships" xmlns:p="http://schemas.openxmlformats.org/presentationml/2006/main">
   <p:cSld>
     <p:spTree>
@@ -14473,7 +19775,7 @@
 </p:sld>
 </file>
 
-<file path=ppt/slides/slide53.xml><?xml version="1.0" encoding="utf-8"?>
+<file path=ppt/slides/slide54.xml><?xml version="1.0" encoding="utf-8"?>
 <p:sld xmlns:a="http://schemas.openxmlformats.org/drawingml/2006/main" xmlns:r="http://schemas.openxmlformats.org/officeDocument/2006/relationships" xmlns:p="http://schemas.openxmlformats.org/presentationml/2006/main">
   <p:cSld>
     <p:spTree>
@@ -16257,7 +21559,13 @@
       </p:grpSpPr>
       <p:sp>
         <p:nvSpPr>
-          <p:cNvPr id="2" name="Title 1"/>
+          <p:cNvPr id="4" name="Title 3">
+            <a:extLst>
+              <a:ext uri="{FF2B5EF4-FFF2-40B4-BE49-F238E27FC236}">
+                <a16:creationId xmlns:a16="http://schemas.microsoft.com/office/drawing/2014/main" id="{1BCE2B5B-E165-AFE7-3BF6-9F7655565AD7}"/>
+              </a:ext>
+            </a:extLst>
+          </p:cNvPr>
           <p:cNvSpPr>
             <a:spLocks noGrp="1"/>
           </p:cNvSpPr>
@@ -16270,178 +21578,122 @@
           <a:bodyPr/>
           <a:lstStyle/>
           <a:p>
-            <a:pPr marL="0" lvl="0" indent="0">
-              <a:buNone/>
-            </a:pPr>
-            <a:r>
-              <a:t>Grading: Undergraduate</a:t>
+            <a:r>
+              <a:rPr lang="en-DE" dirty="0"/>
+              <a:t>About your TA: Jacqueline Hardy</a:t>
             </a:r>
           </a:p>
         </p:txBody>
       </p:sp>
-      <p:graphicFrame>
-        <p:nvGraphicFramePr>
-          <p:cNvPr id="6" name="Content Placeholder 5"/>
-          <p:cNvGraphicFramePr>
-            <a:graphicFrameLocks noGrp="1"/>
-          </p:cNvGraphicFramePr>
+      <p:sp>
+        <p:nvSpPr>
+          <p:cNvPr id="5" name="Content Placeholder 4">
+            <a:extLst>
+              <a:ext uri="{FF2B5EF4-FFF2-40B4-BE49-F238E27FC236}">
+                <a16:creationId xmlns:a16="http://schemas.microsoft.com/office/drawing/2014/main" id="{0E53D9F3-C1CB-AE91-44FA-A9A184CF447C}"/>
+              </a:ext>
+            </a:extLst>
+          </p:cNvPr>
+          <p:cNvSpPr>
+            <a:spLocks noGrp="1"/>
+          </p:cNvSpPr>
           <p:nvPr>
             <p:ph idx="1"/>
-            <p:extLst>
-              <p:ext uri="{D42A27DB-BD31-4B8C-83A1-F6EECF244321}">
-                <p14:modId xmlns:p14="http://schemas.microsoft.com/office/powerpoint/2010/main" val="3945834226"/>
-              </p:ext>
-            </p:extLst>
           </p:nvPr>
-        </p:nvGraphicFramePr>
-        <p:xfrm>
-          <a:off x="802512" y="1243957"/>
-          <a:ext cx="7602638" cy="1371600"/>
-        </p:xfrm>
-        <a:graphic>
-          <a:graphicData uri="http://schemas.openxmlformats.org/drawingml/2006/table">
-            <a:tbl>
-              <a:tblPr firstRow="1" bandRow="1">
-                <a:tableStyleId>{5C22544A-7EE6-4342-B048-85BDC9FD1C3A}</a:tableStyleId>
-              </a:tblPr>
-              <a:tblGrid>
-                <a:gridCol w="5046561">
-                  <a:extLst>
-                    <a:ext uri="{9D8B030D-6E8A-4147-A177-3AD203B41FA5}">
-                      <a16:colId xmlns:a16="http://schemas.microsoft.com/office/drawing/2014/main" val="20000"/>
-                    </a:ext>
-                  </a:extLst>
-                </a:gridCol>
-                <a:gridCol w="2556077">
-                  <a:extLst>
-                    <a:ext uri="{9D8B030D-6E8A-4147-A177-3AD203B41FA5}">
-                      <a16:colId xmlns:a16="http://schemas.microsoft.com/office/drawing/2014/main" val="20001"/>
-                    </a:ext>
-                  </a:extLst>
-                </a:gridCol>
-              </a:tblGrid>
-              <a:tr h="0">
-                <a:tc>
-                  <a:txBody>
-                    <a:bodyPr/>
-                    <a:lstStyle/>
-                    <a:p>
-                      <a:pPr marL="0" lvl="0" indent="0" algn="ctr">
-                        <a:buNone/>
-                      </a:pPr>
-                      <a:r>
-                        <a:rPr sz="2400" dirty="0"/>
-                        <a:t>Activity</a:t>
-                      </a:r>
-                    </a:p>
-                  </a:txBody>
-                  <a:tcPr/>
-                </a:tc>
-                <a:tc>
-                  <a:txBody>
-                    <a:bodyPr/>
-                    <a:lstStyle/>
-                    <a:p>
-                      <a:pPr marL="0" lvl="0" indent="0" algn="ctr">
-                        <a:buNone/>
-                      </a:pPr>
-                      <a:r>
-                        <a:rPr sz="2400" dirty="0"/>
-                        <a:t>Grade weight</a:t>
-                      </a:r>
-                    </a:p>
-                  </a:txBody>
-                  <a:tcPr/>
-                </a:tc>
-                <a:extLst>
-                  <a:ext uri="{0D108BD9-81ED-4DB2-BD59-A6C34878D82A}">
-                    <a16:rowId xmlns:a16="http://schemas.microsoft.com/office/drawing/2014/main" val="10000"/>
-                  </a:ext>
-                </a:extLst>
-              </a:tr>
-              <a:tr h="0">
-                <a:tc>
-                  <a:txBody>
-                    <a:bodyPr/>
-                    <a:lstStyle/>
-                    <a:p>
-                      <a:pPr marL="0" lvl="0" indent="0" algn="ctr">
-                        <a:buNone/>
-                      </a:pPr>
-                      <a:r>
-                        <a:rPr sz="2400" dirty="0"/>
-                        <a:t>Participation (graded discussions)</a:t>
-                      </a:r>
-                    </a:p>
-                  </a:txBody>
-                  <a:tcPr/>
-                </a:tc>
-                <a:tc>
-                  <a:txBody>
-                    <a:bodyPr/>
-                    <a:lstStyle/>
-                    <a:p>
-                      <a:pPr marL="0" lvl="0" indent="0" algn="ctr">
-                        <a:buNone/>
-                      </a:pPr>
-                      <a:r>
-                        <a:rPr sz="2400" dirty="0"/>
-                        <a:t>10%</a:t>
-                      </a:r>
-                    </a:p>
-                  </a:txBody>
-                  <a:tcPr/>
-                </a:tc>
-                <a:extLst>
-                  <a:ext uri="{0D108BD9-81ED-4DB2-BD59-A6C34878D82A}">
-                    <a16:rowId xmlns:a16="http://schemas.microsoft.com/office/drawing/2014/main" val="10001"/>
-                  </a:ext>
-                </a:extLst>
-              </a:tr>
-              <a:tr h="0">
-                <a:tc>
-                  <a:txBody>
-                    <a:bodyPr/>
-                    <a:lstStyle/>
-                    <a:p>
-                      <a:pPr marL="0" lvl="0" indent="0" algn="ctr">
-                        <a:buNone/>
-                      </a:pPr>
-                      <a:r>
-                        <a:rPr sz="2400"/>
-                        <a:t>Assignments</a:t>
-                      </a:r>
-                    </a:p>
-                  </a:txBody>
-                  <a:tcPr/>
-                </a:tc>
-                <a:tc>
-                  <a:txBody>
-                    <a:bodyPr/>
-                    <a:lstStyle/>
-                    <a:p>
-                      <a:pPr marL="0" lvl="0" indent="0" algn="ctr">
-                        <a:buNone/>
-                      </a:pPr>
-                      <a:r>
-                        <a:rPr sz="2400" dirty="0"/>
-                        <a:t>90%</a:t>
-                      </a:r>
-                    </a:p>
-                  </a:txBody>
-                  <a:tcPr/>
-                </a:tc>
-                <a:extLst>
-                  <a:ext uri="{0D108BD9-81ED-4DB2-BD59-A6C34878D82A}">
-                    <a16:rowId xmlns:a16="http://schemas.microsoft.com/office/drawing/2014/main" val="10002"/>
-                  </a:ext>
-                </a:extLst>
-              </a:tr>
-            </a:tbl>
-          </a:graphicData>
-        </a:graphic>
-      </p:graphicFrame>
+        </p:nvSpPr>
+        <p:spPr/>
+        <p:txBody>
+          <a:bodyPr>
+            <a:normAutofit fontScale="77500" lnSpcReduction="20000"/>
+          </a:bodyPr>
+          <a:lstStyle/>
+          <a:p>
+            <a:r>
+              <a:rPr lang="en-DE" dirty="0"/>
+              <a:t>Bachelor’s Degree from Harvard Extension School (2015-2018)</a:t>
+            </a:r>
+          </a:p>
+          <a:p>
+            <a:pPr lvl="1"/>
+            <a:r>
+              <a:rPr lang="en-DE" dirty="0"/>
+              <a:t>Field of Study: International Relations</a:t>
+            </a:r>
+          </a:p>
+          <a:p>
+            <a:pPr lvl="1"/>
+            <a:r>
+              <a:rPr lang="en-DE" dirty="0"/>
+              <a:t>Minors: Quantitative Analysis &amp; Government</a:t>
+            </a:r>
+          </a:p>
+          <a:p>
+            <a:r>
+              <a:rPr lang="en-DE" dirty="0"/>
+              <a:t>Master’s Degree from Harvard Extension School (2022-2024)</a:t>
+            </a:r>
+          </a:p>
+          <a:p>
+            <a:pPr lvl="1"/>
+            <a:r>
+              <a:rPr lang="en-DE" dirty="0"/>
+              <a:t>Field of Study: Data Science</a:t>
+            </a:r>
+          </a:p>
+          <a:p>
+            <a:r>
+              <a:rPr lang="en-DE" dirty="0"/>
+              <a:t>LG Electronics: </a:t>
+            </a:r>
+          </a:p>
+          <a:p>
+            <a:pPr lvl="1"/>
+            <a:r>
+              <a:rPr lang="en-DE" dirty="0"/>
+              <a:t>Product Specialist </a:t>
+            </a:r>
+          </a:p>
+          <a:p>
+            <a:pPr lvl="1"/>
+            <a:r>
+              <a:rPr lang="en-DE" dirty="0"/>
+              <a:t>Go-to-Market Manager</a:t>
+            </a:r>
+          </a:p>
+          <a:p>
+            <a:pPr lvl="1"/>
+            <a:r>
+              <a:rPr lang="en-DE" dirty="0"/>
+              <a:t>Data Analytics Specialist </a:t>
+            </a:r>
+          </a:p>
+          <a:p>
+            <a:r>
+              <a:rPr lang="en-DE" dirty="0"/>
+              <a:t>SharkNinja </a:t>
+            </a:r>
+          </a:p>
+          <a:p>
+            <a:pPr lvl="1"/>
+            <a:r>
+              <a:rPr lang="en-DE" dirty="0"/>
+              <a:t>Strategic Planning and Operations Data Scientist </a:t>
+            </a:r>
+          </a:p>
+          <a:p>
+            <a:r>
+              <a:rPr lang="en-DE" dirty="0"/>
+              <a:t>Building my own Data Science Consulting Firm</a:t>
+            </a:r>
+          </a:p>
+        </p:txBody>
+      </p:sp>
     </p:spTree>
+    <p:extLst>
+      <p:ext uri="{BB962C8B-B14F-4D97-AF65-F5344CB8AC3E}">
+        <p14:creationId xmlns:p14="http://schemas.microsoft.com/office/powerpoint/2010/main" val="2292487268"/>
+      </p:ext>
+    </p:extLst>
   </p:cSld>
   <p:clrMapOvr>
     <a:masterClrMapping/>

--- a/LectureSlides/01_PreceptionForScientificVisualization.pptx
+++ b/LectureSlides/01_PreceptionForScientificVisualization.pptx
@@ -16035,8 +16035,12 @@
           <a:p>
             <a:pPr lvl="0"/>
             <a:r>
+              <a:rPr lang="en-US" dirty="0"/>
+              <a:t>A</a:t>
+            </a:r>
+            <a:r>
               <a:rPr dirty="0"/>
-              <a:t>This aesthetic is only useful when two conditions are met:</a:t>
+              <a:t>esthetic is only useful when two conditions are met:</a:t>
             </a:r>
           </a:p>
           <a:p>
@@ -16086,6 +16090,245 @@
   <p:clrMapOvr>
     <a:masterClrMapping/>
   </p:clrMapOvr>
+  <p:timing>
+    <p:tnLst>
+      <p:par>
+        <p:cTn id="1" dur="indefinite" restart="never" nodeType="tmRoot">
+          <p:childTnLst>
+            <p:seq concurrent="1" nextAc="seek">
+              <p:cTn id="2" dur="indefinite" nodeType="mainSeq">
+                <p:childTnLst>
+                  <p:par>
+                    <p:cTn id="3" fill="hold">
+                      <p:stCondLst>
+                        <p:cond delay="indefinite"/>
+                      </p:stCondLst>
+                      <p:childTnLst>
+                        <p:par>
+                          <p:cTn id="4" fill="hold">
+                            <p:stCondLst>
+                              <p:cond delay="0"/>
+                            </p:stCondLst>
+                            <p:childTnLst>
+                              <p:par>
+                                <p:cTn id="5" presetID="1" presetClass="entr" presetSubtype="0" fill="hold" nodeType="clickEffect">
+                                  <p:stCondLst>
+                                    <p:cond delay="0"/>
+                                  </p:stCondLst>
+                                  <p:childTnLst>
+                                    <p:set>
+                                      <p:cBhvr>
+                                        <p:cTn id="6" dur="1" fill="hold">
+                                          <p:stCondLst>
+                                            <p:cond delay="0"/>
+                                          </p:stCondLst>
+                                        </p:cTn>
+                                        <p:tgtEl>
+                                          <p:spTgt spid="3">
+                                            <p:txEl>
+                                              <p:pRg st="1" end="1"/>
+                                            </p:txEl>
+                                          </p:spTgt>
+                                        </p:tgtEl>
+                                        <p:attrNameLst>
+                                          <p:attrName>style.visibility</p:attrName>
+                                        </p:attrNameLst>
+                                      </p:cBhvr>
+                                      <p:to>
+                                        <p:strVal val="visible"/>
+                                      </p:to>
+                                    </p:set>
+                                  </p:childTnLst>
+                                </p:cTn>
+                              </p:par>
+                              <p:par>
+                                <p:cTn id="7" presetID="1" presetClass="entr" presetSubtype="0" fill="hold" nodeType="withEffect">
+                                  <p:stCondLst>
+                                    <p:cond delay="0"/>
+                                  </p:stCondLst>
+                                  <p:childTnLst>
+                                    <p:set>
+                                      <p:cBhvr>
+                                        <p:cTn id="8" dur="1" fill="hold">
+                                          <p:stCondLst>
+                                            <p:cond delay="0"/>
+                                          </p:stCondLst>
+                                        </p:cTn>
+                                        <p:tgtEl>
+                                          <p:spTgt spid="3">
+                                            <p:txEl>
+                                              <p:pRg st="2" end="2"/>
+                                            </p:txEl>
+                                          </p:spTgt>
+                                        </p:tgtEl>
+                                        <p:attrNameLst>
+                                          <p:attrName>style.visibility</p:attrName>
+                                        </p:attrNameLst>
+                                      </p:cBhvr>
+                                      <p:to>
+                                        <p:strVal val="visible"/>
+                                      </p:to>
+                                    </p:set>
+                                  </p:childTnLst>
+                                </p:cTn>
+                              </p:par>
+                              <p:par>
+                                <p:cTn id="9" presetID="1" presetClass="entr" presetSubtype="0" fill="hold" nodeType="withEffect">
+                                  <p:stCondLst>
+                                    <p:cond delay="0"/>
+                                  </p:stCondLst>
+                                  <p:childTnLst>
+                                    <p:set>
+                                      <p:cBhvr>
+                                        <p:cTn id="10" dur="1" fill="hold">
+                                          <p:stCondLst>
+                                            <p:cond delay="0"/>
+                                          </p:stCondLst>
+                                        </p:cTn>
+                                        <p:tgtEl>
+                                          <p:spTgt spid="3">
+                                            <p:txEl>
+                                              <p:pRg st="3" end="3"/>
+                                            </p:txEl>
+                                          </p:spTgt>
+                                        </p:tgtEl>
+                                        <p:attrNameLst>
+                                          <p:attrName>style.visibility</p:attrName>
+                                        </p:attrNameLst>
+                                      </p:cBhvr>
+                                      <p:to>
+                                        <p:strVal val="visible"/>
+                                      </p:to>
+                                    </p:set>
+                                  </p:childTnLst>
+                                </p:cTn>
+                              </p:par>
+                            </p:childTnLst>
+                          </p:cTn>
+                        </p:par>
+                      </p:childTnLst>
+                    </p:cTn>
+                  </p:par>
+                  <p:par>
+                    <p:cTn id="11" fill="hold">
+                      <p:stCondLst>
+                        <p:cond delay="indefinite"/>
+                      </p:stCondLst>
+                      <p:childTnLst>
+                        <p:par>
+                          <p:cTn id="12" fill="hold">
+                            <p:stCondLst>
+                              <p:cond delay="0"/>
+                            </p:stCondLst>
+                            <p:childTnLst>
+                              <p:par>
+                                <p:cTn id="13" presetID="1" presetClass="entr" presetSubtype="0" fill="hold" nodeType="clickEffect">
+                                  <p:stCondLst>
+                                    <p:cond delay="0"/>
+                                  </p:stCondLst>
+                                  <p:childTnLst>
+                                    <p:set>
+                                      <p:cBhvr>
+                                        <p:cTn id="14" dur="1" fill="hold">
+                                          <p:stCondLst>
+                                            <p:cond delay="0"/>
+                                          </p:stCondLst>
+                                        </p:cTn>
+                                        <p:tgtEl>
+                                          <p:spTgt spid="3">
+                                            <p:txEl>
+                                              <p:pRg st="4" end="4"/>
+                                            </p:txEl>
+                                          </p:spTgt>
+                                        </p:tgtEl>
+                                        <p:attrNameLst>
+                                          <p:attrName>style.visibility</p:attrName>
+                                        </p:attrNameLst>
+                                      </p:cBhvr>
+                                      <p:to>
+                                        <p:strVal val="visible"/>
+                                      </p:to>
+                                    </p:set>
+                                  </p:childTnLst>
+                                </p:cTn>
+                              </p:par>
+                            </p:childTnLst>
+                          </p:cTn>
+                        </p:par>
+                      </p:childTnLst>
+                    </p:cTn>
+                  </p:par>
+                  <p:par>
+                    <p:cTn id="15" fill="hold">
+                      <p:stCondLst>
+                        <p:cond delay="indefinite"/>
+                      </p:stCondLst>
+                      <p:childTnLst>
+                        <p:par>
+                          <p:cTn id="16" fill="hold">
+                            <p:stCondLst>
+                              <p:cond delay="0"/>
+                            </p:stCondLst>
+                            <p:childTnLst>
+                              <p:par>
+                                <p:cTn id="17" presetID="1" presetClass="entr" presetSubtype="0" fill="hold" nodeType="clickEffect">
+                                  <p:stCondLst>
+                                    <p:cond delay="0"/>
+                                  </p:stCondLst>
+                                  <p:childTnLst>
+                                    <p:set>
+                                      <p:cBhvr>
+                                        <p:cTn id="18" dur="1" fill="hold">
+                                          <p:stCondLst>
+                                            <p:cond delay="0"/>
+                                          </p:stCondLst>
+                                        </p:cTn>
+                                        <p:tgtEl>
+                                          <p:spTgt spid="3">
+                                            <p:txEl>
+                                              <p:pRg st="5" end="5"/>
+                                            </p:txEl>
+                                          </p:spTgt>
+                                        </p:tgtEl>
+                                        <p:attrNameLst>
+                                          <p:attrName>style.visibility</p:attrName>
+                                        </p:attrNameLst>
+                                      </p:cBhvr>
+                                      <p:to>
+                                        <p:strVal val="visible"/>
+                                      </p:to>
+                                    </p:set>
+                                  </p:childTnLst>
+                                </p:cTn>
+                              </p:par>
+                            </p:childTnLst>
+                          </p:cTn>
+                        </p:par>
+                      </p:childTnLst>
+                    </p:cTn>
+                  </p:par>
+                </p:childTnLst>
+              </p:cTn>
+              <p:prevCondLst>
+                <p:cond evt="onPrev" delay="0">
+                  <p:tgtEl>
+                    <p:sldTgt/>
+                  </p:tgtEl>
+                </p:cond>
+              </p:prevCondLst>
+              <p:nextCondLst>
+                <p:cond evt="onNext" delay="0">
+                  <p:tgtEl>
+                    <p:sldTgt/>
+                  </p:tgtEl>
+                </p:cond>
+              </p:nextCondLst>
+            </p:seq>
+          </p:childTnLst>
+        </p:cTn>
+      </p:par>
+    </p:tnLst>
+  </p:timing>
 </p:sld>
 </file>
 
